--- a/trunk/docs/Presentation/Presentation.pptx
+++ b/trunk/docs/Presentation/Presentation.pptx
@@ -9,13 +9,24 @@
     <p:sldId id="257" r:id="rId3"/>
     <p:sldId id="259" r:id="rId4"/>
     <p:sldId id="261" r:id="rId5"/>
-    <p:sldId id="262" r:id="rId6"/>
-    <p:sldId id="263" r:id="rId7"/>
-    <p:sldId id="266" r:id="rId8"/>
-    <p:sldId id="260" r:id="rId9"/>
-    <p:sldId id="267" r:id="rId10"/>
-    <p:sldId id="264" r:id="rId11"/>
-    <p:sldId id="258" r:id="rId12"/>
+    <p:sldId id="263" r:id="rId6"/>
+    <p:sldId id="266" r:id="rId7"/>
+    <p:sldId id="260" r:id="rId8"/>
+    <p:sldId id="262" r:id="rId9"/>
+    <p:sldId id="268" r:id="rId10"/>
+    <p:sldId id="269" r:id="rId11"/>
+    <p:sldId id="270" r:id="rId12"/>
+    <p:sldId id="271" r:id="rId13"/>
+    <p:sldId id="272" r:id="rId14"/>
+    <p:sldId id="273" r:id="rId15"/>
+    <p:sldId id="274" r:id="rId16"/>
+    <p:sldId id="267" r:id="rId17"/>
+    <p:sldId id="275" r:id="rId18"/>
+    <p:sldId id="264" r:id="rId19"/>
+    <p:sldId id="276" r:id="rId20"/>
+    <p:sldId id="277" r:id="rId21"/>
+    <p:sldId id="278" r:id="rId22"/>
+    <p:sldId id="258" r:id="rId23"/>
   </p:sldIdLst>
   <p:sldSz cx="9144000" cy="6858000" type="screen4x3"/>
   <p:notesSz cx="6858000" cy="9144000"/>
@@ -202,7 +213,7 @@
           </a:lstStyle>
           <a:p>
             <a:pPr algn="ctr" eaLnBrk="1" latinLnBrk="0" hangingPunct="1"/>
-            <a:endParaRPr kumimoji="0" lang="en-US"/>
+            <a:endParaRPr kumimoji="0" lang="en-US" dirty="0"/>
           </a:p>
         </p:txBody>
       </p:sp>
@@ -416,7 +427,7 @@
               <a:extLst/>
             </a:lstStyle>
             <a:p>
-              <a:endParaRPr kumimoji="0" lang="en-US"/>
+              <a:endParaRPr kumimoji="0" lang="en-US" dirty="0"/>
             </a:p>
           </p:txBody>
         </p:sp>
@@ -498,7 +509,7 @@
               <a:extLst/>
             </a:lstStyle>
             <a:p>
-              <a:endParaRPr kumimoji="0" lang="en-US"/>
+              <a:endParaRPr kumimoji="0" lang="en-US" dirty="0"/>
             </a:p>
           </p:txBody>
         </p:sp>
@@ -658,7 +669,7 @@
             </a:lstStyle>
             <a:p>
               <a:pPr algn="ctr" eaLnBrk="1" latinLnBrk="0" hangingPunct="1"/>
-              <a:endParaRPr kumimoji="0" lang="en-US"/>
+              <a:endParaRPr kumimoji="0" lang="en-US" dirty="0"/>
             </a:p>
           </p:txBody>
         </p:sp>
@@ -742,7 +753,8 @@
           <a:p>
             <a:fld id="{8900D071-D45E-4DB1-8026-6607FD7943F8}" type="datetimeFigureOut">
               <a:rPr lang="lt-LT" smtClean="0"/>
-              <a:t>2009.01.19</a:t>
+              <a:pPr/>
+              <a:t>2009.01.21</a:t>
             </a:fld>
             <a:endParaRPr lang="lt-LT"/>
           </a:p>
@@ -804,6 +816,7 @@
           <a:p>
             <a:fld id="{D01D3B16-9DD8-4C37-8DF4-243418B31B2B}" type="slidenum">
               <a:rPr lang="lt-LT" smtClean="0"/>
+              <a:pPr/>
               <a:t>‹#›</a:t>
             </a:fld>
             <a:endParaRPr lang="lt-LT"/>
@@ -938,7 +951,8 @@
           <a:p>
             <a:fld id="{8900D071-D45E-4DB1-8026-6607FD7943F8}" type="datetimeFigureOut">
               <a:rPr lang="lt-LT" smtClean="0"/>
-              <a:t>2009.01.19</a:t>
+              <a:pPr/>
+              <a:t>2009.01.21</a:t>
             </a:fld>
             <a:endParaRPr lang="lt-LT"/>
           </a:p>
@@ -984,6 +998,7 @@
           <a:p>
             <a:fld id="{D01D3B16-9DD8-4C37-8DF4-243418B31B2B}" type="slidenum">
               <a:rPr lang="lt-LT" smtClean="0"/>
+              <a:pPr/>
               <a:t>‹#›</a:t>
             </a:fld>
             <a:endParaRPr lang="lt-LT"/>
@@ -1123,7 +1138,8 @@
           <a:p>
             <a:fld id="{8900D071-D45E-4DB1-8026-6607FD7943F8}" type="datetimeFigureOut">
               <a:rPr lang="lt-LT" smtClean="0"/>
-              <a:t>2009.01.19</a:t>
+              <a:pPr/>
+              <a:t>2009.01.21</a:t>
             </a:fld>
             <a:endParaRPr lang="lt-LT"/>
           </a:p>
@@ -1169,6 +1185,7 @@
           <a:p>
             <a:fld id="{D01D3B16-9DD8-4C37-8DF4-243418B31B2B}" type="slidenum">
               <a:rPr lang="lt-LT" smtClean="0"/>
+              <a:pPr/>
               <a:t>‹#›</a:t>
             </a:fld>
             <a:endParaRPr lang="lt-LT"/>
@@ -1273,7 +1290,8 @@
           <a:p>
             <a:fld id="{8900D071-D45E-4DB1-8026-6607FD7943F8}" type="datetimeFigureOut">
               <a:rPr lang="lt-LT" smtClean="0"/>
-              <a:t>2009.01.19</a:t>
+              <a:pPr/>
+              <a:t>2009.01.21</a:t>
             </a:fld>
             <a:endParaRPr lang="lt-LT"/>
           </a:p>
@@ -1319,6 +1337,7 @@
           <a:p>
             <a:fld id="{D01D3B16-9DD8-4C37-8DF4-243418B31B2B}" type="slidenum">
               <a:rPr lang="lt-LT" smtClean="0"/>
+              <a:pPr/>
               <a:t>‹#›</a:t>
             </a:fld>
             <a:endParaRPr lang="lt-LT"/>
@@ -1528,7 +1547,8 @@
           <a:p>
             <a:fld id="{8900D071-D45E-4DB1-8026-6607FD7943F8}" type="datetimeFigureOut">
               <a:rPr lang="lt-LT" smtClean="0"/>
-              <a:t>2009.01.19</a:t>
+              <a:pPr/>
+              <a:t>2009.01.21</a:t>
             </a:fld>
             <a:endParaRPr lang="lt-LT"/>
           </a:p>
@@ -1574,6 +1594,7 @@
           <a:p>
             <a:fld id="{D01D3B16-9DD8-4C37-8DF4-243418B31B2B}" type="slidenum">
               <a:rPr lang="lt-LT" smtClean="0"/>
+              <a:pPr/>
               <a:t>‹#›</a:t>
             </a:fld>
             <a:endParaRPr lang="lt-LT"/>
@@ -1656,7 +1677,7 @@
           </a:lstStyle>
           <a:p>
             <a:pPr algn="l" eaLnBrk="1" latinLnBrk="0" hangingPunct="1"/>
-            <a:endParaRPr kumimoji="0" lang="en-US"/>
+            <a:endParaRPr kumimoji="0" lang="en-US" dirty="0"/>
           </a:p>
         </p:txBody>
       </p:sp>
@@ -1736,7 +1757,7 @@
           </a:lstStyle>
           <a:p>
             <a:pPr algn="l" eaLnBrk="1" latinLnBrk="0" hangingPunct="1"/>
-            <a:endParaRPr kumimoji="0" lang="en-US"/>
+            <a:endParaRPr kumimoji="0" lang="en-US" dirty="0"/>
           </a:p>
         </p:txBody>
       </p:sp>
@@ -1937,7 +1958,8 @@
           <a:p>
             <a:fld id="{8900D071-D45E-4DB1-8026-6607FD7943F8}" type="datetimeFigureOut">
               <a:rPr lang="lt-LT" smtClean="0"/>
-              <a:t>2009.01.19</a:t>
+              <a:pPr/>
+              <a:t>2009.01.21</a:t>
             </a:fld>
             <a:endParaRPr lang="lt-LT"/>
           </a:p>
@@ -1983,6 +2005,7 @@
           <a:p>
             <a:fld id="{D01D3B16-9DD8-4C37-8DF4-243418B31B2B}" type="slidenum">
               <a:rPr lang="lt-LT" smtClean="0"/>
+              <a:pPr/>
               <a:t>‹#›</a:t>
             </a:fld>
             <a:endParaRPr lang="lt-LT"/>
@@ -2383,7 +2406,8 @@
           <a:p>
             <a:fld id="{8900D071-D45E-4DB1-8026-6607FD7943F8}" type="datetimeFigureOut">
               <a:rPr lang="lt-LT" smtClean="0"/>
-              <a:t>2009.01.19</a:t>
+              <a:pPr/>
+              <a:t>2009.01.21</a:t>
             </a:fld>
             <a:endParaRPr lang="lt-LT"/>
           </a:p>
@@ -2429,6 +2453,7 @@
           <a:p>
             <a:fld id="{D01D3B16-9DD8-4C37-8DF4-243418B31B2B}" type="slidenum">
               <a:rPr lang="lt-LT" smtClean="0"/>
+              <a:pPr/>
               <a:t>‹#›</a:t>
             </a:fld>
             <a:endParaRPr lang="lt-LT"/>
@@ -2484,7 +2509,8 @@
           <a:p>
             <a:fld id="{8900D071-D45E-4DB1-8026-6607FD7943F8}" type="datetimeFigureOut">
               <a:rPr lang="lt-LT" smtClean="0"/>
-              <a:t>2009.01.19</a:t>
+              <a:pPr/>
+              <a:t>2009.01.21</a:t>
             </a:fld>
             <a:endParaRPr lang="lt-LT"/>
           </a:p>
@@ -2530,6 +2556,7 @@
           <a:p>
             <a:fld id="{D01D3B16-9DD8-4C37-8DF4-243418B31B2B}" type="slidenum">
               <a:rPr lang="lt-LT" smtClean="0"/>
+              <a:pPr/>
               <a:t>‹#›</a:t>
             </a:fld>
             <a:endParaRPr lang="lt-LT"/>
@@ -2605,7 +2632,8 @@
           <a:p>
             <a:fld id="{8900D071-D45E-4DB1-8026-6607FD7943F8}" type="datetimeFigureOut">
               <a:rPr lang="lt-LT" smtClean="0"/>
-              <a:t>2009.01.19</a:t>
+              <a:pPr/>
+              <a:t>2009.01.21</a:t>
             </a:fld>
             <a:endParaRPr lang="lt-LT"/>
           </a:p>
@@ -2651,6 +2679,7 @@
           <a:p>
             <a:fld id="{D01D3B16-9DD8-4C37-8DF4-243418B31B2B}" type="slidenum">
               <a:rPr lang="lt-LT" smtClean="0"/>
+              <a:pPr/>
               <a:t>‹#›</a:t>
             </a:fld>
             <a:endParaRPr lang="lt-LT"/>
@@ -2879,7 +2908,8 @@
           <a:p>
             <a:fld id="{8900D071-D45E-4DB1-8026-6607FD7943F8}" type="datetimeFigureOut">
               <a:rPr lang="lt-LT" smtClean="0"/>
-              <a:t>2009.01.19</a:t>
+              <a:pPr/>
+              <a:t>2009.01.21</a:t>
             </a:fld>
             <a:endParaRPr lang="lt-LT"/>
           </a:p>
@@ -2925,6 +2955,7 @@
           <a:p>
             <a:fld id="{D01D3B16-9DD8-4C37-8DF4-243418B31B2B}" type="slidenum">
               <a:rPr lang="lt-LT" smtClean="0"/>
+              <a:pPr/>
               <a:t>‹#›</a:t>
             </a:fld>
             <a:endParaRPr lang="lt-LT"/>
@@ -3051,7 +3082,7 @@
           </a:lstStyle>
           <a:p>
             <a:r>
-              <a:rPr kumimoji="0" lang="en-US" smtClean="0"/>
+              <a:rPr kumimoji="0" lang="en-US" dirty="0" smtClean="0"/>
               <a:t>Click icon to add picture</a:t>
             </a:r>
             <a:endParaRPr kumimoji="0" lang="en-US" dirty="0"/>
@@ -3084,7 +3115,8 @@
           <a:p>
             <a:fld id="{8900D071-D45E-4DB1-8026-6607FD7943F8}" type="datetimeFigureOut">
               <a:rPr lang="lt-LT" smtClean="0"/>
-              <a:t>2009.01.19</a:t>
+              <a:pPr/>
+              <a:t>2009.01.21</a:t>
             </a:fld>
             <a:endParaRPr lang="lt-LT"/>
           </a:p>
@@ -3149,6 +3181,7 @@
           <a:p>
             <a:fld id="{D01D3B16-9DD8-4C37-8DF4-243418B31B2B}" type="slidenum">
               <a:rPr lang="lt-LT" smtClean="0"/>
+              <a:pPr/>
               <a:t>‹#›</a:t>
             </a:fld>
             <a:endParaRPr lang="lt-LT"/>
@@ -3283,7 +3316,7 @@
             <a:extLst/>
           </a:lstStyle>
           <a:p>
-            <a:endParaRPr kumimoji="0" lang="en-US"/>
+            <a:endParaRPr kumimoji="0" lang="en-US" dirty="0"/>
           </a:p>
         </p:txBody>
       </p:sp>
@@ -3365,7 +3398,7 @@
             <a:extLst/>
           </a:lstStyle>
           <a:p>
-            <a:endParaRPr kumimoji="0" lang="en-US"/>
+            <a:endParaRPr kumimoji="0" lang="en-US" dirty="0"/>
           </a:p>
         </p:txBody>
       </p:sp>
@@ -3476,7 +3509,7 @@
           </a:lstStyle>
           <a:p>
             <a:pPr algn="ctr" eaLnBrk="1" latinLnBrk="0" hangingPunct="1"/>
-            <a:endParaRPr kumimoji="0" lang="en-US"/>
+            <a:endParaRPr kumimoji="0" lang="en-US" dirty="0"/>
           </a:p>
         </p:txBody>
       </p:sp>
@@ -3609,7 +3642,7 @@
           </a:lstStyle>
           <a:p>
             <a:pPr algn="l" eaLnBrk="1" latinLnBrk="0" hangingPunct="1"/>
-            <a:endParaRPr kumimoji="0" lang="en-US"/>
+            <a:endParaRPr kumimoji="0" lang="en-US" dirty="0"/>
           </a:p>
         </p:txBody>
       </p:sp>
@@ -3689,7 +3722,7 @@
           </a:lstStyle>
           <a:p>
             <a:pPr algn="l" eaLnBrk="1" latinLnBrk="0" hangingPunct="1"/>
-            <a:endParaRPr kumimoji="0" lang="en-US"/>
+            <a:endParaRPr kumimoji="0" lang="en-US" dirty="0"/>
           </a:p>
         </p:txBody>
       </p:sp>
@@ -3803,7 +3836,7 @@
             <a:extLst/>
           </a:lstStyle>
           <a:p>
-            <a:endParaRPr kumimoji="0" lang="en-US"/>
+            <a:endParaRPr kumimoji="0" lang="en-US" dirty="0"/>
           </a:p>
         </p:txBody>
       </p:sp>
@@ -3885,7 +3918,7 @@
             <a:extLst/>
           </a:lstStyle>
           <a:p>
-            <a:endParaRPr kumimoji="0" lang="en-US"/>
+            <a:endParaRPr kumimoji="0" lang="en-US" dirty="0"/>
           </a:p>
         </p:txBody>
       </p:sp>
@@ -3996,7 +4029,7 @@
           </a:lstStyle>
           <a:p>
             <a:pPr algn="ctr" eaLnBrk="1" latinLnBrk="0" hangingPunct="1"/>
-            <a:endParaRPr kumimoji="0" lang="en-US"/>
+            <a:endParaRPr kumimoji="0" lang="en-US" dirty="0"/>
           </a:p>
         </p:txBody>
       </p:sp>
@@ -4193,7 +4226,8 @@
           <a:p>
             <a:fld id="{8900D071-D45E-4DB1-8026-6607FD7943F8}" type="datetimeFigureOut">
               <a:rPr lang="lt-LT" smtClean="0"/>
-              <a:t>2009.01.19</a:t>
+              <a:pPr/>
+              <a:t>2009.01.21</a:t>
             </a:fld>
             <a:endParaRPr lang="lt-LT"/>
           </a:p>
@@ -4269,6 +4303,7 @@
           <a:p>
             <a:fld id="{D01D3B16-9DD8-4C37-8DF4-243418B31B2B}" type="slidenum">
               <a:rPr lang="lt-LT" smtClean="0"/>
+              <a:pPr/>
               <a:t>‹#›</a:t>
             </a:fld>
             <a:endParaRPr lang="lt-LT"/>
@@ -4644,7 +4679,7 @@
           <a:lstStyle/>
           <a:p>
             <a:r>
-              <a:rPr lang="en-US" dirty="0" err="1" smtClean="0"/>
+              <a:rPr lang="lt-LT" dirty="0" smtClean="0"/>
               <a:t>Algirdas</a:t>
             </a:r>
             <a:r>
@@ -4681,7 +4716,7 @@
 </file>
 
 <file path=ppt/slides/slide10.xml><?xml version="1.0" encoding="utf-8"?>
-<p:sld xmlns:a="http://schemas.openxmlformats.org/drawingml/2006/main" xmlns:r="http://schemas.openxmlformats.org/officeDocument/2006/relationships" xmlns:p="http://schemas.openxmlformats.org/presentationml/2006/main">
+<p:sld xmlns:a="http://schemas.openxmlformats.org/drawingml/2006/main" xmlns:r="http://schemas.openxmlformats.org/officeDocument/2006/relationships" xmlns:p="http://schemas.openxmlformats.org/presentationml/2006/main" show="0">
   <p:cSld>
     <p:spTree>
       <p:nvGrpSpPr>
@@ -4709,43 +4744,50 @@
         </p:nvSpPr>
         <p:spPr/>
         <p:txBody>
-          <a:bodyPr/>
+          <a:bodyPr>
+            <a:normAutofit fontScale="85000" lnSpcReduction="20000"/>
+          </a:bodyPr>
           <a:lstStyle/>
           <a:p>
             <a:r>
-              <a:rPr lang="lt-LT" dirty="0" smtClean="0"/>
-              <a:t>Initial BVH pose</a:t>
-            </a:r>
-          </a:p>
-          <a:p>
-            <a:r>
-              <a:rPr lang="lt-LT" dirty="0" smtClean="0"/>
-              <a:t>Exploding knee problem</a:t>
-            </a:r>
-          </a:p>
-          <a:p>
-            <a:r>
               <a:rPr lang="en-US" dirty="0" smtClean="0"/>
-              <a:t>Mesh connections collapsing on </a:t>
+              <a:t>Deforming skin directly on th</a:t>
             </a:r>
             <a:r>
               <a:rPr lang="en-US" dirty="0" smtClean="0"/>
-              <a:t>com</a:t>
-            </a:r>
-            <a:r>
-              <a:rPr lang="lt-LT" dirty="0" smtClean="0"/>
-              <a:t>plex </a:t>
-            </a:r>
-            <a:r>
-              <a:rPr lang="lt-LT" dirty="0" smtClean="0"/>
-              <a:t>deformations</a:t>
-            </a:r>
-          </a:p>
-          <a:p>
-            <a:pPr>
-              <a:buNone/>
-            </a:pPr>
-            <a:endParaRPr lang="lt-LT" dirty="0"/>
+              <a:t>e movement. LBS was publicly introduced by the game community, remains very popular because of fast computation speeds, but has it’s problems. </a:t>
+            </a:r>
+          </a:p>
+          <a:p>
+            <a:r>
+              <a:rPr lang="en-US" i="1" dirty="0" smtClean="0"/>
+              <a:t>Named differently: Subspace Deformation, “smooth skinning</a:t>
+            </a:r>
+            <a:r>
+              <a:rPr lang="en-US" i="1" dirty="0" smtClean="0"/>
+              <a:t>”</a:t>
+            </a:r>
+            <a:endParaRPr lang="en-US" dirty="0" smtClean="0"/>
+          </a:p>
+          <a:p>
+            <a:r>
+              <a:rPr lang="en-US" dirty="0" smtClean="0"/>
+              <a:t>Larger angles cause serious artifacts: collapsing elbow, candy-wrapper.</a:t>
+            </a:r>
+          </a:p>
+          <a:p>
+            <a:r>
+              <a:rPr lang="en-US" dirty="0" smtClean="0"/>
+              <a:t>Solutions: adding extra transformation (joint, maybe also used for muscles), direct assignment of weight around the joint – manual labeling and different formula</a:t>
+            </a:r>
+            <a:r>
+              <a:rPr lang="en-US" sz="2200" i="1" dirty="0" smtClean="0"/>
+              <a:t>, interpolating transformations (using rotation/translation matrices directly in algorithm)  and using quaternions as we did.</a:t>
+            </a:r>
+            <a:endParaRPr lang="en-US" sz="2200" i="1" dirty="0" smtClean="0"/>
+          </a:p>
+          <a:p>
+            <a:endParaRPr lang="en-US" dirty="0" smtClean="0"/>
           </a:p>
         </p:txBody>
       </p:sp>
@@ -4761,12 +4803,14 @@
         </p:nvSpPr>
         <p:spPr/>
         <p:txBody>
-          <a:bodyPr/>
+          <a:bodyPr>
+            <a:normAutofit fontScale="90000"/>
+          </a:bodyPr>
           <a:lstStyle/>
           <a:p>
             <a:r>
-              <a:rPr lang="lt-LT" dirty="0" smtClean="0"/>
-              <a:t>Problems</a:t>
+              <a:rPr lang="en-US" dirty="0" smtClean="0"/>
+              <a:t>Hidden. Direct skin deformation</a:t>
             </a:r>
             <a:endParaRPr lang="lt-LT" dirty="0"/>
           </a:p>
@@ -4777,6 +4821,7 @@
   <p:clrMapOvr>
     <a:masterClrMapping/>
   </p:clrMapOvr>
+  <p:transition/>
 </p:sld>
 </file>
 
@@ -4799,12 +4844,12 @@
       </p:grpSpPr>
       <p:sp>
         <p:nvSpPr>
-          <p:cNvPr id="2" name="Content Placeholder 1"/>
-          <p:cNvSpPr>
-            <a:spLocks noGrp="1"/>
-          </p:cNvSpPr>
-          <p:nvPr>
-            <p:ph idx="1"/>
+          <p:cNvPr id="3" name="Title 2"/>
+          <p:cNvSpPr>
+            <a:spLocks noGrp="1"/>
+          </p:cNvSpPr>
+          <p:nvPr>
+            <p:ph type="title"/>
           </p:nvPr>
         </p:nvSpPr>
         <p:spPr/>
@@ -4812,41 +4857,102 @@
           <a:bodyPr/>
           <a:lstStyle/>
           <a:p>
-            <a:pPr algn="ctr">
-              <a:buNone/>
+            <a:r>
+              <a:rPr lang="en-US" dirty="0" smtClean="0"/>
+              <a:t>Linear blend skinning</a:t>
+            </a:r>
+            <a:endParaRPr lang="lt-LT" dirty="0"/>
+          </a:p>
+        </p:txBody>
+      </p:sp>
+      <p:pic>
+        <p:nvPicPr>
+          <p:cNvPr id="1026" name="Picture 2"/>
+          <p:cNvPicPr>
+            <a:picLocks noGrp="1" noChangeAspect="1" noChangeArrowheads="1"/>
+          </p:cNvPicPr>
+          <p:nvPr>
+            <p:ph idx="1"/>
+          </p:nvPr>
+        </p:nvPicPr>
+        <p:blipFill>
+          <a:blip r:embed="rId2"/>
+          <a:srcRect/>
+          <a:stretch>
+            <a:fillRect/>
+          </a:stretch>
+        </p:blipFill>
+        <p:spPr bwMode="auto">
+          <a:xfrm>
+            <a:off x="2643174" y="2571744"/>
+            <a:ext cx="5788446" cy="3143248"/>
+          </a:xfrm>
+          <a:prstGeom prst="rect">
+            <a:avLst/>
+          </a:prstGeom>
+          <a:noFill/>
+          <a:ln w="9525">
+            <a:noFill/>
+            <a:miter lim="800000"/>
+            <a:headEnd/>
+            <a:tailEnd/>
+          </a:ln>
+          <a:effectLst/>
+        </p:spPr>
+      </p:pic>
+      <p:sp>
+        <p:nvSpPr>
+          <p:cNvPr id="5" name="TextBox 4"/>
+          <p:cNvSpPr txBox="1"/>
+          <p:nvPr/>
+        </p:nvSpPr>
+        <p:spPr>
+          <a:xfrm>
+            <a:off x="642910" y="1357298"/>
+            <a:ext cx="7929618" cy="954107"/>
+          </a:xfrm>
+          <a:prstGeom prst="rect">
+            <a:avLst/>
+          </a:prstGeom>
+          <a:noFill/>
+        </p:spPr>
+        <p:txBody>
+          <a:bodyPr wrap="square" rtlCol="0">
+            <a:spAutoFit/>
+          </a:bodyPr>
+          <a:lstStyle/>
+          <a:p>
+            <a:r>
+              <a:rPr lang="en-US" sz="2000" dirty="0" smtClean="0"/>
+              <a:t>Before animation:</a:t>
+            </a:r>
+          </a:p>
+          <a:p>
+            <a:pPr>
+              <a:buFont typeface="Arial" pitchFamily="34" charset="0"/>
+              <a:buChar char="•"/>
             </a:pPr>
-            <a:endParaRPr lang="lt-LT" sz="8000" dirty="0" smtClean="0"/>
-          </a:p>
-          <a:p>
-            <a:pPr algn="ctr">
-              <a:buNone/>
+            <a:r>
+              <a:rPr lang="en-US" dirty="0" smtClean="0"/>
+              <a:t>Mesh </a:t>
+            </a:r>
+            <a:r>
+              <a:rPr lang="en-US" dirty="0" smtClean="0"/>
+              <a:t>model</a:t>
+            </a:r>
+            <a:r>
+              <a:rPr lang="en-US" dirty="0" smtClean="0"/>
+              <a:t> and skeleton in T-pose</a:t>
+            </a:r>
+          </a:p>
+          <a:p>
+            <a:pPr>
+              <a:buFont typeface="Arial" pitchFamily="34" charset="0"/>
+              <a:buChar char="•"/>
             </a:pPr>
             <a:r>
-              <a:rPr lang="lt-LT" sz="8000" dirty="0" smtClean="0"/>
-              <a:t>?</a:t>
-            </a:r>
-            <a:endParaRPr lang="lt-LT" sz="8000" dirty="0"/>
-          </a:p>
-        </p:txBody>
-      </p:sp>
-      <p:sp>
-        <p:nvSpPr>
-          <p:cNvPr id="3" name="Title 2"/>
-          <p:cNvSpPr>
-            <a:spLocks noGrp="1"/>
-          </p:cNvSpPr>
-          <p:nvPr>
-            <p:ph type="title"/>
-          </p:nvPr>
-        </p:nvSpPr>
-        <p:spPr/>
-        <p:txBody>
-          <a:bodyPr/>
-          <a:lstStyle/>
-          <a:p>
-            <a:r>
-              <a:rPr lang="lt-LT" dirty="0" smtClean="0"/>
-              <a:t>Questions, comments</a:t>
+              <a:rPr lang="en-US" dirty="0" smtClean="0"/>
+              <a:t>Mesh vertices assigned influencing joints with weights</a:t>
             </a:r>
             <a:endParaRPr lang="lt-LT" dirty="0"/>
           </a:p>
@@ -4857,13 +4963,650 @@
   <p:clrMapOvr>
     <a:masterClrMapping/>
   </p:clrMapOvr>
-  <p:timing>
-    <p:tnLst>
-      <p:par>
-        <p:cTn id="1" dur="indefinite" restart="never" nodeType="tmRoot"/>
-      </p:par>
-    </p:tnLst>
-  </p:timing>
+</p:sld>
+</file>
+
+<file path=ppt/slides/slide12.xml><?xml version="1.0" encoding="utf-8"?>
+<p:sld xmlns:a="http://schemas.openxmlformats.org/drawingml/2006/main" xmlns:r="http://schemas.openxmlformats.org/officeDocument/2006/relationships" xmlns:p="http://schemas.openxmlformats.org/presentationml/2006/main">
+  <p:cSld>
+    <p:spTree>
+      <p:nvGrpSpPr>
+        <p:cNvPr id="1" name=""/>
+        <p:cNvGrpSpPr/>
+        <p:nvPr/>
+      </p:nvGrpSpPr>
+      <p:grpSpPr>
+        <a:xfrm>
+          <a:off x="0" y="0"/>
+          <a:ext cx="0" cy="0"/>
+          <a:chOff x="0" y="0"/>
+          <a:chExt cx="0" cy="0"/>
+        </a:xfrm>
+      </p:grpSpPr>
+      <p:sp>
+        <p:nvSpPr>
+          <p:cNvPr id="2" name="Content Placeholder 1"/>
+          <p:cNvSpPr>
+            <a:spLocks noGrp="1"/>
+          </p:cNvSpPr>
+          <p:nvPr>
+            <p:ph idx="1"/>
+          </p:nvPr>
+        </p:nvSpPr>
+        <p:spPr/>
+        <p:txBody>
+          <a:bodyPr/>
+          <a:lstStyle/>
+          <a:p>
+            <a:pPr>
+              <a:buNone/>
+            </a:pPr>
+            <a:endParaRPr lang="lt-LT" dirty="0"/>
+          </a:p>
+        </p:txBody>
+      </p:sp>
+      <p:sp>
+        <p:nvSpPr>
+          <p:cNvPr id="3" name="Title 2"/>
+          <p:cNvSpPr>
+            <a:spLocks noGrp="1"/>
+          </p:cNvSpPr>
+          <p:nvPr>
+            <p:ph type="title"/>
+          </p:nvPr>
+        </p:nvSpPr>
+        <p:spPr/>
+        <p:txBody>
+          <a:bodyPr>
+            <a:normAutofit fontScale="90000"/>
+          </a:bodyPr>
+          <a:lstStyle/>
+          <a:p>
+            <a:r>
+              <a:rPr lang="en-US" dirty="0" smtClean="0"/>
+              <a:t>Linear blend skinning</a:t>
+            </a:r>
+            <a:br>
+              <a:rPr lang="en-US" dirty="0" smtClean="0"/>
+            </a:br>
+            <a:r>
+              <a:rPr lang="en-US" dirty="0" smtClean="0"/>
+              <a:t>Deformation</a:t>
+            </a:r>
+            <a:endParaRPr lang="lt-LT" dirty="0"/>
+          </a:p>
+        </p:txBody>
+      </p:sp>
+      <p:pic>
+        <p:nvPicPr>
+          <p:cNvPr id="2050" name="Picture 2" descr="vertexblend2"/>
+          <p:cNvPicPr>
+            <a:picLocks noChangeAspect="1" noChangeArrowheads="1"/>
+          </p:cNvPicPr>
+          <p:nvPr/>
+        </p:nvPicPr>
+        <p:blipFill>
+          <a:blip r:embed="rId2"/>
+          <a:srcRect/>
+          <a:stretch>
+            <a:fillRect/>
+          </a:stretch>
+        </p:blipFill>
+        <p:spPr bwMode="auto">
+          <a:xfrm>
+            <a:off x="1643042" y="2143116"/>
+            <a:ext cx="6432151" cy="2886078"/>
+          </a:xfrm>
+          <a:prstGeom prst="rect">
+            <a:avLst/>
+          </a:prstGeom>
+          <a:noFill/>
+          <a:ln w="9525">
+            <a:noFill/>
+            <a:miter lim="800000"/>
+            <a:headEnd/>
+            <a:tailEnd/>
+          </a:ln>
+        </p:spPr>
+      </p:pic>
+    </p:spTree>
+  </p:cSld>
+  <p:clrMapOvr>
+    <a:masterClrMapping/>
+  </p:clrMapOvr>
+</p:sld>
+</file>
+
+<file path=ppt/slides/slide13.xml><?xml version="1.0" encoding="utf-8"?>
+<p:sld xmlns:a="http://schemas.openxmlformats.org/drawingml/2006/main" xmlns:r="http://schemas.openxmlformats.org/officeDocument/2006/relationships" xmlns:p="http://schemas.openxmlformats.org/presentationml/2006/main">
+  <p:cSld>
+    <p:spTree>
+      <p:nvGrpSpPr>
+        <p:cNvPr id="1" name=""/>
+        <p:cNvGrpSpPr/>
+        <p:nvPr/>
+      </p:nvGrpSpPr>
+      <p:grpSpPr>
+        <a:xfrm>
+          <a:off x="0" y="0"/>
+          <a:ext cx="0" cy="0"/>
+          <a:chOff x="0" y="0"/>
+          <a:chExt cx="0" cy="0"/>
+        </a:xfrm>
+      </p:grpSpPr>
+      <p:sp>
+        <p:nvSpPr>
+          <p:cNvPr id="2" name="Content Placeholder 1"/>
+          <p:cNvSpPr>
+            <a:spLocks noGrp="1"/>
+          </p:cNvSpPr>
+          <p:nvPr>
+            <p:ph idx="1"/>
+          </p:nvPr>
+        </p:nvSpPr>
+        <p:spPr/>
+        <p:txBody>
+          <a:bodyPr/>
+          <a:lstStyle/>
+          <a:p>
+            <a:endParaRPr lang="lt-LT"/>
+          </a:p>
+        </p:txBody>
+      </p:sp>
+      <p:sp>
+        <p:nvSpPr>
+          <p:cNvPr id="3" name="Title 2"/>
+          <p:cNvSpPr>
+            <a:spLocks noGrp="1"/>
+          </p:cNvSpPr>
+          <p:nvPr>
+            <p:ph type="title"/>
+          </p:nvPr>
+        </p:nvSpPr>
+        <p:spPr/>
+        <p:txBody>
+          <a:bodyPr/>
+          <a:lstStyle/>
+          <a:p>
+            <a:r>
+              <a:rPr lang="en-US" dirty="0" smtClean="0"/>
+              <a:t>Quaternions</a:t>
+            </a:r>
+            <a:endParaRPr lang="lt-LT" dirty="0"/>
+          </a:p>
+        </p:txBody>
+      </p:sp>
+    </p:spTree>
+  </p:cSld>
+  <p:clrMapOvr>
+    <a:masterClrMapping/>
+  </p:clrMapOvr>
+</p:sld>
+</file>
+
+<file path=ppt/slides/slide14.xml><?xml version="1.0" encoding="utf-8"?>
+<p:sld xmlns:a="http://schemas.openxmlformats.org/drawingml/2006/main" xmlns:r="http://schemas.openxmlformats.org/officeDocument/2006/relationships" xmlns:p="http://schemas.openxmlformats.org/presentationml/2006/main">
+  <p:cSld>
+    <p:spTree>
+      <p:nvGrpSpPr>
+        <p:cNvPr id="1" name=""/>
+        <p:cNvGrpSpPr/>
+        <p:nvPr/>
+      </p:nvGrpSpPr>
+      <p:grpSpPr>
+        <a:xfrm>
+          <a:off x="0" y="0"/>
+          <a:ext cx="0" cy="0"/>
+          <a:chOff x="0" y="0"/>
+          <a:chExt cx="0" cy="0"/>
+        </a:xfrm>
+      </p:grpSpPr>
+      <p:sp>
+        <p:nvSpPr>
+          <p:cNvPr id="2" name="Content Placeholder 1"/>
+          <p:cNvSpPr>
+            <a:spLocks noGrp="1"/>
+          </p:cNvSpPr>
+          <p:nvPr>
+            <p:ph idx="1"/>
+          </p:nvPr>
+        </p:nvSpPr>
+        <p:spPr/>
+        <p:txBody>
+          <a:bodyPr/>
+          <a:lstStyle/>
+          <a:p>
+            <a:endParaRPr lang="lt-LT"/>
+          </a:p>
+        </p:txBody>
+      </p:sp>
+      <p:sp>
+        <p:nvSpPr>
+          <p:cNvPr id="3" name="Title 2"/>
+          <p:cNvSpPr>
+            <a:spLocks noGrp="1"/>
+          </p:cNvSpPr>
+          <p:nvPr>
+            <p:ph type="title"/>
+          </p:nvPr>
+        </p:nvSpPr>
+        <p:spPr/>
+        <p:txBody>
+          <a:bodyPr>
+            <a:normAutofit fontScale="90000"/>
+          </a:bodyPr>
+          <a:lstStyle/>
+          <a:p>
+            <a:r>
+              <a:rPr lang="en-US" dirty="0" smtClean="0"/>
+              <a:t>Parametric representation of lines in 3D</a:t>
+            </a:r>
+            <a:r>
+              <a:rPr lang="lt-LT" dirty="0" smtClean="0"/>
+              <a:t> space</a:t>
+            </a:r>
+            <a:endParaRPr lang="lt-LT" dirty="0"/>
+          </a:p>
+        </p:txBody>
+      </p:sp>
+    </p:spTree>
+  </p:cSld>
+  <p:clrMapOvr>
+    <a:masterClrMapping/>
+  </p:clrMapOvr>
+</p:sld>
+</file>
+
+<file path=ppt/slides/slide15.xml><?xml version="1.0" encoding="utf-8"?>
+<p:sld xmlns:a="http://schemas.openxmlformats.org/drawingml/2006/main" xmlns:r="http://schemas.openxmlformats.org/officeDocument/2006/relationships" xmlns:p="http://schemas.openxmlformats.org/presentationml/2006/main">
+  <p:cSld>
+    <p:spTree>
+      <p:nvGrpSpPr>
+        <p:cNvPr id="1" name=""/>
+        <p:cNvGrpSpPr/>
+        <p:nvPr/>
+      </p:nvGrpSpPr>
+      <p:grpSpPr>
+        <a:xfrm>
+          <a:off x="0" y="0"/>
+          <a:ext cx="0" cy="0"/>
+          <a:chOff x="0" y="0"/>
+          <a:chExt cx="0" cy="0"/>
+        </a:xfrm>
+      </p:grpSpPr>
+      <p:sp>
+        <p:nvSpPr>
+          <p:cNvPr id="2" name="Content Placeholder 1"/>
+          <p:cNvSpPr>
+            <a:spLocks noGrp="1"/>
+          </p:cNvSpPr>
+          <p:nvPr>
+            <p:ph idx="1"/>
+          </p:nvPr>
+        </p:nvSpPr>
+        <p:spPr/>
+        <p:txBody>
+          <a:bodyPr/>
+          <a:lstStyle/>
+          <a:p>
+            <a:endParaRPr lang="lt-LT"/>
+          </a:p>
+        </p:txBody>
+      </p:sp>
+      <p:sp>
+        <p:nvSpPr>
+          <p:cNvPr id="3" name="Title 2"/>
+          <p:cNvSpPr>
+            <a:spLocks noGrp="1"/>
+          </p:cNvSpPr>
+          <p:nvPr>
+            <p:ph type="title"/>
+          </p:nvPr>
+        </p:nvSpPr>
+        <p:spPr/>
+        <p:txBody>
+          <a:bodyPr/>
+          <a:lstStyle/>
+          <a:p>
+            <a:r>
+              <a:rPr lang="en-US" dirty="0" smtClean="0"/>
+              <a:t>Inverse kinematics</a:t>
+            </a:r>
+            <a:endParaRPr lang="lt-LT" dirty="0"/>
+          </a:p>
+        </p:txBody>
+      </p:sp>
+    </p:spTree>
+  </p:cSld>
+  <p:clrMapOvr>
+    <a:masterClrMapping/>
+  </p:clrMapOvr>
+</p:sld>
+</file>
+
+<file path=ppt/slides/slide16.xml><?xml version="1.0" encoding="utf-8"?>
+<p:sld xmlns:a="http://schemas.openxmlformats.org/drawingml/2006/main" xmlns:r="http://schemas.openxmlformats.org/officeDocument/2006/relationships" xmlns:p="http://schemas.openxmlformats.org/presentationml/2006/main">
+  <p:cSld>
+    <p:spTree>
+      <p:nvGrpSpPr>
+        <p:cNvPr id="1" name=""/>
+        <p:cNvGrpSpPr/>
+        <p:nvPr/>
+      </p:nvGrpSpPr>
+      <p:grpSpPr>
+        <a:xfrm>
+          <a:off x="0" y="0"/>
+          <a:ext cx="0" cy="0"/>
+          <a:chOff x="0" y="0"/>
+          <a:chExt cx="0" cy="0"/>
+        </a:xfrm>
+      </p:grpSpPr>
+      <p:sp>
+        <p:nvSpPr>
+          <p:cNvPr id="2" name="Content Placeholder 1"/>
+          <p:cNvSpPr>
+            <a:spLocks noGrp="1"/>
+          </p:cNvSpPr>
+          <p:nvPr>
+            <p:ph idx="1"/>
+          </p:nvPr>
+        </p:nvSpPr>
+        <p:spPr/>
+        <p:txBody>
+          <a:bodyPr/>
+          <a:lstStyle/>
+          <a:p>
+            <a:endParaRPr lang="en-US" dirty="0"/>
+          </a:p>
+        </p:txBody>
+      </p:sp>
+      <p:sp>
+        <p:nvSpPr>
+          <p:cNvPr id="3" name="Title 2"/>
+          <p:cNvSpPr>
+            <a:spLocks noGrp="1"/>
+          </p:cNvSpPr>
+          <p:nvPr>
+            <p:ph type="title"/>
+          </p:nvPr>
+        </p:nvSpPr>
+        <p:spPr/>
+        <p:txBody>
+          <a:bodyPr/>
+          <a:lstStyle/>
+          <a:p>
+            <a:r>
+              <a:rPr lang="en-US" dirty="0" smtClean="0"/>
+              <a:t>Animating human body</a:t>
+            </a:r>
+            <a:endParaRPr lang="en-US" dirty="0"/>
+          </a:p>
+        </p:txBody>
+      </p:sp>
+    </p:spTree>
+  </p:cSld>
+  <p:clrMapOvr>
+    <a:masterClrMapping/>
+  </p:clrMapOvr>
+</p:sld>
+</file>
+
+<file path=ppt/slides/slide17.xml><?xml version="1.0" encoding="utf-8"?>
+<p:sld xmlns:a="http://schemas.openxmlformats.org/drawingml/2006/main" xmlns:r="http://schemas.openxmlformats.org/officeDocument/2006/relationships" xmlns:p="http://schemas.openxmlformats.org/presentationml/2006/main">
+  <p:cSld>
+    <p:spTree>
+      <p:nvGrpSpPr>
+        <p:cNvPr id="1" name=""/>
+        <p:cNvGrpSpPr/>
+        <p:nvPr/>
+      </p:nvGrpSpPr>
+      <p:grpSpPr>
+        <a:xfrm>
+          <a:off x="0" y="0"/>
+          <a:ext cx="0" cy="0"/>
+          <a:chOff x="0" y="0"/>
+          <a:chExt cx="0" cy="0"/>
+        </a:xfrm>
+      </p:grpSpPr>
+      <p:sp>
+        <p:nvSpPr>
+          <p:cNvPr id="2" name="Content Placeholder 1"/>
+          <p:cNvSpPr>
+            <a:spLocks noGrp="1"/>
+          </p:cNvSpPr>
+          <p:nvPr>
+            <p:ph idx="1"/>
+          </p:nvPr>
+        </p:nvSpPr>
+        <p:spPr/>
+        <p:txBody>
+          <a:bodyPr/>
+          <a:lstStyle/>
+          <a:p>
+            <a:endParaRPr lang="en-US" dirty="0"/>
+          </a:p>
+        </p:txBody>
+      </p:sp>
+      <p:sp>
+        <p:nvSpPr>
+          <p:cNvPr id="3" name="Title 2"/>
+          <p:cNvSpPr>
+            <a:spLocks noGrp="1"/>
+          </p:cNvSpPr>
+          <p:nvPr>
+            <p:ph type="title"/>
+          </p:nvPr>
+        </p:nvSpPr>
+        <p:spPr/>
+        <p:txBody>
+          <a:bodyPr>
+            <a:normAutofit fontScale="90000"/>
+          </a:bodyPr>
+          <a:lstStyle/>
+          <a:p>
+            <a:r>
+              <a:rPr lang="en-US" dirty="0" smtClean="0"/>
+              <a:t>Animating human </a:t>
+            </a:r>
+            <a:r>
+              <a:rPr lang="en-US" dirty="0" smtClean="0"/>
+              <a:t>body</a:t>
+            </a:r>
+            <a:br>
+              <a:rPr lang="en-US" dirty="0" smtClean="0"/>
+            </a:br>
+            <a:r>
+              <a:rPr lang="en-US" sz="3100" dirty="0" smtClean="0"/>
+              <a:t>Our approach to linear blend skinning</a:t>
+            </a:r>
+            <a:endParaRPr lang="en-US" sz="3100" dirty="0"/>
+          </a:p>
+        </p:txBody>
+      </p:sp>
+    </p:spTree>
+  </p:cSld>
+  <p:clrMapOvr>
+    <a:masterClrMapping/>
+  </p:clrMapOvr>
+</p:sld>
+</file>
+
+<file path=ppt/slides/slide18.xml><?xml version="1.0" encoding="utf-8"?>
+<p:sld xmlns:a="http://schemas.openxmlformats.org/drawingml/2006/main" xmlns:r="http://schemas.openxmlformats.org/officeDocument/2006/relationships" xmlns:p="http://schemas.openxmlformats.org/presentationml/2006/main">
+  <p:cSld>
+    <p:spTree>
+      <p:nvGrpSpPr>
+        <p:cNvPr id="1" name=""/>
+        <p:cNvGrpSpPr/>
+        <p:nvPr/>
+      </p:nvGrpSpPr>
+      <p:grpSpPr>
+        <a:xfrm>
+          <a:off x="0" y="0"/>
+          <a:ext cx="0" cy="0"/>
+          <a:chOff x="0" y="0"/>
+          <a:chExt cx="0" cy="0"/>
+        </a:xfrm>
+      </p:grpSpPr>
+      <p:sp>
+        <p:nvSpPr>
+          <p:cNvPr id="2" name="Content Placeholder 1"/>
+          <p:cNvSpPr>
+            <a:spLocks noGrp="1"/>
+          </p:cNvSpPr>
+          <p:nvPr>
+            <p:ph idx="1"/>
+          </p:nvPr>
+        </p:nvSpPr>
+        <p:spPr/>
+        <p:txBody>
+          <a:bodyPr/>
+          <a:lstStyle/>
+          <a:p>
+            <a:r>
+              <a:rPr lang="lt-LT" dirty="0" smtClean="0"/>
+              <a:t>Initial BVH pose</a:t>
+            </a:r>
+          </a:p>
+          <a:p>
+            <a:r>
+              <a:rPr lang="lt-LT" dirty="0" smtClean="0"/>
+              <a:t>Exploding knee problem</a:t>
+            </a:r>
+          </a:p>
+          <a:p>
+            <a:r>
+              <a:rPr lang="en-US" dirty="0" smtClean="0"/>
+              <a:t>Mesh connections collapsing on com</a:t>
+            </a:r>
+            <a:r>
+              <a:rPr lang="lt-LT" dirty="0" smtClean="0"/>
+              <a:t>plex deformations</a:t>
+            </a:r>
+          </a:p>
+          <a:p>
+            <a:pPr>
+              <a:buNone/>
+            </a:pPr>
+            <a:endParaRPr lang="lt-LT" dirty="0"/>
+          </a:p>
+        </p:txBody>
+      </p:sp>
+      <p:sp>
+        <p:nvSpPr>
+          <p:cNvPr id="3" name="Title 2"/>
+          <p:cNvSpPr>
+            <a:spLocks noGrp="1"/>
+          </p:cNvSpPr>
+          <p:nvPr>
+            <p:ph type="title"/>
+          </p:nvPr>
+        </p:nvSpPr>
+        <p:spPr/>
+        <p:txBody>
+          <a:bodyPr/>
+          <a:lstStyle/>
+          <a:p>
+            <a:r>
+              <a:rPr lang="en-US" dirty="0" smtClean="0"/>
+              <a:t>Problems</a:t>
+            </a:r>
+            <a:endParaRPr lang="en-US" dirty="0"/>
+          </a:p>
+        </p:txBody>
+      </p:sp>
+    </p:spTree>
+  </p:cSld>
+  <p:clrMapOvr>
+    <a:masterClrMapping/>
+  </p:clrMapOvr>
+</p:sld>
+</file>
+
+<file path=ppt/slides/slide19.xml><?xml version="1.0" encoding="utf-8"?>
+<p:sld xmlns:a="http://schemas.openxmlformats.org/drawingml/2006/main" xmlns:r="http://schemas.openxmlformats.org/officeDocument/2006/relationships" xmlns:p="http://schemas.openxmlformats.org/presentationml/2006/main">
+  <p:cSld>
+    <p:spTree>
+      <p:nvGrpSpPr>
+        <p:cNvPr id="1" name=""/>
+        <p:cNvGrpSpPr/>
+        <p:nvPr/>
+      </p:nvGrpSpPr>
+      <p:grpSpPr>
+        <a:xfrm>
+          <a:off x="0" y="0"/>
+          <a:ext cx="0" cy="0"/>
+          <a:chOff x="0" y="0"/>
+          <a:chExt cx="0" cy="0"/>
+        </a:xfrm>
+      </p:grpSpPr>
+      <p:sp>
+        <p:nvSpPr>
+          <p:cNvPr id="2" name="Content Placeholder 1"/>
+          <p:cNvSpPr>
+            <a:spLocks noGrp="1"/>
+          </p:cNvSpPr>
+          <p:nvPr>
+            <p:ph idx="1"/>
+          </p:nvPr>
+        </p:nvSpPr>
+        <p:spPr/>
+        <p:txBody>
+          <a:bodyPr/>
+          <a:lstStyle/>
+          <a:p>
+            <a:pPr>
+              <a:buNone/>
+            </a:pPr>
+            <a:endParaRPr lang="lt-LT" dirty="0"/>
+          </a:p>
+        </p:txBody>
+      </p:sp>
+      <p:sp>
+        <p:nvSpPr>
+          <p:cNvPr id="3" name="Title 2"/>
+          <p:cNvSpPr>
+            <a:spLocks noGrp="1"/>
+          </p:cNvSpPr>
+          <p:nvPr>
+            <p:ph type="title"/>
+          </p:nvPr>
+        </p:nvSpPr>
+        <p:spPr/>
+        <p:txBody>
+          <a:bodyPr>
+            <a:normAutofit fontScale="90000"/>
+          </a:bodyPr>
+          <a:lstStyle/>
+          <a:p>
+            <a:r>
+              <a:rPr lang="en-US" dirty="0" smtClean="0"/>
+              <a:t>Problems</a:t>
+            </a:r>
+            <a:br>
+              <a:rPr lang="en-US" dirty="0" smtClean="0"/>
+            </a:br>
+            <a:r>
+              <a:rPr lang="lt-LT" sz="3100" dirty="0" smtClean="0"/>
+              <a:t>Initial </a:t>
+            </a:r>
+            <a:r>
+              <a:rPr lang="lt-LT" sz="3100" dirty="0" smtClean="0"/>
+              <a:t>BVH </a:t>
+            </a:r>
+            <a:r>
+              <a:rPr lang="lt-LT" sz="3100" dirty="0" smtClean="0"/>
+              <a:t>pose</a:t>
+            </a:r>
+            <a:endParaRPr lang="en-US" sz="3100" dirty="0"/>
+          </a:p>
+        </p:txBody>
+      </p:sp>
+    </p:spTree>
+  </p:cSld>
+  <p:clrMapOvr>
+    <a:masterClrMapping/>
+  </p:clrMapOvr>
 </p:sld>
 </file>
 
@@ -4907,17 +5650,17 @@
           <a:p>
             <a:r>
               <a:rPr lang="lt-LT" dirty="0" smtClean="0"/>
-              <a:t>Motion </a:t>
-            </a:r>
+              <a:t>Motion capture and motion data</a:t>
+            </a:r>
+          </a:p>
+          <a:p>
             <a:r>
               <a:rPr lang="lt-LT" dirty="0" smtClean="0"/>
-              <a:t>capture and motion data</a:t>
-            </a:r>
-          </a:p>
-          <a:p>
-            <a:r>
-              <a:rPr lang="lt-LT" dirty="0" smtClean="0"/>
-              <a:t>Used techniques</a:t>
+              <a:t>Used </a:t>
+            </a:r>
+            <a:r>
+              <a:rPr lang="en-US" dirty="0" smtClean="0"/>
+              <a:t>techniques</a:t>
             </a:r>
           </a:p>
           <a:p>
@@ -4962,6 +5705,263 @@
             <a:r>
               <a:rPr lang="lt-LT" dirty="0" smtClean="0"/>
               <a:t>Contents</a:t>
+            </a:r>
+            <a:endParaRPr lang="lt-LT" dirty="0"/>
+          </a:p>
+        </p:txBody>
+      </p:sp>
+    </p:spTree>
+  </p:cSld>
+  <p:clrMapOvr>
+    <a:masterClrMapping/>
+  </p:clrMapOvr>
+  <p:timing>
+    <p:tnLst>
+      <p:par>
+        <p:cTn id="1" dur="indefinite" restart="never" nodeType="tmRoot"/>
+      </p:par>
+    </p:tnLst>
+  </p:timing>
+</p:sld>
+</file>
+
+<file path=ppt/slides/slide20.xml><?xml version="1.0" encoding="utf-8"?>
+<p:sld xmlns:a="http://schemas.openxmlformats.org/drawingml/2006/main" xmlns:r="http://schemas.openxmlformats.org/officeDocument/2006/relationships" xmlns:p="http://schemas.openxmlformats.org/presentationml/2006/main">
+  <p:cSld>
+    <p:spTree>
+      <p:nvGrpSpPr>
+        <p:cNvPr id="1" name=""/>
+        <p:cNvGrpSpPr/>
+        <p:nvPr/>
+      </p:nvGrpSpPr>
+      <p:grpSpPr>
+        <a:xfrm>
+          <a:off x="0" y="0"/>
+          <a:ext cx="0" cy="0"/>
+          <a:chOff x="0" y="0"/>
+          <a:chExt cx="0" cy="0"/>
+        </a:xfrm>
+      </p:grpSpPr>
+      <p:sp>
+        <p:nvSpPr>
+          <p:cNvPr id="2" name="Content Placeholder 1"/>
+          <p:cNvSpPr>
+            <a:spLocks noGrp="1"/>
+          </p:cNvSpPr>
+          <p:nvPr>
+            <p:ph idx="1"/>
+          </p:nvPr>
+        </p:nvSpPr>
+        <p:spPr/>
+        <p:txBody>
+          <a:bodyPr/>
+          <a:lstStyle/>
+          <a:p>
+            <a:pPr>
+              <a:buNone/>
+            </a:pPr>
+            <a:endParaRPr lang="lt-LT" dirty="0"/>
+          </a:p>
+        </p:txBody>
+      </p:sp>
+      <p:sp>
+        <p:nvSpPr>
+          <p:cNvPr id="3" name="Title 2"/>
+          <p:cNvSpPr>
+            <a:spLocks noGrp="1"/>
+          </p:cNvSpPr>
+          <p:nvPr>
+            <p:ph type="title"/>
+          </p:nvPr>
+        </p:nvSpPr>
+        <p:spPr/>
+        <p:txBody>
+          <a:bodyPr>
+            <a:normAutofit fontScale="90000"/>
+          </a:bodyPr>
+          <a:lstStyle/>
+          <a:p>
+            <a:r>
+              <a:rPr lang="en-US" dirty="0" smtClean="0"/>
+              <a:t>Problems</a:t>
+            </a:r>
+            <a:br>
+              <a:rPr lang="en-US" dirty="0" smtClean="0"/>
+            </a:br>
+            <a:r>
+              <a:rPr lang="lt-LT" sz="3100" dirty="0" smtClean="0"/>
+              <a:t>Exploding </a:t>
+            </a:r>
+            <a:r>
+              <a:rPr lang="lt-LT" sz="3100" dirty="0" smtClean="0"/>
+              <a:t>knee problem</a:t>
+            </a:r>
+            <a:endParaRPr lang="en-US" sz="3100" dirty="0"/>
+          </a:p>
+        </p:txBody>
+      </p:sp>
+    </p:spTree>
+  </p:cSld>
+  <p:clrMapOvr>
+    <a:masterClrMapping/>
+  </p:clrMapOvr>
+</p:sld>
+</file>
+
+<file path=ppt/slides/slide21.xml><?xml version="1.0" encoding="utf-8"?>
+<p:sld xmlns:a="http://schemas.openxmlformats.org/drawingml/2006/main" xmlns:r="http://schemas.openxmlformats.org/officeDocument/2006/relationships" xmlns:p="http://schemas.openxmlformats.org/presentationml/2006/main">
+  <p:cSld>
+    <p:spTree>
+      <p:nvGrpSpPr>
+        <p:cNvPr id="1" name=""/>
+        <p:cNvGrpSpPr/>
+        <p:nvPr/>
+      </p:nvGrpSpPr>
+      <p:grpSpPr>
+        <a:xfrm>
+          <a:off x="0" y="0"/>
+          <a:ext cx="0" cy="0"/>
+          <a:chOff x="0" y="0"/>
+          <a:chExt cx="0" cy="0"/>
+        </a:xfrm>
+      </p:grpSpPr>
+      <p:sp>
+        <p:nvSpPr>
+          <p:cNvPr id="2" name="Content Placeholder 1"/>
+          <p:cNvSpPr>
+            <a:spLocks noGrp="1"/>
+          </p:cNvSpPr>
+          <p:nvPr>
+            <p:ph idx="1"/>
+          </p:nvPr>
+        </p:nvSpPr>
+        <p:spPr/>
+        <p:txBody>
+          <a:bodyPr/>
+          <a:lstStyle/>
+          <a:p>
+            <a:pPr>
+              <a:buNone/>
+            </a:pPr>
+            <a:endParaRPr lang="lt-LT" dirty="0"/>
+          </a:p>
+        </p:txBody>
+      </p:sp>
+      <p:sp>
+        <p:nvSpPr>
+          <p:cNvPr id="3" name="Title 2"/>
+          <p:cNvSpPr>
+            <a:spLocks noGrp="1"/>
+          </p:cNvSpPr>
+          <p:nvPr>
+            <p:ph type="title"/>
+          </p:nvPr>
+        </p:nvSpPr>
+        <p:spPr/>
+        <p:txBody>
+          <a:bodyPr>
+            <a:normAutofit fontScale="90000"/>
+          </a:bodyPr>
+          <a:lstStyle/>
+          <a:p>
+            <a:r>
+              <a:rPr lang="en-US" dirty="0" smtClean="0"/>
+              <a:t>Problems</a:t>
+            </a:r>
+            <a:br>
+              <a:rPr lang="en-US" dirty="0" smtClean="0"/>
+            </a:br>
+            <a:r>
+              <a:rPr lang="en-US" sz="3100" dirty="0" smtClean="0"/>
+              <a:t>Mesh </a:t>
+            </a:r>
+            <a:r>
+              <a:rPr lang="en-US" sz="3100" dirty="0" smtClean="0"/>
+              <a:t>connections collapsing on com</a:t>
+            </a:r>
+            <a:r>
+              <a:rPr lang="lt-LT" sz="3100" dirty="0" smtClean="0"/>
+              <a:t>plex deformations</a:t>
+            </a:r>
+            <a:endParaRPr lang="en-US" sz="3100" dirty="0"/>
+          </a:p>
+        </p:txBody>
+      </p:sp>
+    </p:spTree>
+  </p:cSld>
+  <p:clrMapOvr>
+    <a:masterClrMapping/>
+  </p:clrMapOvr>
+</p:sld>
+</file>
+
+<file path=ppt/slides/slide22.xml><?xml version="1.0" encoding="utf-8"?>
+<p:sld xmlns:a="http://schemas.openxmlformats.org/drawingml/2006/main" xmlns:r="http://schemas.openxmlformats.org/officeDocument/2006/relationships" xmlns:p="http://schemas.openxmlformats.org/presentationml/2006/main">
+  <p:cSld>
+    <p:spTree>
+      <p:nvGrpSpPr>
+        <p:cNvPr id="1" name=""/>
+        <p:cNvGrpSpPr/>
+        <p:nvPr/>
+      </p:nvGrpSpPr>
+      <p:grpSpPr>
+        <a:xfrm>
+          <a:off x="0" y="0"/>
+          <a:ext cx="0" cy="0"/>
+          <a:chOff x="0" y="0"/>
+          <a:chExt cx="0" cy="0"/>
+        </a:xfrm>
+      </p:grpSpPr>
+      <p:sp>
+        <p:nvSpPr>
+          <p:cNvPr id="2" name="Content Placeholder 1"/>
+          <p:cNvSpPr>
+            <a:spLocks noGrp="1"/>
+          </p:cNvSpPr>
+          <p:nvPr>
+            <p:ph idx="1"/>
+          </p:nvPr>
+        </p:nvSpPr>
+        <p:spPr/>
+        <p:txBody>
+          <a:bodyPr/>
+          <a:lstStyle/>
+          <a:p>
+            <a:pPr algn="ctr">
+              <a:buNone/>
+            </a:pPr>
+            <a:endParaRPr lang="lt-LT" sz="8000" dirty="0" smtClean="0"/>
+          </a:p>
+          <a:p>
+            <a:pPr algn="ctr">
+              <a:buNone/>
+            </a:pPr>
+            <a:r>
+              <a:rPr lang="lt-LT" sz="8000" dirty="0" smtClean="0"/>
+              <a:t>?</a:t>
+            </a:r>
+            <a:endParaRPr lang="lt-LT" sz="8000" dirty="0"/>
+          </a:p>
+        </p:txBody>
+      </p:sp>
+      <p:sp>
+        <p:nvSpPr>
+          <p:cNvPr id="3" name="Title 2"/>
+          <p:cNvSpPr>
+            <a:spLocks noGrp="1"/>
+          </p:cNvSpPr>
+          <p:nvPr>
+            <p:ph type="title"/>
+          </p:nvPr>
+        </p:nvSpPr>
+        <p:spPr/>
+        <p:txBody>
+          <a:bodyPr/>
+          <a:lstStyle/>
+          <a:p>
+            <a:r>
+              <a:rPr lang="lt-LT" dirty="0" smtClean="0"/>
+              <a:t>Questions, comments</a:t>
             </a:r>
             <a:endParaRPr lang="lt-LT" dirty="0"/>
           </a:p>
@@ -5016,14 +6016,53 @@
           <a:p>
             <a:r>
               <a:rPr lang="lt-LT" dirty="0" smtClean="0"/>
-              <a:t>Motion capturing</a:t>
+              <a:t>Motion </a:t>
+            </a:r>
+            <a:r>
+              <a:rPr lang="en-US" dirty="0" smtClean="0"/>
+              <a:t>capturing</a:t>
             </a:r>
           </a:p>
           <a:p>
             <a:r>
               <a:rPr lang="lt-LT" dirty="0" smtClean="0"/>
-              <a:t>Human body model animation</a:t>
-            </a:r>
+              <a:t>Human body model </a:t>
+            </a:r>
+            <a:r>
+              <a:rPr lang="lt-LT" dirty="0" smtClean="0"/>
+              <a:t>animation</a:t>
+            </a:r>
+            <a:endParaRPr lang="en-US" dirty="0" smtClean="0"/>
+          </a:p>
+          <a:p>
+            <a:pPr lvl="1"/>
+            <a:r>
+              <a:rPr lang="en-US" dirty="0" smtClean="0"/>
+              <a:t>Skeletal, joint-based structure</a:t>
+            </a:r>
+            <a:endParaRPr lang="en-US" dirty="0" smtClean="0"/>
+          </a:p>
+          <a:p>
+            <a:pPr lvl="1"/>
+            <a:r>
+              <a:rPr lang="en-US" dirty="0" smtClean="0"/>
+              <a:t>Animation program environment (C++/OpenGL)</a:t>
+            </a:r>
+          </a:p>
+          <a:p>
+            <a:pPr lvl="1"/>
+            <a:r>
+              <a:rPr lang="en-US" dirty="0" smtClean="0"/>
+              <a:t>Data interpretation</a:t>
+            </a:r>
+          </a:p>
+          <a:p>
+            <a:pPr lvl="1"/>
+            <a:r>
+              <a:rPr lang="en-US" dirty="0" smtClean="0"/>
+              <a:t>Model deformations</a:t>
+            </a:r>
+            <a:endParaRPr lang="lt-LT" dirty="0" smtClean="0"/>
           </a:p>
           <a:p>
             <a:endParaRPr lang="lt-LT" dirty="0"/>
@@ -5046,10 +6085,10 @@
           <a:lstStyle/>
           <a:p>
             <a:r>
-              <a:rPr lang="lt-LT" dirty="0" smtClean="0"/>
+              <a:rPr lang="en-US" dirty="0" smtClean="0"/>
               <a:t>Introduction. Project tasks</a:t>
             </a:r>
-            <a:endParaRPr lang="lt-LT" dirty="0"/>
+            <a:endParaRPr lang="en-US" dirty="0"/>
           </a:p>
         </p:txBody>
       </p:sp>
@@ -5120,10 +6159,10 @@
           <a:lstStyle/>
           <a:p>
             <a:r>
-              <a:rPr lang="lt-LT" dirty="0" smtClean="0"/>
+              <a:rPr lang="en-US" dirty="0" smtClean="0"/>
               <a:t>Human body animation movie</a:t>
             </a:r>
-            <a:endParaRPr lang="lt-LT" dirty="0"/>
+            <a:endParaRPr lang="en-US" dirty="0"/>
           </a:p>
         </p:txBody>
       </p:sp>
@@ -5164,19 +6203,131 @@
         </p:nvSpPr>
         <p:spPr/>
         <p:txBody>
-          <a:bodyPr/>
+          <a:bodyPr>
+            <a:normAutofit fontScale="92500" lnSpcReduction="10000"/>
+          </a:bodyPr>
           <a:lstStyle/>
           <a:p>
             <a:r>
+              <a:rPr lang="en-US" dirty="0" smtClean="0"/>
+              <a:t>Motion capture</a:t>
+            </a:r>
+          </a:p>
+          <a:p>
+            <a:pPr lvl="1"/>
+            <a:r>
+              <a:rPr lang="en-US" dirty="0" smtClean="0"/>
+              <a:t>What is </a:t>
+            </a:r>
+            <a:r>
+              <a:rPr lang="en-US" dirty="0" err="1" smtClean="0"/>
+              <a:t>Mocap</a:t>
+            </a:r>
+            <a:r>
+              <a:rPr lang="en-US" dirty="0" smtClean="0"/>
+              <a:t>?</a:t>
+            </a:r>
+          </a:p>
+          <a:p>
+            <a:pPr lvl="1"/>
+            <a:r>
+              <a:rPr lang="en-US" dirty="0" err="1" smtClean="0"/>
+              <a:t>Mocap</a:t>
+            </a:r>
+            <a:r>
+              <a:rPr lang="en-US" dirty="0" smtClean="0"/>
+              <a:t> in everyday life and in our project</a:t>
+            </a:r>
+          </a:p>
+          <a:p>
+            <a:r>
               <a:rPr lang="lt-LT" dirty="0" smtClean="0"/>
-              <a:t>Similar techniques</a:t>
-            </a:r>
-          </a:p>
-          <a:p>
+              <a:t>Various motion capture systems</a:t>
+            </a:r>
+          </a:p>
+          <a:p>
+            <a:pPr lvl="1"/>
             <a:r>
               <a:rPr lang="lt-LT" dirty="0" smtClean="0"/>
-              <a:t>Animation using anatomy</a:t>
-            </a:r>
+              <a:t>Optical, </a:t>
+            </a:r>
+            <a:r>
+              <a:rPr lang="en-US" dirty="0" smtClean="0"/>
+              <a:t>Magnetic</a:t>
+            </a:r>
+            <a:r>
+              <a:rPr lang="lt-LT" dirty="0" smtClean="0"/>
+              <a:t>, Mechanica</a:t>
+            </a:r>
+            <a:r>
+              <a:rPr lang="en-US" dirty="0" smtClean="0"/>
+              <a:t>l</a:t>
+            </a:r>
+            <a:r>
+              <a:rPr lang="en-US" sz="1800" i="1" dirty="0" smtClean="0"/>
+              <a:t>, Inertial</a:t>
+            </a:r>
+            <a:endParaRPr lang="lt-LT" sz="1800" i="1" dirty="0" smtClean="0"/>
+          </a:p>
+          <a:p>
+            <a:r>
+              <a:rPr lang="lt-LT" dirty="0" smtClean="0"/>
+              <a:t>Motion capture using Vicon Motion System</a:t>
+            </a:r>
+          </a:p>
+          <a:p>
+            <a:pPr lvl="1"/>
+            <a:r>
+              <a:rPr lang="lt-LT" dirty="0" smtClean="0"/>
+              <a:t>Major elements of Vicon mocap system:</a:t>
+            </a:r>
+          </a:p>
+          <a:p>
+            <a:pPr lvl="2"/>
+            <a:r>
+              <a:rPr lang="lt-LT" dirty="0" smtClean="0"/>
+              <a:t>Cameras</a:t>
+            </a:r>
+          </a:p>
+          <a:p>
+            <a:pPr lvl="2"/>
+            <a:r>
+              <a:rPr lang="lt-LT" dirty="0" smtClean="0"/>
+              <a:t>Suit with retroreflective markers</a:t>
+            </a:r>
+          </a:p>
+          <a:p>
+            <a:pPr lvl="1"/>
+            <a:r>
+              <a:rPr lang="lt-LT" dirty="0" smtClean="0"/>
+              <a:t>System preparations</a:t>
+            </a:r>
+          </a:p>
+          <a:p>
+            <a:pPr lvl="2"/>
+            <a:r>
+              <a:rPr lang="lt-LT" dirty="0" smtClean="0"/>
+              <a:t>Setting up cameras and system calibration</a:t>
+            </a:r>
+          </a:p>
+          <a:p>
+            <a:pPr lvl="2"/>
+            <a:r>
+              <a:rPr lang="lt-LT" dirty="0" smtClean="0"/>
+              <a:t>Capturing</a:t>
+            </a:r>
+            <a:endParaRPr lang="en-US" dirty="0" smtClean="0"/>
+          </a:p>
+          <a:p>
+            <a:pPr lvl="1"/>
+            <a:r>
+              <a:rPr lang="en-US" dirty="0" smtClean="0"/>
+              <a:t>Post-processing</a:t>
+            </a:r>
+            <a:endParaRPr lang="lt-LT" dirty="0" smtClean="0"/>
+          </a:p>
+          <a:p>
+            <a:endParaRPr lang="lt-LT" dirty="0" smtClean="0"/>
           </a:p>
         </p:txBody>
       </p:sp>
@@ -5192,12 +6343,14 @@
         </p:nvSpPr>
         <p:spPr/>
         <p:txBody>
-          <a:bodyPr/>
+          <a:bodyPr>
+            <a:normAutofit fontScale="90000"/>
+          </a:bodyPr>
           <a:lstStyle/>
           <a:p>
             <a:r>
               <a:rPr lang="lt-LT" dirty="0" smtClean="0"/>
-              <a:t>Introduction. Related work</a:t>
+              <a:t>Motion capture and motion data</a:t>
             </a:r>
             <a:endParaRPr lang="lt-LT" dirty="0"/>
           </a:p>
@@ -5245,97 +6398,49 @@
           <a:p>
             <a:r>
               <a:rPr lang="lt-LT" dirty="0" smtClean="0"/>
-              <a:t>Various motion capture systems</a:t>
+              <a:t>Various motion data formats</a:t>
+            </a:r>
+          </a:p>
+          <a:p>
+            <a:r>
+              <a:rPr lang="lt-LT" dirty="0" smtClean="0"/>
+              <a:t>Used formats</a:t>
             </a:r>
           </a:p>
           <a:p>
             <a:pPr lvl="1"/>
             <a:r>
               <a:rPr lang="lt-LT" dirty="0" smtClean="0"/>
-              <a:t>Optical, Digital, Mechanical capturing systems</a:t>
-            </a:r>
-          </a:p>
-          <a:p>
+              <a:t>Default C3D format for Vicon Motion System</a:t>
+            </a:r>
+          </a:p>
+          <a:p>
+            <a:pPr lvl="1"/>
             <a:r>
               <a:rPr lang="lt-LT" dirty="0" smtClean="0"/>
-              <a:t>Motion capture using </a:t>
-            </a:r>
+              <a:t>BVH format. Getting from C3D to BVH.</a:t>
+            </a:r>
+          </a:p>
+        </p:txBody>
+      </p:sp>
+      <p:sp>
+        <p:nvSpPr>
+          <p:cNvPr id="3" name="Title 2"/>
+          <p:cNvSpPr>
+            <a:spLocks noGrp="1"/>
+          </p:cNvSpPr>
+          <p:nvPr>
+            <p:ph type="title"/>
+          </p:nvPr>
+        </p:nvSpPr>
+        <p:spPr/>
+        <p:txBody>
+          <a:bodyPr/>
+          <a:lstStyle/>
+          <a:p>
             <a:r>
               <a:rPr lang="lt-LT" dirty="0" smtClean="0"/>
-              <a:t>Vicon Motion </a:t>
-            </a:r>
-            <a:r>
-              <a:rPr lang="lt-LT" dirty="0" smtClean="0"/>
-              <a:t>System</a:t>
-            </a:r>
-          </a:p>
-          <a:p>
-            <a:pPr lvl="1"/>
-            <a:r>
-              <a:rPr lang="lt-LT" dirty="0" smtClean="0"/>
-              <a:t>Major elements of Vicon mocap system:</a:t>
-            </a:r>
-          </a:p>
-          <a:p>
-            <a:pPr lvl="2"/>
-            <a:r>
-              <a:rPr lang="lt-LT" dirty="0" smtClean="0"/>
-              <a:t>Cameras</a:t>
-            </a:r>
-          </a:p>
-          <a:p>
-            <a:pPr lvl="2"/>
-            <a:r>
-              <a:rPr lang="lt-LT" dirty="0" smtClean="0"/>
-              <a:t>Suit with retroreflective markers</a:t>
-            </a:r>
-          </a:p>
-          <a:p>
-            <a:pPr lvl="1"/>
-            <a:r>
-              <a:rPr lang="lt-LT" dirty="0" smtClean="0"/>
-              <a:t>System preparations</a:t>
-            </a:r>
-          </a:p>
-          <a:p>
-            <a:pPr lvl="2"/>
-            <a:r>
-              <a:rPr lang="lt-LT" dirty="0" smtClean="0"/>
-              <a:t>Setting up cameras and system calibration</a:t>
-            </a:r>
-          </a:p>
-          <a:p>
-            <a:pPr lvl="2"/>
-            <a:r>
-              <a:rPr lang="lt-LT" dirty="0" smtClean="0"/>
-              <a:t>Capturing</a:t>
-            </a:r>
-          </a:p>
-          <a:p>
-            <a:endParaRPr lang="lt-LT" dirty="0" smtClean="0"/>
-          </a:p>
-        </p:txBody>
-      </p:sp>
-      <p:sp>
-        <p:nvSpPr>
-          <p:cNvPr id="3" name="Title 2"/>
-          <p:cNvSpPr>
-            <a:spLocks noGrp="1"/>
-          </p:cNvSpPr>
-          <p:nvPr>
-            <p:ph type="title"/>
-          </p:nvPr>
-        </p:nvSpPr>
-        <p:spPr/>
-        <p:txBody>
-          <a:bodyPr>
-            <a:normAutofit fontScale="90000"/>
-          </a:bodyPr>
-          <a:lstStyle/>
-          <a:p>
-            <a:r>
-              <a:rPr lang="lt-LT" dirty="0" smtClean="0"/>
-              <a:t>Motion capture and motion data</a:t>
+              <a:t>Motion data</a:t>
             </a:r>
             <a:endParaRPr lang="lt-LT" dirty="0"/>
           </a:p>
@@ -5383,28 +6488,32 @@
           <a:p>
             <a:r>
               <a:rPr lang="lt-LT" dirty="0" smtClean="0"/>
-              <a:t>Various motion data formats</a:t>
+              <a:t>Linear blend skinning</a:t>
             </a:r>
           </a:p>
           <a:p>
             <a:r>
               <a:rPr lang="lt-LT" dirty="0" smtClean="0"/>
-              <a:t>Used formats</a:t>
-            </a:r>
-          </a:p>
-          <a:p>
-            <a:pPr lvl="1"/>
+              <a:t>Quaternions</a:t>
+            </a:r>
+          </a:p>
+          <a:p>
+            <a:r>
+              <a:rPr lang="en-US" dirty="0" smtClean="0"/>
+              <a:t>Parametric representation of lines in 3D</a:t>
+            </a:r>
             <a:r>
               <a:rPr lang="lt-LT" dirty="0" smtClean="0"/>
-              <a:t>Default C3D format for Vicon Motion System</a:t>
-            </a:r>
-          </a:p>
-          <a:p>
-            <a:pPr lvl="1"/>
-            <a:r>
-              <a:rPr lang="lt-LT" dirty="0" smtClean="0"/>
-              <a:t>BVH format. Getting from C3D to BVH.</a:t>
-            </a:r>
+              <a:t> space</a:t>
+            </a:r>
+            <a:endParaRPr lang="en-US" dirty="0" smtClean="0"/>
+          </a:p>
+          <a:p>
+            <a:r>
+              <a:rPr lang="en-US" dirty="0" smtClean="0"/>
+              <a:t>Inverse kinematics</a:t>
+            </a:r>
+            <a:endParaRPr lang="lt-LT" dirty="0" smtClean="0"/>
           </a:p>
         </p:txBody>
       </p:sp>
@@ -5424,10 +6533,10 @@
           <a:lstStyle/>
           <a:p>
             <a:r>
-              <a:rPr lang="lt-LT" dirty="0" smtClean="0"/>
-              <a:t>Motion data</a:t>
-            </a:r>
-            <a:endParaRPr lang="lt-LT" dirty="0"/>
+              <a:rPr lang="en-US" dirty="0" smtClean="0"/>
+              <a:t>Used techniques</a:t>
+            </a:r>
+            <a:endParaRPr lang="en-US" dirty="0"/>
           </a:p>
         </p:txBody>
       </p:sp>
@@ -5436,6 +6545,14 @@
   <p:clrMapOvr>
     <a:masterClrMapping/>
   </p:clrMapOvr>
+  <p:transition/>
+  <p:timing>
+    <p:tnLst>
+      <p:par>
+        <p:cTn id="1" dur="indefinite" restart="never" nodeType="tmRoot"/>
+      </p:par>
+    </p:tnLst>
+  </p:timing>
 </p:sld>
 </file>
 
@@ -5472,59 +6589,75 @@
           <a:lstStyle/>
           <a:p>
             <a:r>
-              <a:rPr lang="lt-LT" dirty="0" smtClean="0"/>
+              <a:rPr lang="en-US" dirty="0" smtClean="0"/>
+              <a:t>Skin </a:t>
+            </a:r>
+            <a:r>
+              <a:rPr lang="en-US" dirty="0" smtClean="0"/>
+              <a:t>deformations</a:t>
+            </a:r>
+          </a:p>
+          <a:p>
+            <a:pPr lvl="1"/>
+            <a:r>
+              <a:rPr lang="en-US" dirty="0" smtClean="0"/>
+              <a:t>Anatomy (layer) based deformations</a:t>
+            </a:r>
+          </a:p>
+          <a:p>
+            <a:pPr lvl="1"/>
+            <a:r>
+              <a:rPr lang="en-US" dirty="0" smtClean="0"/>
+              <a:t>Direct skin deformation</a:t>
+            </a:r>
+          </a:p>
+          <a:p>
+            <a:pPr lvl="2"/>
+            <a:r>
+              <a:rPr lang="en-US" dirty="0" smtClean="0"/>
+              <a:t>Linear blend </a:t>
+            </a:r>
+            <a:r>
+              <a:rPr lang="en-US" dirty="0" smtClean="0"/>
+              <a:t>skinning</a:t>
+            </a:r>
+          </a:p>
+          <a:p>
+            <a:pPr lvl="2"/>
+            <a:r>
+              <a:rPr lang="en-US" dirty="0" smtClean="0"/>
+              <a:t>Different </a:t>
+            </a:r>
+            <a:r>
+              <a:rPr lang="en-US" dirty="0" smtClean="0"/>
+              <a:t>implementations</a:t>
+            </a:r>
+            <a:endParaRPr lang="en-US" dirty="0" smtClean="0"/>
+          </a:p>
+        </p:txBody>
+      </p:sp>
+      <p:sp>
+        <p:nvSpPr>
+          <p:cNvPr id="3" name="Title 2"/>
+          <p:cNvSpPr>
+            <a:spLocks noGrp="1"/>
+          </p:cNvSpPr>
+          <p:nvPr>
+            <p:ph type="title"/>
+          </p:nvPr>
+        </p:nvSpPr>
+        <p:spPr/>
+        <p:txBody>
+          <a:bodyPr>
+            <a:normAutofit/>
+          </a:bodyPr>
+          <a:lstStyle/>
+          <a:p>
+            <a:r>
+              <a:rPr lang="en-US" sz="3600" dirty="0" smtClean="0"/>
               <a:t>Linear blend skinning</a:t>
             </a:r>
-          </a:p>
-          <a:p>
-            <a:r>
-              <a:rPr lang="lt-LT" dirty="0" smtClean="0"/>
-              <a:t>Quaternions</a:t>
-            </a:r>
-          </a:p>
-          <a:p>
-            <a:r>
-              <a:rPr lang="en-US" dirty="0" smtClean="0"/>
-              <a:t>Parametric representation of lines in </a:t>
-            </a:r>
-            <a:r>
-              <a:rPr lang="en-US" dirty="0" smtClean="0"/>
-              <a:t>3D</a:t>
-            </a:r>
-            <a:r>
-              <a:rPr lang="lt-LT" dirty="0" smtClean="0"/>
-              <a:t> space</a:t>
-            </a:r>
-            <a:endParaRPr lang="lt-LT" dirty="0" smtClean="0"/>
-          </a:p>
-          <a:p>
-            <a:endParaRPr lang="lt-LT" dirty="0" smtClean="0"/>
-          </a:p>
-          <a:p>
-            <a:endParaRPr lang="lt-LT" dirty="0"/>
-          </a:p>
-        </p:txBody>
-      </p:sp>
-      <p:sp>
-        <p:nvSpPr>
-          <p:cNvPr id="3" name="Title 2"/>
-          <p:cNvSpPr>
-            <a:spLocks noGrp="1"/>
-          </p:cNvSpPr>
-          <p:nvPr>
-            <p:ph type="title"/>
-          </p:nvPr>
-        </p:nvSpPr>
-        <p:spPr/>
-        <p:txBody>
-          <a:bodyPr/>
-          <a:lstStyle/>
-          <a:p>
-            <a:r>
-              <a:rPr lang="lt-LT" dirty="0" smtClean="0"/>
-              <a:t>Used techniques</a:t>
-            </a:r>
-            <a:endParaRPr lang="lt-LT" dirty="0"/>
+            <a:endParaRPr lang="en-US" sz="3600" dirty="0"/>
           </a:p>
         </p:txBody>
       </p:sp>
@@ -5533,18 +6666,11 @@
   <p:clrMapOvr>
     <a:masterClrMapping/>
   </p:clrMapOvr>
-  <p:timing>
-    <p:tnLst>
-      <p:par>
-        <p:cTn id="1" dur="indefinite" restart="never" nodeType="tmRoot"/>
-      </p:par>
-    </p:tnLst>
-  </p:timing>
 </p:sld>
 </file>
 
 <file path=ppt/slides/slide9.xml><?xml version="1.0" encoding="utf-8"?>
-<p:sld xmlns:a="http://schemas.openxmlformats.org/drawingml/2006/main" xmlns:r="http://schemas.openxmlformats.org/officeDocument/2006/relationships" xmlns:p="http://schemas.openxmlformats.org/presentationml/2006/main">
+<p:sld xmlns:a="http://schemas.openxmlformats.org/drawingml/2006/main" xmlns:r="http://schemas.openxmlformats.org/officeDocument/2006/relationships" xmlns:p="http://schemas.openxmlformats.org/presentationml/2006/main" showMasterSp="0" show="0">
   <p:cSld>
     <p:spTree>
       <p:nvGrpSpPr>
@@ -5572,10 +6698,38 @@
         </p:nvSpPr>
         <p:spPr/>
         <p:txBody>
-          <a:bodyPr/>
+          <a:bodyPr>
+            <a:normAutofit lnSpcReduction="10000"/>
+          </a:bodyPr>
           <a:lstStyle/>
           <a:p>
-            <a:endParaRPr lang="lt-LT"/>
+            <a:r>
+              <a:rPr lang="en-US" dirty="0" smtClean="0"/>
+              <a:t>The anatomy based technique tries to mimic the muscle structure of a human. Normally 3 layers are used: skeleton, </a:t>
+            </a:r>
+            <a:r>
+              <a:rPr lang="en-US" dirty="0" err="1" smtClean="0"/>
+              <a:t>muscles+fat</a:t>
+            </a:r>
+            <a:r>
+              <a:rPr lang="en-US" dirty="0" smtClean="0"/>
+              <a:t>, skin. This approach usually works by layering</a:t>
+            </a:r>
+          </a:p>
+          <a:p>
+            <a:r>
+              <a:rPr lang="en-US" dirty="0" smtClean="0"/>
+              <a:t>Individual muscles on the skeleton deform (stretch or bulge) following the motion of the skeleton. The final skin takes the overall shape of the muscle and fat layer of the animated character body.</a:t>
+            </a:r>
+          </a:p>
+          <a:p>
+            <a:r>
+              <a:rPr lang="en-US" dirty="0" smtClean="0"/>
+              <a:t>Hard to implement as need big accuracy on following realistic muscle deformations.</a:t>
+            </a:r>
+          </a:p>
+          <a:p>
+            <a:endParaRPr lang="en-US" dirty="0" smtClean="0"/>
           </a:p>
         </p:txBody>
       </p:sp>
@@ -5591,14 +6745,16 @@
         </p:nvSpPr>
         <p:spPr/>
         <p:txBody>
-          <a:bodyPr/>
+          <a:bodyPr>
+            <a:normAutofit fontScale="90000"/>
+          </a:bodyPr>
           <a:lstStyle/>
           <a:p>
             <a:r>
-              <a:rPr lang="lt-LT" smtClean="0"/>
-              <a:t>Animating human body</a:t>
-            </a:r>
-            <a:endParaRPr lang="lt-LT"/>
+              <a:rPr lang="en-US" dirty="0" smtClean="0"/>
+              <a:t>Hidden. Anatomy based skin deformation</a:t>
+            </a:r>
+            <a:endParaRPr lang="lt-LT" dirty="0"/>
           </a:p>
         </p:txBody>
       </p:sp>
@@ -5607,6 +6763,7 @@
   <p:clrMapOvr>
     <a:masterClrMapping/>
   </p:clrMapOvr>
+  <p:transition/>
 </p:sld>
 </file>
 

--- a/trunk/docs/Presentation/Presentation.pptx
+++ b/trunk/docs/Presentation/Presentation.pptx
@@ -10,23 +10,27 @@
     <p:sldId id="259" r:id="rId4"/>
     <p:sldId id="261" r:id="rId5"/>
     <p:sldId id="263" r:id="rId6"/>
-    <p:sldId id="266" r:id="rId7"/>
-    <p:sldId id="260" r:id="rId8"/>
-    <p:sldId id="262" r:id="rId9"/>
-    <p:sldId id="268" r:id="rId10"/>
-    <p:sldId id="269" r:id="rId11"/>
-    <p:sldId id="270" r:id="rId12"/>
-    <p:sldId id="271" r:id="rId13"/>
-    <p:sldId id="272" r:id="rId14"/>
-    <p:sldId id="273" r:id="rId15"/>
-    <p:sldId id="274" r:id="rId16"/>
-    <p:sldId id="267" r:id="rId17"/>
-    <p:sldId id="275" r:id="rId18"/>
-    <p:sldId id="264" r:id="rId19"/>
-    <p:sldId id="276" r:id="rId20"/>
-    <p:sldId id="277" r:id="rId21"/>
-    <p:sldId id="278" r:id="rId22"/>
-    <p:sldId id="258" r:id="rId23"/>
+    <p:sldId id="281" r:id="rId7"/>
+    <p:sldId id="266" r:id="rId8"/>
+    <p:sldId id="260" r:id="rId9"/>
+    <p:sldId id="262" r:id="rId10"/>
+    <p:sldId id="268" r:id="rId11"/>
+    <p:sldId id="269" r:id="rId12"/>
+    <p:sldId id="270" r:id="rId13"/>
+    <p:sldId id="271" r:id="rId14"/>
+    <p:sldId id="272" r:id="rId15"/>
+    <p:sldId id="273" r:id="rId16"/>
+    <p:sldId id="279" r:id="rId17"/>
+    <p:sldId id="274" r:id="rId18"/>
+    <p:sldId id="267" r:id="rId19"/>
+    <p:sldId id="280" r:id="rId20"/>
+    <p:sldId id="275" r:id="rId21"/>
+    <p:sldId id="264" r:id="rId22"/>
+    <p:sldId id="276" r:id="rId23"/>
+    <p:sldId id="277" r:id="rId24"/>
+    <p:sldId id="278" r:id="rId25"/>
+    <p:sldId id="282" r:id="rId26"/>
+    <p:sldId id="258" r:id="rId27"/>
   </p:sldIdLst>
   <p:sldSz cx="9144000" cy="6858000" type="screen4x3"/>
   <p:notesSz cx="6858000" cy="9144000"/>
@@ -754,7 +758,7 @@
             <a:fld id="{8900D071-D45E-4DB1-8026-6607FD7943F8}" type="datetimeFigureOut">
               <a:rPr lang="lt-LT" smtClean="0"/>
               <a:pPr/>
-              <a:t>2009.01.21</a:t>
+              <a:t>2009.01.22</a:t>
             </a:fld>
             <a:endParaRPr lang="lt-LT"/>
           </a:p>
@@ -952,7 +956,7 @@
             <a:fld id="{8900D071-D45E-4DB1-8026-6607FD7943F8}" type="datetimeFigureOut">
               <a:rPr lang="lt-LT" smtClean="0"/>
               <a:pPr/>
-              <a:t>2009.01.21</a:t>
+              <a:t>2009.01.22</a:t>
             </a:fld>
             <a:endParaRPr lang="lt-LT"/>
           </a:p>
@@ -1139,7 +1143,7 @@
             <a:fld id="{8900D071-D45E-4DB1-8026-6607FD7943F8}" type="datetimeFigureOut">
               <a:rPr lang="lt-LT" smtClean="0"/>
               <a:pPr/>
-              <a:t>2009.01.21</a:t>
+              <a:t>2009.01.22</a:t>
             </a:fld>
             <a:endParaRPr lang="lt-LT"/>
           </a:p>
@@ -1291,7 +1295,7 @@
             <a:fld id="{8900D071-D45E-4DB1-8026-6607FD7943F8}" type="datetimeFigureOut">
               <a:rPr lang="lt-LT" smtClean="0"/>
               <a:pPr/>
-              <a:t>2009.01.21</a:t>
+              <a:t>2009.01.22</a:t>
             </a:fld>
             <a:endParaRPr lang="lt-LT"/>
           </a:p>
@@ -1548,7 +1552,7 @@
             <a:fld id="{8900D071-D45E-4DB1-8026-6607FD7943F8}" type="datetimeFigureOut">
               <a:rPr lang="lt-LT" smtClean="0"/>
               <a:pPr/>
-              <a:t>2009.01.21</a:t>
+              <a:t>2009.01.22</a:t>
             </a:fld>
             <a:endParaRPr lang="lt-LT"/>
           </a:p>
@@ -1959,7 +1963,7 @@
             <a:fld id="{8900D071-D45E-4DB1-8026-6607FD7943F8}" type="datetimeFigureOut">
               <a:rPr lang="lt-LT" smtClean="0"/>
               <a:pPr/>
-              <a:t>2009.01.21</a:t>
+              <a:t>2009.01.22</a:t>
             </a:fld>
             <a:endParaRPr lang="lt-LT"/>
           </a:p>
@@ -2407,7 +2411,7 @@
             <a:fld id="{8900D071-D45E-4DB1-8026-6607FD7943F8}" type="datetimeFigureOut">
               <a:rPr lang="lt-LT" smtClean="0"/>
               <a:pPr/>
-              <a:t>2009.01.21</a:t>
+              <a:t>2009.01.22</a:t>
             </a:fld>
             <a:endParaRPr lang="lt-LT"/>
           </a:p>
@@ -2510,7 +2514,7 @@
             <a:fld id="{8900D071-D45E-4DB1-8026-6607FD7943F8}" type="datetimeFigureOut">
               <a:rPr lang="lt-LT" smtClean="0"/>
               <a:pPr/>
-              <a:t>2009.01.21</a:t>
+              <a:t>2009.01.22</a:t>
             </a:fld>
             <a:endParaRPr lang="lt-LT"/>
           </a:p>
@@ -2633,7 +2637,7 @@
             <a:fld id="{8900D071-D45E-4DB1-8026-6607FD7943F8}" type="datetimeFigureOut">
               <a:rPr lang="lt-LT" smtClean="0"/>
               <a:pPr/>
-              <a:t>2009.01.21</a:t>
+              <a:t>2009.01.22</a:t>
             </a:fld>
             <a:endParaRPr lang="lt-LT"/>
           </a:p>
@@ -2909,7 +2913,7 @@
             <a:fld id="{8900D071-D45E-4DB1-8026-6607FD7943F8}" type="datetimeFigureOut">
               <a:rPr lang="lt-LT" smtClean="0"/>
               <a:pPr/>
-              <a:t>2009.01.21</a:t>
+              <a:t>2009.01.22</a:t>
             </a:fld>
             <a:endParaRPr lang="lt-LT"/>
           </a:p>
@@ -3116,7 +3120,7 @@
             <a:fld id="{8900D071-D45E-4DB1-8026-6607FD7943F8}" type="datetimeFigureOut">
               <a:rPr lang="lt-LT" smtClean="0"/>
               <a:pPr/>
-              <a:t>2009.01.21</a:t>
+              <a:t>2009.01.22</a:t>
             </a:fld>
             <a:endParaRPr lang="lt-LT"/>
           </a:p>
@@ -4227,7 +4231,7 @@
             <a:fld id="{8900D071-D45E-4DB1-8026-6607FD7943F8}" type="datetimeFigureOut">
               <a:rPr lang="lt-LT" smtClean="0"/>
               <a:pPr/>
-              <a:t>2009.01.21</a:t>
+              <a:t>2009.01.22</a:t>
             </a:fld>
             <a:endParaRPr lang="lt-LT"/>
           </a:p>
@@ -4716,6 +4720,104 @@
 </file>
 
 <file path=ppt/slides/slide10.xml><?xml version="1.0" encoding="utf-8"?>
+<p:sld xmlns:a="http://schemas.openxmlformats.org/drawingml/2006/main" xmlns:r="http://schemas.openxmlformats.org/officeDocument/2006/relationships" xmlns:p="http://schemas.openxmlformats.org/presentationml/2006/main" showMasterSp="0" show="0">
+  <p:cSld>
+    <p:spTree>
+      <p:nvGrpSpPr>
+        <p:cNvPr id="1" name=""/>
+        <p:cNvGrpSpPr/>
+        <p:nvPr/>
+      </p:nvGrpSpPr>
+      <p:grpSpPr>
+        <a:xfrm>
+          <a:off x="0" y="0"/>
+          <a:ext cx="0" cy="0"/>
+          <a:chOff x="0" y="0"/>
+          <a:chExt cx="0" cy="0"/>
+        </a:xfrm>
+      </p:grpSpPr>
+      <p:sp>
+        <p:nvSpPr>
+          <p:cNvPr id="2" name="Content Placeholder 1"/>
+          <p:cNvSpPr>
+            <a:spLocks noGrp="1"/>
+          </p:cNvSpPr>
+          <p:nvPr>
+            <p:ph idx="1"/>
+          </p:nvPr>
+        </p:nvSpPr>
+        <p:spPr/>
+        <p:txBody>
+          <a:bodyPr>
+            <a:normAutofit lnSpcReduction="10000"/>
+          </a:bodyPr>
+          <a:lstStyle/>
+          <a:p>
+            <a:r>
+              <a:rPr lang="en-US" dirty="0" smtClean="0"/>
+              <a:t>The anatomy based technique tries to mimic the muscle structure of a human. Normally 3 layers are used: skeleton, </a:t>
+            </a:r>
+            <a:r>
+              <a:rPr lang="en-US" dirty="0" err="1" smtClean="0"/>
+              <a:t>muscles+fat</a:t>
+            </a:r>
+            <a:r>
+              <a:rPr lang="en-US" dirty="0" smtClean="0"/>
+              <a:t>, skin. This approach usually works by layering</a:t>
+            </a:r>
+          </a:p>
+          <a:p>
+            <a:r>
+              <a:rPr lang="en-US" dirty="0" smtClean="0"/>
+              <a:t>Individual muscles on the skeleton deform (stretch or bulge) following the motion of the skeleton. The final skin takes the overall shape of the muscle and fat layer of the animated character body.</a:t>
+            </a:r>
+          </a:p>
+          <a:p>
+            <a:r>
+              <a:rPr lang="en-US" dirty="0" smtClean="0"/>
+              <a:t>Hard to implement as need big accuracy on following realistic muscle deformations.</a:t>
+            </a:r>
+          </a:p>
+          <a:p>
+            <a:endParaRPr lang="en-US" dirty="0" smtClean="0"/>
+          </a:p>
+        </p:txBody>
+      </p:sp>
+      <p:sp>
+        <p:nvSpPr>
+          <p:cNvPr id="3" name="Title 2"/>
+          <p:cNvSpPr>
+            <a:spLocks noGrp="1"/>
+          </p:cNvSpPr>
+          <p:nvPr>
+            <p:ph type="title"/>
+          </p:nvPr>
+        </p:nvSpPr>
+        <p:spPr/>
+        <p:txBody>
+          <a:bodyPr>
+            <a:normAutofit fontScale="90000"/>
+          </a:bodyPr>
+          <a:lstStyle/>
+          <a:p>
+            <a:r>
+              <a:rPr lang="en-US" dirty="0" smtClean="0"/>
+              <a:t>Hidden. Anatomy based skin deformation</a:t>
+            </a:r>
+            <a:endParaRPr lang="lt-LT" dirty="0"/>
+          </a:p>
+        </p:txBody>
+      </p:sp>
+    </p:spTree>
+  </p:cSld>
+  <p:clrMapOvr>
+    <a:masterClrMapping/>
+  </p:clrMapOvr>
+  <p:transition/>
+</p:sld>
+</file>
+
+<file path=ppt/slides/slide11.xml><?xml version="1.0" encoding="utf-8"?>
 <p:sld xmlns:a="http://schemas.openxmlformats.org/drawingml/2006/main" xmlns:r="http://schemas.openxmlformats.org/officeDocument/2006/relationships" xmlns:p="http://schemas.openxmlformats.org/presentationml/2006/main" show="0">
   <p:cSld>
     <p:spTree>
@@ -4751,21 +4853,13 @@
           <a:p>
             <a:r>
               <a:rPr lang="en-US" dirty="0" smtClean="0"/>
-              <a:t>Deforming skin directly on th</a:t>
-            </a:r>
-            <a:r>
-              <a:rPr lang="en-US" dirty="0" smtClean="0"/>
-              <a:t>e movement. LBS was publicly introduced by the game community, remains very popular because of fast computation speeds, but has it’s problems. </a:t>
+              <a:t>Deforming skin directly on the movement. LBS was publicly introduced by the game community, remains very popular because of fast computation speeds, but has it’s problems. </a:t>
             </a:r>
           </a:p>
           <a:p>
             <a:r>
               <a:rPr lang="en-US" i="1" dirty="0" smtClean="0"/>
-              <a:t>Named differently: Subspace Deformation, “smooth skinning</a:t>
-            </a:r>
-            <a:r>
-              <a:rPr lang="en-US" i="1" dirty="0" smtClean="0"/>
-              <a:t>”</a:t>
+              <a:t>Named differently: Subspace Deformation, “smooth skinning”</a:t>
             </a:r>
             <a:endParaRPr lang="en-US" dirty="0" smtClean="0"/>
           </a:p>
@@ -4784,7 +4878,6 @@
               <a:rPr lang="en-US" sz="2200" i="1" dirty="0" smtClean="0"/>
               <a:t>, interpolating transformations (using rotation/translation matrices directly in algorithm)  and using quaternions as we did.</a:t>
             </a:r>
-            <a:endParaRPr lang="en-US" sz="2200" i="1" dirty="0" smtClean="0"/>
           </a:p>
           <a:p>
             <a:endParaRPr lang="en-US" dirty="0" smtClean="0"/>
@@ -4825,7 +4918,7 @@
 </p:sld>
 </file>
 
-<file path=ppt/slides/slide11.xml><?xml version="1.0" encoding="utf-8"?>
+<file path=ppt/slides/slide12.xml><?xml version="1.0" encoding="utf-8"?>
 <p:sld xmlns:a="http://schemas.openxmlformats.org/drawingml/2006/main" xmlns:r="http://schemas.openxmlformats.org/officeDocument/2006/relationships" xmlns:p="http://schemas.openxmlformats.org/presentationml/2006/main">
   <p:cSld>
     <p:spTree>
@@ -4934,15 +5027,7 @@
             </a:pPr>
             <a:r>
               <a:rPr lang="en-US" dirty="0" smtClean="0"/>
-              <a:t>Mesh </a:t>
-            </a:r>
-            <a:r>
-              <a:rPr lang="en-US" dirty="0" smtClean="0"/>
-              <a:t>model</a:t>
-            </a:r>
-            <a:r>
-              <a:rPr lang="en-US" dirty="0" smtClean="0"/>
-              <a:t> and skeleton in T-pose</a:t>
+              <a:t>Mesh model and skeleton in T-pose</a:t>
             </a:r>
           </a:p>
           <a:p>
@@ -4966,7 +5051,7 @@
 </p:sld>
 </file>
 
-<file path=ppt/slides/slide12.xml><?xml version="1.0" encoding="utf-8"?>
+<file path=ppt/slides/slide13.xml><?xml version="1.0" encoding="utf-8"?>
 <p:sld xmlns:a="http://schemas.openxmlformats.org/drawingml/2006/main" xmlns:r="http://schemas.openxmlformats.org/officeDocument/2006/relationships" xmlns:p="http://schemas.openxmlformats.org/presentationml/2006/main">
   <p:cSld>
     <p:spTree>
@@ -5077,73 +5162,6 @@
 </p:sld>
 </file>
 
-<file path=ppt/slides/slide13.xml><?xml version="1.0" encoding="utf-8"?>
-<p:sld xmlns:a="http://schemas.openxmlformats.org/drawingml/2006/main" xmlns:r="http://schemas.openxmlformats.org/officeDocument/2006/relationships" xmlns:p="http://schemas.openxmlformats.org/presentationml/2006/main">
-  <p:cSld>
-    <p:spTree>
-      <p:nvGrpSpPr>
-        <p:cNvPr id="1" name=""/>
-        <p:cNvGrpSpPr/>
-        <p:nvPr/>
-      </p:nvGrpSpPr>
-      <p:grpSpPr>
-        <a:xfrm>
-          <a:off x="0" y="0"/>
-          <a:ext cx="0" cy="0"/>
-          <a:chOff x="0" y="0"/>
-          <a:chExt cx="0" cy="0"/>
-        </a:xfrm>
-      </p:grpSpPr>
-      <p:sp>
-        <p:nvSpPr>
-          <p:cNvPr id="2" name="Content Placeholder 1"/>
-          <p:cNvSpPr>
-            <a:spLocks noGrp="1"/>
-          </p:cNvSpPr>
-          <p:nvPr>
-            <p:ph idx="1"/>
-          </p:nvPr>
-        </p:nvSpPr>
-        <p:spPr/>
-        <p:txBody>
-          <a:bodyPr/>
-          <a:lstStyle/>
-          <a:p>
-            <a:endParaRPr lang="lt-LT"/>
-          </a:p>
-        </p:txBody>
-      </p:sp>
-      <p:sp>
-        <p:nvSpPr>
-          <p:cNvPr id="3" name="Title 2"/>
-          <p:cNvSpPr>
-            <a:spLocks noGrp="1"/>
-          </p:cNvSpPr>
-          <p:nvPr>
-            <p:ph type="title"/>
-          </p:nvPr>
-        </p:nvSpPr>
-        <p:spPr/>
-        <p:txBody>
-          <a:bodyPr/>
-          <a:lstStyle/>
-          <a:p>
-            <a:r>
-              <a:rPr lang="en-US" dirty="0" smtClean="0"/>
-              <a:t>Quaternions</a:t>
-            </a:r>
-            <a:endParaRPr lang="lt-LT" dirty="0"/>
-          </a:p>
-        </p:txBody>
-      </p:sp>
-    </p:spTree>
-  </p:cSld>
-  <p:clrMapOvr>
-    <a:masterClrMapping/>
-  </p:clrMapOvr>
-</p:sld>
-</file>
-
 <file path=ppt/slides/slide14.xml><?xml version="1.0" encoding="utf-8"?>
 <p:sld xmlns:a="http://schemas.openxmlformats.org/drawingml/2006/main" xmlns:r="http://schemas.openxmlformats.org/officeDocument/2006/relationships" xmlns:p="http://schemas.openxmlformats.org/presentationml/2006/main">
   <p:cSld>
@@ -5192,18 +5210,12 @@
         </p:nvSpPr>
         <p:spPr/>
         <p:txBody>
-          <a:bodyPr>
-            <a:normAutofit fontScale="90000"/>
-          </a:bodyPr>
+          <a:bodyPr/>
           <a:lstStyle/>
           <a:p>
             <a:r>
               <a:rPr lang="en-US" dirty="0" smtClean="0"/>
-              <a:t>Parametric representation of lines in 3D</a:t>
-            </a:r>
-            <a:r>
-              <a:rPr lang="lt-LT" dirty="0" smtClean="0"/>
-              <a:t> space</a:t>
+              <a:t>Quaternions</a:t>
             </a:r>
             <a:endParaRPr lang="lt-LT" dirty="0"/>
           </a:p>
@@ -5249,7 +5261,17 @@
           <a:bodyPr/>
           <a:lstStyle/>
           <a:p>
-            <a:endParaRPr lang="lt-LT"/>
+            <a:r>
+              <a:rPr lang="en-US" dirty="0" smtClean="0"/>
+              <a:t>Line segment connects separate mesh body parts</a:t>
+            </a:r>
+          </a:p>
+          <a:p>
+            <a:r>
+              <a:rPr lang="en-US" dirty="0" smtClean="0"/>
+              <a:t>Each vertex on the segment is influenced by our LBS algorithm</a:t>
+            </a:r>
+            <a:endParaRPr lang="lt-LT" dirty="0"/>
           </a:p>
         </p:txBody>
       </p:sp>
@@ -5265,17 +5287,56 @@
         </p:nvSpPr>
         <p:spPr/>
         <p:txBody>
-          <a:bodyPr/>
+          <a:bodyPr>
+            <a:normAutofit fontScale="90000"/>
+          </a:bodyPr>
           <a:lstStyle/>
           <a:p>
             <a:r>
               <a:rPr lang="en-US" dirty="0" smtClean="0"/>
-              <a:t>Inverse kinematics</a:t>
+              <a:t>Parametric representation of lines in 3D</a:t>
+            </a:r>
+            <a:r>
+              <a:rPr lang="lt-LT" dirty="0" smtClean="0"/>
+              <a:t> space</a:t>
             </a:r>
             <a:endParaRPr lang="lt-LT" dirty="0"/>
           </a:p>
         </p:txBody>
       </p:sp>
+      <p:pic>
+        <p:nvPicPr>
+          <p:cNvPr id="1027" name="Picture 3"/>
+          <p:cNvPicPr>
+            <a:picLocks noChangeAspect="1" noChangeArrowheads="1"/>
+          </p:cNvPicPr>
+          <p:nvPr/>
+        </p:nvPicPr>
+        <p:blipFill>
+          <a:blip r:embed="rId2"/>
+          <a:srcRect/>
+          <a:stretch>
+            <a:fillRect/>
+          </a:stretch>
+        </p:blipFill>
+        <p:spPr bwMode="auto">
+          <a:xfrm>
+            <a:off x="5929322" y="3571876"/>
+            <a:ext cx="3015653" cy="3071810"/>
+          </a:xfrm>
+          <a:prstGeom prst="rect">
+            <a:avLst/>
+          </a:prstGeom>
+          <a:noFill/>
+          <a:ln w="9525">
+            <a:noFill/>
+            <a:miter lim="800000"/>
+            <a:headEnd/>
+            <a:tailEnd/>
+          </a:ln>
+          <a:effectLst/>
+        </p:spPr>
+      </p:pic>
     </p:spTree>
   </p:cSld>
   <p:clrMapOvr>
@@ -5311,12 +5372,63 @@
             <p:ph idx="1"/>
           </p:nvPr>
         </p:nvSpPr>
-        <p:spPr/>
-        <p:txBody>
-          <a:bodyPr/>
+        <p:spPr>
+          <a:xfrm>
+            <a:off x="457200" y="1481328"/>
+            <a:ext cx="8229600" cy="1376167"/>
+          </a:xfrm>
+        </p:spPr>
+        <p:txBody>
+          <a:bodyPr>
+            <a:normAutofit/>
+          </a:bodyPr>
           <a:lstStyle/>
           <a:p>
-            <a:endParaRPr lang="en-US" dirty="0"/>
+            <a:r>
+              <a:rPr lang="en-US" dirty="0" smtClean="0"/>
+              <a:t>Parametric representation of the line:</a:t>
+            </a:r>
+          </a:p>
+          <a:p>
+            <a:pPr lvl="1"/>
+            <a:r>
+              <a:rPr lang="lt-LT" i="1" dirty="0" smtClean="0"/>
+              <a:t>L(t</a:t>
+            </a:r>
+            <a:r>
+              <a:rPr lang="lt-LT" i="1" dirty="0" smtClean="0"/>
+              <a:t>)</a:t>
+            </a:r>
+            <a:r>
+              <a:rPr lang="lt-LT" dirty="0" smtClean="0"/>
+              <a:t> = A + </a:t>
+            </a:r>
+            <a:r>
+              <a:rPr lang="lt-LT" dirty="0" smtClean="0"/>
+              <a:t>b</a:t>
+            </a:r>
+            <a:r>
+              <a:rPr lang="en-US" dirty="0" smtClean="0"/>
+              <a:t> * </a:t>
+            </a:r>
+            <a:r>
+              <a:rPr lang="lt-LT" dirty="0" smtClean="0"/>
+              <a:t>t</a:t>
+            </a:r>
+            <a:endParaRPr lang="en-US" dirty="0" smtClean="0"/>
+          </a:p>
+          <a:p>
+            <a:pPr lvl="1">
+              <a:buNone/>
+            </a:pPr>
+            <a:r>
+              <a:rPr lang="en-US" sz="1800" dirty="0" smtClean="0"/>
+              <a:t>A – starting point, b = A – B vector, t - parameter</a:t>
+            </a:r>
+            <a:endParaRPr lang="lt-LT" sz="1800" dirty="0" smtClean="0"/>
+          </a:p>
+          <a:p>
+            <a:endParaRPr lang="lt-LT" dirty="0"/>
           </a:p>
         </p:txBody>
       </p:sp>
@@ -5332,14 +5444,89 @@
         </p:nvSpPr>
         <p:spPr/>
         <p:txBody>
-          <a:bodyPr/>
+          <a:bodyPr>
+            <a:normAutofit fontScale="90000"/>
+          </a:bodyPr>
           <a:lstStyle/>
           <a:p>
             <a:r>
               <a:rPr lang="en-US" dirty="0" smtClean="0"/>
-              <a:t>Animating human body</a:t>
-            </a:r>
-            <a:endParaRPr lang="en-US" dirty="0"/>
+              <a:t>Parametric representation of lines in 3D</a:t>
+            </a:r>
+            <a:r>
+              <a:rPr lang="lt-LT" dirty="0" smtClean="0"/>
+              <a:t> space</a:t>
+            </a:r>
+            <a:endParaRPr lang="lt-LT" dirty="0"/>
+          </a:p>
+        </p:txBody>
+      </p:sp>
+      <p:pic>
+        <p:nvPicPr>
+          <p:cNvPr id="2050" name="Picture 2" descr="C:\Mano\Mokslai\Universitetas\5 Semestras\Project\cvg01\docs\Report\images\lines3d.jpg"/>
+          <p:cNvPicPr>
+            <a:picLocks noChangeAspect="1" noChangeArrowheads="1"/>
+          </p:cNvPicPr>
+          <p:nvPr/>
+        </p:nvPicPr>
+        <p:blipFill>
+          <a:blip r:embed="rId2"/>
+          <a:srcRect/>
+          <a:stretch>
+            <a:fillRect/>
+          </a:stretch>
+        </p:blipFill>
+        <p:spPr bwMode="auto">
+          <a:xfrm>
+            <a:off x="4459314" y="2714620"/>
+            <a:ext cx="4684685" cy="3929090"/>
+          </a:xfrm>
+          <a:prstGeom prst="rect">
+            <a:avLst/>
+          </a:prstGeom>
+          <a:noFill/>
+        </p:spPr>
+      </p:pic>
+      <p:sp>
+        <p:nvSpPr>
+          <p:cNvPr id="6" name="TextBox 5"/>
+          <p:cNvSpPr txBox="1"/>
+          <p:nvPr/>
+        </p:nvSpPr>
+        <p:spPr>
+          <a:xfrm>
+            <a:off x="714348" y="2857496"/>
+            <a:ext cx="3786214" cy="1754326"/>
+          </a:xfrm>
+          <a:prstGeom prst="rect">
+            <a:avLst/>
+          </a:prstGeom>
+          <a:noFill/>
+        </p:spPr>
+        <p:txBody>
+          <a:bodyPr wrap="square" rtlCol="0">
+            <a:spAutoFit/>
+          </a:bodyPr>
+          <a:lstStyle/>
+          <a:p>
+            <a:r>
+              <a:rPr lang="en-US" dirty="0" smtClean="0"/>
+              <a:t>A and B could be taken as two points on two separate </a:t>
+            </a:r>
+            <a:r>
+              <a:rPr lang="en-US" dirty="0" smtClean="0"/>
+              <a:t>meshes.</a:t>
+            </a:r>
+          </a:p>
+          <a:p>
+            <a:endParaRPr lang="en-US" dirty="0" smtClean="0"/>
+          </a:p>
+          <a:p>
+            <a:r>
+              <a:rPr lang="en-US" dirty="0" smtClean="0"/>
+              <a:t>By scaling t – proportional vertex positioning along the line is achieved.</a:t>
+            </a:r>
+            <a:endParaRPr lang="lt-LT" dirty="0"/>
           </a:p>
         </p:txBody>
       </p:sp>
@@ -5383,7 +5570,7 @@
           <a:bodyPr/>
           <a:lstStyle/>
           <a:p>
-            <a:endParaRPr lang="en-US" dirty="0"/>
+            <a:endParaRPr lang="lt-LT"/>
           </a:p>
         </p:txBody>
       </p:sp>
@@ -5399,27 +5586,18 @@
         </p:nvSpPr>
         <p:spPr/>
         <p:txBody>
-          <a:bodyPr>
-            <a:normAutofit fontScale="90000"/>
-          </a:bodyPr>
+          <a:bodyPr/>
           <a:lstStyle/>
           <a:p>
             <a:r>
               <a:rPr lang="en-US" dirty="0" smtClean="0"/>
-              <a:t>Animating human </a:t>
-            </a:r>
-            <a:r>
-              <a:rPr lang="en-US" dirty="0" smtClean="0"/>
-              <a:t>body</a:t>
-            </a:r>
-            <a:br>
-              <a:rPr lang="en-US" dirty="0" smtClean="0"/>
-            </a:br>
-            <a:r>
-              <a:rPr lang="en-US" sz="3100" dirty="0" smtClean="0"/>
-              <a:t>Our approach to linear blend skinning</a:t>
-            </a:r>
-            <a:endParaRPr lang="en-US" sz="3100" dirty="0"/>
+              <a:t>Inverse/Forward??? </a:t>
+            </a:r>
+            <a:r>
+              <a:rPr lang="en-US" dirty="0" smtClean="0"/>
+              <a:t>kinematics</a:t>
+            </a:r>
+            <a:endParaRPr lang="lt-LT" dirty="0"/>
           </a:p>
         </p:txBody>
       </p:sp>
@@ -5463,32 +5641,7 @@
           <a:bodyPr/>
           <a:lstStyle/>
           <a:p>
-            <a:r>
-              <a:rPr lang="lt-LT" dirty="0" smtClean="0"/>
-              <a:t>Initial BVH pose</a:t>
-            </a:r>
-          </a:p>
-          <a:p>
-            <a:r>
-              <a:rPr lang="lt-LT" dirty="0" smtClean="0"/>
-              <a:t>Exploding knee problem</a:t>
-            </a:r>
-          </a:p>
-          <a:p>
-            <a:r>
-              <a:rPr lang="en-US" dirty="0" smtClean="0"/>
-              <a:t>Mesh connections collapsing on com</a:t>
-            </a:r>
-            <a:r>
-              <a:rPr lang="lt-LT" dirty="0" smtClean="0"/>
-              <a:t>plex deformations</a:t>
-            </a:r>
-          </a:p>
-          <a:p>
-            <a:pPr>
-              <a:buNone/>
-            </a:pPr>
-            <a:endParaRPr lang="lt-LT" dirty="0"/>
+            <a:endParaRPr lang="en-US" dirty="0"/>
           </a:p>
         </p:txBody>
       </p:sp>
@@ -5509,7 +5662,7 @@
           <a:p>
             <a:r>
               <a:rPr lang="en-US" dirty="0" smtClean="0"/>
-              <a:t>Problems</a:t>
+              <a:t>Animating human body</a:t>
             </a:r>
             <a:endParaRPr lang="en-US" dirty="0"/>
           </a:p>
@@ -5555,10 +5708,7 @@
           <a:bodyPr/>
           <a:lstStyle/>
           <a:p>
-            <a:pPr>
-              <a:buNone/>
-            </a:pPr>
-            <a:endParaRPr lang="lt-LT" dirty="0"/>
+            <a:endParaRPr lang="lt-LT"/>
           </a:p>
         </p:txBody>
       </p:sp>
@@ -5581,27 +5731,49 @@
           <a:p>
             <a:r>
               <a:rPr lang="en-US" dirty="0" smtClean="0"/>
-              <a:t>Problems</a:t>
+              <a:t>Animating human body</a:t>
+            </a:r>
+            <a:r>
+              <a:rPr lang="en-US" dirty="0" smtClean="0"/>
+              <a:t/>
             </a:r>
             <a:br>
               <a:rPr lang="en-US" dirty="0" smtClean="0"/>
             </a:br>
             <a:r>
-              <a:rPr lang="lt-LT" sz="3100" dirty="0" smtClean="0"/>
-              <a:t>Initial </a:t>
-            </a:r>
-            <a:r>
-              <a:rPr lang="lt-LT" sz="3100" dirty="0" smtClean="0"/>
-              <a:t>BVH </a:t>
-            </a:r>
-            <a:r>
-              <a:rPr lang="lt-LT" sz="3100" dirty="0" smtClean="0"/>
-              <a:t>pose</a:t>
-            </a:r>
-            <a:endParaRPr lang="en-US" sz="3100" dirty="0"/>
-          </a:p>
-        </p:txBody>
-      </p:sp>
+              <a:rPr lang="en-US" sz="3100" dirty="0" smtClean="0"/>
+              <a:t>Human body mesh model</a:t>
+            </a:r>
+            <a:endParaRPr lang="lt-LT" sz="3100" dirty="0"/>
+          </a:p>
+        </p:txBody>
+      </p:sp>
+      <p:pic>
+        <p:nvPicPr>
+          <p:cNvPr id="3074" name="Picture 2" descr="C:\Mano\Mokslai\Universitetas\5 Semestras\Project\cvg01\docs\Report\images\maya_cut.jpg"/>
+          <p:cNvPicPr>
+            <a:picLocks noChangeAspect="1" noChangeArrowheads="1"/>
+          </p:cNvPicPr>
+          <p:nvPr/>
+        </p:nvPicPr>
+        <p:blipFill>
+          <a:blip r:embed="rId2"/>
+          <a:srcRect/>
+          <a:stretch>
+            <a:fillRect/>
+          </a:stretch>
+        </p:blipFill>
+        <p:spPr bwMode="auto">
+          <a:xfrm>
+            <a:off x="4429124" y="1928802"/>
+            <a:ext cx="4566887" cy="4640251"/>
+          </a:xfrm>
+          <a:prstGeom prst="rect">
+            <a:avLst/>
+          </a:prstGeom>
+          <a:noFill/>
+        </p:spPr>
+      </p:pic>
     </p:spTree>
   </p:cSld>
   <p:clrMapOvr>
@@ -5674,6 +5846,14 @@
               <a:rPr lang="lt-LT" dirty="0" smtClean="0"/>
               <a:t>Problems</a:t>
             </a:r>
+            <a:endParaRPr lang="en-US" dirty="0" smtClean="0"/>
+          </a:p>
+          <a:p>
+            <a:r>
+              <a:rPr lang="en-US" dirty="0" smtClean="0"/>
+              <a:t>Conclusion and possible future tasks</a:t>
+            </a:r>
+            <a:endParaRPr lang="lt-LT" dirty="0" smtClean="0"/>
           </a:p>
           <a:p>
             <a:endParaRPr lang="lt-LT" dirty="0" smtClean="0"/>
@@ -5757,10 +5937,73 @@
           <a:bodyPr/>
           <a:lstStyle/>
           <a:p>
+            <a:r>
+              <a:rPr lang="en-US" dirty="0" smtClean="0"/>
+              <a:t>Every vertex on the connecting line is assigned a weight (by its position on the line)</a:t>
+            </a:r>
+          </a:p>
+          <a:p>
+            <a:pPr lvl="1"/>
+            <a:r>
+              <a:rPr lang="en-US" dirty="0" smtClean="0"/>
+              <a:t>		</a:t>
+            </a:r>
+            <a:r>
+              <a:rPr lang="en-US" sz="1800" dirty="0" smtClean="0"/>
+              <a:t>	 </a:t>
+            </a:r>
+            <a:r>
+              <a:rPr lang="en-US" sz="2000" dirty="0" smtClean="0"/>
+              <a:t>P=1..N</a:t>
+            </a:r>
+            <a:endParaRPr lang="en-US" sz="2000" dirty="0" smtClean="0"/>
+          </a:p>
+          <a:p>
+            <a:r>
+              <a:rPr lang="en-US" dirty="0" smtClean="0"/>
+              <a:t>Rotation angle for each vertex:</a:t>
+            </a:r>
+          </a:p>
+          <a:p>
+            <a:pPr lvl="1"/>
+            <a:r>
+              <a:rPr lang="en-US" dirty="0" err="1" smtClean="0"/>
+              <a:t>RotA</a:t>
+            </a:r>
+            <a:r>
+              <a:rPr lang="en-US" dirty="0" smtClean="0"/>
+              <a:t> = A*w</a:t>
+            </a:r>
+            <a:r>
+              <a:rPr lang="en-US" sz="1800" dirty="0" smtClean="0"/>
+              <a:t>, 	A – joint rotation angle</a:t>
+            </a:r>
+          </a:p>
+          <a:p>
+            <a:endParaRPr lang="en-US" sz="2200" dirty="0" smtClean="0"/>
+          </a:p>
+          <a:p>
+            <a:r>
+              <a:rPr lang="en-US" sz="2200" dirty="0" smtClean="0"/>
+              <a:t>Our final LBS formula:</a:t>
+            </a:r>
+          </a:p>
+          <a:p>
+            <a:pPr lvl="1"/>
+            <a:endParaRPr lang="en-US" sz="1800" dirty="0" smtClean="0"/>
+          </a:p>
+          <a:p>
+            <a:pPr lvl="1"/>
+            <a:r>
+              <a:rPr lang="en-US" sz="1800" dirty="0" smtClean="0"/>
+              <a:t> </a:t>
+            </a:r>
+          </a:p>
+          <a:p>
             <a:pPr>
               <a:buNone/>
             </a:pPr>
-            <a:endParaRPr lang="lt-LT" dirty="0"/>
+            <a:endParaRPr lang="en-US" sz="2200" dirty="0" smtClean="0"/>
           </a:p>
         </p:txBody>
       </p:sp>
@@ -5783,23 +6026,118 @@
           <a:p>
             <a:r>
               <a:rPr lang="en-US" dirty="0" smtClean="0"/>
-              <a:t>Problems</a:t>
+              <a:t>Animating human body</a:t>
             </a:r>
             <a:br>
               <a:rPr lang="en-US" dirty="0" smtClean="0"/>
             </a:br>
             <a:r>
-              <a:rPr lang="lt-LT" sz="3100" dirty="0" smtClean="0"/>
-              <a:t>Exploding </a:t>
-            </a:r>
-            <a:r>
-              <a:rPr lang="lt-LT" sz="3100" dirty="0" smtClean="0"/>
-              <a:t>knee problem</a:t>
+              <a:rPr lang="en-US" sz="3100" dirty="0" smtClean="0"/>
+              <a:t>Our approach to linear blend skinning</a:t>
             </a:r>
             <a:endParaRPr lang="en-US" sz="3100" dirty="0"/>
           </a:p>
         </p:txBody>
       </p:sp>
+      <p:pic>
+        <p:nvPicPr>
+          <p:cNvPr id="4" name="Picture 3"/>
+          <p:cNvPicPr>
+            <a:picLocks noChangeAspect="1" noChangeArrowheads="1"/>
+          </p:cNvPicPr>
+          <p:nvPr/>
+        </p:nvPicPr>
+        <p:blipFill>
+          <a:blip r:embed="rId2"/>
+          <a:srcRect/>
+          <a:stretch>
+            <a:fillRect/>
+          </a:stretch>
+        </p:blipFill>
+        <p:spPr bwMode="auto">
+          <a:xfrm>
+            <a:off x="5914033" y="3567885"/>
+            <a:ext cx="3229967" cy="3290115"/>
+          </a:xfrm>
+          <a:prstGeom prst="rect">
+            <a:avLst/>
+          </a:prstGeom>
+          <a:noFill/>
+          <a:ln w="9525">
+            <a:noFill/>
+            <a:miter lim="800000"/>
+            <a:headEnd/>
+            <a:tailEnd/>
+          </a:ln>
+          <a:effectLst/>
+        </p:spPr>
+      </p:pic>
+      <p:pic>
+        <p:nvPicPr>
+          <p:cNvPr id="5126" name="Picture 6"/>
+          <p:cNvPicPr>
+            <a:picLocks noChangeAspect="1" noChangeArrowheads="1"/>
+          </p:cNvPicPr>
+          <p:nvPr/>
+        </p:nvPicPr>
+        <p:blipFill>
+          <a:blip r:embed="rId3"/>
+          <a:srcRect/>
+          <a:stretch>
+            <a:fillRect/>
+          </a:stretch>
+        </p:blipFill>
+        <p:spPr bwMode="auto">
+          <a:xfrm>
+            <a:off x="1276338" y="2311383"/>
+            <a:ext cx="1509712" cy="536584"/>
+          </a:xfrm>
+          <a:prstGeom prst="rect">
+            <a:avLst/>
+          </a:prstGeom>
+          <a:noFill/>
+          <a:ln w="9525">
+            <a:noFill/>
+            <a:miter lim="800000"/>
+            <a:headEnd/>
+            <a:tailEnd/>
+          </a:ln>
+          <a:effectLst/>
+        </p:spPr>
+      </p:pic>
+      <p:pic>
+        <p:nvPicPr>
+          <p:cNvPr id="5128" name="Picture 8"/>
+          <p:cNvPicPr>
+            <a:picLocks noChangeAspect="1" noChangeArrowheads="1"/>
+          </p:cNvPicPr>
+          <p:nvPr/>
+        </p:nvPicPr>
+        <p:blipFill>
+          <a:blip r:embed="rId4"/>
+          <a:srcRect/>
+          <a:stretch>
+            <a:fillRect/>
+          </a:stretch>
+        </p:blipFill>
+        <p:spPr bwMode="auto">
+          <a:xfrm>
+            <a:off x="1214414" y="4538675"/>
+            <a:ext cx="2781300" cy="676275"/>
+          </a:xfrm>
+          <a:prstGeom prst="rect">
+            <a:avLst/>
+          </a:prstGeom>
+          <a:noFill/>
+          <a:ln w="9525">
+            <a:noFill/>
+            <a:miter lim="800000"/>
+            <a:headEnd/>
+            <a:tailEnd/>
+          </a:ln>
+          <a:effectLst/>
+        </p:spPr>
+      </p:pic>
     </p:spTree>
   </p:cSld>
   <p:clrMapOvr>
@@ -5840,6 +6178,28 @@
           <a:bodyPr/>
           <a:lstStyle/>
           <a:p>
+            <a:r>
+              <a:rPr lang="lt-LT" dirty="0" smtClean="0"/>
+              <a:t>Initial BVH pose</a:t>
+            </a:r>
+          </a:p>
+          <a:p>
+            <a:r>
+              <a:rPr lang="lt-LT" dirty="0" smtClean="0"/>
+              <a:t>Exploding knee problem</a:t>
+            </a:r>
+          </a:p>
+          <a:p>
+            <a:r>
+              <a:rPr lang="en-US" dirty="0" smtClean="0"/>
+              <a:t>Mesh connections collapsing on com</a:t>
+            </a:r>
+            <a:r>
+              <a:rPr lang="lt-LT" dirty="0" smtClean="0"/>
+              <a:t>plex deformations</a:t>
+            </a:r>
+          </a:p>
+          <a:p>
             <a:pPr>
               <a:buNone/>
             </a:pPr>
@@ -5859,31 +6219,14 @@
         </p:nvSpPr>
         <p:spPr/>
         <p:txBody>
-          <a:bodyPr>
-            <a:normAutofit fontScale="90000"/>
-          </a:bodyPr>
+          <a:bodyPr/>
           <a:lstStyle/>
           <a:p>
             <a:r>
               <a:rPr lang="en-US" dirty="0" smtClean="0"/>
               <a:t>Problems</a:t>
             </a:r>
-            <a:br>
-              <a:rPr lang="en-US" dirty="0" smtClean="0"/>
-            </a:br>
-            <a:r>
-              <a:rPr lang="en-US" sz="3100" dirty="0" smtClean="0"/>
-              <a:t>Mesh </a:t>
-            </a:r>
-            <a:r>
-              <a:rPr lang="en-US" sz="3100" dirty="0" smtClean="0"/>
-              <a:t>connections collapsing on com</a:t>
-            </a:r>
-            <a:r>
-              <a:rPr lang="lt-LT" sz="3100" dirty="0" smtClean="0"/>
-              <a:t>plex deformations</a:t>
-            </a:r>
-            <a:endParaRPr lang="en-US" sz="3100" dirty="0"/>
+            <a:endParaRPr lang="en-US" dirty="0"/>
           </a:p>
         </p:txBody>
       </p:sp>
@@ -5896,6 +6239,316 @@
 </file>
 
 <file path=ppt/slides/slide22.xml><?xml version="1.0" encoding="utf-8"?>
+<p:sld xmlns:a="http://schemas.openxmlformats.org/drawingml/2006/main" xmlns:r="http://schemas.openxmlformats.org/officeDocument/2006/relationships" xmlns:p="http://schemas.openxmlformats.org/presentationml/2006/main">
+  <p:cSld>
+    <p:spTree>
+      <p:nvGrpSpPr>
+        <p:cNvPr id="1" name=""/>
+        <p:cNvGrpSpPr/>
+        <p:nvPr/>
+      </p:nvGrpSpPr>
+      <p:grpSpPr>
+        <a:xfrm>
+          <a:off x="0" y="0"/>
+          <a:ext cx="0" cy="0"/>
+          <a:chOff x="0" y="0"/>
+          <a:chExt cx="0" cy="0"/>
+        </a:xfrm>
+      </p:grpSpPr>
+      <p:sp>
+        <p:nvSpPr>
+          <p:cNvPr id="2" name="Content Placeholder 1"/>
+          <p:cNvSpPr>
+            <a:spLocks noGrp="1"/>
+          </p:cNvSpPr>
+          <p:nvPr>
+            <p:ph idx="1"/>
+          </p:nvPr>
+        </p:nvSpPr>
+        <p:spPr/>
+        <p:txBody>
+          <a:bodyPr/>
+          <a:lstStyle/>
+          <a:p>
+            <a:pPr>
+              <a:buNone/>
+            </a:pPr>
+            <a:endParaRPr lang="lt-LT" dirty="0"/>
+          </a:p>
+        </p:txBody>
+      </p:sp>
+      <p:sp>
+        <p:nvSpPr>
+          <p:cNvPr id="3" name="Title 2"/>
+          <p:cNvSpPr>
+            <a:spLocks noGrp="1"/>
+          </p:cNvSpPr>
+          <p:nvPr>
+            <p:ph type="title"/>
+          </p:nvPr>
+        </p:nvSpPr>
+        <p:spPr/>
+        <p:txBody>
+          <a:bodyPr>
+            <a:normAutofit fontScale="90000"/>
+          </a:bodyPr>
+          <a:lstStyle/>
+          <a:p>
+            <a:r>
+              <a:rPr lang="en-US" dirty="0" smtClean="0"/>
+              <a:t>Problems</a:t>
+            </a:r>
+            <a:br>
+              <a:rPr lang="en-US" dirty="0" smtClean="0"/>
+            </a:br>
+            <a:r>
+              <a:rPr lang="lt-LT" sz="3100" dirty="0" smtClean="0"/>
+              <a:t>Initial BVH pose</a:t>
+            </a:r>
+            <a:endParaRPr lang="en-US" sz="3100" dirty="0"/>
+          </a:p>
+        </p:txBody>
+      </p:sp>
+    </p:spTree>
+  </p:cSld>
+  <p:clrMapOvr>
+    <a:masterClrMapping/>
+  </p:clrMapOvr>
+</p:sld>
+</file>
+
+<file path=ppt/slides/slide23.xml><?xml version="1.0" encoding="utf-8"?>
+<p:sld xmlns:a="http://schemas.openxmlformats.org/drawingml/2006/main" xmlns:r="http://schemas.openxmlformats.org/officeDocument/2006/relationships" xmlns:p="http://schemas.openxmlformats.org/presentationml/2006/main">
+  <p:cSld>
+    <p:spTree>
+      <p:nvGrpSpPr>
+        <p:cNvPr id="1" name=""/>
+        <p:cNvGrpSpPr/>
+        <p:nvPr/>
+      </p:nvGrpSpPr>
+      <p:grpSpPr>
+        <a:xfrm>
+          <a:off x="0" y="0"/>
+          <a:ext cx="0" cy="0"/>
+          <a:chOff x="0" y="0"/>
+          <a:chExt cx="0" cy="0"/>
+        </a:xfrm>
+      </p:grpSpPr>
+      <p:sp>
+        <p:nvSpPr>
+          <p:cNvPr id="2" name="Content Placeholder 1"/>
+          <p:cNvSpPr>
+            <a:spLocks noGrp="1"/>
+          </p:cNvSpPr>
+          <p:nvPr>
+            <p:ph idx="1"/>
+          </p:nvPr>
+        </p:nvSpPr>
+        <p:spPr/>
+        <p:txBody>
+          <a:bodyPr/>
+          <a:lstStyle/>
+          <a:p>
+            <a:pPr>
+              <a:buNone/>
+            </a:pPr>
+            <a:endParaRPr lang="lt-LT" dirty="0"/>
+          </a:p>
+        </p:txBody>
+      </p:sp>
+      <p:sp>
+        <p:nvSpPr>
+          <p:cNvPr id="3" name="Title 2"/>
+          <p:cNvSpPr>
+            <a:spLocks noGrp="1"/>
+          </p:cNvSpPr>
+          <p:nvPr>
+            <p:ph type="title"/>
+          </p:nvPr>
+        </p:nvSpPr>
+        <p:spPr/>
+        <p:txBody>
+          <a:bodyPr>
+            <a:normAutofit fontScale="90000"/>
+          </a:bodyPr>
+          <a:lstStyle/>
+          <a:p>
+            <a:r>
+              <a:rPr lang="en-US" dirty="0" smtClean="0"/>
+              <a:t>Problems</a:t>
+            </a:r>
+            <a:br>
+              <a:rPr lang="en-US" dirty="0" smtClean="0"/>
+            </a:br>
+            <a:r>
+              <a:rPr lang="lt-LT" sz="3100" dirty="0" smtClean="0"/>
+              <a:t>Exploding knee problem</a:t>
+            </a:r>
+            <a:endParaRPr lang="en-US" sz="3100" dirty="0"/>
+          </a:p>
+        </p:txBody>
+      </p:sp>
+    </p:spTree>
+  </p:cSld>
+  <p:clrMapOvr>
+    <a:masterClrMapping/>
+  </p:clrMapOvr>
+</p:sld>
+</file>
+
+<file path=ppt/slides/slide24.xml><?xml version="1.0" encoding="utf-8"?>
+<p:sld xmlns:a="http://schemas.openxmlformats.org/drawingml/2006/main" xmlns:r="http://schemas.openxmlformats.org/officeDocument/2006/relationships" xmlns:p="http://schemas.openxmlformats.org/presentationml/2006/main">
+  <p:cSld>
+    <p:spTree>
+      <p:nvGrpSpPr>
+        <p:cNvPr id="1" name=""/>
+        <p:cNvGrpSpPr/>
+        <p:nvPr/>
+      </p:nvGrpSpPr>
+      <p:grpSpPr>
+        <a:xfrm>
+          <a:off x="0" y="0"/>
+          <a:ext cx="0" cy="0"/>
+          <a:chOff x="0" y="0"/>
+          <a:chExt cx="0" cy="0"/>
+        </a:xfrm>
+      </p:grpSpPr>
+      <p:sp>
+        <p:nvSpPr>
+          <p:cNvPr id="2" name="Content Placeholder 1"/>
+          <p:cNvSpPr>
+            <a:spLocks noGrp="1"/>
+          </p:cNvSpPr>
+          <p:nvPr>
+            <p:ph idx="1"/>
+          </p:nvPr>
+        </p:nvSpPr>
+        <p:spPr/>
+        <p:txBody>
+          <a:bodyPr/>
+          <a:lstStyle/>
+          <a:p>
+            <a:pPr>
+              <a:buNone/>
+            </a:pPr>
+            <a:endParaRPr lang="lt-LT" dirty="0"/>
+          </a:p>
+        </p:txBody>
+      </p:sp>
+      <p:sp>
+        <p:nvSpPr>
+          <p:cNvPr id="3" name="Title 2"/>
+          <p:cNvSpPr>
+            <a:spLocks noGrp="1"/>
+          </p:cNvSpPr>
+          <p:nvPr>
+            <p:ph type="title"/>
+          </p:nvPr>
+        </p:nvSpPr>
+        <p:spPr/>
+        <p:txBody>
+          <a:bodyPr>
+            <a:normAutofit fontScale="90000"/>
+          </a:bodyPr>
+          <a:lstStyle/>
+          <a:p>
+            <a:r>
+              <a:rPr lang="en-US" dirty="0" smtClean="0"/>
+              <a:t>Problems</a:t>
+            </a:r>
+            <a:br>
+              <a:rPr lang="en-US" dirty="0" smtClean="0"/>
+            </a:br>
+            <a:r>
+              <a:rPr lang="en-US" sz="3100" dirty="0" smtClean="0"/>
+              <a:t>Mesh connections collapsing on com</a:t>
+            </a:r>
+            <a:r>
+              <a:rPr lang="lt-LT" sz="3100" dirty="0" smtClean="0"/>
+              <a:t>plex deformations</a:t>
+            </a:r>
+            <a:endParaRPr lang="en-US" sz="3100" dirty="0"/>
+          </a:p>
+        </p:txBody>
+      </p:sp>
+    </p:spTree>
+  </p:cSld>
+  <p:clrMapOvr>
+    <a:masterClrMapping/>
+  </p:clrMapOvr>
+</p:sld>
+</file>
+
+<file path=ppt/slides/slide25.xml><?xml version="1.0" encoding="utf-8"?>
+<p:sld xmlns:a="http://schemas.openxmlformats.org/drawingml/2006/main" xmlns:r="http://schemas.openxmlformats.org/officeDocument/2006/relationships" xmlns:p="http://schemas.openxmlformats.org/presentationml/2006/main">
+  <p:cSld>
+    <p:spTree>
+      <p:nvGrpSpPr>
+        <p:cNvPr id="1" name=""/>
+        <p:cNvGrpSpPr/>
+        <p:nvPr/>
+      </p:nvGrpSpPr>
+      <p:grpSpPr>
+        <a:xfrm>
+          <a:off x="0" y="0"/>
+          <a:ext cx="0" cy="0"/>
+          <a:chOff x="0" y="0"/>
+          <a:chExt cx="0" cy="0"/>
+        </a:xfrm>
+      </p:grpSpPr>
+      <p:sp>
+        <p:nvSpPr>
+          <p:cNvPr id="2" name="Content Placeholder 1"/>
+          <p:cNvSpPr>
+            <a:spLocks noGrp="1"/>
+          </p:cNvSpPr>
+          <p:nvPr>
+            <p:ph idx="1"/>
+          </p:nvPr>
+        </p:nvSpPr>
+        <p:spPr/>
+        <p:txBody>
+          <a:bodyPr/>
+          <a:lstStyle/>
+          <a:p>
+            <a:endParaRPr lang="lt-LT"/>
+          </a:p>
+        </p:txBody>
+      </p:sp>
+      <p:sp>
+        <p:nvSpPr>
+          <p:cNvPr id="3" name="Title 2"/>
+          <p:cNvSpPr>
+            <a:spLocks noGrp="1"/>
+          </p:cNvSpPr>
+          <p:nvPr>
+            <p:ph type="title"/>
+          </p:nvPr>
+        </p:nvSpPr>
+        <p:spPr/>
+        <p:txBody>
+          <a:bodyPr>
+            <a:normAutofit fontScale="90000"/>
+          </a:bodyPr>
+          <a:lstStyle/>
+          <a:p>
+            <a:r>
+              <a:rPr lang="en-US" dirty="0" smtClean="0"/>
+              <a:t>Conclusion and future work possibilities</a:t>
+            </a:r>
+            <a:endParaRPr lang="lt-LT" dirty="0"/>
+          </a:p>
+        </p:txBody>
+      </p:sp>
+    </p:spTree>
+  </p:cSld>
+  <p:clrMapOvr>
+    <a:masterClrMapping/>
+  </p:clrMapOvr>
+</p:sld>
+</file>
+
+<file path=ppt/slides/slide26.xml><?xml version="1.0" encoding="utf-8"?>
 <p:sld xmlns:a="http://schemas.openxmlformats.org/drawingml/2006/main" xmlns:r="http://schemas.openxmlformats.org/officeDocument/2006/relationships" xmlns:p="http://schemas.openxmlformats.org/presentationml/2006/main">
   <p:cSld>
     <p:spTree>
@@ -6026,11 +6679,7 @@
           <a:p>
             <a:r>
               <a:rPr lang="lt-LT" dirty="0" smtClean="0"/>
-              <a:t>Human body model </a:t>
-            </a:r>
-            <a:r>
-              <a:rPr lang="lt-LT" dirty="0" smtClean="0"/>
-              <a:t>animation</a:t>
+              <a:t>Human body model animation</a:t>
             </a:r>
             <a:endParaRPr lang="en-US" dirty="0" smtClean="0"/>
           </a:p>
@@ -6040,7 +6689,6 @@
               <a:rPr lang="en-US" dirty="0" smtClean="0"/>
               <a:t>Skeletal, joint-based structure</a:t>
             </a:r>
-            <a:endParaRPr lang="en-US" dirty="0" smtClean="0"/>
           </a:p>
           <a:p>
             <a:pPr lvl="1"/>
@@ -6383,7 +7031,43 @@
       </p:grpSpPr>
       <p:sp>
         <p:nvSpPr>
-          <p:cNvPr id="2" name="Content Placeholder 1"/>
+          <p:cNvPr id="3" name="Title 2"/>
+          <p:cNvSpPr>
+            <a:spLocks noGrp="1"/>
+          </p:cNvSpPr>
+          <p:nvPr>
+            <p:ph type="title"/>
+          </p:nvPr>
+        </p:nvSpPr>
+        <p:spPr/>
+        <p:txBody>
+          <a:bodyPr>
+            <a:normAutofit fontScale="90000"/>
+          </a:bodyPr>
+          <a:lstStyle/>
+          <a:p>
+            <a:r>
+              <a:rPr lang="lt-LT" dirty="0" smtClean="0"/>
+              <a:t>Motion capture </a:t>
+            </a:r>
+            <a:r>
+              <a:rPr lang="en-US" dirty="0" smtClean="0"/>
+              <a:t>system</a:t>
+            </a:r>
+            <a:br>
+              <a:rPr lang="en-US" dirty="0" smtClean="0"/>
+            </a:br>
+            <a:r>
+              <a:rPr lang="en-US" sz="3100" dirty="0" smtClean="0"/>
+              <a:t>Basic Vicon MX system model</a:t>
+            </a:r>
+            <a:endParaRPr lang="lt-LT" sz="3100" dirty="0"/>
+          </a:p>
+        </p:txBody>
+      </p:sp>
+      <p:sp>
+        <p:nvSpPr>
+          <p:cNvPr id="4" name="Content Placeholder 3"/>
           <p:cNvSpPr>
             <a:spLocks noGrp="1"/>
           </p:cNvSpPr>
@@ -6396,56 +7080,36 @@
           <a:bodyPr/>
           <a:lstStyle/>
           <a:p>
-            <a:r>
-              <a:rPr lang="lt-LT" dirty="0" smtClean="0"/>
-              <a:t>Various motion data formats</a:t>
-            </a:r>
-          </a:p>
-          <a:p>
-            <a:r>
-              <a:rPr lang="lt-LT" dirty="0" smtClean="0"/>
-              <a:t>Used formats</a:t>
-            </a:r>
-          </a:p>
-          <a:p>
-            <a:pPr lvl="1"/>
-            <a:r>
-              <a:rPr lang="lt-LT" dirty="0" smtClean="0"/>
-              <a:t>Default C3D format for Vicon Motion System</a:t>
-            </a:r>
-          </a:p>
-          <a:p>
-            <a:pPr lvl="1"/>
-            <a:r>
-              <a:rPr lang="lt-LT" dirty="0" smtClean="0"/>
-              <a:t>BVH format. Getting from C3D to BVH.</a:t>
-            </a:r>
-          </a:p>
-        </p:txBody>
-      </p:sp>
-      <p:sp>
-        <p:nvSpPr>
-          <p:cNvPr id="3" name="Title 2"/>
-          <p:cNvSpPr>
-            <a:spLocks noGrp="1"/>
-          </p:cNvSpPr>
-          <p:nvPr>
-            <p:ph type="title"/>
-          </p:nvPr>
-        </p:nvSpPr>
-        <p:spPr/>
-        <p:txBody>
-          <a:bodyPr/>
-          <a:lstStyle/>
-          <a:p>
-            <a:r>
-              <a:rPr lang="lt-LT" dirty="0" smtClean="0"/>
-              <a:t>Motion data</a:t>
-            </a:r>
-            <a:endParaRPr lang="lt-LT" dirty="0"/>
-          </a:p>
-        </p:txBody>
-      </p:sp>
+            <a:endParaRPr lang="lt-LT"/>
+          </a:p>
+        </p:txBody>
+      </p:sp>
+      <p:pic>
+        <p:nvPicPr>
+          <p:cNvPr id="4098" name="Picture 2" descr="C:\Mano\Mokslai\Universitetas\5 Semestras\Project\cvg01\docs\Report\images\vicon_mx_basic.jpg"/>
+          <p:cNvPicPr>
+            <a:picLocks noChangeAspect="1" noChangeArrowheads="1"/>
+          </p:cNvPicPr>
+          <p:nvPr/>
+        </p:nvPicPr>
+        <p:blipFill>
+          <a:blip r:embed="rId2"/>
+          <a:srcRect/>
+          <a:stretch>
+            <a:fillRect/>
+          </a:stretch>
+        </p:blipFill>
+        <p:spPr bwMode="auto">
+          <a:xfrm>
+            <a:off x="857224" y="1571612"/>
+            <a:ext cx="7929586" cy="4206346"/>
+          </a:xfrm>
+          <a:prstGeom prst="rect">
+            <a:avLst/>
+          </a:prstGeom>
+          <a:noFill/>
+        </p:spPr>
+      </p:pic>
     </p:spTree>
   </p:cSld>
   <p:clrMapOvr>
@@ -6488,32 +7152,87 @@
           <a:p>
             <a:r>
               <a:rPr lang="lt-LT" dirty="0" smtClean="0"/>
-              <a:t>Linear blend skinning</a:t>
-            </a:r>
-          </a:p>
-          <a:p>
+              <a:t>Various motion data </a:t>
+            </a:r>
             <a:r>
               <a:rPr lang="lt-LT" dirty="0" smtClean="0"/>
-              <a:t>Quaternions</a:t>
-            </a:r>
-          </a:p>
-          <a:p>
-            <a:r>
-              <a:rPr lang="en-US" dirty="0" smtClean="0"/>
-              <a:t>Parametric representation of lines in 3D</a:t>
-            </a:r>
+              <a:t>formats</a:t>
+            </a:r>
+            <a:endParaRPr lang="en-US" dirty="0" smtClean="0"/>
+          </a:p>
+          <a:p>
+            <a:pPr lvl="1"/>
+            <a:r>
+              <a:rPr lang="en-US" dirty="0" smtClean="0"/>
+              <a:t>C3D, </a:t>
+            </a:r>
+            <a:r>
+              <a:rPr lang="en-US" u="sng" dirty="0" smtClean="0"/>
+              <a:t>ASF/AMC</a:t>
+            </a:r>
+            <a:r>
+              <a:rPr lang="en-US" dirty="0" smtClean="0"/>
+              <a:t>, </a:t>
+            </a:r>
+            <a:r>
+              <a:rPr lang="en-US" u="sng" dirty="0" smtClean="0"/>
+              <a:t>BVH</a:t>
+            </a:r>
+            <a:r>
+              <a:rPr lang="en-US" dirty="0" smtClean="0"/>
+              <a:t>, </a:t>
+            </a:r>
+            <a:r>
+              <a:rPr lang="en-US" i="1" dirty="0" smtClean="0"/>
+              <a:t>FBX</a:t>
+            </a:r>
+            <a:endParaRPr lang="lt-LT" i="1" dirty="0" smtClean="0"/>
+          </a:p>
+          <a:p>
             <a:r>
               <a:rPr lang="lt-LT" dirty="0" smtClean="0"/>
-              <a:t> space</a:t>
+              <a:t>Used formats</a:t>
+            </a:r>
+          </a:p>
+          <a:p>
+            <a:pPr lvl="1"/>
+            <a:r>
+              <a:rPr lang="lt-LT" dirty="0" smtClean="0"/>
+              <a:t>Default C3D format for Vicon Motion </a:t>
+            </a:r>
+            <a:r>
+              <a:rPr lang="lt-LT" dirty="0" smtClean="0"/>
+              <a:t>System</a:t>
             </a:r>
             <a:endParaRPr lang="en-US" dirty="0" smtClean="0"/>
           </a:p>
           <a:p>
-            <a:r>
-              <a:rPr lang="en-US" dirty="0" smtClean="0"/>
-              <a:t>Inverse kinematics</a:t>
-            </a:r>
-            <a:endParaRPr lang="lt-LT" dirty="0" smtClean="0"/>
+            <a:pPr lvl="2"/>
+            <a:r>
+              <a:rPr lang="en-US" i="1" dirty="0" smtClean="0"/>
+              <a:t>Binary format, saves 3D coordinates</a:t>
+            </a:r>
+            <a:endParaRPr lang="lt-LT" i="1" dirty="0" smtClean="0"/>
+          </a:p>
+          <a:p>
+            <a:pPr lvl="1"/>
+            <a:r>
+              <a:rPr lang="lt-LT" dirty="0" smtClean="0"/>
+              <a:t>BVH format. Getting from C3D to </a:t>
+            </a:r>
+            <a:r>
+              <a:rPr lang="lt-LT" dirty="0" smtClean="0"/>
+              <a:t>BVH</a:t>
+            </a:r>
+            <a:endParaRPr lang="en-US" dirty="0" smtClean="0"/>
+          </a:p>
+          <a:p>
+            <a:pPr lvl="2"/>
+            <a:r>
+              <a:rPr lang="en-US" i="1" dirty="0" smtClean="0"/>
+              <a:t>Saves hierarchy (skeleton joint structure) and transformation data</a:t>
+            </a:r>
+            <a:endParaRPr lang="lt-LT" i="1" dirty="0" smtClean="0"/>
           </a:p>
         </p:txBody>
       </p:sp>
@@ -6533,10 +7252,10 @@
           <a:lstStyle/>
           <a:p>
             <a:r>
-              <a:rPr lang="en-US" dirty="0" smtClean="0"/>
-              <a:t>Used techniques</a:t>
-            </a:r>
-            <a:endParaRPr lang="en-US" dirty="0"/>
+              <a:rPr lang="lt-LT" dirty="0" smtClean="0"/>
+              <a:t>Motion data</a:t>
+            </a:r>
+            <a:endParaRPr lang="lt-LT" dirty="0"/>
           </a:p>
         </p:txBody>
       </p:sp>
@@ -6545,14 +7264,6 @@
   <p:clrMapOvr>
     <a:masterClrMapping/>
   </p:clrMapOvr>
-  <p:transition/>
-  <p:timing>
-    <p:tnLst>
-      <p:par>
-        <p:cTn id="1" dur="indefinite" restart="never" nodeType="tmRoot"/>
-      </p:par>
-    </p:tnLst>
-  </p:timing>
 </p:sld>
 </file>
 
@@ -6589,51 +7300,38 @@
           <a:lstStyle/>
           <a:p>
             <a:r>
-              <a:rPr lang="en-US" dirty="0" smtClean="0"/>
-              <a:t>Skin </a:t>
-            </a:r>
-            <a:r>
-              <a:rPr lang="en-US" dirty="0" smtClean="0"/>
-              <a:t>deformations</a:t>
-            </a:r>
-          </a:p>
-          <a:p>
-            <a:pPr lvl="1"/>
-            <a:r>
-              <a:rPr lang="en-US" dirty="0" smtClean="0"/>
-              <a:t>Anatomy (layer) based deformations</a:t>
-            </a:r>
-          </a:p>
-          <a:p>
-            <a:pPr lvl="1"/>
-            <a:r>
-              <a:rPr lang="en-US" dirty="0" smtClean="0"/>
-              <a:t>Direct skin deformation</a:t>
-            </a:r>
-          </a:p>
-          <a:p>
-            <a:pPr lvl="2"/>
-            <a:r>
-              <a:rPr lang="en-US" dirty="0" smtClean="0"/>
-              <a:t>Linear blend </a:t>
-            </a:r>
-            <a:r>
-              <a:rPr lang="en-US" dirty="0" smtClean="0"/>
-              <a:t>skinning</a:t>
-            </a:r>
-          </a:p>
-          <a:p>
-            <a:pPr lvl="2"/>
-            <a:r>
-              <a:rPr lang="en-US" dirty="0" smtClean="0"/>
-              <a:t>Different </a:t>
-            </a:r>
-            <a:r>
-              <a:rPr lang="en-US" dirty="0" smtClean="0"/>
-              <a:t>implementations</a:t>
+              <a:rPr lang="lt-LT" dirty="0" smtClean="0"/>
+              <a:t>Linear blend skinning</a:t>
+            </a:r>
+          </a:p>
+          <a:p>
+            <a:r>
+              <a:rPr lang="lt-LT" dirty="0" smtClean="0"/>
+              <a:t>Quaternions</a:t>
+            </a:r>
+          </a:p>
+          <a:p>
+            <a:r>
+              <a:rPr lang="en-US" dirty="0" smtClean="0"/>
+              <a:t>Parametric representation of lines in 3D</a:t>
+            </a:r>
+            <a:r>
+              <a:rPr lang="lt-LT" dirty="0" smtClean="0"/>
+              <a:t> space</a:t>
             </a:r>
             <a:endParaRPr lang="en-US" dirty="0" smtClean="0"/>
           </a:p>
+          <a:p>
+            <a:r>
+              <a:rPr lang="en-US" dirty="0" smtClean="0"/>
+              <a:t>Inverse/Forward??? </a:t>
+            </a:r>
+            <a:r>
+              <a:rPr lang="en-US" dirty="0" smtClean="0"/>
+              <a:t>kinematics</a:t>
+            </a:r>
+            <a:endParaRPr lang="lt-LT" dirty="0" smtClean="0"/>
+          </a:p>
         </p:txBody>
       </p:sp>
       <p:sp>
@@ -6648,16 +7346,14 @@
         </p:nvSpPr>
         <p:spPr/>
         <p:txBody>
-          <a:bodyPr>
-            <a:normAutofit/>
-          </a:bodyPr>
+          <a:bodyPr/>
           <a:lstStyle/>
           <a:p>
             <a:r>
-              <a:rPr lang="en-US" sz="3600" dirty="0" smtClean="0"/>
-              <a:t>Linear blend skinning</a:t>
-            </a:r>
-            <a:endParaRPr lang="en-US" sz="3600" dirty="0"/>
+              <a:rPr lang="en-US" dirty="0" smtClean="0"/>
+              <a:t>Used techniques</a:t>
+            </a:r>
+            <a:endParaRPr lang="en-US" dirty="0"/>
           </a:p>
         </p:txBody>
       </p:sp>
@@ -6666,11 +7362,19 @@
   <p:clrMapOvr>
     <a:masterClrMapping/>
   </p:clrMapOvr>
+  <p:transition/>
+  <p:timing>
+    <p:tnLst>
+      <p:par>
+        <p:cTn id="1" dur="indefinite" restart="never" nodeType="tmRoot"/>
+      </p:par>
+    </p:tnLst>
+  </p:timing>
 </p:sld>
 </file>
 
 <file path=ppt/slides/slide9.xml><?xml version="1.0" encoding="utf-8"?>
-<p:sld xmlns:a="http://schemas.openxmlformats.org/drawingml/2006/main" xmlns:r="http://schemas.openxmlformats.org/officeDocument/2006/relationships" xmlns:p="http://schemas.openxmlformats.org/presentationml/2006/main" showMasterSp="0" show="0">
+<p:sld xmlns:a="http://schemas.openxmlformats.org/drawingml/2006/main" xmlns:r="http://schemas.openxmlformats.org/officeDocument/2006/relationships" xmlns:p="http://schemas.openxmlformats.org/presentationml/2006/main">
   <p:cSld>
     <p:spTree>
       <p:nvGrpSpPr>
@@ -6698,63 +7402,66 @@
         </p:nvSpPr>
         <p:spPr/>
         <p:txBody>
+          <a:bodyPr/>
+          <a:lstStyle/>
+          <a:p>
+            <a:r>
+              <a:rPr lang="en-US" dirty="0" smtClean="0"/>
+              <a:t>Skin deformations</a:t>
+            </a:r>
+          </a:p>
+          <a:p>
+            <a:pPr lvl="1"/>
+            <a:r>
+              <a:rPr lang="en-US" dirty="0" smtClean="0"/>
+              <a:t>Anatomy (layer) based deformations</a:t>
+            </a:r>
+          </a:p>
+          <a:p>
+            <a:pPr lvl="1"/>
+            <a:r>
+              <a:rPr lang="en-US" dirty="0" smtClean="0"/>
+              <a:t>Direct skin deformation</a:t>
+            </a:r>
+          </a:p>
+          <a:p>
+            <a:pPr lvl="2"/>
+            <a:r>
+              <a:rPr lang="en-US" dirty="0" smtClean="0"/>
+              <a:t>Linear blend skinning</a:t>
+            </a:r>
+          </a:p>
+          <a:p>
+            <a:pPr lvl="2"/>
+            <a:r>
+              <a:rPr lang="en-US" dirty="0" smtClean="0"/>
+              <a:t>Different implementations</a:t>
+            </a:r>
+          </a:p>
+        </p:txBody>
+      </p:sp>
+      <p:sp>
+        <p:nvSpPr>
+          <p:cNvPr id="3" name="Title 2"/>
+          <p:cNvSpPr>
+            <a:spLocks noGrp="1"/>
+          </p:cNvSpPr>
+          <p:nvPr>
+            <p:ph type="title"/>
+          </p:nvPr>
+        </p:nvSpPr>
+        <p:spPr/>
+        <p:txBody>
           <a:bodyPr>
-            <a:normAutofit lnSpcReduction="10000"/>
+            <a:normAutofit/>
           </a:bodyPr>
           <a:lstStyle/>
           <a:p>
             <a:r>
-              <a:rPr lang="en-US" dirty="0" smtClean="0"/>
-              <a:t>The anatomy based technique tries to mimic the muscle structure of a human. Normally 3 layers are used: skeleton, </a:t>
-            </a:r>
-            <a:r>
-              <a:rPr lang="en-US" dirty="0" err="1" smtClean="0"/>
-              <a:t>muscles+fat</a:t>
-            </a:r>
-            <a:r>
-              <a:rPr lang="en-US" dirty="0" smtClean="0"/>
-              <a:t>, skin. This approach usually works by layering</a:t>
-            </a:r>
-          </a:p>
-          <a:p>
-            <a:r>
-              <a:rPr lang="en-US" dirty="0" smtClean="0"/>
-              <a:t>Individual muscles on the skeleton deform (stretch or bulge) following the motion of the skeleton. The final skin takes the overall shape of the muscle and fat layer of the animated character body.</a:t>
-            </a:r>
-          </a:p>
-          <a:p>
-            <a:r>
-              <a:rPr lang="en-US" dirty="0" smtClean="0"/>
-              <a:t>Hard to implement as need big accuracy on following realistic muscle deformations.</a:t>
-            </a:r>
-          </a:p>
-          <a:p>
-            <a:endParaRPr lang="en-US" dirty="0" smtClean="0"/>
-          </a:p>
-        </p:txBody>
-      </p:sp>
-      <p:sp>
-        <p:nvSpPr>
-          <p:cNvPr id="3" name="Title 2"/>
-          <p:cNvSpPr>
-            <a:spLocks noGrp="1"/>
-          </p:cNvSpPr>
-          <p:nvPr>
-            <p:ph type="title"/>
-          </p:nvPr>
-        </p:nvSpPr>
-        <p:spPr/>
-        <p:txBody>
-          <a:bodyPr>
-            <a:normAutofit fontScale="90000"/>
-          </a:bodyPr>
-          <a:lstStyle/>
-          <a:p>
-            <a:r>
-              <a:rPr lang="en-US" dirty="0" smtClean="0"/>
-              <a:t>Hidden. Anatomy based skin deformation</a:t>
-            </a:r>
-            <a:endParaRPr lang="lt-LT" dirty="0"/>
+              <a:rPr lang="en-US" sz="3600" dirty="0" smtClean="0"/>
+              <a:t>Linear blend skinning</a:t>
+            </a:r>
+            <a:endParaRPr lang="en-US" sz="3600" dirty="0"/>
           </a:p>
         </p:txBody>
       </p:sp>
@@ -6763,7 +7470,6 @@
   <p:clrMapOvr>
     <a:masterClrMapping/>
   </p:clrMapOvr>
-  <p:transition/>
 </p:sld>
 </file>
 

--- a/trunk/docs/Presentation/Presentation.pptx
+++ b/trunk/docs/Presentation/Presentation.pptx
@@ -1,6 +1,6 @@
 
 <file path=ppt/presentation.xml><?xml version="1.0" encoding="utf-8"?>
-<p:presentation xmlns:a="http://schemas.openxmlformats.org/drawingml/2006/main" xmlns:r="http://schemas.openxmlformats.org/officeDocument/2006/relationships" xmlns:p="http://schemas.openxmlformats.org/presentationml/2006/main" saveSubsetFonts="1">
+<p:presentation xmlns:a="http://schemas.openxmlformats.org/drawingml/2006/main" xmlns:r="http://schemas.openxmlformats.org/officeDocument/2006/relationships" xmlns:mc="http://schemas.openxmlformats.org/markup-compatibility/2006" xmlns:mv="urn:schemas-microsoft-com:mac:vml" xmlns:p="http://schemas.openxmlformats.org/presentationml/2006/main" mc:Ignorable="mv" mc:PreserveAttributes="mv:*" saveSubsetFonts="1">
   <p:sldMasterIdLst>
     <p:sldMasterId id="2147483672" r:id="rId1"/>
   </p:sldMasterIdLst>
@@ -19,18 +19,25 @@
     <p:sldId id="270" r:id="rId13"/>
     <p:sldId id="271" r:id="rId14"/>
     <p:sldId id="272" r:id="rId15"/>
-    <p:sldId id="273" r:id="rId16"/>
-    <p:sldId id="279" r:id="rId17"/>
-    <p:sldId id="274" r:id="rId18"/>
-    <p:sldId id="267" r:id="rId19"/>
-    <p:sldId id="280" r:id="rId20"/>
-    <p:sldId id="275" r:id="rId21"/>
-    <p:sldId id="264" r:id="rId22"/>
-    <p:sldId id="276" r:id="rId23"/>
-    <p:sldId id="277" r:id="rId24"/>
-    <p:sldId id="278" r:id="rId25"/>
-    <p:sldId id="282" r:id="rId26"/>
-    <p:sldId id="258" r:id="rId27"/>
+    <p:sldId id="283" r:id="rId16"/>
+    <p:sldId id="284" r:id="rId17"/>
+    <p:sldId id="285" r:id="rId18"/>
+    <p:sldId id="286" r:id="rId19"/>
+    <p:sldId id="287" r:id="rId20"/>
+    <p:sldId id="288" r:id="rId21"/>
+    <p:sldId id="273" r:id="rId22"/>
+    <p:sldId id="279" r:id="rId23"/>
+    <p:sldId id="274" r:id="rId24"/>
+    <p:sldId id="289" r:id="rId25"/>
+    <p:sldId id="267" r:id="rId26"/>
+    <p:sldId id="280" r:id="rId27"/>
+    <p:sldId id="275" r:id="rId28"/>
+    <p:sldId id="264" r:id="rId29"/>
+    <p:sldId id="276" r:id="rId30"/>
+    <p:sldId id="277" r:id="rId31"/>
+    <p:sldId id="278" r:id="rId32"/>
+    <p:sldId id="282" r:id="rId33"/>
+    <p:sldId id="258" r:id="rId34"/>
   </p:sldIdLst>
   <p:sldSz cx="9144000" cy="6858000" type="screen4x3"/>
   <p:notesSz cx="6858000" cy="9144000"/>
@@ -133,7 +140,7 @@
 </file>
 
 <file path=ppt/slideLayouts/slideLayout1.xml><?xml version="1.0" encoding="utf-8"?>
-<p:sldLayout xmlns:a="http://schemas.openxmlformats.org/drawingml/2006/main" xmlns:r="http://schemas.openxmlformats.org/officeDocument/2006/relationships" xmlns:p="http://schemas.openxmlformats.org/presentationml/2006/main" showMasterSp="0" type="title" preserve="1">
+<p:sldLayout xmlns:a="http://schemas.openxmlformats.org/drawingml/2006/main" xmlns:r="http://schemas.openxmlformats.org/officeDocument/2006/relationships" xmlns:mc="http://schemas.openxmlformats.org/markup-compatibility/2006" xmlns:mv="urn:schemas-microsoft-com:mac:vml" xmlns:p="http://schemas.openxmlformats.org/presentationml/2006/main" mc:Ignorable="mv" mc:PreserveAttributes="mv:*" showMasterSp="0" type="title" preserve="1">
   <p:cSld name="Title Slide">
     <p:spTree>
       <p:nvGrpSpPr>
@@ -212,9 +219,7 @@
         </p:style>
         <p:txBody>
           <a:bodyPr anchor="ctr"/>
-          <a:lstStyle>
-            <a:extLst/>
-          </a:lstStyle>
+          <a:lstStyle/>
           <a:p>
             <a:pPr algn="ctr" eaLnBrk="1" latinLnBrk="0" hangingPunct="1"/>
             <a:endParaRPr kumimoji="0" lang="en-US" dirty="0"/>
@@ -263,7 +268,6 @@
                 </a:effectLst>
               </a:defRPr>
             </a:lvl1pPr>
-            <a:extLst/>
           </a:lstStyle>
           <a:p>
             <a:r>
@@ -325,7 +329,6 @@
             <a:lvl9pPr marL="3657600" indent="0" algn="ctr">
               <a:buNone/>
             </a:lvl9pPr>
-            <a:extLst/>
           </a:lstStyle>
           <a:p>
             <a:r>
@@ -427,9 +430,7 @@
           </p:spPr>
           <p:txBody>
             <a:bodyPr vert="horz" wrap="square" lIns="91440" tIns="45720" rIns="91440" bIns="45720" anchor="t" compatLnSpc="1"/>
-            <a:lstStyle>
-              <a:extLst/>
-            </a:lstStyle>
+            <a:lstStyle/>
             <a:p>
               <a:endParaRPr kumimoji="0" lang="en-US" dirty="0"/>
             </a:p>
@@ -509,9 +510,7 @@
           </p:spPr>
           <p:txBody>
             <a:bodyPr vert="horz" wrap="square" lIns="91440" tIns="45720" rIns="91440" bIns="45720" anchor="t" compatLnSpc="1"/>
-            <a:lstStyle>
-              <a:extLst/>
-            </a:lstStyle>
+            <a:lstStyle/>
             <a:p>
               <a:endParaRPr kumimoji="0" lang="en-US" dirty="0"/>
             </a:p>
@@ -668,9 +667,7 @@
           </p:style>
           <p:txBody>
             <a:bodyPr vert="horz" wrap="square" lIns="91440" tIns="45720" rIns="91440" bIns="45720" anchor="ctr" compatLnSpc="1"/>
-            <a:lstStyle>
-              <a:extLst/>
-            </a:lstStyle>
+            <a:lstStyle/>
             <a:p>
               <a:pPr algn="ctr" eaLnBrk="1" latinLnBrk="0" hangingPunct="1"/>
               <a:endParaRPr kumimoji="0" lang="en-US" dirty="0"/>
@@ -752,13 +749,12 @@
                 </a:solidFill>
               </a:defRPr>
             </a:lvl1pPr>
-            <a:extLst/>
           </a:lstStyle>
           <a:p>
             <a:fld id="{8900D071-D45E-4DB1-8026-6607FD7943F8}" type="datetimeFigureOut">
               <a:rPr lang="lt-LT" smtClean="0"/>
               <a:pPr/>
-              <a:t>2009.01.22</a:t>
+              <a:t>1/22/09</a:t>
             </a:fld>
             <a:endParaRPr lang="lt-LT"/>
           </a:p>
@@ -787,7 +783,6 @@
                 </a:solidFill>
               </a:defRPr>
             </a:lvl1pPr>
-            <a:extLst/>
           </a:lstStyle>
           <a:p>
             <a:endParaRPr lang="lt-LT"/>
@@ -815,7 +810,6 @@
                 </a:solidFill>
               </a:defRPr>
             </a:lvl1pPr>
-            <a:extLst/>
           </a:lstStyle>
           <a:p>
             <a:fld id="{D01D3B16-9DD8-4C37-8DF4-243418B31B2B}" type="slidenum">
@@ -836,7 +830,7 @@
 </file>
 
 <file path=ppt/slideLayouts/slideLayout10.xml><?xml version="1.0" encoding="utf-8"?>
-<p:sldLayout xmlns:a="http://schemas.openxmlformats.org/drawingml/2006/main" xmlns:r="http://schemas.openxmlformats.org/officeDocument/2006/relationships" xmlns:p="http://schemas.openxmlformats.org/presentationml/2006/main" type="vertTx" preserve="1">
+<p:sldLayout xmlns:a="http://schemas.openxmlformats.org/drawingml/2006/main" xmlns:r="http://schemas.openxmlformats.org/officeDocument/2006/relationships" xmlns:mc="http://schemas.openxmlformats.org/markup-compatibility/2006" xmlns:mv="urn:schemas-microsoft-com:mac:vml" xmlns:p="http://schemas.openxmlformats.org/presentationml/2006/main" mc:Ignorable="mv" mc:PreserveAttributes="mv:*" type="vertTx" preserve="1">
   <p:cSld name="Title and Vertical Text">
     <p:spTree>
       <p:nvGrpSpPr>
@@ -865,9 +859,7 @@
         <p:spPr/>
         <p:txBody>
           <a:bodyPr/>
-          <a:lstStyle>
-            <a:extLst/>
-          </a:lstStyle>
+          <a:lstStyle/>
           <a:p>
             <a:r>
               <a:rPr kumimoji="0" lang="en-US" smtClean="0"/>
@@ -895,9 +887,7 @@
         </p:spPr>
         <p:txBody>
           <a:bodyPr vert="eaVert"/>
-          <a:lstStyle>
-            <a:extLst/>
-          </a:lstStyle>
+          <a:lstStyle/>
           <a:p>
             <a:pPr lvl="0" eaLnBrk="1" latinLnBrk="0" hangingPunct="1"/>
             <a:r>
@@ -949,14 +939,12 @@
         <p:spPr/>
         <p:txBody>
           <a:bodyPr/>
-          <a:lstStyle>
-            <a:extLst/>
-          </a:lstStyle>
+          <a:lstStyle/>
           <a:p>
             <a:fld id="{8900D071-D45E-4DB1-8026-6607FD7943F8}" type="datetimeFigureOut">
               <a:rPr lang="lt-LT" smtClean="0"/>
               <a:pPr/>
-              <a:t>2009.01.22</a:t>
+              <a:t>1/22/09</a:t>
             </a:fld>
             <a:endParaRPr lang="lt-LT"/>
           </a:p>
@@ -975,9 +963,7 @@
         <p:spPr/>
         <p:txBody>
           <a:bodyPr/>
-          <a:lstStyle>
-            <a:extLst/>
-          </a:lstStyle>
+          <a:lstStyle/>
           <a:p>
             <a:endParaRPr lang="lt-LT"/>
           </a:p>
@@ -996,9 +982,7 @@
         <p:spPr/>
         <p:txBody>
           <a:bodyPr/>
-          <a:lstStyle>
-            <a:extLst/>
-          </a:lstStyle>
+          <a:lstStyle/>
           <a:p>
             <a:fld id="{D01D3B16-9DD8-4C37-8DF4-243418B31B2B}" type="slidenum">
               <a:rPr lang="lt-LT" smtClean="0"/>
@@ -1018,7 +1002,7 @@
 </file>
 
 <file path=ppt/slideLayouts/slideLayout11.xml><?xml version="1.0" encoding="utf-8"?>
-<p:sldLayout xmlns:a="http://schemas.openxmlformats.org/drawingml/2006/main" xmlns:r="http://schemas.openxmlformats.org/officeDocument/2006/relationships" xmlns:p="http://schemas.openxmlformats.org/presentationml/2006/main" type="vertTitleAndTx" preserve="1">
+<p:sldLayout xmlns:a="http://schemas.openxmlformats.org/drawingml/2006/main" xmlns:r="http://schemas.openxmlformats.org/officeDocument/2006/relationships" xmlns:mc="http://schemas.openxmlformats.org/markup-compatibility/2006" xmlns:mv="urn:schemas-microsoft-com:mac:vml" xmlns:p="http://schemas.openxmlformats.org/presentationml/2006/main" mc:Ignorable="mv" mc:PreserveAttributes="mv:*" type="vertTitleAndTx" preserve="1">
   <p:cSld name="Vertical Title and Text">
     <p:spTree>
       <p:nvGrpSpPr>
@@ -1052,9 +1036,7 @@
         </p:spPr>
         <p:txBody>
           <a:bodyPr vert="eaVert"/>
-          <a:lstStyle>
-            <a:extLst/>
-          </a:lstStyle>
+          <a:lstStyle/>
           <a:p>
             <a:r>
               <a:rPr kumimoji="0" lang="en-US" smtClean="0"/>
@@ -1082,9 +1064,7 @@
         </p:spPr>
         <p:txBody>
           <a:bodyPr vert="eaVert"/>
-          <a:lstStyle>
-            <a:extLst/>
-          </a:lstStyle>
+          <a:lstStyle/>
           <a:p>
             <a:pPr lvl="0" eaLnBrk="1" latinLnBrk="0" hangingPunct="1"/>
             <a:r>
@@ -1136,14 +1116,12 @@
         <p:spPr/>
         <p:txBody>
           <a:bodyPr/>
-          <a:lstStyle>
-            <a:extLst/>
-          </a:lstStyle>
+          <a:lstStyle/>
           <a:p>
             <a:fld id="{8900D071-D45E-4DB1-8026-6607FD7943F8}" type="datetimeFigureOut">
               <a:rPr lang="lt-LT" smtClean="0"/>
               <a:pPr/>
-              <a:t>2009.01.22</a:t>
+              <a:t>1/22/09</a:t>
             </a:fld>
             <a:endParaRPr lang="lt-LT"/>
           </a:p>
@@ -1162,9 +1140,7 @@
         <p:spPr/>
         <p:txBody>
           <a:bodyPr/>
-          <a:lstStyle>
-            <a:extLst/>
-          </a:lstStyle>
+          <a:lstStyle/>
           <a:p>
             <a:endParaRPr lang="lt-LT"/>
           </a:p>
@@ -1183,9 +1159,7 @@
         <p:spPr/>
         <p:txBody>
           <a:bodyPr/>
-          <a:lstStyle>
-            <a:extLst/>
-          </a:lstStyle>
+          <a:lstStyle/>
           <a:p>
             <a:fld id="{D01D3B16-9DD8-4C37-8DF4-243418B31B2B}" type="slidenum">
               <a:rPr lang="lt-LT" smtClean="0"/>
@@ -1205,7 +1179,7 @@
 </file>
 
 <file path=ppt/slideLayouts/slideLayout2.xml><?xml version="1.0" encoding="utf-8"?>
-<p:sldLayout xmlns:a="http://schemas.openxmlformats.org/drawingml/2006/main" xmlns:r="http://schemas.openxmlformats.org/officeDocument/2006/relationships" xmlns:p="http://schemas.openxmlformats.org/presentationml/2006/main" type="obj" preserve="1">
+<p:sldLayout xmlns:a="http://schemas.openxmlformats.org/drawingml/2006/main" xmlns:r="http://schemas.openxmlformats.org/officeDocument/2006/relationships" xmlns:mc="http://schemas.openxmlformats.org/markup-compatibility/2006" xmlns:mv="urn:schemas-microsoft-com:mac:vml" xmlns:p="http://schemas.openxmlformats.org/presentationml/2006/main" mc:Ignorable="mv" mc:PreserveAttributes="mv:*" type="obj" preserve="1">
   <p:cSld name="Title and Content">
     <p:spTree>
       <p:nvGrpSpPr>
@@ -1234,9 +1208,7 @@
         <p:spPr/>
         <p:txBody>
           <a:bodyPr/>
-          <a:lstStyle>
-            <a:extLst/>
-          </a:lstStyle>
+          <a:lstStyle/>
           <a:p>
             <a:pPr lvl="0" eaLnBrk="1" latinLnBrk="0" hangingPunct="1"/>
             <a:r>
@@ -1288,14 +1260,12 @@
         <p:spPr/>
         <p:txBody>
           <a:bodyPr/>
-          <a:lstStyle>
-            <a:extLst/>
-          </a:lstStyle>
+          <a:lstStyle/>
           <a:p>
             <a:fld id="{8900D071-D45E-4DB1-8026-6607FD7943F8}" type="datetimeFigureOut">
               <a:rPr lang="lt-LT" smtClean="0"/>
               <a:pPr/>
-              <a:t>2009.01.22</a:t>
+              <a:t>1/22/09</a:t>
             </a:fld>
             <a:endParaRPr lang="lt-LT"/>
           </a:p>
@@ -1314,9 +1284,7 @@
         <p:spPr/>
         <p:txBody>
           <a:bodyPr/>
-          <a:lstStyle>
-            <a:extLst/>
-          </a:lstStyle>
+          <a:lstStyle/>
           <a:p>
             <a:endParaRPr lang="lt-LT"/>
           </a:p>
@@ -1335,9 +1303,7 @@
         <p:spPr/>
         <p:txBody>
           <a:bodyPr/>
-          <a:lstStyle>
-            <a:extLst/>
-          </a:lstStyle>
+          <a:lstStyle/>
           <a:p>
             <a:fld id="{D01D3B16-9DD8-4C37-8DF4-243418B31B2B}" type="slidenum">
               <a:rPr lang="lt-LT" smtClean="0"/>
@@ -1361,9 +1327,7 @@
         <p:spPr/>
         <p:txBody>
           <a:bodyPr rtlCol="0"/>
-          <a:lstStyle>
-            <a:extLst/>
-          </a:lstStyle>
+          <a:lstStyle/>
           <a:p>
             <a:r>
               <a:rPr kumimoji="0" lang="en-US" smtClean="0"/>
@@ -1382,7 +1346,7 @@
 </file>
 
 <file path=ppt/slideLayouts/slideLayout3.xml><?xml version="1.0" encoding="utf-8"?>
-<p:sldLayout xmlns:a="http://schemas.openxmlformats.org/drawingml/2006/main" xmlns:r="http://schemas.openxmlformats.org/officeDocument/2006/relationships" xmlns:p="http://schemas.openxmlformats.org/presentationml/2006/main" type="secHead" preserve="1">
+<p:sldLayout xmlns:a="http://schemas.openxmlformats.org/drawingml/2006/main" xmlns:r="http://schemas.openxmlformats.org/officeDocument/2006/relationships" xmlns:mc="http://schemas.openxmlformats.org/markup-compatibility/2006" xmlns:mv="urn:schemas-microsoft-com:mac:vml" xmlns:p="http://schemas.openxmlformats.org/presentationml/2006/main" mc:Ignorable="mv" mc:PreserveAttributes="mv:*" type="secHead" preserve="1">
   <p:cSld name="Section Header">
     <p:bg>
       <p:bgRef idx="1002">
@@ -1443,7 +1407,6 @@
                 </a:effectLst>
               </a:defRPr>
             </a:lvl1pPr>
-            <a:extLst/>
           </a:lstStyle>
           <a:p>
             <a:r>
@@ -1521,7 +1484,6 @@
                 </a:solidFill>
               </a:defRPr>
             </a:lvl5pPr>
-            <a:extLst/>
           </a:lstStyle>
           <a:p>
             <a:pPr lvl="0" eaLnBrk="1" latinLnBrk="0" hangingPunct="1"/>
@@ -1545,14 +1507,12 @@
         <p:spPr/>
         <p:txBody>
           <a:bodyPr/>
-          <a:lstStyle>
-            <a:extLst/>
-          </a:lstStyle>
+          <a:lstStyle/>
           <a:p>
             <a:fld id="{8900D071-D45E-4DB1-8026-6607FD7943F8}" type="datetimeFigureOut">
               <a:rPr lang="lt-LT" smtClean="0"/>
               <a:pPr/>
-              <a:t>2009.01.22</a:t>
+              <a:t>1/22/09</a:t>
             </a:fld>
             <a:endParaRPr lang="lt-LT"/>
           </a:p>
@@ -1571,9 +1531,7 @@
         <p:spPr/>
         <p:txBody>
           <a:bodyPr/>
-          <a:lstStyle>
-            <a:extLst/>
-          </a:lstStyle>
+          <a:lstStyle/>
           <a:p>
             <a:endParaRPr lang="lt-LT"/>
           </a:p>
@@ -1592,9 +1550,7 @@
         <p:spPr/>
         <p:txBody>
           <a:bodyPr/>
-          <a:lstStyle>
-            <a:extLst/>
-          </a:lstStyle>
+          <a:lstStyle/>
           <a:p>
             <a:fld id="{D01D3B16-9DD8-4C37-8DF4-243418B31B2B}" type="slidenum">
               <a:rPr lang="lt-LT" smtClean="0"/>
@@ -1676,9 +1632,7 @@
         </p:style>
         <p:txBody>
           <a:bodyPr anchor="ctr"/>
-          <a:lstStyle>
-            <a:extLst/>
-          </a:lstStyle>
+          <a:lstStyle/>
           <a:p>
             <a:pPr algn="l" eaLnBrk="1" latinLnBrk="0" hangingPunct="1"/>
             <a:endParaRPr kumimoji="0" lang="en-US" dirty="0"/>
@@ -1756,9 +1710,7 @@
         </p:style>
         <p:txBody>
           <a:bodyPr anchor="ctr"/>
-          <a:lstStyle>
-            <a:extLst/>
-          </a:lstStyle>
+          <a:lstStyle/>
           <a:p>
             <a:pPr algn="l" eaLnBrk="1" latinLnBrk="0" hangingPunct="1"/>
             <a:endParaRPr kumimoji="0" lang="en-US" dirty="0"/>
@@ -1774,7 +1726,7 @@
 </file>
 
 <file path=ppt/slideLayouts/slideLayout4.xml><?xml version="1.0" encoding="utf-8"?>
-<p:sldLayout xmlns:a="http://schemas.openxmlformats.org/drawingml/2006/main" xmlns:r="http://schemas.openxmlformats.org/officeDocument/2006/relationships" xmlns:p="http://schemas.openxmlformats.org/presentationml/2006/main" type="twoObj" preserve="1">
+<p:sldLayout xmlns:a="http://schemas.openxmlformats.org/drawingml/2006/main" xmlns:r="http://schemas.openxmlformats.org/officeDocument/2006/relationships" xmlns:mc="http://schemas.openxmlformats.org/markup-compatibility/2006" xmlns:mv="urn:schemas-microsoft-com:mac:vml" xmlns:p="http://schemas.openxmlformats.org/presentationml/2006/main" mc:Ignorable="mv" mc:PreserveAttributes="mv:*" type="twoObj" preserve="1">
   <p:cSld name="Two Content">
     <p:bg>
       <p:bgRef idx="1002">
@@ -1829,7 +1781,6 @@
             <a:lvl5pPr>
               <a:defRPr sz="1800"/>
             </a:lvl5pPr>
-            <a:extLst/>
           </a:lstStyle>
           <a:p>
             <a:pPr lvl="0" eaLnBrk="1" latinLnBrk="0" hangingPunct="1"/>
@@ -1903,7 +1854,6 @@
             <a:lvl5pPr>
               <a:defRPr sz="1800"/>
             </a:lvl5pPr>
-            <a:extLst/>
           </a:lstStyle>
           <a:p>
             <a:pPr lvl="0" eaLnBrk="1" latinLnBrk="0" hangingPunct="1"/>
@@ -1956,14 +1906,12 @@
         <p:spPr/>
         <p:txBody>
           <a:bodyPr/>
-          <a:lstStyle>
-            <a:extLst/>
-          </a:lstStyle>
+          <a:lstStyle/>
           <a:p>
             <a:fld id="{8900D071-D45E-4DB1-8026-6607FD7943F8}" type="datetimeFigureOut">
               <a:rPr lang="lt-LT" smtClean="0"/>
               <a:pPr/>
-              <a:t>2009.01.22</a:t>
+              <a:t>1/22/09</a:t>
             </a:fld>
             <a:endParaRPr lang="lt-LT"/>
           </a:p>
@@ -1982,9 +1930,7 @@
         <p:spPr/>
         <p:txBody>
           <a:bodyPr/>
-          <a:lstStyle>
-            <a:extLst/>
-          </a:lstStyle>
+          <a:lstStyle/>
           <a:p>
             <a:endParaRPr lang="lt-LT"/>
           </a:p>
@@ -2003,9 +1949,7 @@
         <p:spPr/>
         <p:txBody>
           <a:bodyPr/>
-          <a:lstStyle>
-            <a:extLst/>
-          </a:lstStyle>
+          <a:lstStyle/>
           <a:p>
             <a:fld id="{D01D3B16-9DD8-4C37-8DF4-243418B31B2B}" type="slidenum">
               <a:rPr lang="lt-LT" smtClean="0"/>
@@ -2029,9 +1973,7 @@
         <p:spPr/>
         <p:txBody>
           <a:bodyPr rtlCol="0"/>
-          <a:lstStyle>
-            <a:extLst/>
-          </a:lstStyle>
+          <a:lstStyle/>
           <a:p>
             <a:r>
               <a:rPr kumimoji="0" lang="en-US" smtClean="0"/>
@@ -2050,7 +1992,7 @@
 </file>
 
 <file path=ppt/slideLayouts/slideLayout5.xml><?xml version="1.0" encoding="utf-8"?>
-<p:sldLayout xmlns:a="http://schemas.openxmlformats.org/drawingml/2006/main" xmlns:r="http://schemas.openxmlformats.org/officeDocument/2006/relationships" xmlns:p="http://schemas.openxmlformats.org/presentationml/2006/main" showMasterSp="0" type="twoTxTwoObj" preserve="1">
+<p:sldLayout xmlns:a="http://schemas.openxmlformats.org/drawingml/2006/main" xmlns:r="http://schemas.openxmlformats.org/officeDocument/2006/relationships" xmlns:mc="http://schemas.openxmlformats.org/markup-compatibility/2006" xmlns:mv="urn:schemas-microsoft-com:mac:vml" xmlns:p="http://schemas.openxmlformats.org/presentationml/2006/main" mc:Ignorable="mv" mc:PreserveAttributes="mv:*" showMasterSp="0" type="twoTxTwoObj" preserve="1">
   <p:cSld name="Comparison">
     <p:bg>
       <p:bgRef idx="1003">
@@ -2093,7 +2035,6 @@
             <a:lvl1pPr>
               <a:defRPr/>
             </a:lvl1pPr>
-            <a:extLst/>
           </a:lstStyle>
           <a:p>
             <a:r>
@@ -2156,7 +2097,6 @@
               <a:buNone/>
               <a:defRPr sz="1600" b="1"/>
             </a:lvl5pPr>
-            <a:extLst/>
           </a:lstStyle>
           <a:p>
             <a:pPr lvl="0" eaLnBrk="1" latinLnBrk="0" hangingPunct="1"/>
@@ -2219,7 +2159,6 @@
               <a:buNone/>
               <a:defRPr sz="1600" b="1"/>
             </a:lvl5pPr>
-            <a:extLst/>
           </a:lstStyle>
           <a:p>
             <a:pPr lvl="0" eaLnBrk="1" latinLnBrk="0" hangingPunct="1"/>
@@ -2269,7 +2208,6 @@
             <a:lvl5pPr>
               <a:defRPr sz="1600"/>
             </a:lvl5pPr>
-            <a:extLst/>
           </a:lstStyle>
           <a:p>
             <a:pPr lvl="0" eaLnBrk="1" latinLnBrk="0" hangingPunct="1"/>
@@ -2351,7 +2289,6 @@
             <a:lvl5pPr>
               <a:defRPr sz="1600"/>
             </a:lvl5pPr>
-            <a:extLst/>
           </a:lstStyle>
           <a:p>
             <a:pPr lvl="0" eaLnBrk="1" latinLnBrk="0" hangingPunct="1"/>
@@ -2404,14 +2341,12 @@
         <p:spPr/>
         <p:txBody>
           <a:bodyPr/>
-          <a:lstStyle>
-            <a:extLst/>
-          </a:lstStyle>
+          <a:lstStyle/>
           <a:p>
             <a:fld id="{8900D071-D45E-4DB1-8026-6607FD7943F8}" type="datetimeFigureOut">
               <a:rPr lang="lt-LT" smtClean="0"/>
               <a:pPr/>
-              <a:t>2009.01.22</a:t>
+              <a:t>1/22/09</a:t>
             </a:fld>
             <a:endParaRPr lang="lt-LT"/>
           </a:p>
@@ -2430,9 +2365,7 @@
         <p:spPr/>
         <p:txBody>
           <a:bodyPr/>
-          <a:lstStyle>
-            <a:extLst/>
-          </a:lstStyle>
+          <a:lstStyle/>
           <a:p>
             <a:endParaRPr lang="lt-LT"/>
           </a:p>
@@ -2451,9 +2384,7 @@
         <p:spPr/>
         <p:txBody>
           <a:bodyPr/>
-          <a:lstStyle>
-            <a:extLst/>
-          </a:lstStyle>
+          <a:lstStyle/>
           <a:p>
             <a:fld id="{D01D3B16-9DD8-4C37-8DF4-243418B31B2B}" type="slidenum">
               <a:rPr lang="lt-LT" smtClean="0"/>
@@ -2473,7 +2404,7 @@
 </file>
 
 <file path=ppt/slideLayouts/slideLayout6.xml><?xml version="1.0" encoding="utf-8"?>
-<p:sldLayout xmlns:a="http://schemas.openxmlformats.org/drawingml/2006/main" xmlns:r="http://schemas.openxmlformats.org/officeDocument/2006/relationships" xmlns:p="http://schemas.openxmlformats.org/presentationml/2006/main" type="titleOnly" preserve="1">
+<p:sldLayout xmlns:a="http://schemas.openxmlformats.org/drawingml/2006/main" xmlns:r="http://schemas.openxmlformats.org/officeDocument/2006/relationships" xmlns:mc="http://schemas.openxmlformats.org/markup-compatibility/2006" xmlns:mv="urn:schemas-microsoft-com:mac:vml" xmlns:p="http://schemas.openxmlformats.org/presentationml/2006/main" mc:Ignorable="mv" mc:PreserveAttributes="mv:*" type="titleOnly" preserve="1">
   <p:cSld name="Title Only">
     <p:bg>
       <p:bgRef idx="1002">
@@ -2507,14 +2438,12 @@
         <p:spPr/>
         <p:txBody>
           <a:bodyPr/>
-          <a:lstStyle>
-            <a:extLst/>
-          </a:lstStyle>
+          <a:lstStyle/>
           <a:p>
             <a:fld id="{8900D071-D45E-4DB1-8026-6607FD7943F8}" type="datetimeFigureOut">
               <a:rPr lang="lt-LT" smtClean="0"/>
               <a:pPr/>
-              <a:t>2009.01.22</a:t>
+              <a:t>1/22/09</a:t>
             </a:fld>
             <a:endParaRPr lang="lt-LT"/>
           </a:p>
@@ -2533,9 +2462,7 @@
         <p:spPr/>
         <p:txBody>
           <a:bodyPr/>
-          <a:lstStyle>
-            <a:extLst/>
-          </a:lstStyle>
+          <a:lstStyle/>
           <a:p>
             <a:endParaRPr lang="lt-LT"/>
           </a:p>
@@ -2554,9 +2481,7 @@
         <p:spPr/>
         <p:txBody>
           <a:bodyPr/>
-          <a:lstStyle>
-            <a:extLst/>
-          </a:lstStyle>
+          <a:lstStyle/>
           <a:p>
             <a:fld id="{D01D3B16-9DD8-4C37-8DF4-243418B31B2B}" type="slidenum">
               <a:rPr lang="lt-LT" smtClean="0"/>
@@ -2580,9 +2505,7 @@
         <p:spPr/>
         <p:txBody>
           <a:bodyPr rtlCol="0"/>
-          <a:lstStyle>
-            <a:extLst/>
-          </a:lstStyle>
+          <a:lstStyle/>
           <a:p>
             <a:r>
               <a:rPr kumimoji="0" lang="en-US" smtClean="0"/>
@@ -2601,7 +2524,7 @@
 </file>
 
 <file path=ppt/slideLayouts/slideLayout7.xml><?xml version="1.0" encoding="utf-8"?>
-<p:sldLayout xmlns:a="http://schemas.openxmlformats.org/drawingml/2006/main" xmlns:r="http://schemas.openxmlformats.org/officeDocument/2006/relationships" xmlns:p="http://schemas.openxmlformats.org/presentationml/2006/main" type="blank" preserve="1">
+<p:sldLayout xmlns:a="http://schemas.openxmlformats.org/drawingml/2006/main" xmlns:r="http://schemas.openxmlformats.org/officeDocument/2006/relationships" xmlns:mc="http://schemas.openxmlformats.org/markup-compatibility/2006" xmlns:mv="urn:schemas-microsoft-com:mac:vml" xmlns:p="http://schemas.openxmlformats.org/presentationml/2006/main" mc:Ignorable="mv" mc:PreserveAttributes="mv:*" type="blank" preserve="1">
   <p:cSld name="Blank">
     <p:spTree>
       <p:nvGrpSpPr>
@@ -2630,14 +2553,12 @@
         <p:spPr/>
         <p:txBody>
           <a:bodyPr/>
-          <a:lstStyle>
-            <a:extLst/>
-          </a:lstStyle>
+          <a:lstStyle/>
           <a:p>
             <a:fld id="{8900D071-D45E-4DB1-8026-6607FD7943F8}" type="datetimeFigureOut">
               <a:rPr lang="lt-LT" smtClean="0"/>
               <a:pPr/>
-              <a:t>2009.01.22</a:t>
+              <a:t>1/22/09</a:t>
             </a:fld>
             <a:endParaRPr lang="lt-LT"/>
           </a:p>
@@ -2656,9 +2577,7 @@
         <p:spPr/>
         <p:txBody>
           <a:bodyPr/>
-          <a:lstStyle>
-            <a:extLst/>
-          </a:lstStyle>
+          <a:lstStyle/>
           <a:p>
             <a:endParaRPr lang="lt-LT"/>
           </a:p>
@@ -2677,9 +2596,7 @@
         <p:spPr/>
         <p:txBody>
           <a:bodyPr/>
-          <a:lstStyle>
-            <a:extLst/>
-          </a:lstStyle>
+          <a:lstStyle/>
           <a:p>
             <a:fld id="{D01D3B16-9DD8-4C37-8DF4-243418B31B2B}" type="slidenum">
               <a:rPr lang="lt-LT" smtClean="0"/>
@@ -2699,7 +2616,7 @@
 </file>
 
 <file path=ppt/slideLayouts/slideLayout8.xml><?xml version="1.0" encoding="utf-8"?>
-<p:sldLayout xmlns:a="http://schemas.openxmlformats.org/drawingml/2006/main" xmlns:r="http://schemas.openxmlformats.org/officeDocument/2006/relationships" xmlns:p="http://schemas.openxmlformats.org/presentationml/2006/main" showMasterSp="0" type="objTx" preserve="1">
+<p:sldLayout xmlns:a="http://schemas.openxmlformats.org/drawingml/2006/main" xmlns:r="http://schemas.openxmlformats.org/officeDocument/2006/relationships" xmlns:mc="http://schemas.openxmlformats.org/markup-compatibility/2006" xmlns:mv="urn:schemas-microsoft-com:mac:vml" xmlns:p="http://schemas.openxmlformats.org/presentationml/2006/main" mc:Ignorable="mv" mc:PreserveAttributes="mv:*" showMasterSp="0" type="objTx" preserve="1">
   <p:cSld name="Content with Caption">
     <p:bg>
       <p:bgRef idx="1003">
@@ -2753,7 +2670,6 @@
                 <a:effectLst/>
               </a:defRPr>
             </a:lvl1pPr>
-            <a:extLst/>
           </a:lstStyle>
           <a:p>
             <a:r>
@@ -2803,7 +2719,6 @@
               <a:buNone/>
               <a:defRPr sz="900"/>
             </a:lvl5pPr>
-            <a:extLst/>
           </a:lstStyle>
           <a:p>
             <a:pPr lvl="0" eaLnBrk="1" latinLnBrk="0" hangingPunct="1"/>
@@ -2848,7 +2763,6 @@
             <a:lvl5pPr>
               <a:defRPr sz="2000"/>
             </a:lvl5pPr>
-            <a:extLst/>
           </a:lstStyle>
           <a:p>
             <a:pPr lvl="0" eaLnBrk="1" latinLnBrk="0" hangingPunct="1"/>
@@ -2906,14 +2820,12 @@
         </p:spPr>
         <p:txBody>
           <a:bodyPr/>
-          <a:lstStyle>
-            <a:extLst/>
-          </a:lstStyle>
+          <a:lstStyle/>
           <a:p>
             <a:fld id="{8900D071-D45E-4DB1-8026-6607FD7943F8}" type="datetimeFigureOut">
               <a:rPr lang="lt-LT" smtClean="0"/>
               <a:pPr/>
-              <a:t>2009.01.22</a:t>
+              <a:t>1/22/09</a:t>
             </a:fld>
             <a:endParaRPr lang="lt-LT"/>
           </a:p>
@@ -2932,9 +2844,7 @@
         <p:spPr/>
         <p:txBody>
           <a:bodyPr/>
-          <a:lstStyle>
-            <a:extLst/>
-          </a:lstStyle>
+          <a:lstStyle/>
           <a:p>
             <a:endParaRPr lang="lt-LT"/>
           </a:p>
@@ -2953,9 +2863,7 @@
         <p:spPr/>
         <p:txBody>
           <a:bodyPr/>
-          <a:lstStyle>
-            <a:extLst/>
-          </a:lstStyle>
+          <a:lstStyle/>
           <a:p>
             <a:fld id="{D01D3B16-9DD8-4C37-8DF4-243418B31B2B}" type="slidenum">
               <a:rPr lang="lt-LT" smtClean="0"/>
@@ -2975,7 +2883,7 @@
 </file>
 
 <file path=ppt/slideLayouts/slideLayout9.xml><?xml version="1.0" encoding="utf-8"?>
-<p:sldLayout xmlns:a="http://schemas.openxmlformats.org/drawingml/2006/main" xmlns:r="http://schemas.openxmlformats.org/officeDocument/2006/relationships" xmlns:p="http://schemas.openxmlformats.org/presentationml/2006/main" showMasterSp="0" type="picTx" preserve="1">
+<p:sldLayout xmlns:a="http://schemas.openxmlformats.org/drawingml/2006/main" xmlns:r="http://schemas.openxmlformats.org/officeDocument/2006/relationships" xmlns:mc="http://schemas.openxmlformats.org/markup-compatibility/2006" xmlns:mv="urn:schemas-microsoft-com:mac:vml" xmlns:p="http://schemas.openxmlformats.org/presentationml/2006/main" mc:Ignorable="mv" mc:PreserveAttributes="mv:*" showMasterSp="0" type="picTx" preserve="1">
   <p:cSld name="Picture with Caption">
     <p:bg>
       <p:bgRef idx="1002">
@@ -3032,7 +2940,6 @@
             <a:lvl5pPr>
               <a:defRPr sz="900"/>
             </a:lvl5pPr>
-            <a:extLst/>
           </a:lstStyle>
           <a:p>
             <a:pPr lvl="0" eaLnBrk="1" latinLnBrk="0" hangingPunct="1"/>
@@ -3082,7 +2989,6 @@
               <a:buNone/>
               <a:defRPr sz="3200"/>
             </a:lvl1pPr>
-            <a:extLst/>
           </a:lstStyle>
           <a:p>
             <a:r>
@@ -3114,13 +3020,12 @@
                 </a:solidFill>
               </a:defRPr>
             </a:lvl1pPr>
-            <a:extLst/>
           </a:lstStyle>
           <a:p>
             <a:fld id="{8900D071-D45E-4DB1-8026-6607FD7943F8}" type="datetimeFigureOut">
               <a:rPr lang="lt-LT" smtClean="0"/>
               <a:pPr/>
-              <a:t>2009.01.22</a:t>
+              <a:t>1/22/09</a:t>
             </a:fld>
             <a:endParaRPr lang="lt-LT"/>
           </a:p>
@@ -3152,7 +3057,6 @@
                 </a:solidFill>
               </a:defRPr>
             </a:lvl1pPr>
-            <a:extLst/>
           </a:lstStyle>
           <a:p>
             <a:endParaRPr lang="lt-LT"/>
@@ -3180,7 +3084,6 @@
                 </a:solidFill>
               </a:defRPr>
             </a:lvl1pPr>
-            <a:extLst/>
           </a:lstStyle>
           <a:p>
             <a:fld id="{D01D3B16-9DD8-4C37-8DF4-243418B31B2B}" type="slidenum">
@@ -3229,7 +3132,6 @@
                 </a:effectLst>
               </a:defRPr>
             </a:lvl1pPr>
-            <a:extLst/>
           </a:lstStyle>
           <a:p>
             <a:r>
@@ -3316,9 +3218,7 @@
         </p:spPr>
         <p:txBody>
           <a:bodyPr vert="horz" wrap="square" lIns="91440" tIns="45720" rIns="91440" bIns="45720" anchor="t" compatLnSpc="1"/>
-          <a:lstStyle>
-            <a:extLst/>
-          </a:lstStyle>
+          <a:lstStyle/>
           <a:p>
             <a:endParaRPr kumimoji="0" lang="en-US" dirty="0"/>
           </a:p>
@@ -3398,9 +3298,7 @@
         </p:spPr>
         <p:txBody>
           <a:bodyPr vert="horz" wrap="square" lIns="91440" tIns="45720" rIns="91440" bIns="45720" anchor="t" compatLnSpc="1"/>
-          <a:lstStyle>
-            <a:extLst/>
-          </a:lstStyle>
+          <a:lstStyle/>
           <a:p>
             <a:endParaRPr kumimoji="0" lang="en-US" dirty="0"/>
           </a:p>
@@ -3508,9 +3406,7 @@
         </p:style>
         <p:txBody>
           <a:bodyPr vert="horz" wrap="square" lIns="91440" tIns="45720" rIns="91440" bIns="45720" anchor="ctr" compatLnSpc="1"/>
-          <a:lstStyle>
-            <a:extLst/>
-          </a:lstStyle>
+          <a:lstStyle/>
           <a:p>
             <a:pPr algn="ctr" eaLnBrk="1" latinLnBrk="0" hangingPunct="1"/>
             <a:endParaRPr kumimoji="0" lang="en-US" dirty="0"/>
@@ -3641,9 +3537,7 @@
         </p:style>
         <p:txBody>
           <a:bodyPr anchor="ctr"/>
-          <a:lstStyle>
-            <a:extLst/>
-          </a:lstStyle>
+          <a:lstStyle/>
           <a:p>
             <a:pPr algn="l" eaLnBrk="1" latinLnBrk="0" hangingPunct="1"/>
             <a:endParaRPr kumimoji="0" lang="en-US" dirty="0"/>
@@ -3721,9 +3615,7 @@
         </p:style>
         <p:txBody>
           <a:bodyPr anchor="ctr"/>
-          <a:lstStyle>
-            <a:extLst/>
-          </a:lstStyle>
+          <a:lstStyle/>
           <a:p>
             <a:pPr algn="l" eaLnBrk="1" latinLnBrk="0" hangingPunct="1"/>
             <a:endParaRPr kumimoji="0" lang="en-US" dirty="0"/>
@@ -3739,7 +3631,7 @@
 </file>
 
 <file path=ppt/slideMasters/slideMaster1.xml><?xml version="1.0" encoding="utf-8"?>
-<p:sldMaster xmlns:a="http://schemas.openxmlformats.org/drawingml/2006/main" xmlns:r="http://schemas.openxmlformats.org/officeDocument/2006/relationships" xmlns:p="http://schemas.openxmlformats.org/presentationml/2006/main">
+<p:sldMaster xmlns:a="http://schemas.openxmlformats.org/drawingml/2006/main" xmlns:r="http://schemas.openxmlformats.org/officeDocument/2006/relationships" xmlns:mc="http://schemas.openxmlformats.org/markup-compatibility/2006" xmlns:mv="urn:schemas-microsoft-com:mac:vml" xmlns:p="http://schemas.openxmlformats.org/presentationml/2006/main" mc:Ignorable="mv" mc:PreserveAttributes="mv:*">
   <p:cSld>
     <p:bg>
       <p:bgRef idx="1001">
@@ -3836,9 +3728,7 @@
         </p:spPr>
         <p:txBody>
           <a:bodyPr vert="horz" wrap="square" lIns="91440" tIns="45720" rIns="91440" bIns="45720" anchor="t" compatLnSpc="1"/>
-          <a:lstStyle>
-            <a:extLst/>
-          </a:lstStyle>
+          <a:lstStyle/>
           <a:p>
             <a:endParaRPr kumimoji="0" lang="en-US" dirty="0"/>
           </a:p>
@@ -3918,9 +3808,7 @@
         </p:spPr>
         <p:txBody>
           <a:bodyPr vert="horz" wrap="square" lIns="91440" tIns="45720" rIns="91440" bIns="45720" anchor="t" compatLnSpc="1"/>
-          <a:lstStyle>
-            <a:extLst/>
-          </a:lstStyle>
+          <a:lstStyle/>
           <a:p>
             <a:endParaRPr kumimoji="0" lang="en-US" dirty="0"/>
           </a:p>
@@ -4028,9 +3916,7 @@
         </p:style>
         <p:txBody>
           <a:bodyPr vert="horz" wrap="square" lIns="91440" tIns="45720" rIns="91440" bIns="45720" anchor="ctr" compatLnSpc="1"/>
-          <a:lstStyle>
-            <a:extLst/>
-          </a:lstStyle>
+          <a:lstStyle/>
           <a:p>
             <a:pPr algn="ctr" eaLnBrk="1" latinLnBrk="0" hangingPunct="1"/>
             <a:endParaRPr kumimoji="0" lang="en-US" dirty="0"/>
@@ -4120,9 +4006,7 @@
               <a:bevelT w="25400" h="25400"/>
             </a:sp3d>
           </a:bodyPr>
-          <a:lstStyle>
-            <a:extLst/>
-          </a:lstStyle>
+          <a:lstStyle/>
           <a:p>
             <a:r>
               <a:rPr kumimoji="0" lang="en-US" smtClean="0"/>
@@ -4155,9 +4039,7 @@
           <a:bodyPr vert="horz">
             <a:normAutofit/>
           </a:bodyPr>
-          <a:lstStyle>
-            <a:extLst/>
-          </a:lstStyle>
+          <a:lstStyle/>
           <a:p>
             <a:pPr lvl="0" eaLnBrk="1" latinLnBrk="0" hangingPunct="1"/>
             <a:r>
@@ -4225,13 +4107,12 @@
                 </a:solidFill>
               </a:defRPr>
             </a:lvl1pPr>
-            <a:extLst/>
           </a:lstStyle>
           <a:p>
             <a:fld id="{8900D071-D45E-4DB1-8026-6607FD7943F8}" type="datetimeFigureOut">
               <a:rPr lang="lt-LT" smtClean="0"/>
               <a:pPr/>
-              <a:t>2009.01.22</a:t>
+              <a:t>1/22/09</a:t>
             </a:fld>
             <a:endParaRPr lang="lt-LT"/>
           </a:p>
@@ -4266,7 +4147,6 @@
                 </a:solidFill>
               </a:defRPr>
             </a:lvl1pPr>
-            <a:extLst/>
           </a:lstStyle>
           <a:p>
             <a:endParaRPr lang="lt-LT"/>
@@ -4302,7 +4182,6 @@
                 </a:solidFill>
               </a:defRPr>
             </a:lvl1pPr>
-            <a:extLst/>
           </a:lstStyle>
           <a:p>
             <a:fld id="{D01D3B16-9DD8-4C37-8DF4-243418B31B2B}" type="slidenum">
@@ -4353,7 +4232,6 @@
           <a:cs typeface="+mj-cs"/>
         </a:defRPr>
       </a:lvl1pPr>
-      <a:extLst/>
     </p:titleStyle>
     <p:bodyStyle>
       <a:lvl1pPr marL="365760" indent="-256032" algn="l" rtl="0" eaLnBrk="1" latinLnBrk="0" hangingPunct="1">
@@ -4523,7 +4401,6 @@
           <a:cs typeface="+mn-cs"/>
         </a:defRPr>
       </a:lvl9pPr>
-      <a:extLst/>
     </p:bodyStyle>
     <p:otherStyle>
       <a:lvl1pPr marL="0" algn="l" rtl="0" eaLnBrk="1" latinLnBrk="0" hangingPunct="1">
@@ -4616,14 +4493,13 @@
           <a:cs typeface="+mn-cs"/>
         </a:defRPr>
       </a:lvl9pPr>
-      <a:extLst/>
     </p:otherStyle>
   </p:txStyles>
 </p:sldMaster>
 </file>
 
 <file path=ppt/slides/slide1.xml><?xml version="1.0" encoding="utf-8"?>
-<p:sld xmlns:a="http://schemas.openxmlformats.org/drawingml/2006/main" xmlns:r="http://schemas.openxmlformats.org/officeDocument/2006/relationships" xmlns:p="http://schemas.openxmlformats.org/presentationml/2006/main">
+<p:sld xmlns:a="http://schemas.openxmlformats.org/drawingml/2006/main" xmlns:r="http://schemas.openxmlformats.org/officeDocument/2006/relationships" xmlns:mc="http://schemas.openxmlformats.org/markup-compatibility/2006" xmlns:mv="urn:schemas-microsoft-com:mac:vml" xmlns:p="http://schemas.openxmlformats.org/presentationml/2006/main" mc:Ignorable="mv" mc:PreserveAttributes="mv:*">
   <p:cSld>
     <p:spTree>
       <p:nvGrpSpPr>
@@ -4720,7 +4596,7 @@
 </file>
 
 <file path=ppt/slides/slide10.xml><?xml version="1.0" encoding="utf-8"?>
-<p:sld xmlns:a="http://schemas.openxmlformats.org/drawingml/2006/main" xmlns:r="http://schemas.openxmlformats.org/officeDocument/2006/relationships" xmlns:p="http://schemas.openxmlformats.org/presentationml/2006/main" showMasterSp="0" show="0">
+<p:sld xmlns:a="http://schemas.openxmlformats.org/drawingml/2006/main" xmlns:r="http://schemas.openxmlformats.org/officeDocument/2006/relationships" xmlns:mc="http://schemas.openxmlformats.org/markup-compatibility/2006" xmlns:mv="urn:schemas-microsoft-com:mac:vml" xmlns:p="http://schemas.openxmlformats.org/presentationml/2006/main" mc:Ignorable="mv" mc:PreserveAttributes="mv:*" showMasterSp="0" show="0">
   <p:cSld>
     <p:spTree>
       <p:nvGrpSpPr>
@@ -4818,7 +4694,7 @@
 </file>
 
 <file path=ppt/slides/slide11.xml><?xml version="1.0" encoding="utf-8"?>
-<p:sld xmlns:a="http://schemas.openxmlformats.org/drawingml/2006/main" xmlns:r="http://schemas.openxmlformats.org/officeDocument/2006/relationships" xmlns:p="http://schemas.openxmlformats.org/presentationml/2006/main" show="0">
+<p:sld xmlns:a="http://schemas.openxmlformats.org/drawingml/2006/main" xmlns:r="http://schemas.openxmlformats.org/officeDocument/2006/relationships" xmlns:mc="http://schemas.openxmlformats.org/markup-compatibility/2006" xmlns:mv="urn:schemas-microsoft-com:mac:vml" xmlns:p="http://schemas.openxmlformats.org/presentationml/2006/main" mc:Ignorable="mv" mc:PreserveAttributes="mv:*" show="0">
   <p:cSld>
     <p:spTree>
       <p:nvGrpSpPr>
@@ -4919,7 +4795,7 @@
 </file>
 
 <file path=ppt/slides/slide12.xml><?xml version="1.0" encoding="utf-8"?>
-<p:sld xmlns:a="http://schemas.openxmlformats.org/drawingml/2006/main" xmlns:r="http://schemas.openxmlformats.org/officeDocument/2006/relationships" xmlns:p="http://schemas.openxmlformats.org/presentationml/2006/main">
+<p:sld xmlns:a="http://schemas.openxmlformats.org/drawingml/2006/main" xmlns:r="http://schemas.openxmlformats.org/officeDocument/2006/relationships" xmlns:mc="http://schemas.openxmlformats.org/markup-compatibility/2006" xmlns:mv="urn:schemas-microsoft-com:mac:vml" xmlns:p="http://schemas.openxmlformats.org/presentationml/2006/main" mc:Ignorable="mv" mc:PreserveAttributes="mv:*">
   <p:cSld>
     <p:spTree>
       <p:nvGrpSpPr>
@@ -5048,11 +4924,18 @@
   <p:clrMapOvr>
     <a:masterClrMapping/>
   </p:clrMapOvr>
+  <p:timing>
+    <p:tnLst>
+      <p:par>
+        <p:cTn id="1" dur="indefinite" restart="never" nodeType="tmRoot"/>
+      </p:par>
+    </p:tnLst>
+  </p:timing>
 </p:sld>
 </file>
 
 <file path=ppt/slides/slide13.xml><?xml version="1.0" encoding="utf-8"?>
-<p:sld xmlns:a="http://schemas.openxmlformats.org/drawingml/2006/main" xmlns:r="http://schemas.openxmlformats.org/officeDocument/2006/relationships" xmlns:p="http://schemas.openxmlformats.org/presentationml/2006/main">
+<p:sld xmlns:a="http://schemas.openxmlformats.org/drawingml/2006/main" xmlns:r="http://schemas.openxmlformats.org/officeDocument/2006/relationships" xmlns:mc="http://schemas.openxmlformats.org/markup-compatibility/2006" xmlns:mv="urn:schemas-microsoft-com:mac:vml" xmlns:p="http://schemas.openxmlformats.org/presentationml/2006/main" mc:Ignorable="mv" mc:PreserveAttributes="mv:*">
   <p:cSld>
     <p:spTree>
       <p:nvGrpSpPr>
@@ -5159,11 +5042,18 @@
   <p:clrMapOvr>
     <a:masterClrMapping/>
   </p:clrMapOvr>
+  <p:timing>
+    <p:tnLst>
+      <p:par>
+        <p:cTn id="1" dur="indefinite" restart="never" nodeType="tmRoot"/>
+      </p:par>
+    </p:tnLst>
+  </p:timing>
 </p:sld>
 </file>
 
 <file path=ppt/slides/slide14.xml><?xml version="1.0" encoding="utf-8"?>
-<p:sld xmlns:a="http://schemas.openxmlformats.org/drawingml/2006/main" xmlns:r="http://schemas.openxmlformats.org/officeDocument/2006/relationships" xmlns:p="http://schemas.openxmlformats.org/presentationml/2006/main">
+<p:sld xmlns:a="http://schemas.openxmlformats.org/drawingml/2006/main" xmlns:r="http://schemas.openxmlformats.org/officeDocument/2006/relationships" xmlns:mc="http://schemas.openxmlformats.org/markup-compatibility/2006" xmlns:mv="urn:schemas-microsoft-com:mac:vml" xmlns:p="http://schemas.openxmlformats.org/presentationml/2006/main" mc:Ignorable="mv" mc:PreserveAttributes="mv:*">
   <p:cSld>
     <p:spTree>
       <p:nvGrpSpPr>
@@ -5194,7 +5084,20 @@
           <a:bodyPr/>
           <a:lstStyle/>
           <a:p>
-            <a:endParaRPr lang="lt-LT"/>
+            <a:r>
+              <a:rPr lang="lt-LT" dirty="0" smtClean="0"/>
+              <a:t>Replace three separate (Z, Y, X) rotations with a single rotation.</a:t>
+            </a:r>
+          </a:p>
+          <a:p>
+            <a:r>
+              <a:rPr lang="lt-LT" dirty="0" smtClean="0"/>
+              <a:t>Solve the gimbal lock problem.</a:t>
+            </a:r>
+            <a:endParaRPr lang="lt-LT" dirty="0" smtClean="0"/>
+          </a:p>
+          <a:p>
+            <a:endParaRPr lang="lt-LT" dirty="0"/>
           </a:p>
         </p:txBody>
       </p:sp>
@@ -5226,11 +5129,1626 @@
   <p:clrMapOvr>
     <a:masterClrMapping/>
   </p:clrMapOvr>
+  <p:timing>
+    <p:tnLst>
+      <p:par>
+        <p:cTn id="1" dur="indefinite" restart="never" nodeType="tmRoot"/>
+      </p:par>
+    </p:tnLst>
+  </p:timing>
 </p:sld>
 </file>
 
 <file path=ppt/slides/slide15.xml><?xml version="1.0" encoding="utf-8"?>
-<p:sld xmlns:a="http://schemas.openxmlformats.org/drawingml/2006/main" xmlns:r="http://schemas.openxmlformats.org/officeDocument/2006/relationships" xmlns:p="http://schemas.openxmlformats.org/presentationml/2006/main">
+<p:sld xmlns:a="http://schemas.openxmlformats.org/drawingml/2006/main" xmlns:r="http://schemas.openxmlformats.org/officeDocument/2006/relationships" xmlns:mc="http://schemas.openxmlformats.org/markup-compatibility/2006" xmlns:mv="urn:schemas-microsoft-com:mac:vml" xmlns:p="http://schemas.openxmlformats.org/presentationml/2006/main" mc:Ignorable="mv" mc:PreserveAttributes="mv:*">
+  <p:cSld>
+    <p:spTree>
+      <p:nvGrpSpPr>
+        <p:cNvPr id="1" name=""/>
+        <p:cNvGrpSpPr/>
+        <p:nvPr/>
+      </p:nvGrpSpPr>
+      <p:grpSpPr>
+        <a:xfrm>
+          <a:off x="0" y="0"/>
+          <a:ext cx="0" cy="0"/>
+          <a:chOff x="0" y="0"/>
+          <a:chExt cx="0" cy="0"/>
+        </a:xfrm>
+      </p:grpSpPr>
+      <p:sp>
+        <p:nvSpPr>
+          <p:cNvPr id="2" name="Content Placeholder 1"/>
+          <p:cNvSpPr>
+            <a:spLocks noGrp="1"/>
+          </p:cNvSpPr>
+          <p:nvPr>
+            <p:ph idx="1"/>
+          </p:nvPr>
+        </p:nvSpPr>
+        <p:spPr/>
+        <p:txBody>
+          <a:bodyPr/>
+          <a:lstStyle/>
+          <a:p>
+            <a:r>
+              <a:rPr lang="en-US" dirty="0" smtClean="0"/>
+              <a:t>Four scalars.</a:t>
+            </a:r>
+          </a:p>
+          <a:p>
+            <a:pPr>
+              <a:buNone/>
+            </a:pPr>
+            <a:endParaRPr lang="en-US" dirty="0" smtClean="0"/>
+          </a:p>
+          <a:p>
+            <a:pPr>
+              <a:buNone/>
+            </a:pPr>
+            <a:r>
+              <a:rPr lang="en-US" dirty="0" smtClean="0"/>
+              <a:t>	</a:t>
+            </a:r>
+            <a:r>
+              <a:rPr lang="en-US" dirty="0" err="1" smtClean="0"/>
+              <a:t>q</a:t>
+            </a:r>
+            <a:r>
+              <a:rPr lang="en-US" dirty="0" smtClean="0"/>
+              <a:t> = a + </a:t>
+            </a:r>
+            <a:r>
+              <a:rPr lang="en-US" dirty="0" err="1" smtClean="0"/>
+              <a:t>i</a:t>
+            </a:r>
+            <a:r>
+              <a:rPr lang="en-US" dirty="0" smtClean="0"/>
+              <a:t> * </a:t>
+            </a:r>
+            <a:r>
+              <a:rPr lang="en-US" dirty="0" err="1" smtClean="0"/>
+              <a:t>b</a:t>
+            </a:r>
+            <a:r>
+              <a:rPr lang="en-US" dirty="0" smtClean="0"/>
+              <a:t> + </a:t>
+            </a:r>
+            <a:r>
+              <a:rPr lang="en-US" dirty="0" err="1" smtClean="0"/>
+              <a:t>j</a:t>
+            </a:r>
+            <a:r>
+              <a:rPr lang="en-US" dirty="0" smtClean="0"/>
+              <a:t> * </a:t>
+            </a:r>
+            <a:r>
+              <a:rPr lang="en-US" dirty="0" err="1" smtClean="0"/>
+              <a:t>c</a:t>
+            </a:r>
+            <a:r>
+              <a:rPr lang="en-US" dirty="0" smtClean="0"/>
+              <a:t> + </a:t>
+            </a:r>
+            <a:r>
+              <a:rPr lang="en-US" dirty="0" err="1" smtClean="0"/>
+              <a:t>k</a:t>
+            </a:r>
+            <a:r>
+              <a:rPr lang="en-US" dirty="0" smtClean="0"/>
+              <a:t> * </a:t>
+            </a:r>
+            <a:r>
+              <a:rPr lang="en-US" dirty="0" err="1" smtClean="0"/>
+              <a:t>d</a:t>
+            </a:r>
+            <a:endParaRPr lang="en-US" dirty="0" smtClean="0"/>
+          </a:p>
+          <a:p>
+            <a:pPr>
+              <a:buNone/>
+            </a:pPr>
+            <a:r>
+              <a:rPr lang="en-US" dirty="0" smtClean="0"/>
+              <a:t>	</a:t>
+            </a:r>
+          </a:p>
+          <a:p>
+            <a:pPr>
+              <a:buNone/>
+            </a:pPr>
+            <a:r>
+              <a:rPr lang="en-US" dirty="0" smtClean="0"/>
+              <a:t>	</a:t>
+            </a:r>
+            <a:r>
+              <a:rPr lang="en-US" dirty="0" smtClean="0"/>
+              <a:t>a – real dimension</a:t>
+            </a:r>
+          </a:p>
+          <a:p>
+            <a:pPr>
+              <a:buNone/>
+            </a:pPr>
+            <a:r>
+              <a:rPr lang="en-US" dirty="0" smtClean="0"/>
+              <a:t>	</a:t>
+            </a:r>
+            <a:r>
+              <a:rPr lang="en-US" dirty="0" err="1" smtClean="0"/>
+              <a:t>i</a:t>
+            </a:r>
+            <a:r>
+              <a:rPr lang="en-US" dirty="0" smtClean="0"/>
+              <a:t> * </a:t>
+            </a:r>
+            <a:r>
+              <a:rPr lang="en-US" dirty="0" err="1" smtClean="0"/>
+              <a:t>b</a:t>
+            </a:r>
+            <a:r>
+              <a:rPr lang="en-US" dirty="0" smtClean="0"/>
+              <a:t>, </a:t>
+            </a:r>
+            <a:r>
+              <a:rPr lang="en-US" dirty="0" err="1" smtClean="0"/>
+              <a:t>j</a:t>
+            </a:r>
+            <a:r>
+              <a:rPr lang="en-US" dirty="0" smtClean="0"/>
+              <a:t> * </a:t>
+            </a:r>
+            <a:r>
+              <a:rPr lang="en-US" dirty="0" err="1" smtClean="0"/>
+              <a:t>c</a:t>
+            </a:r>
+            <a:r>
+              <a:rPr lang="en-US" dirty="0" smtClean="0"/>
+              <a:t>, </a:t>
+            </a:r>
+            <a:r>
+              <a:rPr lang="en-US" dirty="0" err="1" smtClean="0"/>
+              <a:t>k</a:t>
+            </a:r>
+            <a:r>
+              <a:rPr lang="en-US" dirty="0" smtClean="0"/>
+              <a:t> * </a:t>
+            </a:r>
+            <a:r>
+              <a:rPr lang="en-US" dirty="0" err="1" smtClean="0"/>
+              <a:t>d</a:t>
+            </a:r>
+            <a:r>
+              <a:rPr lang="en-US" dirty="0" smtClean="0"/>
+              <a:t> – imaginary dimensions   </a:t>
+            </a:r>
+            <a:endParaRPr lang="en-US" dirty="0"/>
+          </a:p>
+        </p:txBody>
+      </p:sp>
+      <p:sp>
+        <p:nvSpPr>
+          <p:cNvPr id="3" name="Title 2"/>
+          <p:cNvSpPr>
+            <a:spLocks noGrp="1"/>
+          </p:cNvSpPr>
+          <p:nvPr>
+            <p:ph type="title"/>
+          </p:nvPr>
+        </p:nvSpPr>
+        <p:spPr/>
+        <p:txBody>
+          <a:bodyPr>
+            <a:normAutofit fontScale="90000"/>
+          </a:bodyPr>
+          <a:lstStyle/>
+          <a:p>
+            <a:r>
+              <a:rPr lang="en-US" dirty="0" err="1" smtClean="0"/>
+              <a:t>Quaternions</a:t>
+            </a:r>
+            <a:r>
+              <a:rPr lang="en-US" dirty="0" smtClean="0"/>
+              <a:t>. What is quaternion?</a:t>
+            </a:r>
+            <a:endParaRPr lang="en-US" dirty="0"/>
+          </a:p>
+        </p:txBody>
+      </p:sp>
+      <p:pic>
+        <p:nvPicPr>
+          <p:cNvPr id="4" name="Picture 3" descr="coordi3a.jpg"/>
+          <p:cNvPicPr>
+            <a:picLocks noChangeAspect="1"/>
+          </p:cNvPicPr>
+          <p:nvPr/>
+        </p:nvPicPr>
+        <p:blipFill>
+          <a:blip r:embed="rId2"/>
+          <a:stretch>
+            <a:fillRect/>
+          </a:stretch>
+        </p:blipFill>
+        <p:spPr>
+          <a:xfrm>
+            <a:off x="6172200" y="4343400"/>
+            <a:ext cx="2562225" cy="2247900"/>
+          </a:xfrm>
+          <a:prstGeom prst="rect">
+            <a:avLst/>
+          </a:prstGeom>
+        </p:spPr>
+      </p:pic>
+    </p:spTree>
+  </p:cSld>
+  <p:clrMapOvr>
+    <a:masterClrMapping/>
+  </p:clrMapOvr>
+  <p:timing>
+    <p:tnLst>
+      <p:par>
+        <p:cTn id="1" dur="indefinite" restart="never" nodeType="tmRoot"/>
+      </p:par>
+    </p:tnLst>
+  </p:timing>
+</p:sld>
+</file>
+
+<file path=ppt/slides/slide16.xml><?xml version="1.0" encoding="utf-8"?>
+<p:sld xmlns:a="http://schemas.openxmlformats.org/drawingml/2006/main" xmlns:r="http://schemas.openxmlformats.org/officeDocument/2006/relationships" xmlns:mc="http://schemas.openxmlformats.org/markup-compatibility/2006" xmlns:mv="urn:schemas-microsoft-com:mac:vml" xmlns:p="http://schemas.openxmlformats.org/presentationml/2006/main" mc:Ignorable="mv" mc:PreserveAttributes="mv:*">
+  <p:cSld>
+    <p:spTree>
+      <p:nvGrpSpPr>
+        <p:cNvPr id="1" name=""/>
+        <p:cNvGrpSpPr/>
+        <p:nvPr/>
+      </p:nvGrpSpPr>
+      <p:grpSpPr>
+        <a:xfrm>
+          <a:off x="0" y="0"/>
+          <a:ext cx="0" cy="0"/>
+          <a:chOff x="0" y="0"/>
+          <a:chExt cx="0" cy="0"/>
+        </a:xfrm>
+      </p:grpSpPr>
+      <p:sp>
+        <p:nvSpPr>
+          <p:cNvPr id="2" name="Content Placeholder 1"/>
+          <p:cNvSpPr>
+            <a:spLocks noGrp="1"/>
+          </p:cNvSpPr>
+          <p:nvPr>
+            <p:ph idx="1"/>
+          </p:nvPr>
+        </p:nvSpPr>
+        <p:spPr/>
+        <p:txBody>
+          <a:bodyPr/>
+          <a:lstStyle/>
+          <a:p>
+            <a:pPr>
+              <a:buFont typeface="Arial"/>
+              <a:buChar char="•"/>
+            </a:pPr>
+            <a:r>
+              <a:rPr lang="en-US" sz="1800" dirty="0" err="1" smtClean="0"/>
+              <a:t>i</a:t>
+            </a:r>
+            <a:r>
+              <a:rPr lang="en-US" sz="1800" dirty="0" smtClean="0"/>
+              <a:t> * </a:t>
+            </a:r>
+            <a:r>
+              <a:rPr lang="en-US" sz="1800" dirty="0" err="1" smtClean="0"/>
+              <a:t>i</a:t>
+            </a:r>
+            <a:r>
+              <a:rPr lang="en-US" sz="1800" dirty="0" smtClean="0"/>
+              <a:t> = </a:t>
+            </a:r>
+            <a:r>
+              <a:rPr lang="en-US" sz="1800" dirty="0" err="1" smtClean="0"/>
+              <a:t>j</a:t>
+            </a:r>
+            <a:r>
+              <a:rPr lang="en-US" sz="1800" dirty="0" smtClean="0"/>
+              <a:t> * </a:t>
+            </a:r>
+            <a:r>
+              <a:rPr lang="en-US" sz="1800" dirty="0" err="1" smtClean="0"/>
+              <a:t>j</a:t>
+            </a:r>
+            <a:r>
+              <a:rPr lang="en-US" sz="1800" dirty="0" smtClean="0"/>
+              <a:t> = </a:t>
+            </a:r>
+            <a:r>
+              <a:rPr lang="en-US" sz="1800" dirty="0" err="1" smtClean="0"/>
+              <a:t>k</a:t>
+            </a:r>
+            <a:r>
+              <a:rPr lang="en-US" sz="1800" dirty="0" smtClean="0"/>
+              <a:t> * </a:t>
+            </a:r>
+            <a:r>
+              <a:rPr lang="en-US" sz="1800" dirty="0" err="1" smtClean="0"/>
+              <a:t>k</a:t>
+            </a:r>
+            <a:r>
+              <a:rPr lang="en-US" sz="1800" dirty="0" smtClean="0"/>
+              <a:t> = -1</a:t>
+            </a:r>
+          </a:p>
+          <a:p>
+            <a:pPr>
+              <a:buFont typeface="Arial"/>
+              <a:buChar char="•"/>
+            </a:pPr>
+            <a:r>
+              <a:rPr lang="en-US" sz="1800" dirty="0" err="1" smtClean="0"/>
+              <a:t>i</a:t>
+            </a:r>
+            <a:r>
+              <a:rPr lang="en-US" sz="1800" dirty="0" smtClean="0"/>
+              <a:t> * </a:t>
+            </a:r>
+            <a:r>
+              <a:rPr lang="en-US" sz="1800" dirty="0" err="1" smtClean="0"/>
+              <a:t>j</a:t>
+            </a:r>
+            <a:r>
+              <a:rPr lang="en-US" sz="1800" dirty="0" smtClean="0"/>
+              <a:t> = </a:t>
+            </a:r>
+            <a:r>
+              <a:rPr lang="en-US" sz="1800" dirty="0" err="1" smtClean="0"/>
+              <a:t>k</a:t>
+            </a:r>
+            <a:endParaRPr lang="en-US" sz="1800" dirty="0" smtClean="0"/>
+          </a:p>
+          <a:p>
+            <a:pPr>
+              <a:buFont typeface="Arial"/>
+              <a:buChar char="•"/>
+            </a:pPr>
+            <a:r>
+              <a:rPr lang="en-US" sz="1800" dirty="0" err="1" smtClean="0"/>
+              <a:t>j</a:t>
+            </a:r>
+            <a:r>
+              <a:rPr lang="en-US" sz="1800" dirty="0" smtClean="0"/>
+              <a:t> * </a:t>
+            </a:r>
+            <a:r>
+              <a:rPr lang="en-US" sz="1800" dirty="0" err="1" smtClean="0"/>
+              <a:t>i</a:t>
+            </a:r>
+            <a:r>
+              <a:rPr lang="en-US" sz="1800" dirty="0" smtClean="0"/>
+              <a:t> = -</a:t>
+            </a:r>
+            <a:r>
+              <a:rPr lang="en-US" sz="1800" dirty="0" err="1" smtClean="0"/>
+              <a:t>k</a:t>
+            </a:r>
+            <a:endParaRPr lang="en-US" sz="1800" dirty="0" smtClean="0"/>
+          </a:p>
+          <a:p>
+            <a:pPr>
+              <a:buFont typeface="Arial"/>
+              <a:buChar char="•"/>
+            </a:pPr>
+            <a:r>
+              <a:rPr lang="en-US" sz="1800" dirty="0" err="1" smtClean="0"/>
+              <a:t>j</a:t>
+            </a:r>
+            <a:r>
+              <a:rPr lang="en-US" sz="1800" dirty="0" smtClean="0"/>
+              <a:t> * </a:t>
+            </a:r>
+            <a:r>
+              <a:rPr lang="en-US" sz="1800" dirty="0" err="1" smtClean="0"/>
+              <a:t>k</a:t>
+            </a:r>
+            <a:r>
+              <a:rPr lang="en-US" sz="1800" dirty="0" smtClean="0"/>
+              <a:t> = </a:t>
+            </a:r>
+            <a:r>
+              <a:rPr lang="en-US" sz="1800" dirty="0" err="1" smtClean="0"/>
+              <a:t>i</a:t>
+            </a:r>
+            <a:endParaRPr lang="en-US" sz="1800" dirty="0" smtClean="0"/>
+          </a:p>
+          <a:p>
+            <a:pPr>
+              <a:buFont typeface="Arial"/>
+              <a:buChar char="•"/>
+            </a:pPr>
+            <a:r>
+              <a:rPr lang="en-US" sz="1800" dirty="0" err="1" smtClean="0"/>
+              <a:t>k</a:t>
+            </a:r>
+            <a:r>
+              <a:rPr lang="en-US" sz="1800" dirty="0" smtClean="0"/>
+              <a:t> * </a:t>
+            </a:r>
+            <a:r>
+              <a:rPr lang="en-US" sz="1800" dirty="0" err="1" smtClean="0"/>
+              <a:t>j</a:t>
+            </a:r>
+            <a:r>
+              <a:rPr lang="en-US" sz="1800" dirty="0" smtClean="0"/>
+              <a:t> = -</a:t>
+            </a:r>
+            <a:r>
+              <a:rPr lang="en-US" sz="1800" dirty="0" err="1" smtClean="0"/>
+              <a:t>i</a:t>
+            </a:r>
+            <a:endParaRPr lang="en-US" sz="1800" dirty="0" smtClean="0"/>
+          </a:p>
+          <a:p>
+            <a:pPr>
+              <a:buFont typeface="Arial"/>
+              <a:buChar char="•"/>
+            </a:pPr>
+            <a:r>
+              <a:rPr lang="en-US" sz="1800" dirty="0" err="1" smtClean="0"/>
+              <a:t>k</a:t>
+            </a:r>
+            <a:r>
+              <a:rPr lang="en-US" sz="1800" dirty="0" smtClean="0"/>
+              <a:t> * </a:t>
+            </a:r>
+            <a:r>
+              <a:rPr lang="en-US" sz="1800" dirty="0" err="1" smtClean="0"/>
+              <a:t>i</a:t>
+            </a:r>
+            <a:r>
+              <a:rPr lang="en-US" sz="1800" dirty="0" smtClean="0"/>
+              <a:t> = </a:t>
+            </a:r>
+            <a:r>
+              <a:rPr lang="en-US" sz="1800" dirty="0" err="1" smtClean="0"/>
+              <a:t>j</a:t>
+            </a:r>
+            <a:endParaRPr lang="en-US" sz="1800" dirty="0" smtClean="0"/>
+          </a:p>
+          <a:p>
+            <a:pPr>
+              <a:buFont typeface="Arial"/>
+              <a:buChar char="•"/>
+            </a:pPr>
+            <a:r>
+              <a:rPr lang="en-US" sz="1800" dirty="0" err="1" smtClean="0"/>
+              <a:t>i</a:t>
+            </a:r>
+            <a:r>
+              <a:rPr lang="en-US" sz="1800" dirty="0" smtClean="0"/>
+              <a:t> * </a:t>
+            </a:r>
+            <a:r>
+              <a:rPr lang="en-US" sz="1800" dirty="0" err="1" smtClean="0"/>
+              <a:t>k</a:t>
+            </a:r>
+            <a:r>
+              <a:rPr lang="en-US" sz="1800" dirty="0" smtClean="0"/>
+              <a:t> = </a:t>
+            </a:r>
+            <a:r>
+              <a:rPr lang="en-US" sz="1800" dirty="0" err="1" smtClean="0"/>
+              <a:t>j</a:t>
+            </a:r>
+            <a:endParaRPr lang="en-US" sz="1800" dirty="0" smtClean="0"/>
+          </a:p>
+          <a:p>
+            <a:pPr>
+              <a:buFont typeface="Arial"/>
+              <a:buChar char="•"/>
+            </a:pPr>
+            <a:endParaRPr lang="en-US" sz="1800" dirty="0" smtClean="0"/>
+          </a:p>
+          <a:p>
+            <a:pPr>
+              <a:buNone/>
+            </a:pPr>
+            <a:endParaRPr lang="en-US" sz="1800" dirty="0" smtClean="0"/>
+          </a:p>
+          <a:p>
+            <a:pPr>
+              <a:buNone/>
+            </a:pPr>
+            <a:r>
+              <a:rPr lang="en-US" sz="1400" dirty="0" smtClean="0"/>
+              <a:t>(a + </a:t>
+            </a:r>
+            <a:r>
+              <a:rPr lang="en-US" sz="1400" dirty="0" err="1" smtClean="0"/>
+              <a:t>i∗</a:t>
+            </a:r>
+            <a:r>
+              <a:rPr lang="en-US" sz="1400" dirty="0" err="1" smtClean="0"/>
+              <a:t>b</a:t>
+            </a:r>
+            <a:r>
+              <a:rPr lang="en-US" sz="1400" dirty="0" smtClean="0"/>
+              <a:t> + </a:t>
+            </a:r>
+            <a:r>
+              <a:rPr lang="en-US" sz="1400" dirty="0" err="1" smtClean="0"/>
+              <a:t>j∗c</a:t>
+            </a:r>
+            <a:r>
+              <a:rPr lang="en-US" sz="1400" dirty="0" smtClean="0"/>
+              <a:t> + </a:t>
+            </a:r>
+            <a:r>
+              <a:rPr lang="en-US" sz="1400" dirty="0" err="1" smtClean="0"/>
+              <a:t>k∗d</a:t>
+            </a:r>
+            <a:r>
+              <a:rPr lang="en-US" sz="1400" dirty="0" smtClean="0"/>
+              <a:t>) ∗ (</a:t>
+            </a:r>
+            <a:r>
+              <a:rPr lang="en-US" sz="1400" dirty="0" err="1" smtClean="0"/>
+              <a:t>e</a:t>
+            </a:r>
+            <a:r>
+              <a:rPr lang="en-US" sz="1400" dirty="0" smtClean="0"/>
+              <a:t> + </a:t>
+            </a:r>
+            <a:r>
+              <a:rPr lang="en-US" sz="1400" dirty="0" err="1" smtClean="0"/>
+              <a:t>i∗f</a:t>
+            </a:r>
+            <a:r>
+              <a:rPr lang="en-US" sz="1400" dirty="0" smtClean="0"/>
+              <a:t> + </a:t>
+            </a:r>
+            <a:r>
+              <a:rPr lang="en-US" sz="1400" dirty="0" err="1" smtClean="0"/>
+              <a:t>j∗g</a:t>
+            </a:r>
+            <a:r>
+              <a:rPr lang="en-US" sz="1400" dirty="0" smtClean="0"/>
+              <a:t> + </a:t>
+            </a:r>
+            <a:r>
+              <a:rPr lang="en-US" sz="1400" dirty="0" err="1" smtClean="0"/>
+              <a:t>k∗h</a:t>
+            </a:r>
+            <a:r>
+              <a:rPr lang="en-US" sz="1400" dirty="0" smtClean="0"/>
+              <a:t>)</a:t>
+            </a:r>
+            <a:r>
+              <a:rPr lang="en-US" sz="1400" dirty="0" smtClean="0"/>
+              <a:t> = </a:t>
+            </a:r>
+          </a:p>
+          <a:p>
+            <a:pPr>
+              <a:buNone/>
+            </a:pPr>
+            <a:r>
+              <a:rPr lang="en-US" sz="1400" dirty="0" smtClean="0"/>
+              <a:t>(</a:t>
+            </a:r>
+            <a:r>
+              <a:rPr lang="en-US" sz="1400" dirty="0" smtClean="0"/>
+              <a:t>a ∗</a:t>
+            </a:r>
+            <a:r>
+              <a:rPr lang="en-US" sz="1400" dirty="0" err="1" smtClean="0"/>
+              <a:t>e</a:t>
+            </a:r>
+            <a:r>
+              <a:rPr lang="en-US" sz="1400" dirty="0" smtClean="0"/>
+              <a:t> - </a:t>
+            </a:r>
+            <a:r>
+              <a:rPr lang="en-US" sz="1400" dirty="0" err="1" smtClean="0"/>
+              <a:t>b∗f</a:t>
+            </a:r>
+            <a:r>
+              <a:rPr lang="en-US" sz="1400" dirty="0" smtClean="0"/>
+              <a:t> - </a:t>
+            </a:r>
+            <a:r>
+              <a:rPr lang="en-US" sz="1400" dirty="0" err="1" smtClean="0"/>
+              <a:t>c∗g</a:t>
+            </a:r>
+            <a:r>
+              <a:rPr lang="en-US" sz="1400" dirty="0" smtClean="0"/>
+              <a:t> - </a:t>
+            </a:r>
+            <a:r>
+              <a:rPr lang="en-US" sz="1400" dirty="0" err="1" smtClean="0"/>
+              <a:t>d∗h</a:t>
+            </a:r>
+            <a:r>
+              <a:rPr lang="en-US" sz="1400" dirty="0" smtClean="0"/>
+              <a:t>) + </a:t>
+            </a:r>
+            <a:r>
+              <a:rPr lang="en-US" sz="1400" dirty="0" err="1" smtClean="0"/>
+              <a:t>i∗(a∗f</a:t>
+            </a:r>
+            <a:r>
+              <a:rPr lang="en-US" sz="1400" dirty="0" smtClean="0"/>
+              <a:t> + </a:t>
+            </a:r>
+            <a:r>
+              <a:rPr lang="en-US" sz="1400" dirty="0" err="1" smtClean="0"/>
+              <a:t>b∗e</a:t>
+            </a:r>
+            <a:r>
+              <a:rPr lang="en-US" sz="1400" dirty="0" smtClean="0"/>
+              <a:t> + </a:t>
+            </a:r>
+            <a:r>
+              <a:rPr lang="en-US" sz="1400" dirty="0" err="1" smtClean="0"/>
+              <a:t>c∗h</a:t>
+            </a:r>
+            <a:r>
+              <a:rPr lang="en-US" sz="1400" dirty="0" smtClean="0"/>
+              <a:t> - </a:t>
+            </a:r>
+            <a:r>
+              <a:rPr lang="en-US" sz="1400" dirty="0" err="1" smtClean="0"/>
+              <a:t>d∗g</a:t>
+            </a:r>
+            <a:r>
+              <a:rPr lang="en-US" sz="1400" dirty="0" smtClean="0"/>
+              <a:t>) + </a:t>
+            </a:r>
+            <a:r>
+              <a:rPr lang="en-US" sz="1400" dirty="0" err="1" smtClean="0"/>
+              <a:t>j∗(a∗</a:t>
+            </a:r>
+            <a:r>
+              <a:rPr lang="en-US" sz="1400" dirty="0" err="1" smtClean="0"/>
+              <a:t>g</a:t>
+            </a:r>
+            <a:r>
+              <a:rPr lang="en-US" sz="1400" dirty="0" smtClean="0"/>
+              <a:t>- </a:t>
+            </a:r>
+            <a:r>
+              <a:rPr lang="en-US" sz="1400" dirty="0" err="1" smtClean="0"/>
+              <a:t>b</a:t>
+            </a:r>
+            <a:r>
+              <a:rPr lang="en-US" sz="1400" dirty="0" smtClean="0"/>
+              <a:t> ∗</a:t>
+            </a:r>
+            <a:r>
+              <a:rPr lang="en-US" sz="1400" dirty="0" err="1" smtClean="0"/>
+              <a:t>h</a:t>
+            </a:r>
+            <a:r>
+              <a:rPr lang="en-US" sz="1400" dirty="0" smtClean="0"/>
+              <a:t> + </a:t>
+            </a:r>
+            <a:r>
+              <a:rPr lang="en-US" sz="1400" dirty="0" err="1" smtClean="0"/>
+              <a:t>e∗c</a:t>
+            </a:r>
+            <a:r>
+              <a:rPr lang="en-US" sz="1400" dirty="0" smtClean="0"/>
+              <a:t> + </a:t>
+            </a:r>
+            <a:r>
+              <a:rPr lang="en-US" sz="1400" dirty="0" err="1" smtClean="0"/>
+              <a:t>d∗f</a:t>
+            </a:r>
+            <a:r>
+              <a:rPr lang="en-US" sz="1400" dirty="0" smtClean="0"/>
+              <a:t>)</a:t>
+            </a:r>
+            <a:r>
+              <a:rPr lang="en-US" sz="1400" dirty="0" smtClean="0"/>
+              <a:t> + </a:t>
+            </a:r>
+            <a:r>
+              <a:rPr lang="en-US" sz="1400" dirty="0" err="1" smtClean="0"/>
+              <a:t>k∗(a∗h</a:t>
+            </a:r>
+            <a:r>
+              <a:rPr lang="en-US" sz="1400" dirty="0" smtClean="0"/>
+              <a:t> + </a:t>
+            </a:r>
+            <a:r>
+              <a:rPr lang="en-US" sz="1400" dirty="0" err="1" smtClean="0"/>
+              <a:t>b∗g</a:t>
+            </a:r>
+            <a:r>
+              <a:rPr lang="en-US" sz="1400" dirty="0" smtClean="0"/>
+              <a:t> - </a:t>
+            </a:r>
+            <a:r>
+              <a:rPr lang="en-US" sz="1400" dirty="0" err="1" smtClean="0"/>
+              <a:t>c∗</a:t>
+            </a:r>
+            <a:r>
+              <a:rPr lang="en-US" sz="1400" dirty="0" err="1" smtClean="0"/>
+              <a:t>f</a:t>
+            </a:r>
+            <a:r>
+              <a:rPr lang="en-US" sz="1400" dirty="0" smtClean="0"/>
+              <a:t> + </a:t>
+            </a:r>
+            <a:r>
+              <a:rPr lang="en-US" sz="1400" dirty="0" err="1" smtClean="0"/>
+              <a:t>e</a:t>
+            </a:r>
+            <a:r>
+              <a:rPr lang="en-US" sz="1400" dirty="0" err="1" smtClean="0"/>
+              <a:t>∗</a:t>
+            </a:r>
+            <a:r>
+              <a:rPr lang="en-US" sz="1400" dirty="0" err="1" smtClean="0"/>
+              <a:t>d</a:t>
+            </a:r>
+            <a:r>
+              <a:rPr lang="en-US" sz="1400" dirty="0" smtClean="0"/>
+              <a:t>)</a:t>
+            </a:r>
+          </a:p>
+          <a:p>
+            <a:pPr>
+              <a:buFont typeface="Arial"/>
+              <a:buChar char="•"/>
+            </a:pPr>
+            <a:endParaRPr lang="en-US" dirty="0" smtClean="0"/>
+          </a:p>
+        </p:txBody>
+      </p:sp>
+      <p:sp>
+        <p:nvSpPr>
+          <p:cNvPr id="3" name="Title 2"/>
+          <p:cNvSpPr>
+            <a:spLocks noGrp="1"/>
+          </p:cNvSpPr>
+          <p:nvPr>
+            <p:ph type="title"/>
+          </p:nvPr>
+        </p:nvSpPr>
+        <p:spPr/>
+        <p:txBody>
+          <a:bodyPr>
+            <a:normAutofit/>
+          </a:bodyPr>
+          <a:lstStyle/>
+          <a:p>
+            <a:r>
+              <a:rPr lang="en-US" sz="3200" dirty="0" err="1" smtClean="0"/>
+              <a:t>Quaternions</a:t>
+            </a:r>
+            <a:r>
+              <a:rPr lang="en-US" sz="3200" dirty="0" smtClean="0"/>
+              <a:t>. Algebra (multiplication)</a:t>
+            </a:r>
+            <a:endParaRPr lang="en-US" sz="3200" dirty="0"/>
+          </a:p>
+        </p:txBody>
+      </p:sp>
+      <p:pic>
+        <p:nvPicPr>
+          <p:cNvPr id="5" name="Picture 4" descr="coordi3a.jpg"/>
+          <p:cNvPicPr>
+            <a:picLocks noChangeAspect="1"/>
+          </p:cNvPicPr>
+          <p:nvPr/>
+        </p:nvPicPr>
+        <p:blipFill>
+          <a:blip r:embed="rId2"/>
+          <a:stretch>
+            <a:fillRect/>
+          </a:stretch>
+        </p:blipFill>
+        <p:spPr>
+          <a:xfrm>
+            <a:off x="6019800" y="1371600"/>
+            <a:ext cx="2562225" cy="2247900"/>
+          </a:xfrm>
+          <a:prstGeom prst="rect">
+            <a:avLst/>
+          </a:prstGeom>
+        </p:spPr>
+      </p:pic>
+    </p:spTree>
+  </p:cSld>
+  <p:clrMapOvr>
+    <a:masterClrMapping/>
+  </p:clrMapOvr>
+  <p:timing>
+    <p:tnLst>
+      <p:par>
+        <p:cTn id="1" dur="indefinite" restart="never" nodeType="tmRoot"/>
+      </p:par>
+    </p:tnLst>
+  </p:timing>
+</p:sld>
+</file>
+
+<file path=ppt/slides/slide17.xml><?xml version="1.0" encoding="utf-8"?>
+<p:sld xmlns:a="http://schemas.openxmlformats.org/drawingml/2006/main" xmlns:r="http://schemas.openxmlformats.org/officeDocument/2006/relationships" xmlns:mc="http://schemas.openxmlformats.org/markup-compatibility/2006" xmlns:mv="urn:schemas-microsoft-com:mac:vml" xmlns:p="http://schemas.openxmlformats.org/presentationml/2006/main" mc:Ignorable="mv" mc:PreserveAttributes="mv:*">
+  <p:cSld>
+    <p:spTree>
+      <p:nvGrpSpPr>
+        <p:cNvPr id="1" name=""/>
+        <p:cNvGrpSpPr/>
+        <p:nvPr/>
+      </p:nvGrpSpPr>
+      <p:grpSpPr>
+        <a:xfrm>
+          <a:off x="0" y="0"/>
+          <a:ext cx="0" cy="0"/>
+          <a:chOff x="0" y="0"/>
+          <a:chExt cx="0" cy="0"/>
+        </a:xfrm>
+      </p:grpSpPr>
+      <p:sp>
+        <p:nvSpPr>
+          <p:cNvPr id="2" name="Content Placeholder 1"/>
+          <p:cNvSpPr>
+            <a:spLocks noGrp="1"/>
+          </p:cNvSpPr>
+          <p:nvPr>
+            <p:ph idx="1"/>
+          </p:nvPr>
+        </p:nvSpPr>
+        <p:spPr/>
+        <p:txBody>
+          <a:bodyPr/>
+          <a:lstStyle/>
+          <a:p>
+            <a:r>
+              <a:rPr lang="en-US" dirty="0" smtClean="0"/>
+              <a:t>Quaternion multiplication represents a rotation.</a:t>
+            </a:r>
+          </a:p>
+          <a:p>
+            <a:pPr lvl="1"/>
+            <a:r>
+              <a:rPr lang="en-US" dirty="0" smtClean="0"/>
+              <a:t>q1 – representation of rotation around X axis</a:t>
+            </a:r>
+          </a:p>
+          <a:p>
+            <a:pPr lvl="1"/>
+            <a:r>
+              <a:rPr lang="en-US" dirty="0" smtClean="0"/>
+              <a:t>q2 – representation of rotation around Y axis</a:t>
+            </a:r>
+          </a:p>
+          <a:p>
+            <a:pPr lvl="1"/>
+            <a:r>
+              <a:rPr lang="en-US" dirty="0" smtClean="0"/>
+              <a:t>q</a:t>
+            </a:r>
+            <a:r>
+              <a:rPr lang="en-US" dirty="0" smtClean="0"/>
+              <a:t>3 – representation of rotation around Z axis</a:t>
+            </a:r>
+          </a:p>
+          <a:p>
+            <a:pPr lvl="1"/>
+            <a:r>
+              <a:rPr lang="en-US" dirty="0" err="1" smtClean="0"/>
+              <a:t>q</a:t>
+            </a:r>
+            <a:r>
+              <a:rPr lang="en-US" dirty="0" smtClean="0"/>
+              <a:t> = q1 * q2 * q3 – representation of rotation around Z Y X axes. </a:t>
+            </a:r>
+            <a:endParaRPr lang="en-US" dirty="0"/>
+          </a:p>
+        </p:txBody>
+      </p:sp>
+      <p:sp>
+        <p:nvSpPr>
+          <p:cNvPr id="3" name="Title 2"/>
+          <p:cNvSpPr>
+            <a:spLocks noGrp="1"/>
+          </p:cNvSpPr>
+          <p:nvPr>
+            <p:ph type="title"/>
+          </p:nvPr>
+        </p:nvSpPr>
+        <p:spPr/>
+        <p:txBody>
+          <a:bodyPr/>
+          <a:lstStyle/>
+          <a:p>
+            <a:r>
+              <a:rPr lang="en-US" dirty="0" err="1" smtClean="0"/>
+              <a:t>Quaternions</a:t>
+            </a:r>
+            <a:r>
+              <a:rPr lang="en-US" dirty="0" smtClean="0"/>
+              <a:t>. Rotation</a:t>
+            </a:r>
+            <a:endParaRPr lang="en-US" dirty="0"/>
+          </a:p>
+        </p:txBody>
+      </p:sp>
+    </p:spTree>
+  </p:cSld>
+  <p:clrMapOvr>
+    <a:masterClrMapping/>
+  </p:clrMapOvr>
+  <p:timing>
+    <p:tnLst>
+      <p:par>
+        <p:cTn id="1" dur="indefinite" restart="never" nodeType="tmRoot"/>
+      </p:par>
+    </p:tnLst>
+  </p:timing>
+</p:sld>
+</file>
+
+<file path=ppt/slides/slide18.xml><?xml version="1.0" encoding="utf-8"?>
+<p:sld xmlns:a="http://schemas.openxmlformats.org/drawingml/2006/main" xmlns:r="http://schemas.openxmlformats.org/officeDocument/2006/relationships" xmlns:mc="http://schemas.openxmlformats.org/markup-compatibility/2006" xmlns:mv="urn:schemas-microsoft-com:mac:vml" xmlns:p="http://schemas.openxmlformats.org/presentationml/2006/main" mc:Ignorable="mv" mc:PreserveAttributes="mv:*">
+  <p:cSld>
+    <p:spTree>
+      <p:nvGrpSpPr>
+        <p:cNvPr id="1" name=""/>
+        <p:cNvGrpSpPr/>
+        <p:nvPr/>
+      </p:nvGrpSpPr>
+      <p:grpSpPr>
+        <a:xfrm>
+          <a:off x="0" y="0"/>
+          <a:ext cx="0" cy="0"/>
+          <a:chOff x="0" y="0"/>
+          <a:chExt cx="0" cy="0"/>
+        </a:xfrm>
+      </p:grpSpPr>
+      <p:sp>
+        <p:nvSpPr>
+          <p:cNvPr id="2" name="Content Placeholder 1"/>
+          <p:cNvSpPr>
+            <a:spLocks noGrp="1"/>
+          </p:cNvSpPr>
+          <p:nvPr>
+            <p:ph idx="1"/>
+          </p:nvPr>
+        </p:nvSpPr>
+        <p:spPr/>
+        <p:txBody>
+          <a:bodyPr/>
+          <a:lstStyle/>
+          <a:p>
+            <a:r>
+              <a:rPr lang="en-US" dirty="0" err="1" smtClean="0"/>
+              <a:t>q</a:t>
+            </a:r>
+            <a:r>
+              <a:rPr lang="en-US" dirty="0" smtClean="0"/>
+              <a:t> = a + </a:t>
+            </a:r>
+            <a:r>
+              <a:rPr lang="en-US" dirty="0" err="1" smtClean="0"/>
+              <a:t>i</a:t>
+            </a:r>
+            <a:r>
+              <a:rPr lang="en-US" dirty="0" smtClean="0"/>
+              <a:t> * </a:t>
+            </a:r>
+            <a:r>
+              <a:rPr lang="en-US" dirty="0" err="1" smtClean="0"/>
+              <a:t>b</a:t>
+            </a:r>
+            <a:r>
+              <a:rPr lang="en-US" dirty="0" smtClean="0"/>
+              <a:t> + </a:t>
+            </a:r>
+            <a:r>
+              <a:rPr lang="en-US" dirty="0" err="1" smtClean="0"/>
+              <a:t>j</a:t>
+            </a:r>
+            <a:r>
+              <a:rPr lang="en-US" dirty="0" smtClean="0"/>
+              <a:t> * </a:t>
+            </a:r>
+            <a:r>
+              <a:rPr lang="en-US" dirty="0" err="1" smtClean="0"/>
+              <a:t>c</a:t>
+            </a:r>
+            <a:r>
+              <a:rPr lang="en-US" dirty="0" smtClean="0"/>
+              <a:t> + </a:t>
+            </a:r>
+            <a:r>
+              <a:rPr lang="en-US" dirty="0" err="1" smtClean="0"/>
+              <a:t>k</a:t>
+            </a:r>
+            <a:r>
+              <a:rPr lang="en-US" dirty="0" smtClean="0"/>
+              <a:t> *</a:t>
+            </a:r>
+            <a:r>
+              <a:rPr lang="en-US" dirty="0" smtClean="0"/>
+              <a:t> </a:t>
+            </a:r>
+            <a:r>
+              <a:rPr lang="en-US" dirty="0" err="1" smtClean="0"/>
+              <a:t>d</a:t>
+            </a:r>
+            <a:endParaRPr lang="en-US" dirty="0" smtClean="0"/>
+          </a:p>
+          <a:p>
+            <a:pPr lvl="1"/>
+            <a:r>
+              <a:rPr lang="en-US" sz="1800" dirty="0" smtClean="0"/>
+              <a:t>a = </a:t>
+            </a:r>
+            <a:r>
+              <a:rPr lang="en-US" sz="1800" dirty="0" err="1" smtClean="0"/>
+              <a:t>cos</a:t>
+            </a:r>
+            <a:r>
+              <a:rPr lang="en-US" sz="1800" dirty="0" err="1" smtClean="0"/>
+              <a:t>(angle</a:t>
+            </a:r>
+            <a:r>
+              <a:rPr lang="en-US" sz="1800" dirty="0" smtClean="0"/>
+              <a:t> / 2)</a:t>
+            </a:r>
+          </a:p>
+          <a:p>
+            <a:pPr lvl="1"/>
+            <a:r>
+              <a:rPr lang="en-US" sz="1800" dirty="0" err="1" smtClean="0"/>
+              <a:t>b</a:t>
+            </a:r>
+            <a:r>
+              <a:rPr lang="en-US" sz="1800" dirty="0" smtClean="0"/>
+              <a:t> = </a:t>
+            </a:r>
+            <a:r>
+              <a:rPr lang="en-US" sz="1800" dirty="0" err="1" smtClean="0"/>
+              <a:t>axisX</a:t>
+            </a:r>
+            <a:r>
+              <a:rPr lang="en-US" sz="1800" dirty="0" smtClean="0"/>
+              <a:t> * </a:t>
+            </a:r>
+            <a:r>
+              <a:rPr lang="en-US" sz="1800" dirty="0" err="1" smtClean="0"/>
+              <a:t>sin(angle</a:t>
+            </a:r>
+            <a:r>
+              <a:rPr lang="en-US" sz="1800" dirty="0" smtClean="0"/>
+              <a:t> / 2)</a:t>
+            </a:r>
+          </a:p>
+          <a:p>
+            <a:pPr lvl="1"/>
+            <a:r>
+              <a:rPr lang="en-US" sz="1800" dirty="0" err="1" smtClean="0"/>
+              <a:t>c</a:t>
+            </a:r>
+            <a:r>
+              <a:rPr lang="en-US" sz="1800" dirty="0" smtClean="0"/>
+              <a:t> = </a:t>
+            </a:r>
+            <a:r>
+              <a:rPr lang="en-US" sz="1800" dirty="0" err="1" smtClean="0"/>
+              <a:t>axisY</a:t>
+            </a:r>
+            <a:r>
+              <a:rPr lang="en-US" sz="1800" dirty="0" smtClean="0"/>
+              <a:t> * </a:t>
+            </a:r>
+            <a:r>
+              <a:rPr lang="en-US" sz="1800" dirty="0" err="1" smtClean="0"/>
+              <a:t>sin(angle</a:t>
+            </a:r>
+            <a:r>
+              <a:rPr lang="en-US" sz="1800" dirty="0" smtClean="0"/>
+              <a:t> / 2)</a:t>
+            </a:r>
+          </a:p>
+          <a:p>
+            <a:pPr lvl="1"/>
+            <a:r>
+              <a:rPr lang="en-US" sz="1800" dirty="0" err="1" smtClean="0"/>
+              <a:t>d</a:t>
+            </a:r>
+            <a:r>
+              <a:rPr lang="en-US" sz="1800" dirty="0" smtClean="0"/>
+              <a:t> = </a:t>
+            </a:r>
+            <a:r>
+              <a:rPr lang="en-US" sz="1800" dirty="0" err="1" smtClean="0"/>
+              <a:t>axisZ</a:t>
+            </a:r>
+            <a:r>
+              <a:rPr lang="en-US" sz="1800" dirty="0" smtClean="0"/>
+              <a:t> * </a:t>
+            </a:r>
+            <a:r>
+              <a:rPr lang="en-US" sz="1800" dirty="0" err="1" smtClean="0"/>
+              <a:t>sin(angle</a:t>
+            </a:r>
+            <a:r>
+              <a:rPr lang="en-US" sz="1800" dirty="0" smtClean="0"/>
+              <a:t> / 2)</a:t>
+            </a:r>
+          </a:p>
+          <a:p>
+            <a:pPr lvl="1"/>
+            <a:endParaRPr lang="en-US" sz="1800" dirty="0" smtClean="0"/>
+          </a:p>
+          <a:p>
+            <a:pPr lvl="1"/>
+            <a:r>
+              <a:rPr lang="en-US" sz="1800" dirty="0" smtClean="0"/>
+              <a:t>a</a:t>
+            </a:r>
+            <a:r>
+              <a:rPr lang="en-US" sz="1800" dirty="0" smtClean="0"/>
+              <a:t>ngle = </a:t>
+            </a:r>
+            <a:r>
+              <a:rPr lang="en-US" sz="1800" dirty="0" err="1" smtClean="0"/>
+              <a:t>arccos(a</a:t>
+            </a:r>
+            <a:r>
+              <a:rPr lang="en-US" sz="1800" dirty="0" smtClean="0"/>
+              <a:t>) * 2</a:t>
+            </a:r>
+          </a:p>
+          <a:p>
+            <a:pPr lvl="1"/>
+            <a:r>
+              <a:rPr lang="en-US" sz="1800" dirty="0" err="1" smtClean="0"/>
+              <a:t>sinA</a:t>
+            </a:r>
+            <a:r>
+              <a:rPr lang="en-US" sz="1800" dirty="0" smtClean="0"/>
+              <a:t> = sqrt(1 – a*a)</a:t>
+            </a:r>
+          </a:p>
+          <a:p>
+            <a:pPr lvl="1"/>
+            <a:r>
+              <a:rPr lang="en-US" sz="1800" dirty="0" err="1" smtClean="0"/>
+              <a:t>vectorX</a:t>
+            </a:r>
+            <a:r>
+              <a:rPr lang="en-US" sz="1800" dirty="0" smtClean="0"/>
+              <a:t> = </a:t>
+            </a:r>
+            <a:r>
+              <a:rPr lang="en-US" sz="1800" dirty="0" err="1" smtClean="0"/>
+              <a:t>b/sinA</a:t>
+            </a:r>
+            <a:endParaRPr lang="en-US" sz="1800" dirty="0" smtClean="0"/>
+          </a:p>
+          <a:p>
+            <a:pPr lvl="1"/>
+            <a:r>
+              <a:rPr lang="en-US" sz="1800" dirty="0" err="1" smtClean="0"/>
+              <a:t>vectorY</a:t>
+            </a:r>
+            <a:r>
+              <a:rPr lang="en-US" sz="1800" dirty="0" smtClean="0"/>
+              <a:t> = </a:t>
+            </a:r>
+            <a:r>
+              <a:rPr lang="en-US" sz="1800" dirty="0" err="1" smtClean="0"/>
+              <a:t>c/sinA</a:t>
+            </a:r>
+            <a:endParaRPr lang="en-US" sz="1800" dirty="0" smtClean="0"/>
+          </a:p>
+          <a:p>
+            <a:pPr lvl="1"/>
+            <a:r>
+              <a:rPr lang="en-US" sz="1800" dirty="0" err="1" smtClean="0"/>
+              <a:t>vectorZ</a:t>
+            </a:r>
+            <a:r>
+              <a:rPr lang="en-US" sz="1800" dirty="0" smtClean="0"/>
+              <a:t> = </a:t>
+            </a:r>
+            <a:r>
+              <a:rPr lang="en-US" sz="1800" dirty="0" err="1" smtClean="0"/>
+              <a:t>d/sinA</a:t>
+            </a:r>
+            <a:endParaRPr lang="en-US" sz="1800" dirty="0" smtClean="0"/>
+          </a:p>
+        </p:txBody>
+      </p:sp>
+      <p:sp>
+        <p:nvSpPr>
+          <p:cNvPr id="3" name="Title 2"/>
+          <p:cNvSpPr>
+            <a:spLocks noGrp="1"/>
+          </p:cNvSpPr>
+          <p:nvPr>
+            <p:ph type="title"/>
+          </p:nvPr>
+        </p:nvSpPr>
+        <p:spPr/>
+        <p:txBody>
+          <a:bodyPr/>
+          <a:lstStyle/>
+          <a:p>
+            <a:r>
+              <a:rPr lang="en-US" dirty="0" err="1" smtClean="0"/>
+              <a:t>Quaternions</a:t>
+            </a:r>
+            <a:r>
+              <a:rPr lang="en-US" dirty="0" smtClean="0"/>
+              <a:t>. Last bits…</a:t>
+            </a:r>
+            <a:endParaRPr lang="en-US" dirty="0"/>
+          </a:p>
+        </p:txBody>
+      </p:sp>
+    </p:spTree>
+  </p:cSld>
+  <p:clrMapOvr>
+    <a:masterClrMapping/>
+  </p:clrMapOvr>
+  <p:timing>
+    <p:tnLst>
+      <p:par>
+        <p:cTn id="1" dur="indefinite" restart="never" nodeType="tmRoot"/>
+      </p:par>
+    </p:tnLst>
+  </p:timing>
+</p:sld>
+</file>
+
+<file path=ppt/slides/slide19.xml><?xml version="1.0" encoding="utf-8"?>
+<p:sld xmlns:a="http://schemas.openxmlformats.org/drawingml/2006/main" xmlns:r="http://schemas.openxmlformats.org/officeDocument/2006/relationships" xmlns:mc="http://schemas.openxmlformats.org/markup-compatibility/2006" xmlns:mv="urn:schemas-microsoft-com:mac:vml" xmlns:p="http://schemas.openxmlformats.org/presentationml/2006/main" mc:Ignorable="mv" mc:PreserveAttributes="mv:*">
+  <p:cSld>
+    <p:spTree>
+      <p:nvGrpSpPr>
+        <p:cNvPr id="1" name=""/>
+        <p:cNvGrpSpPr/>
+        <p:nvPr/>
+      </p:nvGrpSpPr>
+      <p:grpSpPr>
+        <a:xfrm>
+          <a:off x="0" y="0"/>
+          <a:ext cx="0" cy="0"/>
+          <a:chOff x="0" y="0"/>
+          <a:chExt cx="0" cy="0"/>
+        </a:xfrm>
+      </p:grpSpPr>
+      <p:sp>
+        <p:nvSpPr>
+          <p:cNvPr id="2" name="Content Placeholder 1"/>
+          <p:cNvSpPr>
+            <a:spLocks noGrp="1"/>
+          </p:cNvSpPr>
+          <p:nvPr>
+            <p:ph idx="1"/>
+          </p:nvPr>
+        </p:nvSpPr>
+        <p:spPr/>
+        <p:txBody>
+          <a:bodyPr/>
+          <a:lstStyle/>
+          <a:p>
+            <a:r>
+              <a:rPr lang="en-US" dirty="0" smtClean="0"/>
+              <a:t>Rotation ends up with unsuspected results</a:t>
+            </a:r>
+          </a:p>
+          <a:p>
+            <a:r>
+              <a:rPr lang="en-US" dirty="0" smtClean="0"/>
+              <a:t>Axes of rotations lock together</a:t>
+            </a:r>
+            <a:endParaRPr lang="en-US" dirty="0"/>
+          </a:p>
+        </p:txBody>
+      </p:sp>
+      <p:sp>
+        <p:nvSpPr>
+          <p:cNvPr id="3" name="Title 2"/>
+          <p:cNvSpPr>
+            <a:spLocks noGrp="1"/>
+          </p:cNvSpPr>
+          <p:nvPr>
+            <p:ph type="title"/>
+          </p:nvPr>
+        </p:nvSpPr>
+        <p:spPr/>
+        <p:txBody>
+          <a:bodyPr/>
+          <a:lstStyle/>
+          <a:p>
+            <a:r>
+              <a:rPr lang="en-US" dirty="0" err="1" smtClean="0"/>
+              <a:t>Gimbal</a:t>
+            </a:r>
+            <a:r>
+              <a:rPr lang="en-US" dirty="0" smtClean="0"/>
+              <a:t> lock</a:t>
+            </a:r>
+            <a:endParaRPr lang="en-US" dirty="0"/>
+          </a:p>
+        </p:txBody>
+      </p:sp>
+    </p:spTree>
+  </p:cSld>
+  <p:clrMapOvr>
+    <a:masterClrMapping/>
+  </p:clrMapOvr>
+  <p:timing>
+    <p:tnLst>
+      <p:par>
+        <p:cTn id="1" dur="indefinite" restart="never" nodeType="tmRoot"/>
+      </p:par>
+    </p:tnLst>
+  </p:timing>
+</p:sld>
+</file>
+
+<file path=ppt/slides/slide2.xml><?xml version="1.0" encoding="utf-8"?>
+<p:sld xmlns:a="http://schemas.openxmlformats.org/drawingml/2006/main" xmlns:r="http://schemas.openxmlformats.org/officeDocument/2006/relationships" xmlns:mc="http://schemas.openxmlformats.org/markup-compatibility/2006" xmlns:mv="urn:schemas-microsoft-com:mac:vml" xmlns:p="http://schemas.openxmlformats.org/presentationml/2006/main" mc:Ignorable="mv" mc:PreserveAttributes="mv:*">
+  <p:cSld>
+    <p:spTree>
+      <p:nvGrpSpPr>
+        <p:cNvPr id="1" name=""/>
+        <p:cNvGrpSpPr/>
+        <p:nvPr/>
+      </p:nvGrpSpPr>
+      <p:grpSpPr>
+        <a:xfrm>
+          <a:off x="0" y="0"/>
+          <a:ext cx="0" cy="0"/>
+          <a:chOff x="0" y="0"/>
+          <a:chExt cx="0" cy="0"/>
+        </a:xfrm>
+      </p:grpSpPr>
+      <p:sp>
+        <p:nvSpPr>
+          <p:cNvPr id="2" name="Content Placeholder 1"/>
+          <p:cNvSpPr>
+            <a:spLocks noGrp="1"/>
+          </p:cNvSpPr>
+          <p:nvPr>
+            <p:ph idx="1"/>
+          </p:nvPr>
+        </p:nvSpPr>
+        <p:spPr/>
+        <p:txBody>
+          <a:bodyPr/>
+          <a:lstStyle/>
+          <a:p>
+            <a:r>
+              <a:rPr lang="lt-LT" dirty="0" smtClean="0"/>
+              <a:t>Introduction</a:t>
+            </a:r>
+          </a:p>
+          <a:p>
+            <a:r>
+              <a:rPr lang="lt-LT" dirty="0" smtClean="0"/>
+              <a:t>Motion capture and motion data</a:t>
+            </a:r>
+          </a:p>
+          <a:p>
+            <a:r>
+              <a:rPr lang="lt-LT" dirty="0" smtClean="0"/>
+              <a:t>Used </a:t>
+            </a:r>
+            <a:r>
+              <a:rPr lang="en-US" dirty="0" smtClean="0"/>
+              <a:t>techniques</a:t>
+            </a:r>
+          </a:p>
+          <a:p>
+            <a:r>
+              <a:rPr lang="lt-LT" dirty="0" smtClean="0"/>
+              <a:t>Animating human body</a:t>
+            </a:r>
+          </a:p>
+          <a:p>
+            <a:r>
+              <a:rPr lang="lt-LT" dirty="0" smtClean="0"/>
+              <a:t>Problems</a:t>
+            </a:r>
+            <a:endParaRPr lang="en-US" dirty="0" smtClean="0"/>
+          </a:p>
+          <a:p>
+            <a:r>
+              <a:rPr lang="en-US" dirty="0" smtClean="0"/>
+              <a:t>Conclusion and possible future tasks</a:t>
+            </a:r>
+            <a:endParaRPr lang="lt-LT" dirty="0" smtClean="0"/>
+          </a:p>
+          <a:p>
+            <a:endParaRPr lang="lt-LT" dirty="0" smtClean="0"/>
+          </a:p>
+          <a:p>
+            <a:pPr lvl="1"/>
+            <a:endParaRPr lang="lt-LT" dirty="0" smtClean="0"/>
+          </a:p>
+          <a:p>
+            <a:endParaRPr lang="lt-LT" dirty="0"/>
+          </a:p>
+        </p:txBody>
+      </p:sp>
+      <p:sp>
+        <p:nvSpPr>
+          <p:cNvPr id="3" name="Title 2"/>
+          <p:cNvSpPr>
+            <a:spLocks noGrp="1"/>
+          </p:cNvSpPr>
+          <p:nvPr>
+            <p:ph type="title"/>
+          </p:nvPr>
+        </p:nvSpPr>
+        <p:spPr/>
+        <p:txBody>
+          <a:bodyPr/>
+          <a:lstStyle/>
+          <a:p>
+            <a:r>
+              <a:rPr lang="lt-LT" dirty="0" smtClean="0"/>
+              <a:t>Contents</a:t>
+            </a:r>
+            <a:endParaRPr lang="lt-LT" dirty="0"/>
+          </a:p>
+        </p:txBody>
+      </p:sp>
+    </p:spTree>
+  </p:cSld>
+  <p:clrMapOvr>
+    <a:masterClrMapping/>
+  </p:clrMapOvr>
+  <p:timing>
+    <p:tnLst>
+      <p:par>
+        <p:cTn id="1" dur="indefinite" restart="never" nodeType="tmRoot"/>
+      </p:par>
+    </p:tnLst>
+  </p:timing>
+</p:sld>
+</file>
+
+<file path=ppt/slides/slide20.xml><?xml version="1.0" encoding="utf-8"?>
+<p:sld xmlns:a="http://schemas.openxmlformats.org/drawingml/2006/main" xmlns:r="http://schemas.openxmlformats.org/officeDocument/2006/relationships" xmlns:mc="http://schemas.openxmlformats.org/markup-compatibility/2006" xmlns:mv="urn:schemas-microsoft-com:mac:vml" xmlns:p="http://schemas.openxmlformats.org/presentationml/2006/main" mc:Ignorable="mv" mc:PreserveAttributes="mv:*">
+  <p:cSld>
+    <p:spTree>
+      <p:nvGrpSpPr>
+        <p:cNvPr id="1" name=""/>
+        <p:cNvGrpSpPr/>
+        <p:nvPr/>
+      </p:nvGrpSpPr>
+      <p:grpSpPr>
+        <a:xfrm>
+          <a:off x="0" y="0"/>
+          <a:ext cx="0" cy="0"/>
+          <a:chOff x="0" y="0"/>
+          <a:chExt cx="0" cy="0"/>
+        </a:xfrm>
+      </p:grpSpPr>
+      <p:sp>
+        <p:nvSpPr>
+          <p:cNvPr id="2" name="Content Placeholder 1"/>
+          <p:cNvSpPr>
+            <a:spLocks noGrp="1"/>
+          </p:cNvSpPr>
+          <p:nvPr>
+            <p:ph idx="1"/>
+          </p:nvPr>
+        </p:nvSpPr>
+        <p:spPr/>
+        <p:txBody>
+          <a:bodyPr/>
+          <a:lstStyle/>
+          <a:p>
+            <a:pPr>
+              <a:buNone/>
+            </a:pPr>
+            <a:endParaRPr lang="en-US" dirty="0"/>
+          </a:p>
+        </p:txBody>
+      </p:sp>
+      <p:sp>
+        <p:nvSpPr>
+          <p:cNvPr id="3" name="Title 2"/>
+          <p:cNvSpPr>
+            <a:spLocks noGrp="1"/>
+          </p:cNvSpPr>
+          <p:nvPr>
+            <p:ph type="title"/>
+          </p:nvPr>
+        </p:nvSpPr>
+        <p:spPr/>
+        <p:txBody>
+          <a:bodyPr/>
+          <a:lstStyle/>
+          <a:p>
+            <a:r>
+              <a:rPr lang="en-US" dirty="0" err="1" smtClean="0"/>
+              <a:t>Gimbal</a:t>
+            </a:r>
+            <a:r>
+              <a:rPr lang="en-US" dirty="0" smtClean="0"/>
+              <a:t> lock. Explained Visually</a:t>
+            </a:r>
+            <a:endParaRPr lang="en-US" dirty="0"/>
+          </a:p>
+        </p:txBody>
+      </p:sp>
+      <p:pic>
+        <p:nvPicPr>
+          <p:cNvPr id="4" name="Picture 3" descr="Picture 1.png"/>
+          <p:cNvPicPr>
+            <a:picLocks noChangeAspect="1"/>
+          </p:cNvPicPr>
+          <p:nvPr/>
+        </p:nvPicPr>
+        <p:blipFill>
+          <a:blip r:embed="rId2"/>
+          <a:stretch>
+            <a:fillRect/>
+          </a:stretch>
+        </p:blipFill>
+        <p:spPr>
+          <a:xfrm>
+            <a:off x="990600" y="1600200"/>
+            <a:ext cx="3057040" cy="4114800"/>
+          </a:xfrm>
+          <a:prstGeom prst="rect">
+            <a:avLst/>
+          </a:prstGeom>
+        </p:spPr>
+      </p:pic>
+      <p:pic>
+        <p:nvPicPr>
+          <p:cNvPr id="6" name="Picture 5" descr="Picture 2.png"/>
+          <p:cNvPicPr>
+            <a:picLocks noChangeAspect="1"/>
+          </p:cNvPicPr>
+          <p:nvPr/>
+        </p:nvPicPr>
+        <p:blipFill>
+          <a:blip r:embed="rId3"/>
+          <a:stretch>
+            <a:fillRect/>
+          </a:stretch>
+        </p:blipFill>
+        <p:spPr>
+          <a:xfrm>
+            <a:off x="4724400" y="1600200"/>
+            <a:ext cx="3093721" cy="4267200"/>
+          </a:xfrm>
+          <a:prstGeom prst="rect">
+            <a:avLst/>
+          </a:prstGeom>
+        </p:spPr>
+      </p:pic>
+    </p:spTree>
+  </p:cSld>
+  <p:clrMapOvr>
+    <a:masterClrMapping/>
+  </p:clrMapOvr>
+  <p:timing>
+    <p:tnLst>
+      <p:par>
+        <p:cTn id="1" dur="indefinite" restart="never" nodeType="tmRoot"/>
+      </p:par>
+    </p:tnLst>
+  </p:timing>
+</p:sld>
+</file>
+
+<file path=ppt/slides/slide21.xml><?xml version="1.0" encoding="utf-8"?>
+<p:sld xmlns:a="http://schemas.openxmlformats.org/drawingml/2006/main" xmlns:r="http://schemas.openxmlformats.org/officeDocument/2006/relationships" xmlns:mc="http://schemas.openxmlformats.org/markup-compatibility/2006" xmlns:mv="urn:schemas-microsoft-com:mac:vml" xmlns:p="http://schemas.openxmlformats.org/presentationml/2006/main" mc:Ignorable="mv" mc:PreserveAttributes="mv:*">
   <p:cSld>
     <p:spTree>
       <p:nvGrpSpPr>
@@ -5342,11 +6860,18 @@
   <p:clrMapOvr>
     <a:masterClrMapping/>
   </p:clrMapOvr>
+  <p:timing>
+    <p:tnLst>
+      <p:par>
+        <p:cTn id="1" dur="indefinite" restart="never" nodeType="tmRoot"/>
+      </p:par>
+    </p:tnLst>
+  </p:timing>
 </p:sld>
 </file>
 
-<file path=ppt/slides/slide16.xml><?xml version="1.0" encoding="utf-8"?>
-<p:sld xmlns:a="http://schemas.openxmlformats.org/drawingml/2006/main" xmlns:r="http://schemas.openxmlformats.org/officeDocument/2006/relationships" xmlns:p="http://schemas.openxmlformats.org/presentationml/2006/main">
+<file path=ppt/slides/slide22.xml><?xml version="1.0" encoding="utf-8"?>
+<p:sld xmlns:a="http://schemas.openxmlformats.org/drawingml/2006/main" xmlns:r="http://schemas.openxmlformats.org/officeDocument/2006/relationships" xmlns:mc="http://schemas.openxmlformats.org/markup-compatibility/2006" xmlns:mv="urn:schemas-microsoft-com:mac:vml" xmlns:p="http://schemas.openxmlformats.org/presentationml/2006/main" mc:Ignorable="mv" mc:PreserveAttributes="mv:*">
   <p:cSld>
     <p:spTree>
       <p:nvGrpSpPr>
@@ -5393,19 +6918,11 @@
             <a:pPr lvl="1"/>
             <a:r>
               <a:rPr lang="lt-LT" i="1" dirty="0" smtClean="0"/>
-              <a:t>L(t</a:t>
-            </a:r>
-            <a:r>
-              <a:rPr lang="lt-LT" i="1" dirty="0" smtClean="0"/>
-              <a:t>)</a:t>
+              <a:t>L(t)</a:t>
             </a:r>
             <a:r>
               <a:rPr lang="lt-LT" dirty="0" smtClean="0"/>
-              <a:t> = A + </a:t>
-            </a:r>
-            <a:r>
-              <a:rPr lang="lt-LT" dirty="0" smtClean="0"/>
-              <a:t>b</a:t>
+              <a:t> = A + b</a:t>
             </a:r>
             <a:r>
               <a:rPr lang="en-US" dirty="0" smtClean="0"/>
@@ -5511,11 +7028,7 @@
           <a:p>
             <a:r>
               <a:rPr lang="en-US" dirty="0" smtClean="0"/>
-              <a:t>A and B could be taken as two points on two separate </a:t>
-            </a:r>
-            <a:r>
-              <a:rPr lang="en-US" dirty="0" smtClean="0"/>
-              <a:t>meshes.</a:t>
+              <a:t>A and B could be taken as two points on two separate meshes.</a:t>
             </a:r>
           </a:p>
           <a:p>
@@ -5535,11 +7048,18 @@
   <p:clrMapOvr>
     <a:masterClrMapping/>
   </p:clrMapOvr>
+  <p:timing>
+    <p:tnLst>
+      <p:par>
+        <p:cTn id="1" dur="indefinite" restart="never" nodeType="tmRoot"/>
+      </p:par>
+    </p:tnLst>
+  </p:timing>
 </p:sld>
 </file>
 
-<file path=ppt/slides/slide17.xml><?xml version="1.0" encoding="utf-8"?>
-<p:sld xmlns:a="http://schemas.openxmlformats.org/drawingml/2006/main" xmlns:r="http://schemas.openxmlformats.org/officeDocument/2006/relationships" xmlns:p="http://schemas.openxmlformats.org/presentationml/2006/main">
+<file path=ppt/slides/slide23.xml><?xml version="1.0" encoding="utf-8"?>
+<p:sld xmlns:a="http://schemas.openxmlformats.org/drawingml/2006/main" xmlns:r="http://schemas.openxmlformats.org/officeDocument/2006/relationships" xmlns:mc="http://schemas.openxmlformats.org/markup-compatibility/2006" xmlns:mv="urn:schemas-microsoft-com:mac:vml" xmlns:p="http://schemas.openxmlformats.org/presentationml/2006/main" mc:Ignorable="mv" mc:PreserveAttributes="mv:*">
   <p:cSld>
     <p:spTree>
       <p:nvGrpSpPr>
@@ -5570,7 +7090,27 @@
           <a:bodyPr/>
           <a:lstStyle/>
           <a:p>
-            <a:endParaRPr lang="lt-LT"/>
+            <a:r>
+              <a:rPr lang="lt-LT" dirty="0" smtClean="0"/>
+              <a:t>Technique, used to position body parts in 3D scene</a:t>
+            </a:r>
+          </a:p>
+          <a:p>
+            <a:pPr lvl="1"/>
+            <a:r>
+              <a:rPr lang="lt-LT" dirty="0" smtClean="0"/>
+              <a:t>Each joint has it’s local transformation</a:t>
+            </a:r>
+          </a:p>
+          <a:p>
+            <a:pPr lvl="1"/>
+            <a:r>
+              <a:rPr lang="lt-LT" dirty="0" smtClean="0"/>
+              <a:t>Global transformation of each joint depends on it’s parent transformation</a:t>
+            </a:r>
+          </a:p>
+          <a:p>
+            <a:endParaRPr lang="lt-LT" dirty="0"/>
           </a:p>
         </p:txBody>
       </p:sp>
@@ -5591,7 +7131,7 @@
           <a:p>
             <a:r>
               <a:rPr lang="en-US" dirty="0" smtClean="0"/>
-              <a:t>Inverse/Forward??? </a:t>
+              <a:t>Forward </a:t>
             </a:r>
             <a:r>
               <a:rPr lang="en-US" dirty="0" smtClean="0"/>
@@ -5606,11 +7146,18 @@
   <p:clrMapOvr>
     <a:masterClrMapping/>
   </p:clrMapOvr>
+  <p:timing>
+    <p:tnLst>
+      <p:par>
+        <p:cTn id="1" dur="indefinite" restart="never" nodeType="tmRoot"/>
+      </p:par>
+    </p:tnLst>
+  </p:timing>
 </p:sld>
 </file>
 
-<file path=ppt/slides/slide18.xml><?xml version="1.0" encoding="utf-8"?>
-<p:sld xmlns:a="http://schemas.openxmlformats.org/drawingml/2006/main" xmlns:r="http://schemas.openxmlformats.org/officeDocument/2006/relationships" xmlns:p="http://schemas.openxmlformats.org/presentationml/2006/main">
+<file path=ppt/slides/slide24.xml><?xml version="1.0" encoding="utf-8"?>
+<p:sld xmlns:a="http://schemas.openxmlformats.org/drawingml/2006/main" xmlns:r="http://schemas.openxmlformats.org/officeDocument/2006/relationships" xmlns:mc="http://schemas.openxmlformats.org/markup-compatibility/2006" xmlns:mv="urn:schemas-microsoft-com:mac:vml" xmlns:p="http://schemas.openxmlformats.org/presentationml/2006/main" mc:Ignorable="mv" mc:PreserveAttributes="mv:*">
   <p:cSld>
     <p:spTree>
       <p:nvGrpSpPr>
@@ -5641,6 +7188,84 @@
           <a:bodyPr/>
           <a:lstStyle/>
           <a:p>
+            <a:r>
+              <a:rPr lang="en-US" dirty="0" smtClean="0"/>
+              <a:t>From a mathematical point of view:</a:t>
+            </a:r>
+          </a:p>
+          <a:p>
+            <a:pPr lvl="1">
+              <a:buNone/>
+            </a:pPr>
+            <a:endParaRPr lang="en-US" dirty="0" smtClean="0"/>
+          </a:p>
+          <a:p>
+            <a:pPr lvl="1">
+              <a:buNone/>
+            </a:pPr>
+            <a:r>
+              <a:rPr lang="en-US" dirty="0" err="1" smtClean="0"/>
+              <a:t>M</a:t>
+            </a:r>
+            <a:r>
+              <a:rPr lang="en-US" baseline="30000" dirty="0" err="1" smtClean="0"/>
+              <a:t>n</a:t>
+            </a:r>
+            <a:r>
+              <a:rPr lang="en-US" baseline="-25000" dirty="0" err="1" smtClean="0"/>
+              <a:t>global</a:t>
+            </a:r>
+            <a:r>
+              <a:rPr lang="en-US" dirty="0" smtClean="0"/>
+              <a:t> = </a:t>
+            </a:r>
+            <a:r>
+              <a:rPr lang="en-US" dirty="0" err="1" smtClean="0"/>
+              <a:t>Π</a:t>
+            </a:r>
+            <a:r>
+              <a:rPr lang="en-US" baseline="30000" dirty="0" err="1" smtClean="0"/>
+              <a:t>n</a:t>
+            </a:r>
+            <a:r>
+              <a:rPr lang="en-US" baseline="-25000" dirty="0" err="1" smtClean="0"/>
+              <a:t>i</a:t>
+            </a:r>
+            <a:r>
+              <a:rPr lang="en-US" baseline="-25000" dirty="0" smtClean="0"/>
+              <a:t>=0</a:t>
+            </a:r>
+            <a:r>
+              <a:rPr lang="en-US" dirty="0" smtClean="0"/>
+              <a:t>M</a:t>
+            </a:r>
+            <a:r>
+              <a:rPr lang="en-US" baseline="30000" dirty="0" smtClean="0"/>
+              <a:t>i</a:t>
+            </a:r>
+            <a:r>
+              <a:rPr lang="en-US" baseline="-25000" dirty="0" smtClean="0"/>
+              <a:t>local</a:t>
+            </a:r>
+          </a:p>
+          <a:p>
+            <a:pPr lvl="1">
+              <a:buNone/>
+            </a:pPr>
+            <a:endParaRPr lang="en-US" baseline="-25000" dirty="0" smtClean="0"/>
+          </a:p>
+          <a:p>
+            <a:pPr lvl="1">
+              <a:buNone/>
+            </a:pPr>
+            <a:r>
+              <a:rPr lang="en-US" dirty="0" err="1" smtClean="0"/>
+              <a:t>n</a:t>
+            </a:r>
+            <a:r>
+              <a:rPr lang="en-US" dirty="0" smtClean="0"/>
+              <a:t> – current joint in the hierarchy</a:t>
+            </a:r>
             <a:endParaRPr lang="en-US" dirty="0"/>
           </a:p>
         </p:txBody>
@@ -5662,12 +7287,36 @@
           <a:p>
             <a:r>
               <a:rPr lang="en-US" dirty="0" smtClean="0"/>
-              <a:t>Animating human body</a:t>
+              <a:t>Forward kinematics. </a:t>
             </a:r>
             <a:endParaRPr lang="en-US" dirty="0"/>
           </a:p>
         </p:txBody>
       </p:sp>
+      <p:pic>
+        <p:nvPicPr>
+          <p:cNvPr id="4" name="Picture 3" descr="Picture 3.png"/>
+          <p:cNvPicPr>
+            <a:picLocks noChangeAspect="1"/>
+          </p:cNvPicPr>
+          <p:nvPr/>
+        </p:nvPicPr>
+        <p:blipFill>
+          <a:blip r:embed="rId2"/>
+          <a:stretch>
+            <a:fillRect/>
+          </a:stretch>
+        </p:blipFill>
+        <p:spPr>
+          <a:xfrm>
+            <a:off x="5562600" y="2057400"/>
+            <a:ext cx="3480340" cy="4267200"/>
+          </a:xfrm>
+          <a:prstGeom prst="rect">
+            <a:avLst/>
+          </a:prstGeom>
+        </p:spPr>
+      </p:pic>
     </p:spTree>
   </p:cSld>
   <p:clrMapOvr>
@@ -5676,8 +7325,8 @@
 </p:sld>
 </file>
 
-<file path=ppt/slides/slide19.xml><?xml version="1.0" encoding="utf-8"?>
-<p:sld xmlns:a="http://schemas.openxmlformats.org/drawingml/2006/main" xmlns:r="http://schemas.openxmlformats.org/officeDocument/2006/relationships" xmlns:p="http://schemas.openxmlformats.org/presentationml/2006/main">
+<file path=ppt/slides/slide25.xml><?xml version="1.0" encoding="utf-8"?>
+<p:sld xmlns:a="http://schemas.openxmlformats.org/drawingml/2006/main" xmlns:r="http://schemas.openxmlformats.org/officeDocument/2006/relationships" xmlns:mc="http://schemas.openxmlformats.org/markup-compatibility/2006" xmlns:mv="urn:schemas-microsoft-com:mac:vml" xmlns:p="http://schemas.openxmlformats.org/presentationml/2006/main" mc:Ignorable="mv" mc:PreserveAttributes="mv:*">
   <p:cSld>
     <p:spTree>
       <p:nvGrpSpPr>
@@ -5708,6 +7357,80 @@
           <a:bodyPr/>
           <a:lstStyle/>
           <a:p>
+            <a:endParaRPr lang="en-US" dirty="0"/>
+          </a:p>
+        </p:txBody>
+      </p:sp>
+      <p:sp>
+        <p:nvSpPr>
+          <p:cNvPr id="3" name="Title 2"/>
+          <p:cNvSpPr>
+            <a:spLocks noGrp="1"/>
+          </p:cNvSpPr>
+          <p:nvPr>
+            <p:ph type="title"/>
+          </p:nvPr>
+        </p:nvSpPr>
+        <p:spPr/>
+        <p:txBody>
+          <a:bodyPr/>
+          <a:lstStyle/>
+          <a:p>
+            <a:r>
+              <a:rPr lang="en-US" dirty="0" smtClean="0"/>
+              <a:t>Animating human body</a:t>
+            </a:r>
+            <a:endParaRPr lang="en-US" dirty="0"/>
+          </a:p>
+        </p:txBody>
+      </p:sp>
+    </p:spTree>
+  </p:cSld>
+  <p:clrMapOvr>
+    <a:masterClrMapping/>
+  </p:clrMapOvr>
+  <p:timing>
+    <p:tnLst>
+      <p:par>
+        <p:cTn id="1" dur="indefinite" restart="never" nodeType="tmRoot"/>
+      </p:par>
+    </p:tnLst>
+  </p:timing>
+</p:sld>
+</file>
+
+<file path=ppt/slides/slide26.xml><?xml version="1.0" encoding="utf-8"?>
+<p:sld xmlns:a="http://schemas.openxmlformats.org/drawingml/2006/main" xmlns:r="http://schemas.openxmlformats.org/officeDocument/2006/relationships" xmlns:mc="http://schemas.openxmlformats.org/markup-compatibility/2006" xmlns:mv="urn:schemas-microsoft-com:mac:vml" xmlns:p="http://schemas.openxmlformats.org/presentationml/2006/main" mc:Ignorable="mv" mc:PreserveAttributes="mv:*">
+  <p:cSld>
+    <p:spTree>
+      <p:nvGrpSpPr>
+        <p:cNvPr id="1" name=""/>
+        <p:cNvGrpSpPr/>
+        <p:nvPr/>
+      </p:nvGrpSpPr>
+      <p:grpSpPr>
+        <a:xfrm>
+          <a:off x="0" y="0"/>
+          <a:ext cx="0" cy="0"/>
+          <a:chOff x="0" y="0"/>
+          <a:chExt cx="0" cy="0"/>
+        </a:xfrm>
+      </p:grpSpPr>
+      <p:sp>
+        <p:nvSpPr>
+          <p:cNvPr id="2" name="Content Placeholder 1"/>
+          <p:cNvSpPr>
+            <a:spLocks noGrp="1"/>
+          </p:cNvSpPr>
+          <p:nvPr>
+            <p:ph idx="1"/>
+          </p:nvPr>
+        </p:nvSpPr>
+        <p:spPr/>
+        <p:txBody>
+          <a:bodyPr/>
+          <a:lstStyle/>
+          <a:p>
             <a:endParaRPr lang="lt-LT"/>
           </a:p>
         </p:txBody>
@@ -5732,10 +7455,6 @@
             <a:r>
               <a:rPr lang="en-US" dirty="0" smtClean="0"/>
               <a:t>Animating human body</a:t>
-            </a:r>
-            <a:r>
-              <a:rPr lang="en-US" dirty="0" smtClean="0"/>
-              <a:t/>
             </a:r>
             <a:br>
               <a:rPr lang="en-US" dirty="0" smtClean="0"/>
@@ -5779,11 +7498,18 @@
   <p:clrMapOvr>
     <a:masterClrMapping/>
   </p:clrMapOvr>
+  <p:timing>
+    <p:tnLst>
+      <p:par>
+        <p:cTn id="1" dur="indefinite" restart="never" nodeType="tmRoot"/>
+      </p:par>
+    </p:tnLst>
+  </p:timing>
 </p:sld>
 </file>
 
-<file path=ppt/slides/slide2.xml><?xml version="1.0" encoding="utf-8"?>
-<p:sld xmlns:a="http://schemas.openxmlformats.org/drawingml/2006/main" xmlns:r="http://schemas.openxmlformats.org/officeDocument/2006/relationships" xmlns:p="http://schemas.openxmlformats.org/presentationml/2006/main">
+<file path=ppt/slides/slide27.xml><?xml version="1.0" encoding="utf-8"?>
+<p:sld xmlns:a="http://schemas.openxmlformats.org/drawingml/2006/main" xmlns:r="http://schemas.openxmlformats.org/officeDocument/2006/relationships" xmlns:mc="http://schemas.openxmlformats.org/markup-compatibility/2006" xmlns:mv="urn:schemas-microsoft-com:mac:vml" xmlns:p="http://schemas.openxmlformats.org/presentationml/2006/main" mc:Ignorable="mv" mc:PreserveAttributes="mv:*">
   <p:cSld>
     <p:spTree>
       <p:nvGrpSpPr>
@@ -5815,129 +7541,6 @@
           <a:lstStyle/>
           <a:p>
             <a:r>
-              <a:rPr lang="lt-LT" dirty="0" smtClean="0"/>
-              <a:t>Introduction</a:t>
-            </a:r>
-          </a:p>
-          <a:p>
-            <a:r>
-              <a:rPr lang="lt-LT" dirty="0" smtClean="0"/>
-              <a:t>Motion capture and motion data</a:t>
-            </a:r>
-          </a:p>
-          <a:p>
-            <a:r>
-              <a:rPr lang="lt-LT" dirty="0" smtClean="0"/>
-              <a:t>Used </a:t>
-            </a:r>
-            <a:r>
-              <a:rPr lang="en-US" dirty="0" smtClean="0"/>
-              <a:t>techniques</a:t>
-            </a:r>
-          </a:p>
-          <a:p>
-            <a:r>
-              <a:rPr lang="lt-LT" dirty="0" smtClean="0"/>
-              <a:t>Animating human body</a:t>
-            </a:r>
-          </a:p>
-          <a:p>
-            <a:r>
-              <a:rPr lang="lt-LT" dirty="0" smtClean="0"/>
-              <a:t>Problems</a:t>
-            </a:r>
-            <a:endParaRPr lang="en-US" dirty="0" smtClean="0"/>
-          </a:p>
-          <a:p>
-            <a:r>
-              <a:rPr lang="en-US" dirty="0" smtClean="0"/>
-              <a:t>Conclusion and possible future tasks</a:t>
-            </a:r>
-            <a:endParaRPr lang="lt-LT" dirty="0" smtClean="0"/>
-          </a:p>
-          <a:p>
-            <a:endParaRPr lang="lt-LT" dirty="0" smtClean="0"/>
-          </a:p>
-          <a:p>
-            <a:pPr lvl="1"/>
-            <a:endParaRPr lang="lt-LT" dirty="0" smtClean="0"/>
-          </a:p>
-          <a:p>
-            <a:endParaRPr lang="lt-LT" dirty="0"/>
-          </a:p>
-        </p:txBody>
-      </p:sp>
-      <p:sp>
-        <p:nvSpPr>
-          <p:cNvPr id="3" name="Title 2"/>
-          <p:cNvSpPr>
-            <a:spLocks noGrp="1"/>
-          </p:cNvSpPr>
-          <p:nvPr>
-            <p:ph type="title"/>
-          </p:nvPr>
-        </p:nvSpPr>
-        <p:spPr/>
-        <p:txBody>
-          <a:bodyPr/>
-          <a:lstStyle/>
-          <a:p>
-            <a:r>
-              <a:rPr lang="lt-LT" dirty="0" smtClean="0"/>
-              <a:t>Contents</a:t>
-            </a:r>
-            <a:endParaRPr lang="lt-LT" dirty="0"/>
-          </a:p>
-        </p:txBody>
-      </p:sp>
-    </p:spTree>
-  </p:cSld>
-  <p:clrMapOvr>
-    <a:masterClrMapping/>
-  </p:clrMapOvr>
-  <p:timing>
-    <p:tnLst>
-      <p:par>
-        <p:cTn id="1" dur="indefinite" restart="never" nodeType="tmRoot"/>
-      </p:par>
-    </p:tnLst>
-  </p:timing>
-</p:sld>
-</file>
-
-<file path=ppt/slides/slide20.xml><?xml version="1.0" encoding="utf-8"?>
-<p:sld xmlns:a="http://schemas.openxmlformats.org/drawingml/2006/main" xmlns:r="http://schemas.openxmlformats.org/officeDocument/2006/relationships" xmlns:p="http://schemas.openxmlformats.org/presentationml/2006/main">
-  <p:cSld>
-    <p:spTree>
-      <p:nvGrpSpPr>
-        <p:cNvPr id="1" name=""/>
-        <p:cNvGrpSpPr/>
-        <p:nvPr/>
-      </p:nvGrpSpPr>
-      <p:grpSpPr>
-        <a:xfrm>
-          <a:off x="0" y="0"/>
-          <a:ext cx="0" cy="0"/>
-          <a:chOff x="0" y="0"/>
-          <a:chExt cx="0" cy="0"/>
-        </a:xfrm>
-      </p:grpSpPr>
-      <p:sp>
-        <p:nvSpPr>
-          <p:cNvPr id="2" name="Content Placeholder 1"/>
-          <p:cNvSpPr>
-            <a:spLocks noGrp="1"/>
-          </p:cNvSpPr>
-          <p:nvPr>
-            <p:ph idx="1"/>
-          </p:nvPr>
-        </p:nvSpPr>
-        <p:spPr/>
-        <p:txBody>
-          <a:bodyPr/>
-          <a:lstStyle/>
-          <a:p>
-            <a:r>
               <a:rPr lang="en-US" dirty="0" smtClean="0"/>
               <a:t>Every vertex on the connecting line is assigned a weight (by its position on the line)</a:t>
             </a:r>
@@ -5956,7 +7559,6 @@
               <a:rPr lang="en-US" sz="2000" dirty="0" smtClean="0"/>
               <a:t>P=1..N</a:t>
             </a:r>
-            <a:endParaRPr lang="en-US" sz="2000" dirty="0" smtClean="0"/>
           </a:p>
           <a:p>
             <a:r>
@@ -6143,11 +7745,18 @@
   <p:clrMapOvr>
     <a:masterClrMapping/>
   </p:clrMapOvr>
+  <p:timing>
+    <p:tnLst>
+      <p:par>
+        <p:cTn id="1" dur="indefinite" restart="never" nodeType="tmRoot"/>
+      </p:par>
+    </p:tnLst>
+  </p:timing>
 </p:sld>
 </file>
 
-<file path=ppt/slides/slide21.xml><?xml version="1.0" encoding="utf-8"?>
-<p:sld xmlns:a="http://schemas.openxmlformats.org/drawingml/2006/main" xmlns:r="http://schemas.openxmlformats.org/officeDocument/2006/relationships" xmlns:p="http://schemas.openxmlformats.org/presentationml/2006/main">
+<file path=ppt/slides/slide28.xml><?xml version="1.0" encoding="utf-8"?>
+<p:sld xmlns:a="http://schemas.openxmlformats.org/drawingml/2006/main" xmlns:r="http://schemas.openxmlformats.org/officeDocument/2006/relationships" xmlns:mc="http://schemas.openxmlformats.org/markup-compatibility/2006" xmlns:mv="urn:schemas-microsoft-com:mac:vml" xmlns:p="http://schemas.openxmlformats.org/presentationml/2006/main" mc:Ignorable="mv" mc:PreserveAttributes="mv:*">
   <p:cSld>
     <p:spTree>
       <p:nvGrpSpPr>
@@ -6235,11 +7844,18 @@
   <p:clrMapOvr>
     <a:masterClrMapping/>
   </p:clrMapOvr>
+  <p:timing>
+    <p:tnLst>
+      <p:par>
+        <p:cTn id="1" dur="indefinite" restart="never" nodeType="tmRoot"/>
+      </p:par>
+    </p:tnLst>
+  </p:timing>
 </p:sld>
 </file>
 
-<file path=ppt/slides/slide22.xml><?xml version="1.0" encoding="utf-8"?>
-<p:sld xmlns:a="http://schemas.openxmlformats.org/drawingml/2006/main" xmlns:r="http://schemas.openxmlformats.org/officeDocument/2006/relationships" xmlns:p="http://schemas.openxmlformats.org/presentationml/2006/main">
+<file path=ppt/slides/slide29.xml><?xml version="1.0" encoding="utf-8"?>
+<p:sld xmlns:a="http://schemas.openxmlformats.org/drawingml/2006/main" xmlns:r="http://schemas.openxmlformats.org/officeDocument/2006/relationships" xmlns:mc="http://schemas.openxmlformats.org/markup-compatibility/2006" xmlns:mv="urn:schemas-microsoft-com:mac:vml" xmlns:p="http://schemas.openxmlformats.org/presentationml/2006/main" mc:Ignorable="mv" mc:PreserveAttributes="mv:*">
   <p:cSld>
     <p:spTree>
       <p:nvGrpSpPr>
@@ -6306,317 +7922,6 @@
               <a:t>Initial BVH pose</a:t>
             </a:r>
             <a:endParaRPr lang="en-US" sz="3100" dirty="0"/>
-          </a:p>
-        </p:txBody>
-      </p:sp>
-    </p:spTree>
-  </p:cSld>
-  <p:clrMapOvr>
-    <a:masterClrMapping/>
-  </p:clrMapOvr>
-</p:sld>
-</file>
-
-<file path=ppt/slides/slide23.xml><?xml version="1.0" encoding="utf-8"?>
-<p:sld xmlns:a="http://schemas.openxmlformats.org/drawingml/2006/main" xmlns:r="http://schemas.openxmlformats.org/officeDocument/2006/relationships" xmlns:p="http://schemas.openxmlformats.org/presentationml/2006/main">
-  <p:cSld>
-    <p:spTree>
-      <p:nvGrpSpPr>
-        <p:cNvPr id="1" name=""/>
-        <p:cNvGrpSpPr/>
-        <p:nvPr/>
-      </p:nvGrpSpPr>
-      <p:grpSpPr>
-        <a:xfrm>
-          <a:off x="0" y="0"/>
-          <a:ext cx="0" cy="0"/>
-          <a:chOff x="0" y="0"/>
-          <a:chExt cx="0" cy="0"/>
-        </a:xfrm>
-      </p:grpSpPr>
-      <p:sp>
-        <p:nvSpPr>
-          <p:cNvPr id="2" name="Content Placeholder 1"/>
-          <p:cNvSpPr>
-            <a:spLocks noGrp="1"/>
-          </p:cNvSpPr>
-          <p:nvPr>
-            <p:ph idx="1"/>
-          </p:nvPr>
-        </p:nvSpPr>
-        <p:spPr/>
-        <p:txBody>
-          <a:bodyPr/>
-          <a:lstStyle/>
-          <a:p>
-            <a:pPr>
-              <a:buNone/>
-            </a:pPr>
-            <a:endParaRPr lang="lt-LT" dirty="0"/>
-          </a:p>
-        </p:txBody>
-      </p:sp>
-      <p:sp>
-        <p:nvSpPr>
-          <p:cNvPr id="3" name="Title 2"/>
-          <p:cNvSpPr>
-            <a:spLocks noGrp="1"/>
-          </p:cNvSpPr>
-          <p:nvPr>
-            <p:ph type="title"/>
-          </p:nvPr>
-        </p:nvSpPr>
-        <p:spPr/>
-        <p:txBody>
-          <a:bodyPr>
-            <a:normAutofit fontScale="90000"/>
-          </a:bodyPr>
-          <a:lstStyle/>
-          <a:p>
-            <a:r>
-              <a:rPr lang="en-US" dirty="0" smtClean="0"/>
-              <a:t>Problems</a:t>
-            </a:r>
-            <a:br>
-              <a:rPr lang="en-US" dirty="0" smtClean="0"/>
-            </a:br>
-            <a:r>
-              <a:rPr lang="lt-LT" sz="3100" dirty="0" smtClean="0"/>
-              <a:t>Exploding knee problem</a:t>
-            </a:r>
-            <a:endParaRPr lang="en-US" sz="3100" dirty="0"/>
-          </a:p>
-        </p:txBody>
-      </p:sp>
-    </p:spTree>
-  </p:cSld>
-  <p:clrMapOvr>
-    <a:masterClrMapping/>
-  </p:clrMapOvr>
-</p:sld>
-</file>
-
-<file path=ppt/slides/slide24.xml><?xml version="1.0" encoding="utf-8"?>
-<p:sld xmlns:a="http://schemas.openxmlformats.org/drawingml/2006/main" xmlns:r="http://schemas.openxmlformats.org/officeDocument/2006/relationships" xmlns:p="http://schemas.openxmlformats.org/presentationml/2006/main">
-  <p:cSld>
-    <p:spTree>
-      <p:nvGrpSpPr>
-        <p:cNvPr id="1" name=""/>
-        <p:cNvGrpSpPr/>
-        <p:nvPr/>
-      </p:nvGrpSpPr>
-      <p:grpSpPr>
-        <a:xfrm>
-          <a:off x="0" y="0"/>
-          <a:ext cx="0" cy="0"/>
-          <a:chOff x="0" y="0"/>
-          <a:chExt cx="0" cy="0"/>
-        </a:xfrm>
-      </p:grpSpPr>
-      <p:sp>
-        <p:nvSpPr>
-          <p:cNvPr id="2" name="Content Placeholder 1"/>
-          <p:cNvSpPr>
-            <a:spLocks noGrp="1"/>
-          </p:cNvSpPr>
-          <p:nvPr>
-            <p:ph idx="1"/>
-          </p:nvPr>
-        </p:nvSpPr>
-        <p:spPr/>
-        <p:txBody>
-          <a:bodyPr/>
-          <a:lstStyle/>
-          <a:p>
-            <a:pPr>
-              <a:buNone/>
-            </a:pPr>
-            <a:endParaRPr lang="lt-LT" dirty="0"/>
-          </a:p>
-        </p:txBody>
-      </p:sp>
-      <p:sp>
-        <p:nvSpPr>
-          <p:cNvPr id="3" name="Title 2"/>
-          <p:cNvSpPr>
-            <a:spLocks noGrp="1"/>
-          </p:cNvSpPr>
-          <p:nvPr>
-            <p:ph type="title"/>
-          </p:nvPr>
-        </p:nvSpPr>
-        <p:spPr/>
-        <p:txBody>
-          <a:bodyPr>
-            <a:normAutofit fontScale="90000"/>
-          </a:bodyPr>
-          <a:lstStyle/>
-          <a:p>
-            <a:r>
-              <a:rPr lang="en-US" dirty="0" smtClean="0"/>
-              <a:t>Problems</a:t>
-            </a:r>
-            <a:br>
-              <a:rPr lang="en-US" dirty="0" smtClean="0"/>
-            </a:br>
-            <a:r>
-              <a:rPr lang="en-US" sz="3100" dirty="0" smtClean="0"/>
-              <a:t>Mesh connections collapsing on com</a:t>
-            </a:r>
-            <a:r>
-              <a:rPr lang="lt-LT" sz="3100" dirty="0" smtClean="0"/>
-              <a:t>plex deformations</a:t>
-            </a:r>
-            <a:endParaRPr lang="en-US" sz="3100" dirty="0"/>
-          </a:p>
-        </p:txBody>
-      </p:sp>
-    </p:spTree>
-  </p:cSld>
-  <p:clrMapOvr>
-    <a:masterClrMapping/>
-  </p:clrMapOvr>
-</p:sld>
-</file>
-
-<file path=ppt/slides/slide25.xml><?xml version="1.0" encoding="utf-8"?>
-<p:sld xmlns:a="http://schemas.openxmlformats.org/drawingml/2006/main" xmlns:r="http://schemas.openxmlformats.org/officeDocument/2006/relationships" xmlns:p="http://schemas.openxmlformats.org/presentationml/2006/main">
-  <p:cSld>
-    <p:spTree>
-      <p:nvGrpSpPr>
-        <p:cNvPr id="1" name=""/>
-        <p:cNvGrpSpPr/>
-        <p:nvPr/>
-      </p:nvGrpSpPr>
-      <p:grpSpPr>
-        <a:xfrm>
-          <a:off x="0" y="0"/>
-          <a:ext cx="0" cy="0"/>
-          <a:chOff x="0" y="0"/>
-          <a:chExt cx="0" cy="0"/>
-        </a:xfrm>
-      </p:grpSpPr>
-      <p:sp>
-        <p:nvSpPr>
-          <p:cNvPr id="2" name="Content Placeholder 1"/>
-          <p:cNvSpPr>
-            <a:spLocks noGrp="1"/>
-          </p:cNvSpPr>
-          <p:nvPr>
-            <p:ph idx="1"/>
-          </p:nvPr>
-        </p:nvSpPr>
-        <p:spPr/>
-        <p:txBody>
-          <a:bodyPr/>
-          <a:lstStyle/>
-          <a:p>
-            <a:endParaRPr lang="lt-LT"/>
-          </a:p>
-        </p:txBody>
-      </p:sp>
-      <p:sp>
-        <p:nvSpPr>
-          <p:cNvPr id="3" name="Title 2"/>
-          <p:cNvSpPr>
-            <a:spLocks noGrp="1"/>
-          </p:cNvSpPr>
-          <p:nvPr>
-            <p:ph type="title"/>
-          </p:nvPr>
-        </p:nvSpPr>
-        <p:spPr/>
-        <p:txBody>
-          <a:bodyPr>
-            <a:normAutofit fontScale="90000"/>
-          </a:bodyPr>
-          <a:lstStyle/>
-          <a:p>
-            <a:r>
-              <a:rPr lang="en-US" dirty="0" smtClean="0"/>
-              <a:t>Conclusion and future work possibilities</a:t>
-            </a:r>
-            <a:endParaRPr lang="lt-LT" dirty="0"/>
-          </a:p>
-        </p:txBody>
-      </p:sp>
-    </p:spTree>
-  </p:cSld>
-  <p:clrMapOvr>
-    <a:masterClrMapping/>
-  </p:clrMapOvr>
-</p:sld>
-</file>
-
-<file path=ppt/slides/slide26.xml><?xml version="1.0" encoding="utf-8"?>
-<p:sld xmlns:a="http://schemas.openxmlformats.org/drawingml/2006/main" xmlns:r="http://schemas.openxmlformats.org/officeDocument/2006/relationships" xmlns:p="http://schemas.openxmlformats.org/presentationml/2006/main">
-  <p:cSld>
-    <p:spTree>
-      <p:nvGrpSpPr>
-        <p:cNvPr id="1" name=""/>
-        <p:cNvGrpSpPr/>
-        <p:nvPr/>
-      </p:nvGrpSpPr>
-      <p:grpSpPr>
-        <a:xfrm>
-          <a:off x="0" y="0"/>
-          <a:ext cx="0" cy="0"/>
-          <a:chOff x="0" y="0"/>
-          <a:chExt cx="0" cy="0"/>
-        </a:xfrm>
-      </p:grpSpPr>
-      <p:sp>
-        <p:nvSpPr>
-          <p:cNvPr id="2" name="Content Placeholder 1"/>
-          <p:cNvSpPr>
-            <a:spLocks noGrp="1"/>
-          </p:cNvSpPr>
-          <p:nvPr>
-            <p:ph idx="1"/>
-          </p:nvPr>
-        </p:nvSpPr>
-        <p:spPr/>
-        <p:txBody>
-          <a:bodyPr/>
-          <a:lstStyle/>
-          <a:p>
-            <a:pPr algn="ctr">
-              <a:buNone/>
-            </a:pPr>
-            <a:endParaRPr lang="lt-LT" sz="8000" dirty="0" smtClean="0"/>
-          </a:p>
-          <a:p>
-            <a:pPr algn="ctr">
-              <a:buNone/>
-            </a:pPr>
-            <a:r>
-              <a:rPr lang="lt-LT" sz="8000" dirty="0" smtClean="0"/>
-              <a:t>?</a:t>
-            </a:r>
-            <a:endParaRPr lang="lt-LT" sz="8000" dirty="0"/>
-          </a:p>
-        </p:txBody>
-      </p:sp>
-      <p:sp>
-        <p:nvSpPr>
-          <p:cNvPr id="3" name="Title 2"/>
-          <p:cNvSpPr>
-            <a:spLocks noGrp="1"/>
-          </p:cNvSpPr>
-          <p:nvPr>
-            <p:ph type="title"/>
-          </p:nvPr>
-        </p:nvSpPr>
-        <p:spPr/>
-        <p:txBody>
-          <a:bodyPr/>
-          <a:lstStyle/>
-          <a:p>
-            <a:r>
-              <a:rPr lang="lt-LT" dirty="0" smtClean="0"/>
-              <a:t>Questions, comments</a:t>
-            </a:r>
-            <a:endParaRPr lang="lt-LT" dirty="0"/>
           </a:p>
         </p:txBody>
       </p:sp>
@@ -6636,7 +7941,7 @@
 </file>
 
 <file path=ppt/slides/slide3.xml><?xml version="1.0" encoding="utf-8"?>
-<p:sld xmlns:a="http://schemas.openxmlformats.org/drawingml/2006/main" xmlns:r="http://schemas.openxmlformats.org/officeDocument/2006/relationships" xmlns:p="http://schemas.openxmlformats.org/presentationml/2006/main">
+<p:sld xmlns:a="http://schemas.openxmlformats.org/drawingml/2006/main" xmlns:r="http://schemas.openxmlformats.org/officeDocument/2006/relationships" xmlns:mc="http://schemas.openxmlformats.org/markup-compatibility/2006" xmlns:mv="urn:schemas-microsoft-com:mac:vml" xmlns:p="http://schemas.openxmlformats.org/presentationml/2006/main" mc:Ignorable="mv" mc:PreserveAttributes="mv:*">
   <p:cSld>
     <p:spTree>
       <p:nvGrpSpPr>
@@ -6737,6 +8042,345 @@
               <a:t>Introduction. Project tasks</a:t>
             </a:r>
             <a:endParaRPr lang="en-US" dirty="0"/>
+          </a:p>
+        </p:txBody>
+      </p:sp>
+    </p:spTree>
+  </p:cSld>
+  <p:clrMapOvr>
+    <a:masterClrMapping/>
+  </p:clrMapOvr>
+  <p:timing>
+    <p:tnLst>
+      <p:par>
+        <p:cTn id="1" dur="indefinite" restart="never" nodeType="tmRoot"/>
+      </p:par>
+    </p:tnLst>
+  </p:timing>
+</p:sld>
+</file>
+
+<file path=ppt/slides/slide30.xml><?xml version="1.0" encoding="utf-8"?>
+<p:sld xmlns:a="http://schemas.openxmlformats.org/drawingml/2006/main" xmlns:r="http://schemas.openxmlformats.org/officeDocument/2006/relationships" xmlns:mc="http://schemas.openxmlformats.org/markup-compatibility/2006" xmlns:mv="urn:schemas-microsoft-com:mac:vml" xmlns:p="http://schemas.openxmlformats.org/presentationml/2006/main" mc:Ignorable="mv" mc:PreserveAttributes="mv:*">
+  <p:cSld>
+    <p:spTree>
+      <p:nvGrpSpPr>
+        <p:cNvPr id="1" name=""/>
+        <p:cNvGrpSpPr/>
+        <p:nvPr/>
+      </p:nvGrpSpPr>
+      <p:grpSpPr>
+        <a:xfrm>
+          <a:off x="0" y="0"/>
+          <a:ext cx="0" cy="0"/>
+          <a:chOff x="0" y="0"/>
+          <a:chExt cx="0" cy="0"/>
+        </a:xfrm>
+      </p:grpSpPr>
+      <p:sp>
+        <p:nvSpPr>
+          <p:cNvPr id="2" name="Content Placeholder 1"/>
+          <p:cNvSpPr>
+            <a:spLocks noGrp="1"/>
+          </p:cNvSpPr>
+          <p:nvPr>
+            <p:ph idx="1"/>
+          </p:nvPr>
+        </p:nvSpPr>
+        <p:spPr/>
+        <p:txBody>
+          <a:bodyPr/>
+          <a:lstStyle/>
+          <a:p>
+            <a:pPr>
+              <a:buNone/>
+            </a:pPr>
+            <a:endParaRPr lang="lt-LT" dirty="0"/>
+          </a:p>
+        </p:txBody>
+      </p:sp>
+      <p:sp>
+        <p:nvSpPr>
+          <p:cNvPr id="3" name="Title 2"/>
+          <p:cNvSpPr>
+            <a:spLocks noGrp="1"/>
+          </p:cNvSpPr>
+          <p:nvPr>
+            <p:ph type="title"/>
+          </p:nvPr>
+        </p:nvSpPr>
+        <p:spPr/>
+        <p:txBody>
+          <a:bodyPr>
+            <a:normAutofit fontScale="90000"/>
+          </a:bodyPr>
+          <a:lstStyle/>
+          <a:p>
+            <a:r>
+              <a:rPr lang="en-US" dirty="0" smtClean="0"/>
+              <a:t>Problems</a:t>
+            </a:r>
+            <a:br>
+              <a:rPr lang="en-US" dirty="0" smtClean="0"/>
+            </a:br>
+            <a:r>
+              <a:rPr lang="lt-LT" sz="3100" dirty="0" smtClean="0"/>
+              <a:t>Exploding knee problem</a:t>
+            </a:r>
+            <a:endParaRPr lang="en-US" sz="3100" dirty="0"/>
+          </a:p>
+        </p:txBody>
+      </p:sp>
+    </p:spTree>
+  </p:cSld>
+  <p:clrMapOvr>
+    <a:masterClrMapping/>
+  </p:clrMapOvr>
+  <p:timing>
+    <p:tnLst>
+      <p:par>
+        <p:cTn id="1" dur="indefinite" restart="never" nodeType="tmRoot"/>
+      </p:par>
+    </p:tnLst>
+  </p:timing>
+</p:sld>
+</file>
+
+<file path=ppt/slides/slide31.xml><?xml version="1.0" encoding="utf-8"?>
+<p:sld xmlns:a="http://schemas.openxmlformats.org/drawingml/2006/main" xmlns:r="http://schemas.openxmlformats.org/officeDocument/2006/relationships" xmlns:mc="http://schemas.openxmlformats.org/markup-compatibility/2006" xmlns:mv="urn:schemas-microsoft-com:mac:vml" xmlns:p="http://schemas.openxmlformats.org/presentationml/2006/main" mc:Ignorable="mv" mc:PreserveAttributes="mv:*">
+  <p:cSld>
+    <p:spTree>
+      <p:nvGrpSpPr>
+        <p:cNvPr id="1" name=""/>
+        <p:cNvGrpSpPr/>
+        <p:nvPr/>
+      </p:nvGrpSpPr>
+      <p:grpSpPr>
+        <a:xfrm>
+          <a:off x="0" y="0"/>
+          <a:ext cx="0" cy="0"/>
+          <a:chOff x="0" y="0"/>
+          <a:chExt cx="0" cy="0"/>
+        </a:xfrm>
+      </p:grpSpPr>
+      <p:sp>
+        <p:nvSpPr>
+          <p:cNvPr id="2" name="Content Placeholder 1"/>
+          <p:cNvSpPr>
+            <a:spLocks noGrp="1"/>
+          </p:cNvSpPr>
+          <p:nvPr>
+            <p:ph idx="1"/>
+          </p:nvPr>
+        </p:nvSpPr>
+        <p:spPr/>
+        <p:txBody>
+          <a:bodyPr/>
+          <a:lstStyle/>
+          <a:p>
+            <a:pPr>
+              <a:buNone/>
+            </a:pPr>
+            <a:endParaRPr lang="lt-LT" dirty="0"/>
+          </a:p>
+        </p:txBody>
+      </p:sp>
+      <p:sp>
+        <p:nvSpPr>
+          <p:cNvPr id="3" name="Title 2"/>
+          <p:cNvSpPr>
+            <a:spLocks noGrp="1"/>
+          </p:cNvSpPr>
+          <p:nvPr>
+            <p:ph type="title"/>
+          </p:nvPr>
+        </p:nvSpPr>
+        <p:spPr/>
+        <p:txBody>
+          <a:bodyPr>
+            <a:normAutofit fontScale="90000"/>
+          </a:bodyPr>
+          <a:lstStyle/>
+          <a:p>
+            <a:r>
+              <a:rPr lang="en-US" dirty="0" smtClean="0"/>
+              <a:t>Problems</a:t>
+            </a:r>
+            <a:br>
+              <a:rPr lang="en-US" dirty="0" smtClean="0"/>
+            </a:br>
+            <a:r>
+              <a:rPr lang="en-US" sz="3100" dirty="0" smtClean="0"/>
+              <a:t>Mesh connections collapsing on com</a:t>
+            </a:r>
+            <a:r>
+              <a:rPr lang="lt-LT" sz="3100" dirty="0" smtClean="0"/>
+              <a:t>plex deformations</a:t>
+            </a:r>
+            <a:endParaRPr lang="en-US" sz="3100" dirty="0"/>
+          </a:p>
+        </p:txBody>
+      </p:sp>
+    </p:spTree>
+  </p:cSld>
+  <p:clrMapOvr>
+    <a:masterClrMapping/>
+  </p:clrMapOvr>
+  <p:timing>
+    <p:tnLst>
+      <p:par>
+        <p:cTn id="1" dur="indefinite" restart="never" nodeType="tmRoot"/>
+      </p:par>
+    </p:tnLst>
+  </p:timing>
+</p:sld>
+</file>
+
+<file path=ppt/slides/slide32.xml><?xml version="1.0" encoding="utf-8"?>
+<p:sld xmlns:a="http://schemas.openxmlformats.org/drawingml/2006/main" xmlns:r="http://schemas.openxmlformats.org/officeDocument/2006/relationships" xmlns:mc="http://schemas.openxmlformats.org/markup-compatibility/2006" xmlns:mv="urn:schemas-microsoft-com:mac:vml" xmlns:p="http://schemas.openxmlformats.org/presentationml/2006/main" mc:Ignorable="mv" mc:PreserveAttributes="mv:*">
+  <p:cSld>
+    <p:spTree>
+      <p:nvGrpSpPr>
+        <p:cNvPr id="1" name=""/>
+        <p:cNvGrpSpPr/>
+        <p:nvPr/>
+      </p:nvGrpSpPr>
+      <p:grpSpPr>
+        <a:xfrm>
+          <a:off x="0" y="0"/>
+          <a:ext cx="0" cy="0"/>
+          <a:chOff x="0" y="0"/>
+          <a:chExt cx="0" cy="0"/>
+        </a:xfrm>
+      </p:grpSpPr>
+      <p:sp>
+        <p:nvSpPr>
+          <p:cNvPr id="2" name="Content Placeholder 1"/>
+          <p:cNvSpPr>
+            <a:spLocks noGrp="1"/>
+          </p:cNvSpPr>
+          <p:nvPr>
+            <p:ph idx="1"/>
+          </p:nvPr>
+        </p:nvSpPr>
+        <p:spPr/>
+        <p:txBody>
+          <a:bodyPr/>
+          <a:lstStyle/>
+          <a:p>
+            <a:endParaRPr lang="lt-LT"/>
+          </a:p>
+        </p:txBody>
+      </p:sp>
+      <p:sp>
+        <p:nvSpPr>
+          <p:cNvPr id="3" name="Title 2"/>
+          <p:cNvSpPr>
+            <a:spLocks noGrp="1"/>
+          </p:cNvSpPr>
+          <p:nvPr>
+            <p:ph type="title"/>
+          </p:nvPr>
+        </p:nvSpPr>
+        <p:spPr/>
+        <p:txBody>
+          <a:bodyPr>
+            <a:normAutofit fontScale="90000"/>
+          </a:bodyPr>
+          <a:lstStyle/>
+          <a:p>
+            <a:r>
+              <a:rPr lang="en-US" dirty="0" smtClean="0"/>
+              <a:t>Conclusion and future work possibilities</a:t>
+            </a:r>
+            <a:endParaRPr lang="lt-LT" dirty="0"/>
+          </a:p>
+        </p:txBody>
+      </p:sp>
+    </p:spTree>
+  </p:cSld>
+  <p:clrMapOvr>
+    <a:masterClrMapping/>
+  </p:clrMapOvr>
+  <p:timing>
+    <p:tnLst>
+      <p:par>
+        <p:cTn id="1" dur="indefinite" restart="never" nodeType="tmRoot"/>
+      </p:par>
+    </p:tnLst>
+  </p:timing>
+</p:sld>
+</file>
+
+<file path=ppt/slides/slide33.xml><?xml version="1.0" encoding="utf-8"?>
+<p:sld xmlns:a="http://schemas.openxmlformats.org/drawingml/2006/main" xmlns:r="http://schemas.openxmlformats.org/officeDocument/2006/relationships" xmlns:mc="http://schemas.openxmlformats.org/markup-compatibility/2006" xmlns:mv="urn:schemas-microsoft-com:mac:vml" xmlns:p="http://schemas.openxmlformats.org/presentationml/2006/main" mc:Ignorable="mv" mc:PreserveAttributes="mv:*">
+  <p:cSld>
+    <p:spTree>
+      <p:nvGrpSpPr>
+        <p:cNvPr id="1" name=""/>
+        <p:cNvGrpSpPr/>
+        <p:nvPr/>
+      </p:nvGrpSpPr>
+      <p:grpSpPr>
+        <a:xfrm>
+          <a:off x="0" y="0"/>
+          <a:ext cx="0" cy="0"/>
+          <a:chOff x="0" y="0"/>
+          <a:chExt cx="0" cy="0"/>
+        </a:xfrm>
+      </p:grpSpPr>
+      <p:sp>
+        <p:nvSpPr>
+          <p:cNvPr id="2" name="Content Placeholder 1"/>
+          <p:cNvSpPr>
+            <a:spLocks noGrp="1"/>
+          </p:cNvSpPr>
+          <p:nvPr>
+            <p:ph idx="1"/>
+          </p:nvPr>
+        </p:nvSpPr>
+        <p:spPr/>
+        <p:txBody>
+          <a:bodyPr/>
+          <a:lstStyle/>
+          <a:p>
+            <a:pPr algn="ctr">
+              <a:buNone/>
+            </a:pPr>
+            <a:endParaRPr lang="lt-LT" sz="8000" dirty="0" smtClean="0"/>
+          </a:p>
+          <a:p>
+            <a:pPr algn="ctr">
+              <a:buNone/>
+            </a:pPr>
+            <a:r>
+              <a:rPr lang="lt-LT" sz="8000" dirty="0" smtClean="0"/>
+              <a:t>?</a:t>
+            </a:r>
+            <a:endParaRPr lang="lt-LT" sz="8000" dirty="0"/>
+          </a:p>
+        </p:txBody>
+      </p:sp>
+      <p:sp>
+        <p:nvSpPr>
+          <p:cNvPr id="3" name="Title 2"/>
+          <p:cNvSpPr>
+            <a:spLocks noGrp="1"/>
+          </p:cNvSpPr>
+          <p:nvPr>
+            <p:ph type="title"/>
+          </p:nvPr>
+        </p:nvSpPr>
+        <p:spPr/>
+        <p:txBody>
+          <a:bodyPr/>
+          <a:lstStyle/>
+          <a:p>
+            <a:r>
+              <a:rPr lang="lt-LT" dirty="0" smtClean="0"/>
+              <a:t>Questions, comments</a:t>
+            </a:r>
+            <a:endParaRPr lang="lt-LT" dirty="0"/>
           </a:p>
         </p:txBody>
       </p:sp>
@@ -6756,7 +8400,7 @@
 </file>
 
 <file path=ppt/slides/slide4.xml><?xml version="1.0" encoding="utf-8"?>
-<p:sld xmlns:a="http://schemas.openxmlformats.org/drawingml/2006/main" xmlns:r="http://schemas.openxmlformats.org/officeDocument/2006/relationships" xmlns:p="http://schemas.openxmlformats.org/presentationml/2006/main">
+<p:sld xmlns:a="http://schemas.openxmlformats.org/drawingml/2006/main" xmlns:r="http://schemas.openxmlformats.org/officeDocument/2006/relationships" xmlns:mc="http://schemas.openxmlformats.org/markup-compatibility/2006" xmlns:mv="urn:schemas-microsoft-com:mac:vml" xmlns:p="http://schemas.openxmlformats.org/presentationml/2006/main" mc:Ignorable="mv" mc:PreserveAttributes="mv:*">
   <p:cSld>
     <p:spTree>
       <p:nvGrpSpPr>
@@ -6819,11 +8463,18 @@
   <p:clrMapOvr>
     <a:masterClrMapping/>
   </p:clrMapOvr>
+  <p:timing>
+    <p:tnLst>
+      <p:par>
+        <p:cTn id="1" dur="indefinite" restart="never" nodeType="tmRoot"/>
+      </p:par>
+    </p:tnLst>
+  </p:timing>
 </p:sld>
 </file>
 
 <file path=ppt/slides/slide5.xml><?xml version="1.0" encoding="utf-8"?>
-<p:sld xmlns:a="http://schemas.openxmlformats.org/drawingml/2006/main" xmlns:r="http://schemas.openxmlformats.org/officeDocument/2006/relationships" xmlns:p="http://schemas.openxmlformats.org/presentationml/2006/main">
+<p:sld xmlns:a="http://schemas.openxmlformats.org/drawingml/2006/main" xmlns:r="http://schemas.openxmlformats.org/officeDocument/2006/relationships" xmlns:mc="http://schemas.openxmlformats.org/markup-compatibility/2006" xmlns:mv="urn:schemas-microsoft-com:mac:vml" xmlns:p="http://schemas.openxmlformats.org/presentationml/2006/main" mc:Ignorable="mv" mc:PreserveAttributes="mv:*">
   <p:cSld>
     <p:spTree>
       <p:nvGrpSpPr>
@@ -7009,11 +8660,18 @@
   <p:clrMapOvr>
     <a:masterClrMapping/>
   </p:clrMapOvr>
+  <p:timing>
+    <p:tnLst>
+      <p:par>
+        <p:cTn id="1" dur="indefinite" restart="never" nodeType="tmRoot"/>
+      </p:par>
+    </p:tnLst>
+  </p:timing>
 </p:sld>
 </file>
 
 <file path=ppt/slides/slide6.xml><?xml version="1.0" encoding="utf-8"?>
-<p:sld xmlns:a="http://schemas.openxmlformats.org/drawingml/2006/main" xmlns:r="http://schemas.openxmlformats.org/officeDocument/2006/relationships" xmlns:p="http://schemas.openxmlformats.org/presentationml/2006/main">
+<p:sld xmlns:a="http://schemas.openxmlformats.org/drawingml/2006/main" xmlns:r="http://schemas.openxmlformats.org/officeDocument/2006/relationships" xmlns:mc="http://schemas.openxmlformats.org/markup-compatibility/2006" xmlns:mv="urn:schemas-microsoft-com:mac:vml" xmlns:p="http://schemas.openxmlformats.org/presentationml/2006/main" mc:Ignorable="mv" mc:PreserveAttributes="mv:*">
   <p:cSld>
     <p:spTree>
       <p:nvGrpSpPr>
@@ -7115,11 +8773,18 @@
   <p:clrMapOvr>
     <a:masterClrMapping/>
   </p:clrMapOvr>
+  <p:timing>
+    <p:tnLst>
+      <p:par>
+        <p:cTn id="1" dur="indefinite" restart="never" nodeType="tmRoot"/>
+      </p:par>
+    </p:tnLst>
+  </p:timing>
 </p:sld>
 </file>
 
 <file path=ppt/slides/slide7.xml><?xml version="1.0" encoding="utf-8"?>
-<p:sld xmlns:a="http://schemas.openxmlformats.org/drawingml/2006/main" xmlns:r="http://schemas.openxmlformats.org/officeDocument/2006/relationships" xmlns:p="http://schemas.openxmlformats.org/presentationml/2006/main">
+<p:sld xmlns:a="http://schemas.openxmlformats.org/drawingml/2006/main" xmlns:r="http://schemas.openxmlformats.org/officeDocument/2006/relationships" xmlns:mc="http://schemas.openxmlformats.org/markup-compatibility/2006" xmlns:mv="urn:schemas-microsoft-com:mac:vml" xmlns:p="http://schemas.openxmlformats.org/presentationml/2006/main" mc:Ignorable="mv" mc:PreserveAttributes="mv:*">
   <p:cSld>
     <p:spTree>
       <p:nvGrpSpPr>
@@ -7152,11 +8817,7 @@
           <a:p>
             <a:r>
               <a:rPr lang="lt-LT" dirty="0" smtClean="0"/>
-              <a:t>Various motion data </a:t>
-            </a:r>
-            <a:r>
-              <a:rPr lang="lt-LT" dirty="0" smtClean="0"/>
-              <a:t>formats</a:t>
+              <a:t>Various motion data formats</a:t>
             </a:r>
             <a:endParaRPr lang="en-US" dirty="0" smtClean="0"/>
           </a:p>
@@ -7198,11 +8859,7 @@
             <a:pPr lvl="1"/>
             <a:r>
               <a:rPr lang="lt-LT" dirty="0" smtClean="0"/>
-              <a:t>Default C3D format for Vicon Motion </a:t>
-            </a:r>
-            <a:r>
-              <a:rPr lang="lt-LT" dirty="0" smtClean="0"/>
-              <a:t>System</a:t>
+              <a:t>Default C3D format for Vicon Motion System</a:t>
             </a:r>
             <a:endParaRPr lang="en-US" dirty="0" smtClean="0"/>
           </a:p>
@@ -7218,11 +8875,7 @@
             <a:pPr lvl="1"/>
             <a:r>
               <a:rPr lang="lt-LT" dirty="0" smtClean="0"/>
-              <a:t>BVH format. Getting from C3D to </a:t>
-            </a:r>
-            <a:r>
-              <a:rPr lang="lt-LT" dirty="0" smtClean="0"/>
-              <a:t>BVH</a:t>
+              <a:t>BVH format. Getting from C3D to BVH</a:t>
             </a:r>
             <a:endParaRPr lang="en-US" dirty="0" smtClean="0"/>
           </a:p>
@@ -7264,11 +8917,18 @@
   <p:clrMapOvr>
     <a:masterClrMapping/>
   </p:clrMapOvr>
+  <p:timing>
+    <p:tnLst>
+      <p:par>
+        <p:cTn id="1" dur="indefinite" restart="never" nodeType="tmRoot"/>
+      </p:par>
+    </p:tnLst>
+  </p:timing>
 </p:sld>
 </file>
 
 <file path=ppt/slides/slide8.xml><?xml version="1.0" encoding="utf-8"?>
-<p:sld xmlns:a="http://schemas.openxmlformats.org/drawingml/2006/main" xmlns:r="http://schemas.openxmlformats.org/officeDocument/2006/relationships" xmlns:p="http://schemas.openxmlformats.org/presentationml/2006/main">
+<p:sld xmlns:a="http://schemas.openxmlformats.org/drawingml/2006/main" xmlns:r="http://schemas.openxmlformats.org/officeDocument/2006/relationships" xmlns:mc="http://schemas.openxmlformats.org/markup-compatibility/2006" xmlns:mv="urn:schemas-microsoft-com:mac:vml" xmlns:p="http://schemas.openxmlformats.org/presentationml/2006/main" mc:Ignorable="mv" mc:PreserveAttributes="mv:*">
   <p:cSld>
     <p:spTree>
       <p:nvGrpSpPr>
@@ -7324,11 +8984,7 @@
           <a:p>
             <a:r>
               <a:rPr lang="en-US" dirty="0" smtClean="0"/>
-              <a:t>Inverse/Forward??? </a:t>
-            </a:r>
-            <a:r>
-              <a:rPr lang="en-US" dirty="0" smtClean="0"/>
-              <a:t>kinematics</a:t>
+              <a:t>Inverse/Forward??? kinematics</a:t>
             </a:r>
             <a:endParaRPr lang="lt-LT" dirty="0" smtClean="0"/>
           </a:p>
@@ -7374,7 +9030,7 @@
 </file>
 
 <file path=ppt/slides/slide9.xml><?xml version="1.0" encoding="utf-8"?>
-<p:sld xmlns:a="http://schemas.openxmlformats.org/drawingml/2006/main" xmlns:r="http://schemas.openxmlformats.org/officeDocument/2006/relationships" xmlns:p="http://schemas.openxmlformats.org/presentationml/2006/main">
+<p:sld xmlns:a="http://schemas.openxmlformats.org/drawingml/2006/main" xmlns:r="http://schemas.openxmlformats.org/officeDocument/2006/relationships" xmlns:mc="http://schemas.openxmlformats.org/markup-compatibility/2006" xmlns:mv="urn:schemas-microsoft-com:mac:vml" xmlns:p="http://schemas.openxmlformats.org/presentationml/2006/main" mc:Ignorable="mv" mc:PreserveAttributes="mv:*">
   <p:cSld>
     <p:spTree>
       <p:nvGrpSpPr>
@@ -7470,6 +9126,13 @@
   <p:clrMapOvr>
     <a:masterClrMapping/>
   </p:clrMapOvr>
+  <p:timing>
+    <p:tnLst>
+      <p:par>
+        <p:cTn id="1" dur="indefinite" restart="never" nodeType="tmRoot"/>
+      </p:par>
+    </p:tnLst>
+  </p:timing>
 </p:sld>
 </file>
 

--- a/trunk/docs/Presentation/Presentation.pptx
+++ b/trunk/docs/Presentation/Presentation.pptx
@@ -1,6 +1,6 @@
 
 <file path=ppt/presentation.xml><?xml version="1.0" encoding="utf-8"?>
-<p:presentation xmlns:a="http://schemas.openxmlformats.org/drawingml/2006/main" xmlns:r="http://schemas.openxmlformats.org/officeDocument/2006/relationships" xmlns:mc="http://schemas.openxmlformats.org/markup-compatibility/2006" xmlns:mv="urn:schemas-microsoft-com:mac:vml" xmlns:p="http://schemas.openxmlformats.org/presentationml/2006/main" mc:Ignorable="mv" mc:PreserveAttributes="mv:*" saveSubsetFonts="1">
+<p:presentation xmlns:a="http://schemas.openxmlformats.org/drawingml/2006/main" xmlns:r="http://schemas.openxmlformats.org/officeDocument/2006/relationships" xmlns:p="http://schemas.openxmlformats.org/presentationml/2006/main" saveSubsetFonts="1">
   <p:sldMasterIdLst>
     <p:sldMasterId id="2147483672" r:id="rId1"/>
   </p:sldMasterIdLst>
@@ -13,31 +13,35 @@
     <p:sldId id="281" r:id="rId7"/>
     <p:sldId id="266" r:id="rId8"/>
     <p:sldId id="260" r:id="rId9"/>
-    <p:sldId id="262" r:id="rId10"/>
-    <p:sldId id="268" r:id="rId11"/>
-    <p:sldId id="269" r:id="rId12"/>
-    <p:sldId id="270" r:id="rId13"/>
-    <p:sldId id="271" r:id="rId14"/>
-    <p:sldId id="272" r:id="rId15"/>
-    <p:sldId id="283" r:id="rId16"/>
-    <p:sldId id="284" r:id="rId17"/>
-    <p:sldId id="285" r:id="rId18"/>
-    <p:sldId id="286" r:id="rId19"/>
-    <p:sldId id="287" r:id="rId20"/>
-    <p:sldId id="288" r:id="rId21"/>
-    <p:sldId id="273" r:id="rId22"/>
-    <p:sldId id="279" r:id="rId23"/>
-    <p:sldId id="274" r:id="rId24"/>
-    <p:sldId id="289" r:id="rId25"/>
+    <p:sldId id="273" r:id="rId10"/>
+    <p:sldId id="279" r:id="rId11"/>
+    <p:sldId id="262" r:id="rId12"/>
+    <p:sldId id="268" r:id="rId13"/>
+    <p:sldId id="269" r:id="rId14"/>
+    <p:sldId id="270" r:id="rId15"/>
+    <p:sldId id="271" r:id="rId16"/>
+    <p:sldId id="286" r:id="rId17"/>
+    <p:sldId id="287" r:id="rId18"/>
+    <p:sldId id="288" r:id="rId19"/>
+    <p:sldId id="289" r:id="rId20"/>
+    <p:sldId id="290" r:id="rId21"/>
+    <p:sldId id="291" r:id="rId22"/>
+    <p:sldId id="292" r:id="rId23"/>
+    <p:sldId id="293" r:id="rId24"/>
+    <p:sldId id="294" r:id="rId25"/>
     <p:sldId id="267" r:id="rId26"/>
     <p:sldId id="280" r:id="rId27"/>
-    <p:sldId id="275" r:id="rId28"/>
-    <p:sldId id="264" r:id="rId29"/>
-    <p:sldId id="276" r:id="rId30"/>
-    <p:sldId id="277" r:id="rId31"/>
-    <p:sldId id="278" r:id="rId32"/>
-    <p:sldId id="282" r:id="rId33"/>
-    <p:sldId id="258" r:id="rId34"/>
+    <p:sldId id="285" r:id="rId28"/>
+    <p:sldId id="275" r:id="rId29"/>
+    <p:sldId id="264" r:id="rId30"/>
+    <p:sldId id="276" r:id="rId31"/>
+    <p:sldId id="283" r:id="rId32"/>
+    <p:sldId id="277" r:id="rId33"/>
+    <p:sldId id="278" r:id="rId34"/>
+    <p:sldId id="284" r:id="rId35"/>
+    <p:sldId id="295" r:id="rId36"/>
+    <p:sldId id="282" r:id="rId37"/>
+    <p:sldId id="258" r:id="rId38"/>
   </p:sldIdLst>
   <p:sldSz cx="9144000" cy="6858000" type="screen4x3"/>
   <p:notesSz cx="6858000" cy="9144000"/>
@@ -140,7 +144,7 @@
 </file>
 
 <file path=ppt/slideLayouts/slideLayout1.xml><?xml version="1.0" encoding="utf-8"?>
-<p:sldLayout xmlns:a="http://schemas.openxmlformats.org/drawingml/2006/main" xmlns:r="http://schemas.openxmlformats.org/officeDocument/2006/relationships" xmlns:mc="http://schemas.openxmlformats.org/markup-compatibility/2006" xmlns:mv="urn:schemas-microsoft-com:mac:vml" xmlns:p="http://schemas.openxmlformats.org/presentationml/2006/main" mc:Ignorable="mv" mc:PreserveAttributes="mv:*" showMasterSp="0" type="title" preserve="1">
+<p:sldLayout xmlns:a="http://schemas.openxmlformats.org/drawingml/2006/main" xmlns:r="http://schemas.openxmlformats.org/officeDocument/2006/relationships" xmlns:p="http://schemas.openxmlformats.org/presentationml/2006/main" showMasterSp="0" type="title" preserve="1">
   <p:cSld name="Title Slide">
     <p:spTree>
       <p:nvGrpSpPr>
@@ -219,7 +223,9 @@
         </p:style>
         <p:txBody>
           <a:bodyPr anchor="ctr"/>
-          <a:lstStyle/>
+          <a:lstStyle>
+            <a:extLst/>
+          </a:lstStyle>
           <a:p>
             <a:pPr algn="ctr" eaLnBrk="1" latinLnBrk="0" hangingPunct="1"/>
             <a:endParaRPr kumimoji="0" lang="en-US" dirty="0"/>
@@ -268,6 +274,7 @@
                 </a:effectLst>
               </a:defRPr>
             </a:lvl1pPr>
+            <a:extLst/>
           </a:lstStyle>
           <a:p>
             <a:r>
@@ -329,6 +336,7 @@
             <a:lvl9pPr marL="3657600" indent="0" algn="ctr">
               <a:buNone/>
             </a:lvl9pPr>
+            <a:extLst/>
           </a:lstStyle>
           <a:p>
             <a:r>
@@ -430,7 +438,9 @@
           </p:spPr>
           <p:txBody>
             <a:bodyPr vert="horz" wrap="square" lIns="91440" tIns="45720" rIns="91440" bIns="45720" anchor="t" compatLnSpc="1"/>
-            <a:lstStyle/>
+            <a:lstStyle>
+              <a:extLst/>
+            </a:lstStyle>
             <a:p>
               <a:endParaRPr kumimoji="0" lang="en-US" dirty="0"/>
             </a:p>
@@ -510,7 +520,9 @@
           </p:spPr>
           <p:txBody>
             <a:bodyPr vert="horz" wrap="square" lIns="91440" tIns="45720" rIns="91440" bIns="45720" anchor="t" compatLnSpc="1"/>
-            <a:lstStyle/>
+            <a:lstStyle>
+              <a:extLst/>
+            </a:lstStyle>
             <a:p>
               <a:endParaRPr kumimoji="0" lang="en-US" dirty="0"/>
             </a:p>
@@ -667,7 +679,9 @@
           </p:style>
           <p:txBody>
             <a:bodyPr vert="horz" wrap="square" lIns="91440" tIns="45720" rIns="91440" bIns="45720" anchor="ctr" compatLnSpc="1"/>
-            <a:lstStyle/>
+            <a:lstStyle>
+              <a:extLst/>
+            </a:lstStyle>
             <a:p>
               <a:pPr algn="ctr" eaLnBrk="1" latinLnBrk="0" hangingPunct="1"/>
               <a:endParaRPr kumimoji="0" lang="en-US" dirty="0"/>
@@ -749,12 +763,13 @@
                 </a:solidFill>
               </a:defRPr>
             </a:lvl1pPr>
+            <a:extLst/>
           </a:lstStyle>
           <a:p>
             <a:fld id="{8900D071-D45E-4DB1-8026-6607FD7943F8}" type="datetimeFigureOut">
               <a:rPr lang="lt-LT" smtClean="0"/>
               <a:pPr/>
-              <a:t>1/22/09</a:t>
+              <a:t>2009.01.22</a:t>
             </a:fld>
             <a:endParaRPr lang="lt-LT"/>
           </a:p>
@@ -783,6 +798,7 @@
                 </a:solidFill>
               </a:defRPr>
             </a:lvl1pPr>
+            <a:extLst/>
           </a:lstStyle>
           <a:p>
             <a:endParaRPr lang="lt-LT"/>
@@ -810,6 +826,7 @@
                 </a:solidFill>
               </a:defRPr>
             </a:lvl1pPr>
+            <a:extLst/>
           </a:lstStyle>
           <a:p>
             <a:fld id="{D01D3B16-9DD8-4C37-8DF4-243418B31B2B}" type="slidenum">
@@ -830,7 +847,7 @@
 </file>
 
 <file path=ppt/slideLayouts/slideLayout10.xml><?xml version="1.0" encoding="utf-8"?>
-<p:sldLayout xmlns:a="http://schemas.openxmlformats.org/drawingml/2006/main" xmlns:r="http://schemas.openxmlformats.org/officeDocument/2006/relationships" xmlns:mc="http://schemas.openxmlformats.org/markup-compatibility/2006" xmlns:mv="urn:schemas-microsoft-com:mac:vml" xmlns:p="http://schemas.openxmlformats.org/presentationml/2006/main" mc:Ignorable="mv" mc:PreserveAttributes="mv:*" type="vertTx" preserve="1">
+<p:sldLayout xmlns:a="http://schemas.openxmlformats.org/drawingml/2006/main" xmlns:r="http://schemas.openxmlformats.org/officeDocument/2006/relationships" xmlns:p="http://schemas.openxmlformats.org/presentationml/2006/main" type="vertTx" preserve="1">
   <p:cSld name="Title and Vertical Text">
     <p:spTree>
       <p:nvGrpSpPr>
@@ -859,7 +876,9 @@
         <p:spPr/>
         <p:txBody>
           <a:bodyPr/>
-          <a:lstStyle/>
+          <a:lstStyle>
+            <a:extLst/>
+          </a:lstStyle>
           <a:p>
             <a:r>
               <a:rPr kumimoji="0" lang="en-US" smtClean="0"/>
@@ -887,7 +906,9 @@
         </p:spPr>
         <p:txBody>
           <a:bodyPr vert="eaVert"/>
-          <a:lstStyle/>
+          <a:lstStyle>
+            <a:extLst/>
+          </a:lstStyle>
           <a:p>
             <a:pPr lvl="0" eaLnBrk="1" latinLnBrk="0" hangingPunct="1"/>
             <a:r>
@@ -939,12 +960,14 @@
         <p:spPr/>
         <p:txBody>
           <a:bodyPr/>
-          <a:lstStyle/>
+          <a:lstStyle>
+            <a:extLst/>
+          </a:lstStyle>
           <a:p>
             <a:fld id="{8900D071-D45E-4DB1-8026-6607FD7943F8}" type="datetimeFigureOut">
               <a:rPr lang="lt-LT" smtClean="0"/>
               <a:pPr/>
-              <a:t>1/22/09</a:t>
+              <a:t>2009.01.22</a:t>
             </a:fld>
             <a:endParaRPr lang="lt-LT"/>
           </a:p>
@@ -963,7 +986,9 @@
         <p:spPr/>
         <p:txBody>
           <a:bodyPr/>
-          <a:lstStyle/>
+          <a:lstStyle>
+            <a:extLst/>
+          </a:lstStyle>
           <a:p>
             <a:endParaRPr lang="lt-LT"/>
           </a:p>
@@ -982,7 +1007,9 @@
         <p:spPr/>
         <p:txBody>
           <a:bodyPr/>
-          <a:lstStyle/>
+          <a:lstStyle>
+            <a:extLst/>
+          </a:lstStyle>
           <a:p>
             <a:fld id="{D01D3B16-9DD8-4C37-8DF4-243418B31B2B}" type="slidenum">
               <a:rPr lang="lt-LT" smtClean="0"/>
@@ -1002,7 +1029,7 @@
 </file>
 
 <file path=ppt/slideLayouts/slideLayout11.xml><?xml version="1.0" encoding="utf-8"?>
-<p:sldLayout xmlns:a="http://schemas.openxmlformats.org/drawingml/2006/main" xmlns:r="http://schemas.openxmlformats.org/officeDocument/2006/relationships" xmlns:mc="http://schemas.openxmlformats.org/markup-compatibility/2006" xmlns:mv="urn:schemas-microsoft-com:mac:vml" xmlns:p="http://schemas.openxmlformats.org/presentationml/2006/main" mc:Ignorable="mv" mc:PreserveAttributes="mv:*" type="vertTitleAndTx" preserve="1">
+<p:sldLayout xmlns:a="http://schemas.openxmlformats.org/drawingml/2006/main" xmlns:r="http://schemas.openxmlformats.org/officeDocument/2006/relationships" xmlns:p="http://schemas.openxmlformats.org/presentationml/2006/main" type="vertTitleAndTx" preserve="1">
   <p:cSld name="Vertical Title and Text">
     <p:spTree>
       <p:nvGrpSpPr>
@@ -1036,7 +1063,9 @@
         </p:spPr>
         <p:txBody>
           <a:bodyPr vert="eaVert"/>
-          <a:lstStyle/>
+          <a:lstStyle>
+            <a:extLst/>
+          </a:lstStyle>
           <a:p>
             <a:r>
               <a:rPr kumimoji="0" lang="en-US" smtClean="0"/>
@@ -1064,7 +1093,9 @@
         </p:spPr>
         <p:txBody>
           <a:bodyPr vert="eaVert"/>
-          <a:lstStyle/>
+          <a:lstStyle>
+            <a:extLst/>
+          </a:lstStyle>
           <a:p>
             <a:pPr lvl="0" eaLnBrk="1" latinLnBrk="0" hangingPunct="1"/>
             <a:r>
@@ -1116,12 +1147,14 @@
         <p:spPr/>
         <p:txBody>
           <a:bodyPr/>
-          <a:lstStyle/>
+          <a:lstStyle>
+            <a:extLst/>
+          </a:lstStyle>
           <a:p>
             <a:fld id="{8900D071-D45E-4DB1-8026-6607FD7943F8}" type="datetimeFigureOut">
               <a:rPr lang="lt-LT" smtClean="0"/>
               <a:pPr/>
-              <a:t>1/22/09</a:t>
+              <a:t>2009.01.22</a:t>
             </a:fld>
             <a:endParaRPr lang="lt-LT"/>
           </a:p>
@@ -1140,7 +1173,9 @@
         <p:spPr/>
         <p:txBody>
           <a:bodyPr/>
-          <a:lstStyle/>
+          <a:lstStyle>
+            <a:extLst/>
+          </a:lstStyle>
           <a:p>
             <a:endParaRPr lang="lt-LT"/>
           </a:p>
@@ -1159,7 +1194,9 @@
         <p:spPr/>
         <p:txBody>
           <a:bodyPr/>
-          <a:lstStyle/>
+          <a:lstStyle>
+            <a:extLst/>
+          </a:lstStyle>
           <a:p>
             <a:fld id="{D01D3B16-9DD8-4C37-8DF4-243418B31B2B}" type="slidenum">
               <a:rPr lang="lt-LT" smtClean="0"/>
@@ -1179,7 +1216,7 @@
 </file>
 
 <file path=ppt/slideLayouts/slideLayout2.xml><?xml version="1.0" encoding="utf-8"?>
-<p:sldLayout xmlns:a="http://schemas.openxmlformats.org/drawingml/2006/main" xmlns:r="http://schemas.openxmlformats.org/officeDocument/2006/relationships" xmlns:mc="http://schemas.openxmlformats.org/markup-compatibility/2006" xmlns:mv="urn:schemas-microsoft-com:mac:vml" xmlns:p="http://schemas.openxmlformats.org/presentationml/2006/main" mc:Ignorable="mv" mc:PreserveAttributes="mv:*" type="obj" preserve="1">
+<p:sldLayout xmlns:a="http://schemas.openxmlformats.org/drawingml/2006/main" xmlns:r="http://schemas.openxmlformats.org/officeDocument/2006/relationships" xmlns:p="http://schemas.openxmlformats.org/presentationml/2006/main" type="obj" preserve="1">
   <p:cSld name="Title and Content">
     <p:spTree>
       <p:nvGrpSpPr>
@@ -1208,7 +1245,9 @@
         <p:spPr/>
         <p:txBody>
           <a:bodyPr/>
-          <a:lstStyle/>
+          <a:lstStyle>
+            <a:extLst/>
+          </a:lstStyle>
           <a:p>
             <a:pPr lvl="0" eaLnBrk="1" latinLnBrk="0" hangingPunct="1"/>
             <a:r>
@@ -1260,12 +1299,14 @@
         <p:spPr/>
         <p:txBody>
           <a:bodyPr/>
-          <a:lstStyle/>
+          <a:lstStyle>
+            <a:extLst/>
+          </a:lstStyle>
           <a:p>
             <a:fld id="{8900D071-D45E-4DB1-8026-6607FD7943F8}" type="datetimeFigureOut">
               <a:rPr lang="lt-LT" smtClean="0"/>
               <a:pPr/>
-              <a:t>1/22/09</a:t>
+              <a:t>2009.01.22</a:t>
             </a:fld>
             <a:endParaRPr lang="lt-LT"/>
           </a:p>
@@ -1284,7 +1325,9 @@
         <p:spPr/>
         <p:txBody>
           <a:bodyPr/>
-          <a:lstStyle/>
+          <a:lstStyle>
+            <a:extLst/>
+          </a:lstStyle>
           <a:p>
             <a:endParaRPr lang="lt-LT"/>
           </a:p>
@@ -1303,7 +1346,9 @@
         <p:spPr/>
         <p:txBody>
           <a:bodyPr/>
-          <a:lstStyle/>
+          <a:lstStyle>
+            <a:extLst/>
+          </a:lstStyle>
           <a:p>
             <a:fld id="{D01D3B16-9DD8-4C37-8DF4-243418B31B2B}" type="slidenum">
               <a:rPr lang="lt-LT" smtClean="0"/>
@@ -1327,7 +1372,9 @@
         <p:spPr/>
         <p:txBody>
           <a:bodyPr rtlCol="0"/>
-          <a:lstStyle/>
+          <a:lstStyle>
+            <a:extLst/>
+          </a:lstStyle>
           <a:p>
             <a:r>
               <a:rPr kumimoji="0" lang="en-US" smtClean="0"/>
@@ -1346,7 +1393,7 @@
 </file>
 
 <file path=ppt/slideLayouts/slideLayout3.xml><?xml version="1.0" encoding="utf-8"?>
-<p:sldLayout xmlns:a="http://schemas.openxmlformats.org/drawingml/2006/main" xmlns:r="http://schemas.openxmlformats.org/officeDocument/2006/relationships" xmlns:mc="http://schemas.openxmlformats.org/markup-compatibility/2006" xmlns:mv="urn:schemas-microsoft-com:mac:vml" xmlns:p="http://schemas.openxmlformats.org/presentationml/2006/main" mc:Ignorable="mv" mc:PreserveAttributes="mv:*" type="secHead" preserve="1">
+<p:sldLayout xmlns:a="http://schemas.openxmlformats.org/drawingml/2006/main" xmlns:r="http://schemas.openxmlformats.org/officeDocument/2006/relationships" xmlns:p="http://schemas.openxmlformats.org/presentationml/2006/main" type="secHead" preserve="1">
   <p:cSld name="Section Header">
     <p:bg>
       <p:bgRef idx="1002">
@@ -1407,6 +1454,7 @@
                 </a:effectLst>
               </a:defRPr>
             </a:lvl1pPr>
+            <a:extLst/>
           </a:lstStyle>
           <a:p>
             <a:r>
@@ -1484,6 +1532,7 @@
                 </a:solidFill>
               </a:defRPr>
             </a:lvl5pPr>
+            <a:extLst/>
           </a:lstStyle>
           <a:p>
             <a:pPr lvl="0" eaLnBrk="1" latinLnBrk="0" hangingPunct="1"/>
@@ -1507,12 +1556,14 @@
         <p:spPr/>
         <p:txBody>
           <a:bodyPr/>
-          <a:lstStyle/>
+          <a:lstStyle>
+            <a:extLst/>
+          </a:lstStyle>
           <a:p>
             <a:fld id="{8900D071-D45E-4DB1-8026-6607FD7943F8}" type="datetimeFigureOut">
               <a:rPr lang="lt-LT" smtClean="0"/>
               <a:pPr/>
-              <a:t>1/22/09</a:t>
+              <a:t>2009.01.22</a:t>
             </a:fld>
             <a:endParaRPr lang="lt-LT"/>
           </a:p>
@@ -1531,7 +1582,9 @@
         <p:spPr/>
         <p:txBody>
           <a:bodyPr/>
-          <a:lstStyle/>
+          <a:lstStyle>
+            <a:extLst/>
+          </a:lstStyle>
           <a:p>
             <a:endParaRPr lang="lt-LT"/>
           </a:p>
@@ -1550,7 +1603,9 @@
         <p:spPr/>
         <p:txBody>
           <a:bodyPr/>
-          <a:lstStyle/>
+          <a:lstStyle>
+            <a:extLst/>
+          </a:lstStyle>
           <a:p>
             <a:fld id="{D01D3B16-9DD8-4C37-8DF4-243418B31B2B}" type="slidenum">
               <a:rPr lang="lt-LT" smtClean="0"/>
@@ -1632,7 +1687,9 @@
         </p:style>
         <p:txBody>
           <a:bodyPr anchor="ctr"/>
-          <a:lstStyle/>
+          <a:lstStyle>
+            <a:extLst/>
+          </a:lstStyle>
           <a:p>
             <a:pPr algn="l" eaLnBrk="1" latinLnBrk="0" hangingPunct="1"/>
             <a:endParaRPr kumimoji="0" lang="en-US" dirty="0"/>
@@ -1710,7 +1767,9 @@
         </p:style>
         <p:txBody>
           <a:bodyPr anchor="ctr"/>
-          <a:lstStyle/>
+          <a:lstStyle>
+            <a:extLst/>
+          </a:lstStyle>
           <a:p>
             <a:pPr algn="l" eaLnBrk="1" latinLnBrk="0" hangingPunct="1"/>
             <a:endParaRPr kumimoji="0" lang="en-US" dirty="0"/>
@@ -1726,7 +1785,7 @@
 </file>
 
 <file path=ppt/slideLayouts/slideLayout4.xml><?xml version="1.0" encoding="utf-8"?>
-<p:sldLayout xmlns:a="http://schemas.openxmlformats.org/drawingml/2006/main" xmlns:r="http://schemas.openxmlformats.org/officeDocument/2006/relationships" xmlns:mc="http://schemas.openxmlformats.org/markup-compatibility/2006" xmlns:mv="urn:schemas-microsoft-com:mac:vml" xmlns:p="http://schemas.openxmlformats.org/presentationml/2006/main" mc:Ignorable="mv" mc:PreserveAttributes="mv:*" type="twoObj" preserve="1">
+<p:sldLayout xmlns:a="http://schemas.openxmlformats.org/drawingml/2006/main" xmlns:r="http://schemas.openxmlformats.org/officeDocument/2006/relationships" xmlns:p="http://schemas.openxmlformats.org/presentationml/2006/main" type="twoObj" preserve="1">
   <p:cSld name="Two Content">
     <p:bg>
       <p:bgRef idx="1002">
@@ -1781,6 +1840,7 @@
             <a:lvl5pPr>
               <a:defRPr sz="1800"/>
             </a:lvl5pPr>
+            <a:extLst/>
           </a:lstStyle>
           <a:p>
             <a:pPr lvl="0" eaLnBrk="1" latinLnBrk="0" hangingPunct="1"/>
@@ -1854,6 +1914,7 @@
             <a:lvl5pPr>
               <a:defRPr sz="1800"/>
             </a:lvl5pPr>
+            <a:extLst/>
           </a:lstStyle>
           <a:p>
             <a:pPr lvl="0" eaLnBrk="1" latinLnBrk="0" hangingPunct="1"/>
@@ -1906,12 +1967,14 @@
         <p:spPr/>
         <p:txBody>
           <a:bodyPr/>
-          <a:lstStyle/>
+          <a:lstStyle>
+            <a:extLst/>
+          </a:lstStyle>
           <a:p>
             <a:fld id="{8900D071-D45E-4DB1-8026-6607FD7943F8}" type="datetimeFigureOut">
               <a:rPr lang="lt-LT" smtClean="0"/>
               <a:pPr/>
-              <a:t>1/22/09</a:t>
+              <a:t>2009.01.22</a:t>
             </a:fld>
             <a:endParaRPr lang="lt-LT"/>
           </a:p>
@@ -1930,7 +1993,9 @@
         <p:spPr/>
         <p:txBody>
           <a:bodyPr/>
-          <a:lstStyle/>
+          <a:lstStyle>
+            <a:extLst/>
+          </a:lstStyle>
           <a:p>
             <a:endParaRPr lang="lt-LT"/>
           </a:p>
@@ -1949,7 +2014,9 @@
         <p:spPr/>
         <p:txBody>
           <a:bodyPr/>
-          <a:lstStyle/>
+          <a:lstStyle>
+            <a:extLst/>
+          </a:lstStyle>
           <a:p>
             <a:fld id="{D01D3B16-9DD8-4C37-8DF4-243418B31B2B}" type="slidenum">
               <a:rPr lang="lt-LT" smtClean="0"/>
@@ -1973,7 +2040,9 @@
         <p:spPr/>
         <p:txBody>
           <a:bodyPr rtlCol="0"/>
-          <a:lstStyle/>
+          <a:lstStyle>
+            <a:extLst/>
+          </a:lstStyle>
           <a:p>
             <a:r>
               <a:rPr kumimoji="0" lang="en-US" smtClean="0"/>
@@ -1992,7 +2061,7 @@
 </file>
 
 <file path=ppt/slideLayouts/slideLayout5.xml><?xml version="1.0" encoding="utf-8"?>
-<p:sldLayout xmlns:a="http://schemas.openxmlformats.org/drawingml/2006/main" xmlns:r="http://schemas.openxmlformats.org/officeDocument/2006/relationships" xmlns:mc="http://schemas.openxmlformats.org/markup-compatibility/2006" xmlns:mv="urn:schemas-microsoft-com:mac:vml" xmlns:p="http://schemas.openxmlformats.org/presentationml/2006/main" mc:Ignorable="mv" mc:PreserveAttributes="mv:*" showMasterSp="0" type="twoTxTwoObj" preserve="1">
+<p:sldLayout xmlns:a="http://schemas.openxmlformats.org/drawingml/2006/main" xmlns:r="http://schemas.openxmlformats.org/officeDocument/2006/relationships" xmlns:p="http://schemas.openxmlformats.org/presentationml/2006/main" showMasterSp="0" type="twoTxTwoObj" preserve="1">
   <p:cSld name="Comparison">
     <p:bg>
       <p:bgRef idx="1003">
@@ -2035,6 +2104,7 @@
             <a:lvl1pPr>
               <a:defRPr/>
             </a:lvl1pPr>
+            <a:extLst/>
           </a:lstStyle>
           <a:p>
             <a:r>
@@ -2097,6 +2167,7 @@
               <a:buNone/>
               <a:defRPr sz="1600" b="1"/>
             </a:lvl5pPr>
+            <a:extLst/>
           </a:lstStyle>
           <a:p>
             <a:pPr lvl="0" eaLnBrk="1" latinLnBrk="0" hangingPunct="1"/>
@@ -2159,6 +2230,7 @@
               <a:buNone/>
               <a:defRPr sz="1600" b="1"/>
             </a:lvl5pPr>
+            <a:extLst/>
           </a:lstStyle>
           <a:p>
             <a:pPr lvl="0" eaLnBrk="1" latinLnBrk="0" hangingPunct="1"/>
@@ -2208,6 +2280,7 @@
             <a:lvl5pPr>
               <a:defRPr sz="1600"/>
             </a:lvl5pPr>
+            <a:extLst/>
           </a:lstStyle>
           <a:p>
             <a:pPr lvl="0" eaLnBrk="1" latinLnBrk="0" hangingPunct="1"/>
@@ -2289,6 +2362,7 @@
             <a:lvl5pPr>
               <a:defRPr sz="1600"/>
             </a:lvl5pPr>
+            <a:extLst/>
           </a:lstStyle>
           <a:p>
             <a:pPr lvl="0" eaLnBrk="1" latinLnBrk="0" hangingPunct="1"/>
@@ -2341,12 +2415,14 @@
         <p:spPr/>
         <p:txBody>
           <a:bodyPr/>
-          <a:lstStyle/>
+          <a:lstStyle>
+            <a:extLst/>
+          </a:lstStyle>
           <a:p>
             <a:fld id="{8900D071-D45E-4DB1-8026-6607FD7943F8}" type="datetimeFigureOut">
               <a:rPr lang="lt-LT" smtClean="0"/>
               <a:pPr/>
-              <a:t>1/22/09</a:t>
+              <a:t>2009.01.22</a:t>
             </a:fld>
             <a:endParaRPr lang="lt-LT"/>
           </a:p>
@@ -2365,7 +2441,9 @@
         <p:spPr/>
         <p:txBody>
           <a:bodyPr/>
-          <a:lstStyle/>
+          <a:lstStyle>
+            <a:extLst/>
+          </a:lstStyle>
           <a:p>
             <a:endParaRPr lang="lt-LT"/>
           </a:p>
@@ -2384,7 +2462,9 @@
         <p:spPr/>
         <p:txBody>
           <a:bodyPr/>
-          <a:lstStyle/>
+          <a:lstStyle>
+            <a:extLst/>
+          </a:lstStyle>
           <a:p>
             <a:fld id="{D01D3B16-9DD8-4C37-8DF4-243418B31B2B}" type="slidenum">
               <a:rPr lang="lt-LT" smtClean="0"/>
@@ -2404,7 +2484,7 @@
 </file>
 
 <file path=ppt/slideLayouts/slideLayout6.xml><?xml version="1.0" encoding="utf-8"?>
-<p:sldLayout xmlns:a="http://schemas.openxmlformats.org/drawingml/2006/main" xmlns:r="http://schemas.openxmlformats.org/officeDocument/2006/relationships" xmlns:mc="http://schemas.openxmlformats.org/markup-compatibility/2006" xmlns:mv="urn:schemas-microsoft-com:mac:vml" xmlns:p="http://schemas.openxmlformats.org/presentationml/2006/main" mc:Ignorable="mv" mc:PreserveAttributes="mv:*" type="titleOnly" preserve="1">
+<p:sldLayout xmlns:a="http://schemas.openxmlformats.org/drawingml/2006/main" xmlns:r="http://schemas.openxmlformats.org/officeDocument/2006/relationships" xmlns:p="http://schemas.openxmlformats.org/presentationml/2006/main" type="titleOnly" preserve="1">
   <p:cSld name="Title Only">
     <p:bg>
       <p:bgRef idx="1002">
@@ -2438,12 +2518,14 @@
         <p:spPr/>
         <p:txBody>
           <a:bodyPr/>
-          <a:lstStyle/>
+          <a:lstStyle>
+            <a:extLst/>
+          </a:lstStyle>
           <a:p>
             <a:fld id="{8900D071-D45E-4DB1-8026-6607FD7943F8}" type="datetimeFigureOut">
               <a:rPr lang="lt-LT" smtClean="0"/>
               <a:pPr/>
-              <a:t>1/22/09</a:t>
+              <a:t>2009.01.22</a:t>
             </a:fld>
             <a:endParaRPr lang="lt-LT"/>
           </a:p>
@@ -2462,7 +2544,9 @@
         <p:spPr/>
         <p:txBody>
           <a:bodyPr/>
-          <a:lstStyle/>
+          <a:lstStyle>
+            <a:extLst/>
+          </a:lstStyle>
           <a:p>
             <a:endParaRPr lang="lt-LT"/>
           </a:p>
@@ -2481,7 +2565,9 @@
         <p:spPr/>
         <p:txBody>
           <a:bodyPr/>
-          <a:lstStyle/>
+          <a:lstStyle>
+            <a:extLst/>
+          </a:lstStyle>
           <a:p>
             <a:fld id="{D01D3B16-9DD8-4C37-8DF4-243418B31B2B}" type="slidenum">
               <a:rPr lang="lt-LT" smtClean="0"/>
@@ -2505,7 +2591,9 @@
         <p:spPr/>
         <p:txBody>
           <a:bodyPr rtlCol="0"/>
-          <a:lstStyle/>
+          <a:lstStyle>
+            <a:extLst/>
+          </a:lstStyle>
           <a:p>
             <a:r>
               <a:rPr kumimoji="0" lang="en-US" smtClean="0"/>
@@ -2524,7 +2612,7 @@
 </file>
 
 <file path=ppt/slideLayouts/slideLayout7.xml><?xml version="1.0" encoding="utf-8"?>
-<p:sldLayout xmlns:a="http://schemas.openxmlformats.org/drawingml/2006/main" xmlns:r="http://schemas.openxmlformats.org/officeDocument/2006/relationships" xmlns:mc="http://schemas.openxmlformats.org/markup-compatibility/2006" xmlns:mv="urn:schemas-microsoft-com:mac:vml" xmlns:p="http://schemas.openxmlformats.org/presentationml/2006/main" mc:Ignorable="mv" mc:PreserveAttributes="mv:*" type="blank" preserve="1">
+<p:sldLayout xmlns:a="http://schemas.openxmlformats.org/drawingml/2006/main" xmlns:r="http://schemas.openxmlformats.org/officeDocument/2006/relationships" xmlns:p="http://schemas.openxmlformats.org/presentationml/2006/main" type="blank" preserve="1">
   <p:cSld name="Blank">
     <p:spTree>
       <p:nvGrpSpPr>
@@ -2553,12 +2641,14 @@
         <p:spPr/>
         <p:txBody>
           <a:bodyPr/>
-          <a:lstStyle/>
+          <a:lstStyle>
+            <a:extLst/>
+          </a:lstStyle>
           <a:p>
             <a:fld id="{8900D071-D45E-4DB1-8026-6607FD7943F8}" type="datetimeFigureOut">
               <a:rPr lang="lt-LT" smtClean="0"/>
               <a:pPr/>
-              <a:t>1/22/09</a:t>
+              <a:t>2009.01.22</a:t>
             </a:fld>
             <a:endParaRPr lang="lt-LT"/>
           </a:p>
@@ -2577,7 +2667,9 @@
         <p:spPr/>
         <p:txBody>
           <a:bodyPr/>
-          <a:lstStyle/>
+          <a:lstStyle>
+            <a:extLst/>
+          </a:lstStyle>
           <a:p>
             <a:endParaRPr lang="lt-LT"/>
           </a:p>
@@ -2596,7 +2688,9 @@
         <p:spPr/>
         <p:txBody>
           <a:bodyPr/>
-          <a:lstStyle/>
+          <a:lstStyle>
+            <a:extLst/>
+          </a:lstStyle>
           <a:p>
             <a:fld id="{D01D3B16-9DD8-4C37-8DF4-243418B31B2B}" type="slidenum">
               <a:rPr lang="lt-LT" smtClean="0"/>
@@ -2616,7 +2710,7 @@
 </file>
 
 <file path=ppt/slideLayouts/slideLayout8.xml><?xml version="1.0" encoding="utf-8"?>
-<p:sldLayout xmlns:a="http://schemas.openxmlformats.org/drawingml/2006/main" xmlns:r="http://schemas.openxmlformats.org/officeDocument/2006/relationships" xmlns:mc="http://schemas.openxmlformats.org/markup-compatibility/2006" xmlns:mv="urn:schemas-microsoft-com:mac:vml" xmlns:p="http://schemas.openxmlformats.org/presentationml/2006/main" mc:Ignorable="mv" mc:PreserveAttributes="mv:*" showMasterSp="0" type="objTx" preserve="1">
+<p:sldLayout xmlns:a="http://schemas.openxmlformats.org/drawingml/2006/main" xmlns:r="http://schemas.openxmlformats.org/officeDocument/2006/relationships" xmlns:p="http://schemas.openxmlformats.org/presentationml/2006/main" showMasterSp="0" type="objTx" preserve="1">
   <p:cSld name="Content with Caption">
     <p:bg>
       <p:bgRef idx="1003">
@@ -2670,6 +2764,7 @@
                 <a:effectLst/>
               </a:defRPr>
             </a:lvl1pPr>
+            <a:extLst/>
           </a:lstStyle>
           <a:p>
             <a:r>
@@ -2719,6 +2814,7 @@
               <a:buNone/>
               <a:defRPr sz="900"/>
             </a:lvl5pPr>
+            <a:extLst/>
           </a:lstStyle>
           <a:p>
             <a:pPr lvl="0" eaLnBrk="1" latinLnBrk="0" hangingPunct="1"/>
@@ -2763,6 +2859,7 @@
             <a:lvl5pPr>
               <a:defRPr sz="2000"/>
             </a:lvl5pPr>
+            <a:extLst/>
           </a:lstStyle>
           <a:p>
             <a:pPr lvl="0" eaLnBrk="1" latinLnBrk="0" hangingPunct="1"/>
@@ -2820,12 +2917,14 @@
         </p:spPr>
         <p:txBody>
           <a:bodyPr/>
-          <a:lstStyle/>
+          <a:lstStyle>
+            <a:extLst/>
+          </a:lstStyle>
           <a:p>
             <a:fld id="{8900D071-D45E-4DB1-8026-6607FD7943F8}" type="datetimeFigureOut">
               <a:rPr lang="lt-LT" smtClean="0"/>
               <a:pPr/>
-              <a:t>1/22/09</a:t>
+              <a:t>2009.01.22</a:t>
             </a:fld>
             <a:endParaRPr lang="lt-LT"/>
           </a:p>
@@ -2844,7 +2943,9 @@
         <p:spPr/>
         <p:txBody>
           <a:bodyPr/>
-          <a:lstStyle/>
+          <a:lstStyle>
+            <a:extLst/>
+          </a:lstStyle>
           <a:p>
             <a:endParaRPr lang="lt-LT"/>
           </a:p>
@@ -2863,7 +2964,9 @@
         <p:spPr/>
         <p:txBody>
           <a:bodyPr/>
-          <a:lstStyle/>
+          <a:lstStyle>
+            <a:extLst/>
+          </a:lstStyle>
           <a:p>
             <a:fld id="{D01D3B16-9DD8-4C37-8DF4-243418B31B2B}" type="slidenum">
               <a:rPr lang="lt-LT" smtClean="0"/>
@@ -2883,7 +2986,7 @@
 </file>
 
 <file path=ppt/slideLayouts/slideLayout9.xml><?xml version="1.0" encoding="utf-8"?>
-<p:sldLayout xmlns:a="http://schemas.openxmlformats.org/drawingml/2006/main" xmlns:r="http://schemas.openxmlformats.org/officeDocument/2006/relationships" xmlns:mc="http://schemas.openxmlformats.org/markup-compatibility/2006" xmlns:mv="urn:schemas-microsoft-com:mac:vml" xmlns:p="http://schemas.openxmlformats.org/presentationml/2006/main" mc:Ignorable="mv" mc:PreserveAttributes="mv:*" showMasterSp="0" type="picTx" preserve="1">
+<p:sldLayout xmlns:a="http://schemas.openxmlformats.org/drawingml/2006/main" xmlns:r="http://schemas.openxmlformats.org/officeDocument/2006/relationships" xmlns:p="http://schemas.openxmlformats.org/presentationml/2006/main" showMasterSp="0" type="picTx" preserve="1">
   <p:cSld name="Picture with Caption">
     <p:bg>
       <p:bgRef idx="1002">
@@ -2940,6 +3043,7 @@
             <a:lvl5pPr>
               <a:defRPr sz="900"/>
             </a:lvl5pPr>
+            <a:extLst/>
           </a:lstStyle>
           <a:p>
             <a:pPr lvl="0" eaLnBrk="1" latinLnBrk="0" hangingPunct="1"/>
@@ -2989,6 +3093,7 @@
               <a:buNone/>
               <a:defRPr sz="3200"/>
             </a:lvl1pPr>
+            <a:extLst/>
           </a:lstStyle>
           <a:p>
             <a:r>
@@ -3020,12 +3125,13 @@
                 </a:solidFill>
               </a:defRPr>
             </a:lvl1pPr>
+            <a:extLst/>
           </a:lstStyle>
           <a:p>
             <a:fld id="{8900D071-D45E-4DB1-8026-6607FD7943F8}" type="datetimeFigureOut">
               <a:rPr lang="lt-LT" smtClean="0"/>
               <a:pPr/>
-              <a:t>1/22/09</a:t>
+              <a:t>2009.01.22</a:t>
             </a:fld>
             <a:endParaRPr lang="lt-LT"/>
           </a:p>
@@ -3057,6 +3163,7 @@
                 </a:solidFill>
               </a:defRPr>
             </a:lvl1pPr>
+            <a:extLst/>
           </a:lstStyle>
           <a:p>
             <a:endParaRPr lang="lt-LT"/>
@@ -3084,6 +3191,7 @@
                 </a:solidFill>
               </a:defRPr>
             </a:lvl1pPr>
+            <a:extLst/>
           </a:lstStyle>
           <a:p>
             <a:fld id="{D01D3B16-9DD8-4C37-8DF4-243418B31B2B}" type="slidenum">
@@ -3132,6 +3240,7 @@
                 </a:effectLst>
               </a:defRPr>
             </a:lvl1pPr>
+            <a:extLst/>
           </a:lstStyle>
           <a:p>
             <a:r>
@@ -3218,7 +3327,9 @@
         </p:spPr>
         <p:txBody>
           <a:bodyPr vert="horz" wrap="square" lIns="91440" tIns="45720" rIns="91440" bIns="45720" anchor="t" compatLnSpc="1"/>
-          <a:lstStyle/>
+          <a:lstStyle>
+            <a:extLst/>
+          </a:lstStyle>
           <a:p>
             <a:endParaRPr kumimoji="0" lang="en-US" dirty="0"/>
           </a:p>
@@ -3298,7 +3409,9 @@
         </p:spPr>
         <p:txBody>
           <a:bodyPr vert="horz" wrap="square" lIns="91440" tIns="45720" rIns="91440" bIns="45720" anchor="t" compatLnSpc="1"/>
-          <a:lstStyle/>
+          <a:lstStyle>
+            <a:extLst/>
+          </a:lstStyle>
           <a:p>
             <a:endParaRPr kumimoji="0" lang="en-US" dirty="0"/>
           </a:p>
@@ -3406,7 +3519,9 @@
         </p:style>
         <p:txBody>
           <a:bodyPr vert="horz" wrap="square" lIns="91440" tIns="45720" rIns="91440" bIns="45720" anchor="ctr" compatLnSpc="1"/>
-          <a:lstStyle/>
+          <a:lstStyle>
+            <a:extLst/>
+          </a:lstStyle>
           <a:p>
             <a:pPr algn="ctr" eaLnBrk="1" latinLnBrk="0" hangingPunct="1"/>
             <a:endParaRPr kumimoji="0" lang="en-US" dirty="0"/>
@@ -3537,7 +3652,9 @@
         </p:style>
         <p:txBody>
           <a:bodyPr anchor="ctr"/>
-          <a:lstStyle/>
+          <a:lstStyle>
+            <a:extLst/>
+          </a:lstStyle>
           <a:p>
             <a:pPr algn="l" eaLnBrk="1" latinLnBrk="0" hangingPunct="1"/>
             <a:endParaRPr kumimoji="0" lang="en-US" dirty="0"/>
@@ -3615,7 +3732,9 @@
         </p:style>
         <p:txBody>
           <a:bodyPr anchor="ctr"/>
-          <a:lstStyle/>
+          <a:lstStyle>
+            <a:extLst/>
+          </a:lstStyle>
           <a:p>
             <a:pPr algn="l" eaLnBrk="1" latinLnBrk="0" hangingPunct="1"/>
             <a:endParaRPr kumimoji="0" lang="en-US" dirty="0"/>
@@ -3631,7 +3750,7 @@
 </file>
 
 <file path=ppt/slideMasters/slideMaster1.xml><?xml version="1.0" encoding="utf-8"?>
-<p:sldMaster xmlns:a="http://schemas.openxmlformats.org/drawingml/2006/main" xmlns:r="http://schemas.openxmlformats.org/officeDocument/2006/relationships" xmlns:mc="http://schemas.openxmlformats.org/markup-compatibility/2006" xmlns:mv="urn:schemas-microsoft-com:mac:vml" xmlns:p="http://schemas.openxmlformats.org/presentationml/2006/main" mc:Ignorable="mv" mc:PreserveAttributes="mv:*">
+<p:sldMaster xmlns:a="http://schemas.openxmlformats.org/drawingml/2006/main" xmlns:r="http://schemas.openxmlformats.org/officeDocument/2006/relationships" xmlns:p="http://schemas.openxmlformats.org/presentationml/2006/main">
   <p:cSld>
     <p:bg>
       <p:bgRef idx="1001">
@@ -3728,7 +3847,9 @@
         </p:spPr>
         <p:txBody>
           <a:bodyPr vert="horz" wrap="square" lIns="91440" tIns="45720" rIns="91440" bIns="45720" anchor="t" compatLnSpc="1"/>
-          <a:lstStyle/>
+          <a:lstStyle>
+            <a:extLst/>
+          </a:lstStyle>
           <a:p>
             <a:endParaRPr kumimoji="0" lang="en-US" dirty="0"/>
           </a:p>
@@ -3808,7 +3929,9 @@
         </p:spPr>
         <p:txBody>
           <a:bodyPr vert="horz" wrap="square" lIns="91440" tIns="45720" rIns="91440" bIns="45720" anchor="t" compatLnSpc="1"/>
-          <a:lstStyle/>
+          <a:lstStyle>
+            <a:extLst/>
+          </a:lstStyle>
           <a:p>
             <a:endParaRPr kumimoji="0" lang="en-US" dirty="0"/>
           </a:p>
@@ -3916,7 +4039,9 @@
         </p:style>
         <p:txBody>
           <a:bodyPr vert="horz" wrap="square" lIns="91440" tIns="45720" rIns="91440" bIns="45720" anchor="ctr" compatLnSpc="1"/>
-          <a:lstStyle/>
+          <a:lstStyle>
+            <a:extLst/>
+          </a:lstStyle>
           <a:p>
             <a:pPr algn="ctr" eaLnBrk="1" latinLnBrk="0" hangingPunct="1"/>
             <a:endParaRPr kumimoji="0" lang="en-US" dirty="0"/>
@@ -4006,7 +4131,9 @@
               <a:bevelT w="25400" h="25400"/>
             </a:sp3d>
           </a:bodyPr>
-          <a:lstStyle/>
+          <a:lstStyle>
+            <a:extLst/>
+          </a:lstStyle>
           <a:p>
             <a:r>
               <a:rPr kumimoji="0" lang="en-US" smtClean="0"/>
@@ -4039,7 +4166,9 @@
           <a:bodyPr vert="horz">
             <a:normAutofit/>
           </a:bodyPr>
-          <a:lstStyle/>
+          <a:lstStyle>
+            <a:extLst/>
+          </a:lstStyle>
           <a:p>
             <a:pPr lvl="0" eaLnBrk="1" latinLnBrk="0" hangingPunct="1"/>
             <a:r>
@@ -4107,12 +4236,13 @@
                 </a:solidFill>
               </a:defRPr>
             </a:lvl1pPr>
+            <a:extLst/>
           </a:lstStyle>
           <a:p>
             <a:fld id="{8900D071-D45E-4DB1-8026-6607FD7943F8}" type="datetimeFigureOut">
               <a:rPr lang="lt-LT" smtClean="0"/>
               <a:pPr/>
-              <a:t>1/22/09</a:t>
+              <a:t>2009.01.22</a:t>
             </a:fld>
             <a:endParaRPr lang="lt-LT"/>
           </a:p>
@@ -4147,6 +4277,7 @@
                 </a:solidFill>
               </a:defRPr>
             </a:lvl1pPr>
+            <a:extLst/>
           </a:lstStyle>
           <a:p>
             <a:endParaRPr lang="lt-LT"/>
@@ -4182,6 +4313,7 @@
                 </a:solidFill>
               </a:defRPr>
             </a:lvl1pPr>
+            <a:extLst/>
           </a:lstStyle>
           <a:p>
             <a:fld id="{D01D3B16-9DD8-4C37-8DF4-243418B31B2B}" type="slidenum">
@@ -4232,6 +4364,7 @@
           <a:cs typeface="+mj-cs"/>
         </a:defRPr>
       </a:lvl1pPr>
+      <a:extLst/>
     </p:titleStyle>
     <p:bodyStyle>
       <a:lvl1pPr marL="365760" indent="-256032" algn="l" rtl="0" eaLnBrk="1" latinLnBrk="0" hangingPunct="1">
@@ -4401,6 +4534,7 @@
           <a:cs typeface="+mn-cs"/>
         </a:defRPr>
       </a:lvl9pPr>
+      <a:extLst/>
     </p:bodyStyle>
     <p:otherStyle>
       <a:lvl1pPr marL="0" algn="l" rtl="0" eaLnBrk="1" latinLnBrk="0" hangingPunct="1">
@@ -4493,13 +4627,14 @@
           <a:cs typeface="+mn-cs"/>
         </a:defRPr>
       </a:lvl9pPr>
+      <a:extLst/>
     </p:otherStyle>
   </p:txStyles>
 </p:sldMaster>
 </file>
 
 <file path=ppt/slides/slide1.xml><?xml version="1.0" encoding="utf-8"?>
-<p:sld xmlns:a="http://schemas.openxmlformats.org/drawingml/2006/main" xmlns:r="http://schemas.openxmlformats.org/officeDocument/2006/relationships" xmlns:mc="http://schemas.openxmlformats.org/markup-compatibility/2006" xmlns:mv="urn:schemas-microsoft-com:mac:vml" xmlns:p="http://schemas.openxmlformats.org/presentationml/2006/main" mc:Ignorable="mv" mc:PreserveAttributes="mv:*">
+<p:sld xmlns:a="http://schemas.openxmlformats.org/drawingml/2006/main" xmlns:r="http://schemas.openxmlformats.org/officeDocument/2006/relationships" xmlns:p="http://schemas.openxmlformats.org/presentationml/2006/main">
   <p:cSld>
     <p:spTree>
       <p:nvGrpSpPr>
@@ -4596,7 +4731,7 @@
 </file>
 
 <file path=ppt/slides/slide10.xml><?xml version="1.0" encoding="utf-8"?>
-<p:sld xmlns:a="http://schemas.openxmlformats.org/drawingml/2006/main" xmlns:r="http://schemas.openxmlformats.org/officeDocument/2006/relationships" xmlns:mc="http://schemas.openxmlformats.org/markup-compatibility/2006" xmlns:mv="urn:schemas-microsoft-com:mac:vml" xmlns:p="http://schemas.openxmlformats.org/presentationml/2006/main" mc:Ignorable="mv" mc:PreserveAttributes="mv:*" showMasterSp="0" show="0">
+<p:sld xmlns:a="http://schemas.openxmlformats.org/drawingml/2006/main" xmlns:r="http://schemas.openxmlformats.org/officeDocument/2006/relationships" xmlns:p="http://schemas.openxmlformats.org/presentationml/2006/main">
   <p:cSld>
     <p:spTree>
       <p:nvGrpSpPr>
@@ -4622,40 +4757,55 @@
             <p:ph idx="1"/>
           </p:nvPr>
         </p:nvSpPr>
-        <p:spPr/>
+        <p:spPr>
+          <a:xfrm>
+            <a:off x="457200" y="1481328"/>
+            <a:ext cx="8229600" cy="1376167"/>
+          </a:xfrm>
+        </p:spPr>
         <p:txBody>
           <a:bodyPr>
-            <a:normAutofit lnSpcReduction="10000"/>
+            <a:normAutofit/>
           </a:bodyPr>
           <a:lstStyle/>
           <a:p>
             <a:r>
               <a:rPr lang="en-US" dirty="0" smtClean="0"/>
-              <a:t>The anatomy based technique tries to mimic the muscle structure of a human. Normally 3 layers are used: skeleton, </a:t>
-            </a:r>
-            <a:r>
-              <a:rPr lang="en-US" dirty="0" err="1" smtClean="0"/>
-              <a:t>muscles+fat</a:t>
-            </a:r>
-            <a:r>
-              <a:rPr lang="en-US" dirty="0" smtClean="0"/>
-              <a:t>, skin. This approach usually works by layering</a:t>
-            </a:r>
-          </a:p>
-          <a:p>
-            <a:r>
-              <a:rPr lang="en-US" dirty="0" smtClean="0"/>
-              <a:t>Individual muscles on the skeleton deform (stretch or bulge) following the motion of the skeleton. The final skin takes the overall shape of the muscle and fat layer of the animated character body.</a:t>
-            </a:r>
-          </a:p>
-          <a:p>
-            <a:r>
-              <a:rPr lang="en-US" dirty="0" smtClean="0"/>
-              <a:t>Hard to implement as need big accuracy on following realistic muscle deformations.</a:t>
-            </a:r>
-          </a:p>
-          <a:p>
+              <a:t>Parametric representation of the line:</a:t>
+            </a:r>
+          </a:p>
+          <a:p>
+            <a:pPr lvl="1"/>
+            <a:r>
+              <a:rPr lang="lt-LT" i="1" dirty="0" smtClean="0"/>
+              <a:t>L(t)</a:t>
+            </a:r>
+            <a:r>
+              <a:rPr lang="lt-LT" dirty="0" smtClean="0"/>
+              <a:t> = A + b</a:t>
+            </a:r>
+            <a:r>
+              <a:rPr lang="en-US" dirty="0" smtClean="0"/>
+              <a:t> * </a:t>
+            </a:r>
+            <a:r>
+              <a:rPr lang="lt-LT" dirty="0" smtClean="0"/>
+              <a:t>t</a:t>
+            </a:r>
             <a:endParaRPr lang="en-US" dirty="0" smtClean="0"/>
+          </a:p>
+          <a:p>
+            <a:pPr lvl="1">
+              <a:buNone/>
+            </a:pPr>
+            <a:r>
+              <a:rPr lang="en-US" sz="1800" dirty="0" smtClean="0"/>
+              <a:t>A – starting point, b = A – B vector, t - parameter</a:t>
+            </a:r>
+            <a:endParaRPr lang="lt-LT" sz="1800" dirty="0" smtClean="0"/>
+          </a:p>
+          <a:p>
+            <a:endParaRPr lang="lt-LT" dirty="0"/>
           </a:p>
         </p:txBody>
       </p:sp>
@@ -4678,7 +4828,76 @@
           <a:p>
             <a:r>
               <a:rPr lang="en-US" dirty="0" smtClean="0"/>
-              <a:t>Hidden. Anatomy based skin deformation</a:t>
+              <a:t>Parametric representation of lines in 3D</a:t>
+            </a:r>
+            <a:r>
+              <a:rPr lang="lt-LT" dirty="0" smtClean="0"/>
+              <a:t> space</a:t>
+            </a:r>
+            <a:endParaRPr lang="lt-LT" dirty="0"/>
+          </a:p>
+        </p:txBody>
+      </p:sp>
+      <p:pic>
+        <p:nvPicPr>
+          <p:cNvPr id="2050" name="Picture 2" descr="C:\Mano\Mokslai\Universitetas\5 Semestras\Project\cvg01\docs\Report\images\lines3d.jpg"/>
+          <p:cNvPicPr>
+            <a:picLocks noChangeAspect="1" noChangeArrowheads="1"/>
+          </p:cNvPicPr>
+          <p:nvPr/>
+        </p:nvPicPr>
+        <p:blipFill>
+          <a:blip r:embed="rId2"/>
+          <a:srcRect/>
+          <a:stretch>
+            <a:fillRect/>
+          </a:stretch>
+        </p:blipFill>
+        <p:spPr bwMode="auto">
+          <a:xfrm>
+            <a:off x="4459314" y="2714620"/>
+            <a:ext cx="4684685" cy="3929090"/>
+          </a:xfrm>
+          <a:prstGeom prst="rect">
+            <a:avLst/>
+          </a:prstGeom>
+          <a:noFill/>
+        </p:spPr>
+      </p:pic>
+      <p:sp>
+        <p:nvSpPr>
+          <p:cNvPr id="6" name="TextBox 5"/>
+          <p:cNvSpPr txBox="1"/>
+          <p:nvPr/>
+        </p:nvSpPr>
+        <p:spPr>
+          <a:xfrm>
+            <a:off x="714348" y="2857496"/>
+            <a:ext cx="3786214" cy="1754326"/>
+          </a:xfrm>
+          <a:prstGeom prst="rect">
+            <a:avLst/>
+          </a:prstGeom>
+          <a:noFill/>
+        </p:spPr>
+        <p:txBody>
+          <a:bodyPr wrap="square" rtlCol="0">
+            <a:spAutoFit/>
+          </a:bodyPr>
+          <a:lstStyle/>
+          <a:p>
+            <a:r>
+              <a:rPr lang="en-US" dirty="0" smtClean="0"/>
+              <a:t>A and B could be taken as two points on two separate meshes.</a:t>
+            </a:r>
+          </a:p>
+          <a:p>
+            <a:endParaRPr lang="en-US" dirty="0" smtClean="0"/>
+          </a:p>
+          <a:p>
+            <a:r>
+              <a:rPr lang="en-US" dirty="0" smtClean="0"/>
+              <a:t>By scaling t – proportional vertex positioning along the line is achieved.</a:t>
             </a:r>
             <a:endParaRPr lang="lt-LT" dirty="0"/>
           </a:p>
@@ -4689,12 +4908,18 @@
   <p:clrMapOvr>
     <a:masterClrMapping/>
   </p:clrMapOvr>
-  <p:transition/>
+  <p:timing>
+    <p:tnLst>
+      <p:par>
+        <p:cTn id="1" dur="indefinite" restart="never" nodeType="tmRoot"/>
+      </p:par>
+    </p:tnLst>
+  </p:timing>
 </p:sld>
 </file>
 
 <file path=ppt/slides/slide11.xml><?xml version="1.0" encoding="utf-8"?>
-<p:sld xmlns:a="http://schemas.openxmlformats.org/drawingml/2006/main" xmlns:r="http://schemas.openxmlformats.org/officeDocument/2006/relationships" xmlns:mc="http://schemas.openxmlformats.org/markup-compatibility/2006" xmlns:mv="urn:schemas-microsoft-com:mac:vml" xmlns:p="http://schemas.openxmlformats.org/presentationml/2006/main" mc:Ignorable="mv" mc:PreserveAttributes="mv:*" show="0">
+<p:sld xmlns:a="http://schemas.openxmlformats.org/drawingml/2006/main" xmlns:r="http://schemas.openxmlformats.org/officeDocument/2006/relationships" xmlns:p="http://schemas.openxmlformats.org/presentationml/2006/main">
   <p:cSld>
     <p:spTree>
       <p:nvGrpSpPr>
@@ -4722,37 +4947,141 @@
         </p:nvSpPr>
         <p:spPr/>
         <p:txBody>
+          <a:bodyPr/>
+          <a:lstStyle/>
+          <a:p>
+            <a:r>
+              <a:rPr lang="en-US" dirty="0" smtClean="0"/>
+              <a:t>Skin deformations</a:t>
+            </a:r>
+          </a:p>
+          <a:p>
+            <a:pPr lvl="1"/>
+            <a:r>
+              <a:rPr lang="en-US" dirty="0" smtClean="0"/>
+              <a:t>Anatomy (layer) based deformations</a:t>
+            </a:r>
+          </a:p>
+          <a:p>
+            <a:pPr lvl="1"/>
+            <a:r>
+              <a:rPr lang="en-US" dirty="0" smtClean="0"/>
+              <a:t>Direct skin deformation</a:t>
+            </a:r>
+          </a:p>
+          <a:p>
+            <a:pPr lvl="2"/>
+            <a:r>
+              <a:rPr lang="en-US" dirty="0" smtClean="0"/>
+              <a:t>Linear blend skinning</a:t>
+            </a:r>
+          </a:p>
+          <a:p>
+            <a:pPr lvl="2"/>
+            <a:r>
+              <a:rPr lang="en-US" dirty="0" smtClean="0"/>
+              <a:t>Different implementations</a:t>
+            </a:r>
+          </a:p>
+        </p:txBody>
+      </p:sp>
+      <p:sp>
+        <p:nvSpPr>
+          <p:cNvPr id="3" name="Title 2"/>
+          <p:cNvSpPr>
+            <a:spLocks noGrp="1"/>
+          </p:cNvSpPr>
+          <p:nvPr>
+            <p:ph type="title"/>
+          </p:nvPr>
+        </p:nvSpPr>
+        <p:spPr/>
+        <p:txBody>
           <a:bodyPr>
-            <a:normAutofit fontScale="85000" lnSpcReduction="20000"/>
+            <a:normAutofit/>
           </a:bodyPr>
           <a:lstStyle/>
           <a:p>
             <a:r>
-              <a:rPr lang="en-US" dirty="0" smtClean="0"/>
-              <a:t>Deforming skin directly on the movement. LBS was publicly introduced by the game community, remains very popular because of fast computation speeds, but has it’s problems. </a:t>
-            </a:r>
-          </a:p>
-          <a:p>
-            <a:r>
-              <a:rPr lang="en-US" i="1" dirty="0" smtClean="0"/>
-              <a:t>Named differently: Subspace Deformation, “smooth skinning”</a:t>
-            </a:r>
-            <a:endParaRPr lang="en-US" dirty="0" smtClean="0"/>
-          </a:p>
-          <a:p>
-            <a:r>
-              <a:rPr lang="en-US" dirty="0" smtClean="0"/>
-              <a:t>Larger angles cause serious artifacts: collapsing elbow, candy-wrapper.</a:t>
-            </a:r>
-          </a:p>
-          <a:p>
-            <a:r>
-              <a:rPr lang="en-US" dirty="0" smtClean="0"/>
-              <a:t>Solutions: adding extra transformation (joint, maybe also used for muscles), direct assignment of weight around the joint – manual labeling and different formula</a:t>
-            </a:r>
-            <a:r>
-              <a:rPr lang="en-US" sz="2200" i="1" dirty="0" smtClean="0"/>
-              <a:t>, interpolating transformations (using rotation/translation matrices directly in algorithm)  and using quaternions as we did.</a:t>
+              <a:rPr lang="en-US" sz="3600" dirty="0" smtClean="0"/>
+              <a:t>Linear blend skinning</a:t>
+            </a:r>
+            <a:endParaRPr lang="en-US" sz="3600" dirty="0"/>
+          </a:p>
+        </p:txBody>
+      </p:sp>
+    </p:spTree>
+  </p:cSld>
+  <p:clrMapOvr>
+    <a:masterClrMapping/>
+  </p:clrMapOvr>
+  <p:timing>
+    <p:tnLst>
+      <p:par>
+        <p:cTn id="1" dur="indefinite" restart="never" nodeType="tmRoot"/>
+      </p:par>
+    </p:tnLst>
+  </p:timing>
+</p:sld>
+</file>
+
+<file path=ppt/slides/slide12.xml><?xml version="1.0" encoding="utf-8"?>
+<p:sld xmlns:a="http://schemas.openxmlformats.org/drawingml/2006/main" xmlns:r="http://schemas.openxmlformats.org/officeDocument/2006/relationships" xmlns:p="http://schemas.openxmlformats.org/presentationml/2006/main" showMasterSp="0" show="0">
+  <p:cSld>
+    <p:spTree>
+      <p:nvGrpSpPr>
+        <p:cNvPr id="1" name=""/>
+        <p:cNvGrpSpPr/>
+        <p:nvPr/>
+      </p:nvGrpSpPr>
+      <p:grpSpPr>
+        <a:xfrm>
+          <a:off x="0" y="0"/>
+          <a:ext cx="0" cy="0"/>
+          <a:chOff x="0" y="0"/>
+          <a:chExt cx="0" cy="0"/>
+        </a:xfrm>
+      </p:grpSpPr>
+      <p:sp>
+        <p:nvSpPr>
+          <p:cNvPr id="2" name="Content Placeholder 1"/>
+          <p:cNvSpPr>
+            <a:spLocks noGrp="1"/>
+          </p:cNvSpPr>
+          <p:nvPr>
+            <p:ph idx="1"/>
+          </p:nvPr>
+        </p:nvSpPr>
+        <p:spPr/>
+        <p:txBody>
+          <a:bodyPr>
+            <a:normAutofit lnSpcReduction="10000"/>
+          </a:bodyPr>
+          <a:lstStyle/>
+          <a:p>
+            <a:r>
+              <a:rPr lang="en-US" dirty="0" smtClean="0"/>
+              <a:t>The anatomy based technique tries to mimic the muscle structure of a human. Normally 3 layers are used: skeleton, </a:t>
+            </a:r>
+            <a:r>
+              <a:rPr lang="en-US" dirty="0" err="1" smtClean="0"/>
+              <a:t>muscles+fat</a:t>
+            </a:r>
+            <a:r>
+              <a:rPr lang="en-US" dirty="0" smtClean="0"/>
+              <a:t>, skin. This approach usually works by layering</a:t>
+            </a:r>
+          </a:p>
+          <a:p>
+            <a:r>
+              <a:rPr lang="en-US" dirty="0" smtClean="0"/>
+              <a:t>Individual muscles on the skeleton deform (stretch or bulge) following the motion of the skeleton. The final skin takes the overall shape of the muscle and fat layer of the animated character body.</a:t>
+            </a:r>
+          </a:p>
+          <a:p>
+            <a:r>
+              <a:rPr lang="en-US" dirty="0" smtClean="0"/>
+              <a:t>Hard to implement as need big accuracy on following realistic muscle deformations.</a:t>
             </a:r>
           </a:p>
           <a:p>
@@ -4779,7 +5108,7 @@
           <a:p>
             <a:r>
               <a:rPr lang="en-US" dirty="0" smtClean="0"/>
-              <a:t>Hidden. Direct skin deformation</a:t>
+              <a:t>Hidden. Anatomy based skin deformation</a:t>
             </a:r>
             <a:endParaRPr lang="lt-LT" dirty="0"/>
           </a:p>
@@ -4794,8 +5123,109 @@
 </p:sld>
 </file>
 
-<file path=ppt/slides/slide12.xml><?xml version="1.0" encoding="utf-8"?>
-<p:sld xmlns:a="http://schemas.openxmlformats.org/drawingml/2006/main" xmlns:r="http://schemas.openxmlformats.org/officeDocument/2006/relationships" xmlns:mc="http://schemas.openxmlformats.org/markup-compatibility/2006" xmlns:mv="urn:schemas-microsoft-com:mac:vml" xmlns:p="http://schemas.openxmlformats.org/presentationml/2006/main" mc:Ignorable="mv" mc:PreserveAttributes="mv:*">
+<file path=ppt/slides/slide13.xml><?xml version="1.0" encoding="utf-8"?>
+<p:sld xmlns:a="http://schemas.openxmlformats.org/drawingml/2006/main" xmlns:r="http://schemas.openxmlformats.org/officeDocument/2006/relationships" xmlns:p="http://schemas.openxmlformats.org/presentationml/2006/main" show="0">
+  <p:cSld>
+    <p:spTree>
+      <p:nvGrpSpPr>
+        <p:cNvPr id="1" name=""/>
+        <p:cNvGrpSpPr/>
+        <p:nvPr/>
+      </p:nvGrpSpPr>
+      <p:grpSpPr>
+        <a:xfrm>
+          <a:off x="0" y="0"/>
+          <a:ext cx="0" cy="0"/>
+          <a:chOff x="0" y="0"/>
+          <a:chExt cx="0" cy="0"/>
+        </a:xfrm>
+      </p:grpSpPr>
+      <p:sp>
+        <p:nvSpPr>
+          <p:cNvPr id="2" name="Content Placeholder 1"/>
+          <p:cNvSpPr>
+            <a:spLocks noGrp="1"/>
+          </p:cNvSpPr>
+          <p:nvPr>
+            <p:ph idx="1"/>
+          </p:nvPr>
+        </p:nvSpPr>
+        <p:spPr/>
+        <p:txBody>
+          <a:bodyPr>
+            <a:normAutofit fontScale="85000" lnSpcReduction="20000"/>
+          </a:bodyPr>
+          <a:lstStyle/>
+          <a:p>
+            <a:r>
+              <a:rPr lang="en-US" dirty="0" smtClean="0"/>
+              <a:t>Deforming skin directly on the movement. LBS was publicly introduced by the game community, remains very popular because of fast computation speeds, but has it’s problems. </a:t>
+            </a:r>
+          </a:p>
+          <a:p>
+            <a:r>
+              <a:rPr lang="en-US" i="1" dirty="0" smtClean="0"/>
+              <a:t>Named differently: Subspace Deformation, “smooth skinning”</a:t>
+            </a:r>
+            <a:endParaRPr lang="en-US" dirty="0" smtClean="0"/>
+          </a:p>
+          <a:p>
+            <a:r>
+              <a:rPr lang="en-US" dirty="0" smtClean="0"/>
+              <a:t>Larger angles cause serious artifacts: collapsing elbow, candy-wrapper.</a:t>
+            </a:r>
+          </a:p>
+          <a:p>
+            <a:r>
+              <a:rPr lang="en-US" dirty="0" smtClean="0"/>
+              <a:t>Solutions: adding extra transformation (joint, maybe also used for muscles), direct assignment of weight around the joint – manual labeling and different formula</a:t>
+            </a:r>
+            <a:r>
+              <a:rPr lang="en-US" sz="2200" i="1" dirty="0" smtClean="0"/>
+              <a:t>, interpolating transformations (using rotation/translation matrices directly in algorithm)  and using quaternions as we did.</a:t>
+            </a:r>
+          </a:p>
+          <a:p>
+            <a:endParaRPr lang="en-US" dirty="0" smtClean="0"/>
+          </a:p>
+        </p:txBody>
+      </p:sp>
+      <p:sp>
+        <p:nvSpPr>
+          <p:cNvPr id="3" name="Title 2"/>
+          <p:cNvSpPr>
+            <a:spLocks noGrp="1"/>
+          </p:cNvSpPr>
+          <p:nvPr>
+            <p:ph type="title"/>
+          </p:nvPr>
+        </p:nvSpPr>
+        <p:spPr/>
+        <p:txBody>
+          <a:bodyPr>
+            <a:normAutofit fontScale="90000"/>
+          </a:bodyPr>
+          <a:lstStyle/>
+          <a:p>
+            <a:r>
+              <a:rPr lang="en-US" dirty="0" smtClean="0"/>
+              <a:t>Hidden. Direct skin deformation</a:t>
+            </a:r>
+            <a:endParaRPr lang="lt-LT" dirty="0"/>
+          </a:p>
+        </p:txBody>
+      </p:sp>
+    </p:spTree>
+  </p:cSld>
+  <p:clrMapOvr>
+    <a:masterClrMapping/>
+  </p:clrMapOvr>
+  <p:transition/>
+</p:sld>
+</file>
+
+<file path=ppt/slides/slide14.xml><?xml version="1.0" encoding="utf-8"?>
+<p:sld xmlns:a="http://schemas.openxmlformats.org/drawingml/2006/main" xmlns:r="http://schemas.openxmlformats.org/officeDocument/2006/relationships" xmlns:p="http://schemas.openxmlformats.org/presentationml/2006/main">
   <p:cSld>
     <p:spTree>
       <p:nvGrpSpPr>
@@ -4934,8 +5364,8 @@
 </p:sld>
 </file>
 
-<file path=ppt/slides/slide13.xml><?xml version="1.0" encoding="utf-8"?>
-<p:sld xmlns:a="http://schemas.openxmlformats.org/drawingml/2006/main" xmlns:r="http://schemas.openxmlformats.org/officeDocument/2006/relationships" xmlns:mc="http://schemas.openxmlformats.org/markup-compatibility/2006" xmlns:mv="urn:schemas-microsoft-com:mac:vml" xmlns:p="http://schemas.openxmlformats.org/presentationml/2006/main" mc:Ignorable="mv" mc:PreserveAttributes="mv:*">
+<file path=ppt/slides/slide15.xml><?xml version="1.0" encoding="utf-8"?>
+<p:sld xmlns:a="http://schemas.openxmlformats.org/drawingml/2006/main" xmlns:r="http://schemas.openxmlformats.org/officeDocument/2006/relationships" xmlns:p="http://schemas.openxmlformats.org/presentationml/2006/main">
   <p:cSld>
     <p:spTree>
       <p:nvGrpSpPr>
@@ -5052,8 +5482,8 @@
 </p:sld>
 </file>
 
-<file path=ppt/slides/slide14.xml><?xml version="1.0" encoding="utf-8"?>
-<p:sld xmlns:a="http://schemas.openxmlformats.org/drawingml/2006/main" xmlns:r="http://schemas.openxmlformats.org/officeDocument/2006/relationships" xmlns:mc="http://schemas.openxmlformats.org/markup-compatibility/2006" xmlns:mv="urn:schemas-microsoft-com:mac:vml" xmlns:p="http://schemas.openxmlformats.org/presentationml/2006/main" mc:Ignorable="mv" mc:PreserveAttributes="mv:*">
+<file path=ppt/slides/slide16.xml><?xml version="1.0" encoding="utf-8"?>
+<p:sld xmlns:a="http://schemas.openxmlformats.org/drawingml/2006/main" xmlns:r="http://schemas.openxmlformats.org/officeDocument/2006/relationships" xmlns:p="http://schemas.openxmlformats.org/presentationml/2006/main">
   <p:cSld>
     <p:spTree>
       <p:nvGrpSpPr>
@@ -5094,7 +5524,6 @@
               <a:rPr lang="lt-LT" dirty="0" smtClean="0"/>
               <a:t>Solve the gimbal lock problem.</a:t>
             </a:r>
-            <a:endParaRPr lang="lt-LT" dirty="0" smtClean="0"/>
           </a:p>
           <a:p>
             <a:endParaRPr lang="lt-LT" dirty="0"/>
@@ -5139,8 +5568,8 @@
 </p:sld>
 </file>
 
-<file path=ppt/slides/slide15.xml><?xml version="1.0" encoding="utf-8"?>
-<p:sld xmlns:a="http://schemas.openxmlformats.org/drawingml/2006/main" xmlns:r="http://schemas.openxmlformats.org/officeDocument/2006/relationships" xmlns:mc="http://schemas.openxmlformats.org/markup-compatibility/2006" xmlns:mv="urn:schemas-microsoft-com:mac:vml" xmlns:p="http://schemas.openxmlformats.org/presentationml/2006/main" mc:Ignorable="mv" mc:PreserveAttributes="mv:*">
+<file path=ppt/slides/slide17.xml><?xml version="1.0" encoding="utf-8"?>
+<p:sld xmlns:a="http://schemas.openxmlformats.org/drawingml/2006/main" xmlns:r="http://schemas.openxmlformats.org/officeDocument/2006/relationships" xmlns:p="http://schemas.openxmlformats.org/presentationml/2006/main">
   <p:cSld>
     <p:spTree>
       <p:nvGrpSpPr>
@@ -5187,10 +5616,6 @@
               <a:buNone/>
             </a:pPr>
             <a:r>
-              <a:rPr lang="en-US" dirty="0" smtClean="0"/>
-              <a:t>	</a:t>
-            </a:r>
-            <a:r>
               <a:rPr lang="en-US" dirty="0" err="1" smtClean="0"/>
               <a:t>q</a:t>
             </a:r>
@@ -5248,10 +5673,7 @@
             <a:pPr>
               <a:buNone/>
             </a:pPr>
-            <a:r>
-              <a:rPr lang="en-US" dirty="0" smtClean="0"/>
-              <a:t>	</a:t>
-            </a:r>
+            <a:endParaRPr/>
           </a:p>
           <a:p>
             <a:pPr>
@@ -5259,10 +5681,6 @@
             </a:pPr>
             <a:r>
               <a:rPr lang="en-US" dirty="0" smtClean="0"/>
-              <a:t>	</a:t>
-            </a:r>
-            <a:r>
-              <a:rPr lang="en-US" dirty="0" smtClean="0"/>
               <a:t>a – real dimension</a:t>
             </a:r>
           </a:p>
@@ -5270,10 +5688,6 @@
             <a:pPr>
               <a:buNone/>
             </a:pPr>
-            <a:r>
-              <a:rPr lang="en-US" dirty="0" smtClean="0"/>
-              <a:t>	</a:t>
-            </a:r>
             <a:r>
               <a:rPr lang="en-US" dirty="0" err="1" smtClean="0"/>
               <a:t>i</a:t>
@@ -5394,8 +5808,8 @@
 </p:sld>
 </file>
 
-<file path=ppt/slides/slide16.xml><?xml version="1.0" encoding="utf-8"?>
-<p:sld xmlns:a="http://schemas.openxmlformats.org/drawingml/2006/main" xmlns:r="http://schemas.openxmlformats.org/officeDocument/2006/relationships" xmlns:mc="http://schemas.openxmlformats.org/markup-compatibility/2006" xmlns:mv="urn:schemas-microsoft-com:mac:vml" xmlns:p="http://schemas.openxmlformats.org/presentationml/2006/main" mc:Ignorable="mv" mc:PreserveAttributes="mv:*">
+<file path=ppt/slides/slide18.xml><?xml version="1.0" encoding="utf-8"?>
+<p:sld xmlns:a="http://schemas.openxmlformats.org/drawingml/2006/main" xmlns:r="http://schemas.openxmlformats.org/officeDocument/2006/relationships" xmlns:p="http://schemas.openxmlformats.org/presentationml/2006/main">
   <p:cSld>
     <p:spTree>
       <p:nvGrpSpPr>
@@ -5664,11 +6078,7 @@
             </a:r>
             <a:r>
               <a:rPr lang="en-US" sz="1400" dirty="0" err="1" smtClean="0"/>
-              <a:t>i∗</a:t>
-            </a:r>
-            <a:r>
-              <a:rPr lang="en-US" sz="1400" dirty="0" err="1" smtClean="0"/>
-              <a:t>b</a:t>
+              <a:t>i∗b</a:t>
             </a:r>
             <a:r>
               <a:rPr lang="en-US" sz="1400" dirty="0" smtClean="0"/>
@@ -5720,11 +6130,7 @@
             </a:r>
             <a:r>
               <a:rPr lang="en-US" sz="1400" dirty="0" smtClean="0"/>
-              <a:t>)</a:t>
-            </a:r>
-            <a:r>
-              <a:rPr lang="en-US" sz="1400" dirty="0" smtClean="0"/>
-              <a:t> = </a:t>
+              <a:t>) = </a:t>
             </a:r>
           </a:p>
           <a:p>
@@ -5733,11 +6139,7 @@
             </a:pPr>
             <a:r>
               <a:rPr lang="en-US" sz="1400" dirty="0" smtClean="0"/>
-              <a:t>(</a:t>
-            </a:r>
-            <a:r>
-              <a:rPr lang="en-US" sz="1400" dirty="0" smtClean="0"/>
-              <a:t>a ∗</a:t>
+              <a:t>(a ∗</a:t>
             </a:r>
             <a:r>
               <a:rPr lang="en-US" sz="1400" dirty="0" err="1" smtClean="0"/>
@@ -5805,11 +6207,7 @@
             </a:r>
             <a:r>
               <a:rPr lang="en-US" sz="1400" dirty="0" err="1" smtClean="0"/>
-              <a:t>j∗(a∗</a:t>
-            </a:r>
-            <a:r>
-              <a:rPr lang="en-US" sz="1400" dirty="0" err="1" smtClean="0"/>
-              <a:t>g</a:t>
+              <a:t>j∗(a∗g</a:t>
             </a:r>
             <a:r>
               <a:rPr lang="en-US" sz="1400" dirty="0" smtClean="0"/>
@@ -5845,7 +6243,11 @@
             </a:r>
             <a:r>
               <a:rPr lang="en-US" sz="1400" dirty="0" smtClean="0"/>
-              <a:t>)</a:t>
+              <a:t>) + </a:t>
+            </a:r>
+            <a:r>
+              <a:rPr lang="en-US" sz="1400" dirty="0" err="1" smtClean="0"/>
+              <a:t>k∗(a∗h</a:t>
             </a:r>
             <a:r>
               <a:rPr lang="en-US" sz="1400" dirty="0" smtClean="0"/>
@@ -5853,7 +6255,15 @@
             </a:r>
             <a:r>
               <a:rPr lang="en-US" sz="1400" dirty="0" err="1" smtClean="0"/>
-              <a:t>k∗(a∗h</a:t>
+              <a:t>b∗g</a:t>
+            </a:r>
+            <a:r>
+              <a:rPr lang="en-US" sz="1400" dirty="0" smtClean="0"/>
+              <a:t> - </a:t>
+            </a:r>
+            <a:r>
+              <a:rPr lang="en-US" sz="1400" dirty="0" err="1" smtClean="0"/>
+              <a:t>c∗f</a:t>
             </a:r>
             <a:r>
               <a:rPr lang="en-US" sz="1400" dirty="0" smtClean="0"/>
@@ -5861,35 +6271,7 @@
             </a:r>
             <a:r>
               <a:rPr lang="en-US" sz="1400" dirty="0" err="1" smtClean="0"/>
-              <a:t>b∗g</a:t>
-            </a:r>
-            <a:r>
-              <a:rPr lang="en-US" sz="1400" dirty="0" smtClean="0"/>
-              <a:t> - </a:t>
-            </a:r>
-            <a:r>
-              <a:rPr lang="en-US" sz="1400" dirty="0" err="1" smtClean="0"/>
-              <a:t>c∗</a:t>
-            </a:r>
-            <a:r>
-              <a:rPr lang="en-US" sz="1400" dirty="0" err="1" smtClean="0"/>
-              <a:t>f</a:t>
-            </a:r>
-            <a:r>
-              <a:rPr lang="en-US" sz="1400" dirty="0" smtClean="0"/>
-              <a:t> + </a:t>
-            </a:r>
-            <a:r>
-              <a:rPr lang="en-US" sz="1400" dirty="0" err="1" smtClean="0"/>
-              <a:t>e</a:t>
-            </a:r>
-            <a:r>
-              <a:rPr lang="en-US" sz="1400" dirty="0" err="1" smtClean="0"/>
-              <a:t>∗</a:t>
-            </a:r>
-            <a:r>
-              <a:rPr lang="en-US" sz="1400" dirty="0" err="1" smtClean="0"/>
-              <a:t>d</a:t>
+              <a:t>e∗d</a:t>
             </a:r>
             <a:r>
               <a:rPr lang="en-US" sz="1400" dirty="0" smtClean="0"/>
@@ -5973,8 +6355,8 @@
 </p:sld>
 </file>
 
-<file path=ppt/slides/slide17.xml><?xml version="1.0" encoding="utf-8"?>
-<p:sld xmlns:a="http://schemas.openxmlformats.org/drawingml/2006/main" xmlns:r="http://schemas.openxmlformats.org/officeDocument/2006/relationships" xmlns:mc="http://schemas.openxmlformats.org/markup-compatibility/2006" xmlns:mv="urn:schemas-microsoft-com:mac:vml" xmlns:p="http://schemas.openxmlformats.org/presentationml/2006/main" mc:Ignorable="mv" mc:PreserveAttributes="mv:*">
+<file path=ppt/slides/slide19.xml><?xml version="1.0" encoding="utf-8"?>
+<p:sld xmlns:a="http://schemas.openxmlformats.org/drawingml/2006/main" xmlns:r="http://schemas.openxmlformats.org/officeDocument/2006/relationships" xmlns:p="http://schemas.openxmlformats.org/presentationml/2006/main">
   <p:cSld>
     <p:spTree>
       <p:nvGrpSpPr>
@@ -6028,11 +6410,7 @@
             <a:pPr lvl="1"/>
             <a:r>
               <a:rPr lang="en-US" dirty="0" smtClean="0"/>
-              <a:t>q</a:t>
-            </a:r>
-            <a:r>
-              <a:rPr lang="en-US" dirty="0" smtClean="0"/>
-              <a:t>3 – representation of rotation around Z axis</a:t>
+              <a:t>q3 – representation of rotation around Z axis</a:t>
             </a:r>
           </a:p>
           <a:p>
@@ -6071,410 +6449,6 @@
             <a:r>
               <a:rPr lang="en-US" dirty="0" smtClean="0"/>
               <a:t>. Rotation</a:t>
-            </a:r>
-            <a:endParaRPr lang="en-US" dirty="0"/>
-          </a:p>
-        </p:txBody>
-      </p:sp>
-    </p:spTree>
-  </p:cSld>
-  <p:clrMapOvr>
-    <a:masterClrMapping/>
-  </p:clrMapOvr>
-  <p:timing>
-    <p:tnLst>
-      <p:par>
-        <p:cTn id="1" dur="indefinite" restart="never" nodeType="tmRoot"/>
-      </p:par>
-    </p:tnLst>
-  </p:timing>
-</p:sld>
-</file>
-
-<file path=ppt/slides/slide18.xml><?xml version="1.0" encoding="utf-8"?>
-<p:sld xmlns:a="http://schemas.openxmlformats.org/drawingml/2006/main" xmlns:r="http://schemas.openxmlformats.org/officeDocument/2006/relationships" xmlns:mc="http://schemas.openxmlformats.org/markup-compatibility/2006" xmlns:mv="urn:schemas-microsoft-com:mac:vml" xmlns:p="http://schemas.openxmlformats.org/presentationml/2006/main" mc:Ignorable="mv" mc:PreserveAttributes="mv:*">
-  <p:cSld>
-    <p:spTree>
-      <p:nvGrpSpPr>
-        <p:cNvPr id="1" name=""/>
-        <p:cNvGrpSpPr/>
-        <p:nvPr/>
-      </p:nvGrpSpPr>
-      <p:grpSpPr>
-        <a:xfrm>
-          <a:off x="0" y="0"/>
-          <a:ext cx="0" cy="0"/>
-          <a:chOff x="0" y="0"/>
-          <a:chExt cx="0" cy="0"/>
-        </a:xfrm>
-      </p:grpSpPr>
-      <p:sp>
-        <p:nvSpPr>
-          <p:cNvPr id="2" name="Content Placeholder 1"/>
-          <p:cNvSpPr>
-            <a:spLocks noGrp="1"/>
-          </p:cNvSpPr>
-          <p:nvPr>
-            <p:ph idx="1"/>
-          </p:nvPr>
-        </p:nvSpPr>
-        <p:spPr/>
-        <p:txBody>
-          <a:bodyPr/>
-          <a:lstStyle/>
-          <a:p>
-            <a:r>
-              <a:rPr lang="en-US" dirty="0" err="1" smtClean="0"/>
-              <a:t>q</a:t>
-            </a:r>
-            <a:r>
-              <a:rPr lang="en-US" dirty="0" smtClean="0"/>
-              <a:t> = a + </a:t>
-            </a:r>
-            <a:r>
-              <a:rPr lang="en-US" dirty="0" err="1" smtClean="0"/>
-              <a:t>i</a:t>
-            </a:r>
-            <a:r>
-              <a:rPr lang="en-US" dirty="0" smtClean="0"/>
-              <a:t> * </a:t>
-            </a:r>
-            <a:r>
-              <a:rPr lang="en-US" dirty="0" err="1" smtClean="0"/>
-              <a:t>b</a:t>
-            </a:r>
-            <a:r>
-              <a:rPr lang="en-US" dirty="0" smtClean="0"/>
-              <a:t> + </a:t>
-            </a:r>
-            <a:r>
-              <a:rPr lang="en-US" dirty="0" err="1" smtClean="0"/>
-              <a:t>j</a:t>
-            </a:r>
-            <a:r>
-              <a:rPr lang="en-US" dirty="0" smtClean="0"/>
-              <a:t> * </a:t>
-            </a:r>
-            <a:r>
-              <a:rPr lang="en-US" dirty="0" err="1" smtClean="0"/>
-              <a:t>c</a:t>
-            </a:r>
-            <a:r>
-              <a:rPr lang="en-US" dirty="0" smtClean="0"/>
-              <a:t> + </a:t>
-            </a:r>
-            <a:r>
-              <a:rPr lang="en-US" dirty="0" err="1" smtClean="0"/>
-              <a:t>k</a:t>
-            </a:r>
-            <a:r>
-              <a:rPr lang="en-US" dirty="0" smtClean="0"/>
-              <a:t> *</a:t>
-            </a:r>
-            <a:r>
-              <a:rPr lang="en-US" dirty="0" smtClean="0"/>
-              <a:t> </a:t>
-            </a:r>
-            <a:r>
-              <a:rPr lang="en-US" dirty="0" err="1" smtClean="0"/>
-              <a:t>d</a:t>
-            </a:r>
-            <a:endParaRPr lang="en-US" dirty="0" smtClean="0"/>
-          </a:p>
-          <a:p>
-            <a:pPr lvl="1"/>
-            <a:r>
-              <a:rPr lang="en-US" sz="1800" dirty="0" smtClean="0"/>
-              <a:t>a = </a:t>
-            </a:r>
-            <a:r>
-              <a:rPr lang="en-US" sz="1800" dirty="0" err="1" smtClean="0"/>
-              <a:t>cos</a:t>
-            </a:r>
-            <a:r>
-              <a:rPr lang="en-US" sz="1800" dirty="0" err="1" smtClean="0"/>
-              <a:t>(angle</a:t>
-            </a:r>
-            <a:r>
-              <a:rPr lang="en-US" sz="1800" dirty="0" smtClean="0"/>
-              <a:t> / 2)</a:t>
-            </a:r>
-          </a:p>
-          <a:p>
-            <a:pPr lvl="1"/>
-            <a:r>
-              <a:rPr lang="en-US" sz="1800" dirty="0" err="1" smtClean="0"/>
-              <a:t>b</a:t>
-            </a:r>
-            <a:r>
-              <a:rPr lang="en-US" sz="1800" dirty="0" smtClean="0"/>
-              <a:t> = </a:t>
-            </a:r>
-            <a:r>
-              <a:rPr lang="en-US" sz="1800" dirty="0" err="1" smtClean="0"/>
-              <a:t>axisX</a:t>
-            </a:r>
-            <a:r>
-              <a:rPr lang="en-US" sz="1800" dirty="0" smtClean="0"/>
-              <a:t> * </a:t>
-            </a:r>
-            <a:r>
-              <a:rPr lang="en-US" sz="1800" dirty="0" err="1" smtClean="0"/>
-              <a:t>sin(angle</a:t>
-            </a:r>
-            <a:r>
-              <a:rPr lang="en-US" sz="1800" dirty="0" smtClean="0"/>
-              <a:t> / 2)</a:t>
-            </a:r>
-          </a:p>
-          <a:p>
-            <a:pPr lvl="1"/>
-            <a:r>
-              <a:rPr lang="en-US" sz="1800" dirty="0" err="1" smtClean="0"/>
-              <a:t>c</a:t>
-            </a:r>
-            <a:r>
-              <a:rPr lang="en-US" sz="1800" dirty="0" smtClean="0"/>
-              <a:t> = </a:t>
-            </a:r>
-            <a:r>
-              <a:rPr lang="en-US" sz="1800" dirty="0" err="1" smtClean="0"/>
-              <a:t>axisY</a:t>
-            </a:r>
-            <a:r>
-              <a:rPr lang="en-US" sz="1800" dirty="0" smtClean="0"/>
-              <a:t> * </a:t>
-            </a:r>
-            <a:r>
-              <a:rPr lang="en-US" sz="1800" dirty="0" err="1" smtClean="0"/>
-              <a:t>sin(angle</a:t>
-            </a:r>
-            <a:r>
-              <a:rPr lang="en-US" sz="1800" dirty="0" smtClean="0"/>
-              <a:t> / 2)</a:t>
-            </a:r>
-          </a:p>
-          <a:p>
-            <a:pPr lvl="1"/>
-            <a:r>
-              <a:rPr lang="en-US" sz="1800" dirty="0" err="1" smtClean="0"/>
-              <a:t>d</a:t>
-            </a:r>
-            <a:r>
-              <a:rPr lang="en-US" sz="1800" dirty="0" smtClean="0"/>
-              <a:t> = </a:t>
-            </a:r>
-            <a:r>
-              <a:rPr lang="en-US" sz="1800" dirty="0" err="1" smtClean="0"/>
-              <a:t>axisZ</a:t>
-            </a:r>
-            <a:r>
-              <a:rPr lang="en-US" sz="1800" dirty="0" smtClean="0"/>
-              <a:t> * </a:t>
-            </a:r>
-            <a:r>
-              <a:rPr lang="en-US" sz="1800" dirty="0" err="1" smtClean="0"/>
-              <a:t>sin(angle</a:t>
-            </a:r>
-            <a:r>
-              <a:rPr lang="en-US" sz="1800" dirty="0" smtClean="0"/>
-              <a:t> / 2)</a:t>
-            </a:r>
-          </a:p>
-          <a:p>
-            <a:pPr lvl="1"/>
-            <a:endParaRPr lang="en-US" sz="1800" dirty="0" smtClean="0"/>
-          </a:p>
-          <a:p>
-            <a:pPr lvl="1"/>
-            <a:r>
-              <a:rPr lang="en-US" sz="1800" dirty="0" smtClean="0"/>
-              <a:t>a</a:t>
-            </a:r>
-            <a:r>
-              <a:rPr lang="en-US" sz="1800" dirty="0" smtClean="0"/>
-              <a:t>ngle = </a:t>
-            </a:r>
-            <a:r>
-              <a:rPr lang="en-US" sz="1800" dirty="0" err="1" smtClean="0"/>
-              <a:t>arccos(a</a:t>
-            </a:r>
-            <a:r>
-              <a:rPr lang="en-US" sz="1800" dirty="0" smtClean="0"/>
-              <a:t>) * 2</a:t>
-            </a:r>
-          </a:p>
-          <a:p>
-            <a:pPr lvl="1"/>
-            <a:r>
-              <a:rPr lang="en-US" sz="1800" dirty="0" err="1" smtClean="0"/>
-              <a:t>sinA</a:t>
-            </a:r>
-            <a:r>
-              <a:rPr lang="en-US" sz="1800" dirty="0" smtClean="0"/>
-              <a:t> = sqrt(1 – a*a)</a:t>
-            </a:r>
-          </a:p>
-          <a:p>
-            <a:pPr lvl="1"/>
-            <a:r>
-              <a:rPr lang="en-US" sz="1800" dirty="0" err="1" smtClean="0"/>
-              <a:t>vectorX</a:t>
-            </a:r>
-            <a:r>
-              <a:rPr lang="en-US" sz="1800" dirty="0" smtClean="0"/>
-              <a:t> = </a:t>
-            </a:r>
-            <a:r>
-              <a:rPr lang="en-US" sz="1800" dirty="0" err="1" smtClean="0"/>
-              <a:t>b/sinA</a:t>
-            </a:r>
-            <a:endParaRPr lang="en-US" sz="1800" dirty="0" smtClean="0"/>
-          </a:p>
-          <a:p>
-            <a:pPr lvl="1"/>
-            <a:r>
-              <a:rPr lang="en-US" sz="1800" dirty="0" err="1" smtClean="0"/>
-              <a:t>vectorY</a:t>
-            </a:r>
-            <a:r>
-              <a:rPr lang="en-US" sz="1800" dirty="0" smtClean="0"/>
-              <a:t> = </a:t>
-            </a:r>
-            <a:r>
-              <a:rPr lang="en-US" sz="1800" dirty="0" err="1" smtClean="0"/>
-              <a:t>c/sinA</a:t>
-            </a:r>
-            <a:endParaRPr lang="en-US" sz="1800" dirty="0" smtClean="0"/>
-          </a:p>
-          <a:p>
-            <a:pPr lvl="1"/>
-            <a:r>
-              <a:rPr lang="en-US" sz="1800" dirty="0" err="1" smtClean="0"/>
-              <a:t>vectorZ</a:t>
-            </a:r>
-            <a:r>
-              <a:rPr lang="en-US" sz="1800" dirty="0" smtClean="0"/>
-              <a:t> = </a:t>
-            </a:r>
-            <a:r>
-              <a:rPr lang="en-US" sz="1800" dirty="0" err="1" smtClean="0"/>
-              <a:t>d/sinA</a:t>
-            </a:r>
-            <a:endParaRPr lang="en-US" sz="1800" dirty="0" smtClean="0"/>
-          </a:p>
-        </p:txBody>
-      </p:sp>
-      <p:sp>
-        <p:nvSpPr>
-          <p:cNvPr id="3" name="Title 2"/>
-          <p:cNvSpPr>
-            <a:spLocks noGrp="1"/>
-          </p:cNvSpPr>
-          <p:nvPr>
-            <p:ph type="title"/>
-          </p:nvPr>
-        </p:nvSpPr>
-        <p:spPr/>
-        <p:txBody>
-          <a:bodyPr/>
-          <a:lstStyle/>
-          <a:p>
-            <a:r>
-              <a:rPr lang="en-US" dirty="0" err="1" smtClean="0"/>
-              <a:t>Quaternions</a:t>
-            </a:r>
-            <a:r>
-              <a:rPr lang="en-US" dirty="0" smtClean="0"/>
-              <a:t>. Last bits…</a:t>
-            </a:r>
-            <a:endParaRPr lang="en-US" dirty="0"/>
-          </a:p>
-        </p:txBody>
-      </p:sp>
-    </p:spTree>
-  </p:cSld>
-  <p:clrMapOvr>
-    <a:masterClrMapping/>
-  </p:clrMapOvr>
-  <p:timing>
-    <p:tnLst>
-      <p:par>
-        <p:cTn id="1" dur="indefinite" restart="never" nodeType="tmRoot"/>
-      </p:par>
-    </p:tnLst>
-  </p:timing>
-</p:sld>
-</file>
-
-<file path=ppt/slides/slide19.xml><?xml version="1.0" encoding="utf-8"?>
-<p:sld xmlns:a="http://schemas.openxmlformats.org/drawingml/2006/main" xmlns:r="http://schemas.openxmlformats.org/officeDocument/2006/relationships" xmlns:mc="http://schemas.openxmlformats.org/markup-compatibility/2006" xmlns:mv="urn:schemas-microsoft-com:mac:vml" xmlns:p="http://schemas.openxmlformats.org/presentationml/2006/main" mc:Ignorable="mv" mc:PreserveAttributes="mv:*">
-  <p:cSld>
-    <p:spTree>
-      <p:nvGrpSpPr>
-        <p:cNvPr id="1" name=""/>
-        <p:cNvGrpSpPr/>
-        <p:nvPr/>
-      </p:nvGrpSpPr>
-      <p:grpSpPr>
-        <a:xfrm>
-          <a:off x="0" y="0"/>
-          <a:ext cx="0" cy="0"/>
-          <a:chOff x="0" y="0"/>
-          <a:chExt cx="0" cy="0"/>
-        </a:xfrm>
-      </p:grpSpPr>
-      <p:sp>
-        <p:nvSpPr>
-          <p:cNvPr id="2" name="Content Placeholder 1"/>
-          <p:cNvSpPr>
-            <a:spLocks noGrp="1"/>
-          </p:cNvSpPr>
-          <p:nvPr>
-            <p:ph idx="1"/>
-          </p:nvPr>
-        </p:nvSpPr>
-        <p:spPr/>
-        <p:txBody>
-          <a:bodyPr/>
-          <a:lstStyle/>
-          <a:p>
-            <a:r>
-              <a:rPr lang="en-US" dirty="0" smtClean="0"/>
-              <a:t>Rotation ends up with unsuspected results</a:t>
-            </a:r>
-          </a:p>
-          <a:p>
-            <a:r>
-              <a:rPr lang="en-US" dirty="0" smtClean="0"/>
-              <a:t>Axes of rotations lock together</a:t>
-            </a:r>
-            <a:endParaRPr lang="en-US" dirty="0"/>
-          </a:p>
-        </p:txBody>
-      </p:sp>
-      <p:sp>
-        <p:nvSpPr>
-          <p:cNvPr id="3" name="Title 2"/>
-          <p:cNvSpPr>
-            <a:spLocks noGrp="1"/>
-          </p:cNvSpPr>
-          <p:nvPr>
-            <p:ph type="title"/>
-          </p:nvPr>
-        </p:nvSpPr>
-        <p:spPr/>
-        <p:txBody>
-          <a:bodyPr/>
-          <a:lstStyle/>
-          <a:p>
-            <a:r>
-              <a:rPr lang="en-US" dirty="0" err="1" smtClean="0"/>
-              <a:t>Gimbal</a:t>
-            </a:r>
-            <a:r>
-              <a:rPr lang="en-US" dirty="0" smtClean="0"/>
-              <a:t> lock</a:t>
             </a:r>
             <a:endParaRPr lang="en-US" dirty="0"/>
           </a:p>
@@ -6496,7 +6470,7 @@
 </file>
 
 <file path=ppt/slides/slide2.xml><?xml version="1.0" encoding="utf-8"?>
-<p:sld xmlns:a="http://schemas.openxmlformats.org/drawingml/2006/main" xmlns:r="http://schemas.openxmlformats.org/officeDocument/2006/relationships" xmlns:mc="http://schemas.openxmlformats.org/markup-compatibility/2006" xmlns:mv="urn:schemas-microsoft-com:mac:vml" xmlns:p="http://schemas.openxmlformats.org/presentationml/2006/main" mc:Ignorable="mv" mc:PreserveAttributes="mv:*">
+<p:sld xmlns:a="http://schemas.openxmlformats.org/drawingml/2006/main" xmlns:r="http://schemas.openxmlformats.org/officeDocument/2006/relationships" xmlns:p="http://schemas.openxmlformats.org/presentationml/2006/main">
   <p:cSld>
     <p:spTree>
       <p:nvGrpSpPr>
@@ -6619,7 +6593,399 @@
 </file>
 
 <file path=ppt/slides/slide20.xml><?xml version="1.0" encoding="utf-8"?>
-<p:sld xmlns:a="http://schemas.openxmlformats.org/drawingml/2006/main" xmlns:r="http://schemas.openxmlformats.org/officeDocument/2006/relationships" xmlns:mc="http://schemas.openxmlformats.org/markup-compatibility/2006" xmlns:mv="urn:schemas-microsoft-com:mac:vml" xmlns:p="http://schemas.openxmlformats.org/presentationml/2006/main" mc:Ignorable="mv" mc:PreserveAttributes="mv:*">
+<p:sld xmlns:a="http://schemas.openxmlformats.org/drawingml/2006/main" xmlns:r="http://schemas.openxmlformats.org/officeDocument/2006/relationships" xmlns:p="http://schemas.openxmlformats.org/presentationml/2006/main">
+  <p:cSld>
+    <p:spTree>
+      <p:nvGrpSpPr>
+        <p:cNvPr id="1" name=""/>
+        <p:cNvGrpSpPr/>
+        <p:nvPr/>
+      </p:nvGrpSpPr>
+      <p:grpSpPr>
+        <a:xfrm>
+          <a:off x="0" y="0"/>
+          <a:ext cx="0" cy="0"/>
+          <a:chOff x="0" y="0"/>
+          <a:chExt cx="0" cy="0"/>
+        </a:xfrm>
+      </p:grpSpPr>
+      <p:sp>
+        <p:nvSpPr>
+          <p:cNvPr id="2" name="Content Placeholder 1"/>
+          <p:cNvSpPr>
+            <a:spLocks noGrp="1"/>
+          </p:cNvSpPr>
+          <p:nvPr>
+            <p:ph idx="1"/>
+          </p:nvPr>
+        </p:nvSpPr>
+        <p:spPr/>
+        <p:txBody>
+          <a:bodyPr/>
+          <a:lstStyle/>
+          <a:p>
+            <a:r>
+              <a:rPr lang="en-US" dirty="0" err="1" smtClean="0"/>
+              <a:t>q</a:t>
+            </a:r>
+            <a:r>
+              <a:rPr lang="en-US" dirty="0" smtClean="0"/>
+              <a:t> = a + </a:t>
+            </a:r>
+            <a:r>
+              <a:rPr lang="en-US" dirty="0" err="1" smtClean="0"/>
+              <a:t>i</a:t>
+            </a:r>
+            <a:r>
+              <a:rPr lang="en-US" dirty="0" smtClean="0"/>
+              <a:t> * </a:t>
+            </a:r>
+            <a:r>
+              <a:rPr lang="en-US" dirty="0" err="1" smtClean="0"/>
+              <a:t>b</a:t>
+            </a:r>
+            <a:r>
+              <a:rPr lang="en-US" dirty="0" smtClean="0"/>
+              <a:t> + </a:t>
+            </a:r>
+            <a:r>
+              <a:rPr lang="en-US" dirty="0" err="1" smtClean="0"/>
+              <a:t>j</a:t>
+            </a:r>
+            <a:r>
+              <a:rPr lang="en-US" dirty="0" smtClean="0"/>
+              <a:t> * </a:t>
+            </a:r>
+            <a:r>
+              <a:rPr lang="en-US" dirty="0" err="1" smtClean="0"/>
+              <a:t>c</a:t>
+            </a:r>
+            <a:r>
+              <a:rPr lang="en-US" dirty="0" smtClean="0"/>
+              <a:t> + </a:t>
+            </a:r>
+            <a:r>
+              <a:rPr lang="en-US" dirty="0" err="1" smtClean="0"/>
+              <a:t>k</a:t>
+            </a:r>
+            <a:r>
+              <a:rPr lang="en-US" dirty="0" smtClean="0"/>
+              <a:t> *</a:t>
+            </a:r>
+            <a:r>
+              <a:rPr lang="en-US" dirty="0" err="1" smtClean="0"/>
+              <a:t>d</a:t>
+            </a:r>
+            <a:endParaRPr lang="en-US" dirty="0" smtClean="0"/>
+          </a:p>
+          <a:p>
+            <a:pPr lvl="1"/>
+            <a:r>
+              <a:rPr lang="en-US" sz="1800" dirty="0" smtClean="0"/>
+              <a:t>a = </a:t>
+            </a:r>
+            <a:r>
+              <a:rPr lang="en-US" sz="1800" dirty="0" err="1" smtClean="0"/>
+              <a:t>cos(angle</a:t>
+            </a:r>
+            <a:r>
+              <a:rPr lang="en-US" sz="1800" dirty="0" smtClean="0"/>
+              <a:t> / 2)</a:t>
+            </a:r>
+          </a:p>
+          <a:p>
+            <a:pPr lvl="1"/>
+            <a:r>
+              <a:rPr lang="en-US" sz="1800" dirty="0" err="1" smtClean="0"/>
+              <a:t>b</a:t>
+            </a:r>
+            <a:r>
+              <a:rPr lang="en-US" sz="1800" dirty="0" smtClean="0"/>
+              <a:t> = </a:t>
+            </a:r>
+            <a:r>
+              <a:rPr lang="en-US" sz="1800" dirty="0" err="1" smtClean="0"/>
+              <a:t>axisX</a:t>
+            </a:r>
+            <a:r>
+              <a:rPr lang="en-US" sz="1800" dirty="0" smtClean="0"/>
+              <a:t> * </a:t>
+            </a:r>
+            <a:r>
+              <a:rPr lang="en-US" sz="1800" dirty="0" err="1" smtClean="0"/>
+              <a:t>sin(angle</a:t>
+            </a:r>
+            <a:r>
+              <a:rPr lang="en-US" sz="1800" dirty="0" smtClean="0"/>
+              <a:t> / 2)</a:t>
+            </a:r>
+          </a:p>
+          <a:p>
+            <a:pPr lvl="1"/>
+            <a:r>
+              <a:rPr lang="en-US" sz="1800" dirty="0" err="1" smtClean="0"/>
+              <a:t>c</a:t>
+            </a:r>
+            <a:r>
+              <a:rPr lang="en-US" sz="1800" dirty="0" smtClean="0"/>
+              <a:t> = </a:t>
+            </a:r>
+            <a:r>
+              <a:rPr lang="en-US" sz="1800" dirty="0" err="1" smtClean="0"/>
+              <a:t>axisY</a:t>
+            </a:r>
+            <a:r>
+              <a:rPr lang="en-US" sz="1800" dirty="0" smtClean="0"/>
+              <a:t> * </a:t>
+            </a:r>
+            <a:r>
+              <a:rPr lang="en-US" sz="1800" dirty="0" err="1" smtClean="0"/>
+              <a:t>sin(angle</a:t>
+            </a:r>
+            <a:r>
+              <a:rPr lang="en-US" sz="1800" dirty="0" smtClean="0"/>
+              <a:t> / 2)</a:t>
+            </a:r>
+          </a:p>
+          <a:p>
+            <a:pPr lvl="1"/>
+            <a:r>
+              <a:rPr lang="en-US" sz="1800" dirty="0" err="1" smtClean="0"/>
+              <a:t>d</a:t>
+            </a:r>
+            <a:r>
+              <a:rPr lang="en-US" sz="1800" dirty="0" smtClean="0"/>
+              <a:t> = </a:t>
+            </a:r>
+            <a:r>
+              <a:rPr lang="en-US" sz="1800" dirty="0" err="1" smtClean="0"/>
+              <a:t>axisZ</a:t>
+            </a:r>
+            <a:r>
+              <a:rPr lang="en-US" sz="1800" dirty="0" smtClean="0"/>
+              <a:t> * </a:t>
+            </a:r>
+            <a:r>
+              <a:rPr lang="en-US" sz="1800" dirty="0" err="1" smtClean="0"/>
+              <a:t>sin(angle</a:t>
+            </a:r>
+            <a:r>
+              <a:rPr lang="en-US" sz="1800" dirty="0" smtClean="0"/>
+              <a:t> / 2)</a:t>
+            </a:r>
+          </a:p>
+          <a:p>
+            <a:pPr lvl="1"/>
+            <a:endParaRPr lang="en-US" sz="1800" dirty="0" smtClean="0"/>
+          </a:p>
+          <a:p>
+            <a:pPr lvl="1"/>
+            <a:r>
+              <a:rPr lang="en-US" sz="1800" dirty="0" smtClean="0"/>
+              <a:t>angle = </a:t>
+            </a:r>
+            <a:r>
+              <a:rPr lang="en-US" sz="1800" dirty="0" err="1" smtClean="0"/>
+              <a:t>arccos(a</a:t>
+            </a:r>
+            <a:r>
+              <a:rPr lang="en-US" sz="1800" dirty="0" smtClean="0"/>
+              <a:t>) * 2</a:t>
+            </a:r>
+          </a:p>
+          <a:p>
+            <a:pPr lvl="1"/>
+            <a:r>
+              <a:rPr lang="en-US" sz="1800" dirty="0" err="1" smtClean="0"/>
+              <a:t>sinA</a:t>
+            </a:r>
+            <a:r>
+              <a:rPr lang="en-US" sz="1800" dirty="0" smtClean="0"/>
+              <a:t> = sqrt(1 – a*a)</a:t>
+            </a:r>
+          </a:p>
+          <a:p>
+            <a:pPr lvl="1"/>
+            <a:r>
+              <a:rPr lang="en-US" sz="1800" dirty="0" err="1" smtClean="0"/>
+              <a:t>vectorX</a:t>
+            </a:r>
+            <a:r>
+              <a:rPr lang="en-US" sz="1800" dirty="0" smtClean="0"/>
+              <a:t> = </a:t>
+            </a:r>
+            <a:r>
+              <a:rPr lang="en-US" sz="1800" dirty="0" err="1" smtClean="0"/>
+              <a:t>b/sinA</a:t>
+            </a:r>
+            <a:endParaRPr lang="en-US" sz="1800" dirty="0" smtClean="0"/>
+          </a:p>
+          <a:p>
+            <a:pPr lvl="1"/>
+            <a:r>
+              <a:rPr lang="en-US" sz="1800" dirty="0" err="1" smtClean="0"/>
+              <a:t>vectorY</a:t>
+            </a:r>
+            <a:r>
+              <a:rPr lang="en-US" sz="1800" dirty="0" smtClean="0"/>
+              <a:t> = </a:t>
+            </a:r>
+            <a:r>
+              <a:rPr lang="en-US" sz="1800" dirty="0" err="1" smtClean="0"/>
+              <a:t>c/sinA</a:t>
+            </a:r>
+            <a:endParaRPr lang="en-US" sz="1800" dirty="0" smtClean="0"/>
+          </a:p>
+          <a:p>
+            <a:pPr lvl="1"/>
+            <a:r>
+              <a:rPr lang="en-US" sz="1800" dirty="0" err="1" smtClean="0"/>
+              <a:t>vectorZ</a:t>
+            </a:r>
+            <a:r>
+              <a:rPr lang="en-US" sz="1800" dirty="0" smtClean="0"/>
+              <a:t> = </a:t>
+            </a:r>
+            <a:r>
+              <a:rPr lang="en-US" sz="1800" dirty="0" err="1" smtClean="0"/>
+              <a:t>d/sinA</a:t>
+            </a:r>
+            <a:endParaRPr lang="en-US" sz="1800" dirty="0" smtClean="0"/>
+          </a:p>
+        </p:txBody>
+      </p:sp>
+      <p:sp>
+        <p:nvSpPr>
+          <p:cNvPr id="3" name="Title 2"/>
+          <p:cNvSpPr>
+            <a:spLocks noGrp="1"/>
+          </p:cNvSpPr>
+          <p:nvPr>
+            <p:ph type="title"/>
+          </p:nvPr>
+        </p:nvSpPr>
+        <p:spPr/>
+        <p:txBody>
+          <a:bodyPr/>
+          <a:lstStyle/>
+          <a:p>
+            <a:r>
+              <a:rPr lang="en-US" dirty="0" err="1" smtClean="0"/>
+              <a:t>Quaternions</a:t>
+            </a:r>
+            <a:r>
+              <a:rPr lang="en-US" dirty="0" smtClean="0"/>
+              <a:t>. Last bits…</a:t>
+            </a:r>
+            <a:endParaRPr lang="en-US" dirty="0"/>
+          </a:p>
+        </p:txBody>
+      </p:sp>
+    </p:spTree>
+  </p:cSld>
+  <p:clrMapOvr>
+    <a:masterClrMapping/>
+  </p:clrMapOvr>
+  <p:timing>
+    <p:tnLst>
+      <p:par>
+        <p:cTn id="1" dur="indefinite" restart="never" nodeType="tmRoot"/>
+      </p:par>
+    </p:tnLst>
+  </p:timing>
+</p:sld>
+</file>
+
+<file path=ppt/slides/slide21.xml><?xml version="1.0" encoding="utf-8"?>
+<p:sld xmlns:a="http://schemas.openxmlformats.org/drawingml/2006/main" xmlns:r="http://schemas.openxmlformats.org/officeDocument/2006/relationships" xmlns:p="http://schemas.openxmlformats.org/presentationml/2006/main">
+  <p:cSld>
+    <p:spTree>
+      <p:nvGrpSpPr>
+        <p:cNvPr id="1" name=""/>
+        <p:cNvGrpSpPr/>
+        <p:nvPr/>
+      </p:nvGrpSpPr>
+      <p:grpSpPr>
+        <a:xfrm>
+          <a:off x="0" y="0"/>
+          <a:ext cx="0" cy="0"/>
+          <a:chOff x="0" y="0"/>
+          <a:chExt cx="0" cy="0"/>
+        </a:xfrm>
+      </p:grpSpPr>
+      <p:sp>
+        <p:nvSpPr>
+          <p:cNvPr id="2" name="Content Placeholder 1"/>
+          <p:cNvSpPr>
+            <a:spLocks noGrp="1"/>
+          </p:cNvSpPr>
+          <p:nvPr>
+            <p:ph idx="1"/>
+          </p:nvPr>
+        </p:nvSpPr>
+        <p:spPr/>
+        <p:txBody>
+          <a:bodyPr/>
+          <a:lstStyle/>
+          <a:p>
+            <a:r>
+              <a:rPr lang="en-US" dirty="0" smtClean="0"/>
+              <a:t>Rotation ends up with unsuspected results</a:t>
+            </a:r>
+          </a:p>
+          <a:p>
+            <a:r>
+              <a:rPr lang="en-US" dirty="0" smtClean="0"/>
+              <a:t>Axes of rotations lock together</a:t>
+            </a:r>
+            <a:endParaRPr lang="en-US" dirty="0"/>
+          </a:p>
+        </p:txBody>
+      </p:sp>
+      <p:sp>
+        <p:nvSpPr>
+          <p:cNvPr id="3" name="Title 2"/>
+          <p:cNvSpPr>
+            <a:spLocks noGrp="1"/>
+          </p:cNvSpPr>
+          <p:nvPr>
+            <p:ph type="title"/>
+          </p:nvPr>
+        </p:nvSpPr>
+        <p:spPr/>
+        <p:txBody>
+          <a:bodyPr/>
+          <a:lstStyle/>
+          <a:p>
+            <a:r>
+              <a:rPr lang="en-US" dirty="0" err="1" smtClean="0"/>
+              <a:t>Gimbal</a:t>
+            </a:r>
+            <a:r>
+              <a:rPr lang="en-US" dirty="0" smtClean="0"/>
+              <a:t> lock</a:t>
+            </a:r>
+            <a:endParaRPr lang="en-US" dirty="0"/>
+          </a:p>
+        </p:txBody>
+      </p:sp>
+    </p:spTree>
+  </p:cSld>
+  <p:clrMapOvr>
+    <a:masterClrMapping/>
+  </p:clrMapOvr>
+  <p:timing>
+    <p:tnLst>
+      <p:par>
+        <p:cTn id="1" dur="indefinite" restart="never" nodeType="tmRoot"/>
+      </p:par>
+    </p:tnLst>
+  </p:timing>
+</p:sld>
+</file>
+
+<file path=ppt/slides/slide22.xml><?xml version="1.0" encoding="utf-8"?>
+<p:sld xmlns:a="http://schemas.openxmlformats.org/drawingml/2006/main" xmlns:r="http://schemas.openxmlformats.org/officeDocument/2006/relationships" xmlns:p="http://schemas.openxmlformats.org/presentationml/2006/main">
   <p:cSld>
     <p:spTree>
       <p:nvGrpSpPr>
@@ -6747,8 +7113,8 @@
 </p:sld>
 </file>
 
-<file path=ppt/slides/slide21.xml><?xml version="1.0" encoding="utf-8"?>
-<p:sld xmlns:a="http://schemas.openxmlformats.org/drawingml/2006/main" xmlns:r="http://schemas.openxmlformats.org/officeDocument/2006/relationships" xmlns:mc="http://schemas.openxmlformats.org/markup-compatibility/2006" xmlns:mv="urn:schemas-microsoft-com:mac:vml" xmlns:p="http://schemas.openxmlformats.org/presentationml/2006/main" mc:Ignorable="mv" mc:PreserveAttributes="mv:*">
+<file path=ppt/slides/slide23.xml><?xml version="1.0" encoding="utf-8"?>
+<p:sld xmlns:a="http://schemas.openxmlformats.org/drawingml/2006/main" xmlns:r="http://schemas.openxmlformats.org/officeDocument/2006/relationships" xmlns:p="http://schemas.openxmlformats.org/presentationml/2006/main">
   <p:cSld>
     <p:spTree>
       <p:nvGrpSpPr>
@@ -6780,15 +7146,33 @@
           <a:lstStyle/>
           <a:p>
             <a:r>
-              <a:rPr lang="en-US" dirty="0" smtClean="0"/>
-              <a:t>Line segment connects separate mesh body parts</a:t>
-            </a:r>
-          </a:p>
-          <a:p>
-            <a:r>
-              <a:rPr lang="en-US" dirty="0" smtClean="0"/>
-              <a:t>Each vertex on the segment is influenced by our LBS algorithm</a:t>
-            </a:r>
+              <a:rPr lang="lt-LT" dirty="0" smtClean="0"/>
+              <a:t>Technique, used to position body parts in 3D scene</a:t>
+            </a:r>
+          </a:p>
+          <a:p>
+            <a:pPr lvl="1"/>
+            <a:r>
+              <a:rPr lang="lt-LT" dirty="0" smtClean="0"/>
+              <a:t>Each joint </a:t>
+            </a:r>
+            <a:r>
+              <a:rPr lang="lt-LT" smtClean="0"/>
+              <a:t>has its </a:t>
+            </a:r>
+            <a:r>
+              <a:rPr lang="lt-LT" dirty="0" smtClean="0"/>
+              <a:t>local transformation</a:t>
+            </a:r>
+          </a:p>
+          <a:p>
+            <a:pPr lvl="1"/>
+            <a:r>
+              <a:rPr lang="lt-LT" dirty="0" smtClean="0"/>
+              <a:t>Global transformation of each joint depends on it’s parent transformation</a:t>
+            </a:r>
+          </a:p>
+          <a:p>
             <a:endParaRPr lang="lt-LT" dirty="0"/>
           </a:p>
         </p:txBody>
@@ -6801,288 +7185,6 @@
           </p:cNvSpPr>
           <p:nvPr>
             <p:ph type="title"/>
-          </p:nvPr>
-        </p:nvSpPr>
-        <p:spPr/>
-        <p:txBody>
-          <a:bodyPr>
-            <a:normAutofit fontScale="90000"/>
-          </a:bodyPr>
-          <a:lstStyle/>
-          <a:p>
-            <a:r>
-              <a:rPr lang="en-US" dirty="0" smtClean="0"/>
-              <a:t>Parametric representation of lines in 3D</a:t>
-            </a:r>
-            <a:r>
-              <a:rPr lang="lt-LT" dirty="0" smtClean="0"/>
-              <a:t> space</a:t>
-            </a:r>
-            <a:endParaRPr lang="lt-LT" dirty="0"/>
-          </a:p>
-        </p:txBody>
-      </p:sp>
-      <p:pic>
-        <p:nvPicPr>
-          <p:cNvPr id="1027" name="Picture 3"/>
-          <p:cNvPicPr>
-            <a:picLocks noChangeAspect="1" noChangeArrowheads="1"/>
-          </p:cNvPicPr>
-          <p:nvPr/>
-        </p:nvPicPr>
-        <p:blipFill>
-          <a:blip r:embed="rId2"/>
-          <a:srcRect/>
-          <a:stretch>
-            <a:fillRect/>
-          </a:stretch>
-        </p:blipFill>
-        <p:spPr bwMode="auto">
-          <a:xfrm>
-            <a:off x="5929322" y="3571876"/>
-            <a:ext cx="3015653" cy="3071810"/>
-          </a:xfrm>
-          <a:prstGeom prst="rect">
-            <a:avLst/>
-          </a:prstGeom>
-          <a:noFill/>
-          <a:ln w="9525">
-            <a:noFill/>
-            <a:miter lim="800000"/>
-            <a:headEnd/>
-            <a:tailEnd/>
-          </a:ln>
-          <a:effectLst/>
-        </p:spPr>
-      </p:pic>
-    </p:spTree>
-  </p:cSld>
-  <p:clrMapOvr>
-    <a:masterClrMapping/>
-  </p:clrMapOvr>
-  <p:timing>
-    <p:tnLst>
-      <p:par>
-        <p:cTn id="1" dur="indefinite" restart="never" nodeType="tmRoot"/>
-      </p:par>
-    </p:tnLst>
-  </p:timing>
-</p:sld>
-</file>
-
-<file path=ppt/slides/slide22.xml><?xml version="1.0" encoding="utf-8"?>
-<p:sld xmlns:a="http://schemas.openxmlformats.org/drawingml/2006/main" xmlns:r="http://schemas.openxmlformats.org/officeDocument/2006/relationships" xmlns:mc="http://schemas.openxmlformats.org/markup-compatibility/2006" xmlns:mv="urn:schemas-microsoft-com:mac:vml" xmlns:p="http://schemas.openxmlformats.org/presentationml/2006/main" mc:Ignorable="mv" mc:PreserveAttributes="mv:*">
-  <p:cSld>
-    <p:spTree>
-      <p:nvGrpSpPr>
-        <p:cNvPr id="1" name=""/>
-        <p:cNvGrpSpPr/>
-        <p:nvPr/>
-      </p:nvGrpSpPr>
-      <p:grpSpPr>
-        <a:xfrm>
-          <a:off x="0" y="0"/>
-          <a:ext cx="0" cy="0"/>
-          <a:chOff x="0" y="0"/>
-          <a:chExt cx="0" cy="0"/>
-        </a:xfrm>
-      </p:grpSpPr>
-      <p:sp>
-        <p:nvSpPr>
-          <p:cNvPr id="2" name="Content Placeholder 1"/>
-          <p:cNvSpPr>
-            <a:spLocks noGrp="1"/>
-          </p:cNvSpPr>
-          <p:nvPr>
-            <p:ph idx="1"/>
-          </p:nvPr>
-        </p:nvSpPr>
-        <p:spPr>
-          <a:xfrm>
-            <a:off x="457200" y="1481328"/>
-            <a:ext cx="8229600" cy="1376167"/>
-          </a:xfrm>
-        </p:spPr>
-        <p:txBody>
-          <a:bodyPr>
-            <a:normAutofit/>
-          </a:bodyPr>
-          <a:lstStyle/>
-          <a:p>
-            <a:r>
-              <a:rPr lang="en-US" dirty="0" smtClean="0"/>
-              <a:t>Parametric representation of the line:</a:t>
-            </a:r>
-          </a:p>
-          <a:p>
-            <a:pPr lvl="1"/>
-            <a:r>
-              <a:rPr lang="lt-LT" i="1" dirty="0" smtClean="0"/>
-              <a:t>L(t)</a:t>
-            </a:r>
-            <a:r>
-              <a:rPr lang="lt-LT" dirty="0" smtClean="0"/>
-              <a:t> = A + b</a:t>
-            </a:r>
-            <a:r>
-              <a:rPr lang="en-US" dirty="0" smtClean="0"/>
-              <a:t> * </a:t>
-            </a:r>
-            <a:r>
-              <a:rPr lang="lt-LT" dirty="0" smtClean="0"/>
-              <a:t>t</a:t>
-            </a:r>
-            <a:endParaRPr lang="en-US" dirty="0" smtClean="0"/>
-          </a:p>
-          <a:p>
-            <a:pPr lvl="1">
-              <a:buNone/>
-            </a:pPr>
-            <a:r>
-              <a:rPr lang="en-US" sz="1800" dirty="0" smtClean="0"/>
-              <a:t>A – starting point, b = A – B vector, t - parameter</a:t>
-            </a:r>
-            <a:endParaRPr lang="lt-LT" sz="1800" dirty="0" smtClean="0"/>
-          </a:p>
-          <a:p>
-            <a:endParaRPr lang="lt-LT" dirty="0"/>
-          </a:p>
-        </p:txBody>
-      </p:sp>
-      <p:sp>
-        <p:nvSpPr>
-          <p:cNvPr id="3" name="Title 2"/>
-          <p:cNvSpPr>
-            <a:spLocks noGrp="1"/>
-          </p:cNvSpPr>
-          <p:nvPr>
-            <p:ph type="title"/>
-          </p:nvPr>
-        </p:nvSpPr>
-        <p:spPr/>
-        <p:txBody>
-          <a:bodyPr>
-            <a:normAutofit fontScale="90000"/>
-          </a:bodyPr>
-          <a:lstStyle/>
-          <a:p>
-            <a:r>
-              <a:rPr lang="en-US" dirty="0" smtClean="0"/>
-              <a:t>Parametric representation of lines in 3D</a:t>
-            </a:r>
-            <a:r>
-              <a:rPr lang="lt-LT" dirty="0" smtClean="0"/>
-              <a:t> space</a:t>
-            </a:r>
-            <a:endParaRPr lang="lt-LT" dirty="0"/>
-          </a:p>
-        </p:txBody>
-      </p:sp>
-      <p:pic>
-        <p:nvPicPr>
-          <p:cNvPr id="2050" name="Picture 2" descr="C:\Mano\Mokslai\Universitetas\5 Semestras\Project\cvg01\docs\Report\images\lines3d.jpg"/>
-          <p:cNvPicPr>
-            <a:picLocks noChangeAspect="1" noChangeArrowheads="1"/>
-          </p:cNvPicPr>
-          <p:nvPr/>
-        </p:nvPicPr>
-        <p:blipFill>
-          <a:blip r:embed="rId2"/>
-          <a:srcRect/>
-          <a:stretch>
-            <a:fillRect/>
-          </a:stretch>
-        </p:blipFill>
-        <p:spPr bwMode="auto">
-          <a:xfrm>
-            <a:off x="4459314" y="2714620"/>
-            <a:ext cx="4684685" cy="3929090"/>
-          </a:xfrm>
-          <a:prstGeom prst="rect">
-            <a:avLst/>
-          </a:prstGeom>
-          <a:noFill/>
-        </p:spPr>
-      </p:pic>
-      <p:sp>
-        <p:nvSpPr>
-          <p:cNvPr id="6" name="TextBox 5"/>
-          <p:cNvSpPr txBox="1"/>
-          <p:nvPr/>
-        </p:nvSpPr>
-        <p:spPr>
-          <a:xfrm>
-            <a:off x="714348" y="2857496"/>
-            <a:ext cx="3786214" cy="1754326"/>
-          </a:xfrm>
-          <a:prstGeom prst="rect">
-            <a:avLst/>
-          </a:prstGeom>
-          <a:noFill/>
-        </p:spPr>
-        <p:txBody>
-          <a:bodyPr wrap="square" rtlCol="0">
-            <a:spAutoFit/>
-          </a:bodyPr>
-          <a:lstStyle/>
-          <a:p>
-            <a:r>
-              <a:rPr lang="en-US" dirty="0" smtClean="0"/>
-              <a:t>A and B could be taken as two points on two separate meshes.</a:t>
-            </a:r>
-          </a:p>
-          <a:p>
-            <a:endParaRPr lang="en-US" dirty="0" smtClean="0"/>
-          </a:p>
-          <a:p>
-            <a:r>
-              <a:rPr lang="en-US" dirty="0" smtClean="0"/>
-              <a:t>By scaling t – proportional vertex positioning along the line is achieved.</a:t>
-            </a:r>
-            <a:endParaRPr lang="lt-LT" dirty="0"/>
-          </a:p>
-        </p:txBody>
-      </p:sp>
-    </p:spTree>
-  </p:cSld>
-  <p:clrMapOvr>
-    <a:masterClrMapping/>
-  </p:clrMapOvr>
-  <p:timing>
-    <p:tnLst>
-      <p:par>
-        <p:cTn id="1" dur="indefinite" restart="never" nodeType="tmRoot"/>
-      </p:par>
-    </p:tnLst>
-  </p:timing>
-</p:sld>
-</file>
-
-<file path=ppt/slides/slide23.xml><?xml version="1.0" encoding="utf-8"?>
-<p:sld xmlns:a="http://schemas.openxmlformats.org/drawingml/2006/main" xmlns:r="http://schemas.openxmlformats.org/officeDocument/2006/relationships" xmlns:mc="http://schemas.openxmlformats.org/markup-compatibility/2006" xmlns:mv="urn:schemas-microsoft-com:mac:vml" xmlns:p="http://schemas.openxmlformats.org/presentationml/2006/main" mc:Ignorable="mv" mc:PreserveAttributes="mv:*">
-  <p:cSld>
-    <p:spTree>
-      <p:nvGrpSpPr>
-        <p:cNvPr id="1" name=""/>
-        <p:cNvGrpSpPr/>
-        <p:nvPr/>
-      </p:nvGrpSpPr>
-      <p:grpSpPr>
-        <a:xfrm>
-          <a:off x="0" y="0"/>
-          <a:ext cx="0" cy="0"/>
-          <a:chOff x="0" y="0"/>
-          <a:chExt cx="0" cy="0"/>
-        </a:xfrm>
-      </p:grpSpPr>
-      <p:sp>
-        <p:nvSpPr>
-          <p:cNvPr id="2" name="Content Placeholder 1"/>
-          <p:cNvSpPr>
-            <a:spLocks noGrp="1"/>
-          </p:cNvSpPr>
-          <p:nvPr>
-            <p:ph idx="1"/>
           </p:nvPr>
         </p:nvSpPr>
         <p:spPr/>
@@ -7091,51 +7193,8 @@
           <a:lstStyle/>
           <a:p>
             <a:r>
-              <a:rPr lang="lt-LT" dirty="0" smtClean="0"/>
-              <a:t>Technique, used to position body parts in 3D scene</a:t>
-            </a:r>
-          </a:p>
-          <a:p>
-            <a:pPr lvl="1"/>
-            <a:r>
-              <a:rPr lang="lt-LT" dirty="0" smtClean="0"/>
-              <a:t>Each joint has it’s local transformation</a:t>
-            </a:r>
-          </a:p>
-          <a:p>
-            <a:pPr lvl="1"/>
-            <a:r>
-              <a:rPr lang="lt-LT" dirty="0" smtClean="0"/>
-              <a:t>Global transformation of each joint depends on it’s parent transformation</a:t>
-            </a:r>
-          </a:p>
-          <a:p>
-            <a:endParaRPr lang="lt-LT" dirty="0"/>
-          </a:p>
-        </p:txBody>
-      </p:sp>
-      <p:sp>
-        <p:nvSpPr>
-          <p:cNvPr id="3" name="Title 2"/>
-          <p:cNvSpPr>
-            <a:spLocks noGrp="1"/>
-          </p:cNvSpPr>
-          <p:nvPr>
-            <p:ph type="title"/>
-          </p:nvPr>
-        </p:nvSpPr>
-        <p:spPr/>
-        <p:txBody>
-          <a:bodyPr/>
-          <a:lstStyle/>
-          <a:p>
-            <a:r>
-              <a:rPr lang="en-US" dirty="0" smtClean="0"/>
-              <a:t>Forward </a:t>
-            </a:r>
-            <a:r>
-              <a:rPr lang="en-US" dirty="0" smtClean="0"/>
-              <a:t>kinematics</a:t>
+              <a:rPr lang="en-US" dirty="0" smtClean="0"/>
+              <a:t>Forward kinematics</a:t>
             </a:r>
             <a:endParaRPr lang="lt-LT" dirty="0"/>
           </a:p>
@@ -7157,7 +7216,7 @@
 </file>
 
 <file path=ppt/slides/slide24.xml><?xml version="1.0" encoding="utf-8"?>
-<p:sld xmlns:a="http://schemas.openxmlformats.org/drawingml/2006/main" xmlns:r="http://schemas.openxmlformats.org/officeDocument/2006/relationships" xmlns:mc="http://schemas.openxmlformats.org/markup-compatibility/2006" xmlns:mv="urn:schemas-microsoft-com:mac:vml" xmlns:p="http://schemas.openxmlformats.org/presentationml/2006/main" mc:Ignorable="mv" mc:PreserveAttributes="mv:*">
+<p:sld xmlns:a="http://schemas.openxmlformats.org/drawingml/2006/main" xmlns:r="http://schemas.openxmlformats.org/officeDocument/2006/relationships" xmlns:p="http://schemas.openxmlformats.org/presentationml/2006/main">
   <p:cSld>
     <p:spTree>
       <p:nvGrpSpPr>
@@ -7322,11 +7381,18 @@
   <p:clrMapOvr>
     <a:masterClrMapping/>
   </p:clrMapOvr>
+  <p:timing>
+    <p:tnLst>
+      <p:par>
+        <p:cTn id="1" dur="indefinite" restart="never" nodeType="tmRoot"/>
+      </p:par>
+    </p:tnLst>
+  </p:timing>
 </p:sld>
 </file>
 
 <file path=ppt/slides/slide25.xml><?xml version="1.0" encoding="utf-8"?>
-<p:sld xmlns:a="http://schemas.openxmlformats.org/drawingml/2006/main" xmlns:r="http://schemas.openxmlformats.org/officeDocument/2006/relationships" xmlns:mc="http://schemas.openxmlformats.org/markup-compatibility/2006" xmlns:mv="urn:schemas-microsoft-com:mac:vml" xmlns:p="http://schemas.openxmlformats.org/presentationml/2006/main" mc:Ignorable="mv" mc:PreserveAttributes="mv:*">
+<p:sld xmlns:a="http://schemas.openxmlformats.org/drawingml/2006/main" xmlns:r="http://schemas.openxmlformats.org/officeDocument/2006/relationships" xmlns:p="http://schemas.openxmlformats.org/presentationml/2006/main">
   <p:cSld>
     <p:spTree>
       <p:nvGrpSpPr>
@@ -7400,7 +7466,7 @@
 </file>
 
 <file path=ppt/slides/slide26.xml><?xml version="1.0" encoding="utf-8"?>
-<p:sld xmlns:a="http://schemas.openxmlformats.org/drawingml/2006/main" xmlns:r="http://schemas.openxmlformats.org/officeDocument/2006/relationships" xmlns:mc="http://schemas.openxmlformats.org/markup-compatibility/2006" xmlns:mv="urn:schemas-microsoft-com:mac:vml" xmlns:p="http://schemas.openxmlformats.org/presentationml/2006/main" mc:Ignorable="mv" mc:PreserveAttributes="mv:*">
+<p:sld xmlns:a="http://schemas.openxmlformats.org/drawingml/2006/main" xmlns:r="http://schemas.openxmlformats.org/officeDocument/2006/relationships" xmlns:p="http://schemas.openxmlformats.org/presentationml/2006/main">
   <p:cSld>
     <p:spTree>
       <p:nvGrpSpPr>
@@ -7426,12 +7492,27 @@
             <p:ph idx="1"/>
           </p:nvPr>
         </p:nvSpPr>
-        <p:spPr/>
+        <p:spPr>
+          <a:xfrm>
+            <a:off x="457200" y="1481328"/>
+            <a:ext cx="3971924" cy="4525963"/>
+          </a:xfrm>
+        </p:spPr>
         <p:txBody>
           <a:bodyPr/>
           <a:lstStyle/>
           <a:p>
-            <a:endParaRPr lang="lt-LT"/>
+            <a:r>
+              <a:rPr lang="en-US" dirty="0" smtClean="0"/>
+              <a:t>Continuous body mesh model was cut in separate body parts.</a:t>
+            </a:r>
+          </a:p>
+          <a:p>
+            <a:r>
+              <a:rPr lang="en-US" dirty="0" smtClean="0"/>
+              <a:t>Vertices on the lines connecting these parts are influenced on deformation.</a:t>
+            </a:r>
+            <a:endParaRPr lang="lt-LT" dirty="0"/>
           </a:p>
         </p:txBody>
       </p:sp>
@@ -7484,7 +7565,7 @@
         </p:blipFill>
         <p:spPr bwMode="auto">
           <a:xfrm>
-            <a:off x="4429124" y="1928802"/>
+            <a:off x="4429124" y="1357298"/>
             <a:ext cx="4566887" cy="4640251"/>
           </a:xfrm>
           <a:prstGeom prst="rect">
@@ -7509,7 +7590,101 @@
 </file>
 
 <file path=ppt/slides/slide27.xml><?xml version="1.0" encoding="utf-8"?>
-<p:sld xmlns:a="http://schemas.openxmlformats.org/drawingml/2006/main" xmlns:r="http://schemas.openxmlformats.org/officeDocument/2006/relationships" xmlns:mc="http://schemas.openxmlformats.org/markup-compatibility/2006" xmlns:mv="urn:schemas-microsoft-com:mac:vml" xmlns:p="http://schemas.openxmlformats.org/presentationml/2006/main" mc:Ignorable="mv" mc:PreserveAttributes="mv:*">
+<p:sld xmlns:a="http://schemas.openxmlformats.org/drawingml/2006/main" xmlns:r="http://schemas.openxmlformats.org/officeDocument/2006/relationships" xmlns:p="http://schemas.openxmlformats.org/presentationml/2006/main">
+  <p:cSld>
+    <p:spTree>
+      <p:nvGrpSpPr>
+        <p:cNvPr id="1" name=""/>
+        <p:cNvGrpSpPr/>
+        <p:nvPr/>
+      </p:nvGrpSpPr>
+      <p:grpSpPr>
+        <a:xfrm>
+          <a:off x="0" y="0"/>
+          <a:ext cx="0" cy="0"/>
+          <a:chOff x="0" y="0"/>
+          <a:chExt cx="0" cy="0"/>
+        </a:xfrm>
+      </p:grpSpPr>
+      <p:sp>
+        <p:nvSpPr>
+          <p:cNvPr id="2" name="Content Placeholder 1"/>
+          <p:cNvSpPr>
+            <a:spLocks noGrp="1"/>
+          </p:cNvSpPr>
+          <p:nvPr>
+            <p:ph idx="1"/>
+          </p:nvPr>
+        </p:nvSpPr>
+        <p:spPr/>
+        <p:txBody>
+          <a:bodyPr/>
+          <a:lstStyle/>
+          <a:p>
+            <a:pPr>
+              <a:buNone/>
+            </a:pPr>
+            <a:r>
+              <a:rPr lang="en-US" sz="2200" dirty="0" smtClean="0"/>
+              <a:t>Generate new skeleton image with big joints, define joint structure, define putting mesh over </a:t>
+            </a:r>
+            <a:r>
+              <a:rPr lang="en-US" sz="2200" smtClean="0"/>
+              <a:t>the skeleton?</a:t>
+            </a:r>
+            <a:endParaRPr lang="en-US" sz="2200" dirty="0" smtClean="0"/>
+          </a:p>
+        </p:txBody>
+      </p:sp>
+      <p:sp>
+        <p:nvSpPr>
+          <p:cNvPr id="3" name="Title 2"/>
+          <p:cNvSpPr>
+            <a:spLocks noGrp="1"/>
+          </p:cNvSpPr>
+          <p:nvPr>
+            <p:ph type="title"/>
+          </p:nvPr>
+        </p:nvSpPr>
+        <p:spPr/>
+        <p:txBody>
+          <a:bodyPr>
+            <a:normAutofit fontScale="90000"/>
+          </a:bodyPr>
+          <a:lstStyle/>
+          <a:p>
+            <a:r>
+              <a:rPr lang="en-US" dirty="0" smtClean="0"/>
+              <a:t>Animating human body</a:t>
+            </a:r>
+            <a:br>
+              <a:rPr lang="en-US" dirty="0" smtClean="0"/>
+            </a:br>
+            <a:r>
+              <a:rPr lang="en-US" sz="3100" dirty="0" smtClean="0"/>
+              <a:t>Initial program phase</a:t>
+            </a:r>
+            <a:endParaRPr lang="en-US" sz="3100" dirty="0"/>
+          </a:p>
+        </p:txBody>
+      </p:sp>
+    </p:spTree>
+  </p:cSld>
+  <p:clrMapOvr>
+    <a:masterClrMapping/>
+  </p:clrMapOvr>
+  <p:timing>
+    <p:tnLst>
+      <p:par>
+        <p:cTn id="1" dur="indefinite" restart="never" nodeType="tmRoot"/>
+      </p:par>
+    </p:tnLst>
+  </p:timing>
+</p:sld>
+</file>
+
+<file path=ppt/slides/slide28.xml><?xml version="1.0" encoding="utf-8"?>
+<p:sld xmlns:a="http://schemas.openxmlformats.org/drawingml/2006/main" xmlns:r="http://schemas.openxmlformats.org/officeDocument/2006/relationships" xmlns:p="http://schemas.openxmlformats.org/presentationml/2006/main">
   <p:cSld>
     <p:spTree>
       <p:nvGrpSpPr>
@@ -7755,8 +7930,8 @@
 </p:sld>
 </file>
 
-<file path=ppt/slides/slide28.xml><?xml version="1.0" encoding="utf-8"?>
-<p:sld xmlns:a="http://schemas.openxmlformats.org/drawingml/2006/main" xmlns:r="http://schemas.openxmlformats.org/officeDocument/2006/relationships" xmlns:mc="http://schemas.openxmlformats.org/markup-compatibility/2006" xmlns:mv="urn:schemas-microsoft-com:mac:vml" xmlns:p="http://schemas.openxmlformats.org/presentationml/2006/main" mc:Ignorable="mv" mc:PreserveAttributes="mv:*">
+<file path=ppt/slides/slide29.xml><?xml version="1.0" encoding="utf-8"?>
+<p:sld xmlns:a="http://schemas.openxmlformats.org/drawingml/2006/main" xmlns:r="http://schemas.openxmlformats.org/officeDocument/2006/relationships" xmlns:p="http://schemas.openxmlformats.org/presentationml/2006/main">
   <p:cSld>
     <p:spTree>
       <p:nvGrpSpPr>
@@ -7844,104 +8019,11 @@
   <p:clrMapOvr>
     <a:masterClrMapping/>
   </p:clrMapOvr>
-  <p:timing>
-    <p:tnLst>
-      <p:par>
-        <p:cTn id="1" dur="indefinite" restart="never" nodeType="tmRoot"/>
-      </p:par>
-    </p:tnLst>
-  </p:timing>
-</p:sld>
-</file>
-
-<file path=ppt/slides/slide29.xml><?xml version="1.0" encoding="utf-8"?>
-<p:sld xmlns:a="http://schemas.openxmlformats.org/drawingml/2006/main" xmlns:r="http://schemas.openxmlformats.org/officeDocument/2006/relationships" xmlns:mc="http://schemas.openxmlformats.org/markup-compatibility/2006" xmlns:mv="urn:schemas-microsoft-com:mac:vml" xmlns:p="http://schemas.openxmlformats.org/presentationml/2006/main" mc:Ignorable="mv" mc:PreserveAttributes="mv:*">
-  <p:cSld>
-    <p:spTree>
-      <p:nvGrpSpPr>
-        <p:cNvPr id="1" name=""/>
-        <p:cNvGrpSpPr/>
-        <p:nvPr/>
-      </p:nvGrpSpPr>
-      <p:grpSpPr>
-        <a:xfrm>
-          <a:off x="0" y="0"/>
-          <a:ext cx="0" cy="0"/>
-          <a:chOff x="0" y="0"/>
-          <a:chExt cx="0" cy="0"/>
-        </a:xfrm>
-      </p:grpSpPr>
-      <p:sp>
-        <p:nvSpPr>
-          <p:cNvPr id="2" name="Content Placeholder 1"/>
-          <p:cNvSpPr>
-            <a:spLocks noGrp="1"/>
-          </p:cNvSpPr>
-          <p:nvPr>
-            <p:ph idx="1"/>
-          </p:nvPr>
-        </p:nvSpPr>
-        <p:spPr/>
-        <p:txBody>
-          <a:bodyPr/>
-          <a:lstStyle/>
-          <a:p>
-            <a:pPr>
-              <a:buNone/>
-            </a:pPr>
-            <a:endParaRPr lang="lt-LT" dirty="0"/>
-          </a:p>
-        </p:txBody>
-      </p:sp>
-      <p:sp>
-        <p:nvSpPr>
-          <p:cNvPr id="3" name="Title 2"/>
-          <p:cNvSpPr>
-            <a:spLocks noGrp="1"/>
-          </p:cNvSpPr>
-          <p:nvPr>
-            <p:ph type="title"/>
-          </p:nvPr>
-        </p:nvSpPr>
-        <p:spPr/>
-        <p:txBody>
-          <a:bodyPr>
-            <a:normAutofit fontScale="90000"/>
-          </a:bodyPr>
-          <a:lstStyle/>
-          <a:p>
-            <a:r>
-              <a:rPr lang="en-US" dirty="0" smtClean="0"/>
-              <a:t>Problems</a:t>
-            </a:r>
-            <a:br>
-              <a:rPr lang="en-US" dirty="0" smtClean="0"/>
-            </a:br>
-            <a:r>
-              <a:rPr lang="lt-LT" sz="3100" dirty="0" smtClean="0"/>
-              <a:t>Initial BVH pose</a:t>
-            </a:r>
-            <a:endParaRPr lang="en-US" sz="3100" dirty="0"/>
-          </a:p>
-        </p:txBody>
-      </p:sp>
-    </p:spTree>
-  </p:cSld>
-  <p:clrMapOvr>
-    <a:masterClrMapping/>
-  </p:clrMapOvr>
-  <p:timing>
-    <p:tnLst>
-      <p:par>
-        <p:cTn id="1" dur="indefinite" restart="never" nodeType="tmRoot"/>
-      </p:par>
-    </p:tnLst>
-  </p:timing>
 </p:sld>
 </file>
 
 <file path=ppt/slides/slide3.xml><?xml version="1.0" encoding="utf-8"?>
-<p:sld xmlns:a="http://schemas.openxmlformats.org/drawingml/2006/main" xmlns:r="http://schemas.openxmlformats.org/officeDocument/2006/relationships" xmlns:mc="http://schemas.openxmlformats.org/markup-compatibility/2006" xmlns:mv="urn:schemas-microsoft-com:mac:vml" xmlns:p="http://schemas.openxmlformats.org/presentationml/2006/main" mc:Ignorable="mv" mc:PreserveAttributes="mv:*">
+<p:sld xmlns:a="http://schemas.openxmlformats.org/drawingml/2006/main" xmlns:r="http://schemas.openxmlformats.org/officeDocument/2006/relationships" xmlns:p="http://schemas.openxmlformats.org/presentationml/2006/main">
   <p:cSld>
     <p:spTree>
       <p:nvGrpSpPr>
@@ -8061,7 +8143,7 @@
 </file>
 
 <file path=ppt/slides/slide30.xml><?xml version="1.0" encoding="utf-8"?>
-<p:sld xmlns:a="http://schemas.openxmlformats.org/drawingml/2006/main" xmlns:r="http://schemas.openxmlformats.org/officeDocument/2006/relationships" xmlns:mc="http://schemas.openxmlformats.org/markup-compatibility/2006" xmlns:mv="urn:schemas-microsoft-com:mac:vml" xmlns:p="http://schemas.openxmlformats.org/presentationml/2006/main" mc:Ignorable="mv" mc:PreserveAttributes="mv:*">
+<p:sld xmlns:a="http://schemas.openxmlformats.org/drawingml/2006/main" xmlns:r="http://schemas.openxmlformats.org/officeDocument/2006/relationships" xmlns:p="http://schemas.openxmlformats.org/presentationml/2006/main">
   <p:cSld>
     <p:spTree>
       <p:nvGrpSpPr>
@@ -8089,12 +8171,50 @@
         </p:nvSpPr>
         <p:spPr/>
         <p:txBody>
-          <a:bodyPr/>
+          <a:bodyPr>
+            <a:normAutofit/>
+          </a:bodyPr>
           <a:lstStyle/>
           <a:p>
-            <a:pPr>
-              <a:buNone/>
-            </a:pPr>
+            <a:r>
+              <a:rPr lang="en-US" dirty="0" smtClean="0"/>
+              <a:t>Initial pose was I-pose, while we needed T-pose:</a:t>
+            </a:r>
+          </a:p>
+          <a:p>
+            <a:pPr lvl="1"/>
+            <a:r>
+              <a:rPr lang="en-US" dirty="0" smtClean="0"/>
+              <a:t>Caused problems while connecting separate mesh body parts and associating vertices with joints.</a:t>
+            </a:r>
+          </a:p>
+          <a:p>
+            <a:pPr lvl="1"/>
+            <a:r>
+              <a:rPr lang="en-US" dirty="0" smtClean="0"/>
+              <a:t>Noticed only BVH file import into our program (most of the 3</a:t>
+            </a:r>
+            <a:r>
+              <a:rPr lang="en-US" baseline="30000" dirty="0" smtClean="0"/>
+              <a:t>rd</a:t>
+            </a:r>
+            <a:r>
+              <a:rPr lang="en-US" dirty="0" smtClean="0"/>
+              <a:t> party application programs starts at frame 1).</a:t>
+            </a:r>
+          </a:p>
+          <a:p>
+            <a:r>
+              <a:rPr lang="en-US" dirty="0" smtClean="0"/>
+              <a:t>Solution:</a:t>
+            </a:r>
+          </a:p>
+          <a:p>
+            <a:pPr lvl="1"/>
+            <a:r>
+              <a:rPr lang="en-US" dirty="0" smtClean="0"/>
+              <a:t>Joint offsets in hierarchical skeleton structure had to be changed. After that all rotations also had to be recalculated.</a:t>
+            </a:r>
             <a:endParaRPr lang="lt-LT" dirty="0"/>
           </a:p>
         </p:txBody>
@@ -8125,7 +8245,7 @@
             </a:br>
             <a:r>
               <a:rPr lang="lt-LT" sz="3100" dirty="0" smtClean="0"/>
-              <a:t>Exploding knee problem</a:t>
+              <a:t>Initial BVH pose</a:t>
             </a:r>
             <a:endParaRPr lang="en-US" sz="3100" dirty="0"/>
           </a:p>
@@ -8136,18 +8256,11 @@
   <p:clrMapOvr>
     <a:masterClrMapping/>
   </p:clrMapOvr>
-  <p:timing>
-    <p:tnLst>
-      <p:par>
-        <p:cTn id="1" dur="indefinite" restart="never" nodeType="tmRoot"/>
-      </p:par>
-    </p:tnLst>
-  </p:timing>
 </p:sld>
 </file>
 
 <file path=ppt/slides/slide31.xml><?xml version="1.0" encoding="utf-8"?>
-<p:sld xmlns:a="http://schemas.openxmlformats.org/drawingml/2006/main" xmlns:r="http://schemas.openxmlformats.org/officeDocument/2006/relationships" xmlns:mc="http://schemas.openxmlformats.org/markup-compatibility/2006" xmlns:mv="urn:schemas-microsoft-com:mac:vml" xmlns:p="http://schemas.openxmlformats.org/presentationml/2006/main" mc:Ignorable="mv" mc:PreserveAttributes="mv:*">
+<p:sld xmlns:a="http://schemas.openxmlformats.org/drawingml/2006/main" xmlns:r="http://schemas.openxmlformats.org/officeDocument/2006/relationships" xmlns:p="http://schemas.openxmlformats.org/presentationml/2006/main">
   <p:cSld>
     <p:spTree>
       <p:nvGrpSpPr>
@@ -8210,14 +8323,102 @@
               <a:rPr lang="en-US" dirty="0" smtClean="0"/>
             </a:br>
             <a:r>
-              <a:rPr lang="en-US" sz="3100" dirty="0" smtClean="0"/>
-              <a:t>Mesh connections collapsing on com</a:t>
-            </a:r>
-            <a:r>
               <a:rPr lang="lt-LT" sz="3100" dirty="0" smtClean="0"/>
-              <a:t>plex deformations</a:t>
+              <a:t>Initial BVH pose</a:t>
             </a:r>
             <a:endParaRPr lang="en-US" sz="3100" dirty="0"/>
+          </a:p>
+        </p:txBody>
+      </p:sp>
+      <p:pic>
+        <p:nvPicPr>
+          <p:cNvPr id="6146" name="Picture 2" descr="C:\Mano\Mokslai\Universitetas\5 Semestras\Project\cvg01\docs\Report\images\bvh1.jpg"/>
+          <p:cNvPicPr>
+            <a:picLocks noChangeAspect="1" noChangeArrowheads="1"/>
+          </p:cNvPicPr>
+          <p:nvPr/>
+        </p:nvPicPr>
+        <p:blipFill>
+          <a:blip r:embed="rId2"/>
+          <a:srcRect/>
+          <a:stretch>
+            <a:fillRect/>
+          </a:stretch>
+        </p:blipFill>
+        <p:spPr bwMode="auto">
+          <a:xfrm>
+            <a:off x="4000496" y="1529568"/>
+            <a:ext cx="4857752" cy="4191498"/>
+          </a:xfrm>
+          <a:prstGeom prst="rect">
+            <a:avLst/>
+          </a:prstGeom>
+          <a:noFill/>
+        </p:spPr>
+      </p:pic>
+      <p:pic>
+        <p:nvPicPr>
+          <p:cNvPr id="6147" name="Picture 3" descr="C:\Mano\Mokslai\Universitetas\5 Semestras\Project\cvg01\docs\Report\images\bvh2.jpg"/>
+          <p:cNvPicPr>
+            <a:picLocks noChangeAspect="1" noChangeArrowheads="1"/>
+          </p:cNvPicPr>
+          <p:nvPr/>
+        </p:nvPicPr>
+        <p:blipFill>
+          <a:blip r:embed="rId3"/>
+          <a:srcRect/>
+          <a:stretch>
+            <a:fillRect/>
+          </a:stretch>
+        </p:blipFill>
+        <p:spPr bwMode="auto">
+          <a:xfrm>
+            <a:off x="571472" y="1500173"/>
+            <a:ext cx="2428892" cy="4180639"/>
+          </a:xfrm>
+          <a:prstGeom prst="rect">
+            <a:avLst/>
+          </a:prstGeom>
+          <a:noFill/>
+        </p:spPr>
+      </p:pic>
+      <p:sp>
+        <p:nvSpPr>
+          <p:cNvPr id="6" name="Right Arrow 5"/>
+          <p:cNvSpPr/>
+          <p:nvPr/>
+        </p:nvSpPr>
+        <p:spPr>
+          <a:xfrm>
+            <a:off x="3071802" y="3000372"/>
+            <a:ext cx="857256" cy="928694"/>
+          </a:xfrm>
+          <a:prstGeom prst="rightArrow">
+            <a:avLst/>
+          </a:prstGeom>
+        </p:spPr>
+        <p:style>
+          <a:lnRef idx="2">
+            <a:schemeClr val="accent1">
+              <a:shade val="50000"/>
+            </a:schemeClr>
+          </a:lnRef>
+          <a:fillRef idx="1">
+            <a:schemeClr val="accent1"/>
+          </a:fillRef>
+          <a:effectRef idx="0">
+            <a:schemeClr val="accent1"/>
+          </a:effectRef>
+          <a:fontRef idx="minor">
+            <a:schemeClr val="lt1"/>
+          </a:fontRef>
+        </p:style>
+        <p:txBody>
+          <a:bodyPr rtlCol="0" anchor="ctr"/>
+          <a:lstStyle/>
+          <a:p>
+            <a:pPr algn="ctr"/>
+            <a:endParaRPr lang="lt-LT"/>
           </a:p>
         </p:txBody>
       </p:sp>
@@ -8226,18 +8427,11 @@
   <p:clrMapOvr>
     <a:masterClrMapping/>
   </p:clrMapOvr>
-  <p:timing>
-    <p:tnLst>
-      <p:par>
-        <p:cTn id="1" dur="indefinite" restart="never" nodeType="tmRoot"/>
-      </p:par>
-    </p:tnLst>
-  </p:timing>
 </p:sld>
 </file>
 
 <file path=ppt/slides/slide32.xml><?xml version="1.0" encoding="utf-8"?>
-<p:sld xmlns:a="http://schemas.openxmlformats.org/drawingml/2006/main" xmlns:r="http://schemas.openxmlformats.org/officeDocument/2006/relationships" xmlns:mc="http://schemas.openxmlformats.org/markup-compatibility/2006" xmlns:mv="urn:schemas-microsoft-com:mac:vml" xmlns:p="http://schemas.openxmlformats.org/presentationml/2006/main" mc:Ignorable="mv" mc:PreserveAttributes="mv:*">
+<p:sld xmlns:a="http://schemas.openxmlformats.org/drawingml/2006/main" xmlns:r="http://schemas.openxmlformats.org/officeDocument/2006/relationships" xmlns:p="http://schemas.openxmlformats.org/presentationml/2006/main">
   <p:cSld>
     <p:spTree>
       <p:nvGrpSpPr>
@@ -8268,7 +8462,58 @@
           <a:bodyPr/>
           <a:lstStyle/>
           <a:p>
-            <a:endParaRPr lang="lt-LT"/>
+            <a:r>
+              <a:rPr lang="en-US" dirty="0" smtClean="0"/>
+              <a:t>Appeared:</a:t>
+            </a:r>
+          </a:p>
+          <a:p>
+            <a:pPr lvl="1"/>
+            <a:r>
+              <a:rPr lang="en-US" dirty="0" smtClean="0"/>
+              <a:t>Overall rotation calculated as 3 separate around Z, Y and X axes.</a:t>
+            </a:r>
+          </a:p>
+          <a:p>
+            <a:pPr lvl="1"/>
+            <a:r>
+              <a:rPr lang="en-US" dirty="0" smtClean="0"/>
+              <a:t>“</a:t>
+            </a:r>
+            <a:r>
+              <a:rPr lang="en-US" dirty="0" err="1" smtClean="0"/>
+              <a:t>Gimbal</a:t>
+            </a:r>
+            <a:r>
+              <a:rPr lang="en-US" dirty="0" smtClean="0"/>
+              <a:t> lock” caused faulty vertices positions on LBS algorithm.</a:t>
+            </a:r>
+          </a:p>
+          <a:p>
+            <a:r>
+              <a:rPr lang="en-US" dirty="0" smtClean="0"/>
+              <a:t>Solution:</a:t>
+            </a:r>
+          </a:p>
+          <a:p>
+            <a:pPr lvl="1"/>
+            <a:r>
+              <a:rPr lang="en-US" dirty="0" smtClean="0"/>
+              <a:t>Use of quaternions, enabling us to calculate single rotation </a:t>
+            </a:r>
+            <a:r>
+              <a:rPr lang="en-US" dirty="0" smtClean="0"/>
+              <a:t>vector</a:t>
+            </a:r>
+            <a:r>
+              <a:rPr lang="en-US" dirty="0" smtClean="0"/>
+              <a:t> </a:t>
+            </a:r>
+            <a:r>
+              <a:rPr lang="en-US" dirty="0" smtClean="0"/>
+              <a:t>with additional filter for rotations.</a:t>
+            </a:r>
+            <a:endParaRPr lang="lt-LT" dirty="0"/>
           </a:p>
         </p:txBody>
       </p:sp>
@@ -8291,29 +8536,442 @@
           <a:p>
             <a:r>
               <a:rPr lang="en-US" dirty="0" smtClean="0"/>
-              <a:t>Conclusion and future work possibilities</a:t>
-            </a:r>
-            <a:endParaRPr lang="lt-LT" dirty="0"/>
-          </a:p>
-        </p:txBody>
-      </p:sp>
+              <a:t>Problems</a:t>
+            </a:r>
+            <a:br>
+              <a:rPr lang="en-US" dirty="0" smtClean="0"/>
+            </a:br>
+            <a:r>
+              <a:rPr lang="lt-LT" sz="3100" dirty="0" smtClean="0"/>
+              <a:t>Exploding knee problem</a:t>
+            </a:r>
+            <a:endParaRPr lang="en-US" sz="3100" dirty="0"/>
+          </a:p>
+        </p:txBody>
+      </p:sp>
+      <p:pic>
+        <p:nvPicPr>
+          <p:cNvPr id="7170" name="Picture 2" descr="C:\Mano\Mokslai\Universitetas\5 Semestras\Project\cvg01\docs\Report\images\s_knee_explosion.jpg"/>
+          <p:cNvPicPr>
+            <a:picLocks noChangeAspect="1" noChangeArrowheads="1"/>
+          </p:cNvPicPr>
+          <p:nvPr/>
+        </p:nvPicPr>
+        <p:blipFill>
+          <a:blip r:embed="rId2"/>
+          <a:srcRect/>
+          <a:stretch>
+            <a:fillRect/>
+          </a:stretch>
+        </p:blipFill>
+        <p:spPr bwMode="auto">
+          <a:xfrm>
+            <a:off x="3857620" y="4786322"/>
+            <a:ext cx="5078295" cy="1871657"/>
+          </a:xfrm>
+          <a:prstGeom prst="rect">
+            <a:avLst/>
+          </a:prstGeom>
+          <a:noFill/>
+        </p:spPr>
+      </p:pic>
     </p:spTree>
   </p:cSld>
   <p:clrMapOvr>
     <a:masterClrMapping/>
   </p:clrMapOvr>
-  <p:timing>
-    <p:tnLst>
-      <p:par>
-        <p:cTn id="1" dur="indefinite" restart="never" nodeType="tmRoot"/>
-      </p:par>
-    </p:tnLst>
-  </p:timing>
 </p:sld>
 </file>
 
 <file path=ppt/slides/slide33.xml><?xml version="1.0" encoding="utf-8"?>
-<p:sld xmlns:a="http://schemas.openxmlformats.org/drawingml/2006/main" xmlns:r="http://schemas.openxmlformats.org/officeDocument/2006/relationships" xmlns:mc="http://schemas.openxmlformats.org/markup-compatibility/2006" xmlns:mv="urn:schemas-microsoft-com:mac:vml" xmlns:p="http://schemas.openxmlformats.org/presentationml/2006/main" mc:Ignorable="mv" mc:PreserveAttributes="mv:*">
+<p:sld xmlns:a="http://schemas.openxmlformats.org/drawingml/2006/main" xmlns:r="http://schemas.openxmlformats.org/officeDocument/2006/relationships" xmlns:p="http://schemas.openxmlformats.org/presentationml/2006/main">
+  <p:cSld>
+    <p:spTree>
+      <p:nvGrpSpPr>
+        <p:cNvPr id="1" name=""/>
+        <p:cNvGrpSpPr/>
+        <p:nvPr/>
+      </p:nvGrpSpPr>
+      <p:grpSpPr>
+        <a:xfrm>
+          <a:off x="0" y="0"/>
+          <a:ext cx="0" cy="0"/>
+          <a:chOff x="0" y="0"/>
+          <a:chExt cx="0" cy="0"/>
+        </a:xfrm>
+      </p:grpSpPr>
+      <p:sp>
+        <p:nvSpPr>
+          <p:cNvPr id="2" name="Content Placeholder 1"/>
+          <p:cNvSpPr>
+            <a:spLocks noGrp="1"/>
+          </p:cNvSpPr>
+          <p:nvPr>
+            <p:ph idx="1"/>
+          </p:nvPr>
+        </p:nvSpPr>
+        <p:spPr/>
+        <p:txBody>
+          <a:bodyPr/>
+          <a:lstStyle/>
+          <a:p>
+            <a:r>
+              <a:rPr lang="en-US" dirty="0" smtClean="0"/>
+              <a:t>Primary tests of our Linear Blend Skinning algorithm (rotation only around 1 axis)</a:t>
+            </a:r>
+            <a:endParaRPr lang="lt-LT" dirty="0"/>
+          </a:p>
+        </p:txBody>
+      </p:sp>
+      <p:sp>
+        <p:nvSpPr>
+          <p:cNvPr id="3" name="Title 2"/>
+          <p:cNvSpPr>
+            <a:spLocks noGrp="1"/>
+          </p:cNvSpPr>
+          <p:nvPr>
+            <p:ph type="title"/>
+          </p:nvPr>
+        </p:nvSpPr>
+        <p:spPr/>
+        <p:txBody>
+          <a:bodyPr>
+            <a:normAutofit fontScale="90000"/>
+          </a:bodyPr>
+          <a:lstStyle/>
+          <a:p>
+            <a:r>
+              <a:rPr lang="en-US" dirty="0" smtClean="0"/>
+              <a:t>Problems</a:t>
+            </a:r>
+            <a:br>
+              <a:rPr lang="en-US" dirty="0" smtClean="0"/>
+            </a:br>
+            <a:r>
+              <a:rPr lang="en-US" sz="3100" dirty="0" smtClean="0"/>
+              <a:t>Mesh connections collapsing on com</a:t>
+            </a:r>
+            <a:r>
+              <a:rPr lang="lt-LT" sz="3100" dirty="0" smtClean="0"/>
+              <a:t>plex deformations</a:t>
+            </a:r>
+            <a:endParaRPr lang="en-US" sz="3100" dirty="0"/>
+          </a:p>
+        </p:txBody>
+      </p:sp>
+      <p:pic>
+        <p:nvPicPr>
+          <p:cNvPr id="8194" name="Picture 2" descr="C:\Mano\Mokslai\Universitetas\5 Semestras\Project\cvg01\docs\Report\images\s_knee_rot1.jpg"/>
+          <p:cNvPicPr>
+            <a:picLocks noChangeAspect="1" noChangeArrowheads="1"/>
+          </p:cNvPicPr>
+          <p:nvPr/>
+        </p:nvPicPr>
+        <p:blipFill>
+          <a:blip r:embed="rId2"/>
+          <a:srcRect/>
+          <a:stretch>
+            <a:fillRect/>
+          </a:stretch>
+        </p:blipFill>
+        <p:spPr bwMode="auto">
+          <a:xfrm>
+            <a:off x="2857488" y="2419369"/>
+            <a:ext cx="4367217" cy="4367217"/>
+          </a:xfrm>
+          <a:prstGeom prst="rect">
+            <a:avLst/>
+          </a:prstGeom>
+          <a:noFill/>
+        </p:spPr>
+      </p:pic>
+    </p:spTree>
+  </p:cSld>
+  <p:clrMapOvr>
+    <a:masterClrMapping/>
+  </p:clrMapOvr>
+</p:sld>
+</file>
+
+<file path=ppt/slides/slide34.xml><?xml version="1.0" encoding="utf-8"?>
+<p:sld xmlns:a="http://schemas.openxmlformats.org/drawingml/2006/main" xmlns:r="http://schemas.openxmlformats.org/officeDocument/2006/relationships" xmlns:p="http://schemas.openxmlformats.org/presentationml/2006/main">
+  <p:cSld>
+    <p:spTree>
+      <p:nvGrpSpPr>
+        <p:cNvPr id="1" name=""/>
+        <p:cNvGrpSpPr/>
+        <p:nvPr/>
+      </p:nvGrpSpPr>
+      <p:grpSpPr>
+        <a:xfrm>
+          <a:off x="0" y="0"/>
+          <a:ext cx="0" cy="0"/>
+          <a:chOff x="0" y="0"/>
+          <a:chExt cx="0" cy="0"/>
+        </a:xfrm>
+      </p:grpSpPr>
+      <p:sp>
+        <p:nvSpPr>
+          <p:cNvPr id="2" name="Content Placeholder 1"/>
+          <p:cNvSpPr>
+            <a:spLocks noGrp="1"/>
+          </p:cNvSpPr>
+          <p:nvPr>
+            <p:ph idx="1"/>
+          </p:nvPr>
+        </p:nvSpPr>
+        <p:spPr/>
+        <p:txBody>
+          <a:bodyPr/>
+          <a:lstStyle/>
+          <a:p>
+            <a:r>
+              <a:rPr lang="en-US" dirty="0" smtClean="0"/>
+              <a:t>Algorithm results with rotations around all 3 axes.</a:t>
+            </a:r>
+            <a:endParaRPr lang="lt-LT" dirty="0"/>
+          </a:p>
+        </p:txBody>
+      </p:sp>
+      <p:sp>
+        <p:nvSpPr>
+          <p:cNvPr id="3" name="Title 2"/>
+          <p:cNvSpPr>
+            <a:spLocks noGrp="1"/>
+          </p:cNvSpPr>
+          <p:nvPr>
+            <p:ph type="title"/>
+          </p:nvPr>
+        </p:nvSpPr>
+        <p:spPr/>
+        <p:txBody>
+          <a:bodyPr>
+            <a:normAutofit fontScale="90000"/>
+          </a:bodyPr>
+          <a:lstStyle/>
+          <a:p>
+            <a:r>
+              <a:rPr lang="en-US" dirty="0" smtClean="0"/>
+              <a:t>Problems</a:t>
+            </a:r>
+            <a:br>
+              <a:rPr lang="en-US" dirty="0" smtClean="0"/>
+            </a:br>
+            <a:r>
+              <a:rPr lang="en-US" sz="3100" dirty="0" smtClean="0"/>
+              <a:t>Mesh connections collapsing on com</a:t>
+            </a:r>
+            <a:r>
+              <a:rPr lang="lt-LT" sz="3100" dirty="0" smtClean="0"/>
+              <a:t>plex deformations</a:t>
+            </a:r>
+            <a:endParaRPr lang="en-US" sz="3100" dirty="0"/>
+          </a:p>
+        </p:txBody>
+      </p:sp>
+      <p:pic>
+        <p:nvPicPr>
+          <p:cNvPr id="9218" name="Picture 2" descr="C:\Mano\Mokslai\Universitetas\5 Semestras\Project\cvg01\docs\Report\images\s_knee.jpg"/>
+          <p:cNvPicPr>
+            <a:picLocks noChangeAspect="1" noChangeArrowheads="1"/>
+          </p:cNvPicPr>
+          <p:nvPr/>
+        </p:nvPicPr>
+        <p:blipFill>
+          <a:blip r:embed="rId2"/>
+          <a:srcRect/>
+          <a:stretch>
+            <a:fillRect/>
+          </a:stretch>
+        </p:blipFill>
+        <p:spPr bwMode="auto">
+          <a:xfrm>
+            <a:off x="2357422" y="2214531"/>
+            <a:ext cx="4643470" cy="4643470"/>
+          </a:xfrm>
+          <a:prstGeom prst="rect">
+            <a:avLst/>
+          </a:prstGeom>
+          <a:noFill/>
+        </p:spPr>
+      </p:pic>
+    </p:spTree>
+  </p:cSld>
+  <p:clrMapOvr>
+    <a:masterClrMapping/>
+  </p:clrMapOvr>
+</p:sld>
+</file>
+
+<file path=ppt/slides/slide35.xml><?xml version="1.0" encoding="utf-8"?>
+<p:sld xmlns:a="http://schemas.openxmlformats.org/drawingml/2006/main" xmlns:r="http://schemas.openxmlformats.org/officeDocument/2006/relationships" xmlns:p="http://schemas.openxmlformats.org/presentationml/2006/main">
+  <p:cSld>
+    <p:spTree>
+      <p:nvGrpSpPr>
+        <p:cNvPr id="1" name=""/>
+        <p:cNvGrpSpPr/>
+        <p:nvPr/>
+      </p:nvGrpSpPr>
+      <p:grpSpPr>
+        <a:xfrm>
+          <a:off x="0" y="0"/>
+          <a:ext cx="0" cy="0"/>
+          <a:chOff x="0" y="0"/>
+          <a:chExt cx="0" cy="0"/>
+        </a:xfrm>
+      </p:grpSpPr>
+      <p:sp>
+        <p:nvSpPr>
+          <p:cNvPr id="2" name="Content Placeholder 1"/>
+          <p:cNvSpPr>
+            <a:spLocks noGrp="1"/>
+          </p:cNvSpPr>
+          <p:nvPr>
+            <p:ph idx="1"/>
+          </p:nvPr>
+        </p:nvSpPr>
+        <p:spPr/>
+        <p:txBody>
+          <a:bodyPr/>
+          <a:lstStyle/>
+          <a:p>
+            <a:r>
+              <a:rPr lang="en-US" dirty="0" smtClean="0"/>
+              <a:t>Possible solutions for current algorithm:</a:t>
+            </a:r>
+          </a:p>
+          <a:p>
+            <a:pPr lvl="1"/>
+            <a:r>
+              <a:rPr lang="en-US" dirty="0" smtClean="0"/>
+              <a:t>Defining different weight values for vertices</a:t>
+            </a:r>
+          </a:p>
+          <a:p>
+            <a:pPr lvl="1"/>
+            <a:r>
+              <a:rPr lang="en-US" dirty="0" smtClean="0"/>
+              <a:t>Cutting mesh body parts differently (cutting out less)</a:t>
+            </a:r>
+            <a:endParaRPr lang="lt-LT" dirty="0"/>
+          </a:p>
+        </p:txBody>
+      </p:sp>
+      <p:sp>
+        <p:nvSpPr>
+          <p:cNvPr id="3" name="Title 2"/>
+          <p:cNvSpPr>
+            <a:spLocks noGrp="1"/>
+          </p:cNvSpPr>
+          <p:nvPr>
+            <p:ph type="title"/>
+          </p:nvPr>
+        </p:nvSpPr>
+        <p:spPr/>
+        <p:txBody>
+          <a:bodyPr>
+            <a:normAutofit fontScale="90000"/>
+          </a:bodyPr>
+          <a:lstStyle/>
+          <a:p>
+            <a:r>
+              <a:rPr lang="en-US" dirty="0" smtClean="0"/>
+              <a:t>Problems</a:t>
+            </a:r>
+            <a:br>
+              <a:rPr lang="en-US" dirty="0" smtClean="0"/>
+            </a:br>
+            <a:r>
+              <a:rPr lang="en-US" sz="3100" dirty="0" smtClean="0"/>
+              <a:t>Mesh connections collapsing on com</a:t>
+            </a:r>
+            <a:r>
+              <a:rPr lang="lt-LT" sz="3100" dirty="0" smtClean="0"/>
+              <a:t>plex deformations</a:t>
+            </a:r>
+            <a:endParaRPr lang="en-US" sz="3100" dirty="0"/>
+          </a:p>
+        </p:txBody>
+      </p:sp>
+    </p:spTree>
+  </p:cSld>
+  <p:clrMapOvr>
+    <a:masterClrMapping/>
+  </p:clrMapOvr>
+</p:sld>
+</file>
+
+<file path=ppt/slides/slide36.xml><?xml version="1.0" encoding="utf-8"?>
+<p:sld xmlns:a="http://schemas.openxmlformats.org/drawingml/2006/main" xmlns:r="http://schemas.openxmlformats.org/officeDocument/2006/relationships" xmlns:p="http://schemas.openxmlformats.org/presentationml/2006/main">
+  <p:cSld>
+    <p:spTree>
+      <p:nvGrpSpPr>
+        <p:cNvPr id="1" name=""/>
+        <p:cNvGrpSpPr/>
+        <p:nvPr/>
+      </p:nvGrpSpPr>
+      <p:grpSpPr>
+        <a:xfrm>
+          <a:off x="0" y="0"/>
+          <a:ext cx="0" cy="0"/>
+          <a:chOff x="0" y="0"/>
+          <a:chExt cx="0" cy="0"/>
+        </a:xfrm>
+      </p:grpSpPr>
+      <p:sp>
+        <p:nvSpPr>
+          <p:cNvPr id="2" name="Content Placeholder 1"/>
+          <p:cNvSpPr>
+            <a:spLocks noGrp="1"/>
+          </p:cNvSpPr>
+          <p:nvPr>
+            <p:ph idx="1"/>
+          </p:nvPr>
+        </p:nvSpPr>
+        <p:spPr/>
+        <p:txBody>
+          <a:bodyPr/>
+          <a:lstStyle/>
+          <a:p>
+            <a:endParaRPr lang="lt-LT" dirty="0"/>
+          </a:p>
+        </p:txBody>
+      </p:sp>
+      <p:sp>
+        <p:nvSpPr>
+          <p:cNvPr id="3" name="Title 2"/>
+          <p:cNvSpPr>
+            <a:spLocks noGrp="1"/>
+          </p:cNvSpPr>
+          <p:nvPr>
+            <p:ph type="title"/>
+          </p:nvPr>
+        </p:nvSpPr>
+        <p:spPr/>
+        <p:txBody>
+          <a:bodyPr>
+            <a:normAutofit fontScale="90000"/>
+          </a:bodyPr>
+          <a:lstStyle/>
+          <a:p>
+            <a:r>
+              <a:rPr lang="en-US" dirty="0" smtClean="0"/>
+              <a:t>Conclusion and future work possibilities</a:t>
+            </a:r>
+            <a:endParaRPr lang="lt-LT" dirty="0"/>
+          </a:p>
+        </p:txBody>
+      </p:sp>
+    </p:spTree>
+  </p:cSld>
+  <p:clrMapOvr>
+    <a:masterClrMapping/>
+  </p:clrMapOvr>
+</p:sld>
+</file>
+
+<file path=ppt/slides/slide37.xml><?xml version="1.0" encoding="utf-8"?>
+<p:sld xmlns:a="http://schemas.openxmlformats.org/drawingml/2006/main" xmlns:r="http://schemas.openxmlformats.org/officeDocument/2006/relationships" xmlns:p="http://schemas.openxmlformats.org/presentationml/2006/main">
   <p:cSld>
     <p:spTree>
       <p:nvGrpSpPr>
@@ -8400,7 +9058,7 @@
 </file>
 
 <file path=ppt/slides/slide4.xml><?xml version="1.0" encoding="utf-8"?>
-<p:sld xmlns:a="http://schemas.openxmlformats.org/drawingml/2006/main" xmlns:r="http://schemas.openxmlformats.org/officeDocument/2006/relationships" xmlns:mc="http://schemas.openxmlformats.org/markup-compatibility/2006" xmlns:mv="urn:schemas-microsoft-com:mac:vml" xmlns:p="http://schemas.openxmlformats.org/presentationml/2006/main" mc:Ignorable="mv" mc:PreserveAttributes="mv:*">
+<p:sld xmlns:a="http://schemas.openxmlformats.org/drawingml/2006/main" xmlns:r="http://schemas.openxmlformats.org/officeDocument/2006/relationships" xmlns:p="http://schemas.openxmlformats.org/presentationml/2006/main">
   <p:cSld>
     <p:spTree>
       <p:nvGrpSpPr>
@@ -8474,7 +9132,7 @@
 </file>
 
 <file path=ppt/slides/slide5.xml><?xml version="1.0" encoding="utf-8"?>
-<p:sld xmlns:a="http://schemas.openxmlformats.org/drawingml/2006/main" xmlns:r="http://schemas.openxmlformats.org/officeDocument/2006/relationships" xmlns:mc="http://schemas.openxmlformats.org/markup-compatibility/2006" xmlns:mv="urn:schemas-microsoft-com:mac:vml" xmlns:p="http://schemas.openxmlformats.org/presentationml/2006/main" mc:Ignorable="mv" mc:PreserveAttributes="mv:*">
+<p:sld xmlns:a="http://schemas.openxmlformats.org/drawingml/2006/main" xmlns:r="http://schemas.openxmlformats.org/officeDocument/2006/relationships" xmlns:p="http://schemas.openxmlformats.org/presentationml/2006/main">
   <p:cSld>
     <p:spTree>
       <p:nvGrpSpPr>
@@ -8671,7 +9329,7 @@
 </file>
 
 <file path=ppt/slides/slide6.xml><?xml version="1.0" encoding="utf-8"?>
-<p:sld xmlns:a="http://schemas.openxmlformats.org/drawingml/2006/main" xmlns:r="http://schemas.openxmlformats.org/officeDocument/2006/relationships" xmlns:mc="http://schemas.openxmlformats.org/markup-compatibility/2006" xmlns:mv="urn:schemas-microsoft-com:mac:vml" xmlns:p="http://schemas.openxmlformats.org/presentationml/2006/main" mc:Ignorable="mv" mc:PreserveAttributes="mv:*">
+<p:sld xmlns:a="http://schemas.openxmlformats.org/drawingml/2006/main" xmlns:r="http://schemas.openxmlformats.org/officeDocument/2006/relationships" xmlns:p="http://schemas.openxmlformats.org/presentationml/2006/main">
   <p:cSld>
     <p:spTree>
       <p:nvGrpSpPr>
@@ -8784,7 +9442,7 @@
 </file>
 
 <file path=ppt/slides/slide7.xml><?xml version="1.0" encoding="utf-8"?>
-<p:sld xmlns:a="http://schemas.openxmlformats.org/drawingml/2006/main" xmlns:r="http://schemas.openxmlformats.org/officeDocument/2006/relationships" xmlns:mc="http://schemas.openxmlformats.org/markup-compatibility/2006" xmlns:mv="urn:schemas-microsoft-com:mac:vml" xmlns:p="http://schemas.openxmlformats.org/presentationml/2006/main" mc:Ignorable="mv" mc:PreserveAttributes="mv:*">
+<p:sld xmlns:a="http://schemas.openxmlformats.org/drawingml/2006/main" xmlns:r="http://schemas.openxmlformats.org/officeDocument/2006/relationships" xmlns:p="http://schemas.openxmlformats.org/presentationml/2006/main">
   <p:cSld>
     <p:spTree>
       <p:nvGrpSpPr>
@@ -8928,7 +9586,7 @@
 </file>
 
 <file path=ppt/slides/slide8.xml><?xml version="1.0" encoding="utf-8"?>
-<p:sld xmlns:a="http://schemas.openxmlformats.org/drawingml/2006/main" xmlns:r="http://schemas.openxmlformats.org/officeDocument/2006/relationships" xmlns:mc="http://schemas.openxmlformats.org/markup-compatibility/2006" xmlns:mv="urn:schemas-microsoft-com:mac:vml" xmlns:p="http://schemas.openxmlformats.org/presentationml/2006/main" mc:Ignorable="mv" mc:PreserveAttributes="mv:*">
+<p:sld xmlns:a="http://schemas.openxmlformats.org/drawingml/2006/main" xmlns:r="http://schemas.openxmlformats.org/officeDocument/2006/relationships" xmlns:p="http://schemas.openxmlformats.org/presentationml/2006/main">
   <p:cSld>
     <p:spTree>
       <p:nvGrpSpPr>
@@ -8960,8 +9618,27 @@
           <a:lstStyle/>
           <a:p>
             <a:r>
+              <a:rPr lang="en-US" dirty="0" smtClean="0"/>
+              <a:t>Parametric representation of lines in 3D</a:t>
+            </a:r>
+            <a:r>
               <a:rPr lang="lt-LT" dirty="0" smtClean="0"/>
-              <a:t>Linear blend skinning</a:t>
+              <a:t> </a:t>
+            </a:r>
+            <a:r>
+              <a:rPr lang="lt-LT" dirty="0" smtClean="0"/>
+              <a:t>space</a:t>
+            </a:r>
+            <a:endParaRPr lang="en-US" dirty="0" smtClean="0"/>
+          </a:p>
+          <a:p>
+            <a:r>
+              <a:rPr lang="lt-LT" dirty="0" smtClean="0"/>
+              <a:t>Linear </a:t>
+            </a:r>
+            <a:r>
+              <a:rPr lang="lt-LT" dirty="0" smtClean="0"/>
+              <a:t>blend skinning</a:t>
             </a:r>
           </a:p>
           <a:p>
@@ -8969,22 +9646,16 @@
               <a:rPr lang="lt-LT" dirty="0" smtClean="0"/>
               <a:t>Quaternions</a:t>
             </a:r>
-          </a:p>
-          <a:p>
-            <a:r>
-              <a:rPr lang="en-US" dirty="0" smtClean="0"/>
-              <a:t>Parametric representation of lines in 3D</a:t>
-            </a:r>
-            <a:r>
-              <a:rPr lang="lt-LT" dirty="0" smtClean="0"/>
-              <a:t> space</a:t>
-            </a:r>
-            <a:endParaRPr lang="en-US" dirty="0" smtClean="0"/>
-          </a:p>
-          <a:p>
-            <a:r>
-              <a:rPr lang="en-US" dirty="0" smtClean="0"/>
-              <a:t>Inverse/Forward??? kinematics</a:t>
+            <a:endParaRPr lang="lt-LT" dirty="0" smtClean="0"/>
+          </a:p>
+          <a:p>
+            <a:r>
+              <a:rPr lang="en-US" dirty="0" smtClean="0"/>
+              <a:t>Forward </a:t>
+            </a:r>
+            <a:r>
+              <a:rPr lang="en-US" dirty="0" smtClean="0"/>
+              <a:t>kinematics</a:t>
             </a:r>
             <a:endParaRPr lang="lt-LT" dirty="0" smtClean="0"/>
           </a:p>
@@ -9030,7 +9701,7 @@
 </file>
 
 <file path=ppt/slides/slide9.xml><?xml version="1.0" encoding="utf-8"?>
-<p:sld xmlns:a="http://schemas.openxmlformats.org/drawingml/2006/main" xmlns:r="http://schemas.openxmlformats.org/officeDocument/2006/relationships" xmlns:mc="http://schemas.openxmlformats.org/markup-compatibility/2006" xmlns:mv="urn:schemas-microsoft-com:mac:vml" xmlns:p="http://schemas.openxmlformats.org/presentationml/2006/main" mc:Ignorable="mv" mc:PreserveAttributes="mv:*">
+<p:sld xmlns:a="http://schemas.openxmlformats.org/drawingml/2006/main" xmlns:r="http://schemas.openxmlformats.org/officeDocument/2006/relationships" xmlns:p="http://schemas.openxmlformats.org/presentationml/2006/main">
   <p:cSld>
     <p:spTree>
       <p:nvGrpSpPr>
@@ -9063,36 +9734,15 @@
           <a:p>
             <a:r>
               <a:rPr lang="en-US" dirty="0" smtClean="0"/>
-              <a:t>Skin deformations</a:t>
-            </a:r>
-          </a:p>
-          <a:p>
-            <a:pPr lvl="1"/>
-            <a:r>
-              <a:rPr lang="en-US" dirty="0" smtClean="0"/>
-              <a:t>Anatomy (layer) based deformations</a:t>
-            </a:r>
-          </a:p>
-          <a:p>
-            <a:pPr lvl="1"/>
-            <a:r>
-              <a:rPr lang="en-US" dirty="0" smtClean="0"/>
-              <a:t>Direct skin deformation</a:t>
-            </a:r>
-          </a:p>
-          <a:p>
-            <a:pPr lvl="2"/>
-            <a:r>
-              <a:rPr lang="en-US" dirty="0" smtClean="0"/>
-              <a:t>Linear blend skinning</a:t>
-            </a:r>
-          </a:p>
-          <a:p>
-            <a:pPr lvl="2"/>
-            <a:r>
-              <a:rPr lang="en-US" dirty="0" smtClean="0"/>
-              <a:t>Different implementations</a:t>
-            </a:r>
+              <a:t>Line segment connects separate mesh body parts</a:t>
+            </a:r>
+          </a:p>
+          <a:p>
+            <a:r>
+              <a:rPr lang="en-US" dirty="0" smtClean="0"/>
+              <a:t>Each vertex on the segment is influenced by our LBS algorithm</a:t>
+            </a:r>
+            <a:endParaRPr lang="lt-LT" dirty="0"/>
           </a:p>
         </p:txBody>
       </p:sp>
@@ -9109,18 +9759,55 @@
         <p:spPr/>
         <p:txBody>
           <a:bodyPr>
-            <a:normAutofit/>
+            <a:normAutofit fontScale="90000"/>
           </a:bodyPr>
           <a:lstStyle/>
           <a:p>
             <a:r>
-              <a:rPr lang="en-US" sz="3600" dirty="0" smtClean="0"/>
-              <a:t>Linear blend skinning</a:t>
-            </a:r>
-            <a:endParaRPr lang="en-US" sz="3600" dirty="0"/>
-          </a:p>
-        </p:txBody>
-      </p:sp>
+              <a:rPr lang="en-US" dirty="0" smtClean="0"/>
+              <a:t>Parametric representation of lines in 3D</a:t>
+            </a:r>
+            <a:r>
+              <a:rPr lang="lt-LT" dirty="0" smtClean="0"/>
+              <a:t> space</a:t>
+            </a:r>
+            <a:endParaRPr lang="lt-LT" dirty="0"/>
+          </a:p>
+        </p:txBody>
+      </p:sp>
+      <p:pic>
+        <p:nvPicPr>
+          <p:cNvPr id="1027" name="Picture 3"/>
+          <p:cNvPicPr>
+            <a:picLocks noChangeAspect="1" noChangeArrowheads="1"/>
+          </p:cNvPicPr>
+          <p:nvPr/>
+        </p:nvPicPr>
+        <p:blipFill>
+          <a:blip r:embed="rId2"/>
+          <a:srcRect/>
+          <a:stretch>
+            <a:fillRect/>
+          </a:stretch>
+        </p:blipFill>
+        <p:spPr bwMode="auto">
+          <a:xfrm>
+            <a:off x="5929322" y="3571876"/>
+            <a:ext cx="3015653" cy="3071810"/>
+          </a:xfrm>
+          <a:prstGeom prst="rect">
+            <a:avLst/>
+          </a:prstGeom>
+          <a:noFill/>
+          <a:ln w="9525">
+            <a:noFill/>
+            <a:miter lim="800000"/>
+            <a:headEnd/>
+            <a:tailEnd/>
+          </a:ln>
+          <a:effectLst/>
+        </p:spPr>
+      </p:pic>
     </p:spTree>
   </p:cSld>
   <p:clrMapOvr>

--- a/trunk/docs/Presentation/Presentation.pptx
+++ b/trunk/docs/Presentation/Presentation.pptx
@@ -12,36 +12,39 @@
     <p:sldId id="263" r:id="rId6"/>
     <p:sldId id="281" r:id="rId7"/>
     <p:sldId id="266" r:id="rId8"/>
-    <p:sldId id="260" r:id="rId9"/>
-    <p:sldId id="273" r:id="rId10"/>
-    <p:sldId id="279" r:id="rId11"/>
-    <p:sldId id="262" r:id="rId12"/>
-    <p:sldId id="268" r:id="rId13"/>
-    <p:sldId id="269" r:id="rId14"/>
-    <p:sldId id="270" r:id="rId15"/>
-    <p:sldId id="271" r:id="rId16"/>
-    <p:sldId id="286" r:id="rId17"/>
-    <p:sldId id="287" r:id="rId18"/>
-    <p:sldId id="288" r:id="rId19"/>
-    <p:sldId id="289" r:id="rId20"/>
-    <p:sldId id="290" r:id="rId21"/>
-    <p:sldId id="291" r:id="rId22"/>
-    <p:sldId id="292" r:id="rId23"/>
-    <p:sldId id="293" r:id="rId24"/>
-    <p:sldId id="294" r:id="rId25"/>
-    <p:sldId id="267" r:id="rId26"/>
-    <p:sldId id="280" r:id="rId27"/>
-    <p:sldId id="285" r:id="rId28"/>
-    <p:sldId id="275" r:id="rId29"/>
-    <p:sldId id="264" r:id="rId30"/>
-    <p:sldId id="276" r:id="rId31"/>
-    <p:sldId id="283" r:id="rId32"/>
-    <p:sldId id="277" r:id="rId33"/>
-    <p:sldId id="278" r:id="rId34"/>
-    <p:sldId id="284" r:id="rId35"/>
-    <p:sldId id="295" r:id="rId36"/>
-    <p:sldId id="282" r:id="rId37"/>
-    <p:sldId id="258" r:id="rId38"/>
+    <p:sldId id="296" r:id="rId9"/>
+    <p:sldId id="298" r:id="rId10"/>
+    <p:sldId id="260" r:id="rId11"/>
+    <p:sldId id="273" r:id="rId12"/>
+    <p:sldId id="279" r:id="rId13"/>
+    <p:sldId id="262" r:id="rId14"/>
+    <p:sldId id="268" r:id="rId15"/>
+    <p:sldId id="269" r:id="rId16"/>
+    <p:sldId id="270" r:id="rId17"/>
+    <p:sldId id="271" r:id="rId18"/>
+    <p:sldId id="286" r:id="rId19"/>
+    <p:sldId id="287" r:id="rId20"/>
+    <p:sldId id="288" r:id="rId21"/>
+    <p:sldId id="289" r:id="rId22"/>
+    <p:sldId id="290" r:id="rId23"/>
+    <p:sldId id="291" r:id="rId24"/>
+    <p:sldId id="292" r:id="rId25"/>
+    <p:sldId id="293" r:id="rId26"/>
+    <p:sldId id="294" r:id="rId27"/>
+    <p:sldId id="267" r:id="rId28"/>
+    <p:sldId id="280" r:id="rId29"/>
+    <p:sldId id="297" r:id="rId30"/>
+    <p:sldId id="285" r:id="rId31"/>
+    <p:sldId id="275" r:id="rId32"/>
+    <p:sldId id="264" r:id="rId33"/>
+    <p:sldId id="276" r:id="rId34"/>
+    <p:sldId id="283" r:id="rId35"/>
+    <p:sldId id="277" r:id="rId36"/>
+    <p:sldId id="278" r:id="rId37"/>
+    <p:sldId id="284" r:id="rId38"/>
+    <p:sldId id="295" r:id="rId39"/>
+    <p:sldId id="282" r:id="rId40"/>
+    <p:sldId id="258" r:id="rId41"/>
   </p:sldIdLst>
   <p:sldSz cx="9144000" cy="6858000" type="screen4x3"/>
   <p:notesSz cx="6858000" cy="9144000"/>
@@ -769,7 +772,7 @@
             <a:fld id="{8900D071-D45E-4DB1-8026-6607FD7943F8}" type="datetimeFigureOut">
               <a:rPr lang="lt-LT" smtClean="0"/>
               <a:pPr/>
-              <a:t>2009.01.22</a:t>
+              <a:t>2009.01.23</a:t>
             </a:fld>
             <a:endParaRPr lang="lt-LT"/>
           </a:p>
@@ -967,7 +970,7 @@
             <a:fld id="{8900D071-D45E-4DB1-8026-6607FD7943F8}" type="datetimeFigureOut">
               <a:rPr lang="lt-LT" smtClean="0"/>
               <a:pPr/>
-              <a:t>2009.01.22</a:t>
+              <a:t>2009.01.23</a:t>
             </a:fld>
             <a:endParaRPr lang="lt-LT"/>
           </a:p>
@@ -1154,7 +1157,7 @@
             <a:fld id="{8900D071-D45E-4DB1-8026-6607FD7943F8}" type="datetimeFigureOut">
               <a:rPr lang="lt-LT" smtClean="0"/>
               <a:pPr/>
-              <a:t>2009.01.22</a:t>
+              <a:t>2009.01.23</a:t>
             </a:fld>
             <a:endParaRPr lang="lt-LT"/>
           </a:p>
@@ -1306,7 +1309,7 @@
             <a:fld id="{8900D071-D45E-4DB1-8026-6607FD7943F8}" type="datetimeFigureOut">
               <a:rPr lang="lt-LT" smtClean="0"/>
               <a:pPr/>
-              <a:t>2009.01.22</a:t>
+              <a:t>2009.01.23</a:t>
             </a:fld>
             <a:endParaRPr lang="lt-LT"/>
           </a:p>
@@ -1563,7 +1566,7 @@
             <a:fld id="{8900D071-D45E-4DB1-8026-6607FD7943F8}" type="datetimeFigureOut">
               <a:rPr lang="lt-LT" smtClean="0"/>
               <a:pPr/>
-              <a:t>2009.01.22</a:t>
+              <a:t>2009.01.23</a:t>
             </a:fld>
             <a:endParaRPr lang="lt-LT"/>
           </a:p>
@@ -1974,7 +1977,7 @@
             <a:fld id="{8900D071-D45E-4DB1-8026-6607FD7943F8}" type="datetimeFigureOut">
               <a:rPr lang="lt-LT" smtClean="0"/>
               <a:pPr/>
-              <a:t>2009.01.22</a:t>
+              <a:t>2009.01.23</a:t>
             </a:fld>
             <a:endParaRPr lang="lt-LT"/>
           </a:p>
@@ -2422,7 +2425,7 @@
             <a:fld id="{8900D071-D45E-4DB1-8026-6607FD7943F8}" type="datetimeFigureOut">
               <a:rPr lang="lt-LT" smtClean="0"/>
               <a:pPr/>
-              <a:t>2009.01.22</a:t>
+              <a:t>2009.01.23</a:t>
             </a:fld>
             <a:endParaRPr lang="lt-LT"/>
           </a:p>
@@ -2525,7 +2528,7 @@
             <a:fld id="{8900D071-D45E-4DB1-8026-6607FD7943F8}" type="datetimeFigureOut">
               <a:rPr lang="lt-LT" smtClean="0"/>
               <a:pPr/>
-              <a:t>2009.01.22</a:t>
+              <a:t>2009.01.23</a:t>
             </a:fld>
             <a:endParaRPr lang="lt-LT"/>
           </a:p>
@@ -2648,7 +2651,7 @@
             <a:fld id="{8900D071-D45E-4DB1-8026-6607FD7943F8}" type="datetimeFigureOut">
               <a:rPr lang="lt-LT" smtClean="0"/>
               <a:pPr/>
-              <a:t>2009.01.22</a:t>
+              <a:t>2009.01.23</a:t>
             </a:fld>
             <a:endParaRPr lang="lt-LT"/>
           </a:p>
@@ -2924,7 +2927,7 @@
             <a:fld id="{8900D071-D45E-4DB1-8026-6607FD7943F8}" type="datetimeFigureOut">
               <a:rPr lang="lt-LT" smtClean="0"/>
               <a:pPr/>
-              <a:t>2009.01.22</a:t>
+              <a:t>2009.01.23</a:t>
             </a:fld>
             <a:endParaRPr lang="lt-LT"/>
           </a:p>
@@ -3131,7 +3134,7 @@
             <a:fld id="{8900D071-D45E-4DB1-8026-6607FD7943F8}" type="datetimeFigureOut">
               <a:rPr lang="lt-LT" smtClean="0"/>
               <a:pPr/>
-              <a:t>2009.01.22</a:t>
+              <a:t>2009.01.23</a:t>
             </a:fld>
             <a:endParaRPr lang="lt-LT"/>
           </a:p>
@@ -4242,7 +4245,7 @@
             <a:fld id="{8900D071-D45E-4DB1-8026-6607FD7943F8}" type="datetimeFigureOut">
               <a:rPr lang="lt-LT" smtClean="0"/>
               <a:pPr/>
-              <a:t>2009.01.22</a:t>
+              <a:t>2009.01.23</a:t>
             </a:fld>
             <a:endParaRPr lang="lt-LT"/>
           </a:p>
@@ -4757,73 +4760,9 @@
             <p:ph idx="1"/>
           </p:nvPr>
         </p:nvSpPr>
-        <p:spPr>
-          <a:xfrm>
-            <a:off x="457200" y="1481328"/>
-            <a:ext cx="8229600" cy="1376167"/>
-          </a:xfrm>
-        </p:spPr>
-        <p:txBody>
-          <a:bodyPr>
-            <a:normAutofit/>
-          </a:bodyPr>
-          <a:lstStyle/>
-          <a:p>
-            <a:r>
-              <a:rPr lang="en-US" dirty="0" smtClean="0"/>
-              <a:t>Parametric representation of the line:</a:t>
-            </a:r>
-          </a:p>
-          <a:p>
-            <a:pPr lvl="1"/>
-            <a:r>
-              <a:rPr lang="lt-LT" i="1" dirty="0" smtClean="0"/>
-              <a:t>L(t)</a:t>
-            </a:r>
-            <a:r>
-              <a:rPr lang="lt-LT" dirty="0" smtClean="0"/>
-              <a:t> = A + b</a:t>
-            </a:r>
-            <a:r>
-              <a:rPr lang="en-US" dirty="0" smtClean="0"/>
-              <a:t> * </a:t>
-            </a:r>
-            <a:r>
-              <a:rPr lang="lt-LT" dirty="0" smtClean="0"/>
-              <a:t>t</a:t>
-            </a:r>
-            <a:endParaRPr lang="en-US" dirty="0" smtClean="0"/>
-          </a:p>
-          <a:p>
-            <a:pPr lvl="1">
-              <a:buNone/>
-            </a:pPr>
-            <a:r>
-              <a:rPr lang="en-US" sz="1800" dirty="0" smtClean="0"/>
-              <a:t>A – starting point, b = A – B vector, t - parameter</a:t>
-            </a:r>
-            <a:endParaRPr lang="lt-LT" sz="1800" dirty="0" smtClean="0"/>
-          </a:p>
-          <a:p>
-            <a:endParaRPr lang="lt-LT" dirty="0"/>
-          </a:p>
-        </p:txBody>
-      </p:sp>
-      <p:sp>
-        <p:nvSpPr>
-          <p:cNvPr id="3" name="Title 2"/>
-          <p:cNvSpPr>
-            <a:spLocks noGrp="1"/>
-          </p:cNvSpPr>
-          <p:nvPr>
-            <p:ph type="title"/>
-          </p:nvPr>
-        </p:nvSpPr>
-        <p:spPr/>
-        <p:txBody>
-          <a:bodyPr>
-            <a:normAutofit fontScale="90000"/>
-          </a:bodyPr>
+        <p:spPr/>
+        <p:txBody>
+          <a:bodyPr/>
           <a:lstStyle/>
           <a:p>
             <a:r>
@@ -4834,72 +4773,49 @@
               <a:rPr lang="lt-LT" dirty="0" smtClean="0"/>
               <a:t> space</a:t>
             </a:r>
-            <a:endParaRPr lang="lt-LT" dirty="0"/>
-          </a:p>
-        </p:txBody>
-      </p:sp>
-      <p:pic>
-        <p:nvPicPr>
-          <p:cNvPr id="2050" name="Picture 2" descr="C:\Mano\Mokslai\Universitetas\5 Semestras\Project\cvg01\docs\Report\images\lines3d.jpg"/>
-          <p:cNvPicPr>
-            <a:picLocks noChangeAspect="1" noChangeArrowheads="1"/>
-          </p:cNvPicPr>
-          <p:nvPr/>
-        </p:nvPicPr>
-        <p:blipFill>
-          <a:blip r:embed="rId2"/>
-          <a:srcRect/>
-          <a:stretch>
-            <a:fillRect/>
-          </a:stretch>
-        </p:blipFill>
-        <p:spPr bwMode="auto">
-          <a:xfrm>
-            <a:off x="4459314" y="2714620"/>
-            <a:ext cx="4684685" cy="3929090"/>
-          </a:xfrm>
-          <a:prstGeom prst="rect">
-            <a:avLst/>
-          </a:prstGeom>
-          <a:noFill/>
-        </p:spPr>
-      </p:pic>
-      <p:sp>
-        <p:nvSpPr>
-          <p:cNvPr id="6" name="TextBox 5"/>
-          <p:cNvSpPr txBox="1"/>
-          <p:nvPr/>
-        </p:nvSpPr>
-        <p:spPr>
-          <a:xfrm>
-            <a:off x="714348" y="2857496"/>
-            <a:ext cx="3786214" cy="1754326"/>
-          </a:xfrm>
-          <a:prstGeom prst="rect">
-            <a:avLst/>
-          </a:prstGeom>
-          <a:noFill/>
-        </p:spPr>
-        <p:txBody>
-          <a:bodyPr wrap="square" rtlCol="0">
-            <a:spAutoFit/>
-          </a:bodyPr>
+            <a:endParaRPr lang="en-US" dirty="0" smtClean="0"/>
+          </a:p>
+          <a:p>
+            <a:r>
+              <a:rPr lang="lt-LT" dirty="0" smtClean="0"/>
+              <a:t>Linear blend skinning</a:t>
+            </a:r>
+          </a:p>
+          <a:p>
+            <a:r>
+              <a:rPr lang="lt-LT" dirty="0" smtClean="0"/>
+              <a:t>Quaternions</a:t>
+            </a:r>
+          </a:p>
+          <a:p>
+            <a:r>
+              <a:rPr lang="en-US" dirty="0" smtClean="0"/>
+              <a:t>Forward kinematics</a:t>
+            </a:r>
+            <a:endParaRPr lang="lt-LT" dirty="0" smtClean="0"/>
+          </a:p>
+        </p:txBody>
+      </p:sp>
+      <p:sp>
+        <p:nvSpPr>
+          <p:cNvPr id="3" name="Title 2"/>
+          <p:cNvSpPr>
+            <a:spLocks noGrp="1"/>
+          </p:cNvSpPr>
+          <p:nvPr>
+            <p:ph type="title"/>
+          </p:nvPr>
+        </p:nvSpPr>
+        <p:spPr/>
+        <p:txBody>
+          <a:bodyPr/>
           <a:lstStyle/>
           <a:p>
             <a:r>
               <a:rPr lang="en-US" dirty="0" smtClean="0"/>
-              <a:t>A and B could be taken as two points on two separate meshes.</a:t>
-            </a:r>
-          </a:p>
-          <a:p>
-            <a:endParaRPr lang="en-US" dirty="0" smtClean="0"/>
-          </a:p>
-          <a:p>
-            <a:r>
-              <a:rPr lang="en-US" dirty="0" smtClean="0"/>
-              <a:t>By scaling t – proportional vertex positioning along the line is achieved.</a:t>
-            </a:r>
-            <a:endParaRPr lang="lt-LT" dirty="0"/>
+              <a:t>Used techniques</a:t>
+            </a:r>
+            <a:endParaRPr lang="en-US" dirty="0"/>
           </a:p>
         </p:txBody>
       </p:sp>
@@ -4908,6 +4824,7 @@
   <p:clrMapOvr>
     <a:masterClrMapping/>
   </p:clrMapOvr>
+  <p:transition/>
   <p:timing>
     <p:tnLst>
       <p:par>
@@ -4952,36 +4869,15 @@
           <a:p>
             <a:r>
               <a:rPr lang="en-US" dirty="0" smtClean="0"/>
-              <a:t>Skin deformations</a:t>
-            </a:r>
-          </a:p>
-          <a:p>
-            <a:pPr lvl="1"/>
-            <a:r>
-              <a:rPr lang="en-US" dirty="0" smtClean="0"/>
-              <a:t>Anatomy (layer) based deformations</a:t>
-            </a:r>
-          </a:p>
-          <a:p>
-            <a:pPr lvl="1"/>
-            <a:r>
-              <a:rPr lang="en-US" dirty="0" smtClean="0"/>
-              <a:t>Direct skin deformation</a:t>
-            </a:r>
-          </a:p>
-          <a:p>
-            <a:pPr lvl="2"/>
-            <a:r>
-              <a:rPr lang="en-US" dirty="0" smtClean="0"/>
-              <a:t>Linear blend skinning</a:t>
-            </a:r>
-          </a:p>
-          <a:p>
-            <a:pPr lvl="2"/>
-            <a:r>
-              <a:rPr lang="en-US" dirty="0" smtClean="0"/>
-              <a:t>Different implementations</a:t>
-            </a:r>
+              <a:t>Line segment connects separate mesh body parts</a:t>
+            </a:r>
+          </a:p>
+          <a:p>
+            <a:r>
+              <a:rPr lang="en-US" dirty="0" smtClean="0"/>
+              <a:t>Each vertex on the segment is influenced by our LBS algorithm</a:t>
+            </a:r>
+            <a:endParaRPr lang="lt-LT" dirty="0"/>
           </a:p>
         </p:txBody>
       </p:sp>
@@ -4998,18 +4894,55 @@
         <p:spPr/>
         <p:txBody>
           <a:bodyPr>
-            <a:normAutofit/>
+            <a:normAutofit fontScale="90000"/>
           </a:bodyPr>
           <a:lstStyle/>
           <a:p>
             <a:r>
-              <a:rPr lang="en-US" sz="3600" dirty="0" smtClean="0"/>
-              <a:t>Linear blend skinning</a:t>
-            </a:r>
-            <a:endParaRPr lang="en-US" sz="3600" dirty="0"/>
-          </a:p>
-        </p:txBody>
-      </p:sp>
+              <a:rPr lang="en-US" dirty="0" smtClean="0"/>
+              <a:t>Parametric representation of lines in 3D</a:t>
+            </a:r>
+            <a:r>
+              <a:rPr lang="lt-LT" dirty="0" smtClean="0"/>
+              <a:t> space</a:t>
+            </a:r>
+            <a:endParaRPr lang="lt-LT" dirty="0"/>
+          </a:p>
+        </p:txBody>
+      </p:sp>
+      <p:pic>
+        <p:nvPicPr>
+          <p:cNvPr id="1027" name="Picture 3"/>
+          <p:cNvPicPr>
+            <a:picLocks noChangeAspect="1" noChangeArrowheads="1"/>
+          </p:cNvPicPr>
+          <p:nvPr/>
+        </p:nvPicPr>
+        <p:blipFill>
+          <a:blip r:embed="rId2"/>
+          <a:srcRect/>
+          <a:stretch>
+            <a:fillRect/>
+          </a:stretch>
+        </p:blipFill>
+        <p:spPr bwMode="auto">
+          <a:xfrm>
+            <a:off x="5929322" y="3571876"/>
+            <a:ext cx="3015653" cy="3071810"/>
+          </a:xfrm>
+          <a:prstGeom prst="rect">
+            <a:avLst/>
+          </a:prstGeom>
+          <a:noFill/>
+          <a:ln w="9525">
+            <a:noFill/>
+            <a:miter lim="800000"/>
+            <a:headEnd/>
+            <a:tailEnd/>
+          </a:ln>
+          <a:effectLst/>
+        </p:spPr>
+      </p:pic>
     </p:spTree>
   </p:cSld>
   <p:clrMapOvr>
@@ -5026,6 +4959,301 @@
 </file>
 
 <file path=ppt/slides/slide12.xml><?xml version="1.0" encoding="utf-8"?>
+<p:sld xmlns:a="http://schemas.openxmlformats.org/drawingml/2006/main" xmlns:r="http://schemas.openxmlformats.org/officeDocument/2006/relationships" xmlns:p="http://schemas.openxmlformats.org/presentationml/2006/main">
+  <p:cSld>
+    <p:spTree>
+      <p:nvGrpSpPr>
+        <p:cNvPr id="1" name=""/>
+        <p:cNvGrpSpPr/>
+        <p:nvPr/>
+      </p:nvGrpSpPr>
+      <p:grpSpPr>
+        <a:xfrm>
+          <a:off x="0" y="0"/>
+          <a:ext cx="0" cy="0"/>
+          <a:chOff x="0" y="0"/>
+          <a:chExt cx="0" cy="0"/>
+        </a:xfrm>
+      </p:grpSpPr>
+      <p:sp>
+        <p:nvSpPr>
+          <p:cNvPr id="2" name="Content Placeholder 1"/>
+          <p:cNvSpPr>
+            <a:spLocks noGrp="1"/>
+          </p:cNvSpPr>
+          <p:nvPr>
+            <p:ph idx="1"/>
+          </p:nvPr>
+        </p:nvSpPr>
+        <p:spPr>
+          <a:xfrm>
+            <a:off x="457200" y="1481328"/>
+            <a:ext cx="8229600" cy="1376167"/>
+          </a:xfrm>
+        </p:spPr>
+        <p:txBody>
+          <a:bodyPr>
+            <a:normAutofit/>
+          </a:bodyPr>
+          <a:lstStyle/>
+          <a:p>
+            <a:r>
+              <a:rPr lang="en-US" dirty="0" smtClean="0"/>
+              <a:t>Parametric representation of the line:</a:t>
+            </a:r>
+          </a:p>
+          <a:p>
+            <a:pPr lvl="1"/>
+            <a:r>
+              <a:rPr lang="lt-LT" i="1" dirty="0" smtClean="0"/>
+              <a:t>L(t)</a:t>
+            </a:r>
+            <a:r>
+              <a:rPr lang="lt-LT" dirty="0" smtClean="0"/>
+              <a:t> = A + b</a:t>
+            </a:r>
+            <a:r>
+              <a:rPr lang="en-US" dirty="0" smtClean="0"/>
+              <a:t> * </a:t>
+            </a:r>
+            <a:r>
+              <a:rPr lang="lt-LT" dirty="0" smtClean="0"/>
+              <a:t>t</a:t>
+            </a:r>
+            <a:endParaRPr lang="en-US" dirty="0" smtClean="0"/>
+          </a:p>
+          <a:p>
+            <a:pPr lvl="1">
+              <a:buNone/>
+            </a:pPr>
+            <a:r>
+              <a:rPr lang="en-US" sz="1800" dirty="0" smtClean="0"/>
+              <a:t>A – starting point, b = A – B vector, t - parameter</a:t>
+            </a:r>
+            <a:endParaRPr lang="lt-LT" sz="1800" dirty="0" smtClean="0"/>
+          </a:p>
+          <a:p>
+            <a:endParaRPr lang="lt-LT" dirty="0"/>
+          </a:p>
+        </p:txBody>
+      </p:sp>
+      <p:sp>
+        <p:nvSpPr>
+          <p:cNvPr id="3" name="Title 2"/>
+          <p:cNvSpPr>
+            <a:spLocks noGrp="1"/>
+          </p:cNvSpPr>
+          <p:nvPr>
+            <p:ph type="title"/>
+          </p:nvPr>
+        </p:nvSpPr>
+        <p:spPr/>
+        <p:txBody>
+          <a:bodyPr>
+            <a:normAutofit fontScale="90000"/>
+          </a:bodyPr>
+          <a:lstStyle/>
+          <a:p>
+            <a:r>
+              <a:rPr lang="en-US" dirty="0" smtClean="0"/>
+              <a:t>Parametric representation of lines in 3D</a:t>
+            </a:r>
+            <a:r>
+              <a:rPr lang="lt-LT" dirty="0" smtClean="0"/>
+              <a:t> space</a:t>
+            </a:r>
+            <a:endParaRPr lang="lt-LT" dirty="0"/>
+          </a:p>
+        </p:txBody>
+      </p:sp>
+      <p:pic>
+        <p:nvPicPr>
+          <p:cNvPr id="2050" name="Picture 2" descr="C:\Mano\Mokslai\Universitetas\5 Semestras\Project\cvg01\docs\Report\images\lines3d.jpg"/>
+          <p:cNvPicPr>
+            <a:picLocks noChangeAspect="1" noChangeArrowheads="1"/>
+          </p:cNvPicPr>
+          <p:nvPr/>
+        </p:nvPicPr>
+        <p:blipFill>
+          <a:blip r:embed="rId2"/>
+          <a:srcRect/>
+          <a:stretch>
+            <a:fillRect/>
+          </a:stretch>
+        </p:blipFill>
+        <p:spPr bwMode="auto">
+          <a:xfrm>
+            <a:off x="4459314" y="2714620"/>
+            <a:ext cx="4684685" cy="3929090"/>
+          </a:xfrm>
+          <a:prstGeom prst="rect">
+            <a:avLst/>
+          </a:prstGeom>
+          <a:noFill/>
+        </p:spPr>
+      </p:pic>
+      <p:sp>
+        <p:nvSpPr>
+          <p:cNvPr id="6" name="TextBox 5"/>
+          <p:cNvSpPr txBox="1"/>
+          <p:nvPr/>
+        </p:nvSpPr>
+        <p:spPr>
+          <a:xfrm>
+            <a:off x="714348" y="2857496"/>
+            <a:ext cx="3786214" cy="1754326"/>
+          </a:xfrm>
+          <a:prstGeom prst="rect">
+            <a:avLst/>
+          </a:prstGeom>
+          <a:noFill/>
+        </p:spPr>
+        <p:txBody>
+          <a:bodyPr wrap="square" rtlCol="0">
+            <a:spAutoFit/>
+          </a:bodyPr>
+          <a:lstStyle/>
+          <a:p>
+            <a:r>
+              <a:rPr lang="en-US" dirty="0" smtClean="0"/>
+              <a:t>A and B could be taken as two points on two separate meshes.</a:t>
+            </a:r>
+          </a:p>
+          <a:p>
+            <a:endParaRPr lang="en-US" dirty="0" smtClean="0"/>
+          </a:p>
+          <a:p>
+            <a:r>
+              <a:rPr lang="en-US" dirty="0" smtClean="0"/>
+              <a:t>By scaling t – proportional vertex positioning along the line is achieved.</a:t>
+            </a:r>
+            <a:endParaRPr lang="lt-LT" dirty="0"/>
+          </a:p>
+        </p:txBody>
+      </p:sp>
+    </p:spTree>
+  </p:cSld>
+  <p:clrMapOvr>
+    <a:masterClrMapping/>
+  </p:clrMapOvr>
+  <p:timing>
+    <p:tnLst>
+      <p:par>
+        <p:cTn id="1" dur="indefinite" restart="never" nodeType="tmRoot"/>
+      </p:par>
+    </p:tnLst>
+  </p:timing>
+</p:sld>
+</file>
+
+<file path=ppt/slides/slide13.xml><?xml version="1.0" encoding="utf-8"?>
+<p:sld xmlns:a="http://schemas.openxmlformats.org/drawingml/2006/main" xmlns:r="http://schemas.openxmlformats.org/officeDocument/2006/relationships" xmlns:p="http://schemas.openxmlformats.org/presentationml/2006/main">
+  <p:cSld>
+    <p:spTree>
+      <p:nvGrpSpPr>
+        <p:cNvPr id="1" name=""/>
+        <p:cNvGrpSpPr/>
+        <p:nvPr/>
+      </p:nvGrpSpPr>
+      <p:grpSpPr>
+        <a:xfrm>
+          <a:off x="0" y="0"/>
+          <a:ext cx="0" cy="0"/>
+          <a:chOff x="0" y="0"/>
+          <a:chExt cx="0" cy="0"/>
+        </a:xfrm>
+      </p:grpSpPr>
+      <p:sp>
+        <p:nvSpPr>
+          <p:cNvPr id="2" name="Content Placeholder 1"/>
+          <p:cNvSpPr>
+            <a:spLocks noGrp="1"/>
+          </p:cNvSpPr>
+          <p:nvPr>
+            <p:ph idx="1"/>
+          </p:nvPr>
+        </p:nvSpPr>
+        <p:spPr/>
+        <p:txBody>
+          <a:bodyPr/>
+          <a:lstStyle/>
+          <a:p>
+            <a:r>
+              <a:rPr lang="en-US" dirty="0" smtClean="0"/>
+              <a:t>Skin deformations</a:t>
+            </a:r>
+          </a:p>
+          <a:p>
+            <a:pPr lvl="1"/>
+            <a:r>
+              <a:rPr lang="en-US" dirty="0" smtClean="0"/>
+              <a:t>Anatomy (layer) based deformations</a:t>
+            </a:r>
+          </a:p>
+          <a:p>
+            <a:pPr lvl="1"/>
+            <a:r>
+              <a:rPr lang="en-US" dirty="0" smtClean="0"/>
+              <a:t>Direct skin deformation</a:t>
+            </a:r>
+          </a:p>
+          <a:p>
+            <a:pPr lvl="2"/>
+            <a:r>
+              <a:rPr lang="en-US" dirty="0" smtClean="0"/>
+              <a:t>Linear blend skinning</a:t>
+            </a:r>
+          </a:p>
+          <a:p>
+            <a:pPr lvl="2"/>
+            <a:r>
+              <a:rPr lang="en-US" dirty="0" smtClean="0"/>
+              <a:t>Different implementations</a:t>
+            </a:r>
+          </a:p>
+        </p:txBody>
+      </p:sp>
+      <p:sp>
+        <p:nvSpPr>
+          <p:cNvPr id="3" name="Title 2"/>
+          <p:cNvSpPr>
+            <a:spLocks noGrp="1"/>
+          </p:cNvSpPr>
+          <p:nvPr>
+            <p:ph type="title"/>
+          </p:nvPr>
+        </p:nvSpPr>
+        <p:spPr/>
+        <p:txBody>
+          <a:bodyPr>
+            <a:normAutofit/>
+          </a:bodyPr>
+          <a:lstStyle/>
+          <a:p>
+            <a:r>
+              <a:rPr lang="en-US" sz="3600" dirty="0" smtClean="0"/>
+              <a:t>Linear blend skinning</a:t>
+            </a:r>
+            <a:endParaRPr lang="en-US" sz="3600" dirty="0"/>
+          </a:p>
+        </p:txBody>
+      </p:sp>
+    </p:spTree>
+  </p:cSld>
+  <p:clrMapOvr>
+    <a:masterClrMapping/>
+  </p:clrMapOvr>
+  <p:timing>
+    <p:tnLst>
+      <p:par>
+        <p:cTn id="1" dur="indefinite" restart="never" nodeType="tmRoot"/>
+      </p:par>
+    </p:tnLst>
+  </p:timing>
+</p:sld>
+</file>
+
+<file path=ppt/slides/slide14.xml><?xml version="1.0" encoding="utf-8"?>
 <p:sld xmlns:a="http://schemas.openxmlformats.org/drawingml/2006/main" xmlns:r="http://schemas.openxmlformats.org/officeDocument/2006/relationships" xmlns:p="http://schemas.openxmlformats.org/presentationml/2006/main" showMasterSp="0" show="0">
   <p:cSld>
     <p:spTree>
@@ -5123,7 +5351,7 @@
 </p:sld>
 </file>
 
-<file path=ppt/slides/slide13.xml><?xml version="1.0" encoding="utf-8"?>
+<file path=ppt/slides/slide15.xml><?xml version="1.0" encoding="utf-8"?>
 <p:sld xmlns:a="http://schemas.openxmlformats.org/drawingml/2006/main" xmlns:r="http://schemas.openxmlformats.org/officeDocument/2006/relationships" xmlns:p="http://schemas.openxmlformats.org/presentationml/2006/main" show="0">
   <p:cSld>
     <p:spTree>
@@ -5224,7 +5452,7 @@
 </p:sld>
 </file>
 
-<file path=ppt/slides/slide14.xml><?xml version="1.0" encoding="utf-8"?>
+<file path=ppt/slides/slide16.xml><?xml version="1.0" encoding="utf-8"?>
 <p:sld xmlns:a="http://schemas.openxmlformats.org/drawingml/2006/main" xmlns:r="http://schemas.openxmlformats.org/officeDocument/2006/relationships" xmlns:p="http://schemas.openxmlformats.org/presentationml/2006/main">
   <p:cSld>
     <p:spTree>
@@ -5364,7 +5592,7 @@
 </p:sld>
 </file>
 
-<file path=ppt/slides/slide15.xml><?xml version="1.0" encoding="utf-8"?>
+<file path=ppt/slides/slide17.xml><?xml version="1.0" encoding="utf-8"?>
 <p:sld xmlns:a="http://schemas.openxmlformats.org/drawingml/2006/main" xmlns:r="http://schemas.openxmlformats.org/officeDocument/2006/relationships" xmlns:p="http://schemas.openxmlformats.org/presentationml/2006/main">
   <p:cSld>
     <p:spTree>
@@ -5482,7 +5710,7 @@
 </p:sld>
 </file>
 
-<file path=ppt/slides/slide16.xml><?xml version="1.0" encoding="utf-8"?>
+<file path=ppt/slides/slide18.xml><?xml version="1.0" encoding="utf-8"?>
 <p:sld xmlns:a="http://schemas.openxmlformats.org/drawingml/2006/main" xmlns:r="http://schemas.openxmlformats.org/officeDocument/2006/relationships" xmlns:p="http://schemas.openxmlformats.org/presentationml/2006/main">
   <p:cSld>
     <p:spTree>
@@ -5568,7 +5796,7 @@
 </p:sld>
 </file>
 
-<file path=ppt/slides/slide17.xml><?xml version="1.0" encoding="utf-8"?>
+<file path=ppt/slides/slide19.xml><?xml version="1.0" encoding="utf-8"?>
 <p:sld xmlns:a="http://schemas.openxmlformats.org/drawingml/2006/main" xmlns:r="http://schemas.openxmlformats.org/officeDocument/2006/relationships" xmlns:p="http://schemas.openxmlformats.org/presentationml/2006/main">
   <p:cSld>
     <p:spTree>
@@ -5808,7 +6036,130 @@
 </p:sld>
 </file>
 
-<file path=ppt/slides/slide18.xml><?xml version="1.0" encoding="utf-8"?>
+<file path=ppt/slides/slide2.xml><?xml version="1.0" encoding="utf-8"?>
+<p:sld xmlns:a="http://schemas.openxmlformats.org/drawingml/2006/main" xmlns:r="http://schemas.openxmlformats.org/officeDocument/2006/relationships" xmlns:p="http://schemas.openxmlformats.org/presentationml/2006/main">
+  <p:cSld>
+    <p:spTree>
+      <p:nvGrpSpPr>
+        <p:cNvPr id="1" name=""/>
+        <p:cNvGrpSpPr/>
+        <p:nvPr/>
+      </p:nvGrpSpPr>
+      <p:grpSpPr>
+        <a:xfrm>
+          <a:off x="0" y="0"/>
+          <a:ext cx="0" cy="0"/>
+          <a:chOff x="0" y="0"/>
+          <a:chExt cx="0" cy="0"/>
+        </a:xfrm>
+      </p:grpSpPr>
+      <p:sp>
+        <p:nvSpPr>
+          <p:cNvPr id="2" name="Content Placeholder 1"/>
+          <p:cNvSpPr>
+            <a:spLocks noGrp="1"/>
+          </p:cNvSpPr>
+          <p:nvPr>
+            <p:ph idx="1"/>
+          </p:nvPr>
+        </p:nvSpPr>
+        <p:spPr/>
+        <p:txBody>
+          <a:bodyPr/>
+          <a:lstStyle/>
+          <a:p>
+            <a:r>
+              <a:rPr lang="lt-LT" dirty="0" smtClean="0"/>
+              <a:t>Introduction</a:t>
+            </a:r>
+          </a:p>
+          <a:p>
+            <a:r>
+              <a:rPr lang="lt-LT" dirty="0" smtClean="0"/>
+              <a:t>Motion capture and motion data</a:t>
+            </a:r>
+          </a:p>
+          <a:p>
+            <a:r>
+              <a:rPr lang="lt-LT" dirty="0" smtClean="0"/>
+              <a:t>Used </a:t>
+            </a:r>
+            <a:r>
+              <a:rPr lang="en-US" dirty="0" smtClean="0"/>
+              <a:t>techniques</a:t>
+            </a:r>
+          </a:p>
+          <a:p>
+            <a:r>
+              <a:rPr lang="lt-LT" dirty="0" smtClean="0"/>
+              <a:t>Animating human body</a:t>
+            </a:r>
+          </a:p>
+          <a:p>
+            <a:r>
+              <a:rPr lang="lt-LT" dirty="0" smtClean="0"/>
+              <a:t>Problems</a:t>
+            </a:r>
+            <a:endParaRPr lang="en-US" dirty="0" smtClean="0"/>
+          </a:p>
+          <a:p>
+            <a:r>
+              <a:rPr lang="en-US" dirty="0" smtClean="0"/>
+              <a:t>Conclusion and possible future tasks</a:t>
+            </a:r>
+            <a:endParaRPr lang="lt-LT" dirty="0" smtClean="0"/>
+          </a:p>
+          <a:p>
+            <a:endParaRPr lang="lt-LT" dirty="0" smtClean="0"/>
+          </a:p>
+          <a:p>
+            <a:pPr lvl="1"/>
+            <a:endParaRPr lang="lt-LT" dirty="0" smtClean="0"/>
+          </a:p>
+          <a:p>
+            <a:endParaRPr lang="lt-LT" dirty="0"/>
+          </a:p>
+        </p:txBody>
+      </p:sp>
+      <p:sp>
+        <p:nvSpPr>
+          <p:cNvPr id="3" name="Title 2"/>
+          <p:cNvSpPr>
+            <a:spLocks noGrp="1"/>
+          </p:cNvSpPr>
+          <p:nvPr>
+            <p:ph type="title"/>
+          </p:nvPr>
+        </p:nvSpPr>
+        <p:spPr/>
+        <p:txBody>
+          <a:bodyPr/>
+          <a:lstStyle/>
+          <a:p>
+            <a:r>
+              <a:rPr lang="lt-LT" dirty="0" smtClean="0"/>
+              <a:t>Contents</a:t>
+            </a:r>
+            <a:endParaRPr lang="lt-LT" dirty="0"/>
+          </a:p>
+        </p:txBody>
+      </p:sp>
+    </p:spTree>
+  </p:cSld>
+  <p:clrMapOvr>
+    <a:masterClrMapping/>
+  </p:clrMapOvr>
+  <p:timing>
+    <p:tnLst>
+      <p:par>
+        <p:cTn id="1" dur="indefinite" restart="never" nodeType="tmRoot"/>
+      </p:par>
+    </p:tnLst>
+  </p:timing>
+</p:sld>
+</file>
+
+<file path=ppt/slides/slide20.xml><?xml version="1.0" encoding="utf-8"?>
 <p:sld xmlns:a="http://schemas.openxmlformats.org/drawingml/2006/main" xmlns:r="http://schemas.openxmlformats.org/officeDocument/2006/relationships" xmlns:p="http://schemas.openxmlformats.org/presentationml/2006/main">
   <p:cSld>
     <p:spTree>
@@ -6355,547 +6706,6 @@
 </p:sld>
 </file>
 
-<file path=ppt/slides/slide19.xml><?xml version="1.0" encoding="utf-8"?>
-<p:sld xmlns:a="http://schemas.openxmlformats.org/drawingml/2006/main" xmlns:r="http://schemas.openxmlformats.org/officeDocument/2006/relationships" xmlns:p="http://schemas.openxmlformats.org/presentationml/2006/main">
-  <p:cSld>
-    <p:spTree>
-      <p:nvGrpSpPr>
-        <p:cNvPr id="1" name=""/>
-        <p:cNvGrpSpPr/>
-        <p:nvPr/>
-      </p:nvGrpSpPr>
-      <p:grpSpPr>
-        <a:xfrm>
-          <a:off x="0" y="0"/>
-          <a:ext cx="0" cy="0"/>
-          <a:chOff x="0" y="0"/>
-          <a:chExt cx="0" cy="0"/>
-        </a:xfrm>
-      </p:grpSpPr>
-      <p:sp>
-        <p:nvSpPr>
-          <p:cNvPr id="2" name="Content Placeholder 1"/>
-          <p:cNvSpPr>
-            <a:spLocks noGrp="1"/>
-          </p:cNvSpPr>
-          <p:nvPr>
-            <p:ph idx="1"/>
-          </p:nvPr>
-        </p:nvSpPr>
-        <p:spPr/>
-        <p:txBody>
-          <a:bodyPr/>
-          <a:lstStyle/>
-          <a:p>
-            <a:r>
-              <a:rPr lang="en-US" dirty="0" smtClean="0"/>
-              <a:t>Quaternion multiplication represents a rotation.</a:t>
-            </a:r>
-          </a:p>
-          <a:p>
-            <a:pPr lvl="1"/>
-            <a:r>
-              <a:rPr lang="en-US" dirty="0" smtClean="0"/>
-              <a:t>q1 – representation of rotation around X axis</a:t>
-            </a:r>
-          </a:p>
-          <a:p>
-            <a:pPr lvl="1"/>
-            <a:r>
-              <a:rPr lang="en-US" dirty="0" smtClean="0"/>
-              <a:t>q2 – representation of rotation around Y axis</a:t>
-            </a:r>
-          </a:p>
-          <a:p>
-            <a:pPr lvl="1"/>
-            <a:r>
-              <a:rPr lang="en-US" dirty="0" smtClean="0"/>
-              <a:t>q3 – representation of rotation around Z axis</a:t>
-            </a:r>
-          </a:p>
-          <a:p>
-            <a:pPr lvl="1"/>
-            <a:r>
-              <a:rPr lang="en-US" dirty="0" err="1" smtClean="0"/>
-              <a:t>q</a:t>
-            </a:r>
-            <a:r>
-              <a:rPr lang="en-US" dirty="0" smtClean="0"/>
-              <a:t> = q1 * q2 * q3 – representation of rotation around Z Y X axes. </a:t>
-            </a:r>
-            <a:endParaRPr lang="en-US" dirty="0"/>
-          </a:p>
-        </p:txBody>
-      </p:sp>
-      <p:sp>
-        <p:nvSpPr>
-          <p:cNvPr id="3" name="Title 2"/>
-          <p:cNvSpPr>
-            <a:spLocks noGrp="1"/>
-          </p:cNvSpPr>
-          <p:nvPr>
-            <p:ph type="title"/>
-          </p:nvPr>
-        </p:nvSpPr>
-        <p:spPr/>
-        <p:txBody>
-          <a:bodyPr/>
-          <a:lstStyle/>
-          <a:p>
-            <a:r>
-              <a:rPr lang="en-US" dirty="0" err="1" smtClean="0"/>
-              <a:t>Quaternions</a:t>
-            </a:r>
-            <a:r>
-              <a:rPr lang="en-US" dirty="0" smtClean="0"/>
-              <a:t>. Rotation</a:t>
-            </a:r>
-            <a:endParaRPr lang="en-US" dirty="0"/>
-          </a:p>
-        </p:txBody>
-      </p:sp>
-    </p:spTree>
-  </p:cSld>
-  <p:clrMapOvr>
-    <a:masterClrMapping/>
-  </p:clrMapOvr>
-  <p:timing>
-    <p:tnLst>
-      <p:par>
-        <p:cTn id="1" dur="indefinite" restart="never" nodeType="tmRoot"/>
-      </p:par>
-    </p:tnLst>
-  </p:timing>
-</p:sld>
-</file>
-
-<file path=ppt/slides/slide2.xml><?xml version="1.0" encoding="utf-8"?>
-<p:sld xmlns:a="http://schemas.openxmlformats.org/drawingml/2006/main" xmlns:r="http://schemas.openxmlformats.org/officeDocument/2006/relationships" xmlns:p="http://schemas.openxmlformats.org/presentationml/2006/main">
-  <p:cSld>
-    <p:spTree>
-      <p:nvGrpSpPr>
-        <p:cNvPr id="1" name=""/>
-        <p:cNvGrpSpPr/>
-        <p:nvPr/>
-      </p:nvGrpSpPr>
-      <p:grpSpPr>
-        <a:xfrm>
-          <a:off x="0" y="0"/>
-          <a:ext cx="0" cy="0"/>
-          <a:chOff x="0" y="0"/>
-          <a:chExt cx="0" cy="0"/>
-        </a:xfrm>
-      </p:grpSpPr>
-      <p:sp>
-        <p:nvSpPr>
-          <p:cNvPr id="2" name="Content Placeholder 1"/>
-          <p:cNvSpPr>
-            <a:spLocks noGrp="1"/>
-          </p:cNvSpPr>
-          <p:nvPr>
-            <p:ph idx="1"/>
-          </p:nvPr>
-        </p:nvSpPr>
-        <p:spPr/>
-        <p:txBody>
-          <a:bodyPr/>
-          <a:lstStyle/>
-          <a:p>
-            <a:r>
-              <a:rPr lang="lt-LT" dirty="0" smtClean="0"/>
-              <a:t>Introduction</a:t>
-            </a:r>
-          </a:p>
-          <a:p>
-            <a:r>
-              <a:rPr lang="lt-LT" dirty="0" smtClean="0"/>
-              <a:t>Motion capture and motion data</a:t>
-            </a:r>
-          </a:p>
-          <a:p>
-            <a:r>
-              <a:rPr lang="lt-LT" dirty="0" smtClean="0"/>
-              <a:t>Used </a:t>
-            </a:r>
-            <a:r>
-              <a:rPr lang="en-US" dirty="0" smtClean="0"/>
-              <a:t>techniques</a:t>
-            </a:r>
-          </a:p>
-          <a:p>
-            <a:r>
-              <a:rPr lang="lt-LT" dirty="0" smtClean="0"/>
-              <a:t>Animating human body</a:t>
-            </a:r>
-          </a:p>
-          <a:p>
-            <a:r>
-              <a:rPr lang="lt-LT" dirty="0" smtClean="0"/>
-              <a:t>Problems</a:t>
-            </a:r>
-            <a:endParaRPr lang="en-US" dirty="0" smtClean="0"/>
-          </a:p>
-          <a:p>
-            <a:r>
-              <a:rPr lang="en-US" dirty="0" smtClean="0"/>
-              <a:t>Conclusion and possible future tasks</a:t>
-            </a:r>
-            <a:endParaRPr lang="lt-LT" dirty="0" smtClean="0"/>
-          </a:p>
-          <a:p>
-            <a:endParaRPr lang="lt-LT" dirty="0" smtClean="0"/>
-          </a:p>
-          <a:p>
-            <a:pPr lvl="1"/>
-            <a:endParaRPr lang="lt-LT" dirty="0" smtClean="0"/>
-          </a:p>
-          <a:p>
-            <a:endParaRPr lang="lt-LT" dirty="0"/>
-          </a:p>
-        </p:txBody>
-      </p:sp>
-      <p:sp>
-        <p:nvSpPr>
-          <p:cNvPr id="3" name="Title 2"/>
-          <p:cNvSpPr>
-            <a:spLocks noGrp="1"/>
-          </p:cNvSpPr>
-          <p:nvPr>
-            <p:ph type="title"/>
-          </p:nvPr>
-        </p:nvSpPr>
-        <p:spPr/>
-        <p:txBody>
-          <a:bodyPr/>
-          <a:lstStyle/>
-          <a:p>
-            <a:r>
-              <a:rPr lang="lt-LT" dirty="0" smtClean="0"/>
-              <a:t>Contents</a:t>
-            </a:r>
-            <a:endParaRPr lang="lt-LT" dirty="0"/>
-          </a:p>
-        </p:txBody>
-      </p:sp>
-    </p:spTree>
-  </p:cSld>
-  <p:clrMapOvr>
-    <a:masterClrMapping/>
-  </p:clrMapOvr>
-  <p:timing>
-    <p:tnLst>
-      <p:par>
-        <p:cTn id="1" dur="indefinite" restart="never" nodeType="tmRoot"/>
-      </p:par>
-    </p:tnLst>
-  </p:timing>
-</p:sld>
-</file>
-
-<file path=ppt/slides/slide20.xml><?xml version="1.0" encoding="utf-8"?>
-<p:sld xmlns:a="http://schemas.openxmlformats.org/drawingml/2006/main" xmlns:r="http://schemas.openxmlformats.org/officeDocument/2006/relationships" xmlns:p="http://schemas.openxmlformats.org/presentationml/2006/main">
-  <p:cSld>
-    <p:spTree>
-      <p:nvGrpSpPr>
-        <p:cNvPr id="1" name=""/>
-        <p:cNvGrpSpPr/>
-        <p:nvPr/>
-      </p:nvGrpSpPr>
-      <p:grpSpPr>
-        <a:xfrm>
-          <a:off x="0" y="0"/>
-          <a:ext cx="0" cy="0"/>
-          <a:chOff x="0" y="0"/>
-          <a:chExt cx="0" cy="0"/>
-        </a:xfrm>
-      </p:grpSpPr>
-      <p:sp>
-        <p:nvSpPr>
-          <p:cNvPr id="2" name="Content Placeholder 1"/>
-          <p:cNvSpPr>
-            <a:spLocks noGrp="1"/>
-          </p:cNvSpPr>
-          <p:nvPr>
-            <p:ph idx="1"/>
-          </p:nvPr>
-        </p:nvSpPr>
-        <p:spPr/>
-        <p:txBody>
-          <a:bodyPr/>
-          <a:lstStyle/>
-          <a:p>
-            <a:r>
-              <a:rPr lang="en-US" dirty="0" err="1" smtClean="0"/>
-              <a:t>q</a:t>
-            </a:r>
-            <a:r>
-              <a:rPr lang="en-US" dirty="0" smtClean="0"/>
-              <a:t> = a + </a:t>
-            </a:r>
-            <a:r>
-              <a:rPr lang="en-US" dirty="0" err="1" smtClean="0"/>
-              <a:t>i</a:t>
-            </a:r>
-            <a:r>
-              <a:rPr lang="en-US" dirty="0" smtClean="0"/>
-              <a:t> * </a:t>
-            </a:r>
-            <a:r>
-              <a:rPr lang="en-US" dirty="0" err="1" smtClean="0"/>
-              <a:t>b</a:t>
-            </a:r>
-            <a:r>
-              <a:rPr lang="en-US" dirty="0" smtClean="0"/>
-              <a:t> + </a:t>
-            </a:r>
-            <a:r>
-              <a:rPr lang="en-US" dirty="0" err="1" smtClean="0"/>
-              <a:t>j</a:t>
-            </a:r>
-            <a:r>
-              <a:rPr lang="en-US" dirty="0" smtClean="0"/>
-              <a:t> * </a:t>
-            </a:r>
-            <a:r>
-              <a:rPr lang="en-US" dirty="0" err="1" smtClean="0"/>
-              <a:t>c</a:t>
-            </a:r>
-            <a:r>
-              <a:rPr lang="en-US" dirty="0" smtClean="0"/>
-              <a:t> + </a:t>
-            </a:r>
-            <a:r>
-              <a:rPr lang="en-US" dirty="0" err="1" smtClean="0"/>
-              <a:t>k</a:t>
-            </a:r>
-            <a:r>
-              <a:rPr lang="en-US" dirty="0" smtClean="0"/>
-              <a:t> *</a:t>
-            </a:r>
-            <a:r>
-              <a:rPr lang="en-US" dirty="0" err="1" smtClean="0"/>
-              <a:t>d</a:t>
-            </a:r>
-            <a:endParaRPr lang="en-US" dirty="0" smtClean="0"/>
-          </a:p>
-          <a:p>
-            <a:pPr lvl="1"/>
-            <a:r>
-              <a:rPr lang="en-US" sz="1800" dirty="0" smtClean="0"/>
-              <a:t>a = </a:t>
-            </a:r>
-            <a:r>
-              <a:rPr lang="en-US" sz="1800" dirty="0" err="1" smtClean="0"/>
-              <a:t>cos(angle</a:t>
-            </a:r>
-            <a:r>
-              <a:rPr lang="en-US" sz="1800" dirty="0" smtClean="0"/>
-              <a:t> / 2)</a:t>
-            </a:r>
-          </a:p>
-          <a:p>
-            <a:pPr lvl="1"/>
-            <a:r>
-              <a:rPr lang="en-US" sz="1800" dirty="0" err="1" smtClean="0"/>
-              <a:t>b</a:t>
-            </a:r>
-            <a:r>
-              <a:rPr lang="en-US" sz="1800" dirty="0" smtClean="0"/>
-              <a:t> = </a:t>
-            </a:r>
-            <a:r>
-              <a:rPr lang="en-US" sz="1800" dirty="0" err="1" smtClean="0"/>
-              <a:t>axisX</a:t>
-            </a:r>
-            <a:r>
-              <a:rPr lang="en-US" sz="1800" dirty="0" smtClean="0"/>
-              <a:t> * </a:t>
-            </a:r>
-            <a:r>
-              <a:rPr lang="en-US" sz="1800" dirty="0" err="1" smtClean="0"/>
-              <a:t>sin(angle</a:t>
-            </a:r>
-            <a:r>
-              <a:rPr lang="en-US" sz="1800" dirty="0" smtClean="0"/>
-              <a:t> / 2)</a:t>
-            </a:r>
-          </a:p>
-          <a:p>
-            <a:pPr lvl="1"/>
-            <a:r>
-              <a:rPr lang="en-US" sz="1800" dirty="0" err="1" smtClean="0"/>
-              <a:t>c</a:t>
-            </a:r>
-            <a:r>
-              <a:rPr lang="en-US" sz="1800" dirty="0" smtClean="0"/>
-              <a:t> = </a:t>
-            </a:r>
-            <a:r>
-              <a:rPr lang="en-US" sz="1800" dirty="0" err="1" smtClean="0"/>
-              <a:t>axisY</a:t>
-            </a:r>
-            <a:r>
-              <a:rPr lang="en-US" sz="1800" dirty="0" smtClean="0"/>
-              <a:t> * </a:t>
-            </a:r>
-            <a:r>
-              <a:rPr lang="en-US" sz="1800" dirty="0" err="1" smtClean="0"/>
-              <a:t>sin(angle</a:t>
-            </a:r>
-            <a:r>
-              <a:rPr lang="en-US" sz="1800" dirty="0" smtClean="0"/>
-              <a:t> / 2)</a:t>
-            </a:r>
-          </a:p>
-          <a:p>
-            <a:pPr lvl="1"/>
-            <a:r>
-              <a:rPr lang="en-US" sz="1800" dirty="0" err="1" smtClean="0"/>
-              <a:t>d</a:t>
-            </a:r>
-            <a:r>
-              <a:rPr lang="en-US" sz="1800" dirty="0" smtClean="0"/>
-              <a:t> = </a:t>
-            </a:r>
-            <a:r>
-              <a:rPr lang="en-US" sz="1800" dirty="0" err="1" smtClean="0"/>
-              <a:t>axisZ</a:t>
-            </a:r>
-            <a:r>
-              <a:rPr lang="en-US" sz="1800" dirty="0" smtClean="0"/>
-              <a:t> * </a:t>
-            </a:r>
-            <a:r>
-              <a:rPr lang="en-US" sz="1800" dirty="0" err="1" smtClean="0"/>
-              <a:t>sin(angle</a:t>
-            </a:r>
-            <a:r>
-              <a:rPr lang="en-US" sz="1800" dirty="0" smtClean="0"/>
-              <a:t> / 2)</a:t>
-            </a:r>
-          </a:p>
-          <a:p>
-            <a:pPr lvl="1"/>
-            <a:endParaRPr lang="en-US" sz="1800" dirty="0" smtClean="0"/>
-          </a:p>
-          <a:p>
-            <a:pPr lvl="1"/>
-            <a:r>
-              <a:rPr lang="en-US" sz="1800" dirty="0" smtClean="0"/>
-              <a:t>angle = </a:t>
-            </a:r>
-            <a:r>
-              <a:rPr lang="en-US" sz="1800" dirty="0" err="1" smtClean="0"/>
-              <a:t>arccos(a</a:t>
-            </a:r>
-            <a:r>
-              <a:rPr lang="en-US" sz="1800" dirty="0" smtClean="0"/>
-              <a:t>) * 2</a:t>
-            </a:r>
-          </a:p>
-          <a:p>
-            <a:pPr lvl="1"/>
-            <a:r>
-              <a:rPr lang="en-US" sz="1800" dirty="0" err="1" smtClean="0"/>
-              <a:t>sinA</a:t>
-            </a:r>
-            <a:r>
-              <a:rPr lang="en-US" sz="1800" dirty="0" smtClean="0"/>
-              <a:t> = sqrt(1 – a*a)</a:t>
-            </a:r>
-          </a:p>
-          <a:p>
-            <a:pPr lvl="1"/>
-            <a:r>
-              <a:rPr lang="en-US" sz="1800" dirty="0" err="1" smtClean="0"/>
-              <a:t>vectorX</a:t>
-            </a:r>
-            <a:r>
-              <a:rPr lang="en-US" sz="1800" dirty="0" smtClean="0"/>
-              <a:t> = </a:t>
-            </a:r>
-            <a:r>
-              <a:rPr lang="en-US" sz="1800" dirty="0" err="1" smtClean="0"/>
-              <a:t>b/sinA</a:t>
-            </a:r>
-            <a:endParaRPr lang="en-US" sz="1800" dirty="0" smtClean="0"/>
-          </a:p>
-          <a:p>
-            <a:pPr lvl="1"/>
-            <a:r>
-              <a:rPr lang="en-US" sz="1800" dirty="0" err="1" smtClean="0"/>
-              <a:t>vectorY</a:t>
-            </a:r>
-            <a:r>
-              <a:rPr lang="en-US" sz="1800" dirty="0" smtClean="0"/>
-              <a:t> = </a:t>
-            </a:r>
-            <a:r>
-              <a:rPr lang="en-US" sz="1800" dirty="0" err="1" smtClean="0"/>
-              <a:t>c/sinA</a:t>
-            </a:r>
-            <a:endParaRPr lang="en-US" sz="1800" dirty="0" smtClean="0"/>
-          </a:p>
-          <a:p>
-            <a:pPr lvl="1"/>
-            <a:r>
-              <a:rPr lang="en-US" sz="1800" dirty="0" err="1" smtClean="0"/>
-              <a:t>vectorZ</a:t>
-            </a:r>
-            <a:r>
-              <a:rPr lang="en-US" sz="1800" dirty="0" smtClean="0"/>
-              <a:t> = </a:t>
-            </a:r>
-            <a:r>
-              <a:rPr lang="en-US" sz="1800" dirty="0" err="1" smtClean="0"/>
-              <a:t>d/sinA</a:t>
-            </a:r>
-            <a:endParaRPr lang="en-US" sz="1800" dirty="0" smtClean="0"/>
-          </a:p>
-        </p:txBody>
-      </p:sp>
-      <p:sp>
-        <p:nvSpPr>
-          <p:cNvPr id="3" name="Title 2"/>
-          <p:cNvSpPr>
-            <a:spLocks noGrp="1"/>
-          </p:cNvSpPr>
-          <p:nvPr>
-            <p:ph type="title"/>
-          </p:nvPr>
-        </p:nvSpPr>
-        <p:spPr/>
-        <p:txBody>
-          <a:bodyPr/>
-          <a:lstStyle/>
-          <a:p>
-            <a:r>
-              <a:rPr lang="en-US" dirty="0" err="1" smtClean="0"/>
-              <a:t>Quaternions</a:t>
-            </a:r>
-            <a:r>
-              <a:rPr lang="en-US" dirty="0" smtClean="0"/>
-              <a:t>. Last bits…</a:t>
-            </a:r>
-            <a:endParaRPr lang="en-US" dirty="0"/>
-          </a:p>
-        </p:txBody>
-      </p:sp>
-    </p:spTree>
-  </p:cSld>
-  <p:clrMapOvr>
-    <a:masterClrMapping/>
-  </p:clrMapOvr>
-  <p:timing>
-    <p:tnLst>
-      <p:par>
-        <p:cTn id="1" dur="indefinite" restart="never" nodeType="tmRoot"/>
-      </p:par>
-    </p:tnLst>
-  </p:timing>
-</p:sld>
-</file>
-
 <file path=ppt/slides/slide21.xml><?xml version="1.0" encoding="utf-8"?>
 <p:sld xmlns:a="http://schemas.openxmlformats.org/drawingml/2006/main" xmlns:r="http://schemas.openxmlformats.org/officeDocument/2006/relationships" xmlns:p="http://schemas.openxmlformats.org/presentationml/2006/main">
   <p:cSld>
@@ -6930,13 +6740,39 @@
           <a:p>
             <a:r>
               <a:rPr lang="en-US" dirty="0" smtClean="0"/>
-              <a:t>Rotation ends up with unsuspected results</a:t>
-            </a:r>
-          </a:p>
-          <a:p>
-            <a:r>
-              <a:rPr lang="en-US" dirty="0" smtClean="0"/>
-              <a:t>Axes of rotations lock together</a:t>
+              <a:t>Quaternion multiplication represents a rotation.</a:t>
+            </a:r>
+          </a:p>
+          <a:p>
+            <a:pPr lvl="1"/>
+            <a:r>
+              <a:rPr lang="en-US" dirty="0" smtClean="0"/>
+              <a:t>q1 – representation of rotation around X axis</a:t>
+            </a:r>
+          </a:p>
+          <a:p>
+            <a:pPr lvl="1"/>
+            <a:r>
+              <a:rPr lang="en-US" dirty="0" smtClean="0"/>
+              <a:t>q2 – representation of rotation around Y axis</a:t>
+            </a:r>
+          </a:p>
+          <a:p>
+            <a:pPr lvl="1"/>
+            <a:r>
+              <a:rPr lang="en-US" dirty="0" smtClean="0"/>
+              <a:t>q3 – representation of rotation around Z axis</a:t>
+            </a:r>
+          </a:p>
+          <a:p>
+            <a:pPr lvl="1"/>
+            <a:r>
+              <a:rPr lang="en-US" dirty="0" err="1" smtClean="0"/>
+              <a:t>q</a:t>
+            </a:r>
+            <a:r>
+              <a:rPr lang="en-US" dirty="0" smtClean="0"/>
+              <a:t> = q1 * q2 * q3 – representation of rotation around Z Y X axes. </a:t>
             </a:r>
             <a:endParaRPr lang="en-US" dirty="0"/>
           </a:p>
@@ -6959,11 +6795,11 @@
           <a:p>
             <a:r>
               <a:rPr lang="en-US" dirty="0" err="1" smtClean="0"/>
-              <a:t>Gimbal</a:t>
-            </a:r>
-            <a:r>
-              <a:rPr lang="en-US" dirty="0" smtClean="0"/>
-              <a:t> lock</a:t>
+              <a:t>Quaternions</a:t>
+            </a:r>
+            <a:r>
+              <a:rPr lang="en-US" dirty="0" smtClean="0"/>
+              <a:t>. Rotation</a:t>
             </a:r>
             <a:endParaRPr lang="en-US" dirty="0"/>
           </a:p>
@@ -6985,6 +6821,398 @@
 </file>
 
 <file path=ppt/slides/slide22.xml><?xml version="1.0" encoding="utf-8"?>
+<p:sld xmlns:a="http://schemas.openxmlformats.org/drawingml/2006/main" xmlns:r="http://schemas.openxmlformats.org/officeDocument/2006/relationships" xmlns:p="http://schemas.openxmlformats.org/presentationml/2006/main">
+  <p:cSld>
+    <p:spTree>
+      <p:nvGrpSpPr>
+        <p:cNvPr id="1" name=""/>
+        <p:cNvGrpSpPr/>
+        <p:nvPr/>
+      </p:nvGrpSpPr>
+      <p:grpSpPr>
+        <a:xfrm>
+          <a:off x="0" y="0"/>
+          <a:ext cx="0" cy="0"/>
+          <a:chOff x="0" y="0"/>
+          <a:chExt cx="0" cy="0"/>
+        </a:xfrm>
+      </p:grpSpPr>
+      <p:sp>
+        <p:nvSpPr>
+          <p:cNvPr id="2" name="Content Placeholder 1"/>
+          <p:cNvSpPr>
+            <a:spLocks noGrp="1"/>
+          </p:cNvSpPr>
+          <p:nvPr>
+            <p:ph idx="1"/>
+          </p:nvPr>
+        </p:nvSpPr>
+        <p:spPr/>
+        <p:txBody>
+          <a:bodyPr/>
+          <a:lstStyle/>
+          <a:p>
+            <a:r>
+              <a:rPr lang="en-US" dirty="0" err="1" smtClean="0"/>
+              <a:t>q</a:t>
+            </a:r>
+            <a:r>
+              <a:rPr lang="en-US" dirty="0" smtClean="0"/>
+              <a:t> = a + </a:t>
+            </a:r>
+            <a:r>
+              <a:rPr lang="en-US" dirty="0" err="1" smtClean="0"/>
+              <a:t>i</a:t>
+            </a:r>
+            <a:r>
+              <a:rPr lang="en-US" dirty="0" smtClean="0"/>
+              <a:t> * </a:t>
+            </a:r>
+            <a:r>
+              <a:rPr lang="en-US" dirty="0" err="1" smtClean="0"/>
+              <a:t>b</a:t>
+            </a:r>
+            <a:r>
+              <a:rPr lang="en-US" dirty="0" smtClean="0"/>
+              <a:t> + </a:t>
+            </a:r>
+            <a:r>
+              <a:rPr lang="en-US" dirty="0" err="1" smtClean="0"/>
+              <a:t>j</a:t>
+            </a:r>
+            <a:r>
+              <a:rPr lang="en-US" dirty="0" smtClean="0"/>
+              <a:t> * </a:t>
+            </a:r>
+            <a:r>
+              <a:rPr lang="en-US" dirty="0" err="1" smtClean="0"/>
+              <a:t>c</a:t>
+            </a:r>
+            <a:r>
+              <a:rPr lang="en-US" dirty="0" smtClean="0"/>
+              <a:t> + </a:t>
+            </a:r>
+            <a:r>
+              <a:rPr lang="en-US" dirty="0" err="1" smtClean="0"/>
+              <a:t>k</a:t>
+            </a:r>
+            <a:r>
+              <a:rPr lang="en-US" dirty="0" smtClean="0"/>
+              <a:t> *</a:t>
+            </a:r>
+            <a:r>
+              <a:rPr lang="en-US" dirty="0" err="1" smtClean="0"/>
+              <a:t>d</a:t>
+            </a:r>
+            <a:endParaRPr lang="en-US" dirty="0" smtClean="0"/>
+          </a:p>
+          <a:p>
+            <a:pPr lvl="1"/>
+            <a:r>
+              <a:rPr lang="en-US" sz="1800" dirty="0" smtClean="0"/>
+              <a:t>a = </a:t>
+            </a:r>
+            <a:r>
+              <a:rPr lang="en-US" sz="1800" dirty="0" err="1" smtClean="0"/>
+              <a:t>cos(angle</a:t>
+            </a:r>
+            <a:r>
+              <a:rPr lang="en-US" sz="1800" dirty="0" smtClean="0"/>
+              <a:t> / 2)</a:t>
+            </a:r>
+          </a:p>
+          <a:p>
+            <a:pPr lvl="1"/>
+            <a:r>
+              <a:rPr lang="en-US" sz="1800" dirty="0" err="1" smtClean="0"/>
+              <a:t>b</a:t>
+            </a:r>
+            <a:r>
+              <a:rPr lang="en-US" sz="1800" dirty="0" smtClean="0"/>
+              <a:t> = </a:t>
+            </a:r>
+            <a:r>
+              <a:rPr lang="en-US" sz="1800" dirty="0" err="1" smtClean="0"/>
+              <a:t>axisX</a:t>
+            </a:r>
+            <a:r>
+              <a:rPr lang="en-US" sz="1800" dirty="0" smtClean="0"/>
+              <a:t> * </a:t>
+            </a:r>
+            <a:r>
+              <a:rPr lang="en-US" sz="1800" dirty="0" err="1" smtClean="0"/>
+              <a:t>sin(angle</a:t>
+            </a:r>
+            <a:r>
+              <a:rPr lang="en-US" sz="1800" dirty="0" smtClean="0"/>
+              <a:t> / 2)</a:t>
+            </a:r>
+          </a:p>
+          <a:p>
+            <a:pPr lvl="1"/>
+            <a:r>
+              <a:rPr lang="en-US" sz="1800" dirty="0" err="1" smtClean="0"/>
+              <a:t>c</a:t>
+            </a:r>
+            <a:r>
+              <a:rPr lang="en-US" sz="1800" dirty="0" smtClean="0"/>
+              <a:t> = </a:t>
+            </a:r>
+            <a:r>
+              <a:rPr lang="en-US" sz="1800" dirty="0" err="1" smtClean="0"/>
+              <a:t>axisY</a:t>
+            </a:r>
+            <a:r>
+              <a:rPr lang="en-US" sz="1800" dirty="0" smtClean="0"/>
+              <a:t> * </a:t>
+            </a:r>
+            <a:r>
+              <a:rPr lang="en-US" sz="1800" dirty="0" err="1" smtClean="0"/>
+              <a:t>sin(angle</a:t>
+            </a:r>
+            <a:r>
+              <a:rPr lang="en-US" sz="1800" dirty="0" smtClean="0"/>
+              <a:t> / 2)</a:t>
+            </a:r>
+          </a:p>
+          <a:p>
+            <a:pPr lvl="1"/>
+            <a:r>
+              <a:rPr lang="en-US" sz="1800" dirty="0" err="1" smtClean="0"/>
+              <a:t>d</a:t>
+            </a:r>
+            <a:r>
+              <a:rPr lang="en-US" sz="1800" dirty="0" smtClean="0"/>
+              <a:t> = </a:t>
+            </a:r>
+            <a:r>
+              <a:rPr lang="en-US" sz="1800" dirty="0" err="1" smtClean="0"/>
+              <a:t>axisZ</a:t>
+            </a:r>
+            <a:r>
+              <a:rPr lang="en-US" sz="1800" dirty="0" smtClean="0"/>
+              <a:t> * </a:t>
+            </a:r>
+            <a:r>
+              <a:rPr lang="en-US" sz="1800" dirty="0" err="1" smtClean="0"/>
+              <a:t>sin(angle</a:t>
+            </a:r>
+            <a:r>
+              <a:rPr lang="en-US" sz="1800" dirty="0" smtClean="0"/>
+              <a:t> / 2)</a:t>
+            </a:r>
+          </a:p>
+          <a:p>
+            <a:pPr lvl="1"/>
+            <a:endParaRPr lang="en-US" sz="1800" dirty="0" smtClean="0"/>
+          </a:p>
+          <a:p>
+            <a:pPr lvl="1"/>
+            <a:r>
+              <a:rPr lang="en-US" sz="1800" dirty="0" smtClean="0"/>
+              <a:t>angle = </a:t>
+            </a:r>
+            <a:r>
+              <a:rPr lang="en-US" sz="1800" dirty="0" err="1" smtClean="0"/>
+              <a:t>arccos(a</a:t>
+            </a:r>
+            <a:r>
+              <a:rPr lang="en-US" sz="1800" dirty="0" smtClean="0"/>
+              <a:t>) * 2</a:t>
+            </a:r>
+          </a:p>
+          <a:p>
+            <a:pPr lvl="1"/>
+            <a:r>
+              <a:rPr lang="en-US" sz="1800" dirty="0" err="1" smtClean="0"/>
+              <a:t>sinA</a:t>
+            </a:r>
+            <a:r>
+              <a:rPr lang="en-US" sz="1800" dirty="0" smtClean="0"/>
+              <a:t> = sqrt(1 – a*a)</a:t>
+            </a:r>
+          </a:p>
+          <a:p>
+            <a:pPr lvl="1"/>
+            <a:r>
+              <a:rPr lang="en-US" sz="1800" dirty="0" err="1" smtClean="0"/>
+              <a:t>vectorX</a:t>
+            </a:r>
+            <a:r>
+              <a:rPr lang="en-US" sz="1800" dirty="0" smtClean="0"/>
+              <a:t> = </a:t>
+            </a:r>
+            <a:r>
+              <a:rPr lang="en-US" sz="1800" dirty="0" err="1" smtClean="0"/>
+              <a:t>b/sinA</a:t>
+            </a:r>
+            <a:endParaRPr lang="en-US" sz="1800" dirty="0" smtClean="0"/>
+          </a:p>
+          <a:p>
+            <a:pPr lvl="1"/>
+            <a:r>
+              <a:rPr lang="en-US" sz="1800" dirty="0" err="1" smtClean="0"/>
+              <a:t>vectorY</a:t>
+            </a:r>
+            <a:r>
+              <a:rPr lang="en-US" sz="1800" dirty="0" smtClean="0"/>
+              <a:t> = </a:t>
+            </a:r>
+            <a:r>
+              <a:rPr lang="en-US" sz="1800" dirty="0" err="1" smtClean="0"/>
+              <a:t>c/sinA</a:t>
+            </a:r>
+            <a:endParaRPr lang="en-US" sz="1800" dirty="0" smtClean="0"/>
+          </a:p>
+          <a:p>
+            <a:pPr lvl="1"/>
+            <a:r>
+              <a:rPr lang="en-US" sz="1800" dirty="0" err="1" smtClean="0"/>
+              <a:t>vectorZ</a:t>
+            </a:r>
+            <a:r>
+              <a:rPr lang="en-US" sz="1800" dirty="0" smtClean="0"/>
+              <a:t> = </a:t>
+            </a:r>
+            <a:r>
+              <a:rPr lang="en-US" sz="1800" dirty="0" err="1" smtClean="0"/>
+              <a:t>d/sinA</a:t>
+            </a:r>
+            <a:endParaRPr lang="en-US" sz="1800" dirty="0" smtClean="0"/>
+          </a:p>
+        </p:txBody>
+      </p:sp>
+      <p:sp>
+        <p:nvSpPr>
+          <p:cNvPr id="3" name="Title 2"/>
+          <p:cNvSpPr>
+            <a:spLocks noGrp="1"/>
+          </p:cNvSpPr>
+          <p:nvPr>
+            <p:ph type="title"/>
+          </p:nvPr>
+        </p:nvSpPr>
+        <p:spPr/>
+        <p:txBody>
+          <a:bodyPr/>
+          <a:lstStyle/>
+          <a:p>
+            <a:r>
+              <a:rPr lang="en-US" dirty="0" err="1" smtClean="0"/>
+              <a:t>Quaternions</a:t>
+            </a:r>
+            <a:r>
+              <a:rPr lang="en-US" dirty="0" smtClean="0"/>
+              <a:t>. Last bits…</a:t>
+            </a:r>
+            <a:endParaRPr lang="en-US" dirty="0"/>
+          </a:p>
+        </p:txBody>
+      </p:sp>
+    </p:spTree>
+  </p:cSld>
+  <p:clrMapOvr>
+    <a:masterClrMapping/>
+  </p:clrMapOvr>
+  <p:timing>
+    <p:tnLst>
+      <p:par>
+        <p:cTn id="1" dur="indefinite" restart="never" nodeType="tmRoot"/>
+      </p:par>
+    </p:tnLst>
+  </p:timing>
+</p:sld>
+</file>
+
+<file path=ppt/slides/slide23.xml><?xml version="1.0" encoding="utf-8"?>
+<p:sld xmlns:a="http://schemas.openxmlformats.org/drawingml/2006/main" xmlns:r="http://schemas.openxmlformats.org/officeDocument/2006/relationships" xmlns:p="http://schemas.openxmlformats.org/presentationml/2006/main">
+  <p:cSld>
+    <p:spTree>
+      <p:nvGrpSpPr>
+        <p:cNvPr id="1" name=""/>
+        <p:cNvGrpSpPr/>
+        <p:nvPr/>
+      </p:nvGrpSpPr>
+      <p:grpSpPr>
+        <a:xfrm>
+          <a:off x="0" y="0"/>
+          <a:ext cx="0" cy="0"/>
+          <a:chOff x="0" y="0"/>
+          <a:chExt cx="0" cy="0"/>
+        </a:xfrm>
+      </p:grpSpPr>
+      <p:sp>
+        <p:nvSpPr>
+          <p:cNvPr id="2" name="Content Placeholder 1"/>
+          <p:cNvSpPr>
+            <a:spLocks noGrp="1"/>
+          </p:cNvSpPr>
+          <p:nvPr>
+            <p:ph idx="1"/>
+          </p:nvPr>
+        </p:nvSpPr>
+        <p:spPr/>
+        <p:txBody>
+          <a:bodyPr/>
+          <a:lstStyle/>
+          <a:p>
+            <a:r>
+              <a:rPr lang="en-US" dirty="0" smtClean="0"/>
+              <a:t>Rotation ends up with unsuspected results</a:t>
+            </a:r>
+          </a:p>
+          <a:p>
+            <a:r>
+              <a:rPr lang="en-US" dirty="0" smtClean="0"/>
+              <a:t>Axes of rotations lock together</a:t>
+            </a:r>
+            <a:endParaRPr lang="en-US" dirty="0"/>
+          </a:p>
+        </p:txBody>
+      </p:sp>
+      <p:sp>
+        <p:nvSpPr>
+          <p:cNvPr id="3" name="Title 2"/>
+          <p:cNvSpPr>
+            <a:spLocks noGrp="1"/>
+          </p:cNvSpPr>
+          <p:nvPr>
+            <p:ph type="title"/>
+          </p:nvPr>
+        </p:nvSpPr>
+        <p:spPr/>
+        <p:txBody>
+          <a:bodyPr/>
+          <a:lstStyle/>
+          <a:p>
+            <a:r>
+              <a:rPr lang="en-US" dirty="0" err="1" smtClean="0"/>
+              <a:t>Gimbal</a:t>
+            </a:r>
+            <a:r>
+              <a:rPr lang="en-US" dirty="0" smtClean="0"/>
+              <a:t> lock</a:t>
+            </a:r>
+            <a:endParaRPr lang="en-US" dirty="0"/>
+          </a:p>
+        </p:txBody>
+      </p:sp>
+    </p:spTree>
+  </p:cSld>
+  <p:clrMapOvr>
+    <a:masterClrMapping/>
+  </p:clrMapOvr>
+  <p:timing>
+    <p:tnLst>
+      <p:par>
+        <p:cTn id="1" dur="indefinite" restart="never" nodeType="tmRoot"/>
+      </p:par>
+    </p:tnLst>
+  </p:timing>
+</p:sld>
+</file>
+
+<file path=ppt/slides/slide24.xml><?xml version="1.0" encoding="utf-8"?>
 <p:sld xmlns:a="http://schemas.openxmlformats.org/drawingml/2006/main" xmlns:r="http://schemas.openxmlformats.org/officeDocument/2006/relationships" xmlns:p="http://schemas.openxmlformats.org/presentationml/2006/main">
   <p:cSld>
     <p:spTree>
@@ -7113,7 +7341,7 @@
 </p:sld>
 </file>
 
-<file path=ppt/slides/slide23.xml><?xml version="1.0" encoding="utf-8"?>
+<file path=ppt/slides/slide25.xml><?xml version="1.0" encoding="utf-8"?>
 <p:sld xmlns:a="http://schemas.openxmlformats.org/drawingml/2006/main" xmlns:r="http://schemas.openxmlformats.org/officeDocument/2006/relationships" xmlns:p="http://schemas.openxmlformats.org/presentationml/2006/main">
   <p:cSld>
     <p:spTree>
@@ -7215,7 +7443,7 @@
 </p:sld>
 </file>
 
-<file path=ppt/slides/slide24.xml><?xml version="1.0" encoding="utf-8"?>
+<file path=ppt/slides/slide26.xml><?xml version="1.0" encoding="utf-8"?>
 <p:sld xmlns:a="http://schemas.openxmlformats.org/drawingml/2006/main" xmlns:r="http://schemas.openxmlformats.org/officeDocument/2006/relationships" xmlns:p="http://schemas.openxmlformats.org/presentationml/2006/main">
   <p:cSld>
     <p:spTree>
@@ -7391,7 +7619,7 @@
 </p:sld>
 </file>
 
-<file path=ppt/slides/slide25.xml><?xml version="1.0" encoding="utf-8"?>
+<file path=ppt/slides/slide27.xml><?xml version="1.0" encoding="utf-8"?>
 <p:sld xmlns:a="http://schemas.openxmlformats.org/drawingml/2006/main" xmlns:r="http://schemas.openxmlformats.org/officeDocument/2006/relationships" xmlns:p="http://schemas.openxmlformats.org/presentationml/2006/main">
   <p:cSld>
     <p:spTree>
@@ -7465,7 +7693,7 @@
 </p:sld>
 </file>
 
-<file path=ppt/slides/slide26.xml><?xml version="1.0" encoding="utf-8"?>
+<file path=ppt/slides/slide28.xml><?xml version="1.0" encoding="utf-8"?>
 <p:sld xmlns:a="http://schemas.openxmlformats.org/drawingml/2006/main" xmlns:r="http://schemas.openxmlformats.org/officeDocument/2006/relationships" xmlns:p="http://schemas.openxmlformats.org/presentationml/2006/main">
   <p:cSld>
     <p:spTree>
@@ -7589,7 +7817,7 @@
 </p:sld>
 </file>
 
-<file path=ppt/slides/slide27.xml><?xml version="1.0" encoding="utf-8"?>
+<file path=ppt/slides/slide29.xml><?xml version="1.0" encoding="utf-8"?>
 <p:sld xmlns:a="http://schemas.openxmlformats.org/drawingml/2006/main" xmlns:r="http://schemas.openxmlformats.org/officeDocument/2006/relationships" xmlns:p="http://schemas.openxmlformats.org/presentationml/2006/main">
   <p:cSld>
     <p:spTree>
@@ -7616,23 +7844,21 @@
             <p:ph idx="1"/>
           </p:nvPr>
         </p:nvSpPr>
-        <p:spPr/>
+        <p:spPr>
+          <a:xfrm>
+            <a:off x="457200" y="1481328"/>
+            <a:ext cx="8258204" cy="4525963"/>
+          </a:xfrm>
+        </p:spPr>
         <p:txBody>
           <a:bodyPr/>
           <a:lstStyle/>
           <a:p>
-            <a:pPr>
-              <a:buNone/>
-            </a:pPr>
-            <a:r>
-              <a:rPr lang="en-US" sz="2200" dirty="0" smtClean="0"/>
-              <a:t>Generate new skeleton image with big joints, define joint structure, define putting mesh over </a:t>
-            </a:r>
-            <a:r>
-              <a:rPr lang="en-US" sz="2200" smtClean="0"/>
-              <a:t>the skeleton?</a:t>
-            </a:r>
-            <a:endParaRPr lang="en-US" sz="2200" dirty="0" smtClean="0"/>
+            <a:r>
+              <a:rPr lang="en-US" dirty="0" smtClean="0"/>
+              <a:t>OBJ File description</a:t>
+            </a:r>
+            <a:endParaRPr lang="lt-LT" dirty="0"/>
           </a:p>
         </p:txBody>
       </p:sp>
@@ -7662,9 +7888,9 @@
             </a:br>
             <a:r>
               <a:rPr lang="en-US" sz="3100" dirty="0" smtClean="0"/>
-              <a:t>Initial program phase</a:t>
-            </a:r>
-            <a:endParaRPr lang="en-US" sz="3100" dirty="0"/>
+              <a:t>Mesh model data files</a:t>
+            </a:r>
+            <a:endParaRPr lang="lt-LT" sz="3100" dirty="0"/>
           </a:p>
         </p:txBody>
       </p:sp>
@@ -7683,7 +7909,221 @@
 </p:sld>
 </file>
 
-<file path=ppt/slides/slide28.xml><?xml version="1.0" encoding="utf-8"?>
+<file path=ppt/slides/slide3.xml><?xml version="1.0" encoding="utf-8"?>
+<p:sld xmlns:a="http://schemas.openxmlformats.org/drawingml/2006/main" xmlns:r="http://schemas.openxmlformats.org/officeDocument/2006/relationships" xmlns:p="http://schemas.openxmlformats.org/presentationml/2006/main">
+  <p:cSld>
+    <p:spTree>
+      <p:nvGrpSpPr>
+        <p:cNvPr id="1" name=""/>
+        <p:cNvGrpSpPr/>
+        <p:nvPr/>
+      </p:nvGrpSpPr>
+      <p:grpSpPr>
+        <a:xfrm>
+          <a:off x="0" y="0"/>
+          <a:ext cx="0" cy="0"/>
+          <a:chOff x="0" y="0"/>
+          <a:chExt cx="0" cy="0"/>
+        </a:xfrm>
+      </p:grpSpPr>
+      <p:sp>
+        <p:nvSpPr>
+          <p:cNvPr id="2" name="Content Placeholder 1"/>
+          <p:cNvSpPr>
+            <a:spLocks noGrp="1"/>
+          </p:cNvSpPr>
+          <p:nvPr>
+            <p:ph idx="1"/>
+          </p:nvPr>
+        </p:nvSpPr>
+        <p:spPr/>
+        <p:txBody>
+          <a:bodyPr/>
+          <a:lstStyle/>
+          <a:p>
+            <a:r>
+              <a:rPr lang="lt-LT" dirty="0" smtClean="0"/>
+              <a:t>Motion </a:t>
+            </a:r>
+            <a:r>
+              <a:rPr lang="en-US" dirty="0" smtClean="0"/>
+              <a:t>capturing</a:t>
+            </a:r>
+          </a:p>
+          <a:p>
+            <a:r>
+              <a:rPr lang="lt-LT" dirty="0" smtClean="0"/>
+              <a:t>Human body model animation</a:t>
+            </a:r>
+            <a:endParaRPr lang="en-US" dirty="0" smtClean="0"/>
+          </a:p>
+          <a:p>
+            <a:pPr lvl="1"/>
+            <a:r>
+              <a:rPr lang="en-US" dirty="0" smtClean="0"/>
+              <a:t>Skeletal, joint-based structure</a:t>
+            </a:r>
+          </a:p>
+          <a:p>
+            <a:pPr lvl="1"/>
+            <a:r>
+              <a:rPr lang="en-US" dirty="0" smtClean="0"/>
+              <a:t>Animation program environment (C++/OpenGL)</a:t>
+            </a:r>
+          </a:p>
+          <a:p>
+            <a:pPr lvl="1"/>
+            <a:r>
+              <a:rPr lang="en-US" dirty="0" smtClean="0"/>
+              <a:t>Data interpretation</a:t>
+            </a:r>
+          </a:p>
+          <a:p>
+            <a:pPr lvl="1"/>
+            <a:r>
+              <a:rPr lang="en-US" dirty="0" smtClean="0"/>
+              <a:t>Model deformations</a:t>
+            </a:r>
+            <a:endParaRPr lang="lt-LT" dirty="0" smtClean="0"/>
+          </a:p>
+          <a:p>
+            <a:endParaRPr lang="lt-LT" dirty="0"/>
+          </a:p>
+        </p:txBody>
+      </p:sp>
+      <p:sp>
+        <p:nvSpPr>
+          <p:cNvPr id="3" name="Title 2"/>
+          <p:cNvSpPr>
+            <a:spLocks noGrp="1"/>
+          </p:cNvSpPr>
+          <p:nvPr>
+            <p:ph type="title"/>
+          </p:nvPr>
+        </p:nvSpPr>
+        <p:spPr/>
+        <p:txBody>
+          <a:bodyPr/>
+          <a:lstStyle/>
+          <a:p>
+            <a:r>
+              <a:rPr lang="en-US" dirty="0" smtClean="0"/>
+              <a:t>Introduction. Project tasks</a:t>
+            </a:r>
+            <a:endParaRPr lang="en-US" dirty="0"/>
+          </a:p>
+        </p:txBody>
+      </p:sp>
+    </p:spTree>
+  </p:cSld>
+  <p:clrMapOvr>
+    <a:masterClrMapping/>
+  </p:clrMapOvr>
+  <p:timing>
+    <p:tnLst>
+      <p:par>
+        <p:cTn id="1" dur="indefinite" restart="never" nodeType="tmRoot"/>
+      </p:par>
+    </p:tnLst>
+  </p:timing>
+</p:sld>
+</file>
+
+<file path=ppt/slides/slide30.xml><?xml version="1.0" encoding="utf-8"?>
+<p:sld xmlns:a="http://schemas.openxmlformats.org/drawingml/2006/main" xmlns:r="http://schemas.openxmlformats.org/officeDocument/2006/relationships" xmlns:p="http://schemas.openxmlformats.org/presentationml/2006/main">
+  <p:cSld>
+    <p:spTree>
+      <p:nvGrpSpPr>
+        <p:cNvPr id="1" name=""/>
+        <p:cNvGrpSpPr/>
+        <p:nvPr/>
+      </p:nvGrpSpPr>
+      <p:grpSpPr>
+        <a:xfrm>
+          <a:off x="0" y="0"/>
+          <a:ext cx="0" cy="0"/>
+          <a:chOff x="0" y="0"/>
+          <a:chExt cx="0" cy="0"/>
+        </a:xfrm>
+      </p:grpSpPr>
+      <p:sp>
+        <p:nvSpPr>
+          <p:cNvPr id="2" name="Content Placeholder 1"/>
+          <p:cNvSpPr>
+            <a:spLocks noGrp="1"/>
+          </p:cNvSpPr>
+          <p:nvPr>
+            <p:ph idx="1"/>
+          </p:nvPr>
+        </p:nvSpPr>
+        <p:spPr/>
+        <p:txBody>
+          <a:bodyPr/>
+          <a:lstStyle/>
+          <a:p>
+            <a:pPr>
+              <a:buNone/>
+            </a:pPr>
+            <a:r>
+              <a:rPr lang="en-US" sz="2200" dirty="0" smtClean="0"/>
+              <a:t>Generate new skeleton image with big joints, define joint structure, define putting mesh over </a:t>
+            </a:r>
+            <a:r>
+              <a:rPr lang="en-US" sz="2200" smtClean="0"/>
+              <a:t>the skeleton?</a:t>
+            </a:r>
+            <a:endParaRPr lang="en-US" sz="2200" dirty="0" smtClean="0"/>
+          </a:p>
+        </p:txBody>
+      </p:sp>
+      <p:sp>
+        <p:nvSpPr>
+          <p:cNvPr id="3" name="Title 2"/>
+          <p:cNvSpPr>
+            <a:spLocks noGrp="1"/>
+          </p:cNvSpPr>
+          <p:nvPr>
+            <p:ph type="title"/>
+          </p:nvPr>
+        </p:nvSpPr>
+        <p:spPr/>
+        <p:txBody>
+          <a:bodyPr>
+            <a:normAutofit fontScale="90000"/>
+          </a:bodyPr>
+          <a:lstStyle/>
+          <a:p>
+            <a:r>
+              <a:rPr lang="en-US" dirty="0" smtClean="0"/>
+              <a:t>Animating human body</a:t>
+            </a:r>
+            <a:br>
+              <a:rPr lang="en-US" dirty="0" smtClean="0"/>
+            </a:br>
+            <a:r>
+              <a:rPr lang="en-US" sz="3100" dirty="0" smtClean="0"/>
+              <a:t>Initial program phase</a:t>
+            </a:r>
+            <a:endParaRPr lang="en-US" sz="3100" dirty="0"/>
+          </a:p>
+        </p:txBody>
+      </p:sp>
+    </p:spTree>
+  </p:cSld>
+  <p:clrMapOvr>
+    <a:masterClrMapping/>
+  </p:clrMapOvr>
+  <p:timing>
+    <p:tnLst>
+      <p:par>
+        <p:cTn id="1" dur="indefinite" restart="never" nodeType="tmRoot"/>
+      </p:par>
+    </p:tnLst>
+  </p:timing>
+</p:sld>
+</file>
+
+<file path=ppt/slides/slide31.xml><?xml version="1.0" encoding="utf-8"?>
 <p:sld xmlns:a="http://schemas.openxmlformats.org/drawingml/2006/main" xmlns:r="http://schemas.openxmlformats.org/officeDocument/2006/relationships" xmlns:p="http://schemas.openxmlformats.org/presentationml/2006/main">
   <p:cSld>
     <p:spTree>
@@ -7930,7 +8370,7 @@
 </p:sld>
 </file>
 
-<file path=ppt/slides/slide29.xml><?xml version="1.0" encoding="utf-8"?>
+<file path=ppt/slides/slide32.xml><?xml version="1.0" encoding="utf-8"?>
 <p:sld xmlns:a="http://schemas.openxmlformats.org/drawingml/2006/main" xmlns:r="http://schemas.openxmlformats.org/officeDocument/2006/relationships" xmlns:p="http://schemas.openxmlformats.org/presentationml/2006/main">
   <p:cSld>
     <p:spTree>
@@ -8022,7 +8462,7 @@
 </p:sld>
 </file>
 
-<file path=ppt/slides/slide3.xml><?xml version="1.0" encoding="utf-8"?>
+<file path=ppt/slides/slide33.xml><?xml version="1.0" encoding="utf-8"?>
 <p:sld xmlns:a="http://schemas.openxmlformats.org/drawingml/2006/main" xmlns:r="http://schemas.openxmlformats.org/officeDocument/2006/relationships" xmlns:p="http://schemas.openxmlformats.org/presentationml/2006/main">
   <p:cSld>
     <p:spTree>
@@ -8051,126 +8491,6 @@
         </p:nvSpPr>
         <p:spPr/>
         <p:txBody>
-          <a:bodyPr/>
-          <a:lstStyle/>
-          <a:p>
-            <a:r>
-              <a:rPr lang="lt-LT" dirty="0" smtClean="0"/>
-              <a:t>Motion </a:t>
-            </a:r>
-            <a:r>
-              <a:rPr lang="en-US" dirty="0" smtClean="0"/>
-              <a:t>capturing</a:t>
-            </a:r>
-          </a:p>
-          <a:p>
-            <a:r>
-              <a:rPr lang="lt-LT" dirty="0" smtClean="0"/>
-              <a:t>Human body model animation</a:t>
-            </a:r>
-            <a:endParaRPr lang="en-US" dirty="0" smtClean="0"/>
-          </a:p>
-          <a:p>
-            <a:pPr lvl="1"/>
-            <a:r>
-              <a:rPr lang="en-US" dirty="0" smtClean="0"/>
-              <a:t>Skeletal, joint-based structure</a:t>
-            </a:r>
-          </a:p>
-          <a:p>
-            <a:pPr lvl="1"/>
-            <a:r>
-              <a:rPr lang="en-US" dirty="0" smtClean="0"/>
-              <a:t>Animation program environment (C++/OpenGL)</a:t>
-            </a:r>
-          </a:p>
-          <a:p>
-            <a:pPr lvl="1"/>
-            <a:r>
-              <a:rPr lang="en-US" dirty="0" smtClean="0"/>
-              <a:t>Data interpretation</a:t>
-            </a:r>
-          </a:p>
-          <a:p>
-            <a:pPr lvl="1"/>
-            <a:r>
-              <a:rPr lang="en-US" dirty="0" smtClean="0"/>
-              <a:t>Model deformations</a:t>
-            </a:r>
-            <a:endParaRPr lang="lt-LT" dirty="0" smtClean="0"/>
-          </a:p>
-          <a:p>
-            <a:endParaRPr lang="lt-LT" dirty="0"/>
-          </a:p>
-        </p:txBody>
-      </p:sp>
-      <p:sp>
-        <p:nvSpPr>
-          <p:cNvPr id="3" name="Title 2"/>
-          <p:cNvSpPr>
-            <a:spLocks noGrp="1"/>
-          </p:cNvSpPr>
-          <p:nvPr>
-            <p:ph type="title"/>
-          </p:nvPr>
-        </p:nvSpPr>
-        <p:spPr/>
-        <p:txBody>
-          <a:bodyPr/>
-          <a:lstStyle/>
-          <a:p>
-            <a:r>
-              <a:rPr lang="en-US" dirty="0" smtClean="0"/>
-              <a:t>Introduction. Project tasks</a:t>
-            </a:r>
-            <a:endParaRPr lang="en-US" dirty="0"/>
-          </a:p>
-        </p:txBody>
-      </p:sp>
-    </p:spTree>
-  </p:cSld>
-  <p:clrMapOvr>
-    <a:masterClrMapping/>
-  </p:clrMapOvr>
-  <p:timing>
-    <p:tnLst>
-      <p:par>
-        <p:cTn id="1" dur="indefinite" restart="never" nodeType="tmRoot"/>
-      </p:par>
-    </p:tnLst>
-  </p:timing>
-</p:sld>
-</file>
-
-<file path=ppt/slides/slide30.xml><?xml version="1.0" encoding="utf-8"?>
-<p:sld xmlns:a="http://schemas.openxmlformats.org/drawingml/2006/main" xmlns:r="http://schemas.openxmlformats.org/officeDocument/2006/relationships" xmlns:p="http://schemas.openxmlformats.org/presentationml/2006/main">
-  <p:cSld>
-    <p:spTree>
-      <p:nvGrpSpPr>
-        <p:cNvPr id="1" name=""/>
-        <p:cNvGrpSpPr/>
-        <p:nvPr/>
-      </p:nvGrpSpPr>
-      <p:grpSpPr>
-        <a:xfrm>
-          <a:off x="0" y="0"/>
-          <a:ext cx="0" cy="0"/>
-          <a:chOff x="0" y="0"/>
-          <a:chExt cx="0" cy="0"/>
-        </a:xfrm>
-      </p:grpSpPr>
-      <p:sp>
-        <p:nvSpPr>
-          <p:cNvPr id="2" name="Content Placeholder 1"/>
-          <p:cNvSpPr>
-            <a:spLocks noGrp="1"/>
-          </p:cNvSpPr>
-          <p:nvPr>
-            <p:ph idx="1"/>
-          </p:nvPr>
-        </p:nvSpPr>
-        <p:spPr/>
-        <p:txBody>
           <a:bodyPr>
             <a:normAutofit/>
           </a:bodyPr>
@@ -8259,7 +8579,7 @@
 </p:sld>
 </file>
 
-<file path=ppt/slides/slide31.xml><?xml version="1.0" encoding="utf-8"?>
+<file path=ppt/slides/slide34.xml><?xml version="1.0" encoding="utf-8"?>
 <p:sld xmlns:a="http://schemas.openxmlformats.org/drawingml/2006/main" xmlns:r="http://schemas.openxmlformats.org/officeDocument/2006/relationships" xmlns:p="http://schemas.openxmlformats.org/presentationml/2006/main">
   <p:cSld>
     <p:spTree>
@@ -8430,7 +8750,7 @@
 </p:sld>
 </file>
 
-<file path=ppt/slides/slide32.xml><?xml version="1.0" encoding="utf-8"?>
+<file path=ppt/slides/slide35.xml><?xml version="1.0" encoding="utf-8"?>
 <p:sld xmlns:a="http://schemas.openxmlformats.org/drawingml/2006/main" xmlns:r="http://schemas.openxmlformats.org/officeDocument/2006/relationships" xmlns:p="http://schemas.openxmlformats.org/presentationml/2006/main">
   <p:cSld>
     <p:spTree>
@@ -8499,19 +8819,7 @@
             <a:pPr lvl="1"/>
             <a:r>
               <a:rPr lang="en-US" dirty="0" smtClean="0"/>
-              <a:t>Use of quaternions, enabling us to calculate single rotation </a:t>
-            </a:r>
-            <a:r>
-              <a:rPr lang="en-US" dirty="0" smtClean="0"/>
-              <a:t>vector</a:t>
-            </a:r>
-            <a:r>
-              <a:rPr lang="en-US" dirty="0" smtClean="0"/>
-              <a:t> </a:t>
-            </a:r>
-            <a:r>
-              <a:rPr lang="en-US" dirty="0" smtClean="0"/>
-              <a:t>with additional filter for rotations.</a:t>
+              <a:t>Use of quaternions, enabling us to calculate single rotation vector with additional filter for rotations.</a:t>
             </a:r>
             <a:endParaRPr lang="lt-LT" dirty="0"/>
           </a:p>
@@ -8583,7 +8891,7 @@
 </p:sld>
 </file>
 
-<file path=ppt/slides/slide33.xml><?xml version="1.0" encoding="utf-8"?>
+<file path=ppt/slides/slide36.xml><?xml version="1.0" encoding="utf-8"?>
 <p:sld xmlns:a="http://schemas.openxmlformats.org/drawingml/2006/main" xmlns:r="http://schemas.openxmlformats.org/officeDocument/2006/relationships" xmlns:p="http://schemas.openxmlformats.org/presentationml/2006/main">
   <p:cSld>
     <p:spTree>
@@ -8693,7 +9001,7 @@
 </p:sld>
 </file>
 
-<file path=ppt/slides/slide34.xml><?xml version="1.0" encoding="utf-8"?>
+<file path=ppt/slides/slide37.xml><?xml version="1.0" encoding="utf-8"?>
 <p:sld xmlns:a="http://schemas.openxmlformats.org/drawingml/2006/main" xmlns:r="http://schemas.openxmlformats.org/officeDocument/2006/relationships" xmlns:p="http://schemas.openxmlformats.org/presentationml/2006/main">
   <p:cSld>
     <p:spTree>
@@ -8803,7 +9111,7 @@
 </p:sld>
 </file>
 
-<file path=ppt/slides/slide35.xml><?xml version="1.0" encoding="utf-8"?>
+<file path=ppt/slides/slide38.xml><?xml version="1.0" encoding="utf-8"?>
 <p:sld xmlns:a="http://schemas.openxmlformats.org/drawingml/2006/main" xmlns:r="http://schemas.openxmlformats.org/officeDocument/2006/relationships" xmlns:p="http://schemas.openxmlformats.org/presentationml/2006/main">
   <p:cSld>
     <p:spTree>
@@ -8901,7 +9209,7 @@
 </p:sld>
 </file>
 
-<file path=ppt/slides/slide36.xml><?xml version="1.0" encoding="utf-8"?>
+<file path=ppt/slides/slide39.xml><?xml version="1.0" encoding="utf-8"?>
 <p:sld xmlns:a="http://schemas.openxmlformats.org/drawingml/2006/main" xmlns:r="http://schemas.openxmlformats.org/officeDocument/2006/relationships" xmlns:p="http://schemas.openxmlformats.org/presentationml/2006/main">
   <p:cSld>
     <p:spTree>
@@ -8933,7 +9241,51 @@
           <a:bodyPr/>
           <a:lstStyle/>
           <a:p>
-            <a:endParaRPr lang="lt-LT" dirty="0"/>
+            <a:r>
+              <a:rPr lang="en-US" dirty="0" smtClean="0"/>
+              <a:t>Main project tasks achieved, though various improvements are possible:</a:t>
+            </a:r>
+          </a:p>
+          <a:p>
+            <a:pPr lvl="1"/>
+            <a:r>
+              <a:rPr lang="en-US" dirty="0" smtClean="0"/>
+              <a:t>More detailed body animation and </a:t>
+            </a:r>
+            <a:r>
+              <a:rPr lang="en-US" smtClean="0"/>
+              <a:t>skin deformations</a:t>
+            </a:r>
+            <a:endParaRPr lang="en-US" dirty="0" smtClean="0"/>
+          </a:p>
+          <a:p>
+            <a:pPr lvl="1"/>
+            <a:r>
+              <a:rPr lang="en-US" dirty="0" smtClean="0"/>
+              <a:t>Integrate facial animation</a:t>
+            </a:r>
+          </a:p>
+          <a:p>
+            <a:pPr lvl="1"/>
+            <a:r>
+              <a:rPr lang="en-US" dirty="0" smtClean="0"/>
+              <a:t>Skinning algorithm improvement</a:t>
+            </a:r>
+          </a:p>
+          <a:p>
+            <a:pPr lvl="1"/>
+            <a:r>
+              <a:rPr lang="en-US" dirty="0" smtClean="0"/>
+              <a:t>Live streaming from </a:t>
+            </a:r>
+            <a:r>
+              <a:rPr lang="en-US" dirty="0" err="1" smtClean="0"/>
+              <a:t>mocap</a:t>
+            </a:r>
+            <a:r>
+              <a:rPr lang="en-US" dirty="0" smtClean="0"/>
+              <a:t> system</a:t>
+            </a:r>
           </a:p>
         </p:txBody>
       </p:sp>
@@ -8950,13 +9302,13 @@
         <p:spPr/>
         <p:txBody>
           <a:bodyPr>
-            <a:normAutofit fontScale="90000"/>
+            <a:normAutofit/>
           </a:bodyPr>
           <a:lstStyle/>
           <a:p>
             <a:r>
               <a:rPr lang="en-US" dirty="0" smtClean="0"/>
-              <a:t>Conclusion and future work possibilities</a:t>
+              <a:t>Conclusion and future work</a:t>
             </a:r>
             <a:endParaRPr lang="lt-LT" dirty="0"/>
           </a:p>
@@ -8967,93 +9319,6 @@
   <p:clrMapOvr>
     <a:masterClrMapping/>
   </p:clrMapOvr>
-</p:sld>
-</file>
-
-<file path=ppt/slides/slide37.xml><?xml version="1.0" encoding="utf-8"?>
-<p:sld xmlns:a="http://schemas.openxmlformats.org/drawingml/2006/main" xmlns:r="http://schemas.openxmlformats.org/officeDocument/2006/relationships" xmlns:p="http://schemas.openxmlformats.org/presentationml/2006/main">
-  <p:cSld>
-    <p:spTree>
-      <p:nvGrpSpPr>
-        <p:cNvPr id="1" name=""/>
-        <p:cNvGrpSpPr/>
-        <p:nvPr/>
-      </p:nvGrpSpPr>
-      <p:grpSpPr>
-        <a:xfrm>
-          <a:off x="0" y="0"/>
-          <a:ext cx="0" cy="0"/>
-          <a:chOff x="0" y="0"/>
-          <a:chExt cx="0" cy="0"/>
-        </a:xfrm>
-      </p:grpSpPr>
-      <p:sp>
-        <p:nvSpPr>
-          <p:cNvPr id="2" name="Content Placeholder 1"/>
-          <p:cNvSpPr>
-            <a:spLocks noGrp="1"/>
-          </p:cNvSpPr>
-          <p:nvPr>
-            <p:ph idx="1"/>
-          </p:nvPr>
-        </p:nvSpPr>
-        <p:spPr/>
-        <p:txBody>
-          <a:bodyPr/>
-          <a:lstStyle/>
-          <a:p>
-            <a:pPr algn="ctr">
-              <a:buNone/>
-            </a:pPr>
-            <a:endParaRPr lang="lt-LT" sz="8000" dirty="0" smtClean="0"/>
-          </a:p>
-          <a:p>
-            <a:pPr algn="ctr">
-              <a:buNone/>
-            </a:pPr>
-            <a:r>
-              <a:rPr lang="lt-LT" sz="8000" dirty="0" smtClean="0"/>
-              <a:t>?</a:t>
-            </a:r>
-            <a:endParaRPr lang="lt-LT" sz="8000" dirty="0"/>
-          </a:p>
-        </p:txBody>
-      </p:sp>
-      <p:sp>
-        <p:nvSpPr>
-          <p:cNvPr id="3" name="Title 2"/>
-          <p:cNvSpPr>
-            <a:spLocks noGrp="1"/>
-          </p:cNvSpPr>
-          <p:nvPr>
-            <p:ph type="title"/>
-          </p:nvPr>
-        </p:nvSpPr>
-        <p:spPr/>
-        <p:txBody>
-          <a:bodyPr/>
-          <a:lstStyle/>
-          <a:p>
-            <a:r>
-              <a:rPr lang="lt-LT" dirty="0" smtClean="0"/>
-              <a:t>Questions, comments</a:t>
-            </a:r>
-            <a:endParaRPr lang="lt-LT" dirty="0"/>
-          </a:p>
-        </p:txBody>
-      </p:sp>
-    </p:spTree>
-  </p:cSld>
-  <p:clrMapOvr>
-    <a:masterClrMapping/>
-  </p:clrMapOvr>
-  <p:timing>
-    <p:tnLst>
-      <p:par>
-        <p:cTn id="1" dur="indefinite" restart="never" nodeType="tmRoot"/>
-      </p:par>
-    </p:tnLst>
-  </p:timing>
 </p:sld>
 </file>
 
@@ -9113,6 +9378,93 @@
               <a:t>Human body animation movie</a:t>
             </a:r>
             <a:endParaRPr lang="en-US" dirty="0"/>
+          </a:p>
+        </p:txBody>
+      </p:sp>
+    </p:spTree>
+  </p:cSld>
+  <p:clrMapOvr>
+    <a:masterClrMapping/>
+  </p:clrMapOvr>
+  <p:timing>
+    <p:tnLst>
+      <p:par>
+        <p:cTn id="1" dur="indefinite" restart="never" nodeType="tmRoot"/>
+      </p:par>
+    </p:tnLst>
+  </p:timing>
+</p:sld>
+</file>
+
+<file path=ppt/slides/slide40.xml><?xml version="1.0" encoding="utf-8"?>
+<p:sld xmlns:a="http://schemas.openxmlformats.org/drawingml/2006/main" xmlns:r="http://schemas.openxmlformats.org/officeDocument/2006/relationships" xmlns:p="http://schemas.openxmlformats.org/presentationml/2006/main">
+  <p:cSld>
+    <p:spTree>
+      <p:nvGrpSpPr>
+        <p:cNvPr id="1" name=""/>
+        <p:cNvGrpSpPr/>
+        <p:nvPr/>
+      </p:nvGrpSpPr>
+      <p:grpSpPr>
+        <a:xfrm>
+          <a:off x="0" y="0"/>
+          <a:ext cx="0" cy="0"/>
+          <a:chOff x="0" y="0"/>
+          <a:chExt cx="0" cy="0"/>
+        </a:xfrm>
+      </p:grpSpPr>
+      <p:sp>
+        <p:nvSpPr>
+          <p:cNvPr id="2" name="Content Placeholder 1"/>
+          <p:cNvSpPr>
+            <a:spLocks noGrp="1"/>
+          </p:cNvSpPr>
+          <p:nvPr>
+            <p:ph idx="1"/>
+          </p:nvPr>
+        </p:nvSpPr>
+        <p:spPr/>
+        <p:txBody>
+          <a:bodyPr/>
+          <a:lstStyle/>
+          <a:p>
+            <a:pPr algn="ctr">
+              <a:buNone/>
+            </a:pPr>
+            <a:endParaRPr lang="lt-LT" sz="8000" dirty="0" smtClean="0"/>
+          </a:p>
+          <a:p>
+            <a:pPr algn="ctr">
+              <a:buNone/>
+            </a:pPr>
+            <a:r>
+              <a:rPr lang="lt-LT" sz="8000" dirty="0" smtClean="0"/>
+              <a:t>?</a:t>
+            </a:r>
+            <a:endParaRPr lang="lt-LT" sz="8000" dirty="0"/>
+          </a:p>
+        </p:txBody>
+      </p:sp>
+      <p:sp>
+        <p:nvSpPr>
+          <p:cNvPr id="3" name="Title 2"/>
+          <p:cNvSpPr>
+            <a:spLocks noGrp="1"/>
+          </p:cNvSpPr>
+          <p:nvPr>
+            <p:ph type="title"/>
+          </p:nvPr>
+        </p:nvSpPr>
+        <p:spPr/>
+        <p:txBody>
+          <a:bodyPr/>
+          <a:lstStyle/>
+          <a:p>
+            <a:r>
+              <a:rPr lang="lt-LT" dirty="0" smtClean="0"/>
+              <a:t>Questions, comments</a:t>
+            </a:r>
+            <a:endParaRPr lang="lt-LT" dirty="0"/>
           </a:p>
         </p:txBody>
       </p:sp>
@@ -9614,73 +9966,260 @@
         </p:nvSpPr>
         <p:spPr/>
         <p:txBody>
-          <a:bodyPr/>
+          <a:bodyPr>
+            <a:normAutofit fontScale="25000" lnSpcReduction="20000"/>
+          </a:bodyPr>
           <a:lstStyle/>
           <a:p>
             <a:r>
-              <a:rPr lang="en-US" dirty="0" smtClean="0"/>
-              <a:t>Parametric representation of lines in 3D</a:t>
-            </a:r>
+              <a:rPr lang="lt-LT" i="1" dirty="0" smtClean="0"/>
+              <a:t>HIERARCHY</a:t>
+            </a:r>
+          </a:p>
+          <a:p>
+            <a:r>
+              <a:rPr lang="lt-LT" i="1" dirty="0" smtClean="0"/>
+              <a:t>ROOT Hips</a:t>
+            </a:r>
+          </a:p>
+          <a:p>
+            <a:r>
+              <a:rPr lang="lt-LT" i="1" dirty="0" smtClean="0"/>
+              <a:t>{</a:t>
+            </a:r>
+          </a:p>
+          <a:p>
+            <a:r>
+              <a:rPr lang="lt-LT" i="1" dirty="0" smtClean="0"/>
+              <a:t>  OFFSET 0 34.322 0</a:t>
+            </a:r>
+          </a:p>
+          <a:p>
+            <a:r>
+              <a:rPr lang="lt-LT" i="1" dirty="0" smtClean="0"/>
+              <a:t>  CHANNELS 6 Xposition Yposition Zposition Zrotation Xrotation Yrotation</a:t>
+            </a:r>
+          </a:p>
+          <a:p>
+            <a:r>
+              <a:rPr lang="lt-LT" i="1" dirty="0" smtClean="0"/>
+              <a:t>  JOINT LeftHip</a:t>
+            </a:r>
+          </a:p>
+          <a:p>
+            <a:r>
+              <a:rPr lang="lt-LT" i="1" dirty="0" smtClean="0"/>
+              <a:t>  {</a:t>
+            </a:r>
+          </a:p>
+          <a:p>
+            <a:r>
+              <a:rPr lang="lt-LT" i="1" dirty="0" smtClean="0"/>
+              <a:t>    OFFSET 4.587 -1.043 0</a:t>
+            </a:r>
+          </a:p>
+          <a:p>
+            <a:r>
+              <a:rPr lang="lt-LT" i="1" dirty="0" smtClean="0"/>
+              <a:t>    CHANNELS 3 Zrotation Xrotation Yrotation</a:t>
+            </a:r>
+          </a:p>
+          <a:p>
+            <a:r>
+              <a:rPr lang="lt-LT" i="1" dirty="0" smtClean="0"/>
+              <a:t>    JOINT LeftKnee</a:t>
+            </a:r>
+          </a:p>
+          <a:p>
+            <a:r>
+              <a:rPr lang="lt-LT" i="1" dirty="0" smtClean="0"/>
+              <a:t>    {</a:t>
+            </a:r>
+          </a:p>
+          <a:p>
+            <a:r>
+              <a:rPr lang="lt-LT" i="1" dirty="0" smtClean="0"/>
+              <a:t>      OFFSET 3.09 -15.571 0</a:t>
+            </a:r>
+          </a:p>
+          <a:p>
+            <a:r>
+              <a:rPr lang="lt-LT" i="1" dirty="0" smtClean="0"/>
+              <a:t>      CHANNELS 3 Zrotation Xrotation Yrotation</a:t>
+            </a:r>
+          </a:p>
+          <a:p>
+            <a:r>
+              <a:rPr lang="lt-LT" i="1" dirty="0" smtClean="0"/>
+              <a:t>      JOINT LeftAnkle</a:t>
+            </a:r>
+          </a:p>
+          <a:p>
+            <a:r>
+              <a:rPr lang="lt-LT" i="1" dirty="0" smtClean="0"/>
+              <a:t>      {</a:t>
+            </a:r>
+          </a:p>
+          <a:p>
+            <a:r>
+              <a:rPr lang="lt-LT" i="1" dirty="0" smtClean="0"/>
+              <a:t>        OFFSET 2.179 -16.111 -2.139</a:t>
+            </a:r>
+          </a:p>
+          <a:p>
+            <a:r>
+              <a:rPr lang="lt-LT" i="1" dirty="0" smtClean="0"/>
+              <a:t>        CHANNELS 3 Zrotation Xrotation Yrotation</a:t>
+            </a:r>
+          </a:p>
+          <a:p>
+            <a:r>
+              <a:rPr lang="lt-LT" i="1" dirty="0" smtClean="0"/>
+              <a:t>        JOINT LeftAnkle_End</a:t>
+            </a:r>
+          </a:p>
+          <a:p>
+            <a:r>
+              <a:rPr lang="lt-LT" i="1" dirty="0" smtClean="0"/>
+              <a:t>        {</a:t>
+            </a:r>
+          </a:p>
+          <a:p>
+            <a:r>
+              <a:rPr lang="lt-LT" i="1" dirty="0" smtClean="0"/>
+              <a:t>          OFFSET 0 -0.867 1.597</a:t>
+            </a:r>
+          </a:p>
+          <a:p>
+            <a:r>
+              <a:rPr lang="lt-LT" i="1" dirty="0" smtClean="0"/>
+              <a:t>          CHANNELS 3 Zrotation Xrotation Yrotation</a:t>
+            </a:r>
+          </a:p>
+          <a:p>
+            <a:r>
+              <a:rPr lang="lt-LT" i="1" dirty="0" smtClean="0"/>
+              <a:t>          End Site</a:t>
+            </a:r>
+          </a:p>
+          <a:p>
+            <a:r>
+              <a:rPr lang="lt-LT" i="1" dirty="0" smtClean="0"/>
+              <a:t>          {</a:t>
+            </a:r>
+          </a:p>
+          <a:p>
+            <a:r>
+              <a:rPr lang="lt-LT" i="1" dirty="0" smtClean="0"/>
+              <a:t>            OFFSET 1 0 0</a:t>
+            </a:r>
+          </a:p>
+          <a:p>
+            <a:r>
+              <a:rPr lang="lt-LT" i="1" dirty="0" smtClean="0"/>
+              <a:t>          }</a:t>
+            </a:r>
+          </a:p>
+          <a:p>
+            <a:r>
+              <a:rPr lang="lt-LT" i="1" dirty="0" smtClean="0"/>
+              <a:t>        }</a:t>
+            </a:r>
+          </a:p>
+          <a:p>
+            <a:r>
+              <a:rPr lang="lt-LT" i="1" dirty="0" smtClean="0"/>
+              <a:t>      }</a:t>
+            </a:r>
+          </a:p>
+          <a:p>
+            <a:r>
+              <a:rPr lang="lt-LT" i="1" dirty="0" smtClean="0"/>
+              <a:t>    }</a:t>
+            </a:r>
+          </a:p>
+          <a:p>
+            <a:r>
+              <a:rPr lang="lt-LT" i="1" dirty="0" smtClean="0"/>
+              <a:t>  }</a:t>
+            </a:r>
+          </a:p>
+          <a:p>
+            <a:r>
+              <a:rPr lang="lt-LT" i="1" dirty="0" smtClean="0"/>
+              <a:t>  JOINT RightHip</a:t>
+            </a:r>
+          </a:p>
+          <a:p>
+            <a:r>
+              <a:rPr lang="lt-LT" i="1" dirty="0" smtClean="0"/>
+              <a:t>  {</a:t>
+            </a:r>
+          </a:p>
+          <a:p>
+            <a:r>
+              <a:rPr lang="lt-LT" i="1" dirty="0" smtClean="0"/>
+              <a:t>	...</a:t>
+            </a:r>
+          </a:p>
+          <a:p>
+            <a:r>
+              <a:rPr lang="lt-LT" i="1" dirty="0" smtClean="0"/>
+              <a:t>  }</a:t>
+            </a:r>
+          </a:p>
+          <a:p>
+            <a:r>
+              <a:rPr lang="lt-LT" i="1" dirty="0" smtClean="0"/>
+              <a:t>  ...</a:t>
+            </a:r>
+          </a:p>
+          <a:p>
+            <a:r>
+              <a:rPr lang="lt-LT" i="1" dirty="0" smtClean="0"/>
+              <a:t>}</a:t>
+            </a:r>
+            <a:endParaRPr lang="lt-LT" i="1" dirty="0" smtClean="0"/>
+          </a:p>
+        </p:txBody>
+      </p:sp>
+      <p:sp>
+        <p:nvSpPr>
+          <p:cNvPr id="3" name="Title 2"/>
+          <p:cNvSpPr>
+            <a:spLocks noGrp="1"/>
+          </p:cNvSpPr>
+          <p:nvPr>
+            <p:ph type="title"/>
+          </p:nvPr>
+        </p:nvSpPr>
+        <p:spPr/>
+        <p:txBody>
+          <a:bodyPr>
+            <a:normAutofit fontScale="90000"/>
+          </a:bodyPr>
+          <a:lstStyle/>
+          <a:p>
             <a:r>
               <a:rPr lang="lt-LT" dirty="0" smtClean="0"/>
-              <a:t> </a:t>
+              <a:t>Motion </a:t>
             </a:r>
             <a:r>
               <a:rPr lang="lt-LT" dirty="0" smtClean="0"/>
-              <a:t>space</a:t>
-            </a:r>
-            <a:endParaRPr lang="en-US" dirty="0" smtClean="0"/>
-          </a:p>
-          <a:p>
-            <a:r>
-              <a:rPr lang="lt-LT" dirty="0" smtClean="0"/>
-              <a:t>Linear </a:t>
-            </a:r>
-            <a:r>
-              <a:rPr lang="lt-LT" dirty="0" smtClean="0"/>
-              <a:t>blend skinning</a:t>
-            </a:r>
-          </a:p>
-          <a:p>
-            <a:r>
-              <a:rPr lang="lt-LT" dirty="0" smtClean="0"/>
-              <a:t>Quaternions</a:t>
-            </a:r>
-            <a:endParaRPr lang="lt-LT" dirty="0" smtClean="0"/>
-          </a:p>
-          <a:p>
-            <a:r>
-              <a:rPr lang="en-US" dirty="0" smtClean="0"/>
-              <a:t>Forward </a:t>
-            </a:r>
-            <a:r>
-              <a:rPr lang="en-US" dirty="0" smtClean="0"/>
-              <a:t>kinematics</a:t>
-            </a:r>
-            <a:endParaRPr lang="lt-LT" dirty="0" smtClean="0"/>
-          </a:p>
-        </p:txBody>
-      </p:sp>
-      <p:sp>
-        <p:nvSpPr>
-          <p:cNvPr id="3" name="Title 2"/>
-          <p:cNvSpPr>
-            <a:spLocks noGrp="1"/>
-          </p:cNvSpPr>
-          <p:nvPr>
-            <p:ph type="title"/>
-          </p:nvPr>
-        </p:nvSpPr>
-        <p:spPr/>
-        <p:txBody>
-          <a:bodyPr/>
-          <a:lstStyle/>
-          <a:p>
-            <a:r>
-              <a:rPr lang="en-US" dirty="0" smtClean="0"/>
-              <a:t>Used techniques</a:t>
-            </a:r>
-            <a:endParaRPr lang="en-US" dirty="0"/>
+              <a:t>data</a:t>
+            </a:r>
+            <a:r>
+              <a:rPr lang="en-US" dirty="0" smtClean="0"/>
+              <a:t/>
+            </a:r>
+            <a:br>
+              <a:rPr lang="en-US" dirty="0" smtClean="0"/>
+            </a:br>
+            <a:r>
+              <a:rPr lang="en-US" dirty="0" smtClean="0"/>
+              <a:t>BVH Hierarchy section</a:t>
+            </a:r>
+            <a:endParaRPr lang="lt-LT" dirty="0"/>
           </a:p>
         </p:txBody>
       </p:sp>
@@ -9689,7 +10228,6 @@
   <p:clrMapOvr>
     <a:masterClrMapping/>
   </p:clrMapOvr>
-  <p:transition/>
   <p:timing>
     <p:tnLst>
       <p:par>
@@ -9729,20 +10267,49 @@
         </p:nvSpPr>
         <p:spPr/>
         <p:txBody>
-          <a:bodyPr/>
+          <a:bodyPr>
+            <a:normAutofit fontScale="85000" lnSpcReduction="20000"/>
+          </a:bodyPr>
           <a:lstStyle/>
           <a:p>
             <a:r>
-              <a:rPr lang="en-US" dirty="0" smtClean="0"/>
-              <a:t>Line segment connects separate mesh body parts</a:t>
-            </a:r>
-          </a:p>
-          <a:p>
-            <a:r>
-              <a:rPr lang="en-US" dirty="0" smtClean="0"/>
-              <a:t>Each vertex on the segment is influenced by our LBS algorithm</a:t>
-            </a:r>
-            <a:endParaRPr lang="lt-LT" dirty="0"/>
+              <a:rPr lang="lt-LT" sz="2400" i="1" dirty="0" smtClean="0"/>
+              <a:t>Frames: 1289</a:t>
+            </a:r>
+          </a:p>
+          <a:p>
+            <a:r>
+              <a:rPr lang="lt-LT" sz="2400" i="1" dirty="0" smtClean="0"/>
+              <a:t>Frame Time: 0.033333</a:t>
+            </a:r>
+          </a:p>
+          <a:p>
+            <a:r>
+              <a:rPr lang="lt-LT" sz="1800" i="1" dirty="0" smtClean="0"/>
+              <a:t>19.8598 80.309 -11.521 -0.661911 0.799904 171.213 -1.85002 2.52617 10.7515 3.17067 -1.01583e-010 -10.2854 -1.58501 -1.94847 -0.0287346 0 0 0 -0.0555542 2.6936 -11.4833 -0.562183 1.22223e-006 11.8361 0.284375 -1.65435 -0.00579677 0 0 0 -1.25693 6.24787 -0.51793 3.27727 -16.0419 -1.36162 14.6579 0.0301162 -3.60178 -5.21488 6.12318 -3.03665 2.47876 0.000451064 -6.17142e-006 -0.509607 -8.47663 0.248473 0 0 0 -15.7988 1.60936 -7.32667 1.93902 -8.80292 5.13737 -1.30308 7.39538e-009 8.53796e-007 0.267783 -4.03835 0.26339 0 0 0 0.258752 -0.0812672 0.831621 12.5445 1.71161 -2.09692 0 0 </a:t>
+            </a:r>
+            <a:r>
+              <a:rPr lang="lt-LT" sz="1800" i="1" dirty="0" smtClean="0"/>
+              <a:t>0</a:t>
+            </a:r>
+            <a:endParaRPr lang="en-US" sz="1800" i="1" dirty="0" smtClean="0"/>
+          </a:p>
+          <a:p>
+            <a:r>
+              <a:rPr lang="en-US" sz="1800" i="1" dirty="0" smtClean="0"/>
+              <a:t>19.8771 80.2868 -11.5326 -0.700186 0.756134 171.114 -1.84667 2.51303 10.794 3.13528 -1.01593e-010 -10.2526 -1.58653 -1.95993 -0.0287348 0 0 0 -0.0627105 2.65564 -11.4946 -0.56617 1.2219e-006 11.9114 0.31303 -1.66464 -0.0057968 0 0 0 -1.29175 6.15499 -0.450865 3.47648 -15.6579 -1.30103 14.4269 0.0330917 -3.62714 -5.39613 6.06833 -2.95956 2.27028 0.000451064 -6.17142e-006 -0.527485 -7.40878 0.0488122 0 0 0 -15.6207 1.62543 -7.46368 1.75456 -9.10966 5.12076 -1.08476 7.39538e-009 8.53796e-007 0.274961 -4.00089 0.215719 0 0 0 0.444407 -0.387448 0.74024 12.1183 2.50324 -2.11188 0 0 </a:t>
+            </a:r>
+            <a:r>
+              <a:rPr lang="en-US" sz="1800" i="1" dirty="0" smtClean="0"/>
+              <a:t>0</a:t>
+            </a:r>
+          </a:p>
+          <a:p>
+            <a:r>
+              <a:rPr lang="en-US" sz="1800" i="1" dirty="0" smtClean="0"/>
+              <a:t>…</a:t>
+            </a:r>
+            <a:endParaRPr lang="lt-LT" sz="1800" i="1" dirty="0" smtClean="0"/>
           </a:p>
         </p:txBody>
       </p:sp>
@@ -9764,50 +10331,28 @@
           <a:lstStyle/>
           <a:p>
             <a:r>
-              <a:rPr lang="en-US" dirty="0" smtClean="0"/>
-              <a:t>Parametric representation of lines in 3D</a:t>
-            </a:r>
-            <a:r>
               <a:rPr lang="lt-LT" dirty="0" smtClean="0"/>
-              <a:t> space</a:t>
+              <a:t>Motion </a:t>
+            </a:r>
+            <a:r>
+              <a:rPr lang="lt-LT" dirty="0" smtClean="0"/>
+              <a:t>data</a:t>
+            </a:r>
+            <a:r>
+              <a:rPr lang="en-US" dirty="0" smtClean="0"/>
+              <a:t/>
+            </a:r>
+            <a:br>
+              <a:rPr lang="en-US" dirty="0" smtClean="0"/>
+            </a:br>
+            <a:r>
+              <a:rPr lang="en-US" dirty="0" smtClean="0"/>
+              <a:t>BVH Motion section</a:t>
             </a:r>
             <a:endParaRPr lang="lt-LT" dirty="0"/>
           </a:p>
         </p:txBody>
       </p:sp>
-      <p:pic>
-        <p:nvPicPr>
-          <p:cNvPr id="1027" name="Picture 3"/>
-          <p:cNvPicPr>
-            <a:picLocks noChangeAspect="1" noChangeArrowheads="1"/>
-          </p:cNvPicPr>
-          <p:nvPr/>
-        </p:nvPicPr>
-        <p:blipFill>
-          <a:blip r:embed="rId2"/>
-          <a:srcRect/>
-          <a:stretch>
-            <a:fillRect/>
-          </a:stretch>
-        </p:blipFill>
-        <p:spPr bwMode="auto">
-          <a:xfrm>
-            <a:off x="5929322" y="3571876"/>
-            <a:ext cx="3015653" cy="3071810"/>
-          </a:xfrm>
-          <a:prstGeom prst="rect">
-            <a:avLst/>
-          </a:prstGeom>
-          <a:noFill/>
-          <a:ln w="9525">
-            <a:noFill/>
-            <a:miter lim="800000"/>
-            <a:headEnd/>
-            <a:tailEnd/>
-          </a:ln>
-          <a:effectLst/>
-        </p:spPr>
-      </p:pic>
     </p:spTree>
   </p:cSld>
   <p:clrMapOvr>

--- a/trunk/docs/Presentation/Presentation.pptx
+++ b/trunk/docs/Presentation/Presentation.pptx
@@ -772,7 +772,7 @@
             <a:fld id="{8900D071-D45E-4DB1-8026-6607FD7943F8}" type="datetimeFigureOut">
               <a:rPr lang="lt-LT" smtClean="0"/>
               <a:pPr/>
-              <a:t>2009.01.23</a:t>
+              <a:t>2009.01.25</a:t>
             </a:fld>
             <a:endParaRPr lang="lt-LT"/>
           </a:p>
@@ -970,7 +970,7 @@
             <a:fld id="{8900D071-D45E-4DB1-8026-6607FD7943F8}" type="datetimeFigureOut">
               <a:rPr lang="lt-LT" smtClean="0"/>
               <a:pPr/>
-              <a:t>2009.01.23</a:t>
+              <a:t>2009.01.25</a:t>
             </a:fld>
             <a:endParaRPr lang="lt-LT"/>
           </a:p>
@@ -1157,7 +1157,7 @@
             <a:fld id="{8900D071-D45E-4DB1-8026-6607FD7943F8}" type="datetimeFigureOut">
               <a:rPr lang="lt-LT" smtClean="0"/>
               <a:pPr/>
-              <a:t>2009.01.23</a:t>
+              <a:t>2009.01.25</a:t>
             </a:fld>
             <a:endParaRPr lang="lt-LT"/>
           </a:p>
@@ -1309,7 +1309,7 @@
             <a:fld id="{8900D071-D45E-4DB1-8026-6607FD7943F8}" type="datetimeFigureOut">
               <a:rPr lang="lt-LT" smtClean="0"/>
               <a:pPr/>
-              <a:t>2009.01.23</a:t>
+              <a:t>2009.01.25</a:t>
             </a:fld>
             <a:endParaRPr lang="lt-LT"/>
           </a:p>
@@ -1566,7 +1566,7 @@
             <a:fld id="{8900D071-D45E-4DB1-8026-6607FD7943F8}" type="datetimeFigureOut">
               <a:rPr lang="lt-LT" smtClean="0"/>
               <a:pPr/>
-              <a:t>2009.01.23</a:t>
+              <a:t>2009.01.25</a:t>
             </a:fld>
             <a:endParaRPr lang="lt-LT"/>
           </a:p>
@@ -1977,7 +1977,7 @@
             <a:fld id="{8900D071-D45E-4DB1-8026-6607FD7943F8}" type="datetimeFigureOut">
               <a:rPr lang="lt-LT" smtClean="0"/>
               <a:pPr/>
-              <a:t>2009.01.23</a:t>
+              <a:t>2009.01.25</a:t>
             </a:fld>
             <a:endParaRPr lang="lt-LT"/>
           </a:p>
@@ -2425,7 +2425,7 @@
             <a:fld id="{8900D071-D45E-4DB1-8026-6607FD7943F8}" type="datetimeFigureOut">
               <a:rPr lang="lt-LT" smtClean="0"/>
               <a:pPr/>
-              <a:t>2009.01.23</a:t>
+              <a:t>2009.01.25</a:t>
             </a:fld>
             <a:endParaRPr lang="lt-LT"/>
           </a:p>
@@ -2528,7 +2528,7 @@
             <a:fld id="{8900D071-D45E-4DB1-8026-6607FD7943F8}" type="datetimeFigureOut">
               <a:rPr lang="lt-LT" smtClean="0"/>
               <a:pPr/>
-              <a:t>2009.01.23</a:t>
+              <a:t>2009.01.25</a:t>
             </a:fld>
             <a:endParaRPr lang="lt-LT"/>
           </a:p>
@@ -2651,7 +2651,7 @@
             <a:fld id="{8900D071-D45E-4DB1-8026-6607FD7943F8}" type="datetimeFigureOut">
               <a:rPr lang="lt-LT" smtClean="0"/>
               <a:pPr/>
-              <a:t>2009.01.23</a:t>
+              <a:t>2009.01.25</a:t>
             </a:fld>
             <a:endParaRPr lang="lt-LT"/>
           </a:p>
@@ -2927,7 +2927,7 @@
             <a:fld id="{8900D071-D45E-4DB1-8026-6607FD7943F8}" type="datetimeFigureOut">
               <a:rPr lang="lt-LT" smtClean="0"/>
               <a:pPr/>
-              <a:t>2009.01.23</a:t>
+              <a:t>2009.01.25</a:t>
             </a:fld>
             <a:endParaRPr lang="lt-LT"/>
           </a:p>
@@ -3134,7 +3134,7 @@
             <a:fld id="{8900D071-D45E-4DB1-8026-6607FD7943F8}" type="datetimeFigureOut">
               <a:rPr lang="lt-LT" smtClean="0"/>
               <a:pPr/>
-              <a:t>2009.01.23</a:t>
+              <a:t>2009.01.25</a:t>
             </a:fld>
             <a:endParaRPr lang="lt-LT"/>
           </a:p>
@@ -4245,7 +4245,7 @@
             <a:fld id="{8900D071-D45E-4DB1-8026-6607FD7943F8}" type="datetimeFigureOut">
               <a:rPr lang="lt-LT" smtClean="0"/>
               <a:pPr/>
-              <a:t>2009.01.23</a:t>
+              <a:t>2009.01.25</a:t>
             </a:fld>
             <a:endParaRPr lang="lt-LT"/>
           </a:p>
@@ -9513,7 +9513,7 @@
         <p:spPr/>
         <p:txBody>
           <a:bodyPr>
-            <a:normAutofit fontScale="92500" lnSpcReduction="10000"/>
+            <a:normAutofit/>
           </a:bodyPr>
           <a:lstStyle/>
           <a:p>
@@ -9587,55 +9587,32 @@
           <a:p>
             <a:pPr lvl="1"/>
             <a:r>
+              <a:rPr lang="en-US" sz="2400" dirty="0" smtClean="0"/>
+              <a:t>Basic Vicon MX system model</a:t>
+            </a:r>
+            <a:endParaRPr lang="lt-LT" dirty="0" smtClean="0"/>
+          </a:p>
+          <a:p>
+            <a:pPr lvl="2"/>
+            <a:r>
+              <a:rPr lang="en-US" dirty="0" smtClean="0"/>
+              <a:t>+ </a:t>
+            </a:r>
+            <a:r>
               <a:rPr lang="lt-LT" dirty="0" smtClean="0"/>
-              <a:t>Major elements of Vicon mocap system:</a:t>
-            </a:r>
-          </a:p>
-          <a:p>
-            <a:pPr lvl="2"/>
+              <a:t>Suit </a:t>
+            </a:r>
             <a:r>
               <a:rPr lang="lt-LT" dirty="0" smtClean="0"/>
-              <a:t>Cameras</a:t>
-            </a:r>
-          </a:p>
-          <a:p>
-            <a:pPr lvl="2"/>
-            <a:r>
-              <a:rPr lang="lt-LT" dirty="0" smtClean="0"/>
-              <a:t>Suit with retroreflective markers</a:t>
+              <a:t>with retroreflective markers</a:t>
             </a:r>
           </a:p>
           <a:p>
             <a:pPr lvl="1"/>
             <a:r>
-              <a:rPr lang="lt-LT" dirty="0" smtClean="0"/>
-              <a:t>System preparations</a:t>
-            </a:r>
-          </a:p>
-          <a:p>
-            <a:pPr lvl="2"/>
-            <a:r>
-              <a:rPr lang="lt-LT" dirty="0" smtClean="0"/>
-              <a:t>Setting up cameras and system calibration</a:t>
-            </a:r>
-          </a:p>
-          <a:p>
-            <a:pPr lvl="2"/>
-            <a:r>
-              <a:rPr lang="lt-LT" dirty="0" smtClean="0"/>
-              <a:t>Capturing</a:t>
-            </a:r>
-            <a:endParaRPr lang="en-US" dirty="0" smtClean="0"/>
-          </a:p>
-          <a:p>
-            <a:pPr lvl="1"/>
-            <a:r>
-              <a:rPr lang="en-US" dirty="0" smtClean="0"/>
-              <a:t>Post-processing</a:t>
-            </a:r>
-            <a:endParaRPr lang="lt-LT" dirty="0" smtClean="0"/>
-          </a:p>
-          <a:p>
+              <a:rPr lang="en-US" dirty="0" smtClean="0"/>
+              <a:t>Capturing and post-processing</a:t>
+            </a:r>
             <a:endParaRPr lang="lt-LT" dirty="0" smtClean="0"/>
           </a:p>
         </p:txBody>
@@ -9964,222 +9941,519 @@
             <p:ph idx="1"/>
           </p:nvPr>
         </p:nvSpPr>
-        <p:spPr/>
+        <p:spPr>
+          <a:xfrm>
+            <a:off x="457200" y="1285860"/>
+            <a:ext cx="8229600" cy="5572140"/>
+          </a:xfrm>
+        </p:spPr>
         <p:txBody>
           <a:bodyPr>
-            <a:normAutofit fontScale="25000" lnSpcReduction="20000"/>
+            <a:noAutofit/>
           </a:bodyPr>
           <a:lstStyle/>
           <a:p>
-            <a:r>
-              <a:rPr lang="lt-LT" i="1" dirty="0" smtClean="0"/>
+            <a:pPr>
+              <a:lnSpc>
+                <a:spcPts val="1200"/>
+              </a:lnSpc>
+              <a:spcBef>
+                <a:spcPts val="0"/>
+              </a:spcBef>
+            </a:pPr>
+            <a:r>
+              <a:rPr lang="lt-LT" sz="1200" i="1" dirty="0" smtClean="0"/>
               <a:t>HIERARCHY</a:t>
             </a:r>
           </a:p>
           <a:p>
-            <a:r>
-              <a:rPr lang="lt-LT" i="1" dirty="0" smtClean="0"/>
+            <a:pPr>
+              <a:lnSpc>
+                <a:spcPts val="1200"/>
+              </a:lnSpc>
+              <a:spcBef>
+                <a:spcPts val="0"/>
+              </a:spcBef>
+            </a:pPr>
+            <a:r>
+              <a:rPr lang="lt-LT" sz="1200" i="1" dirty="0" smtClean="0"/>
               <a:t>ROOT Hips</a:t>
             </a:r>
           </a:p>
           <a:p>
-            <a:r>
-              <a:rPr lang="lt-LT" i="1" dirty="0" smtClean="0"/>
+            <a:pPr>
+              <a:lnSpc>
+                <a:spcPts val="1200"/>
+              </a:lnSpc>
+              <a:spcBef>
+                <a:spcPts val="0"/>
+              </a:spcBef>
+            </a:pPr>
+            <a:r>
+              <a:rPr lang="lt-LT" sz="1200" i="1" dirty="0" smtClean="0"/>
               <a:t>{</a:t>
             </a:r>
           </a:p>
           <a:p>
-            <a:r>
-              <a:rPr lang="lt-LT" i="1" dirty="0" smtClean="0"/>
+            <a:pPr>
+              <a:lnSpc>
+                <a:spcPts val="1200"/>
+              </a:lnSpc>
+              <a:spcBef>
+                <a:spcPts val="0"/>
+              </a:spcBef>
+            </a:pPr>
+            <a:r>
+              <a:rPr lang="lt-LT" sz="1200" i="1" dirty="0" smtClean="0"/>
               <a:t>  OFFSET 0 34.322 0</a:t>
             </a:r>
           </a:p>
           <a:p>
-            <a:r>
-              <a:rPr lang="lt-LT" i="1" dirty="0" smtClean="0"/>
+            <a:pPr>
+              <a:lnSpc>
+                <a:spcPts val="1200"/>
+              </a:lnSpc>
+              <a:spcBef>
+                <a:spcPts val="0"/>
+              </a:spcBef>
+            </a:pPr>
+            <a:r>
+              <a:rPr lang="lt-LT" sz="1200" i="1" dirty="0" smtClean="0"/>
               <a:t>  CHANNELS 6 Xposition Yposition Zposition Zrotation Xrotation Yrotation</a:t>
             </a:r>
           </a:p>
           <a:p>
-            <a:r>
-              <a:rPr lang="lt-LT" i="1" dirty="0" smtClean="0"/>
+            <a:pPr>
+              <a:lnSpc>
+                <a:spcPts val="1200"/>
+              </a:lnSpc>
+              <a:spcBef>
+                <a:spcPts val="0"/>
+              </a:spcBef>
+            </a:pPr>
+            <a:r>
+              <a:rPr lang="lt-LT" sz="1200" i="1" dirty="0" smtClean="0"/>
               <a:t>  JOINT LeftHip</a:t>
             </a:r>
           </a:p>
           <a:p>
-            <a:r>
-              <a:rPr lang="lt-LT" i="1" dirty="0" smtClean="0"/>
+            <a:pPr>
+              <a:lnSpc>
+                <a:spcPts val="1200"/>
+              </a:lnSpc>
+              <a:spcBef>
+                <a:spcPts val="0"/>
+              </a:spcBef>
+            </a:pPr>
+            <a:r>
+              <a:rPr lang="lt-LT" sz="1200" i="1" dirty="0" smtClean="0"/>
               <a:t>  {</a:t>
             </a:r>
           </a:p>
           <a:p>
-            <a:r>
-              <a:rPr lang="lt-LT" i="1" dirty="0" smtClean="0"/>
+            <a:pPr>
+              <a:lnSpc>
+                <a:spcPts val="1200"/>
+              </a:lnSpc>
+              <a:spcBef>
+                <a:spcPts val="0"/>
+              </a:spcBef>
+            </a:pPr>
+            <a:r>
+              <a:rPr lang="lt-LT" sz="1200" i="1" dirty="0" smtClean="0"/>
               <a:t>    OFFSET 4.587 -1.043 0</a:t>
             </a:r>
           </a:p>
           <a:p>
-            <a:r>
-              <a:rPr lang="lt-LT" i="1" dirty="0" smtClean="0"/>
+            <a:pPr>
+              <a:lnSpc>
+                <a:spcPts val="1200"/>
+              </a:lnSpc>
+              <a:spcBef>
+                <a:spcPts val="0"/>
+              </a:spcBef>
+            </a:pPr>
+            <a:r>
+              <a:rPr lang="lt-LT" sz="1200" i="1" dirty="0" smtClean="0"/>
               <a:t>    CHANNELS 3 Zrotation Xrotation Yrotation</a:t>
             </a:r>
           </a:p>
           <a:p>
-            <a:r>
-              <a:rPr lang="lt-LT" i="1" dirty="0" smtClean="0"/>
+            <a:pPr>
+              <a:lnSpc>
+                <a:spcPts val="1200"/>
+              </a:lnSpc>
+              <a:spcBef>
+                <a:spcPts val="0"/>
+              </a:spcBef>
+            </a:pPr>
+            <a:r>
+              <a:rPr lang="lt-LT" sz="1200" i="1" dirty="0" smtClean="0"/>
               <a:t>    JOINT LeftKnee</a:t>
             </a:r>
           </a:p>
           <a:p>
-            <a:r>
-              <a:rPr lang="lt-LT" i="1" dirty="0" smtClean="0"/>
+            <a:pPr>
+              <a:lnSpc>
+                <a:spcPts val="1200"/>
+              </a:lnSpc>
+              <a:spcBef>
+                <a:spcPts val="0"/>
+              </a:spcBef>
+            </a:pPr>
+            <a:r>
+              <a:rPr lang="lt-LT" sz="1200" i="1" dirty="0" smtClean="0"/>
               <a:t>    {</a:t>
             </a:r>
           </a:p>
           <a:p>
-            <a:r>
-              <a:rPr lang="lt-LT" i="1" dirty="0" smtClean="0"/>
+            <a:pPr>
+              <a:lnSpc>
+                <a:spcPts val="1200"/>
+              </a:lnSpc>
+              <a:spcBef>
+                <a:spcPts val="0"/>
+              </a:spcBef>
+            </a:pPr>
+            <a:r>
+              <a:rPr lang="lt-LT" sz="1200" i="1" dirty="0" smtClean="0"/>
               <a:t>      OFFSET 3.09 -15.571 0</a:t>
             </a:r>
           </a:p>
           <a:p>
-            <a:r>
-              <a:rPr lang="lt-LT" i="1" dirty="0" smtClean="0"/>
+            <a:pPr>
+              <a:lnSpc>
+                <a:spcPts val="1200"/>
+              </a:lnSpc>
+              <a:spcBef>
+                <a:spcPts val="0"/>
+              </a:spcBef>
+            </a:pPr>
+            <a:r>
+              <a:rPr lang="lt-LT" sz="1200" i="1" dirty="0" smtClean="0"/>
               <a:t>      CHANNELS 3 Zrotation Xrotation Yrotation</a:t>
             </a:r>
           </a:p>
           <a:p>
-            <a:r>
-              <a:rPr lang="lt-LT" i="1" dirty="0" smtClean="0"/>
+            <a:pPr>
+              <a:lnSpc>
+                <a:spcPts val="1200"/>
+              </a:lnSpc>
+              <a:spcBef>
+                <a:spcPts val="0"/>
+              </a:spcBef>
+            </a:pPr>
+            <a:r>
+              <a:rPr lang="lt-LT" sz="1200" i="1" dirty="0" smtClean="0"/>
               <a:t>      JOINT LeftAnkle</a:t>
             </a:r>
           </a:p>
           <a:p>
-            <a:r>
-              <a:rPr lang="lt-LT" i="1" dirty="0" smtClean="0"/>
+            <a:pPr>
+              <a:lnSpc>
+                <a:spcPts val="1200"/>
+              </a:lnSpc>
+              <a:spcBef>
+                <a:spcPts val="0"/>
+              </a:spcBef>
+            </a:pPr>
+            <a:r>
+              <a:rPr lang="lt-LT" sz="1200" i="1" dirty="0" smtClean="0"/>
               <a:t>      {</a:t>
             </a:r>
           </a:p>
           <a:p>
-            <a:r>
-              <a:rPr lang="lt-LT" i="1" dirty="0" smtClean="0"/>
+            <a:pPr>
+              <a:lnSpc>
+                <a:spcPts val="1200"/>
+              </a:lnSpc>
+              <a:spcBef>
+                <a:spcPts val="0"/>
+              </a:spcBef>
+            </a:pPr>
+            <a:r>
+              <a:rPr lang="lt-LT" sz="1200" i="1" dirty="0" smtClean="0"/>
               <a:t>        OFFSET 2.179 -16.111 -2.139</a:t>
             </a:r>
           </a:p>
           <a:p>
-            <a:r>
-              <a:rPr lang="lt-LT" i="1" dirty="0" smtClean="0"/>
+            <a:pPr>
+              <a:lnSpc>
+                <a:spcPts val="1200"/>
+              </a:lnSpc>
+              <a:spcBef>
+                <a:spcPts val="0"/>
+              </a:spcBef>
+            </a:pPr>
+            <a:r>
+              <a:rPr lang="lt-LT" sz="1200" i="1" dirty="0" smtClean="0"/>
               <a:t>        CHANNELS 3 Zrotation Xrotation Yrotation</a:t>
             </a:r>
           </a:p>
           <a:p>
-            <a:r>
-              <a:rPr lang="lt-LT" i="1" dirty="0" smtClean="0"/>
+            <a:pPr>
+              <a:lnSpc>
+                <a:spcPts val="1200"/>
+              </a:lnSpc>
+              <a:spcBef>
+                <a:spcPts val="0"/>
+              </a:spcBef>
+            </a:pPr>
+            <a:r>
+              <a:rPr lang="lt-LT" sz="1200" i="1" dirty="0" smtClean="0"/>
               <a:t>        JOINT LeftAnkle_End</a:t>
             </a:r>
           </a:p>
           <a:p>
-            <a:r>
-              <a:rPr lang="lt-LT" i="1" dirty="0" smtClean="0"/>
-              <a:t>        {</a:t>
-            </a:r>
-          </a:p>
-          <a:p>
-            <a:r>
-              <a:rPr lang="lt-LT" i="1" dirty="0" smtClean="0"/>
+            <a:pPr>
+              <a:lnSpc>
+                <a:spcPts val="1200"/>
+              </a:lnSpc>
+              <a:spcBef>
+                <a:spcPts val="0"/>
+              </a:spcBef>
+            </a:pPr>
+            <a:r>
+              <a:rPr lang="lt-LT" sz="1200" i="1" dirty="0" smtClean="0"/>
+              <a:t>        </a:t>
+            </a:r>
+            <a:r>
+              <a:rPr lang="lt-LT" sz="1200" i="1" dirty="0" smtClean="0"/>
+              <a:t>{</a:t>
+            </a:r>
+          </a:p>
+          <a:p>
+            <a:pPr>
+              <a:lnSpc>
+                <a:spcPts val="1200"/>
+              </a:lnSpc>
+              <a:spcBef>
+                <a:spcPts val="0"/>
+              </a:spcBef>
+            </a:pPr>
+            <a:r>
+              <a:rPr lang="lt-LT" sz="1200" i="1" dirty="0" smtClean="0"/>
               <a:t>          OFFSET 0 -0.867 1.597</a:t>
             </a:r>
           </a:p>
           <a:p>
-            <a:r>
-              <a:rPr lang="lt-LT" i="1" dirty="0" smtClean="0"/>
+            <a:pPr>
+              <a:lnSpc>
+                <a:spcPts val="1200"/>
+              </a:lnSpc>
+              <a:spcBef>
+                <a:spcPts val="0"/>
+              </a:spcBef>
+            </a:pPr>
+            <a:r>
+              <a:rPr lang="lt-LT" sz="1200" i="1" dirty="0" smtClean="0"/>
               <a:t>          CHANNELS 3 Zrotation Xrotation Yrotation</a:t>
             </a:r>
           </a:p>
           <a:p>
-            <a:r>
-              <a:rPr lang="lt-LT" i="1" dirty="0" smtClean="0"/>
+            <a:pPr>
+              <a:lnSpc>
+                <a:spcPts val="1200"/>
+              </a:lnSpc>
+              <a:spcBef>
+                <a:spcPts val="0"/>
+              </a:spcBef>
+            </a:pPr>
+            <a:r>
+              <a:rPr lang="lt-LT" sz="1200" i="1" dirty="0" smtClean="0"/>
               <a:t>          End Site</a:t>
             </a:r>
           </a:p>
           <a:p>
-            <a:r>
-              <a:rPr lang="lt-LT" i="1" dirty="0" smtClean="0"/>
+            <a:pPr>
+              <a:lnSpc>
+                <a:spcPts val="1200"/>
+              </a:lnSpc>
+              <a:spcBef>
+                <a:spcPts val="0"/>
+              </a:spcBef>
+            </a:pPr>
+            <a:r>
+              <a:rPr lang="lt-LT" sz="1200" i="1" dirty="0" smtClean="0"/>
               <a:t>          {</a:t>
             </a:r>
           </a:p>
           <a:p>
-            <a:r>
-              <a:rPr lang="lt-LT" i="1" dirty="0" smtClean="0"/>
+            <a:pPr>
+              <a:lnSpc>
+                <a:spcPts val="1200"/>
+              </a:lnSpc>
+              <a:spcBef>
+                <a:spcPts val="0"/>
+              </a:spcBef>
+            </a:pPr>
+            <a:r>
+              <a:rPr lang="lt-LT" sz="1200" i="1" dirty="0" smtClean="0"/>
               <a:t>            OFFSET 1 0 0</a:t>
             </a:r>
           </a:p>
           <a:p>
-            <a:r>
-              <a:rPr lang="lt-LT" i="1" dirty="0" smtClean="0"/>
+            <a:pPr>
+              <a:lnSpc>
+                <a:spcPts val="1200"/>
+              </a:lnSpc>
+              <a:spcBef>
+                <a:spcPts val="0"/>
+              </a:spcBef>
+            </a:pPr>
+            <a:r>
+              <a:rPr lang="lt-LT" sz="1200" i="1" dirty="0" smtClean="0"/>
               <a:t>          }</a:t>
             </a:r>
           </a:p>
           <a:p>
-            <a:r>
-              <a:rPr lang="lt-LT" i="1" dirty="0" smtClean="0"/>
-              <a:t>        }</a:t>
-            </a:r>
-          </a:p>
-          <a:p>
-            <a:r>
-              <a:rPr lang="lt-LT" i="1" dirty="0" smtClean="0"/>
+            <a:pPr>
+              <a:lnSpc>
+                <a:spcPts val="1200"/>
+              </a:lnSpc>
+              <a:spcBef>
+                <a:spcPts val="0"/>
+              </a:spcBef>
+            </a:pPr>
+            <a:r>
+              <a:rPr lang="lt-LT" sz="1200" i="1" dirty="0" smtClean="0"/>
+              <a:t>        </a:t>
+            </a:r>
+            <a:r>
+              <a:rPr lang="lt-LT" sz="1200" i="1" dirty="0" smtClean="0"/>
+              <a:t>}</a:t>
+            </a:r>
+          </a:p>
+          <a:p>
+            <a:pPr>
+              <a:lnSpc>
+                <a:spcPts val="1200"/>
+              </a:lnSpc>
+              <a:spcBef>
+                <a:spcPts val="0"/>
+              </a:spcBef>
+            </a:pPr>
+            <a:r>
+              <a:rPr lang="lt-LT" sz="1200" i="1" dirty="0" smtClean="0"/>
               <a:t>      }</a:t>
             </a:r>
-          </a:p>
-          <a:p>
-            <a:r>
-              <a:rPr lang="lt-LT" i="1" dirty="0" smtClean="0"/>
-              <a:t>    }</a:t>
-            </a:r>
-          </a:p>
-          <a:p>
-            <a:r>
-              <a:rPr lang="lt-LT" i="1" dirty="0" smtClean="0"/>
+            <a:endParaRPr lang="lt-LT" sz="1200" i="1" dirty="0" smtClean="0"/>
+          </a:p>
+          <a:p>
+            <a:pPr>
+              <a:lnSpc>
+                <a:spcPts val="1200"/>
+              </a:lnSpc>
+              <a:spcBef>
+                <a:spcPts val="0"/>
+              </a:spcBef>
+            </a:pPr>
+            <a:r>
+              <a:rPr lang="lt-LT" sz="1200" i="1" dirty="0" smtClean="0"/>
+              <a:t>    </a:t>
+            </a:r>
+            <a:r>
+              <a:rPr lang="lt-LT" sz="1200" i="1" dirty="0" smtClean="0"/>
+              <a:t>}</a:t>
+            </a:r>
+          </a:p>
+          <a:p>
+            <a:pPr>
+              <a:lnSpc>
+                <a:spcPts val="1200"/>
+              </a:lnSpc>
+              <a:spcBef>
+                <a:spcPts val="0"/>
+              </a:spcBef>
+            </a:pPr>
+            <a:r>
+              <a:rPr lang="lt-LT" sz="1200" i="1" dirty="0" smtClean="0"/>
               <a:t>  }</a:t>
             </a:r>
           </a:p>
           <a:p>
-            <a:r>
-              <a:rPr lang="lt-LT" i="1" dirty="0" smtClean="0"/>
+            <a:pPr>
+              <a:lnSpc>
+                <a:spcPts val="1200"/>
+              </a:lnSpc>
+              <a:spcBef>
+                <a:spcPts val="0"/>
+              </a:spcBef>
+            </a:pPr>
+            <a:r>
+              <a:rPr lang="lt-LT" sz="1200" i="1" dirty="0" smtClean="0"/>
               <a:t>  JOINT RightHip</a:t>
             </a:r>
           </a:p>
           <a:p>
-            <a:r>
-              <a:rPr lang="lt-LT" i="1" dirty="0" smtClean="0"/>
+            <a:pPr>
+              <a:lnSpc>
+                <a:spcPts val="1200"/>
+              </a:lnSpc>
+              <a:spcBef>
+                <a:spcPts val="0"/>
+              </a:spcBef>
+            </a:pPr>
+            <a:r>
+              <a:rPr lang="lt-LT" sz="1200" i="1" dirty="0" smtClean="0"/>
               <a:t>  {</a:t>
             </a:r>
           </a:p>
           <a:p>
-            <a:r>
-              <a:rPr lang="lt-LT" i="1" dirty="0" smtClean="0"/>
+            <a:pPr>
+              <a:lnSpc>
+                <a:spcPts val="1200"/>
+              </a:lnSpc>
+              <a:spcBef>
+                <a:spcPts val="0"/>
+              </a:spcBef>
+            </a:pPr>
+            <a:r>
+              <a:rPr lang="lt-LT" sz="1200" i="1" dirty="0" smtClean="0"/>
               <a:t>	...</a:t>
             </a:r>
           </a:p>
           <a:p>
-            <a:r>
-              <a:rPr lang="lt-LT" i="1" dirty="0" smtClean="0"/>
+            <a:pPr>
+              <a:lnSpc>
+                <a:spcPts val="1200"/>
+              </a:lnSpc>
+              <a:spcBef>
+                <a:spcPts val="0"/>
+              </a:spcBef>
+            </a:pPr>
+            <a:r>
+              <a:rPr lang="lt-LT" sz="1200" i="1" dirty="0" smtClean="0"/>
               <a:t>  }</a:t>
             </a:r>
           </a:p>
           <a:p>
-            <a:r>
-              <a:rPr lang="lt-LT" i="1" dirty="0" smtClean="0"/>
+            <a:pPr>
+              <a:lnSpc>
+                <a:spcPts val="1200"/>
+              </a:lnSpc>
+              <a:spcBef>
+                <a:spcPts val="0"/>
+              </a:spcBef>
+            </a:pPr>
+            <a:r>
+              <a:rPr lang="lt-LT" sz="1200" i="1" dirty="0" smtClean="0"/>
               <a:t>  ...</a:t>
             </a:r>
           </a:p>
           <a:p>
-            <a:r>
-              <a:rPr lang="lt-LT" i="1" dirty="0" smtClean="0"/>
+            <a:pPr>
+              <a:lnSpc>
+                <a:spcPts val="1200"/>
+              </a:lnSpc>
+              <a:spcBef>
+                <a:spcPts val="0"/>
+              </a:spcBef>
+            </a:pPr>
+            <a:r>
+              <a:rPr lang="lt-LT" sz="1200" i="1" dirty="0" smtClean="0"/>
               <a:t>}</a:t>
             </a:r>
-            <a:endParaRPr lang="lt-LT" i="1" dirty="0" smtClean="0"/>
           </a:p>
         </p:txBody>
       </p:sp>
@@ -10202,11 +10476,7 @@
           <a:p>
             <a:r>
               <a:rPr lang="lt-LT" dirty="0" smtClean="0"/>
-              <a:t>Motion </a:t>
-            </a:r>
-            <a:r>
-              <a:rPr lang="lt-LT" dirty="0" smtClean="0"/>
-              <a:t>data</a:t>
+              <a:t>Motion data</a:t>
             </a:r>
             <a:r>
               <a:rPr lang="en-US" dirty="0" smtClean="0"/>
@@ -10286,22 +10556,14 @@
           <a:p>
             <a:r>
               <a:rPr lang="lt-LT" sz="1800" i="1" dirty="0" smtClean="0"/>
-              <a:t>19.8598 80.309 -11.521 -0.661911 0.799904 171.213 -1.85002 2.52617 10.7515 3.17067 -1.01583e-010 -10.2854 -1.58501 -1.94847 -0.0287346 0 0 0 -0.0555542 2.6936 -11.4833 -0.562183 1.22223e-006 11.8361 0.284375 -1.65435 -0.00579677 0 0 0 -1.25693 6.24787 -0.51793 3.27727 -16.0419 -1.36162 14.6579 0.0301162 -3.60178 -5.21488 6.12318 -3.03665 2.47876 0.000451064 -6.17142e-006 -0.509607 -8.47663 0.248473 0 0 0 -15.7988 1.60936 -7.32667 1.93902 -8.80292 5.13737 -1.30308 7.39538e-009 8.53796e-007 0.267783 -4.03835 0.26339 0 0 0 0.258752 -0.0812672 0.831621 12.5445 1.71161 -2.09692 0 0 </a:t>
-            </a:r>
-            <a:r>
-              <a:rPr lang="lt-LT" sz="1800" i="1" dirty="0" smtClean="0"/>
-              <a:t>0</a:t>
+              <a:t>19.8598 80.309 -11.521 -0.661911 0.799904 171.213 -1.85002 2.52617 10.7515 3.17067 -1.01583e-010 -10.2854 -1.58501 -1.94847 -0.0287346 0 0 0 -0.0555542 2.6936 -11.4833 -0.562183 1.22223e-006 11.8361 0.284375 -1.65435 -0.00579677 0 0 0 -1.25693 6.24787 -0.51793 3.27727 -16.0419 -1.36162 14.6579 0.0301162 -3.60178 -5.21488 6.12318 -3.03665 2.47876 0.000451064 -6.17142e-006 -0.509607 -8.47663 0.248473 0 0 0 -15.7988 1.60936 -7.32667 1.93902 -8.80292 5.13737 -1.30308 7.39538e-009 8.53796e-007 0.267783 -4.03835 0.26339 0 0 0 0.258752 -0.0812672 0.831621 12.5445 1.71161 -2.09692 0 0 0</a:t>
             </a:r>
             <a:endParaRPr lang="en-US" sz="1800" i="1" dirty="0" smtClean="0"/>
           </a:p>
           <a:p>
             <a:r>
               <a:rPr lang="en-US" sz="1800" i="1" dirty="0" smtClean="0"/>
-              <a:t>19.8771 80.2868 -11.5326 -0.700186 0.756134 171.114 -1.84667 2.51303 10.794 3.13528 -1.01593e-010 -10.2526 -1.58653 -1.95993 -0.0287348 0 0 0 -0.0627105 2.65564 -11.4946 -0.56617 1.2219e-006 11.9114 0.31303 -1.66464 -0.0057968 0 0 0 -1.29175 6.15499 -0.450865 3.47648 -15.6579 -1.30103 14.4269 0.0330917 -3.62714 -5.39613 6.06833 -2.95956 2.27028 0.000451064 -6.17142e-006 -0.527485 -7.40878 0.0488122 0 0 0 -15.6207 1.62543 -7.46368 1.75456 -9.10966 5.12076 -1.08476 7.39538e-009 8.53796e-007 0.274961 -4.00089 0.215719 0 0 0 0.444407 -0.387448 0.74024 12.1183 2.50324 -2.11188 0 0 </a:t>
-            </a:r>
-            <a:r>
-              <a:rPr lang="en-US" sz="1800" i="1" dirty="0" smtClean="0"/>
-              <a:t>0</a:t>
+              <a:t>19.8771 80.2868 -11.5326 -0.700186 0.756134 171.114 -1.84667 2.51303 10.794 3.13528 -1.01593e-010 -10.2526 -1.58653 -1.95993 -0.0287348 0 0 0 -0.0627105 2.65564 -11.4946 -0.56617 1.2219e-006 11.9114 0.31303 -1.66464 -0.0057968 0 0 0 -1.29175 6.15499 -0.450865 3.47648 -15.6579 -1.30103 14.4269 0.0330917 -3.62714 -5.39613 6.06833 -2.95956 2.27028 0.000451064 -6.17142e-006 -0.527485 -7.40878 0.0488122 0 0 0 -15.6207 1.62543 -7.46368 1.75456 -9.10966 5.12076 -1.08476 7.39538e-009 8.53796e-007 0.274961 -4.00089 0.215719 0 0 0 0.444407 -0.387448 0.74024 12.1183 2.50324 -2.11188 0 0 0</a:t>
             </a:r>
           </a:p>
           <a:p>
@@ -10332,11 +10594,7 @@
           <a:p>
             <a:r>
               <a:rPr lang="lt-LT" dirty="0" smtClean="0"/>
-              <a:t>Motion </a:t>
-            </a:r>
-            <a:r>
-              <a:rPr lang="lt-LT" dirty="0" smtClean="0"/>
-              <a:t>data</a:t>
+              <a:t>Motion data</a:t>
             </a:r>
             <a:r>
               <a:rPr lang="en-US" dirty="0" smtClean="0"/>

--- a/trunk/docs/Presentation/Presentation.pptx
+++ b/trunk/docs/Presentation/Presentation.pptx
@@ -6105,11 +6105,8 @@
           <a:p>
             <a:r>
               <a:rPr lang="en-US" dirty="0" smtClean="0"/>
-              <a:t>Conclusion and possible future tasks</a:t>
-            </a:r>
-            <a:endParaRPr lang="lt-LT" dirty="0" smtClean="0"/>
-          </a:p>
-          <a:p>
+              <a:t>Conclusion and future work</a:t>
+            </a:r>
             <a:endParaRPr lang="lt-LT" dirty="0" smtClean="0"/>
           </a:p>
           <a:p>
@@ -9600,11 +9597,7 @@
             </a:r>
             <a:r>
               <a:rPr lang="lt-LT" dirty="0" smtClean="0"/>
-              <a:t>Suit </a:t>
-            </a:r>
-            <a:r>
-              <a:rPr lang="lt-LT" dirty="0" smtClean="0"/>
-              <a:t>with retroreflective markers</a:t>
+              <a:t>Suit with retroreflective markers</a:t>
             </a:r>
           </a:p>
           <a:p>
@@ -10215,11 +10208,7 @@
             </a:pPr>
             <a:r>
               <a:rPr lang="lt-LT" sz="1200" i="1" dirty="0" smtClean="0"/>
-              <a:t>        </a:t>
-            </a:r>
-            <a:r>
-              <a:rPr lang="lt-LT" sz="1200" i="1" dirty="0" smtClean="0"/>
-              <a:t>{</a:t>
+              <a:t>        {</a:t>
             </a:r>
           </a:p>
           <a:p>
@@ -10317,11 +10306,7 @@
             </a:pPr>
             <a:r>
               <a:rPr lang="lt-LT" sz="1200" i="1" dirty="0" smtClean="0"/>
-              <a:t>        </a:t>
-            </a:r>
-            <a:r>
-              <a:rPr lang="lt-LT" sz="1200" i="1" dirty="0" smtClean="0"/>
-              <a:t>}</a:t>
+              <a:t>        }</a:t>
             </a:r>
           </a:p>
           <a:p>
@@ -10337,7 +10322,6 @@
               <a:rPr lang="lt-LT" sz="1200" i="1" dirty="0" smtClean="0"/>
               <a:t>      }</a:t>
             </a:r>
-            <a:endParaRPr lang="lt-LT" sz="1200" i="1" dirty="0" smtClean="0"/>
           </a:p>
           <a:p>
             <a:pPr>
@@ -10350,11 +10334,7 @@
             </a:pPr>
             <a:r>
               <a:rPr lang="lt-LT" sz="1200" i="1" dirty="0" smtClean="0"/>
-              <a:t>    </a:t>
-            </a:r>
-            <a:r>
-              <a:rPr lang="lt-LT" sz="1200" i="1" dirty="0" smtClean="0"/>
-              <a:t>}</a:t>
+              <a:t>    }</a:t>
             </a:r>
           </a:p>
           <a:p>

--- a/trunk/docs/Presentation/Presentation.pptx
+++ b/trunk/docs/Presentation/Presentation.pptx
@@ -8,43 +8,46 @@
     <p:sldId id="256" r:id="rId2"/>
     <p:sldId id="257" r:id="rId3"/>
     <p:sldId id="259" r:id="rId4"/>
-    <p:sldId id="261" r:id="rId5"/>
-    <p:sldId id="263" r:id="rId6"/>
-    <p:sldId id="281" r:id="rId7"/>
-    <p:sldId id="266" r:id="rId8"/>
-    <p:sldId id="296" r:id="rId9"/>
-    <p:sldId id="298" r:id="rId10"/>
-    <p:sldId id="260" r:id="rId11"/>
-    <p:sldId id="273" r:id="rId12"/>
-    <p:sldId id="279" r:id="rId13"/>
-    <p:sldId id="262" r:id="rId14"/>
-    <p:sldId id="268" r:id="rId15"/>
-    <p:sldId id="269" r:id="rId16"/>
-    <p:sldId id="270" r:id="rId17"/>
-    <p:sldId id="271" r:id="rId18"/>
-    <p:sldId id="286" r:id="rId19"/>
-    <p:sldId id="287" r:id="rId20"/>
-    <p:sldId id="288" r:id="rId21"/>
-    <p:sldId id="289" r:id="rId22"/>
-    <p:sldId id="290" r:id="rId23"/>
-    <p:sldId id="291" r:id="rId24"/>
-    <p:sldId id="292" r:id="rId25"/>
-    <p:sldId id="293" r:id="rId26"/>
-    <p:sldId id="294" r:id="rId27"/>
-    <p:sldId id="267" r:id="rId28"/>
-    <p:sldId id="280" r:id="rId29"/>
-    <p:sldId id="297" r:id="rId30"/>
-    <p:sldId id="285" r:id="rId31"/>
-    <p:sldId id="275" r:id="rId32"/>
-    <p:sldId id="264" r:id="rId33"/>
-    <p:sldId id="276" r:id="rId34"/>
-    <p:sldId id="283" r:id="rId35"/>
-    <p:sldId id="277" r:id="rId36"/>
-    <p:sldId id="278" r:id="rId37"/>
-    <p:sldId id="284" r:id="rId38"/>
-    <p:sldId id="295" r:id="rId39"/>
-    <p:sldId id="282" r:id="rId40"/>
-    <p:sldId id="258" r:id="rId41"/>
+    <p:sldId id="299" r:id="rId5"/>
+    <p:sldId id="261" r:id="rId6"/>
+    <p:sldId id="263" r:id="rId7"/>
+    <p:sldId id="281" r:id="rId8"/>
+    <p:sldId id="300" r:id="rId9"/>
+    <p:sldId id="266" r:id="rId10"/>
+    <p:sldId id="296" r:id="rId11"/>
+    <p:sldId id="298" r:id="rId12"/>
+    <p:sldId id="301" r:id="rId13"/>
+    <p:sldId id="260" r:id="rId14"/>
+    <p:sldId id="273" r:id="rId15"/>
+    <p:sldId id="279" r:id="rId16"/>
+    <p:sldId id="262" r:id="rId17"/>
+    <p:sldId id="268" r:id="rId18"/>
+    <p:sldId id="269" r:id="rId19"/>
+    <p:sldId id="270" r:id="rId20"/>
+    <p:sldId id="271" r:id="rId21"/>
+    <p:sldId id="286" r:id="rId22"/>
+    <p:sldId id="287" r:id="rId23"/>
+    <p:sldId id="288" r:id="rId24"/>
+    <p:sldId id="289" r:id="rId25"/>
+    <p:sldId id="290" r:id="rId26"/>
+    <p:sldId id="291" r:id="rId27"/>
+    <p:sldId id="292" r:id="rId28"/>
+    <p:sldId id="293" r:id="rId29"/>
+    <p:sldId id="294" r:id="rId30"/>
+    <p:sldId id="267" r:id="rId31"/>
+    <p:sldId id="280" r:id="rId32"/>
+    <p:sldId id="297" r:id="rId33"/>
+    <p:sldId id="285" r:id="rId34"/>
+    <p:sldId id="275" r:id="rId35"/>
+    <p:sldId id="264" r:id="rId36"/>
+    <p:sldId id="276" r:id="rId37"/>
+    <p:sldId id="283" r:id="rId38"/>
+    <p:sldId id="277" r:id="rId39"/>
+    <p:sldId id="278" r:id="rId40"/>
+    <p:sldId id="284" r:id="rId41"/>
+    <p:sldId id="295" r:id="rId42"/>
+    <p:sldId id="282" r:id="rId43"/>
+    <p:sldId id="258" r:id="rId44"/>
   </p:sldIdLst>
   <p:sldSz cx="9144000" cy="6858000" type="screen4x3"/>
   <p:notesSz cx="6858000" cy="9144000"/>
@@ -1398,11 +1401,6 @@
 <file path=ppt/slideLayouts/slideLayout3.xml><?xml version="1.0" encoding="utf-8"?>
 <p:sldLayout xmlns:a="http://schemas.openxmlformats.org/drawingml/2006/main" xmlns:r="http://schemas.openxmlformats.org/officeDocument/2006/relationships" xmlns:p="http://schemas.openxmlformats.org/presentationml/2006/main" type="secHead" preserve="1">
   <p:cSld name="Section Header">
-    <p:bg>
-      <p:bgRef idx="1002">
-        <a:schemeClr val="bg1"/>
-      </p:bgRef>
-    </p:bg>
     <p:spTree>
       <p:nvGrpSpPr>
         <p:cNvPr id="1" name=""/>
@@ -1782,7 +1780,7 @@
     </p:spTree>
   </p:cSld>
   <p:clrMapOvr>
-    <a:overrideClrMapping bg1="dk1" tx1="lt1" bg2="dk2" tx2="lt2" accent1="accent1" accent2="accent2" accent3="accent3" accent4="accent4" accent5="accent5" accent6="accent6" hlink="hlink" folHlink="folHlink"/>
+    <a:masterClrMapping/>
   </p:clrMapOvr>
 </p:sldLayout>
 </file>
@@ -1790,11 +1788,6 @@
 <file path=ppt/slideLayouts/slideLayout4.xml><?xml version="1.0" encoding="utf-8"?>
 <p:sldLayout xmlns:a="http://schemas.openxmlformats.org/drawingml/2006/main" xmlns:r="http://schemas.openxmlformats.org/officeDocument/2006/relationships" xmlns:p="http://schemas.openxmlformats.org/presentationml/2006/main" type="twoObj" preserve="1">
   <p:cSld name="Two Content">
-    <p:bg>
-      <p:bgRef idx="1002">
-        <a:schemeClr val="bg1"/>
-      </p:bgRef>
-    </p:bg>
     <p:spTree>
       <p:nvGrpSpPr>
         <p:cNvPr id="1" name=""/>
@@ -2058,7 +2051,7 @@
     </p:spTree>
   </p:cSld>
   <p:clrMapOvr>
-    <a:overrideClrMapping bg1="dk1" tx1="lt1" bg2="dk2" tx2="lt2" accent1="accent1" accent2="accent2" accent3="accent3" accent4="accent4" accent5="accent5" accent6="accent6" hlink="hlink" folHlink="folHlink"/>
+    <a:masterClrMapping/>
   </p:clrMapOvr>
 </p:sldLayout>
 </file>
@@ -2066,11 +2059,6 @@
 <file path=ppt/slideLayouts/slideLayout5.xml><?xml version="1.0" encoding="utf-8"?>
 <p:sldLayout xmlns:a="http://schemas.openxmlformats.org/drawingml/2006/main" xmlns:r="http://schemas.openxmlformats.org/officeDocument/2006/relationships" xmlns:p="http://schemas.openxmlformats.org/presentationml/2006/main" showMasterSp="0" type="twoTxTwoObj" preserve="1">
   <p:cSld name="Comparison">
-    <p:bg>
-      <p:bgRef idx="1003">
-        <a:schemeClr val="bg1"/>
-      </p:bgRef>
-    </p:bg>
     <p:spTree>
       <p:nvGrpSpPr>
         <p:cNvPr id="1" name=""/>
@@ -2481,7 +2469,7 @@
     </p:spTree>
   </p:cSld>
   <p:clrMapOvr>
-    <a:overrideClrMapping bg1="lt1" tx1="dk1" bg2="lt2" tx2="dk2" accent1="accent1" accent2="accent2" accent3="accent3" accent4="accent4" accent5="accent5" accent6="accent6" hlink="hlink" folHlink="folHlink"/>
+    <a:masterClrMapping/>
   </p:clrMapOvr>
 </p:sldLayout>
 </file>
@@ -2489,11 +2477,6 @@
 <file path=ppt/slideLayouts/slideLayout6.xml><?xml version="1.0" encoding="utf-8"?>
 <p:sldLayout xmlns:a="http://schemas.openxmlformats.org/drawingml/2006/main" xmlns:r="http://schemas.openxmlformats.org/officeDocument/2006/relationships" xmlns:p="http://schemas.openxmlformats.org/presentationml/2006/main" type="titleOnly" preserve="1">
   <p:cSld name="Title Only">
-    <p:bg>
-      <p:bgRef idx="1002">
-        <a:schemeClr val="bg1"/>
-      </p:bgRef>
-    </p:bg>
     <p:spTree>
       <p:nvGrpSpPr>
         <p:cNvPr id="1" name=""/>
@@ -2609,7 +2592,7 @@
     </p:spTree>
   </p:cSld>
   <p:clrMapOvr>
-    <a:overrideClrMapping bg1="dk1" tx1="lt1" bg2="dk2" tx2="lt2" accent1="accent1" accent2="accent2" accent3="accent3" accent4="accent4" accent5="accent5" accent6="accent6" hlink="hlink" folHlink="folHlink"/>
+    <a:masterClrMapping/>
   </p:clrMapOvr>
 </p:sldLayout>
 </file>
@@ -2715,11 +2698,6 @@
 <file path=ppt/slideLayouts/slideLayout8.xml><?xml version="1.0" encoding="utf-8"?>
 <p:sldLayout xmlns:a="http://schemas.openxmlformats.org/drawingml/2006/main" xmlns:r="http://schemas.openxmlformats.org/officeDocument/2006/relationships" xmlns:p="http://schemas.openxmlformats.org/presentationml/2006/main" showMasterSp="0" type="objTx" preserve="1">
   <p:cSld name="Content with Caption">
-    <p:bg>
-      <p:bgRef idx="1003">
-        <a:schemeClr val="bg1"/>
-      </p:bgRef>
-    </p:bg>
     <p:spTree>
       <p:nvGrpSpPr>
         <p:cNvPr id="1" name=""/>
@@ -2983,7 +2961,7 @@
     </p:spTree>
   </p:cSld>
   <p:clrMapOvr>
-    <a:overrideClrMapping bg1="lt1" tx1="dk1" bg2="lt2" tx2="dk2" accent1="accent1" accent2="accent2" accent3="accent3" accent4="accent4" accent5="accent5" accent6="accent6" hlink="hlink" folHlink="folHlink"/>
+    <a:masterClrMapping/>
   </p:clrMapOvr>
 </p:sldLayout>
 </file>
@@ -2991,11 +2969,6 @@
 <file path=ppt/slideLayouts/slideLayout9.xml><?xml version="1.0" encoding="utf-8"?>
 <p:sldLayout xmlns:a="http://schemas.openxmlformats.org/drawingml/2006/main" xmlns:r="http://schemas.openxmlformats.org/officeDocument/2006/relationships" xmlns:p="http://schemas.openxmlformats.org/presentationml/2006/main" showMasterSp="0" type="picTx" preserve="1">
   <p:cSld name="Picture with Caption">
-    <p:bg>
-      <p:bgRef idx="1002">
-        <a:schemeClr val="bg1"/>
-      </p:bgRef>
-    </p:bg>
     <p:spTree>
       <p:nvGrpSpPr>
         <p:cNvPr id="1" name=""/>
@@ -3747,7 +3720,7 @@
     </p:spTree>
   </p:cSld>
   <p:clrMapOvr>
-    <a:overrideClrMapping bg1="dk1" tx1="lt1" bg2="dk2" tx2="lt2" accent1="accent1" accent2="accent2" accent3="accent3" accent4="accent4" accent5="accent5" accent6="accent6" hlink="hlink" folHlink="folHlink"/>
+    <a:masterClrMapping/>
   </p:clrMapOvr>
 </p:sldLayout>
 </file>
@@ -4734,6 +4707,587 @@
 </file>
 
 <file path=ppt/slides/slide10.xml><?xml version="1.0" encoding="utf-8"?>
+<p:sld xmlns:a="http://schemas.openxmlformats.org/drawingml/2006/main" xmlns:r="http://schemas.openxmlformats.org/officeDocument/2006/relationships" xmlns:p="http://schemas.openxmlformats.org/presentationml/2006/main" showMasterSp="0">
+  <p:cSld>
+    <p:spTree>
+      <p:nvGrpSpPr>
+        <p:cNvPr id="1" name=""/>
+        <p:cNvGrpSpPr/>
+        <p:nvPr/>
+      </p:nvGrpSpPr>
+      <p:grpSpPr>
+        <a:xfrm>
+          <a:off x="0" y="0"/>
+          <a:ext cx="0" cy="0"/>
+          <a:chOff x="0" y="0"/>
+          <a:chExt cx="0" cy="0"/>
+        </a:xfrm>
+      </p:grpSpPr>
+      <p:sp>
+        <p:nvSpPr>
+          <p:cNvPr id="2" name="Content Placeholder 1"/>
+          <p:cNvSpPr>
+            <a:spLocks noGrp="1"/>
+          </p:cNvSpPr>
+          <p:nvPr>
+            <p:ph idx="1"/>
+          </p:nvPr>
+        </p:nvSpPr>
+        <p:spPr>
+          <a:xfrm>
+            <a:off x="785786" y="1357298"/>
+            <a:ext cx="7901014" cy="5500702"/>
+          </a:xfrm>
+        </p:spPr>
+        <p:txBody>
+          <a:bodyPr>
+            <a:noAutofit/>
+          </a:bodyPr>
+          <a:lstStyle/>
+          <a:p>
+            <a:pPr>
+              <a:lnSpc>
+                <a:spcPts val="1200"/>
+              </a:lnSpc>
+              <a:spcBef>
+                <a:spcPts val="0"/>
+              </a:spcBef>
+            </a:pPr>
+            <a:r>
+              <a:rPr lang="lt-LT" sz="1200" i="1" dirty="0" smtClean="0"/>
+              <a:t>HIERARCHY</a:t>
+            </a:r>
+          </a:p>
+          <a:p>
+            <a:pPr>
+              <a:lnSpc>
+                <a:spcPts val="1200"/>
+              </a:lnSpc>
+              <a:spcBef>
+                <a:spcPts val="0"/>
+              </a:spcBef>
+            </a:pPr>
+            <a:r>
+              <a:rPr lang="lt-LT" sz="1200" i="1" dirty="0" smtClean="0"/>
+              <a:t>ROOT Hips</a:t>
+            </a:r>
+          </a:p>
+          <a:p>
+            <a:pPr>
+              <a:lnSpc>
+                <a:spcPts val="1200"/>
+              </a:lnSpc>
+              <a:spcBef>
+                <a:spcPts val="0"/>
+              </a:spcBef>
+            </a:pPr>
+            <a:r>
+              <a:rPr lang="lt-LT" sz="1200" i="1" dirty="0" smtClean="0"/>
+              <a:t>{</a:t>
+            </a:r>
+          </a:p>
+          <a:p>
+            <a:pPr>
+              <a:lnSpc>
+                <a:spcPts val="1200"/>
+              </a:lnSpc>
+              <a:spcBef>
+                <a:spcPts val="0"/>
+              </a:spcBef>
+            </a:pPr>
+            <a:r>
+              <a:rPr lang="lt-LT" sz="1200" i="1" dirty="0" smtClean="0"/>
+              <a:t>  OFFSET 0 34.322 0</a:t>
+            </a:r>
+          </a:p>
+          <a:p>
+            <a:pPr>
+              <a:lnSpc>
+                <a:spcPts val="1200"/>
+              </a:lnSpc>
+              <a:spcBef>
+                <a:spcPts val="0"/>
+              </a:spcBef>
+            </a:pPr>
+            <a:r>
+              <a:rPr lang="lt-LT" sz="1200" i="1" dirty="0" smtClean="0"/>
+              <a:t>  CHANNELS 6 Xposition Yposition Zposition Zrotation Xrotation Yrotation</a:t>
+            </a:r>
+          </a:p>
+          <a:p>
+            <a:pPr>
+              <a:lnSpc>
+                <a:spcPts val="1200"/>
+              </a:lnSpc>
+              <a:spcBef>
+                <a:spcPts val="0"/>
+              </a:spcBef>
+            </a:pPr>
+            <a:r>
+              <a:rPr lang="lt-LT" sz="1200" i="1" dirty="0" smtClean="0"/>
+              <a:t>  JOINT LeftHip</a:t>
+            </a:r>
+          </a:p>
+          <a:p>
+            <a:pPr>
+              <a:lnSpc>
+                <a:spcPts val="1200"/>
+              </a:lnSpc>
+              <a:spcBef>
+                <a:spcPts val="0"/>
+              </a:spcBef>
+            </a:pPr>
+            <a:r>
+              <a:rPr lang="lt-LT" sz="1200" i="1" dirty="0" smtClean="0"/>
+              <a:t>  {</a:t>
+            </a:r>
+          </a:p>
+          <a:p>
+            <a:pPr>
+              <a:lnSpc>
+                <a:spcPts val="1200"/>
+              </a:lnSpc>
+              <a:spcBef>
+                <a:spcPts val="0"/>
+              </a:spcBef>
+            </a:pPr>
+            <a:r>
+              <a:rPr lang="lt-LT" sz="1200" i="1" dirty="0" smtClean="0"/>
+              <a:t>    OFFSET 4.587 -1.043 0</a:t>
+            </a:r>
+          </a:p>
+          <a:p>
+            <a:pPr>
+              <a:lnSpc>
+                <a:spcPts val="1200"/>
+              </a:lnSpc>
+              <a:spcBef>
+                <a:spcPts val="0"/>
+              </a:spcBef>
+            </a:pPr>
+            <a:r>
+              <a:rPr lang="lt-LT" sz="1200" i="1" dirty="0" smtClean="0"/>
+              <a:t>    CHANNELS 3 Zrotation Xrotation Yrotation</a:t>
+            </a:r>
+          </a:p>
+          <a:p>
+            <a:pPr>
+              <a:lnSpc>
+                <a:spcPts val="1200"/>
+              </a:lnSpc>
+              <a:spcBef>
+                <a:spcPts val="0"/>
+              </a:spcBef>
+            </a:pPr>
+            <a:r>
+              <a:rPr lang="lt-LT" sz="1200" i="1" dirty="0" smtClean="0"/>
+              <a:t>    JOINT LeftKnee</a:t>
+            </a:r>
+          </a:p>
+          <a:p>
+            <a:pPr>
+              <a:lnSpc>
+                <a:spcPts val="1200"/>
+              </a:lnSpc>
+              <a:spcBef>
+                <a:spcPts val="0"/>
+              </a:spcBef>
+            </a:pPr>
+            <a:r>
+              <a:rPr lang="lt-LT" sz="1200" i="1" dirty="0" smtClean="0"/>
+              <a:t>    {</a:t>
+            </a:r>
+          </a:p>
+          <a:p>
+            <a:pPr>
+              <a:lnSpc>
+                <a:spcPts val="1200"/>
+              </a:lnSpc>
+              <a:spcBef>
+                <a:spcPts val="0"/>
+              </a:spcBef>
+            </a:pPr>
+            <a:r>
+              <a:rPr lang="lt-LT" sz="1200" i="1" dirty="0" smtClean="0"/>
+              <a:t>      OFFSET 3.09 -15.571 0</a:t>
+            </a:r>
+          </a:p>
+          <a:p>
+            <a:pPr>
+              <a:lnSpc>
+                <a:spcPts val="1200"/>
+              </a:lnSpc>
+              <a:spcBef>
+                <a:spcPts val="0"/>
+              </a:spcBef>
+            </a:pPr>
+            <a:r>
+              <a:rPr lang="lt-LT" sz="1200" i="1" dirty="0" smtClean="0"/>
+              <a:t>      CHANNELS 3 Zrotation Xrotation Yrotation</a:t>
+            </a:r>
+          </a:p>
+          <a:p>
+            <a:pPr>
+              <a:lnSpc>
+                <a:spcPts val="1200"/>
+              </a:lnSpc>
+              <a:spcBef>
+                <a:spcPts val="0"/>
+              </a:spcBef>
+            </a:pPr>
+            <a:r>
+              <a:rPr lang="lt-LT" sz="1200" i="1" dirty="0" smtClean="0"/>
+              <a:t>      JOINT LeftAnkle</a:t>
+            </a:r>
+          </a:p>
+          <a:p>
+            <a:pPr>
+              <a:lnSpc>
+                <a:spcPts val="1200"/>
+              </a:lnSpc>
+              <a:spcBef>
+                <a:spcPts val="0"/>
+              </a:spcBef>
+            </a:pPr>
+            <a:r>
+              <a:rPr lang="lt-LT" sz="1200" i="1" dirty="0" smtClean="0"/>
+              <a:t>      {</a:t>
+            </a:r>
+          </a:p>
+          <a:p>
+            <a:pPr>
+              <a:lnSpc>
+                <a:spcPts val="1200"/>
+              </a:lnSpc>
+              <a:spcBef>
+                <a:spcPts val="0"/>
+              </a:spcBef>
+            </a:pPr>
+            <a:r>
+              <a:rPr lang="lt-LT" sz="1200" i="1" dirty="0" smtClean="0"/>
+              <a:t>        OFFSET 2.179 -16.111 -2.139</a:t>
+            </a:r>
+          </a:p>
+          <a:p>
+            <a:pPr>
+              <a:lnSpc>
+                <a:spcPts val="1200"/>
+              </a:lnSpc>
+              <a:spcBef>
+                <a:spcPts val="0"/>
+              </a:spcBef>
+            </a:pPr>
+            <a:r>
+              <a:rPr lang="lt-LT" sz="1200" i="1" dirty="0" smtClean="0"/>
+              <a:t>        CHANNELS 3 Zrotation Xrotation Yrotation</a:t>
+            </a:r>
+          </a:p>
+          <a:p>
+            <a:pPr>
+              <a:lnSpc>
+                <a:spcPts val="1200"/>
+              </a:lnSpc>
+              <a:spcBef>
+                <a:spcPts val="0"/>
+              </a:spcBef>
+            </a:pPr>
+            <a:r>
+              <a:rPr lang="lt-LT" sz="1200" i="1" dirty="0" smtClean="0"/>
+              <a:t>        JOINT LeftAnkle_End</a:t>
+            </a:r>
+          </a:p>
+          <a:p>
+            <a:pPr>
+              <a:lnSpc>
+                <a:spcPts val="1200"/>
+              </a:lnSpc>
+              <a:spcBef>
+                <a:spcPts val="0"/>
+              </a:spcBef>
+            </a:pPr>
+            <a:r>
+              <a:rPr lang="lt-LT" sz="1200" i="1" dirty="0" smtClean="0"/>
+              <a:t>        {</a:t>
+            </a:r>
+          </a:p>
+          <a:p>
+            <a:pPr>
+              <a:lnSpc>
+                <a:spcPts val="1200"/>
+              </a:lnSpc>
+              <a:spcBef>
+                <a:spcPts val="0"/>
+              </a:spcBef>
+            </a:pPr>
+            <a:r>
+              <a:rPr lang="lt-LT" sz="1200" i="1" dirty="0" smtClean="0"/>
+              <a:t>          OFFSET 0 -0.867 1.597</a:t>
+            </a:r>
+          </a:p>
+          <a:p>
+            <a:pPr>
+              <a:lnSpc>
+                <a:spcPts val="1200"/>
+              </a:lnSpc>
+              <a:spcBef>
+                <a:spcPts val="0"/>
+              </a:spcBef>
+            </a:pPr>
+            <a:r>
+              <a:rPr lang="lt-LT" sz="1200" i="1" dirty="0" smtClean="0"/>
+              <a:t>          CHANNELS 3 Zrotation Xrotation Yrotation</a:t>
+            </a:r>
+          </a:p>
+          <a:p>
+            <a:pPr>
+              <a:lnSpc>
+                <a:spcPts val="1200"/>
+              </a:lnSpc>
+              <a:spcBef>
+                <a:spcPts val="0"/>
+              </a:spcBef>
+            </a:pPr>
+            <a:r>
+              <a:rPr lang="lt-LT" sz="1200" i="1" dirty="0" smtClean="0"/>
+              <a:t>          End Site</a:t>
+            </a:r>
+          </a:p>
+          <a:p>
+            <a:pPr>
+              <a:lnSpc>
+                <a:spcPts val="1200"/>
+              </a:lnSpc>
+              <a:spcBef>
+                <a:spcPts val="0"/>
+              </a:spcBef>
+            </a:pPr>
+            <a:r>
+              <a:rPr lang="lt-LT" sz="1200" i="1" dirty="0" smtClean="0"/>
+              <a:t>          {</a:t>
+            </a:r>
+          </a:p>
+          <a:p>
+            <a:pPr>
+              <a:lnSpc>
+                <a:spcPts val="1200"/>
+              </a:lnSpc>
+              <a:spcBef>
+                <a:spcPts val="0"/>
+              </a:spcBef>
+            </a:pPr>
+            <a:r>
+              <a:rPr lang="lt-LT" sz="1200" i="1" dirty="0" smtClean="0"/>
+              <a:t>            OFFSET 1 0 0</a:t>
+            </a:r>
+          </a:p>
+          <a:p>
+            <a:pPr>
+              <a:lnSpc>
+                <a:spcPts val="1200"/>
+              </a:lnSpc>
+              <a:spcBef>
+                <a:spcPts val="0"/>
+              </a:spcBef>
+            </a:pPr>
+            <a:r>
+              <a:rPr lang="lt-LT" sz="1200" i="1" dirty="0" smtClean="0"/>
+              <a:t>          }</a:t>
+            </a:r>
+          </a:p>
+          <a:p>
+            <a:pPr>
+              <a:lnSpc>
+                <a:spcPts val="1200"/>
+              </a:lnSpc>
+              <a:spcBef>
+                <a:spcPts val="0"/>
+              </a:spcBef>
+            </a:pPr>
+            <a:r>
+              <a:rPr lang="lt-LT" sz="1200" i="1" dirty="0" smtClean="0"/>
+              <a:t>        }</a:t>
+            </a:r>
+          </a:p>
+          <a:p>
+            <a:pPr>
+              <a:lnSpc>
+                <a:spcPts val="1200"/>
+              </a:lnSpc>
+              <a:spcBef>
+                <a:spcPts val="0"/>
+              </a:spcBef>
+            </a:pPr>
+            <a:r>
+              <a:rPr lang="lt-LT" sz="1200" i="1" dirty="0" smtClean="0"/>
+              <a:t>      }</a:t>
+            </a:r>
+          </a:p>
+          <a:p>
+            <a:pPr>
+              <a:lnSpc>
+                <a:spcPts val="1200"/>
+              </a:lnSpc>
+              <a:spcBef>
+                <a:spcPts val="0"/>
+              </a:spcBef>
+            </a:pPr>
+            <a:r>
+              <a:rPr lang="lt-LT" sz="1200" i="1" dirty="0" smtClean="0"/>
+              <a:t>    }</a:t>
+            </a:r>
+          </a:p>
+          <a:p>
+            <a:pPr>
+              <a:lnSpc>
+                <a:spcPts val="1200"/>
+              </a:lnSpc>
+              <a:spcBef>
+                <a:spcPts val="0"/>
+              </a:spcBef>
+            </a:pPr>
+            <a:r>
+              <a:rPr lang="lt-LT" sz="1200" i="1" dirty="0" smtClean="0"/>
+              <a:t>  }</a:t>
+            </a:r>
+          </a:p>
+          <a:p>
+            <a:pPr>
+              <a:lnSpc>
+                <a:spcPts val="1200"/>
+              </a:lnSpc>
+              <a:spcBef>
+                <a:spcPts val="0"/>
+              </a:spcBef>
+            </a:pPr>
+            <a:r>
+              <a:rPr lang="lt-LT" sz="1200" i="1" dirty="0" smtClean="0"/>
+              <a:t>  JOINT RightHip</a:t>
+            </a:r>
+          </a:p>
+          <a:p>
+            <a:pPr>
+              <a:lnSpc>
+                <a:spcPts val="1200"/>
+              </a:lnSpc>
+              <a:spcBef>
+                <a:spcPts val="0"/>
+              </a:spcBef>
+            </a:pPr>
+            <a:r>
+              <a:rPr lang="lt-LT" sz="1200" i="1" dirty="0" smtClean="0"/>
+              <a:t>  {</a:t>
+            </a:r>
+          </a:p>
+          <a:p>
+            <a:pPr>
+              <a:lnSpc>
+                <a:spcPts val="1200"/>
+              </a:lnSpc>
+              <a:spcBef>
+                <a:spcPts val="0"/>
+              </a:spcBef>
+            </a:pPr>
+            <a:r>
+              <a:rPr lang="lt-LT" sz="1200" i="1" dirty="0" smtClean="0"/>
+              <a:t>	...</a:t>
+            </a:r>
+          </a:p>
+          <a:p>
+            <a:pPr>
+              <a:lnSpc>
+                <a:spcPts val="1200"/>
+              </a:lnSpc>
+              <a:spcBef>
+                <a:spcPts val="0"/>
+              </a:spcBef>
+            </a:pPr>
+            <a:r>
+              <a:rPr lang="lt-LT" sz="1200" i="1" dirty="0" smtClean="0"/>
+              <a:t>  }</a:t>
+            </a:r>
+          </a:p>
+          <a:p>
+            <a:pPr>
+              <a:lnSpc>
+                <a:spcPts val="1200"/>
+              </a:lnSpc>
+              <a:spcBef>
+                <a:spcPts val="0"/>
+              </a:spcBef>
+            </a:pPr>
+            <a:r>
+              <a:rPr lang="lt-LT" sz="1200" i="1" dirty="0" smtClean="0"/>
+              <a:t>  ...</a:t>
+            </a:r>
+          </a:p>
+          <a:p>
+            <a:pPr>
+              <a:lnSpc>
+                <a:spcPts val="1200"/>
+              </a:lnSpc>
+              <a:spcBef>
+                <a:spcPts val="0"/>
+              </a:spcBef>
+            </a:pPr>
+            <a:r>
+              <a:rPr lang="lt-LT" sz="1200" i="1" dirty="0" smtClean="0"/>
+              <a:t>}</a:t>
+            </a:r>
+          </a:p>
+        </p:txBody>
+      </p:sp>
+      <p:sp>
+        <p:nvSpPr>
+          <p:cNvPr id="3" name="Title 2"/>
+          <p:cNvSpPr>
+            <a:spLocks noGrp="1"/>
+          </p:cNvSpPr>
+          <p:nvPr>
+            <p:ph type="title"/>
+          </p:nvPr>
+        </p:nvSpPr>
+        <p:spPr/>
+        <p:txBody>
+          <a:bodyPr>
+            <a:normAutofit fontScale="90000"/>
+          </a:bodyPr>
+          <a:lstStyle/>
+          <a:p>
+            <a:r>
+              <a:rPr lang="lt-LT" dirty="0" smtClean="0"/>
+              <a:t>Motion data</a:t>
+            </a:r>
+            <a:r>
+              <a:rPr lang="en-US" dirty="0" smtClean="0"/>
+              <a:t/>
+            </a:r>
+            <a:br>
+              <a:rPr lang="en-US" dirty="0" smtClean="0"/>
+            </a:br>
+            <a:r>
+              <a:rPr lang="en-US" dirty="0" smtClean="0"/>
+              <a:t>BVH Hierarchy section</a:t>
+            </a:r>
+            <a:endParaRPr lang="lt-LT" dirty="0"/>
+          </a:p>
+        </p:txBody>
+      </p:sp>
+    </p:spTree>
+  </p:cSld>
+  <p:clrMapOvr>
+    <a:masterClrMapping/>
+  </p:clrMapOvr>
+  <p:timing>
+    <p:tnLst>
+      <p:par>
+        <p:cTn id="1" dur="indefinite" restart="never" nodeType="tmRoot"/>
+      </p:par>
+    </p:tnLst>
+  </p:timing>
+</p:sld>
+</file>
+
+<file path=ppt/slides/slide11.xml><?xml version="1.0" encoding="utf-8"?>
 <p:sld xmlns:a="http://schemas.openxmlformats.org/drawingml/2006/main" xmlns:r="http://schemas.openxmlformats.org/officeDocument/2006/relationships" xmlns:p="http://schemas.openxmlformats.org/presentationml/2006/main">
   <p:cSld>
     <p:spTree>
@@ -4762,6 +5316,280 @@
         </p:nvSpPr>
         <p:spPr/>
         <p:txBody>
+          <a:bodyPr>
+            <a:normAutofit fontScale="85000" lnSpcReduction="20000"/>
+          </a:bodyPr>
+          <a:lstStyle/>
+          <a:p>
+            <a:r>
+              <a:rPr lang="lt-LT" sz="2400" i="1" dirty="0" smtClean="0"/>
+              <a:t>Frames: 1289</a:t>
+            </a:r>
+          </a:p>
+          <a:p>
+            <a:r>
+              <a:rPr lang="lt-LT" sz="2400" i="1" dirty="0" smtClean="0"/>
+              <a:t>Frame Time: 0.033333</a:t>
+            </a:r>
+          </a:p>
+          <a:p>
+            <a:r>
+              <a:rPr lang="lt-LT" sz="1800" i="1" dirty="0" smtClean="0"/>
+              <a:t>19.8598 80.309 -11.521 -0.661911 0.799904 171.213 -1.85002 2.52617 10.7515 3.17067 -1.01583e-010 -10.2854 -1.58501 -1.94847 -0.0287346 0 0 0 -0.0555542 2.6936 -11.4833 -0.562183 1.22223e-006 11.8361 0.284375 -1.65435 -0.00579677 0 0 0 -1.25693 6.24787 -0.51793 3.27727 -16.0419 -1.36162 14.6579 0.0301162 -3.60178 -5.21488 6.12318 -3.03665 2.47876 0.000451064 -6.17142e-006 -0.509607 -8.47663 0.248473 0 0 0 -15.7988 1.60936 -7.32667 1.93902 -8.80292 5.13737 -1.30308 7.39538e-009 8.53796e-007 0.267783 -4.03835 0.26339 0 0 0 0.258752 -0.0812672 0.831621 12.5445 1.71161 -2.09692 0 0 0</a:t>
+            </a:r>
+            <a:endParaRPr lang="en-US" sz="1800" i="1" dirty="0" smtClean="0"/>
+          </a:p>
+          <a:p>
+            <a:r>
+              <a:rPr lang="en-US" sz="1800" i="1" dirty="0" smtClean="0"/>
+              <a:t>19.8771 80.2868 -11.5326 -0.700186 0.756134 171.114 -1.84667 2.51303 10.794 3.13528 -1.01593e-010 -10.2526 -1.58653 -1.95993 -0.0287348 0 0 0 -0.0627105 2.65564 -11.4946 -0.56617 1.2219e-006 11.9114 0.31303 -1.66464 -0.0057968 0 0 0 -1.29175 6.15499 -0.450865 3.47648 -15.6579 -1.30103 14.4269 0.0330917 -3.62714 -5.39613 6.06833 -2.95956 2.27028 0.000451064 -6.17142e-006 -0.527485 -7.40878 0.0488122 0 0 0 -15.6207 1.62543 -7.46368 1.75456 -9.10966 5.12076 -1.08476 7.39538e-009 8.53796e-007 0.274961 -4.00089 0.215719 0 0 0 0.444407 -0.387448 0.74024 12.1183 2.50324 -2.11188 0 0 0</a:t>
+            </a:r>
+          </a:p>
+          <a:p>
+            <a:r>
+              <a:rPr lang="en-US" sz="1800" i="1" dirty="0" smtClean="0"/>
+              <a:t>…</a:t>
+            </a:r>
+            <a:endParaRPr lang="lt-LT" sz="1800" i="1" dirty="0" smtClean="0"/>
+          </a:p>
+        </p:txBody>
+      </p:sp>
+      <p:sp>
+        <p:nvSpPr>
+          <p:cNvPr id="3" name="Title 2"/>
+          <p:cNvSpPr>
+            <a:spLocks noGrp="1"/>
+          </p:cNvSpPr>
+          <p:nvPr>
+            <p:ph type="title"/>
+          </p:nvPr>
+        </p:nvSpPr>
+        <p:spPr/>
+        <p:txBody>
+          <a:bodyPr>
+            <a:normAutofit fontScale="90000"/>
+          </a:bodyPr>
+          <a:lstStyle/>
+          <a:p>
+            <a:r>
+              <a:rPr lang="lt-LT" dirty="0" smtClean="0"/>
+              <a:t>Motion data</a:t>
+            </a:r>
+            <a:r>
+              <a:rPr lang="en-US" dirty="0" smtClean="0"/>
+              <a:t/>
+            </a:r>
+            <a:br>
+              <a:rPr lang="en-US" dirty="0" smtClean="0"/>
+            </a:br>
+            <a:r>
+              <a:rPr lang="en-US" dirty="0" smtClean="0"/>
+              <a:t>BVH Motion section</a:t>
+            </a:r>
+            <a:endParaRPr lang="lt-LT" dirty="0"/>
+          </a:p>
+        </p:txBody>
+      </p:sp>
+    </p:spTree>
+  </p:cSld>
+  <p:clrMapOvr>
+    <a:masterClrMapping/>
+  </p:clrMapOvr>
+  <p:timing>
+    <p:tnLst>
+      <p:par>
+        <p:cTn id="1" dur="indefinite" restart="never" nodeType="tmRoot"/>
+      </p:par>
+    </p:tnLst>
+  </p:timing>
+</p:sld>
+</file>
+
+<file path=ppt/slides/slide12.xml><?xml version="1.0" encoding="utf-8"?>
+<p:sld xmlns:a="http://schemas.openxmlformats.org/drawingml/2006/main" xmlns:r="http://schemas.openxmlformats.org/officeDocument/2006/relationships" xmlns:p="http://schemas.openxmlformats.org/presentationml/2006/main" showMasterSp="0" show="0">
+  <p:cSld>
+    <p:spTree>
+      <p:nvGrpSpPr>
+        <p:cNvPr id="1" name=""/>
+        <p:cNvGrpSpPr/>
+        <p:nvPr/>
+      </p:nvGrpSpPr>
+      <p:grpSpPr>
+        <a:xfrm>
+          <a:off x="0" y="0"/>
+          <a:ext cx="0" cy="0"/>
+          <a:chOff x="0" y="0"/>
+          <a:chExt cx="0" cy="0"/>
+        </a:xfrm>
+      </p:grpSpPr>
+      <p:sp>
+        <p:nvSpPr>
+          <p:cNvPr id="2" name="Content Placeholder 1"/>
+          <p:cNvSpPr>
+            <a:spLocks noGrp="1"/>
+          </p:cNvSpPr>
+          <p:nvPr>
+            <p:ph idx="1"/>
+          </p:nvPr>
+        </p:nvSpPr>
+        <p:spPr>
+          <a:xfrm>
+            <a:off x="457200" y="1481328"/>
+            <a:ext cx="8229600" cy="5376672"/>
+          </a:xfrm>
+        </p:spPr>
+        <p:txBody>
+          <a:bodyPr>
+            <a:normAutofit fontScale="77500" lnSpcReduction="20000"/>
+          </a:bodyPr>
+          <a:lstStyle/>
+          <a:p>
+            <a:r>
+              <a:rPr lang="en-US" dirty="0" smtClean="0"/>
+              <a:t>Various motion data file formats are available:</a:t>
+            </a:r>
+          </a:p>
+          <a:p>
+            <a:pPr lvl="1"/>
+            <a:r>
+              <a:rPr lang="en-US" dirty="0" smtClean="0"/>
+              <a:t>C3D – binary format, that stores 3D coordinates and any numerical data.</a:t>
+            </a:r>
+          </a:p>
+          <a:p>
+            <a:pPr lvl="1"/>
+            <a:r>
+              <a:rPr lang="en-US" dirty="0" smtClean="0"/>
+              <a:t>ASF/AMC and BVH – both ASCII and stores data in a hierarchical data structure (i.e. skeleton).</a:t>
+            </a:r>
+          </a:p>
+          <a:p>
+            <a:pPr lvl="1"/>
+            <a:r>
+              <a:rPr lang="en-US" dirty="0" smtClean="0"/>
+              <a:t>FBX – previous file formats were developed specifically for motion capture, this one is for 3D in general. Any previous format can be converted in to this one.</a:t>
+            </a:r>
+          </a:p>
+          <a:p>
+            <a:r>
+              <a:rPr lang="en-US" dirty="0" smtClean="0"/>
+              <a:t>During project we’ve to work with to of these file formats. C3D was data that we got from Vicon IQ software and then, using 3</a:t>
+            </a:r>
+            <a:r>
+              <a:rPr lang="en-US" baseline="30000" dirty="0" smtClean="0"/>
+              <a:t>rd</a:t>
+            </a:r>
+            <a:r>
+              <a:rPr lang="en-US" dirty="0" smtClean="0"/>
+              <a:t> party application it was converted into BVH file. Because BVH was the simplest one of all the mentioned and fulfilled all the requirements – we used it in our application program.</a:t>
+            </a:r>
+          </a:p>
+          <a:p>
+            <a:r>
+              <a:rPr lang="en-US" dirty="0" smtClean="0"/>
+              <a:t>As we had to fully parse and interpret this motion data file – I’ll introduce you to its structure.</a:t>
+            </a:r>
+          </a:p>
+          <a:p>
+            <a:endParaRPr lang="en-US" dirty="0" smtClean="0"/>
+          </a:p>
+          <a:p>
+            <a:r>
+              <a:rPr lang="en-US" b="1" dirty="0" smtClean="0"/>
+              <a:t>Offset – </a:t>
+            </a:r>
+            <a:r>
+              <a:rPr lang="en-US" dirty="0" smtClean="0"/>
+              <a:t>determines initial joint position</a:t>
+            </a:r>
+          </a:p>
+          <a:p>
+            <a:r>
+              <a:rPr lang="en-US" b="1" dirty="0" smtClean="0"/>
+              <a:t>Channels </a:t>
+            </a:r>
+            <a:r>
+              <a:rPr lang="en-US" dirty="0" smtClean="0"/>
+              <a:t>– defines transformation data for the joint in the motion section of the file. </a:t>
+            </a:r>
+          </a:p>
+          <a:p>
+            <a:pPr lvl="1"/>
+            <a:endParaRPr lang="en-US" dirty="0" smtClean="0"/>
+          </a:p>
+          <a:p>
+            <a:pPr lvl="1"/>
+            <a:endParaRPr lang="en-US" dirty="0" smtClean="0"/>
+          </a:p>
+        </p:txBody>
+      </p:sp>
+      <p:sp>
+        <p:nvSpPr>
+          <p:cNvPr id="3" name="Title 2"/>
+          <p:cNvSpPr>
+            <a:spLocks noGrp="1"/>
+          </p:cNvSpPr>
+          <p:nvPr>
+            <p:ph type="title"/>
+          </p:nvPr>
+        </p:nvSpPr>
+        <p:spPr/>
+        <p:txBody>
+          <a:bodyPr>
+            <a:normAutofit/>
+          </a:bodyPr>
+          <a:lstStyle/>
+          <a:p>
+            <a:r>
+              <a:rPr lang="en-US" dirty="0" smtClean="0"/>
+              <a:t>Hidden. </a:t>
+            </a:r>
+            <a:r>
+              <a:rPr lang="en-US" dirty="0" smtClean="0"/>
+              <a:t>Motion data</a:t>
+            </a:r>
+            <a:endParaRPr lang="lt-LT" dirty="0"/>
+          </a:p>
+        </p:txBody>
+      </p:sp>
+    </p:spTree>
+  </p:cSld>
+  <p:clrMapOvr>
+    <a:masterClrMapping/>
+  </p:clrMapOvr>
+  <p:transition/>
+</p:sld>
+</file>
+
+<file path=ppt/slides/slide13.xml><?xml version="1.0" encoding="utf-8"?>
+<p:sld xmlns:a="http://schemas.openxmlformats.org/drawingml/2006/main" xmlns:r="http://schemas.openxmlformats.org/officeDocument/2006/relationships" xmlns:p="http://schemas.openxmlformats.org/presentationml/2006/main">
+  <p:cSld>
+    <p:spTree>
+      <p:nvGrpSpPr>
+        <p:cNvPr id="1" name=""/>
+        <p:cNvGrpSpPr/>
+        <p:nvPr/>
+      </p:nvGrpSpPr>
+      <p:grpSpPr>
+        <a:xfrm>
+          <a:off x="0" y="0"/>
+          <a:ext cx="0" cy="0"/>
+          <a:chOff x="0" y="0"/>
+          <a:chExt cx="0" cy="0"/>
+        </a:xfrm>
+      </p:grpSpPr>
+      <p:sp>
+        <p:nvSpPr>
+          <p:cNvPr id="2" name="Content Placeholder 1"/>
+          <p:cNvSpPr>
+            <a:spLocks noGrp="1"/>
+          </p:cNvSpPr>
+          <p:nvPr>
+            <p:ph idx="1"/>
+          </p:nvPr>
+        </p:nvSpPr>
+        <p:spPr/>
+        <p:txBody>
           <a:bodyPr/>
           <a:lstStyle/>
           <a:p>
@@ -4835,7 +5663,7 @@
 </p:sld>
 </file>
 
-<file path=ppt/slides/slide11.xml><?xml version="1.0" encoding="utf-8"?>
+<file path=ppt/slides/slide14.xml><?xml version="1.0" encoding="utf-8"?>
 <p:sld xmlns:a="http://schemas.openxmlformats.org/drawingml/2006/main" xmlns:r="http://schemas.openxmlformats.org/officeDocument/2006/relationships" xmlns:p="http://schemas.openxmlformats.org/presentationml/2006/main">
   <p:cSld>
     <p:spTree>
@@ -4958,7 +5786,7 @@
 </p:sld>
 </file>
 
-<file path=ppt/slides/slide12.xml><?xml version="1.0" encoding="utf-8"?>
+<file path=ppt/slides/slide15.xml><?xml version="1.0" encoding="utf-8"?>
 <p:sld xmlns:a="http://schemas.openxmlformats.org/drawingml/2006/main" xmlns:r="http://schemas.openxmlformats.org/officeDocument/2006/relationships" xmlns:p="http://schemas.openxmlformats.org/presentationml/2006/main">
   <p:cSld>
     <p:spTree>
@@ -5146,7 +5974,7 @@
 </p:sld>
 </file>
 
-<file path=ppt/slides/slide13.xml><?xml version="1.0" encoding="utf-8"?>
+<file path=ppt/slides/slide16.xml><?xml version="1.0" encoding="utf-8"?>
 <p:sld xmlns:a="http://schemas.openxmlformats.org/drawingml/2006/main" xmlns:r="http://schemas.openxmlformats.org/officeDocument/2006/relationships" xmlns:p="http://schemas.openxmlformats.org/presentationml/2006/main">
   <p:cSld>
     <p:spTree>
@@ -5253,7 +6081,7 @@
 </p:sld>
 </file>
 
-<file path=ppt/slides/slide14.xml><?xml version="1.0" encoding="utf-8"?>
+<file path=ppt/slides/slide17.xml><?xml version="1.0" encoding="utf-8"?>
 <p:sld xmlns:a="http://schemas.openxmlformats.org/drawingml/2006/main" xmlns:r="http://schemas.openxmlformats.org/officeDocument/2006/relationships" xmlns:p="http://schemas.openxmlformats.org/presentationml/2006/main" showMasterSp="0" show="0">
   <p:cSld>
     <p:spTree>
@@ -5351,7 +6179,7 @@
 </p:sld>
 </file>
 
-<file path=ppt/slides/slide15.xml><?xml version="1.0" encoding="utf-8"?>
+<file path=ppt/slides/slide18.xml><?xml version="1.0" encoding="utf-8"?>
 <p:sld xmlns:a="http://schemas.openxmlformats.org/drawingml/2006/main" xmlns:r="http://schemas.openxmlformats.org/officeDocument/2006/relationships" xmlns:p="http://schemas.openxmlformats.org/presentationml/2006/main" show="0">
   <p:cSld>
     <p:spTree>
@@ -5452,7 +6280,7 @@
 </p:sld>
 </file>
 
-<file path=ppt/slides/slide16.xml><?xml version="1.0" encoding="utf-8"?>
+<file path=ppt/slides/slide19.xml><?xml version="1.0" encoding="utf-8"?>
 <p:sld xmlns:a="http://schemas.openxmlformats.org/drawingml/2006/main" xmlns:r="http://schemas.openxmlformats.org/officeDocument/2006/relationships" xmlns:p="http://schemas.openxmlformats.org/presentationml/2006/main">
   <p:cSld>
     <p:spTree>
@@ -5592,7 +6420,127 @@
 </p:sld>
 </file>
 
-<file path=ppt/slides/slide17.xml><?xml version="1.0" encoding="utf-8"?>
+<file path=ppt/slides/slide2.xml><?xml version="1.0" encoding="utf-8"?>
+<p:sld xmlns:a="http://schemas.openxmlformats.org/drawingml/2006/main" xmlns:r="http://schemas.openxmlformats.org/officeDocument/2006/relationships" xmlns:p="http://schemas.openxmlformats.org/presentationml/2006/main">
+  <p:cSld>
+    <p:spTree>
+      <p:nvGrpSpPr>
+        <p:cNvPr id="1" name=""/>
+        <p:cNvGrpSpPr/>
+        <p:nvPr/>
+      </p:nvGrpSpPr>
+      <p:grpSpPr>
+        <a:xfrm>
+          <a:off x="0" y="0"/>
+          <a:ext cx="0" cy="0"/>
+          <a:chOff x="0" y="0"/>
+          <a:chExt cx="0" cy="0"/>
+        </a:xfrm>
+      </p:grpSpPr>
+      <p:sp>
+        <p:nvSpPr>
+          <p:cNvPr id="2" name="Content Placeholder 1"/>
+          <p:cNvSpPr>
+            <a:spLocks noGrp="1"/>
+          </p:cNvSpPr>
+          <p:nvPr>
+            <p:ph idx="1"/>
+          </p:nvPr>
+        </p:nvSpPr>
+        <p:spPr/>
+        <p:txBody>
+          <a:bodyPr/>
+          <a:lstStyle/>
+          <a:p>
+            <a:r>
+              <a:rPr lang="lt-LT" dirty="0" smtClean="0"/>
+              <a:t>Introduction</a:t>
+            </a:r>
+          </a:p>
+          <a:p>
+            <a:r>
+              <a:rPr lang="lt-LT" dirty="0" smtClean="0"/>
+              <a:t>Motion capture and motion data</a:t>
+            </a:r>
+          </a:p>
+          <a:p>
+            <a:r>
+              <a:rPr lang="lt-LT" dirty="0" smtClean="0"/>
+              <a:t>Used </a:t>
+            </a:r>
+            <a:r>
+              <a:rPr lang="en-US" dirty="0" smtClean="0"/>
+              <a:t>techniques</a:t>
+            </a:r>
+          </a:p>
+          <a:p>
+            <a:r>
+              <a:rPr lang="lt-LT" dirty="0" smtClean="0"/>
+              <a:t>Animating human body</a:t>
+            </a:r>
+          </a:p>
+          <a:p>
+            <a:r>
+              <a:rPr lang="lt-LT" dirty="0" smtClean="0"/>
+              <a:t>Problems</a:t>
+            </a:r>
+            <a:endParaRPr lang="en-US" dirty="0" smtClean="0"/>
+          </a:p>
+          <a:p>
+            <a:r>
+              <a:rPr lang="en-US" dirty="0" smtClean="0"/>
+              <a:t>Conclusion and future work</a:t>
+            </a:r>
+            <a:endParaRPr lang="lt-LT" dirty="0" smtClean="0"/>
+          </a:p>
+          <a:p>
+            <a:pPr lvl="1"/>
+            <a:endParaRPr lang="lt-LT" dirty="0" smtClean="0"/>
+          </a:p>
+          <a:p>
+            <a:endParaRPr lang="lt-LT" dirty="0"/>
+          </a:p>
+        </p:txBody>
+      </p:sp>
+      <p:sp>
+        <p:nvSpPr>
+          <p:cNvPr id="3" name="Title 2"/>
+          <p:cNvSpPr>
+            <a:spLocks noGrp="1"/>
+          </p:cNvSpPr>
+          <p:nvPr>
+            <p:ph type="title"/>
+          </p:nvPr>
+        </p:nvSpPr>
+        <p:spPr/>
+        <p:txBody>
+          <a:bodyPr/>
+          <a:lstStyle/>
+          <a:p>
+            <a:r>
+              <a:rPr lang="lt-LT" dirty="0" smtClean="0"/>
+              <a:t>Contents</a:t>
+            </a:r>
+            <a:endParaRPr lang="lt-LT" dirty="0"/>
+          </a:p>
+        </p:txBody>
+      </p:sp>
+    </p:spTree>
+  </p:cSld>
+  <p:clrMapOvr>
+    <a:masterClrMapping/>
+  </p:clrMapOvr>
+  <p:timing>
+    <p:tnLst>
+      <p:par>
+        <p:cTn id="1" dur="indefinite" restart="never" nodeType="tmRoot"/>
+      </p:par>
+    </p:tnLst>
+  </p:timing>
+</p:sld>
+</file>
+
+<file path=ppt/slides/slide20.xml><?xml version="1.0" encoding="utf-8"?>
 <p:sld xmlns:a="http://schemas.openxmlformats.org/drawingml/2006/main" xmlns:r="http://schemas.openxmlformats.org/officeDocument/2006/relationships" xmlns:p="http://schemas.openxmlformats.org/presentationml/2006/main">
   <p:cSld>
     <p:spTree>
@@ -5710,7 +6658,7 @@
 </p:sld>
 </file>
 
-<file path=ppt/slides/slide18.xml><?xml version="1.0" encoding="utf-8"?>
+<file path=ppt/slides/slide21.xml><?xml version="1.0" encoding="utf-8"?>
 <p:sld xmlns:a="http://schemas.openxmlformats.org/drawingml/2006/main" xmlns:r="http://schemas.openxmlformats.org/officeDocument/2006/relationships" xmlns:p="http://schemas.openxmlformats.org/presentationml/2006/main">
   <p:cSld>
     <p:spTree>
@@ -5796,7 +6744,7 @@
 </p:sld>
 </file>
 
-<file path=ppt/slides/slide19.xml><?xml version="1.0" encoding="utf-8"?>
+<file path=ppt/slides/slide22.xml><?xml version="1.0" encoding="utf-8"?>
 <p:sld xmlns:a="http://schemas.openxmlformats.org/drawingml/2006/main" xmlns:r="http://schemas.openxmlformats.org/officeDocument/2006/relationships" xmlns:p="http://schemas.openxmlformats.org/presentationml/2006/main">
   <p:cSld>
     <p:spTree>
@@ -6036,127 +6984,7 @@
 </p:sld>
 </file>
 
-<file path=ppt/slides/slide2.xml><?xml version="1.0" encoding="utf-8"?>
-<p:sld xmlns:a="http://schemas.openxmlformats.org/drawingml/2006/main" xmlns:r="http://schemas.openxmlformats.org/officeDocument/2006/relationships" xmlns:p="http://schemas.openxmlformats.org/presentationml/2006/main">
-  <p:cSld>
-    <p:spTree>
-      <p:nvGrpSpPr>
-        <p:cNvPr id="1" name=""/>
-        <p:cNvGrpSpPr/>
-        <p:nvPr/>
-      </p:nvGrpSpPr>
-      <p:grpSpPr>
-        <a:xfrm>
-          <a:off x="0" y="0"/>
-          <a:ext cx="0" cy="0"/>
-          <a:chOff x="0" y="0"/>
-          <a:chExt cx="0" cy="0"/>
-        </a:xfrm>
-      </p:grpSpPr>
-      <p:sp>
-        <p:nvSpPr>
-          <p:cNvPr id="2" name="Content Placeholder 1"/>
-          <p:cNvSpPr>
-            <a:spLocks noGrp="1"/>
-          </p:cNvSpPr>
-          <p:nvPr>
-            <p:ph idx="1"/>
-          </p:nvPr>
-        </p:nvSpPr>
-        <p:spPr/>
-        <p:txBody>
-          <a:bodyPr/>
-          <a:lstStyle/>
-          <a:p>
-            <a:r>
-              <a:rPr lang="lt-LT" dirty="0" smtClean="0"/>
-              <a:t>Introduction</a:t>
-            </a:r>
-          </a:p>
-          <a:p>
-            <a:r>
-              <a:rPr lang="lt-LT" dirty="0" smtClean="0"/>
-              <a:t>Motion capture and motion data</a:t>
-            </a:r>
-          </a:p>
-          <a:p>
-            <a:r>
-              <a:rPr lang="lt-LT" dirty="0" smtClean="0"/>
-              <a:t>Used </a:t>
-            </a:r>
-            <a:r>
-              <a:rPr lang="en-US" dirty="0" smtClean="0"/>
-              <a:t>techniques</a:t>
-            </a:r>
-          </a:p>
-          <a:p>
-            <a:r>
-              <a:rPr lang="lt-LT" dirty="0" smtClean="0"/>
-              <a:t>Animating human body</a:t>
-            </a:r>
-          </a:p>
-          <a:p>
-            <a:r>
-              <a:rPr lang="lt-LT" dirty="0" smtClean="0"/>
-              <a:t>Problems</a:t>
-            </a:r>
-            <a:endParaRPr lang="en-US" dirty="0" smtClean="0"/>
-          </a:p>
-          <a:p>
-            <a:r>
-              <a:rPr lang="en-US" dirty="0" smtClean="0"/>
-              <a:t>Conclusion and future work</a:t>
-            </a:r>
-            <a:endParaRPr lang="lt-LT" dirty="0" smtClean="0"/>
-          </a:p>
-          <a:p>
-            <a:pPr lvl="1"/>
-            <a:endParaRPr lang="lt-LT" dirty="0" smtClean="0"/>
-          </a:p>
-          <a:p>
-            <a:endParaRPr lang="lt-LT" dirty="0"/>
-          </a:p>
-        </p:txBody>
-      </p:sp>
-      <p:sp>
-        <p:nvSpPr>
-          <p:cNvPr id="3" name="Title 2"/>
-          <p:cNvSpPr>
-            <a:spLocks noGrp="1"/>
-          </p:cNvSpPr>
-          <p:nvPr>
-            <p:ph type="title"/>
-          </p:nvPr>
-        </p:nvSpPr>
-        <p:spPr/>
-        <p:txBody>
-          <a:bodyPr/>
-          <a:lstStyle/>
-          <a:p>
-            <a:r>
-              <a:rPr lang="lt-LT" dirty="0" smtClean="0"/>
-              <a:t>Contents</a:t>
-            </a:r>
-            <a:endParaRPr lang="lt-LT" dirty="0"/>
-          </a:p>
-        </p:txBody>
-      </p:sp>
-    </p:spTree>
-  </p:cSld>
-  <p:clrMapOvr>
-    <a:masterClrMapping/>
-  </p:clrMapOvr>
-  <p:timing>
-    <p:tnLst>
-      <p:par>
-        <p:cTn id="1" dur="indefinite" restart="never" nodeType="tmRoot"/>
-      </p:par>
-    </p:tnLst>
-  </p:timing>
-</p:sld>
-</file>
-
-<file path=ppt/slides/slide20.xml><?xml version="1.0" encoding="utf-8"?>
+<file path=ppt/slides/slide23.xml><?xml version="1.0" encoding="utf-8"?>
 <p:sld xmlns:a="http://schemas.openxmlformats.org/drawingml/2006/main" xmlns:r="http://schemas.openxmlformats.org/officeDocument/2006/relationships" xmlns:p="http://schemas.openxmlformats.org/presentationml/2006/main">
   <p:cSld>
     <p:spTree>
@@ -6703,7 +7531,7 @@
 </p:sld>
 </file>
 
-<file path=ppt/slides/slide21.xml><?xml version="1.0" encoding="utf-8"?>
+<file path=ppt/slides/slide24.xml><?xml version="1.0" encoding="utf-8"?>
 <p:sld xmlns:a="http://schemas.openxmlformats.org/drawingml/2006/main" xmlns:r="http://schemas.openxmlformats.org/officeDocument/2006/relationships" xmlns:p="http://schemas.openxmlformats.org/presentationml/2006/main">
   <p:cSld>
     <p:spTree>
@@ -6817,7 +7645,7 @@
 </p:sld>
 </file>
 
-<file path=ppt/slides/slide22.xml><?xml version="1.0" encoding="utf-8"?>
+<file path=ppt/slides/slide25.xml><?xml version="1.0" encoding="utf-8"?>
 <p:sld xmlns:a="http://schemas.openxmlformats.org/drawingml/2006/main" xmlns:r="http://schemas.openxmlformats.org/officeDocument/2006/relationships" xmlns:p="http://schemas.openxmlformats.org/presentationml/2006/main">
   <p:cSld>
     <p:spTree>
@@ -7121,7 +7949,7 @@
 </p:sld>
 </file>
 
-<file path=ppt/slides/slide23.xml><?xml version="1.0" encoding="utf-8"?>
+<file path=ppt/slides/slide26.xml><?xml version="1.0" encoding="utf-8"?>
 <p:sld xmlns:a="http://schemas.openxmlformats.org/drawingml/2006/main" xmlns:r="http://schemas.openxmlformats.org/officeDocument/2006/relationships" xmlns:p="http://schemas.openxmlformats.org/presentationml/2006/main">
   <p:cSld>
     <p:spTree>
@@ -7209,7 +8037,7 @@
 </p:sld>
 </file>
 
-<file path=ppt/slides/slide24.xml><?xml version="1.0" encoding="utf-8"?>
+<file path=ppt/slides/slide27.xml><?xml version="1.0" encoding="utf-8"?>
 <p:sld xmlns:a="http://schemas.openxmlformats.org/drawingml/2006/main" xmlns:r="http://schemas.openxmlformats.org/officeDocument/2006/relationships" xmlns:p="http://schemas.openxmlformats.org/presentationml/2006/main">
   <p:cSld>
     <p:spTree>
@@ -7338,7 +8166,7 @@
 </p:sld>
 </file>
 
-<file path=ppt/slides/slide25.xml><?xml version="1.0" encoding="utf-8"?>
+<file path=ppt/slides/slide28.xml><?xml version="1.0" encoding="utf-8"?>
 <p:sld xmlns:a="http://schemas.openxmlformats.org/drawingml/2006/main" xmlns:r="http://schemas.openxmlformats.org/officeDocument/2006/relationships" xmlns:p="http://schemas.openxmlformats.org/presentationml/2006/main">
   <p:cSld>
     <p:spTree>
@@ -7440,7 +8268,7 @@
 </p:sld>
 </file>
 
-<file path=ppt/slides/slide26.xml><?xml version="1.0" encoding="utf-8"?>
+<file path=ppt/slides/slide29.xml><?xml version="1.0" encoding="utf-8"?>
 <p:sld xmlns:a="http://schemas.openxmlformats.org/drawingml/2006/main" xmlns:r="http://schemas.openxmlformats.org/officeDocument/2006/relationships" xmlns:p="http://schemas.openxmlformats.org/presentationml/2006/main">
   <p:cSld>
     <p:spTree>
@@ -7616,7 +8444,7 @@
 </p:sld>
 </file>
 
-<file path=ppt/slides/slide27.xml><?xml version="1.0" encoding="utf-8"?>
+<file path=ppt/slides/slide3.xml><?xml version="1.0" encoding="utf-8"?>
 <p:sld xmlns:a="http://schemas.openxmlformats.org/drawingml/2006/main" xmlns:r="http://schemas.openxmlformats.org/officeDocument/2006/relationships" xmlns:p="http://schemas.openxmlformats.org/presentationml/2006/main">
   <p:cSld>
     <p:spTree>
@@ -7648,7 +8476,53 @@
           <a:bodyPr/>
           <a:lstStyle/>
           <a:p>
-            <a:endParaRPr lang="en-US" dirty="0"/>
+            <a:r>
+              <a:rPr lang="lt-LT" dirty="0" smtClean="0"/>
+              <a:t>Motion </a:t>
+            </a:r>
+            <a:r>
+              <a:rPr lang="en-US" dirty="0" smtClean="0"/>
+              <a:t>capturing</a:t>
+            </a:r>
+          </a:p>
+          <a:p>
+            <a:r>
+              <a:rPr lang="lt-LT" dirty="0" smtClean="0"/>
+              <a:t>Human body model animation</a:t>
+            </a:r>
+            <a:endParaRPr lang="en-US" dirty="0" smtClean="0"/>
+          </a:p>
+          <a:p>
+            <a:pPr lvl="1"/>
+            <a:r>
+              <a:rPr lang="en-US" dirty="0" smtClean="0"/>
+              <a:t>Skeletal, joint-based structure</a:t>
+            </a:r>
+          </a:p>
+          <a:p>
+            <a:pPr lvl="1"/>
+            <a:r>
+              <a:rPr lang="en-US" dirty="0" smtClean="0"/>
+              <a:t>Animation program environment (C++/OpenGL)</a:t>
+            </a:r>
+          </a:p>
+          <a:p>
+            <a:pPr lvl="1"/>
+            <a:r>
+              <a:rPr lang="en-US" dirty="0" smtClean="0"/>
+              <a:t>Data interpretation</a:t>
+            </a:r>
+          </a:p>
+          <a:p>
+            <a:pPr lvl="1"/>
+            <a:r>
+              <a:rPr lang="en-US" dirty="0" smtClean="0"/>
+              <a:t>Model deformations</a:t>
+            </a:r>
+            <a:endParaRPr lang="lt-LT" dirty="0" smtClean="0"/>
+          </a:p>
+          <a:p>
+            <a:endParaRPr lang="lt-LT" dirty="0"/>
           </a:p>
         </p:txBody>
       </p:sp>
@@ -7669,7 +8543,7 @@
           <a:p>
             <a:r>
               <a:rPr lang="en-US" dirty="0" smtClean="0"/>
-              <a:t>Animating human body</a:t>
+              <a:t>Introduction. Project tasks</a:t>
             </a:r>
             <a:endParaRPr lang="en-US" dirty="0"/>
           </a:p>
@@ -7690,7 +8564,81 @@
 </p:sld>
 </file>
 
-<file path=ppt/slides/slide28.xml><?xml version="1.0" encoding="utf-8"?>
+<file path=ppt/slides/slide30.xml><?xml version="1.0" encoding="utf-8"?>
+<p:sld xmlns:a="http://schemas.openxmlformats.org/drawingml/2006/main" xmlns:r="http://schemas.openxmlformats.org/officeDocument/2006/relationships" xmlns:p="http://schemas.openxmlformats.org/presentationml/2006/main">
+  <p:cSld>
+    <p:spTree>
+      <p:nvGrpSpPr>
+        <p:cNvPr id="1" name=""/>
+        <p:cNvGrpSpPr/>
+        <p:nvPr/>
+      </p:nvGrpSpPr>
+      <p:grpSpPr>
+        <a:xfrm>
+          <a:off x="0" y="0"/>
+          <a:ext cx="0" cy="0"/>
+          <a:chOff x="0" y="0"/>
+          <a:chExt cx="0" cy="0"/>
+        </a:xfrm>
+      </p:grpSpPr>
+      <p:sp>
+        <p:nvSpPr>
+          <p:cNvPr id="2" name="Content Placeholder 1"/>
+          <p:cNvSpPr>
+            <a:spLocks noGrp="1"/>
+          </p:cNvSpPr>
+          <p:nvPr>
+            <p:ph idx="1"/>
+          </p:nvPr>
+        </p:nvSpPr>
+        <p:spPr/>
+        <p:txBody>
+          <a:bodyPr/>
+          <a:lstStyle/>
+          <a:p>
+            <a:endParaRPr lang="en-US" dirty="0"/>
+          </a:p>
+        </p:txBody>
+      </p:sp>
+      <p:sp>
+        <p:nvSpPr>
+          <p:cNvPr id="3" name="Title 2"/>
+          <p:cNvSpPr>
+            <a:spLocks noGrp="1"/>
+          </p:cNvSpPr>
+          <p:nvPr>
+            <p:ph type="title"/>
+          </p:nvPr>
+        </p:nvSpPr>
+        <p:spPr/>
+        <p:txBody>
+          <a:bodyPr/>
+          <a:lstStyle/>
+          <a:p>
+            <a:r>
+              <a:rPr lang="en-US" dirty="0" smtClean="0"/>
+              <a:t>Animating human body</a:t>
+            </a:r>
+            <a:endParaRPr lang="en-US" dirty="0"/>
+          </a:p>
+        </p:txBody>
+      </p:sp>
+    </p:spTree>
+  </p:cSld>
+  <p:clrMapOvr>
+    <a:masterClrMapping/>
+  </p:clrMapOvr>
+  <p:timing>
+    <p:tnLst>
+      <p:par>
+        <p:cTn id="1" dur="indefinite" restart="never" nodeType="tmRoot"/>
+      </p:par>
+    </p:tnLst>
+  </p:timing>
+</p:sld>
+</file>
+
+<file path=ppt/slides/slide31.xml><?xml version="1.0" encoding="utf-8"?>
 <p:sld xmlns:a="http://schemas.openxmlformats.org/drawingml/2006/main" xmlns:r="http://schemas.openxmlformats.org/officeDocument/2006/relationships" xmlns:p="http://schemas.openxmlformats.org/presentationml/2006/main">
   <p:cSld>
     <p:spTree>
@@ -7814,7 +8762,7 @@
 </p:sld>
 </file>
 
-<file path=ppt/slides/slide29.xml><?xml version="1.0" encoding="utf-8"?>
+<file path=ppt/slides/slide32.xml><?xml version="1.0" encoding="utf-8"?>
 <p:sld xmlns:a="http://schemas.openxmlformats.org/drawingml/2006/main" xmlns:r="http://schemas.openxmlformats.org/officeDocument/2006/relationships" xmlns:p="http://schemas.openxmlformats.org/presentationml/2006/main">
   <p:cSld>
     <p:spTree>
@@ -7906,7 +8854,7 @@
 </p:sld>
 </file>
 
-<file path=ppt/slides/slide3.xml><?xml version="1.0" encoding="utf-8"?>
+<file path=ppt/slides/slide33.xml><?xml version="1.0" encoding="utf-8"?>
 <p:sld xmlns:a="http://schemas.openxmlformats.org/drawingml/2006/main" xmlns:r="http://schemas.openxmlformats.org/officeDocument/2006/relationships" xmlns:p="http://schemas.openxmlformats.org/presentationml/2006/main">
   <p:cSld>
     <p:spTree>
@@ -7938,53 +8886,18 @@
           <a:bodyPr/>
           <a:lstStyle/>
           <a:p>
-            <a:r>
-              <a:rPr lang="lt-LT" dirty="0" smtClean="0"/>
-              <a:t>Motion </a:t>
-            </a:r>
-            <a:r>
-              <a:rPr lang="en-US" dirty="0" smtClean="0"/>
-              <a:t>capturing</a:t>
-            </a:r>
-          </a:p>
-          <a:p>
-            <a:r>
-              <a:rPr lang="lt-LT" dirty="0" smtClean="0"/>
-              <a:t>Human body model animation</a:t>
-            </a:r>
-            <a:endParaRPr lang="en-US" dirty="0" smtClean="0"/>
-          </a:p>
-          <a:p>
-            <a:pPr lvl="1"/>
-            <a:r>
-              <a:rPr lang="en-US" dirty="0" smtClean="0"/>
-              <a:t>Skeletal, joint-based structure</a:t>
-            </a:r>
-          </a:p>
-          <a:p>
-            <a:pPr lvl="1"/>
-            <a:r>
-              <a:rPr lang="en-US" dirty="0" smtClean="0"/>
-              <a:t>Animation program environment (C++/OpenGL)</a:t>
-            </a:r>
-          </a:p>
-          <a:p>
-            <a:pPr lvl="1"/>
-            <a:r>
-              <a:rPr lang="en-US" dirty="0" smtClean="0"/>
-              <a:t>Data interpretation</a:t>
-            </a:r>
-          </a:p>
-          <a:p>
-            <a:pPr lvl="1"/>
-            <a:r>
-              <a:rPr lang="en-US" dirty="0" smtClean="0"/>
-              <a:t>Model deformations</a:t>
-            </a:r>
-            <a:endParaRPr lang="lt-LT" dirty="0" smtClean="0"/>
-          </a:p>
-          <a:p>
-            <a:endParaRPr lang="lt-LT" dirty="0"/>
+            <a:pPr>
+              <a:buNone/>
+            </a:pPr>
+            <a:r>
+              <a:rPr lang="en-US" sz="2200" dirty="0" smtClean="0"/>
+              <a:t>Generate new skeleton image with big joints, define joint structure, define putting mesh over </a:t>
+            </a:r>
+            <a:r>
+              <a:rPr lang="en-US" sz="2200" smtClean="0"/>
+              <a:t>the skeleton?</a:t>
+            </a:r>
+            <a:endParaRPr lang="en-US" sz="2200" dirty="0" smtClean="0"/>
           </a:p>
         </p:txBody>
       </p:sp>
@@ -8000,14 +8913,23 @@
         </p:nvSpPr>
         <p:spPr/>
         <p:txBody>
-          <a:bodyPr/>
+          <a:bodyPr>
+            <a:normAutofit fontScale="90000"/>
+          </a:bodyPr>
           <a:lstStyle/>
           <a:p>
             <a:r>
               <a:rPr lang="en-US" dirty="0" smtClean="0"/>
-              <a:t>Introduction. Project tasks</a:t>
-            </a:r>
-            <a:endParaRPr lang="en-US" dirty="0"/>
+              <a:t>Animating human body</a:t>
+            </a:r>
+            <a:br>
+              <a:rPr lang="en-US" dirty="0" smtClean="0"/>
+            </a:br>
+            <a:r>
+              <a:rPr lang="en-US" sz="3100" dirty="0" smtClean="0"/>
+              <a:t>Initial program phase</a:t>
+            </a:r>
+            <a:endParaRPr lang="en-US" sz="3100" dirty="0"/>
           </a:p>
         </p:txBody>
       </p:sp>
@@ -8026,101 +8948,7 @@
 </p:sld>
 </file>
 
-<file path=ppt/slides/slide30.xml><?xml version="1.0" encoding="utf-8"?>
-<p:sld xmlns:a="http://schemas.openxmlformats.org/drawingml/2006/main" xmlns:r="http://schemas.openxmlformats.org/officeDocument/2006/relationships" xmlns:p="http://schemas.openxmlformats.org/presentationml/2006/main">
-  <p:cSld>
-    <p:spTree>
-      <p:nvGrpSpPr>
-        <p:cNvPr id="1" name=""/>
-        <p:cNvGrpSpPr/>
-        <p:nvPr/>
-      </p:nvGrpSpPr>
-      <p:grpSpPr>
-        <a:xfrm>
-          <a:off x="0" y="0"/>
-          <a:ext cx="0" cy="0"/>
-          <a:chOff x="0" y="0"/>
-          <a:chExt cx="0" cy="0"/>
-        </a:xfrm>
-      </p:grpSpPr>
-      <p:sp>
-        <p:nvSpPr>
-          <p:cNvPr id="2" name="Content Placeholder 1"/>
-          <p:cNvSpPr>
-            <a:spLocks noGrp="1"/>
-          </p:cNvSpPr>
-          <p:nvPr>
-            <p:ph idx="1"/>
-          </p:nvPr>
-        </p:nvSpPr>
-        <p:spPr/>
-        <p:txBody>
-          <a:bodyPr/>
-          <a:lstStyle/>
-          <a:p>
-            <a:pPr>
-              <a:buNone/>
-            </a:pPr>
-            <a:r>
-              <a:rPr lang="en-US" sz="2200" dirty="0" smtClean="0"/>
-              <a:t>Generate new skeleton image with big joints, define joint structure, define putting mesh over </a:t>
-            </a:r>
-            <a:r>
-              <a:rPr lang="en-US" sz="2200" smtClean="0"/>
-              <a:t>the skeleton?</a:t>
-            </a:r>
-            <a:endParaRPr lang="en-US" sz="2200" dirty="0" smtClean="0"/>
-          </a:p>
-        </p:txBody>
-      </p:sp>
-      <p:sp>
-        <p:nvSpPr>
-          <p:cNvPr id="3" name="Title 2"/>
-          <p:cNvSpPr>
-            <a:spLocks noGrp="1"/>
-          </p:cNvSpPr>
-          <p:nvPr>
-            <p:ph type="title"/>
-          </p:nvPr>
-        </p:nvSpPr>
-        <p:spPr/>
-        <p:txBody>
-          <a:bodyPr>
-            <a:normAutofit fontScale="90000"/>
-          </a:bodyPr>
-          <a:lstStyle/>
-          <a:p>
-            <a:r>
-              <a:rPr lang="en-US" dirty="0" smtClean="0"/>
-              <a:t>Animating human body</a:t>
-            </a:r>
-            <a:br>
-              <a:rPr lang="en-US" dirty="0" smtClean="0"/>
-            </a:br>
-            <a:r>
-              <a:rPr lang="en-US" sz="3100" dirty="0" smtClean="0"/>
-              <a:t>Initial program phase</a:t>
-            </a:r>
-            <a:endParaRPr lang="en-US" sz="3100" dirty="0"/>
-          </a:p>
-        </p:txBody>
-      </p:sp>
-    </p:spTree>
-  </p:cSld>
-  <p:clrMapOvr>
-    <a:masterClrMapping/>
-  </p:clrMapOvr>
-  <p:timing>
-    <p:tnLst>
-      <p:par>
-        <p:cTn id="1" dur="indefinite" restart="never" nodeType="tmRoot"/>
-      </p:par>
-    </p:tnLst>
-  </p:timing>
-</p:sld>
-</file>
-
-<file path=ppt/slides/slide31.xml><?xml version="1.0" encoding="utf-8"?>
+<file path=ppt/slides/slide34.xml><?xml version="1.0" encoding="utf-8"?>
 <p:sld xmlns:a="http://schemas.openxmlformats.org/drawingml/2006/main" xmlns:r="http://schemas.openxmlformats.org/officeDocument/2006/relationships" xmlns:p="http://schemas.openxmlformats.org/presentationml/2006/main">
   <p:cSld>
     <p:spTree>
@@ -8367,7 +9195,7 @@
 </p:sld>
 </file>
 
-<file path=ppt/slides/slide32.xml><?xml version="1.0" encoding="utf-8"?>
+<file path=ppt/slides/slide35.xml><?xml version="1.0" encoding="utf-8"?>
 <p:sld xmlns:a="http://schemas.openxmlformats.org/drawingml/2006/main" xmlns:r="http://schemas.openxmlformats.org/officeDocument/2006/relationships" xmlns:p="http://schemas.openxmlformats.org/presentationml/2006/main">
   <p:cSld>
     <p:spTree>
@@ -8459,7 +9287,7 @@
 </p:sld>
 </file>
 
-<file path=ppt/slides/slide33.xml><?xml version="1.0" encoding="utf-8"?>
+<file path=ppt/slides/slide36.xml><?xml version="1.0" encoding="utf-8"?>
 <p:sld xmlns:a="http://schemas.openxmlformats.org/drawingml/2006/main" xmlns:r="http://schemas.openxmlformats.org/officeDocument/2006/relationships" xmlns:p="http://schemas.openxmlformats.org/presentationml/2006/main">
   <p:cSld>
     <p:spTree>
@@ -8576,7 +9404,7 @@
 </p:sld>
 </file>
 
-<file path=ppt/slides/slide34.xml><?xml version="1.0" encoding="utf-8"?>
+<file path=ppt/slides/slide37.xml><?xml version="1.0" encoding="utf-8"?>
 <p:sld xmlns:a="http://schemas.openxmlformats.org/drawingml/2006/main" xmlns:r="http://schemas.openxmlformats.org/officeDocument/2006/relationships" xmlns:p="http://schemas.openxmlformats.org/presentationml/2006/main">
   <p:cSld>
     <p:spTree>
@@ -8747,7 +9575,7 @@
 </p:sld>
 </file>
 
-<file path=ppt/slides/slide35.xml><?xml version="1.0" encoding="utf-8"?>
+<file path=ppt/slides/slide38.xml><?xml version="1.0" encoding="utf-8"?>
 <p:sld xmlns:a="http://schemas.openxmlformats.org/drawingml/2006/main" xmlns:r="http://schemas.openxmlformats.org/officeDocument/2006/relationships" xmlns:p="http://schemas.openxmlformats.org/presentationml/2006/main">
   <p:cSld>
     <p:spTree>
@@ -8888,7 +9716,7 @@
 </p:sld>
 </file>
 
-<file path=ppt/slides/slide36.xml><?xml version="1.0" encoding="utf-8"?>
+<file path=ppt/slides/slide39.xml><?xml version="1.0" encoding="utf-8"?>
 <p:sld xmlns:a="http://schemas.openxmlformats.org/drawingml/2006/main" xmlns:r="http://schemas.openxmlformats.org/officeDocument/2006/relationships" xmlns:p="http://schemas.openxmlformats.org/presentationml/2006/main">
   <p:cSld>
     <p:spTree>
@@ -8998,7 +9826,120 @@
 </p:sld>
 </file>
 
-<file path=ppt/slides/slide37.xml><?xml version="1.0" encoding="utf-8"?>
+<file path=ppt/slides/slide4.xml><?xml version="1.0" encoding="utf-8"?>
+<p:sld xmlns:a="http://schemas.openxmlformats.org/drawingml/2006/main" xmlns:r="http://schemas.openxmlformats.org/officeDocument/2006/relationships" xmlns:p="http://schemas.openxmlformats.org/presentationml/2006/main" showMasterSp="0" show="0">
+  <p:cSld>
+    <p:spTree>
+      <p:nvGrpSpPr>
+        <p:cNvPr id="1" name=""/>
+        <p:cNvGrpSpPr/>
+        <p:nvPr/>
+      </p:nvGrpSpPr>
+      <p:grpSpPr>
+        <a:xfrm>
+          <a:off x="0" y="0"/>
+          <a:ext cx="0" cy="0"/>
+          <a:chOff x="0" y="0"/>
+          <a:chExt cx="0" cy="0"/>
+        </a:xfrm>
+      </p:grpSpPr>
+      <p:sp>
+        <p:nvSpPr>
+          <p:cNvPr id="2" name="Content Placeholder 1"/>
+          <p:cNvSpPr>
+            <a:spLocks noGrp="1"/>
+          </p:cNvSpPr>
+          <p:nvPr>
+            <p:ph idx="1"/>
+          </p:nvPr>
+        </p:nvSpPr>
+        <p:spPr/>
+        <p:txBody>
+          <a:bodyPr>
+            <a:normAutofit fontScale="92500"/>
+          </a:bodyPr>
+          <a:lstStyle/>
+          <a:p>
+            <a:r>
+              <a:rPr lang="en-US" smtClean="0"/>
+              <a:t>Project has two main task:</a:t>
+            </a:r>
+          </a:p>
+          <a:p>
+            <a:pPr lvl="1"/>
+            <a:r>
+              <a:rPr lang="en-US" smtClean="0"/>
+              <a:t>Using mocap system capture motion data and to be able to animate character using it. Mocap data gives us opportunity to achieve very realistic body movements.</a:t>
+            </a:r>
+          </a:p>
+          <a:p>
+            <a:pPr lvl="1"/>
+            <a:r>
+              <a:rPr lang="en-US" smtClean="0"/>
+              <a:t>Create an application that would use this motion data. We chose to animate a human body model in an application that we wrote using C++ programming language in OpenGL environment. This application had to parse and </a:t>
+            </a:r>
+            <a:r>
+              <a:rPr lang="en-US" smtClean="0"/>
+              <a:t>correctly interpret mocap data, cope with various skin deformation problems. Linear blending technique was used for this. We used </a:t>
+            </a:r>
+            <a:r>
+              <a:rPr lang="en-US" smtClean="0"/>
+              <a:t>joint </a:t>
+            </a:r>
+            <a:r>
+              <a:rPr lang="en-US" smtClean="0"/>
+              <a:t>based skeleton</a:t>
+            </a:r>
+            <a:r>
+              <a:rPr lang="en-US" smtClean="0"/>
+              <a:t>, consisting of rigid body parts – bones, that are rotated during motion. </a:t>
+            </a:r>
+          </a:p>
+          <a:p>
+            <a:pPr lvl="1"/>
+            <a:endParaRPr lang="en-US" smtClean="0"/>
+          </a:p>
+          <a:p>
+            <a:pPr lvl="1"/>
+            <a:endParaRPr lang="en-US" dirty="0" smtClean="0"/>
+          </a:p>
+        </p:txBody>
+      </p:sp>
+      <p:sp>
+        <p:nvSpPr>
+          <p:cNvPr id="3" name="Title 2"/>
+          <p:cNvSpPr>
+            <a:spLocks noGrp="1"/>
+          </p:cNvSpPr>
+          <p:nvPr>
+            <p:ph type="title"/>
+          </p:nvPr>
+        </p:nvSpPr>
+        <p:spPr/>
+        <p:txBody>
+          <a:bodyPr>
+            <a:normAutofit fontScale="90000"/>
+          </a:bodyPr>
+          <a:lstStyle/>
+          <a:p>
+            <a:r>
+              <a:rPr lang="en-US" smtClean="0"/>
+              <a:t>Hidden. Introduction. Project tasks</a:t>
+            </a:r>
+            <a:endParaRPr lang="lt-LT" dirty="0"/>
+          </a:p>
+        </p:txBody>
+      </p:sp>
+    </p:spTree>
+  </p:cSld>
+  <p:clrMapOvr>
+    <a:masterClrMapping/>
+  </p:clrMapOvr>
+  <p:transition/>
+</p:sld>
+</file>
+
+<file path=ppt/slides/slide40.xml><?xml version="1.0" encoding="utf-8"?>
 <p:sld xmlns:a="http://schemas.openxmlformats.org/drawingml/2006/main" xmlns:r="http://schemas.openxmlformats.org/officeDocument/2006/relationships" xmlns:p="http://schemas.openxmlformats.org/presentationml/2006/main">
   <p:cSld>
     <p:spTree>
@@ -9108,7 +10049,7 @@
 </p:sld>
 </file>
 
-<file path=ppt/slides/slide38.xml><?xml version="1.0" encoding="utf-8"?>
+<file path=ppt/slides/slide41.xml><?xml version="1.0" encoding="utf-8"?>
 <p:sld xmlns:a="http://schemas.openxmlformats.org/drawingml/2006/main" xmlns:r="http://schemas.openxmlformats.org/officeDocument/2006/relationships" xmlns:p="http://schemas.openxmlformats.org/presentationml/2006/main">
   <p:cSld>
     <p:spTree>
@@ -9206,7 +10147,7 @@
 </p:sld>
 </file>
 
-<file path=ppt/slides/slide39.xml><?xml version="1.0" encoding="utf-8"?>
+<file path=ppt/slides/slide42.xml><?xml version="1.0" encoding="utf-8"?>
 <p:sld xmlns:a="http://schemas.openxmlformats.org/drawingml/2006/main" xmlns:r="http://schemas.openxmlformats.org/officeDocument/2006/relationships" xmlns:p="http://schemas.openxmlformats.org/presentationml/2006/main">
   <p:cSld>
     <p:spTree>
@@ -9319,81 +10260,7 @@
 </p:sld>
 </file>
 
-<file path=ppt/slides/slide4.xml><?xml version="1.0" encoding="utf-8"?>
-<p:sld xmlns:a="http://schemas.openxmlformats.org/drawingml/2006/main" xmlns:r="http://schemas.openxmlformats.org/officeDocument/2006/relationships" xmlns:p="http://schemas.openxmlformats.org/presentationml/2006/main">
-  <p:cSld>
-    <p:spTree>
-      <p:nvGrpSpPr>
-        <p:cNvPr id="1" name=""/>
-        <p:cNvGrpSpPr/>
-        <p:nvPr/>
-      </p:nvGrpSpPr>
-      <p:grpSpPr>
-        <a:xfrm>
-          <a:off x="0" y="0"/>
-          <a:ext cx="0" cy="0"/>
-          <a:chOff x="0" y="0"/>
-          <a:chExt cx="0" cy="0"/>
-        </a:xfrm>
-      </p:grpSpPr>
-      <p:sp>
-        <p:nvSpPr>
-          <p:cNvPr id="2" name="Content Placeholder 1"/>
-          <p:cNvSpPr>
-            <a:spLocks noGrp="1"/>
-          </p:cNvSpPr>
-          <p:nvPr>
-            <p:ph idx="1"/>
-          </p:nvPr>
-        </p:nvSpPr>
-        <p:spPr/>
-        <p:txBody>
-          <a:bodyPr/>
-          <a:lstStyle/>
-          <a:p>
-            <a:endParaRPr lang="lt-LT"/>
-          </a:p>
-        </p:txBody>
-      </p:sp>
-      <p:sp>
-        <p:nvSpPr>
-          <p:cNvPr id="3" name="Title 2"/>
-          <p:cNvSpPr>
-            <a:spLocks noGrp="1"/>
-          </p:cNvSpPr>
-          <p:nvPr>
-            <p:ph type="title"/>
-          </p:nvPr>
-        </p:nvSpPr>
-        <p:spPr/>
-        <p:txBody>
-          <a:bodyPr/>
-          <a:lstStyle/>
-          <a:p>
-            <a:r>
-              <a:rPr lang="en-US" dirty="0" smtClean="0"/>
-              <a:t>Human body animation movie</a:t>
-            </a:r>
-            <a:endParaRPr lang="en-US" dirty="0"/>
-          </a:p>
-        </p:txBody>
-      </p:sp>
-    </p:spTree>
-  </p:cSld>
-  <p:clrMapOvr>
-    <a:masterClrMapping/>
-  </p:clrMapOvr>
-  <p:timing>
-    <p:tnLst>
-      <p:par>
-        <p:cTn id="1" dur="indefinite" restart="never" nodeType="tmRoot"/>
-      </p:par>
-    </p:tnLst>
-  </p:timing>
-</p:sld>
-</file>
-
-<file path=ppt/slides/slide40.xml><?xml version="1.0" encoding="utf-8"?>
+<file path=ppt/slides/slide43.xml><?xml version="1.0" encoding="utf-8"?>
 <p:sld xmlns:a="http://schemas.openxmlformats.org/drawingml/2006/main" xmlns:r="http://schemas.openxmlformats.org/officeDocument/2006/relationships" xmlns:p="http://schemas.openxmlformats.org/presentationml/2006/main">
   <p:cSld>
     <p:spTree>
@@ -9509,104 +10376,10 @@
         </p:nvSpPr>
         <p:spPr/>
         <p:txBody>
-          <a:bodyPr>
-            <a:normAutofit/>
-          </a:bodyPr>
+          <a:bodyPr/>
           <a:lstStyle/>
           <a:p>
-            <a:r>
-              <a:rPr lang="en-US" dirty="0" smtClean="0"/>
-              <a:t>Motion capture</a:t>
-            </a:r>
-          </a:p>
-          <a:p>
-            <a:pPr lvl="1"/>
-            <a:r>
-              <a:rPr lang="en-US" dirty="0" smtClean="0"/>
-              <a:t>What is </a:t>
-            </a:r>
-            <a:r>
-              <a:rPr lang="en-US" dirty="0" err="1" smtClean="0"/>
-              <a:t>Mocap</a:t>
-            </a:r>
-            <a:r>
-              <a:rPr lang="en-US" dirty="0" smtClean="0"/>
-              <a:t>?</a:t>
-            </a:r>
-          </a:p>
-          <a:p>
-            <a:pPr lvl="1"/>
-            <a:r>
-              <a:rPr lang="en-US" dirty="0" err="1" smtClean="0"/>
-              <a:t>Mocap</a:t>
-            </a:r>
-            <a:r>
-              <a:rPr lang="en-US" dirty="0" smtClean="0"/>
-              <a:t> in everyday life and in our project</a:t>
-            </a:r>
-          </a:p>
-          <a:p>
-            <a:r>
-              <a:rPr lang="lt-LT" dirty="0" smtClean="0"/>
-              <a:t>Various motion capture systems</a:t>
-            </a:r>
-          </a:p>
-          <a:p>
-            <a:pPr lvl="1"/>
-            <a:r>
-              <a:rPr lang="lt-LT" dirty="0" smtClean="0"/>
-              <a:t>Optical, </a:t>
-            </a:r>
-            <a:r>
-              <a:rPr lang="en-US" dirty="0" smtClean="0"/>
-              <a:t>Magnetic</a:t>
-            </a:r>
-            <a:r>
-              <a:rPr lang="lt-LT" dirty="0" smtClean="0"/>
-              <a:t>, Mechanica</a:t>
-            </a:r>
-            <a:r>
-              <a:rPr lang="en-US" dirty="0" smtClean="0"/>
-              <a:t>l</a:t>
-            </a:r>
-            <a:r>
-              <a:rPr lang="en-US" sz="1800" i="1" dirty="0" smtClean="0"/>
-              <a:t>, Inertial</a:t>
-            </a:r>
-            <a:endParaRPr lang="lt-LT" sz="1800" i="1" dirty="0" smtClean="0"/>
-          </a:p>
-          <a:p>
-            <a:r>
-              <a:rPr lang="lt-LT" dirty="0" smtClean="0"/>
-              <a:t>Motion capture using Vicon Motion System</a:t>
-            </a:r>
-          </a:p>
-          <a:p>
-            <a:pPr lvl="1"/>
-            <a:r>
-              <a:rPr lang="en-US" sz="2400" dirty="0" smtClean="0"/>
-              <a:t>Basic Vicon MX system model</a:t>
-            </a:r>
-            <a:endParaRPr lang="lt-LT" dirty="0" smtClean="0"/>
-          </a:p>
-          <a:p>
-            <a:pPr lvl="2"/>
-            <a:r>
-              <a:rPr lang="en-US" dirty="0" smtClean="0"/>
-              <a:t>+ </a:t>
-            </a:r>
-            <a:r>
-              <a:rPr lang="lt-LT" dirty="0" smtClean="0"/>
-              <a:t>Suit with retroreflective markers</a:t>
-            </a:r>
-          </a:p>
-          <a:p>
-            <a:pPr lvl="1"/>
-            <a:r>
-              <a:rPr lang="en-US" dirty="0" smtClean="0"/>
-              <a:t>Capturing and post-processing</a:t>
-            </a:r>
-            <a:endParaRPr lang="lt-LT" dirty="0" smtClean="0"/>
+            <a:endParaRPr lang="lt-LT"/>
           </a:p>
         </p:txBody>
       </p:sp>
@@ -9622,16 +10395,14 @@
         </p:nvSpPr>
         <p:spPr/>
         <p:txBody>
-          <a:bodyPr>
-            <a:normAutofit fontScale="90000"/>
-          </a:bodyPr>
+          <a:bodyPr/>
           <a:lstStyle/>
           <a:p>
             <a:r>
-              <a:rPr lang="lt-LT" dirty="0" smtClean="0"/>
-              <a:t>Motion capture and motion data</a:t>
-            </a:r>
-            <a:endParaRPr lang="lt-LT" dirty="0"/>
+              <a:rPr lang="en-US" dirty="0" smtClean="0"/>
+              <a:t>Human body animation movie</a:t>
+            </a:r>
+            <a:endParaRPr lang="en-US" dirty="0"/>
           </a:p>
         </p:txBody>
       </p:sp>
@@ -9651,6 +10422,167 @@
 </file>
 
 <file path=ppt/slides/slide6.xml><?xml version="1.0" encoding="utf-8"?>
+<p:sld xmlns:a="http://schemas.openxmlformats.org/drawingml/2006/main" xmlns:r="http://schemas.openxmlformats.org/officeDocument/2006/relationships" xmlns:p="http://schemas.openxmlformats.org/presentationml/2006/main">
+  <p:cSld>
+    <p:spTree>
+      <p:nvGrpSpPr>
+        <p:cNvPr id="1" name=""/>
+        <p:cNvGrpSpPr/>
+        <p:nvPr/>
+      </p:nvGrpSpPr>
+      <p:grpSpPr>
+        <a:xfrm>
+          <a:off x="0" y="0"/>
+          <a:ext cx="0" cy="0"/>
+          <a:chOff x="0" y="0"/>
+          <a:chExt cx="0" cy="0"/>
+        </a:xfrm>
+      </p:grpSpPr>
+      <p:sp>
+        <p:nvSpPr>
+          <p:cNvPr id="2" name="Content Placeholder 1"/>
+          <p:cNvSpPr>
+            <a:spLocks noGrp="1"/>
+          </p:cNvSpPr>
+          <p:nvPr>
+            <p:ph idx="1"/>
+          </p:nvPr>
+        </p:nvSpPr>
+        <p:spPr/>
+        <p:txBody>
+          <a:bodyPr>
+            <a:normAutofit/>
+          </a:bodyPr>
+          <a:lstStyle/>
+          <a:p>
+            <a:r>
+              <a:rPr lang="en-US" dirty="0" smtClean="0"/>
+              <a:t>Motion capture</a:t>
+            </a:r>
+          </a:p>
+          <a:p>
+            <a:pPr lvl="1"/>
+            <a:r>
+              <a:rPr lang="en-US" dirty="0" smtClean="0"/>
+              <a:t>What is </a:t>
+            </a:r>
+            <a:r>
+              <a:rPr lang="en-US" dirty="0" err="1" smtClean="0"/>
+              <a:t>Mocap</a:t>
+            </a:r>
+            <a:r>
+              <a:rPr lang="en-US" dirty="0" smtClean="0"/>
+              <a:t>? Where it is used?</a:t>
+            </a:r>
+            <a:endParaRPr lang="en-US" dirty="0" smtClean="0"/>
+          </a:p>
+          <a:p>
+            <a:r>
+              <a:rPr lang="lt-LT" dirty="0" smtClean="0"/>
+              <a:t>Various </a:t>
+            </a:r>
+            <a:r>
+              <a:rPr lang="lt-LT" dirty="0" smtClean="0"/>
+              <a:t>motion capture systems</a:t>
+            </a:r>
+          </a:p>
+          <a:p>
+            <a:pPr lvl="1"/>
+            <a:r>
+              <a:rPr lang="lt-LT" dirty="0" smtClean="0"/>
+              <a:t>Optical, </a:t>
+            </a:r>
+            <a:r>
+              <a:rPr lang="en-US" dirty="0" smtClean="0"/>
+              <a:t>Magnetic</a:t>
+            </a:r>
+            <a:r>
+              <a:rPr lang="lt-LT" dirty="0" smtClean="0"/>
+              <a:t>, Mechanica</a:t>
+            </a:r>
+            <a:r>
+              <a:rPr lang="en-US" dirty="0" smtClean="0"/>
+              <a:t>l</a:t>
+            </a:r>
+            <a:r>
+              <a:rPr lang="en-US" sz="1800" i="1" dirty="0" smtClean="0"/>
+              <a:t>, Inertial</a:t>
+            </a:r>
+            <a:endParaRPr lang="lt-LT" sz="1800" i="1" dirty="0" smtClean="0"/>
+          </a:p>
+          <a:p>
+            <a:r>
+              <a:rPr lang="lt-LT" dirty="0" smtClean="0"/>
+              <a:t>Motion capture using Vicon Motion System</a:t>
+            </a:r>
+          </a:p>
+          <a:p>
+            <a:pPr lvl="1"/>
+            <a:r>
+              <a:rPr lang="en-US" sz="2400" dirty="0" smtClean="0"/>
+              <a:t>Basic Vicon MX system model</a:t>
+            </a:r>
+            <a:endParaRPr lang="lt-LT" dirty="0" smtClean="0"/>
+          </a:p>
+          <a:p>
+            <a:pPr lvl="2"/>
+            <a:r>
+              <a:rPr lang="en-US" dirty="0" smtClean="0"/>
+              <a:t>+ </a:t>
+            </a:r>
+            <a:r>
+              <a:rPr lang="lt-LT" dirty="0" smtClean="0"/>
+              <a:t>Suit with retroreflective </a:t>
+            </a:r>
+            <a:r>
+              <a:rPr lang="lt-LT" dirty="0" smtClean="0"/>
+              <a:t>markers</a:t>
+            </a:r>
+            <a:endParaRPr lang="lt-LT" dirty="0" smtClean="0"/>
+          </a:p>
+        </p:txBody>
+      </p:sp>
+      <p:sp>
+        <p:nvSpPr>
+          <p:cNvPr id="3" name="Title 2"/>
+          <p:cNvSpPr>
+            <a:spLocks noGrp="1"/>
+          </p:cNvSpPr>
+          <p:nvPr>
+            <p:ph type="title"/>
+          </p:nvPr>
+        </p:nvSpPr>
+        <p:spPr/>
+        <p:txBody>
+          <a:bodyPr>
+            <a:normAutofit fontScale="90000"/>
+          </a:bodyPr>
+          <a:lstStyle/>
+          <a:p>
+            <a:r>
+              <a:rPr lang="lt-LT" dirty="0" smtClean="0"/>
+              <a:t>Motion capture and motion data</a:t>
+            </a:r>
+            <a:endParaRPr lang="lt-LT" dirty="0"/>
+          </a:p>
+        </p:txBody>
+      </p:sp>
+    </p:spTree>
+  </p:cSld>
+  <p:clrMapOvr>
+    <a:masterClrMapping/>
+  </p:clrMapOvr>
+  <p:timing>
+    <p:tnLst>
+      <p:par>
+        <p:cTn id="1" dur="indefinite" restart="never" nodeType="tmRoot"/>
+      </p:par>
+    </p:tnLst>
+  </p:timing>
+</p:sld>
+</file>
+
+<file path=ppt/slides/slide7.xml><?xml version="1.0" encoding="utf-8"?>
 <p:sld xmlns:a="http://schemas.openxmlformats.org/drawingml/2006/main" xmlns:r="http://schemas.openxmlformats.org/officeDocument/2006/relationships" xmlns:p="http://schemas.openxmlformats.org/presentationml/2006/main">
   <p:cSld>
     <p:spTree>
@@ -9763,8 +10695,8 @@
 </p:sld>
 </file>
 
-<file path=ppt/slides/slide7.xml><?xml version="1.0" encoding="utf-8"?>
-<p:sld xmlns:a="http://schemas.openxmlformats.org/drawingml/2006/main" xmlns:r="http://schemas.openxmlformats.org/officeDocument/2006/relationships" xmlns:p="http://schemas.openxmlformats.org/presentationml/2006/main">
+<file path=ppt/slides/slide8.xml><?xml version="1.0" encoding="utf-8"?>
+<p:sld xmlns:a="http://schemas.openxmlformats.org/drawingml/2006/main" xmlns:r="http://schemas.openxmlformats.org/officeDocument/2006/relationships" xmlns:p="http://schemas.openxmlformats.org/presentationml/2006/main" showMasterSp="0" show="0">
   <p:cSld>
     <p:spTree>
       <p:nvGrpSpPr>
@@ -9790,83 +10722,87 @@
             <p:ph idx="1"/>
           </p:nvPr>
         </p:nvSpPr>
-        <p:spPr/>
-        <p:txBody>
-          <a:bodyPr/>
+        <p:spPr>
+          <a:xfrm>
+            <a:off x="457200" y="1481328"/>
+            <a:ext cx="8229600" cy="5376672"/>
+          </a:xfrm>
+        </p:spPr>
+        <p:txBody>
+          <a:bodyPr>
+            <a:normAutofit fontScale="77500" lnSpcReduction="20000"/>
+          </a:bodyPr>
           <a:lstStyle/>
           <a:p>
             <a:r>
-              <a:rPr lang="lt-LT" dirty="0" smtClean="0"/>
-              <a:t>Various motion data formats</a:t>
+              <a:rPr lang="en-US" dirty="0" err="1" smtClean="0"/>
+              <a:t>Mocap</a:t>
+            </a:r>
+            <a:r>
+              <a:rPr lang="en-US" dirty="0" smtClean="0"/>
+              <a:t> – records movements and converts them into digital data.</a:t>
+            </a:r>
+          </a:p>
+          <a:p>
+            <a:r>
+              <a:rPr lang="en-US" dirty="0" smtClean="0"/>
+              <a:t>Used in: entertainment, military, sports, medicine. </a:t>
+            </a:r>
+            <a:r>
+              <a:rPr lang="en-US" dirty="0" smtClean="0"/>
+              <a:t>We used it for capturing body movements and then using captured data animating human model in our application.</a:t>
+            </a:r>
+          </a:p>
+          <a:p>
+            <a:r>
+              <a:rPr lang="en-US" dirty="0" smtClean="0"/>
+              <a:t>Various motion capture systems are available:</a:t>
+            </a:r>
+          </a:p>
+          <a:p>
+            <a:pPr lvl="1"/>
+            <a:r>
+              <a:rPr lang="en-US" dirty="0" smtClean="0"/>
+              <a:t>Optical – either reflecting (markers reflect light emitting diodes on the cameras) or light emitting markers (markers are </a:t>
+            </a:r>
+            <a:r>
+              <a:rPr lang="en-US" dirty="0" err="1" smtClean="0"/>
+              <a:t>diods</a:t>
+            </a:r>
+            <a:r>
+              <a:rPr lang="en-US" dirty="0" smtClean="0"/>
+              <a:t>) used on capture subjects. -&gt; High rate, accurate, free movement in capture volume, but post-processing required, lightning must be controlled, markers can be invisible sometimes.</a:t>
+            </a:r>
+          </a:p>
+          <a:p>
+            <a:pPr lvl="1"/>
+            <a:r>
+              <a:rPr lang="en-US" dirty="0" smtClean="0"/>
+              <a:t>Magnetics – magnetic trackers, no post-processing required, markers not occluded, but lower sampling rate, tend to be noisy and can be interfered.</a:t>
+            </a:r>
+          </a:p>
+          <a:p>
+            <a:pPr lvl="1"/>
+            <a:r>
+              <a:rPr lang="en-US" dirty="0" smtClean="0"/>
+              <a:t>Mechanical – directly tracks body joint angles, skeletal-like structure is attached. Large capture range, cheaper, but provides no global translations, restricts subjects movements.</a:t>
+            </a:r>
+          </a:p>
+          <a:p>
+            <a:r>
+              <a:rPr lang="en-US" dirty="0" smtClean="0"/>
+              <a:t>We used Optical Vicon MX motion capture system with retro-reflective markers, placed on special suit for better accuracy. System consisted of 8 cameras, special </a:t>
+            </a:r>
+            <a:r>
+              <a:rPr lang="en-US" dirty="0" err="1" smtClean="0"/>
+              <a:t>ultranet</a:t>
+            </a:r>
+            <a:r>
+              <a:rPr lang="en-US" dirty="0" smtClean="0"/>
+              <a:t> adapter and host pc with Vicon IQ2.5 software.</a:t>
             </a:r>
             <a:endParaRPr lang="en-US" dirty="0" smtClean="0"/>
           </a:p>
-          <a:p>
-            <a:pPr lvl="1"/>
-            <a:r>
-              <a:rPr lang="en-US" dirty="0" smtClean="0"/>
-              <a:t>C3D, </a:t>
-            </a:r>
-            <a:r>
-              <a:rPr lang="en-US" u="sng" dirty="0" smtClean="0"/>
-              <a:t>ASF/AMC</a:t>
-            </a:r>
-            <a:r>
-              <a:rPr lang="en-US" dirty="0" smtClean="0"/>
-              <a:t>, </a:t>
-            </a:r>
-            <a:r>
-              <a:rPr lang="en-US" u="sng" dirty="0" smtClean="0"/>
-              <a:t>BVH</a:t>
-            </a:r>
-            <a:r>
-              <a:rPr lang="en-US" dirty="0" smtClean="0"/>
-              <a:t>, </a:t>
-            </a:r>
-            <a:r>
-              <a:rPr lang="en-US" i="1" dirty="0" smtClean="0"/>
-              <a:t>FBX</a:t>
-            </a:r>
-            <a:endParaRPr lang="lt-LT" i="1" dirty="0" smtClean="0"/>
-          </a:p>
-          <a:p>
-            <a:r>
-              <a:rPr lang="lt-LT" dirty="0" smtClean="0"/>
-              <a:t>Used formats</a:t>
-            </a:r>
-          </a:p>
-          <a:p>
-            <a:pPr lvl="1"/>
-            <a:r>
-              <a:rPr lang="lt-LT" dirty="0" smtClean="0"/>
-              <a:t>Default C3D format for Vicon Motion System</a:t>
-            </a:r>
-            <a:endParaRPr lang="en-US" dirty="0" smtClean="0"/>
-          </a:p>
-          <a:p>
-            <a:pPr lvl="2"/>
-            <a:r>
-              <a:rPr lang="en-US" i="1" dirty="0" smtClean="0"/>
-              <a:t>Binary format, saves 3D coordinates</a:t>
-            </a:r>
-            <a:endParaRPr lang="lt-LT" i="1" dirty="0" smtClean="0"/>
-          </a:p>
-          <a:p>
-            <a:pPr lvl="1"/>
-            <a:r>
-              <a:rPr lang="lt-LT" dirty="0" smtClean="0"/>
-              <a:t>BVH format. Getting from C3D to BVH</a:t>
-            </a:r>
-            <a:endParaRPr lang="en-US" dirty="0" smtClean="0"/>
-          </a:p>
-          <a:p>
-            <a:pPr lvl="2"/>
-            <a:r>
-              <a:rPr lang="en-US" i="1" dirty="0" smtClean="0"/>
-              <a:t>Saves hierarchy (skeleton joint structure) and transformation data</a:t>
-            </a:r>
-            <a:endParaRPr lang="lt-LT" i="1" dirty="0" smtClean="0"/>
-          </a:p>
         </p:txBody>
       </p:sp>
       <p:sp>
@@ -9881,12 +10817,18 @@
         </p:nvSpPr>
         <p:spPr/>
         <p:txBody>
-          <a:bodyPr/>
+          <a:bodyPr>
+            <a:normAutofit/>
+          </a:bodyPr>
           <a:lstStyle/>
           <a:p>
             <a:r>
-              <a:rPr lang="lt-LT" dirty="0" smtClean="0"/>
-              <a:t>Motion data</a:t>
+              <a:rPr lang="en-US" dirty="0" smtClean="0"/>
+              <a:t>Hidden. </a:t>
+            </a:r>
+            <a:r>
+              <a:rPr lang="en-US" dirty="0" smtClean="0"/>
+              <a:t>Motion capture</a:t>
             </a:r>
             <a:endParaRPr lang="lt-LT" dirty="0"/>
           </a:p>
@@ -9897,594 +10839,7 @@
   <p:clrMapOvr>
     <a:masterClrMapping/>
   </p:clrMapOvr>
-  <p:timing>
-    <p:tnLst>
-      <p:par>
-        <p:cTn id="1" dur="indefinite" restart="never" nodeType="tmRoot"/>
-      </p:par>
-    </p:tnLst>
-  </p:timing>
-</p:sld>
-</file>
-
-<file path=ppt/slides/slide8.xml><?xml version="1.0" encoding="utf-8"?>
-<p:sld xmlns:a="http://schemas.openxmlformats.org/drawingml/2006/main" xmlns:r="http://schemas.openxmlformats.org/officeDocument/2006/relationships" xmlns:p="http://schemas.openxmlformats.org/presentationml/2006/main">
-  <p:cSld>
-    <p:spTree>
-      <p:nvGrpSpPr>
-        <p:cNvPr id="1" name=""/>
-        <p:cNvGrpSpPr/>
-        <p:nvPr/>
-      </p:nvGrpSpPr>
-      <p:grpSpPr>
-        <a:xfrm>
-          <a:off x="0" y="0"/>
-          <a:ext cx="0" cy="0"/>
-          <a:chOff x="0" y="0"/>
-          <a:chExt cx="0" cy="0"/>
-        </a:xfrm>
-      </p:grpSpPr>
-      <p:sp>
-        <p:nvSpPr>
-          <p:cNvPr id="2" name="Content Placeholder 1"/>
-          <p:cNvSpPr>
-            <a:spLocks noGrp="1"/>
-          </p:cNvSpPr>
-          <p:nvPr>
-            <p:ph idx="1"/>
-          </p:nvPr>
-        </p:nvSpPr>
-        <p:spPr>
-          <a:xfrm>
-            <a:off x="457200" y="1285860"/>
-            <a:ext cx="8229600" cy="5572140"/>
-          </a:xfrm>
-        </p:spPr>
-        <p:txBody>
-          <a:bodyPr>
-            <a:noAutofit/>
-          </a:bodyPr>
-          <a:lstStyle/>
-          <a:p>
-            <a:pPr>
-              <a:lnSpc>
-                <a:spcPts val="1200"/>
-              </a:lnSpc>
-              <a:spcBef>
-                <a:spcPts val="0"/>
-              </a:spcBef>
-            </a:pPr>
-            <a:r>
-              <a:rPr lang="lt-LT" sz="1200" i="1" dirty="0" smtClean="0"/>
-              <a:t>HIERARCHY</a:t>
-            </a:r>
-          </a:p>
-          <a:p>
-            <a:pPr>
-              <a:lnSpc>
-                <a:spcPts val="1200"/>
-              </a:lnSpc>
-              <a:spcBef>
-                <a:spcPts val="0"/>
-              </a:spcBef>
-            </a:pPr>
-            <a:r>
-              <a:rPr lang="lt-LT" sz="1200" i="1" dirty="0" smtClean="0"/>
-              <a:t>ROOT Hips</a:t>
-            </a:r>
-          </a:p>
-          <a:p>
-            <a:pPr>
-              <a:lnSpc>
-                <a:spcPts val="1200"/>
-              </a:lnSpc>
-              <a:spcBef>
-                <a:spcPts val="0"/>
-              </a:spcBef>
-            </a:pPr>
-            <a:r>
-              <a:rPr lang="lt-LT" sz="1200" i="1" dirty="0" smtClean="0"/>
-              <a:t>{</a:t>
-            </a:r>
-          </a:p>
-          <a:p>
-            <a:pPr>
-              <a:lnSpc>
-                <a:spcPts val="1200"/>
-              </a:lnSpc>
-              <a:spcBef>
-                <a:spcPts val="0"/>
-              </a:spcBef>
-            </a:pPr>
-            <a:r>
-              <a:rPr lang="lt-LT" sz="1200" i="1" dirty="0" smtClean="0"/>
-              <a:t>  OFFSET 0 34.322 0</a:t>
-            </a:r>
-          </a:p>
-          <a:p>
-            <a:pPr>
-              <a:lnSpc>
-                <a:spcPts val="1200"/>
-              </a:lnSpc>
-              <a:spcBef>
-                <a:spcPts val="0"/>
-              </a:spcBef>
-            </a:pPr>
-            <a:r>
-              <a:rPr lang="lt-LT" sz="1200" i="1" dirty="0" smtClean="0"/>
-              <a:t>  CHANNELS 6 Xposition Yposition Zposition Zrotation Xrotation Yrotation</a:t>
-            </a:r>
-          </a:p>
-          <a:p>
-            <a:pPr>
-              <a:lnSpc>
-                <a:spcPts val="1200"/>
-              </a:lnSpc>
-              <a:spcBef>
-                <a:spcPts val="0"/>
-              </a:spcBef>
-            </a:pPr>
-            <a:r>
-              <a:rPr lang="lt-LT" sz="1200" i="1" dirty="0" smtClean="0"/>
-              <a:t>  JOINT LeftHip</a:t>
-            </a:r>
-          </a:p>
-          <a:p>
-            <a:pPr>
-              <a:lnSpc>
-                <a:spcPts val="1200"/>
-              </a:lnSpc>
-              <a:spcBef>
-                <a:spcPts val="0"/>
-              </a:spcBef>
-            </a:pPr>
-            <a:r>
-              <a:rPr lang="lt-LT" sz="1200" i="1" dirty="0" smtClean="0"/>
-              <a:t>  {</a:t>
-            </a:r>
-          </a:p>
-          <a:p>
-            <a:pPr>
-              <a:lnSpc>
-                <a:spcPts val="1200"/>
-              </a:lnSpc>
-              <a:spcBef>
-                <a:spcPts val="0"/>
-              </a:spcBef>
-            </a:pPr>
-            <a:r>
-              <a:rPr lang="lt-LT" sz="1200" i="1" dirty="0" smtClean="0"/>
-              <a:t>    OFFSET 4.587 -1.043 0</a:t>
-            </a:r>
-          </a:p>
-          <a:p>
-            <a:pPr>
-              <a:lnSpc>
-                <a:spcPts val="1200"/>
-              </a:lnSpc>
-              <a:spcBef>
-                <a:spcPts val="0"/>
-              </a:spcBef>
-            </a:pPr>
-            <a:r>
-              <a:rPr lang="lt-LT" sz="1200" i="1" dirty="0" smtClean="0"/>
-              <a:t>    CHANNELS 3 Zrotation Xrotation Yrotation</a:t>
-            </a:r>
-          </a:p>
-          <a:p>
-            <a:pPr>
-              <a:lnSpc>
-                <a:spcPts val="1200"/>
-              </a:lnSpc>
-              <a:spcBef>
-                <a:spcPts val="0"/>
-              </a:spcBef>
-            </a:pPr>
-            <a:r>
-              <a:rPr lang="lt-LT" sz="1200" i="1" dirty="0" smtClean="0"/>
-              <a:t>    JOINT LeftKnee</a:t>
-            </a:r>
-          </a:p>
-          <a:p>
-            <a:pPr>
-              <a:lnSpc>
-                <a:spcPts val="1200"/>
-              </a:lnSpc>
-              <a:spcBef>
-                <a:spcPts val="0"/>
-              </a:spcBef>
-            </a:pPr>
-            <a:r>
-              <a:rPr lang="lt-LT" sz="1200" i="1" dirty="0" smtClean="0"/>
-              <a:t>    {</a:t>
-            </a:r>
-          </a:p>
-          <a:p>
-            <a:pPr>
-              <a:lnSpc>
-                <a:spcPts val="1200"/>
-              </a:lnSpc>
-              <a:spcBef>
-                <a:spcPts val="0"/>
-              </a:spcBef>
-            </a:pPr>
-            <a:r>
-              <a:rPr lang="lt-LT" sz="1200" i="1" dirty="0" smtClean="0"/>
-              <a:t>      OFFSET 3.09 -15.571 0</a:t>
-            </a:r>
-          </a:p>
-          <a:p>
-            <a:pPr>
-              <a:lnSpc>
-                <a:spcPts val="1200"/>
-              </a:lnSpc>
-              <a:spcBef>
-                <a:spcPts val="0"/>
-              </a:spcBef>
-            </a:pPr>
-            <a:r>
-              <a:rPr lang="lt-LT" sz="1200" i="1" dirty="0" smtClean="0"/>
-              <a:t>      CHANNELS 3 Zrotation Xrotation Yrotation</a:t>
-            </a:r>
-          </a:p>
-          <a:p>
-            <a:pPr>
-              <a:lnSpc>
-                <a:spcPts val="1200"/>
-              </a:lnSpc>
-              <a:spcBef>
-                <a:spcPts val="0"/>
-              </a:spcBef>
-            </a:pPr>
-            <a:r>
-              <a:rPr lang="lt-LT" sz="1200" i="1" dirty="0" smtClean="0"/>
-              <a:t>      JOINT LeftAnkle</a:t>
-            </a:r>
-          </a:p>
-          <a:p>
-            <a:pPr>
-              <a:lnSpc>
-                <a:spcPts val="1200"/>
-              </a:lnSpc>
-              <a:spcBef>
-                <a:spcPts val="0"/>
-              </a:spcBef>
-            </a:pPr>
-            <a:r>
-              <a:rPr lang="lt-LT" sz="1200" i="1" dirty="0" smtClean="0"/>
-              <a:t>      {</a:t>
-            </a:r>
-          </a:p>
-          <a:p>
-            <a:pPr>
-              <a:lnSpc>
-                <a:spcPts val="1200"/>
-              </a:lnSpc>
-              <a:spcBef>
-                <a:spcPts val="0"/>
-              </a:spcBef>
-            </a:pPr>
-            <a:r>
-              <a:rPr lang="lt-LT" sz="1200" i="1" dirty="0" smtClean="0"/>
-              <a:t>        OFFSET 2.179 -16.111 -2.139</a:t>
-            </a:r>
-          </a:p>
-          <a:p>
-            <a:pPr>
-              <a:lnSpc>
-                <a:spcPts val="1200"/>
-              </a:lnSpc>
-              <a:spcBef>
-                <a:spcPts val="0"/>
-              </a:spcBef>
-            </a:pPr>
-            <a:r>
-              <a:rPr lang="lt-LT" sz="1200" i="1" dirty="0" smtClean="0"/>
-              <a:t>        CHANNELS 3 Zrotation Xrotation Yrotation</a:t>
-            </a:r>
-          </a:p>
-          <a:p>
-            <a:pPr>
-              <a:lnSpc>
-                <a:spcPts val="1200"/>
-              </a:lnSpc>
-              <a:spcBef>
-                <a:spcPts val="0"/>
-              </a:spcBef>
-            </a:pPr>
-            <a:r>
-              <a:rPr lang="lt-LT" sz="1200" i="1" dirty="0" smtClean="0"/>
-              <a:t>        JOINT LeftAnkle_End</a:t>
-            </a:r>
-          </a:p>
-          <a:p>
-            <a:pPr>
-              <a:lnSpc>
-                <a:spcPts val="1200"/>
-              </a:lnSpc>
-              <a:spcBef>
-                <a:spcPts val="0"/>
-              </a:spcBef>
-            </a:pPr>
-            <a:r>
-              <a:rPr lang="lt-LT" sz="1200" i="1" dirty="0" smtClean="0"/>
-              <a:t>        {</a:t>
-            </a:r>
-          </a:p>
-          <a:p>
-            <a:pPr>
-              <a:lnSpc>
-                <a:spcPts val="1200"/>
-              </a:lnSpc>
-              <a:spcBef>
-                <a:spcPts val="0"/>
-              </a:spcBef>
-            </a:pPr>
-            <a:r>
-              <a:rPr lang="lt-LT" sz="1200" i="1" dirty="0" smtClean="0"/>
-              <a:t>          OFFSET 0 -0.867 1.597</a:t>
-            </a:r>
-          </a:p>
-          <a:p>
-            <a:pPr>
-              <a:lnSpc>
-                <a:spcPts val="1200"/>
-              </a:lnSpc>
-              <a:spcBef>
-                <a:spcPts val="0"/>
-              </a:spcBef>
-            </a:pPr>
-            <a:r>
-              <a:rPr lang="lt-LT" sz="1200" i="1" dirty="0" smtClean="0"/>
-              <a:t>          CHANNELS 3 Zrotation Xrotation Yrotation</a:t>
-            </a:r>
-          </a:p>
-          <a:p>
-            <a:pPr>
-              <a:lnSpc>
-                <a:spcPts val="1200"/>
-              </a:lnSpc>
-              <a:spcBef>
-                <a:spcPts val="0"/>
-              </a:spcBef>
-            </a:pPr>
-            <a:r>
-              <a:rPr lang="lt-LT" sz="1200" i="1" dirty="0" smtClean="0"/>
-              <a:t>          End Site</a:t>
-            </a:r>
-          </a:p>
-          <a:p>
-            <a:pPr>
-              <a:lnSpc>
-                <a:spcPts val="1200"/>
-              </a:lnSpc>
-              <a:spcBef>
-                <a:spcPts val="0"/>
-              </a:spcBef>
-            </a:pPr>
-            <a:r>
-              <a:rPr lang="lt-LT" sz="1200" i="1" dirty="0" smtClean="0"/>
-              <a:t>          {</a:t>
-            </a:r>
-          </a:p>
-          <a:p>
-            <a:pPr>
-              <a:lnSpc>
-                <a:spcPts val="1200"/>
-              </a:lnSpc>
-              <a:spcBef>
-                <a:spcPts val="0"/>
-              </a:spcBef>
-            </a:pPr>
-            <a:r>
-              <a:rPr lang="lt-LT" sz="1200" i="1" dirty="0" smtClean="0"/>
-              <a:t>            OFFSET 1 0 0</a:t>
-            </a:r>
-          </a:p>
-          <a:p>
-            <a:pPr>
-              <a:lnSpc>
-                <a:spcPts val="1200"/>
-              </a:lnSpc>
-              <a:spcBef>
-                <a:spcPts val="0"/>
-              </a:spcBef>
-            </a:pPr>
-            <a:r>
-              <a:rPr lang="lt-LT" sz="1200" i="1" dirty="0" smtClean="0"/>
-              <a:t>          }</a:t>
-            </a:r>
-          </a:p>
-          <a:p>
-            <a:pPr>
-              <a:lnSpc>
-                <a:spcPts val="1200"/>
-              </a:lnSpc>
-              <a:spcBef>
-                <a:spcPts val="0"/>
-              </a:spcBef>
-            </a:pPr>
-            <a:r>
-              <a:rPr lang="lt-LT" sz="1200" i="1" dirty="0" smtClean="0"/>
-              <a:t>        }</a:t>
-            </a:r>
-          </a:p>
-          <a:p>
-            <a:pPr>
-              <a:lnSpc>
-                <a:spcPts val="1200"/>
-              </a:lnSpc>
-              <a:spcBef>
-                <a:spcPts val="0"/>
-              </a:spcBef>
-            </a:pPr>
-            <a:r>
-              <a:rPr lang="lt-LT" sz="1200" i="1" dirty="0" smtClean="0"/>
-              <a:t>      }</a:t>
-            </a:r>
-          </a:p>
-          <a:p>
-            <a:pPr>
-              <a:lnSpc>
-                <a:spcPts val="1200"/>
-              </a:lnSpc>
-              <a:spcBef>
-                <a:spcPts val="0"/>
-              </a:spcBef>
-            </a:pPr>
-            <a:r>
-              <a:rPr lang="lt-LT" sz="1200" i="1" dirty="0" smtClean="0"/>
-              <a:t>    }</a:t>
-            </a:r>
-          </a:p>
-          <a:p>
-            <a:pPr>
-              <a:lnSpc>
-                <a:spcPts val="1200"/>
-              </a:lnSpc>
-              <a:spcBef>
-                <a:spcPts val="0"/>
-              </a:spcBef>
-            </a:pPr>
-            <a:r>
-              <a:rPr lang="lt-LT" sz="1200" i="1" dirty="0" smtClean="0"/>
-              <a:t>  }</a:t>
-            </a:r>
-          </a:p>
-          <a:p>
-            <a:pPr>
-              <a:lnSpc>
-                <a:spcPts val="1200"/>
-              </a:lnSpc>
-              <a:spcBef>
-                <a:spcPts val="0"/>
-              </a:spcBef>
-            </a:pPr>
-            <a:r>
-              <a:rPr lang="lt-LT" sz="1200" i="1" dirty="0" smtClean="0"/>
-              <a:t>  JOINT RightHip</a:t>
-            </a:r>
-          </a:p>
-          <a:p>
-            <a:pPr>
-              <a:lnSpc>
-                <a:spcPts val="1200"/>
-              </a:lnSpc>
-              <a:spcBef>
-                <a:spcPts val="0"/>
-              </a:spcBef>
-            </a:pPr>
-            <a:r>
-              <a:rPr lang="lt-LT" sz="1200" i="1" dirty="0" smtClean="0"/>
-              <a:t>  {</a:t>
-            </a:r>
-          </a:p>
-          <a:p>
-            <a:pPr>
-              <a:lnSpc>
-                <a:spcPts val="1200"/>
-              </a:lnSpc>
-              <a:spcBef>
-                <a:spcPts val="0"/>
-              </a:spcBef>
-            </a:pPr>
-            <a:r>
-              <a:rPr lang="lt-LT" sz="1200" i="1" dirty="0" smtClean="0"/>
-              <a:t>	...</a:t>
-            </a:r>
-          </a:p>
-          <a:p>
-            <a:pPr>
-              <a:lnSpc>
-                <a:spcPts val="1200"/>
-              </a:lnSpc>
-              <a:spcBef>
-                <a:spcPts val="0"/>
-              </a:spcBef>
-            </a:pPr>
-            <a:r>
-              <a:rPr lang="lt-LT" sz="1200" i="1" dirty="0" smtClean="0"/>
-              <a:t>  }</a:t>
-            </a:r>
-          </a:p>
-          <a:p>
-            <a:pPr>
-              <a:lnSpc>
-                <a:spcPts val="1200"/>
-              </a:lnSpc>
-              <a:spcBef>
-                <a:spcPts val="0"/>
-              </a:spcBef>
-            </a:pPr>
-            <a:r>
-              <a:rPr lang="lt-LT" sz="1200" i="1" dirty="0" smtClean="0"/>
-              <a:t>  ...</a:t>
-            </a:r>
-          </a:p>
-          <a:p>
-            <a:pPr>
-              <a:lnSpc>
-                <a:spcPts val="1200"/>
-              </a:lnSpc>
-              <a:spcBef>
-                <a:spcPts val="0"/>
-              </a:spcBef>
-            </a:pPr>
-            <a:r>
-              <a:rPr lang="lt-LT" sz="1200" i="1" dirty="0" smtClean="0"/>
-              <a:t>}</a:t>
-            </a:r>
-          </a:p>
-        </p:txBody>
-      </p:sp>
-      <p:sp>
-        <p:nvSpPr>
-          <p:cNvPr id="3" name="Title 2"/>
-          <p:cNvSpPr>
-            <a:spLocks noGrp="1"/>
-          </p:cNvSpPr>
-          <p:nvPr>
-            <p:ph type="title"/>
-          </p:nvPr>
-        </p:nvSpPr>
-        <p:spPr/>
-        <p:txBody>
-          <a:bodyPr>
-            <a:normAutofit fontScale="90000"/>
-          </a:bodyPr>
-          <a:lstStyle/>
-          <a:p>
-            <a:r>
-              <a:rPr lang="lt-LT" dirty="0" smtClean="0"/>
-              <a:t>Motion data</a:t>
-            </a:r>
-            <a:r>
-              <a:rPr lang="en-US" dirty="0" smtClean="0"/>
-              <a:t/>
-            </a:r>
-            <a:br>
-              <a:rPr lang="en-US" dirty="0" smtClean="0"/>
-            </a:br>
-            <a:r>
-              <a:rPr lang="en-US" dirty="0" smtClean="0"/>
-              <a:t>BVH Hierarchy section</a:t>
-            </a:r>
-            <a:endParaRPr lang="lt-LT" dirty="0"/>
-          </a:p>
-        </p:txBody>
-      </p:sp>
-    </p:spTree>
-  </p:cSld>
-  <p:clrMapOvr>
-    <a:masterClrMapping/>
-  </p:clrMapOvr>
-  <p:timing>
-    <p:tnLst>
-      <p:par>
-        <p:cTn id="1" dur="indefinite" restart="never" nodeType="tmRoot"/>
-      </p:par>
-    </p:tnLst>
-  </p:timing>
+  <p:transition/>
 </p:sld>
 </file>
 
@@ -10517,41 +10872,80 @@
         </p:nvSpPr>
         <p:spPr/>
         <p:txBody>
-          <a:bodyPr>
-            <a:normAutofit fontScale="85000" lnSpcReduction="20000"/>
-          </a:bodyPr>
+          <a:bodyPr/>
           <a:lstStyle/>
           <a:p>
             <a:r>
-              <a:rPr lang="lt-LT" sz="2400" i="1" dirty="0" smtClean="0"/>
-              <a:t>Frames: 1289</a:t>
-            </a:r>
-          </a:p>
-          <a:p>
-            <a:r>
-              <a:rPr lang="lt-LT" sz="2400" i="1" dirty="0" smtClean="0"/>
-              <a:t>Frame Time: 0.033333</a:t>
-            </a:r>
-          </a:p>
-          <a:p>
-            <a:r>
-              <a:rPr lang="lt-LT" sz="1800" i="1" dirty="0" smtClean="0"/>
-              <a:t>19.8598 80.309 -11.521 -0.661911 0.799904 171.213 -1.85002 2.52617 10.7515 3.17067 -1.01583e-010 -10.2854 -1.58501 -1.94847 -0.0287346 0 0 0 -0.0555542 2.6936 -11.4833 -0.562183 1.22223e-006 11.8361 0.284375 -1.65435 -0.00579677 0 0 0 -1.25693 6.24787 -0.51793 3.27727 -16.0419 -1.36162 14.6579 0.0301162 -3.60178 -5.21488 6.12318 -3.03665 2.47876 0.000451064 -6.17142e-006 -0.509607 -8.47663 0.248473 0 0 0 -15.7988 1.60936 -7.32667 1.93902 -8.80292 5.13737 -1.30308 7.39538e-009 8.53796e-007 0.267783 -4.03835 0.26339 0 0 0 0.258752 -0.0812672 0.831621 12.5445 1.71161 -2.09692 0 0 0</a:t>
-            </a:r>
-            <a:endParaRPr lang="en-US" sz="1800" i="1" dirty="0" smtClean="0"/>
-          </a:p>
-          <a:p>
-            <a:r>
-              <a:rPr lang="en-US" sz="1800" i="1" dirty="0" smtClean="0"/>
-              <a:t>19.8771 80.2868 -11.5326 -0.700186 0.756134 171.114 -1.84667 2.51303 10.794 3.13528 -1.01593e-010 -10.2526 -1.58653 -1.95993 -0.0287348 0 0 0 -0.0627105 2.65564 -11.4946 -0.56617 1.2219e-006 11.9114 0.31303 -1.66464 -0.0057968 0 0 0 -1.29175 6.15499 -0.450865 3.47648 -15.6579 -1.30103 14.4269 0.0330917 -3.62714 -5.39613 6.06833 -2.95956 2.27028 0.000451064 -6.17142e-006 -0.527485 -7.40878 0.0488122 0 0 0 -15.6207 1.62543 -7.46368 1.75456 -9.10966 5.12076 -1.08476 7.39538e-009 8.53796e-007 0.274961 -4.00089 0.215719 0 0 0 0.444407 -0.387448 0.74024 12.1183 2.50324 -2.11188 0 0 0</a:t>
-            </a:r>
-          </a:p>
-          <a:p>
-            <a:r>
-              <a:rPr lang="en-US" sz="1800" i="1" dirty="0" smtClean="0"/>
-              <a:t>…</a:t>
-            </a:r>
-            <a:endParaRPr lang="lt-LT" sz="1800" i="1" dirty="0" smtClean="0"/>
+              <a:rPr lang="lt-LT" dirty="0" smtClean="0"/>
+              <a:t>Various motion data formats</a:t>
+            </a:r>
+            <a:endParaRPr lang="en-US" dirty="0" smtClean="0"/>
+          </a:p>
+          <a:p>
+            <a:pPr lvl="1"/>
+            <a:r>
+              <a:rPr lang="en-US" dirty="0" smtClean="0"/>
+              <a:t>C3D, </a:t>
+            </a:r>
+            <a:r>
+              <a:rPr lang="en-US" u="sng" dirty="0" smtClean="0"/>
+              <a:t>ASF/AMC</a:t>
+            </a:r>
+            <a:r>
+              <a:rPr lang="en-US" dirty="0" smtClean="0"/>
+              <a:t>, </a:t>
+            </a:r>
+            <a:r>
+              <a:rPr lang="en-US" u="sng" dirty="0" smtClean="0"/>
+              <a:t>BVH</a:t>
+            </a:r>
+            <a:r>
+              <a:rPr lang="en-US" dirty="0" smtClean="0"/>
+              <a:t>, </a:t>
+            </a:r>
+            <a:r>
+              <a:rPr lang="en-US" i="1" dirty="0" smtClean="0"/>
+              <a:t>FBX</a:t>
+            </a:r>
+            <a:endParaRPr lang="lt-LT" i="1" dirty="0" smtClean="0"/>
+          </a:p>
+          <a:p>
+            <a:r>
+              <a:rPr lang="lt-LT" dirty="0" smtClean="0"/>
+              <a:t>Used formats</a:t>
+            </a:r>
+          </a:p>
+          <a:p>
+            <a:pPr lvl="1"/>
+            <a:r>
+              <a:rPr lang="lt-LT" dirty="0" smtClean="0"/>
+              <a:t>Default C3D format for Vicon Motion System</a:t>
+            </a:r>
+            <a:endParaRPr lang="en-US" dirty="0" smtClean="0"/>
+          </a:p>
+          <a:p>
+            <a:pPr lvl="2"/>
+            <a:r>
+              <a:rPr lang="en-US" i="1" dirty="0" smtClean="0"/>
+              <a:t>Binary format, saves 3D coordinates</a:t>
+            </a:r>
+            <a:endParaRPr lang="lt-LT" i="1" dirty="0" smtClean="0"/>
+          </a:p>
+          <a:p>
+            <a:pPr lvl="1"/>
+            <a:r>
+              <a:rPr lang="lt-LT" dirty="0" smtClean="0"/>
+              <a:t>BVH format. Getting from C3D to BVH</a:t>
+            </a:r>
+            <a:endParaRPr lang="en-US" dirty="0" smtClean="0"/>
+          </a:p>
+          <a:p>
+            <a:pPr lvl="2"/>
+            <a:r>
+              <a:rPr lang="en-US" i="1" dirty="0" smtClean="0"/>
+              <a:t>Saves hierarchy (skeleton joint structure) and transformation data</a:t>
+            </a:r>
+            <a:endParaRPr lang="lt-LT" i="1" dirty="0" smtClean="0"/>
           </a:p>
         </p:txBody>
       </p:sp>
@@ -10567,25 +10961,12 @@
         </p:nvSpPr>
         <p:spPr/>
         <p:txBody>
-          <a:bodyPr>
-            <a:normAutofit fontScale="90000"/>
-          </a:bodyPr>
+          <a:bodyPr/>
           <a:lstStyle/>
           <a:p>
             <a:r>
               <a:rPr lang="lt-LT" dirty="0" smtClean="0"/>
               <a:t>Motion data</a:t>
-            </a:r>
-            <a:r>
-              <a:rPr lang="en-US" dirty="0" smtClean="0"/>
-              <a:t/>
-            </a:r>
-            <a:br>
-              <a:rPr lang="en-US" dirty="0" smtClean="0"/>
-            </a:br>
-            <a:r>
-              <a:rPr lang="en-US" dirty="0" smtClean="0"/>
-              <a:t>BVH Motion section</a:t>
             </a:r>
             <a:endParaRPr lang="lt-LT" dirty="0"/>
           </a:p>

--- a/trunk/docs/Presentation/Presentation.pptx
+++ b/trunk/docs/Presentation/Presentation.pptx
@@ -1,6 +1,6 @@
 
 <file path=ppt/presentation.xml><?xml version="1.0" encoding="utf-8"?>
-<p:presentation xmlns:a="http://schemas.openxmlformats.org/drawingml/2006/main" xmlns:r="http://schemas.openxmlformats.org/officeDocument/2006/relationships" xmlns:p="http://schemas.openxmlformats.org/presentationml/2006/main" saveSubsetFonts="1">
+<p:presentation xmlns:a="http://schemas.openxmlformats.org/drawingml/2006/main" xmlns:r="http://schemas.openxmlformats.org/officeDocument/2006/relationships" xmlns:mc="http://schemas.openxmlformats.org/markup-compatibility/2006" xmlns:mv="urn:schemas-microsoft-com:mac:vml" xmlns:p="http://schemas.openxmlformats.org/presentationml/2006/main" mc:Ignorable="mv" mc:PreserveAttributes="mv:*" saveSubsetFonts="1">
   <p:sldMasterIdLst>
     <p:sldMasterId id="2147483672" r:id="rId1"/>
   </p:sldMasterIdLst>
@@ -8,46 +8,44 @@
     <p:sldId id="256" r:id="rId2"/>
     <p:sldId id="257" r:id="rId3"/>
     <p:sldId id="259" r:id="rId4"/>
-    <p:sldId id="299" r:id="rId5"/>
-    <p:sldId id="261" r:id="rId6"/>
-    <p:sldId id="263" r:id="rId7"/>
-    <p:sldId id="281" r:id="rId8"/>
-    <p:sldId id="300" r:id="rId9"/>
-    <p:sldId id="266" r:id="rId10"/>
-    <p:sldId id="296" r:id="rId11"/>
-    <p:sldId id="298" r:id="rId12"/>
-    <p:sldId id="301" r:id="rId13"/>
-    <p:sldId id="260" r:id="rId14"/>
-    <p:sldId id="273" r:id="rId15"/>
-    <p:sldId id="279" r:id="rId16"/>
-    <p:sldId id="262" r:id="rId17"/>
-    <p:sldId id="268" r:id="rId18"/>
-    <p:sldId id="269" r:id="rId19"/>
-    <p:sldId id="270" r:id="rId20"/>
-    <p:sldId id="271" r:id="rId21"/>
-    <p:sldId id="286" r:id="rId22"/>
-    <p:sldId id="287" r:id="rId23"/>
-    <p:sldId id="288" r:id="rId24"/>
-    <p:sldId id="289" r:id="rId25"/>
-    <p:sldId id="290" r:id="rId26"/>
-    <p:sldId id="291" r:id="rId27"/>
-    <p:sldId id="292" r:id="rId28"/>
-    <p:sldId id="293" r:id="rId29"/>
-    <p:sldId id="294" r:id="rId30"/>
-    <p:sldId id="267" r:id="rId31"/>
-    <p:sldId id="280" r:id="rId32"/>
-    <p:sldId id="297" r:id="rId33"/>
-    <p:sldId id="285" r:id="rId34"/>
-    <p:sldId id="275" r:id="rId35"/>
-    <p:sldId id="264" r:id="rId36"/>
-    <p:sldId id="276" r:id="rId37"/>
-    <p:sldId id="283" r:id="rId38"/>
-    <p:sldId id="277" r:id="rId39"/>
-    <p:sldId id="278" r:id="rId40"/>
-    <p:sldId id="284" r:id="rId41"/>
-    <p:sldId id="295" r:id="rId42"/>
-    <p:sldId id="282" r:id="rId43"/>
-    <p:sldId id="258" r:id="rId44"/>
+    <p:sldId id="261" r:id="rId5"/>
+    <p:sldId id="263" r:id="rId6"/>
+    <p:sldId id="281" r:id="rId7"/>
+    <p:sldId id="266" r:id="rId8"/>
+    <p:sldId id="296" r:id="rId9"/>
+    <p:sldId id="298" r:id="rId10"/>
+    <p:sldId id="260" r:id="rId11"/>
+    <p:sldId id="273" r:id="rId12"/>
+    <p:sldId id="279" r:id="rId13"/>
+    <p:sldId id="262" r:id="rId14"/>
+    <p:sldId id="268" r:id="rId15"/>
+    <p:sldId id="269" r:id="rId16"/>
+    <p:sldId id="270" r:id="rId17"/>
+    <p:sldId id="271" r:id="rId18"/>
+    <p:sldId id="286" r:id="rId19"/>
+    <p:sldId id="287" r:id="rId20"/>
+    <p:sldId id="288" r:id="rId21"/>
+    <p:sldId id="289" r:id="rId22"/>
+    <p:sldId id="290" r:id="rId23"/>
+    <p:sldId id="291" r:id="rId24"/>
+    <p:sldId id="292" r:id="rId25"/>
+    <p:sldId id="293" r:id="rId26"/>
+    <p:sldId id="294" r:id="rId27"/>
+    <p:sldId id="267" r:id="rId28"/>
+    <p:sldId id="280" r:id="rId29"/>
+    <p:sldId id="297" r:id="rId30"/>
+    <p:sldId id="299" r:id="rId31"/>
+    <p:sldId id="285" r:id="rId32"/>
+    <p:sldId id="275" r:id="rId33"/>
+    <p:sldId id="264" r:id="rId34"/>
+    <p:sldId id="276" r:id="rId35"/>
+    <p:sldId id="283" r:id="rId36"/>
+    <p:sldId id="277" r:id="rId37"/>
+    <p:sldId id="278" r:id="rId38"/>
+    <p:sldId id="284" r:id="rId39"/>
+    <p:sldId id="295" r:id="rId40"/>
+    <p:sldId id="282" r:id="rId41"/>
+    <p:sldId id="258" r:id="rId42"/>
   </p:sldIdLst>
   <p:sldSz cx="9144000" cy="6858000" type="screen4x3"/>
   <p:notesSz cx="6858000" cy="9144000"/>
@@ -150,7 +148,7 @@
 </file>
 
 <file path=ppt/slideLayouts/slideLayout1.xml><?xml version="1.0" encoding="utf-8"?>
-<p:sldLayout xmlns:a="http://schemas.openxmlformats.org/drawingml/2006/main" xmlns:r="http://schemas.openxmlformats.org/officeDocument/2006/relationships" xmlns:p="http://schemas.openxmlformats.org/presentationml/2006/main" showMasterSp="0" type="title" preserve="1">
+<p:sldLayout xmlns:a="http://schemas.openxmlformats.org/drawingml/2006/main" xmlns:r="http://schemas.openxmlformats.org/officeDocument/2006/relationships" xmlns:mc="http://schemas.openxmlformats.org/markup-compatibility/2006" xmlns:mv="urn:schemas-microsoft-com:mac:vml" xmlns:p="http://schemas.openxmlformats.org/presentationml/2006/main" mc:Ignorable="mv" mc:PreserveAttributes="mv:*" showMasterSp="0" type="title" preserve="1">
   <p:cSld name="Title Slide">
     <p:spTree>
       <p:nvGrpSpPr>
@@ -229,9 +227,7 @@
         </p:style>
         <p:txBody>
           <a:bodyPr anchor="ctr"/>
-          <a:lstStyle>
-            <a:extLst/>
-          </a:lstStyle>
+          <a:lstStyle/>
           <a:p>
             <a:pPr algn="ctr" eaLnBrk="1" latinLnBrk="0" hangingPunct="1"/>
             <a:endParaRPr kumimoji="0" lang="en-US" dirty="0"/>
@@ -280,7 +276,6 @@
                 </a:effectLst>
               </a:defRPr>
             </a:lvl1pPr>
-            <a:extLst/>
           </a:lstStyle>
           <a:p>
             <a:r>
@@ -342,7 +337,6 @@
             <a:lvl9pPr marL="3657600" indent="0" algn="ctr">
               <a:buNone/>
             </a:lvl9pPr>
-            <a:extLst/>
           </a:lstStyle>
           <a:p>
             <a:r>
@@ -444,9 +438,7 @@
           </p:spPr>
           <p:txBody>
             <a:bodyPr vert="horz" wrap="square" lIns="91440" tIns="45720" rIns="91440" bIns="45720" anchor="t" compatLnSpc="1"/>
-            <a:lstStyle>
-              <a:extLst/>
-            </a:lstStyle>
+            <a:lstStyle/>
             <a:p>
               <a:endParaRPr kumimoji="0" lang="en-US" dirty="0"/>
             </a:p>
@@ -526,9 +518,7 @@
           </p:spPr>
           <p:txBody>
             <a:bodyPr vert="horz" wrap="square" lIns="91440" tIns="45720" rIns="91440" bIns="45720" anchor="t" compatLnSpc="1"/>
-            <a:lstStyle>
-              <a:extLst/>
-            </a:lstStyle>
+            <a:lstStyle/>
             <a:p>
               <a:endParaRPr kumimoji="0" lang="en-US" dirty="0"/>
             </a:p>
@@ -685,9 +675,7 @@
           </p:style>
           <p:txBody>
             <a:bodyPr vert="horz" wrap="square" lIns="91440" tIns="45720" rIns="91440" bIns="45720" anchor="ctr" compatLnSpc="1"/>
-            <a:lstStyle>
-              <a:extLst/>
-            </a:lstStyle>
+            <a:lstStyle/>
             <a:p>
               <a:pPr algn="ctr" eaLnBrk="1" latinLnBrk="0" hangingPunct="1"/>
               <a:endParaRPr kumimoji="0" lang="en-US" dirty="0"/>
@@ -769,13 +757,12 @@
                 </a:solidFill>
               </a:defRPr>
             </a:lvl1pPr>
-            <a:extLst/>
           </a:lstStyle>
           <a:p>
             <a:fld id="{8900D071-D45E-4DB1-8026-6607FD7943F8}" type="datetimeFigureOut">
               <a:rPr lang="lt-LT" smtClean="0"/>
               <a:pPr/>
-              <a:t>2009.01.25</a:t>
+              <a:t>1/25/09</a:t>
             </a:fld>
             <a:endParaRPr lang="lt-LT"/>
           </a:p>
@@ -804,7 +791,6 @@
                 </a:solidFill>
               </a:defRPr>
             </a:lvl1pPr>
-            <a:extLst/>
           </a:lstStyle>
           <a:p>
             <a:endParaRPr lang="lt-LT"/>
@@ -832,7 +818,6 @@
                 </a:solidFill>
               </a:defRPr>
             </a:lvl1pPr>
-            <a:extLst/>
           </a:lstStyle>
           <a:p>
             <a:fld id="{D01D3B16-9DD8-4C37-8DF4-243418B31B2B}" type="slidenum">
@@ -853,7 +838,7 @@
 </file>
 
 <file path=ppt/slideLayouts/slideLayout10.xml><?xml version="1.0" encoding="utf-8"?>
-<p:sldLayout xmlns:a="http://schemas.openxmlformats.org/drawingml/2006/main" xmlns:r="http://schemas.openxmlformats.org/officeDocument/2006/relationships" xmlns:p="http://schemas.openxmlformats.org/presentationml/2006/main" type="vertTx" preserve="1">
+<p:sldLayout xmlns:a="http://schemas.openxmlformats.org/drawingml/2006/main" xmlns:r="http://schemas.openxmlformats.org/officeDocument/2006/relationships" xmlns:mc="http://schemas.openxmlformats.org/markup-compatibility/2006" xmlns:mv="urn:schemas-microsoft-com:mac:vml" xmlns:p="http://schemas.openxmlformats.org/presentationml/2006/main" mc:Ignorable="mv" mc:PreserveAttributes="mv:*" type="vertTx" preserve="1">
   <p:cSld name="Title and Vertical Text">
     <p:spTree>
       <p:nvGrpSpPr>
@@ -882,9 +867,7 @@
         <p:spPr/>
         <p:txBody>
           <a:bodyPr/>
-          <a:lstStyle>
-            <a:extLst/>
-          </a:lstStyle>
+          <a:lstStyle/>
           <a:p>
             <a:r>
               <a:rPr kumimoji="0" lang="en-US" smtClean="0"/>
@@ -912,9 +895,7 @@
         </p:spPr>
         <p:txBody>
           <a:bodyPr vert="eaVert"/>
-          <a:lstStyle>
-            <a:extLst/>
-          </a:lstStyle>
+          <a:lstStyle/>
           <a:p>
             <a:pPr lvl="0" eaLnBrk="1" latinLnBrk="0" hangingPunct="1"/>
             <a:r>
@@ -966,14 +947,12 @@
         <p:spPr/>
         <p:txBody>
           <a:bodyPr/>
-          <a:lstStyle>
-            <a:extLst/>
-          </a:lstStyle>
+          <a:lstStyle/>
           <a:p>
             <a:fld id="{8900D071-D45E-4DB1-8026-6607FD7943F8}" type="datetimeFigureOut">
               <a:rPr lang="lt-LT" smtClean="0"/>
               <a:pPr/>
-              <a:t>2009.01.25</a:t>
+              <a:t>1/25/09</a:t>
             </a:fld>
             <a:endParaRPr lang="lt-LT"/>
           </a:p>
@@ -992,9 +971,7 @@
         <p:spPr/>
         <p:txBody>
           <a:bodyPr/>
-          <a:lstStyle>
-            <a:extLst/>
-          </a:lstStyle>
+          <a:lstStyle/>
           <a:p>
             <a:endParaRPr lang="lt-LT"/>
           </a:p>
@@ -1013,9 +990,7 @@
         <p:spPr/>
         <p:txBody>
           <a:bodyPr/>
-          <a:lstStyle>
-            <a:extLst/>
-          </a:lstStyle>
+          <a:lstStyle/>
           <a:p>
             <a:fld id="{D01D3B16-9DD8-4C37-8DF4-243418B31B2B}" type="slidenum">
               <a:rPr lang="lt-LT" smtClean="0"/>
@@ -1035,7 +1010,7 @@
 </file>
 
 <file path=ppt/slideLayouts/slideLayout11.xml><?xml version="1.0" encoding="utf-8"?>
-<p:sldLayout xmlns:a="http://schemas.openxmlformats.org/drawingml/2006/main" xmlns:r="http://schemas.openxmlformats.org/officeDocument/2006/relationships" xmlns:p="http://schemas.openxmlformats.org/presentationml/2006/main" type="vertTitleAndTx" preserve="1">
+<p:sldLayout xmlns:a="http://schemas.openxmlformats.org/drawingml/2006/main" xmlns:r="http://schemas.openxmlformats.org/officeDocument/2006/relationships" xmlns:mc="http://schemas.openxmlformats.org/markup-compatibility/2006" xmlns:mv="urn:schemas-microsoft-com:mac:vml" xmlns:p="http://schemas.openxmlformats.org/presentationml/2006/main" mc:Ignorable="mv" mc:PreserveAttributes="mv:*" type="vertTitleAndTx" preserve="1">
   <p:cSld name="Vertical Title and Text">
     <p:spTree>
       <p:nvGrpSpPr>
@@ -1069,9 +1044,7 @@
         </p:spPr>
         <p:txBody>
           <a:bodyPr vert="eaVert"/>
-          <a:lstStyle>
-            <a:extLst/>
-          </a:lstStyle>
+          <a:lstStyle/>
           <a:p>
             <a:r>
               <a:rPr kumimoji="0" lang="en-US" smtClean="0"/>
@@ -1099,9 +1072,7 @@
         </p:spPr>
         <p:txBody>
           <a:bodyPr vert="eaVert"/>
-          <a:lstStyle>
-            <a:extLst/>
-          </a:lstStyle>
+          <a:lstStyle/>
           <a:p>
             <a:pPr lvl="0" eaLnBrk="1" latinLnBrk="0" hangingPunct="1"/>
             <a:r>
@@ -1153,14 +1124,12 @@
         <p:spPr/>
         <p:txBody>
           <a:bodyPr/>
-          <a:lstStyle>
-            <a:extLst/>
-          </a:lstStyle>
+          <a:lstStyle/>
           <a:p>
             <a:fld id="{8900D071-D45E-4DB1-8026-6607FD7943F8}" type="datetimeFigureOut">
               <a:rPr lang="lt-LT" smtClean="0"/>
               <a:pPr/>
-              <a:t>2009.01.25</a:t>
+              <a:t>1/25/09</a:t>
             </a:fld>
             <a:endParaRPr lang="lt-LT"/>
           </a:p>
@@ -1179,9 +1148,7 @@
         <p:spPr/>
         <p:txBody>
           <a:bodyPr/>
-          <a:lstStyle>
-            <a:extLst/>
-          </a:lstStyle>
+          <a:lstStyle/>
           <a:p>
             <a:endParaRPr lang="lt-LT"/>
           </a:p>
@@ -1200,9 +1167,7 @@
         <p:spPr/>
         <p:txBody>
           <a:bodyPr/>
-          <a:lstStyle>
-            <a:extLst/>
-          </a:lstStyle>
+          <a:lstStyle/>
           <a:p>
             <a:fld id="{D01D3B16-9DD8-4C37-8DF4-243418B31B2B}" type="slidenum">
               <a:rPr lang="lt-LT" smtClean="0"/>
@@ -1222,7 +1187,7 @@
 </file>
 
 <file path=ppt/slideLayouts/slideLayout2.xml><?xml version="1.0" encoding="utf-8"?>
-<p:sldLayout xmlns:a="http://schemas.openxmlformats.org/drawingml/2006/main" xmlns:r="http://schemas.openxmlformats.org/officeDocument/2006/relationships" xmlns:p="http://schemas.openxmlformats.org/presentationml/2006/main" type="obj" preserve="1">
+<p:sldLayout xmlns:a="http://schemas.openxmlformats.org/drawingml/2006/main" xmlns:r="http://schemas.openxmlformats.org/officeDocument/2006/relationships" xmlns:mc="http://schemas.openxmlformats.org/markup-compatibility/2006" xmlns:mv="urn:schemas-microsoft-com:mac:vml" xmlns:p="http://schemas.openxmlformats.org/presentationml/2006/main" mc:Ignorable="mv" mc:PreserveAttributes="mv:*" type="obj" preserve="1">
   <p:cSld name="Title and Content">
     <p:spTree>
       <p:nvGrpSpPr>
@@ -1251,9 +1216,7 @@
         <p:spPr/>
         <p:txBody>
           <a:bodyPr/>
-          <a:lstStyle>
-            <a:extLst/>
-          </a:lstStyle>
+          <a:lstStyle/>
           <a:p>
             <a:pPr lvl="0" eaLnBrk="1" latinLnBrk="0" hangingPunct="1"/>
             <a:r>
@@ -1305,14 +1268,12 @@
         <p:spPr/>
         <p:txBody>
           <a:bodyPr/>
-          <a:lstStyle>
-            <a:extLst/>
-          </a:lstStyle>
+          <a:lstStyle/>
           <a:p>
             <a:fld id="{8900D071-D45E-4DB1-8026-6607FD7943F8}" type="datetimeFigureOut">
               <a:rPr lang="lt-LT" smtClean="0"/>
               <a:pPr/>
-              <a:t>2009.01.25</a:t>
+              <a:t>1/25/09</a:t>
             </a:fld>
             <a:endParaRPr lang="lt-LT"/>
           </a:p>
@@ -1331,9 +1292,7 @@
         <p:spPr/>
         <p:txBody>
           <a:bodyPr/>
-          <a:lstStyle>
-            <a:extLst/>
-          </a:lstStyle>
+          <a:lstStyle/>
           <a:p>
             <a:endParaRPr lang="lt-LT"/>
           </a:p>
@@ -1352,9 +1311,7 @@
         <p:spPr/>
         <p:txBody>
           <a:bodyPr/>
-          <a:lstStyle>
-            <a:extLst/>
-          </a:lstStyle>
+          <a:lstStyle/>
           <a:p>
             <a:fld id="{D01D3B16-9DD8-4C37-8DF4-243418B31B2B}" type="slidenum">
               <a:rPr lang="lt-LT" smtClean="0"/>
@@ -1378,9 +1335,7 @@
         <p:spPr/>
         <p:txBody>
           <a:bodyPr rtlCol="0"/>
-          <a:lstStyle>
-            <a:extLst/>
-          </a:lstStyle>
+          <a:lstStyle/>
           <a:p>
             <a:r>
               <a:rPr kumimoji="0" lang="en-US" smtClean="0"/>
@@ -1399,8 +1354,13 @@
 </file>
 
 <file path=ppt/slideLayouts/slideLayout3.xml><?xml version="1.0" encoding="utf-8"?>
-<p:sldLayout xmlns:a="http://schemas.openxmlformats.org/drawingml/2006/main" xmlns:r="http://schemas.openxmlformats.org/officeDocument/2006/relationships" xmlns:p="http://schemas.openxmlformats.org/presentationml/2006/main" type="secHead" preserve="1">
+<p:sldLayout xmlns:a="http://schemas.openxmlformats.org/drawingml/2006/main" xmlns:r="http://schemas.openxmlformats.org/officeDocument/2006/relationships" xmlns:mc="http://schemas.openxmlformats.org/markup-compatibility/2006" xmlns:mv="urn:schemas-microsoft-com:mac:vml" xmlns:p="http://schemas.openxmlformats.org/presentationml/2006/main" mc:Ignorable="mv" mc:PreserveAttributes="mv:*" type="secHead" preserve="1">
   <p:cSld name="Section Header">
+    <p:bg>
+      <p:bgRef idx="1002">
+        <a:schemeClr val="bg1"/>
+      </p:bgRef>
+    </p:bg>
     <p:spTree>
       <p:nvGrpSpPr>
         <p:cNvPr id="1" name=""/>
@@ -1455,7 +1415,6 @@
                 </a:effectLst>
               </a:defRPr>
             </a:lvl1pPr>
-            <a:extLst/>
           </a:lstStyle>
           <a:p>
             <a:r>
@@ -1533,7 +1492,6 @@
                 </a:solidFill>
               </a:defRPr>
             </a:lvl5pPr>
-            <a:extLst/>
           </a:lstStyle>
           <a:p>
             <a:pPr lvl="0" eaLnBrk="1" latinLnBrk="0" hangingPunct="1"/>
@@ -1557,14 +1515,12 @@
         <p:spPr/>
         <p:txBody>
           <a:bodyPr/>
-          <a:lstStyle>
-            <a:extLst/>
-          </a:lstStyle>
+          <a:lstStyle/>
           <a:p>
             <a:fld id="{8900D071-D45E-4DB1-8026-6607FD7943F8}" type="datetimeFigureOut">
               <a:rPr lang="lt-LT" smtClean="0"/>
               <a:pPr/>
-              <a:t>2009.01.25</a:t>
+              <a:t>1/25/09</a:t>
             </a:fld>
             <a:endParaRPr lang="lt-LT"/>
           </a:p>
@@ -1583,9 +1539,7 @@
         <p:spPr/>
         <p:txBody>
           <a:bodyPr/>
-          <a:lstStyle>
-            <a:extLst/>
-          </a:lstStyle>
+          <a:lstStyle/>
           <a:p>
             <a:endParaRPr lang="lt-LT"/>
           </a:p>
@@ -1604,9 +1558,7 @@
         <p:spPr/>
         <p:txBody>
           <a:bodyPr/>
-          <a:lstStyle>
-            <a:extLst/>
-          </a:lstStyle>
+          <a:lstStyle/>
           <a:p>
             <a:fld id="{D01D3B16-9DD8-4C37-8DF4-243418B31B2B}" type="slidenum">
               <a:rPr lang="lt-LT" smtClean="0"/>
@@ -1688,9 +1640,7 @@
         </p:style>
         <p:txBody>
           <a:bodyPr anchor="ctr"/>
-          <a:lstStyle>
-            <a:extLst/>
-          </a:lstStyle>
+          <a:lstStyle/>
           <a:p>
             <a:pPr algn="l" eaLnBrk="1" latinLnBrk="0" hangingPunct="1"/>
             <a:endParaRPr kumimoji="0" lang="en-US" dirty="0"/>
@@ -1768,9 +1718,7 @@
         </p:style>
         <p:txBody>
           <a:bodyPr anchor="ctr"/>
-          <a:lstStyle>
-            <a:extLst/>
-          </a:lstStyle>
+          <a:lstStyle/>
           <a:p>
             <a:pPr algn="l" eaLnBrk="1" latinLnBrk="0" hangingPunct="1"/>
             <a:endParaRPr kumimoji="0" lang="en-US" dirty="0"/>
@@ -1780,14 +1728,19 @@
     </p:spTree>
   </p:cSld>
   <p:clrMapOvr>
-    <a:masterClrMapping/>
+    <a:overrideClrMapping bg1="dk1" tx1="lt1" bg2="dk2" tx2="lt2" accent1="accent1" accent2="accent2" accent3="accent3" accent4="accent4" accent5="accent5" accent6="accent6" hlink="hlink" folHlink="folHlink"/>
   </p:clrMapOvr>
 </p:sldLayout>
 </file>
 
 <file path=ppt/slideLayouts/slideLayout4.xml><?xml version="1.0" encoding="utf-8"?>
-<p:sldLayout xmlns:a="http://schemas.openxmlformats.org/drawingml/2006/main" xmlns:r="http://schemas.openxmlformats.org/officeDocument/2006/relationships" xmlns:p="http://schemas.openxmlformats.org/presentationml/2006/main" type="twoObj" preserve="1">
+<p:sldLayout xmlns:a="http://schemas.openxmlformats.org/drawingml/2006/main" xmlns:r="http://schemas.openxmlformats.org/officeDocument/2006/relationships" xmlns:mc="http://schemas.openxmlformats.org/markup-compatibility/2006" xmlns:mv="urn:schemas-microsoft-com:mac:vml" xmlns:p="http://schemas.openxmlformats.org/presentationml/2006/main" mc:Ignorable="mv" mc:PreserveAttributes="mv:*" type="twoObj" preserve="1">
   <p:cSld name="Two Content">
+    <p:bg>
+      <p:bgRef idx="1002">
+        <a:schemeClr val="bg1"/>
+      </p:bgRef>
+    </p:bg>
     <p:spTree>
       <p:nvGrpSpPr>
         <p:cNvPr id="1" name=""/>
@@ -1836,7 +1789,6 @@
             <a:lvl5pPr>
               <a:defRPr sz="1800"/>
             </a:lvl5pPr>
-            <a:extLst/>
           </a:lstStyle>
           <a:p>
             <a:pPr lvl="0" eaLnBrk="1" latinLnBrk="0" hangingPunct="1"/>
@@ -1910,7 +1862,6 @@
             <a:lvl5pPr>
               <a:defRPr sz="1800"/>
             </a:lvl5pPr>
-            <a:extLst/>
           </a:lstStyle>
           <a:p>
             <a:pPr lvl="0" eaLnBrk="1" latinLnBrk="0" hangingPunct="1"/>
@@ -1963,14 +1914,12 @@
         <p:spPr/>
         <p:txBody>
           <a:bodyPr/>
-          <a:lstStyle>
-            <a:extLst/>
-          </a:lstStyle>
+          <a:lstStyle/>
           <a:p>
             <a:fld id="{8900D071-D45E-4DB1-8026-6607FD7943F8}" type="datetimeFigureOut">
               <a:rPr lang="lt-LT" smtClean="0"/>
               <a:pPr/>
-              <a:t>2009.01.25</a:t>
+              <a:t>1/25/09</a:t>
             </a:fld>
             <a:endParaRPr lang="lt-LT"/>
           </a:p>
@@ -1989,9 +1938,7 @@
         <p:spPr/>
         <p:txBody>
           <a:bodyPr/>
-          <a:lstStyle>
-            <a:extLst/>
-          </a:lstStyle>
+          <a:lstStyle/>
           <a:p>
             <a:endParaRPr lang="lt-LT"/>
           </a:p>
@@ -2010,9 +1957,7 @@
         <p:spPr/>
         <p:txBody>
           <a:bodyPr/>
-          <a:lstStyle>
-            <a:extLst/>
-          </a:lstStyle>
+          <a:lstStyle/>
           <a:p>
             <a:fld id="{D01D3B16-9DD8-4C37-8DF4-243418B31B2B}" type="slidenum">
               <a:rPr lang="lt-LT" smtClean="0"/>
@@ -2036,9 +1981,7 @@
         <p:spPr/>
         <p:txBody>
           <a:bodyPr rtlCol="0"/>
-          <a:lstStyle>
-            <a:extLst/>
-          </a:lstStyle>
+          <a:lstStyle/>
           <a:p>
             <a:r>
               <a:rPr kumimoji="0" lang="en-US" smtClean="0"/>
@@ -2051,14 +1994,19 @@
     </p:spTree>
   </p:cSld>
   <p:clrMapOvr>
-    <a:masterClrMapping/>
+    <a:overrideClrMapping bg1="dk1" tx1="lt1" bg2="dk2" tx2="lt2" accent1="accent1" accent2="accent2" accent3="accent3" accent4="accent4" accent5="accent5" accent6="accent6" hlink="hlink" folHlink="folHlink"/>
   </p:clrMapOvr>
 </p:sldLayout>
 </file>
 
 <file path=ppt/slideLayouts/slideLayout5.xml><?xml version="1.0" encoding="utf-8"?>
-<p:sldLayout xmlns:a="http://schemas.openxmlformats.org/drawingml/2006/main" xmlns:r="http://schemas.openxmlformats.org/officeDocument/2006/relationships" xmlns:p="http://schemas.openxmlformats.org/presentationml/2006/main" showMasterSp="0" type="twoTxTwoObj" preserve="1">
+<p:sldLayout xmlns:a="http://schemas.openxmlformats.org/drawingml/2006/main" xmlns:r="http://schemas.openxmlformats.org/officeDocument/2006/relationships" xmlns:mc="http://schemas.openxmlformats.org/markup-compatibility/2006" xmlns:mv="urn:schemas-microsoft-com:mac:vml" xmlns:p="http://schemas.openxmlformats.org/presentationml/2006/main" mc:Ignorable="mv" mc:PreserveAttributes="mv:*" showMasterSp="0" type="twoTxTwoObj" preserve="1">
   <p:cSld name="Comparison">
+    <p:bg>
+      <p:bgRef idx="1003">
+        <a:schemeClr val="bg1"/>
+      </p:bgRef>
+    </p:bg>
     <p:spTree>
       <p:nvGrpSpPr>
         <p:cNvPr id="1" name=""/>
@@ -2095,7 +2043,6 @@
             <a:lvl1pPr>
               <a:defRPr/>
             </a:lvl1pPr>
-            <a:extLst/>
           </a:lstStyle>
           <a:p>
             <a:r>
@@ -2158,7 +2105,6 @@
               <a:buNone/>
               <a:defRPr sz="1600" b="1"/>
             </a:lvl5pPr>
-            <a:extLst/>
           </a:lstStyle>
           <a:p>
             <a:pPr lvl="0" eaLnBrk="1" latinLnBrk="0" hangingPunct="1"/>
@@ -2221,7 +2167,6 @@
               <a:buNone/>
               <a:defRPr sz="1600" b="1"/>
             </a:lvl5pPr>
-            <a:extLst/>
           </a:lstStyle>
           <a:p>
             <a:pPr lvl="0" eaLnBrk="1" latinLnBrk="0" hangingPunct="1"/>
@@ -2271,7 +2216,6 @@
             <a:lvl5pPr>
               <a:defRPr sz="1600"/>
             </a:lvl5pPr>
-            <a:extLst/>
           </a:lstStyle>
           <a:p>
             <a:pPr lvl="0" eaLnBrk="1" latinLnBrk="0" hangingPunct="1"/>
@@ -2353,7 +2297,6 @@
             <a:lvl5pPr>
               <a:defRPr sz="1600"/>
             </a:lvl5pPr>
-            <a:extLst/>
           </a:lstStyle>
           <a:p>
             <a:pPr lvl="0" eaLnBrk="1" latinLnBrk="0" hangingPunct="1"/>
@@ -2406,14 +2349,12 @@
         <p:spPr/>
         <p:txBody>
           <a:bodyPr/>
-          <a:lstStyle>
-            <a:extLst/>
-          </a:lstStyle>
+          <a:lstStyle/>
           <a:p>
             <a:fld id="{8900D071-D45E-4DB1-8026-6607FD7943F8}" type="datetimeFigureOut">
               <a:rPr lang="lt-LT" smtClean="0"/>
               <a:pPr/>
-              <a:t>2009.01.25</a:t>
+              <a:t>1/25/09</a:t>
             </a:fld>
             <a:endParaRPr lang="lt-LT"/>
           </a:p>
@@ -2432,9 +2373,7 @@
         <p:spPr/>
         <p:txBody>
           <a:bodyPr/>
-          <a:lstStyle>
-            <a:extLst/>
-          </a:lstStyle>
+          <a:lstStyle/>
           <a:p>
             <a:endParaRPr lang="lt-LT"/>
           </a:p>
@@ -2453,9 +2392,7 @@
         <p:spPr/>
         <p:txBody>
           <a:bodyPr/>
-          <a:lstStyle>
-            <a:extLst/>
-          </a:lstStyle>
+          <a:lstStyle/>
           <a:p>
             <a:fld id="{D01D3B16-9DD8-4C37-8DF4-243418B31B2B}" type="slidenum">
               <a:rPr lang="lt-LT" smtClean="0"/>
@@ -2469,14 +2406,19 @@
     </p:spTree>
   </p:cSld>
   <p:clrMapOvr>
-    <a:masterClrMapping/>
+    <a:overrideClrMapping bg1="lt1" tx1="dk1" bg2="lt2" tx2="dk2" accent1="accent1" accent2="accent2" accent3="accent3" accent4="accent4" accent5="accent5" accent6="accent6" hlink="hlink" folHlink="folHlink"/>
   </p:clrMapOvr>
 </p:sldLayout>
 </file>
 
 <file path=ppt/slideLayouts/slideLayout6.xml><?xml version="1.0" encoding="utf-8"?>
-<p:sldLayout xmlns:a="http://schemas.openxmlformats.org/drawingml/2006/main" xmlns:r="http://schemas.openxmlformats.org/officeDocument/2006/relationships" xmlns:p="http://schemas.openxmlformats.org/presentationml/2006/main" type="titleOnly" preserve="1">
+<p:sldLayout xmlns:a="http://schemas.openxmlformats.org/drawingml/2006/main" xmlns:r="http://schemas.openxmlformats.org/officeDocument/2006/relationships" xmlns:mc="http://schemas.openxmlformats.org/markup-compatibility/2006" xmlns:mv="urn:schemas-microsoft-com:mac:vml" xmlns:p="http://schemas.openxmlformats.org/presentationml/2006/main" mc:Ignorable="mv" mc:PreserveAttributes="mv:*" type="titleOnly" preserve="1">
   <p:cSld name="Title Only">
+    <p:bg>
+      <p:bgRef idx="1002">
+        <a:schemeClr val="bg1"/>
+      </p:bgRef>
+    </p:bg>
     <p:spTree>
       <p:nvGrpSpPr>
         <p:cNvPr id="1" name=""/>
@@ -2504,14 +2446,12 @@
         <p:spPr/>
         <p:txBody>
           <a:bodyPr/>
-          <a:lstStyle>
-            <a:extLst/>
-          </a:lstStyle>
+          <a:lstStyle/>
           <a:p>
             <a:fld id="{8900D071-D45E-4DB1-8026-6607FD7943F8}" type="datetimeFigureOut">
               <a:rPr lang="lt-LT" smtClean="0"/>
               <a:pPr/>
-              <a:t>2009.01.25</a:t>
+              <a:t>1/25/09</a:t>
             </a:fld>
             <a:endParaRPr lang="lt-LT"/>
           </a:p>
@@ -2530,9 +2470,7 @@
         <p:spPr/>
         <p:txBody>
           <a:bodyPr/>
-          <a:lstStyle>
-            <a:extLst/>
-          </a:lstStyle>
+          <a:lstStyle/>
           <a:p>
             <a:endParaRPr lang="lt-LT"/>
           </a:p>
@@ -2551,9 +2489,7 @@
         <p:spPr/>
         <p:txBody>
           <a:bodyPr/>
-          <a:lstStyle>
-            <a:extLst/>
-          </a:lstStyle>
+          <a:lstStyle/>
           <a:p>
             <a:fld id="{D01D3B16-9DD8-4C37-8DF4-243418B31B2B}" type="slidenum">
               <a:rPr lang="lt-LT" smtClean="0"/>
@@ -2577,9 +2513,7 @@
         <p:spPr/>
         <p:txBody>
           <a:bodyPr rtlCol="0"/>
-          <a:lstStyle>
-            <a:extLst/>
-          </a:lstStyle>
+          <a:lstStyle/>
           <a:p>
             <a:r>
               <a:rPr kumimoji="0" lang="en-US" smtClean="0"/>
@@ -2592,13 +2526,13 @@
     </p:spTree>
   </p:cSld>
   <p:clrMapOvr>
-    <a:masterClrMapping/>
+    <a:overrideClrMapping bg1="dk1" tx1="lt1" bg2="dk2" tx2="lt2" accent1="accent1" accent2="accent2" accent3="accent3" accent4="accent4" accent5="accent5" accent6="accent6" hlink="hlink" folHlink="folHlink"/>
   </p:clrMapOvr>
 </p:sldLayout>
 </file>
 
 <file path=ppt/slideLayouts/slideLayout7.xml><?xml version="1.0" encoding="utf-8"?>
-<p:sldLayout xmlns:a="http://schemas.openxmlformats.org/drawingml/2006/main" xmlns:r="http://schemas.openxmlformats.org/officeDocument/2006/relationships" xmlns:p="http://schemas.openxmlformats.org/presentationml/2006/main" type="blank" preserve="1">
+<p:sldLayout xmlns:a="http://schemas.openxmlformats.org/drawingml/2006/main" xmlns:r="http://schemas.openxmlformats.org/officeDocument/2006/relationships" xmlns:mc="http://schemas.openxmlformats.org/markup-compatibility/2006" xmlns:mv="urn:schemas-microsoft-com:mac:vml" xmlns:p="http://schemas.openxmlformats.org/presentationml/2006/main" mc:Ignorable="mv" mc:PreserveAttributes="mv:*" type="blank" preserve="1">
   <p:cSld name="Blank">
     <p:spTree>
       <p:nvGrpSpPr>
@@ -2627,14 +2561,12 @@
         <p:spPr/>
         <p:txBody>
           <a:bodyPr/>
-          <a:lstStyle>
-            <a:extLst/>
-          </a:lstStyle>
+          <a:lstStyle/>
           <a:p>
             <a:fld id="{8900D071-D45E-4DB1-8026-6607FD7943F8}" type="datetimeFigureOut">
               <a:rPr lang="lt-LT" smtClean="0"/>
               <a:pPr/>
-              <a:t>2009.01.25</a:t>
+              <a:t>1/25/09</a:t>
             </a:fld>
             <a:endParaRPr lang="lt-LT"/>
           </a:p>
@@ -2653,9 +2585,7 @@
         <p:spPr/>
         <p:txBody>
           <a:bodyPr/>
-          <a:lstStyle>
-            <a:extLst/>
-          </a:lstStyle>
+          <a:lstStyle/>
           <a:p>
             <a:endParaRPr lang="lt-LT"/>
           </a:p>
@@ -2674,9 +2604,7 @@
         <p:spPr/>
         <p:txBody>
           <a:bodyPr/>
-          <a:lstStyle>
-            <a:extLst/>
-          </a:lstStyle>
+          <a:lstStyle/>
           <a:p>
             <a:fld id="{D01D3B16-9DD8-4C37-8DF4-243418B31B2B}" type="slidenum">
               <a:rPr lang="lt-LT" smtClean="0"/>
@@ -2696,8 +2624,13 @@
 </file>
 
 <file path=ppt/slideLayouts/slideLayout8.xml><?xml version="1.0" encoding="utf-8"?>
-<p:sldLayout xmlns:a="http://schemas.openxmlformats.org/drawingml/2006/main" xmlns:r="http://schemas.openxmlformats.org/officeDocument/2006/relationships" xmlns:p="http://schemas.openxmlformats.org/presentationml/2006/main" showMasterSp="0" type="objTx" preserve="1">
+<p:sldLayout xmlns:a="http://schemas.openxmlformats.org/drawingml/2006/main" xmlns:r="http://schemas.openxmlformats.org/officeDocument/2006/relationships" xmlns:mc="http://schemas.openxmlformats.org/markup-compatibility/2006" xmlns:mv="urn:schemas-microsoft-com:mac:vml" xmlns:p="http://schemas.openxmlformats.org/presentationml/2006/main" mc:Ignorable="mv" mc:PreserveAttributes="mv:*" showMasterSp="0" type="objTx" preserve="1">
   <p:cSld name="Content with Caption">
+    <p:bg>
+      <p:bgRef idx="1003">
+        <a:schemeClr val="bg1"/>
+      </p:bgRef>
+    </p:bg>
     <p:spTree>
       <p:nvGrpSpPr>
         <p:cNvPr id="1" name=""/>
@@ -2745,7 +2678,6 @@
                 <a:effectLst/>
               </a:defRPr>
             </a:lvl1pPr>
-            <a:extLst/>
           </a:lstStyle>
           <a:p>
             <a:r>
@@ -2795,7 +2727,6 @@
               <a:buNone/>
               <a:defRPr sz="900"/>
             </a:lvl5pPr>
-            <a:extLst/>
           </a:lstStyle>
           <a:p>
             <a:pPr lvl="0" eaLnBrk="1" latinLnBrk="0" hangingPunct="1"/>
@@ -2840,7 +2771,6 @@
             <a:lvl5pPr>
               <a:defRPr sz="2000"/>
             </a:lvl5pPr>
-            <a:extLst/>
           </a:lstStyle>
           <a:p>
             <a:pPr lvl="0" eaLnBrk="1" latinLnBrk="0" hangingPunct="1"/>
@@ -2898,14 +2828,12 @@
         </p:spPr>
         <p:txBody>
           <a:bodyPr/>
-          <a:lstStyle>
-            <a:extLst/>
-          </a:lstStyle>
+          <a:lstStyle/>
           <a:p>
             <a:fld id="{8900D071-D45E-4DB1-8026-6607FD7943F8}" type="datetimeFigureOut">
               <a:rPr lang="lt-LT" smtClean="0"/>
               <a:pPr/>
-              <a:t>2009.01.25</a:t>
+              <a:t>1/25/09</a:t>
             </a:fld>
             <a:endParaRPr lang="lt-LT"/>
           </a:p>
@@ -2924,9 +2852,7 @@
         <p:spPr/>
         <p:txBody>
           <a:bodyPr/>
-          <a:lstStyle>
-            <a:extLst/>
-          </a:lstStyle>
+          <a:lstStyle/>
           <a:p>
             <a:endParaRPr lang="lt-LT"/>
           </a:p>
@@ -2945,9 +2871,7 @@
         <p:spPr/>
         <p:txBody>
           <a:bodyPr/>
-          <a:lstStyle>
-            <a:extLst/>
-          </a:lstStyle>
+          <a:lstStyle/>
           <a:p>
             <a:fld id="{D01D3B16-9DD8-4C37-8DF4-243418B31B2B}" type="slidenum">
               <a:rPr lang="lt-LT" smtClean="0"/>
@@ -2961,14 +2885,19 @@
     </p:spTree>
   </p:cSld>
   <p:clrMapOvr>
-    <a:masterClrMapping/>
+    <a:overrideClrMapping bg1="lt1" tx1="dk1" bg2="lt2" tx2="dk2" accent1="accent1" accent2="accent2" accent3="accent3" accent4="accent4" accent5="accent5" accent6="accent6" hlink="hlink" folHlink="folHlink"/>
   </p:clrMapOvr>
 </p:sldLayout>
 </file>
 
 <file path=ppt/slideLayouts/slideLayout9.xml><?xml version="1.0" encoding="utf-8"?>
-<p:sldLayout xmlns:a="http://schemas.openxmlformats.org/drawingml/2006/main" xmlns:r="http://schemas.openxmlformats.org/officeDocument/2006/relationships" xmlns:p="http://schemas.openxmlformats.org/presentationml/2006/main" showMasterSp="0" type="picTx" preserve="1">
+<p:sldLayout xmlns:a="http://schemas.openxmlformats.org/drawingml/2006/main" xmlns:r="http://schemas.openxmlformats.org/officeDocument/2006/relationships" xmlns:mc="http://schemas.openxmlformats.org/markup-compatibility/2006" xmlns:mv="urn:schemas-microsoft-com:mac:vml" xmlns:p="http://schemas.openxmlformats.org/presentationml/2006/main" mc:Ignorable="mv" mc:PreserveAttributes="mv:*" showMasterSp="0" type="picTx" preserve="1">
   <p:cSld name="Picture with Caption">
+    <p:bg>
+      <p:bgRef idx="1002">
+        <a:schemeClr val="bg1"/>
+      </p:bgRef>
+    </p:bg>
     <p:spTree>
       <p:nvGrpSpPr>
         <p:cNvPr id="1" name=""/>
@@ -3019,7 +2948,6 @@
             <a:lvl5pPr>
               <a:defRPr sz="900"/>
             </a:lvl5pPr>
-            <a:extLst/>
           </a:lstStyle>
           <a:p>
             <a:pPr lvl="0" eaLnBrk="1" latinLnBrk="0" hangingPunct="1"/>
@@ -3069,7 +2997,6 @@
               <a:buNone/>
               <a:defRPr sz="3200"/>
             </a:lvl1pPr>
-            <a:extLst/>
           </a:lstStyle>
           <a:p>
             <a:r>
@@ -3101,13 +3028,12 @@
                 </a:solidFill>
               </a:defRPr>
             </a:lvl1pPr>
-            <a:extLst/>
           </a:lstStyle>
           <a:p>
             <a:fld id="{8900D071-D45E-4DB1-8026-6607FD7943F8}" type="datetimeFigureOut">
               <a:rPr lang="lt-LT" smtClean="0"/>
               <a:pPr/>
-              <a:t>2009.01.25</a:t>
+              <a:t>1/25/09</a:t>
             </a:fld>
             <a:endParaRPr lang="lt-LT"/>
           </a:p>
@@ -3139,7 +3065,6 @@
                 </a:solidFill>
               </a:defRPr>
             </a:lvl1pPr>
-            <a:extLst/>
           </a:lstStyle>
           <a:p>
             <a:endParaRPr lang="lt-LT"/>
@@ -3167,7 +3092,6 @@
                 </a:solidFill>
               </a:defRPr>
             </a:lvl1pPr>
-            <a:extLst/>
           </a:lstStyle>
           <a:p>
             <a:fld id="{D01D3B16-9DD8-4C37-8DF4-243418B31B2B}" type="slidenum">
@@ -3216,7 +3140,6 @@
                 </a:effectLst>
               </a:defRPr>
             </a:lvl1pPr>
-            <a:extLst/>
           </a:lstStyle>
           <a:p>
             <a:r>
@@ -3303,9 +3226,7 @@
         </p:spPr>
         <p:txBody>
           <a:bodyPr vert="horz" wrap="square" lIns="91440" tIns="45720" rIns="91440" bIns="45720" anchor="t" compatLnSpc="1"/>
-          <a:lstStyle>
-            <a:extLst/>
-          </a:lstStyle>
+          <a:lstStyle/>
           <a:p>
             <a:endParaRPr kumimoji="0" lang="en-US" dirty="0"/>
           </a:p>
@@ -3385,9 +3306,7 @@
         </p:spPr>
         <p:txBody>
           <a:bodyPr vert="horz" wrap="square" lIns="91440" tIns="45720" rIns="91440" bIns="45720" anchor="t" compatLnSpc="1"/>
-          <a:lstStyle>
-            <a:extLst/>
-          </a:lstStyle>
+          <a:lstStyle/>
           <a:p>
             <a:endParaRPr kumimoji="0" lang="en-US" dirty="0"/>
           </a:p>
@@ -3495,9 +3414,7 @@
         </p:style>
         <p:txBody>
           <a:bodyPr vert="horz" wrap="square" lIns="91440" tIns="45720" rIns="91440" bIns="45720" anchor="ctr" compatLnSpc="1"/>
-          <a:lstStyle>
-            <a:extLst/>
-          </a:lstStyle>
+          <a:lstStyle/>
           <a:p>
             <a:pPr algn="ctr" eaLnBrk="1" latinLnBrk="0" hangingPunct="1"/>
             <a:endParaRPr kumimoji="0" lang="en-US" dirty="0"/>
@@ -3628,9 +3545,7 @@
         </p:style>
         <p:txBody>
           <a:bodyPr anchor="ctr"/>
-          <a:lstStyle>
-            <a:extLst/>
-          </a:lstStyle>
+          <a:lstStyle/>
           <a:p>
             <a:pPr algn="l" eaLnBrk="1" latinLnBrk="0" hangingPunct="1"/>
             <a:endParaRPr kumimoji="0" lang="en-US" dirty="0"/>
@@ -3708,9 +3623,7 @@
         </p:style>
         <p:txBody>
           <a:bodyPr anchor="ctr"/>
-          <a:lstStyle>
-            <a:extLst/>
-          </a:lstStyle>
+          <a:lstStyle/>
           <a:p>
             <a:pPr algn="l" eaLnBrk="1" latinLnBrk="0" hangingPunct="1"/>
             <a:endParaRPr kumimoji="0" lang="en-US" dirty="0"/>
@@ -3720,13 +3633,13 @@
     </p:spTree>
   </p:cSld>
   <p:clrMapOvr>
-    <a:masterClrMapping/>
+    <a:overrideClrMapping bg1="dk1" tx1="lt1" bg2="dk2" tx2="lt2" accent1="accent1" accent2="accent2" accent3="accent3" accent4="accent4" accent5="accent5" accent6="accent6" hlink="hlink" folHlink="folHlink"/>
   </p:clrMapOvr>
 </p:sldLayout>
 </file>
 
 <file path=ppt/slideMasters/slideMaster1.xml><?xml version="1.0" encoding="utf-8"?>
-<p:sldMaster xmlns:a="http://schemas.openxmlformats.org/drawingml/2006/main" xmlns:r="http://schemas.openxmlformats.org/officeDocument/2006/relationships" xmlns:p="http://schemas.openxmlformats.org/presentationml/2006/main">
+<p:sldMaster xmlns:a="http://schemas.openxmlformats.org/drawingml/2006/main" xmlns:r="http://schemas.openxmlformats.org/officeDocument/2006/relationships" xmlns:mc="http://schemas.openxmlformats.org/markup-compatibility/2006" xmlns:mv="urn:schemas-microsoft-com:mac:vml" xmlns:p="http://schemas.openxmlformats.org/presentationml/2006/main" mc:Ignorable="mv" mc:PreserveAttributes="mv:*">
   <p:cSld>
     <p:bg>
       <p:bgRef idx="1001">
@@ -3823,9 +3736,7 @@
         </p:spPr>
         <p:txBody>
           <a:bodyPr vert="horz" wrap="square" lIns="91440" tIns="45720" rIns="91440" bIns="45720" anchor="t" compatLnSpc="1"/>
-          <a:lstStyle>
-            <a:extLst/>
-          </a:lstStyle>
+          <a:lstStyle/>
           <a:p>
             <a:endParaRPr kumimoji="0" lang="en-US" dirty="0"/>
           </a:p>
@@ -3905,9 +3816,7 @@
         </p:spPr>
         <p:txBody>
           <a:bodyPr vert="horz" wrap="square" lIns="91440" tIns="45720" rIns="91440" bIns="45720" anchor="t" compatLnSpc="1"/>
-          <a:lstStyle>
-            <a:extLst/>
-          </a:lstStyle>
+          <a:lstStyle/>
           <a:p>
             <a:endParaRPr kumimoji="0" lang="en-US" dirty="0"/>
           </a:p>
@@ -4015,9 +3924,7 @@
         </p:style>
         <p:txBody>
           <a:bodyPr vert="horz" wrap="square" lIns="91440" tIns="45720" rIns="91440" bIns="45720" anchor="ctr" compatLnSpc="1"/>
-          <a:lstStyle>
-            <a:extLst/>
-          </a:lstStyle>
+          <a:lstStyle/>
           <a:p>
             <a:pPr algn="ctr" eaLnBrk="1" latinLnBrk="0" hangingPunct="1"/>
             <a:endParaRPr kumimoji="0" lang="en-US" dirty="0"/>
@@ -4107,9 +4014,7 @@
               <a:bevelT w="25400" h="25400"/>
             </a:sp3d>
           </a:bodyPr>
-          <a:lstStyle>
-            <a:extLst/>
-          </a:lstStyle>
+          <a:lstStyle/>
           <a:p>
             <a:r>
               <a:rPr kumimoji="0" lang="en-US" smtClean="0"/>
@@ -4142,9 +4047,7 @@
           <a:bodyPr vert="horz">
             <a:normAutofit/>
           </a:bodyPr>
-          <a:lstStyle>
-            <a:extLst/>
-          </a:lstStyle>
+          <a:lstStyle/>
           <a:p>
             <a:pPr lvl="0" eaLnBrk="1" latinLnBrk="0" hangingPunct="1"/>
             <a:r>
@@ -4212,13 +4115,12 @@
                 </a:solidFill>
               </a:defRPr>
             </a:lvl1pPr>
-            <a:extLst/>
           </a:lstStyle>
           <a:p>
             <a:fld id="{8900D071-D45E-4DB1-8026-6607FD7943F8}" type="datetimeFigureOut">
               <a:rPr lang="lt-LT" smtClean="0"/>
               <a:pPr/>
-              <a:t>2009.01.25</a:t>
+              <a:t>1/25/09</a:t>
             </a:fld>
             <a:endParaRPr lang="lt-LT"/>
           </a:p>
@@ -4253,7 +4155,6 @@
                 </a:solidFill>
               </a:defRPr>
             </a:lvl1pPr>
-            <a:extLst/>
           </a:lstStyle>
           <a:p>
             <a:endParaRPr lang="lt-LT"/>
@@ -4289,7 +4190,6 @@
                 </a:solidFill>
               </a:defRPr>
             </a:lvl1pPr>
-            <a:extLst/>
           </a:lstStyle>
           <a:p>
             <a:fld id="{D01D3B16-9DD8-4C37-8DF4-243418B31B2B}" type="slidenum">
@@ -4340,7 +4240,6 @@
           <a:cs typeface="+mj-cs"/>
         </a:defRPr>
       </a:lvl1pPr>
-      <a:extLst/>
     </p:titleStyle>
     <p:bodyStyle>
       <a:lvl1pPr marL="365760" indent="-256032" algn="l" rtl="0" eaLnBrk="1" latinLnBrk="0" hangingPunct="1">
@@ -4510,7 +4409,6 @@
           <a:cs typeface="+mn-cs"/>
         </a:defRPr>
       </a:lvl9pPr>
-      <a:extLst/>
     </p:bodyStyle>
     <p:otherStyle>
       <a:lvl1pPr marL="0" algn="l" rtl="0" eaLnBrk="1" latinLnBrk="0" hangingPunct="1">
@@ -4603,14 +4501,13 @@
           <a:cs typeface="+mn-cs"/>
         </a:defRPr>
       </a:lvl9pPr>
-      <a:extLst/>
     </p:otherStyle>
   </p:txStyles>
 </p:sldMaster>
 </file>
 
 <file path=ppt/slides/slide1.xml><?xml version="1.0" encoding="utf-8"?>
-<p:sld xmlns:a="http://schemas.openxmlformats.org/drawingml/2006/main" xmlns:r="http://schemas.openxmlformats.org/officeDocument/2006/relationships" xmlns:p="http://schemas.openxmlformats.org/presentationml/2006/main">
+<p:sld xmlns:a="http://schemas.openxmlformats.org/drawingml/2006/main" xmlns:r="http://schemas.openxmlformats.org/officeDocument/2006/relationships" xmlns:mc="http://schemas.openxmlformats.org/markup-compatibility/2006" xmlns:mv="urn:schemas-microsoft-com:mac:vml" xmlns:p="http://schemas.openxmlformats.org/presentationml/2006/main" mc:Ignorable="mv" mc:PreserveAttributes="mv:*">
   <p:cSld>
     <p:spTree>
       <p:nvGrpSpPr>
@@ -4707,862 +4604,7 @@
 </file>
 
 <file path=ppt/slides/slide10.xml><?xml version="1.0" encoding="utf-8"?>
-<p:sld xmlns:a="http://schemas.openxmlformats.org/drawingml/2006/main" xmlns:r="http://schemas.openxmlformats.org/officeDocument/2006/relationships" xmlns:p="http://schemas.openxmlformats.org/presentationml/2006/main" showMasterSp="0">
-  <p:cSld>
-    <p:spTree>
-      <p:nvGrpSpPr>
-        <p:cNvPr id="1" name=""/>
-        <p:cNvGrpSpPr/>
-        <p:nvPr/>
-      </p:nvGrpSpPr>
-      <p:grpSpPr>
-        <a:xfrm>
-          <a:off x="0" y="0"/>
-          <a:ext cx="0" cy="0"/>
-          <a:chOff x="0" y="0"/>
-          <a:chExt cx="0" cy="0"/>
-        </a:xfrm>
-      </p:grpSpPr>
-      <p:sp>
-        <p:nvSpPr>
-          <p:cNvPr id="2" name="Content Placeholder 1"/>
-          <p:cNvSpPr>
-            <a:spLocks noGrp="1"/>
-          </p:cNvSpPr>
-          <p:nvPr>
-            <p:ph idx="1"/>
-          </p:nvPr>
-        </p:nvSpPr>
-        <p:spPr>
-          <a:xfrm>
-            <a:off x="785786" y="1357298"/>
-            <a:ext cx="7901014" cy="5500702"/>
-          </a:xfrm>
-        </p:spPr>
-        <p:txBody>
-          <a:bodyPr>
-            <a:noAutofit/>
-          </a:bodyPr>
-          <a:lstStyle/>
-          <a:p>
-            <a:pPr>
-              <a:lnSpc>
-                <a:spcPts val="1200"/>
-              </a:lnSpc>
-              <a:spcBef>
-                <a:spcPts val="0"/>
-              </a:spcBef>
-            </a:pPr>
-            <a:r>
-              <a:rPr lang="lt-LT" sz="1200" i="1" dirty="0" smtClean="0"/>
-              <a:t>HIERARCHY</a:t>
-            </a:r>
-          </a:p>
-          <a:p>
-            <a:pPr>
-              <a:lnSpc>
-                <a:spcPts val="1200"/>
-              </a:lnSpc>
-              <a:spcBef>
-                <a:spcPts val="0"/>
-              </a:spcBef>
-            </a:pPr>
-            <a:r>
-              <a:rPr lang="lt-LT" sz="1200" i="1" dirty="0" smtClean="0"/>
-              <a:t>ROOT Hips</a:t>
-            </a:r>
-          </a:p>
-          <a:p>
-            <a:pPr>
-              <a:lnSpc>
-                <a:spcPts val="1200"/>
-              </a:lnSpc>
-              <a:spcBef>
-                <a:spcPts val="0"/>
-              </a:spcBef>
-            </a:pPr>
-            <a:r>
-              <a:rPr lang="lt-LT" sz="1200" i="1" dirty="0" smtClean="0"/>
-              <a:t>{</a:t>
-            </a:r>
-          </a:p>
-          <a:p>
-            <a:pPr>
-              <a:lnSpc>
-                <a:spcPts val="1200"/>
-              </a:lnSpc>
-              <a:spcBef>
-                <a:spcPts val="0"/>
-              </a:spcBef>
-            </a:pPr>
-            <a:r>
-              <a:rPr lang="lt-LT" sz="1200" i="1" dirty="0" smtClean="0"/>
-              <a:t>  OFFSET 0 34.322 0</a:t>
-            </a:r>
-          </a:p>
-          <a:p>
-            <a:pPr>
-              <a:lnSpc>
-                <a:spcPts val="1200"/>
-              </a:lnSpc>
-              <a:spcBef>
-                <a:spcPts val="0"/>
-              </a:spcBef>
-            </a:pPr>
-            <a:r>
-              <a:rPr lang="lt-LT" sz="1200" i="1" dirty="0" smtClean="0"/>
-              <a:t>  CHANNELS 6 Xposition Yposition Zposition Zrotation Xrotation Yrotation</a:t>
-            </a:r>
-          </a:p>
-          <a:p>
-            <a:pPr>
-              <a:lnSpc>
-                <a:spcPts val="1200"/>
-              </a:lnSpc>
-              <a:spcBef>
-                <a:spcPts val="0"/>
-              </a:spcBef>
-            </a:pPr>
-            <a:r>
-              <a:rPr lang="lt-LT" sz="1200" i="1" dirty="0" smtClean="0"/>
-              <a:t>  JOINT LeftHip</a:t>
-            </a:r>
-          </a:p>
-          <a:p>
-            <a:pPr>
-              <a:lnSpc>
-                <a:spcPts val="1200"/>
-              </a:lnSpc>
-              <a:spcBef>
-                <a:spcPts val="0"/>
-              </a:spcBef>
-            </a:pPr>
-            <a:r>
-              <a:rPr lang="lt-LT" sz="1200" i="1" dirty="0" smtClean="0"/>
-              <a:t>  {</a:t>
-            </a:r>
-          </a:p>
-          <a:p>
-            <a:pPr>
-              <a:lnSpc>
-                <a:spcPts val="1200"/>
-              </a:lnSpc>
-              <a:spcBef>
-                <a:spcPts val="0"/>
-              </a:spcBef>
-            </a:pPr>
-            <a:r>
-              <a:rPr lang="lt-LT" sz="1200" i="1" dirty="0" smtClean="0"/>
-              <a:t>    OFFSET 4.587 -1.043 0</a:t>
-            </a:r>
-          </a:p>
-          <a:p>
-            <a:pPr>
-              <a:lnSpc>
-                <a:spcPts val="1200"/>
-              </a:lnSpc>
-              <a:spcBef>
-                <a:spcPts val="0"/>
-              </a:spcBef>
-            </a:pPr>
-            <a:r>
-              <a:rPr lang="lt-LT" sz="1200" i="1" dirty="0" smtClean="0"/>
-              <a:t>    CHANNELS 3 Zrotation Xrotation Yrotation</a:t>
-            </a:r>
-          </a:p>
-          <a:p>
-            <a:pPr>
-              <a:lnSpc>
-                <a:spcPts val="1200"/>
-              </a:lnSpc>
-              <a:spcBef>
-                <a:spcPts val="0"/>
-              </a:spcBef>
-            </a:pPr>
-            <a:r>
-              <a:rPr lang="lt-LT" sz="1200" i="1" dirty="0" smtClean="0"/>
-              <a:t>    JOINT LeftKnee</a:t>
-            </a:r>
-          </a:p>
-          <a:p>
-            <a:pPr>
-              <a:lnSpc>
-                <a:spcPts val="1200"/>
-              </a:lnSpc>
-              <a:spcBef>
-                <a:spcPts val="0"/>
-              </a:spcBef>
-            </a:pPr>
-            <a:r>
-              <a:rPr lang="lt-LT" sz="1200" i="1" dirty="0" smtClean="0"/>
-              <a:t>    {</a:t>
-            </a:r>
-          </a:p>
-          <a:p>
-            <a:pPr>
-              <a:lnSpc>
-                <a:spcPts val="1200"/>
-              </a:lnSpc>
-              <a:spcBef>
-                <a:spcPts val="0"/>
-              </a:spcBef>
-            </a:pPr>
-            <a:r>
-              <a:rPr lang="lt-LT" sz="1200" i="1" dirty="0" smtClean="0"/>
-              <a:t>      OFFSET 3.09 -15.571 0</a:t>
-            </a:r>
-          </a:p>
-          <a:p>
-            <a:pPr>
-              <a:lnSpc>
-                <a:spcPts val="1200"/>
-              </a:lnSpc>
-              <a:spcBef>
-                <a:spcPts val="0"/>
-              </a:spcBef>
-            </a:pPr>
-            <a:r>
-              <a:rPr lang="lt-LT" sz="1200" i="1" dirty="0" smtClean="0"/>
-              <a:t>      CHANNELS 3 Zrotation Xrotation Yrotation</a:t>
-            </a:r>
-          </a:p>
-          <a:p>
-            <a:pPr>
-              <a:lnSpc>
-                <a:spcPts val="1200"/>
-              </a:lnSpc>
-              <a:spcBef>
-                <a:spcPts val="0"/>
-              </a:spcBef>
-            </a:pPr>
-            <a:r>
-              <a:rPr lang="lt-LT" sz="1200" i="1" dirty="0" smtClean="0"/>
-              <a:t>      JOINT LeftAnkle</a:t>
-            </a:r>
-          </a:p>
-          <a:p>
-            <a:pPr>
-              <a:lnSpc>
-                <a:spcPts val="1200"/>
-              </a:lnSpc>
-              <a:spcBef>
-                <a:spcPts val="0"/>
-              </a:spcBef>
-            </a:pPr>
-            <a:r>
-              <a:rPr lang="lt-LT" sz="1200" i="1" dirty="0" smtClean="0"/>
-              <a:t>      {</a:t>
-            </a:r>
-          </a:p>
-          <a:p>
-            <a:pPr>
-              <a:lnSpc>
-                <a:spcPts val="1200"/>
-              </a:lnSpc>
-              <a:spcBef>
-                <a:spcPts val="0"/>
-              </a:spcBef>
-            </a:pPr>
-            <a:r>
-              <a:rPr lang="lt-LT" sz="1200" i="1" dirty="0" smtClean="0"/>
-              <a:t>        OFFSET 2.179 -16.111 -2.139</a:t>
-            </a:r>
-          </a:p>
-          <a:p>
-            <a:pPr>
-              <a:lnSpc>
-                <a:spcPts val="1200"/>
-              </a:lnSpc>
-              <a:spcBef>
-                <a:spcPts val="0"/>
-              </a:spcBef>
-            </a:pPr>
-            <a:r>
-              <a:rPr lang="lt-LT" sz="1200" i="1" dirty="0" smtClean="0"/>
-              <a:t>        CHANNELS 3 Zrotation Xrotation Yrotation</a:t>
-            </a:r>
-          </a:p>
-          <a:p>
-            <a:pPr>
-              <a:lnSpc>
-                <a:spcPts val="1200"/>
-              </a:lnSpc>
-              <a:spcBef>
-                <a:spcPts val="0"/>
-              </a:spcBef>
-            </a:pPr>
-            <a:r>
-              <a:rPr lang="lt-LT" sz="1200" i="1" dirty="0" smtClean="0"/>
-              <a:t>        JOINT LeftAnkle_End</a:t>
-            </a:r>
-          </a:p>
-          <a:p>
-            <a:pPr>
-              <a:lnSpc>
-                <a:spcPts val="1200"/>
-              </a:lnSpc>
-              <a:spcBef>
-                <a:spcPts val="0"/>
-              </a:spcBef>
-            </a:pPr>
-            <a:r>
-              <a:rPr lang="lt-LT" sz="1200" i="1" dirty="0" smtClean="0"/>
-              <a:t>        {</a:t>
-            </a:r>
-          </a:p>
-          <a:p>
-            <a:pPr>
-              <a:lnSpc>
-                <a:spcPts val="1200"/>
-              </a:lnSpc>
-              <a:spcBef>
-                <a:spcPts val="0"/>
-              </a:spcBef>
-            </a:pPr>
-            <a:r>
-              <a:rPr lang="lt-LT" sz="1200" i="1" dirty="0" smtClean="0"/>
-              <a:t>          OFFSET 0 -0.867 1.597</a:t>
-            </a:r>
-          </a:p>
-          <a:p>
-            <a:pPr>
-              <a:lnSpc>
-                <a:spcPts val="1200"/>
-              </a:lnSpc>
-              <a:spcBef>
-                <a:spcPts val="0"/>
-              </a:spcBef>
-            </a:pPr>
-            <a:r>
-              <a:rPr lang="lt-LT" sz="1200" i="1" dirty="0" smtClean="0"/>
-              <a:t>          CHANNELS 3 Zrotation Xrotation Yrotation</a:t>
-            </a:r>
-          </a:p>
-          <a:p>
-            <a:pPr>
-              <a:lnSpc>
-                <a:spcPts val="1200"/>
-              </a:lnSpc>
-              <a:spcBef>
-                <a:spcPts val="0"/>
-              </a:spcBef>
-            </a:pPr>
-            <a:r>
-              <a:rPr lang="lt-LT" sz="1200" i="1" dirty="0" smtClean="0"/>
-              <a:t>          End Site</a:t>
-            </a:r>
-          </a:p>
-          <a:p>
-            <a:pPr>
-              <a:lnSpc>
-                <a:spcPts val="1200"/>
-              </a:lnSpc>
-              <a:spcBef>
-                <a:spcPts val="0"/>
-              </a:spcBef>
-            </a:pPr>
-            <a:r>
-              <a:rPr lang="lt-LT" sz="1200" i="1" dirty="0" smtClean="0"/>
-              <a:t>          {</a:t>
-            </a:r>
-          </a:p>
-          <a:p>
-            <a:pPr>
-              <a:lnSpc>
-                <a:spcPts val="1200"/>
-              </a:lnSpc>
-              <a:spcBef>
-                <a:spcPts val="0"/>
-              </a:spcBef>
-            </a:pPr>
-            <a:r>
-              <a:rPr lang="lt-LT" sz="1200" i="1" dirty="0" smtClean="0"/>
-              <a:t>            OFFSET 1 0 0</a:t>
-            </a:r>
-          </a:p>
-          <a:p>
-            <a:pPr>
-              <a:lnSpc>
-                <a:spcPts val="1200"/>
-              </a:lnSpc>
-              <a:spcBef>
-                <a:spcPts val="0"/>
-              </a:spcBef>
-            </a:pPr>
-            <a:r>
-              <a:rPr lang="lt-LT" sz="1200" i="1" dirty="0" smtClean="0"/>
-              <a:t>          }</a:t>
-            </a:r>
-          </a:p>
-          <a:p>
-            <a:pPr>
-              <a:lnSpc>
-                <a:spcPts val="1200"/>
-              </a:lnSpc>
-              <a:spcBef>
-                <a:spcPts val="0"/>
-              </a:spcBef>
-            </a:pPr>
-            <a:r>
-              <a:rPr lang="lt-LT" sz="1200" i="1" dirty="0" smtClean="0"/>
-              <a:t>        }</a:t>
-            </a:r>
-          </a:p>
-          <a:p>
-            <a:pPr>
-              <a:lnSpc>
-                <a:spcPts val="1200"/>
-              </a:lnSpc>
-              <a:spcBef>
-                <a:spcPts val="0"/>
-              </a:spcBef>
-            </a:pPr>
-            <a:r>
-              <a:rPr lang="lt-LT" sz="1200" i="1" dirty="0" smtClean="0"/>
-              <a:t>      }</a:t>
-            </a:r>
-          </a:p>
-          <a:p>
-            <a:pPr>
-              <a:lnSpc>
-                <a:spcPts val="1200"/>
-              </a:lnSpc>
-              <a:spcBef>
-                <a:spcPts val="0"/>
-              </a:spcBef>
-            </a:pPr>
-            <a:r>
-              <a:rPr lang="lt-LT" sz="1200" i="1" dirty="0" smtClean="0"/>
-              <a:t>    }</a:t>
-            </a:r>
-          </a:p>
-          <a:p>
-            <a:pPr>
-              <a:lnSpc>
-                <a:spcPts val="1200"/>
-              </a:lnSpc>
-              <a:spcBef>
-                <a:spcPts val="0"/>
-              </a:spcBef>
-            </a:pPr>
-            <a:r>
-              <a:rPr lang="lt-LT" sz="1200" i="1" dirty="0" smtClean="0"/>
-              <a:t>  }</a:t>
-            </a:r>
-          </a:p>
-          <a:p>
-            <a:pPr>
-              <a:lnSpc>
-                <a:spcPts val="1200"/>
-              </a:lnSpc>
-              <a:spcBef>
-                <a:spcPts val="0"/>
-              </a:spcBef>
-            </a:pPr>
-            <a:r>
-              <a:rPr lang="lt-LT" sz="1200" i="1" dirty="0" smtClean="0"/>
-              <a:t>  JOINT RightHip</a:t>
-            </a:r>
-          </a:p>
-          <a:p>
-            <a:pPr>
-              <a:lnSpc>
-                <a:spcPts val="1200"/>
-              </a:lnSpc>
-              <a:spcBef>
-                <a:spcPts val="0"/>
-              </a:spcBef>
-            </a:pPr>
-            <a:r>
-              <a:rPr lang="lt-LT" sz="1200" i="1" dirty="0" smtClean="0"/>
-              <a:t>  {</a:t>
-            </a:r>
-          </a:p>
-          <a:p>
-            <a:pPr>
-              <a:lnSpc>
-                <a:spcPts val="1200"/>
-              </a:lnSpc>
-              <a:spcBef>
-                <a:spcPts val="0"/>
-              </a:spcBef>
-            </a:pPr>
-            <a:r>
-              <a:rPr lang="lt-LT" sz="1200" i="1" dirty="0" smtClean="0"/>
-              <a:t>	...</a:t>
-            </a:r>
-          </a:p>
-          <a:p>
-            <a:pPr>
-              <a:lnSpc>
-                <a:spcPts val="1200"/>
-              </a:lnSpc>
-              <a:spcBef>
-                <a:spcPts val="0"/>
-              </a:spcBef>
-            </a:pPr>
-            <a:r>
-              <a:rPr lang="lt-LT" sz="1200" i="1" dirty="0" smtClean="0"/>
-              <a:t>  }</a:t>
-            </a:r>
-          </a:p>
-          <a:p>
-            <a:pPr>
-              <a:lnSpc>
-                <a:spcPts val="1200"/>
-              </a:lnSpc>
-              <a:spcBef>
-                <a:spcPts val="0"/>
-              </a:spcBef>
-            </a:pPr>
-            <a:r>
-              <a:rPr lang="lt-LT" sz="1200" i="1" dirty="0" smtClean="0"/>
-              <a:t>  ...</a:t>
-            </a:r>
-          </a:p>
-          <a:p>
-            <a:pPr>
-              <a:lnSpc>
-                <a:spcPts val="1200"/>
-              </a:lnSpc>
-              <a:spcBef>
-                <a:spcPts val="0"/>
-              </a:spcBef>
-            </a:pPr>
-            <a:r>
-              <a:rPr lang="lt-LT" sz="1200" i="1" dirty="0" smtClean="0"/>
-              <a:t>}</a:t>
-            </a:r>
-          </a:p>
-        </p:txBody>
-      </p:sp>
-      <p:sp>
-        <p:nvSpPr>
-          <p:cNvPr id="3" name="Title 2"/>
-          <p:cNvSpPr>
-            <a:spLocks noGrp="1"/>
-          </p:cNvSpPr>
-          <p:nvPr>
-            <p:ph type="title"/>
-          </p:nvPr>
-        </p:nvSpPr>
-        <p:spPr/>
-        <p:txBody>
-          <a:bodyPr>
-            <a:normAutofit fontScale="90000"/>
-          </a:bodyPr>
-          <a:lstStyle/>
-          <a:p>
-            <a:r>
-              <a:rPr lang="lt-LT" dirty="0" smtClean="0"/>
-              <a:t>Motion data</a:t>
-            </a:r>
-            <a:r>
-              <a:rPr lang="en-US" dirty="0" smtClean="0"/>
-              <a:t/>
-            </a:r>
-            <a:br>
-              <a:rPr lang="en-US" dirty="0" smtClean="0"/>
-            </a:br>
-            <a:r>
-              <a:rPr lang="en-US" dirty="0" smtClean="0"/>
-              <a:t>BVH Hierarchy section</a:t>
-            </a:r>
-            <a:endParaRPr lang="lt-LT" dirty="0"/>
-          </a:p>
-        </p:txBody>
-      </p:sp>
-    </p:spTree>
-  </p:cSld>
-  <p:clrMapOvr>
-    <a:masterClrMapping/>
-  </p:clrMapOvr>
-  <p:timing>
-    <p:tnLst>
-      <p:par>
-        <p:cTn id="1" dur="indefinite" restart="never" nodeType="tmRoot"/>
-      </p:par>
-    </p:tnLst>
-  </p:timing>
-</p:sld>
-</file>
-
-<file path=ppt/slides/slide11.xml><?xml version="1.0" encoding="utf-8"?>
-<p:sld xmlns:a="http://schemas.openxmlformats.org/drawingml/2006/main" xmlns:r="http://schemas.openxmlformats.org/officeDocument/2006/relationships" xmlns:p="http://schemas.openxmlformats.org/presentationml/2006/main">
-  <p:cSld>
-    <p:spTree>
-      <p:nvGrpSpPr>
-        <p:cNvPr id="1" name=""/>
-        <p:cNvGrpSpPr/>
-        <p:nvPr/>
-      </p:nvGrpSpPr>
-      <p:grpSpPr>
-        <a:xfrm>
-          <a:off x="0" y="0"/>
-          <a:ext cx="0" cy="0"/>
-          <a:chOff x="0" y="0"/>
-          <a:chExt cx="0" cy="0"/>
-        </a:xfrm>
-      </p:grpSpPr>
-      <p:sp>
-        <p:nvSpPr>
-          <p:cNvPr id="2" name="Content Placeholder 1"/>
-          <p:cNvSpPr>
-            <a:spLocks noGrp="1"/>
-          </p:cNvSpPr>
-          <p:nvPr>
-            <p:ph idx="1"/>
-          </p:nvPr>
-        </p:nvSpPr>
-        <p:spPr/>
-        <p:txBody>
-          <a:bodyPr>
-            <a:normAutofit fontScale="85000" lnSpcReduction="20000"/>
-          </a:bodyPr>
-          <a:lstStyle/>
-          <a:p>
-            <a:r>
-              <a:rPr lang="lt-LT" sz="2400" i="1" dirty="0" smtClean="0"/>
-              <a:t>Frames: 1289</a:t>
-            </a:r>
-          </a:p>
-          <a:p>
-            <a:r>
-              <a:rPr lang="lt-LT" sz="2400" i="1" dirty="0" smtClean="0"/>
-              <a:t>Frame Time: 0.033333</a:t>
-            </a:r>
-          </a:p>
-          <a:p>
-            <a:r>
-              <a:rPr lang="lt-LT" sz="1800" i="1" dirty="0" smtClean="0"/>
-              <a:t>19.8598 80.309 -11.521 -0.661911 0.799904 171.213 -1.85002 2.52617 10.7515 3.17067 -1.01583e-010 -10.2854 -1.58501 -1.94847 -0.0287346 0 0 0 -0.0555542 2.6936 -11.4833 -0.562183 1.22223e-006 11.8361 0.284375 -1.65435 -0.00579677 0 0 0 -1.25693 6.24787 -0.51793 3.27727 -16.0419 -1.36162 14.6579 0.0301162 -3.60178 -5.21488 6.12318 -3.03665 2.47876 0.000451064 -6.17142e-006 -0.509607 -8.47663 0.248473 0 0 0 -15.7988 1.60936 -7.32667 1.93902 -8.80292 5.13737 -1.30308 7.39538e-009 8.53796e-007 0.267783 -4.03835 0.26339 0 0 0 0.258752 -0.0812672 0.831621 12.5445 1.71161 -2.09692 0 0 0</a:t>
-            </a:r>
-            <a:endParaRPr lang="en-US" sz="1800" i="1" dirty="0" smtClean="0"/>
-          </a:p>
-          <a:p>
-            <a:r>
-              <a:rPr lang="en-US" sz="1800" i="1" dirty="0" smtClean="0"/>
-              <a:t>19.8771 80.2868 -11.5326 -0.700186 0.756134 171.114 -1.84667 2.51303 10.794 3.13528 -1.01593e-010 -10.2526 -1.58653 -1.95993 -0.0287348 0 0 0 -0.0627105 2.65564 -11.4946 -0.56617 1.2219e-006 11.9114 0.31303 -1.66464 -0.0057968 0 0 0 -1.29175 6.15499 -0.450865 3.47648 -15.6579 -1.30103 14.4269 0.0330917 -3.62714 -5.39613 6.06833 -2.95956 2.27028 0.000451064 -6.17142e-006 -0.527485 -7.40878 0.0488122 0 0 0 -15.6207 1.62543 -7.46368 1.75456 -9.10966 5.12076 -1.08476 7.39538e-009 8.53796e-007 0.274961 -4.00089 0.215719 0 0 0 0.444407 -0.387448 0.74024 12.1183 2.50324 -2.11188 0 0 0</a:t>
-            </a:r>
-          </a:p>
-          <a:p>
-            <a:r>
-              <a:rPr lang="en-US" sz="1800" i="1" dirty="0" smtClean="0"/>
-              <a:t>…</a:t>
-            </a:r>
-            <a:endParaRPr lang="lt-LT" sz="1800" i="1" dirty="0" smtClean="0"/>
-          </a:p>
-        </p:txBody>
-      </p:sp>
-      <p:sp>
-        <p:nvSpPr>
-          <p:cNvPr id="3" name="Title 2"/>
-          <p:cNvSpPr>
-            <a:spLocks noGrp="1"/>
-          </p:cNvSpPr>
-          <p:nvPr>
-            <p:ph type="title"/>
-          </p:nvPr>
-        </p:nvSpPr>
-        <p:spPr/>
-        <p:txBody>
-          <a:bodyPr>
-            <a:normAutofit fontScale="90000"/>
-          </a:bodyPr>
-          <a:lstStyle/>
-          <a:p>
-            <a:r>
-              <a:rPr lang="lt-LT" dirty="0" smtClean="0"/>
-              <a:t>Motion data</a:t>
-            </a:r>
-            <a:r>
-              <a:rPr lang="en-US" dirty="0" smtClean="0"/>
-              <a:t/>
-            </a:r>
-            <a:br>
-              <a:rPr lang="en-US" dirty="0" smtClean="0"/>
-            </a:br>
-            <a:r>
-              <a:rPr lang="en-US" dirty="0" smtClean="0"/>
-              <a:t>BVH Motion section</a:t>
-            </a:r>
-            <a:endParaRPr lang="lt-LT" dirty="0"/>
-          </a:p>
-        </p:txBody>
-      </p:sp>
-    </p:spTree>
-  </p:cSld>
-  <p:clrMapOvr>
-    <a:masterClrMapping/>
-  </p:clrMapOvr>
-  <p:timing>
-    <p:tnLst>
-      <p:par>
-        <p:cTn id="1" dur="indefinite" restart="never" nodeType="tmRoot"/>
-      </p:par>
-    </p:tnLst>
-  </p:timing>
-</p:sld>
-</file>
-
-<file path=ppt/slides/slide12.xml><?xml version="1.0" encoding="utf-8"?>
-<p:sld xmlns:a="http://schemas.openxmlformats.org/drawingml/2006/main" xmlns:r="http://schemas.openxmlformats.org/officeDocument/2006/relationships" xmlns:p="http://schemas.openxmlformats.org/presentationml/2006/main" showMasterSp="0" show="0">
-  <p:cSld>
-    <p:spTree>
-      <p:nvGrpSpPr>
-        <p:cNvPr id="1" name=""/>
-        <p:cNvGrpSpPr/>
-        <p:nvPr/>
-      </p:nvGrpSpPr>
-      <p:grpSpPr>
-        <a:xfrm>
-          <a:off x="0" y="0"/>
-          <a:ext cx="0" cy="0"/>
-          <a:chOff x="0" y="0"/>
-          <a:chExt cx="0" cy="0"/>
-        </a:xfrm>
-      </p:grpSpPr>
-      <p:sp>
-        <p:nvSpPr>
-          <p:cNvPr id="2" name="Content Placeholder 1"/>
-          <p:cNvSpPr>
-            <a:spLocks noGrp="1"/>
-          </p:cNvSpPr>
-          <p:nvPr>
-            <p:ph idx="1"/>
-          </p:nvPr>
-        </p:nvSpPr>
-        <p:spPr>
-          <a:xfrm>
-            <a:off x="457200" y="1481328"/>
-            <a:ext cx="8229600" cy="5376672"/>
-          </a:xfrm>
-        </p:spPr>
-        <p:txBody>
-          <a:bodyPr>
-            <a:normAutofit fontScale="77500" lnSpcReduction="20000"/>
-          </a:bodyPr>
-          <a:lstStyle/>
-          <a:p>
-            <a:r>
-              <a:rPr lang="en-US" dirty="0" smtClean="0"/>
-              <a:t>Various motion data file formats are available:</a:t>
-            </a:r>
-          </a:p>
-          <a:p>
-            <a:pPr lvl="1"/>
-            <a:r>
-              <a:rPr lang="en-US" dirty="0" smtClean="0"/>
-              <a:t>C3D – binary format, that stores 3D coordinates and any numerical data.</a:t>
-            </a:r>
-          </a:p>
-          <a:p>
-            <a:pPr lvl="1"/>
-            <a:r>
-              <a:rPr lang="en-US" dirty="0" smtClean="0"/>
-              <a:t>ASF/AMC and BVH – both ASCII and stores data in a hierarchical data structure (i.e. skeleton).</a:t>
-            </a:r>
-          </a:p>
-          <a:p>
-            <a:pPr lvl="1"/>
-            <a:r>
-              <a:rPr lang="en-US" dirty="0" smtClean="0"/>
-              <a:t>FBX – previous file formats were developed specifically for motion capture, this one is for 3D in general. Any previous format can be converted in to this one.</a:t>
-            </a:r>
-          </a:p>
-          <a:p>
-            <a:r>
-              <a:rPr lang="en-US" dirty="0" smtClean="0"/>
-              <a:t>During project we’ve to work with to of these file formats. C3D was data that we got from Vicon IQ software and then, using 3</a:t>
-            </a:r>
-            <a:r>
-              <a:rPr lang="en-US" baseline="30000" dirty="0" smtClean="0"/>
-              <a:t>rd</a:t>
-            </a:r>
-            <a:r>
-              <a:rPr lang="en-US" dirty="0" smtClean="0"/>
-              <a:t> party application it was converted into BVH file. Because BVH was the simplest one of all the mentioned and fulfilled all the requirements – we used it in our application program.</a:t>
-            </a:r>
-          </a:p>
-          <a:p>
-            <a:r>
-              <a:rPr lang="en-US" dirty="0" smtClean="0"/>
-              <a:t>As we had to fully parse and interpret this motion data file – I’ll introduce you to its structure.</a:t>
-            </a:r>
-          </a:p>
-          <a:p>
-            <a:endParaRPr lang="en-US" dirty="0" smtClean="0"/>
-          </a:p>
-          <a:p>
-            <a:r>
-              <a:rPr lang="en-US" b="1" dirty="0" smtClean="0"/>
-              <a:t>Offset – </a:t>
-            </a:r>
-            <a:r>
-              <a:rPr lang="en-US" dirty="0" smtClean="0"/>
-              <a:t>determines initial joint position</a:t>
-            </a:r>
-          </a:p>
-          <a:p>
-            <a:r>
-              <a:rPr lang="en-US" b="1" dirty="0" smtClean="0"/>
-              <a:t>Channels </a:t>
-            </a:r>
-            <a:r>
-              <a:rPr lang="en-US" dirty="0" smtClean="0"/>
-              <a:t>– defines transformation data for the joint in the motion section of the file. </a:t>
-            </a:r>
-          </a:p>
-          <a:p>
-            <a:pPr lvl="1"/>
-            <a:endParaRPr lang="en-US" dirty="0" smtClean="0"/>
-          </a:p>
-          <a:p>
-            <a:pPr lvl="1"/>
-            <a:endParaRPr lang="en-US" dirty="0" smtClean="0"/>
-          </a:p>
-        </p:txBody>
-      </p:sp>
-      <p:sp>
-        <p:nvSpPr>
-          <p:cNvPr id="3" name="Title 2"/>
-          <p:cNvSpPr>
-            <a:spLocks noGrp="1"/>
-          </p:cNvSpPr>
-          <p:nvPr>
-            <p:ph type="title"/>
-          </p:nvPr>
-        </p:nvSpPr>
-        <p:spPr/>
-        <p:txBody>
-          <a:bodyPr>
-            <a:normAutofit/>
-          </a:bodyPr>
-          <a:lstStyle/>
-          <a:p>
-            <a:r>
-              <a:rPr lang="en-US" dirty="0" smtClean="0"/>
-              <a:t>Hidden. </a:t>
-            </a:r>
-            <a:r>
-              <a:rPr lang="en-US" dirty="0" smtClean="0"/>
-              <a:t>Motion data</a:t>
-            </a:r>
-            <a:endParaRPr lang="lt-LT" dirty="0"/>
-          </a:p>
-        </p:txBody>
-      </p:sp>
-    </p:spTree>
-  </p:cSld>
-  <p:clrMapOvr>
-    <a:masterClrMapping/>
-  </p:clrMapOvr>
-  <p:transition/>
-</p:sld>
-</file>
-
-<file path=ppt/slides/slide13.xml><?xml version="1.0" encoding="utf-8"?>
-<p:sld xmlns:a="http://schemas.openxmlformats.org/drawingml/2006/main" xmlns:r="http://schemas.openxmlformats.org/officeDocument/2006/relationships" xmlns:p="http://schemas.openxmlformats.org/presentationml/2006/main">
+<p:sld xmlns:a="http://schemas.openxmlformats.org/drawingml/2006/main" xmlns:r="http://schemas.openxmlformats.org/officeDocument/2006/relationships" xmlns:mc="http://schemas.openxmlformats.org/markup-compatibility/2006" xmlns:mv="urn:schemas-microsoft-com:mac:vml" xmlns:p="http://schemas.openxmlformats.org/presentationml/2006/main" mc:Ignorable="mv" mc:PreserveAttributes="mv:*">
   <p:cSld>
     <p:spTree>
       <p:nvGrpSpPr>
@@ -5663,8 +4705,8 @@
 </p:sld>
 </file>
 
-<file path=ppt/slides/slide14.xml><?xml version="1.0" encoding="utf-8"?>
-<p:sld xmlns:a="http://schemas.openxmlformats.org/drawingml/2006/main" xmlns:r="http://schemas.openxmlformats.org/officeDocument/2006/relationships" xmlns:p="http://schemas.openxmlformats.org/presentationml/2006/main">
+<file path=ppt/slides/slide11.xml><?xml version="1.0" encoding="utf-8"?>
+<p:sld xmlns:a="http://schemas.openxmlformats.org/drawingml/2006/main" xmlns:r="http://schemas.openxmlformats.org/officeDocument/2006/relationships" xmlns:mc="http://schemas.openxmlformats.org/markup-compatibility/2006" xmlns:mv="urn:schemas-microsoft-com:mac:vml" xmlns:p="http://schemas.openxmlformats.org/presentationml/2006/main" mc:Ignorable="mv" mc:PreserveAttributes="mv:*">
   <p:cSld>
     <p:spTree>
       <p:nvGrpSpPr>
@@ -5786,8 +4828,8 @@
 </p:sld>
 </file>
 
-<file path=ppt/slides/slide15.xml><?xml version="1.0" encoding="utf-8"?>
-<p:sld xmlns:a="http://schemas.openxmlformats.org/drawingml/2006/main" xmlns:r="http://schemas.openxmlformats.org/officeDocument/2006/relationships" xmlns:p="http://schemas.openxmlformats.org/presentationml/2006/main">
+<file path=ppt/slides/slide12.xml><?xml version="1.0" encoding="utf-8"?>
+<p:sld xmlns:a="http://schemas.openxmlformats.org/drawingml/2006/main" xmlns:r="http://schemas.openxmlformats.org/officeDocument/2006/relationships" xmlns:mc="http://schemas.openxmlformats.org/markup-compatibility/2006" xmlns:mv="urn:schemas-microsoft-com:mac:vml" xmlns:p="http://schemas.openxmlformats.org/presentationml/2006/main" mc:Ignorable="mv" mc:PreserveAttributes="mv:*">
   <p:cSld>
     <p:spTree>
       <p:nvGrpSpPr>
@@ -5974,8 +5016,8 @@
 </p:sld>
 </file>
 
-<file path=ppt/slides/slide16.xml><?xml version="1.0" encoding="utf-8"?>
-<p:sld xmlns:a="http://schemas.openxmlformats.org/drawingml/2006/main" xmlns:r="http://schemas.openxmlformats.org/officeDocument/2006/relationships" xmlns:p="http://schemas.openxmlformats.org/presentationml/2006/main">
+<file path=ppt/slides/slide13.xml><?xml version="1.0" encoding="utf-8"?>
+<p:sld xmlns:a="http://schemas.openxmlformats.org/drawingml/2006/main" xmlns:r="http://schemas.openxmlformats.org/officeDocument/2006/relationships" xmlns:mc="http://schemas.openxmlformats.org/markup-compatibility/2006" xmlns:mv="urn:schemas-microsoft-com:mac:vml" xmlns:p="http://schemas.openxmlformats.org/presentationml/2006/main" mc:Ignorable="mv" mc:PreserveAttributes="mv:*">
   <p:cSld>
     <p:spTree>
       <p:nvGrpSpPr>
@@ -6081,8 +5123,8 @@
 </p:sld>
 </file>
 
-<file path=ppt/slides/slide17.xml><?xml version="1.0" encoding="utf-8"?>
-<p:sld xmlns:a="http://schemas.openxmlformats.org/drawingml/2006/main" xmlns:r="http://schemas.openxmlformats.org/officeDocument/2006/relationships" xmlns:p="http://schemas.openxmlformats.org/presentationml/2006/main" showMasterSp="0" show="0">
+<file path=ppt/slides/slide14.xml><?xml version="1.0" encoding="utf-8"?>
+<p:sld xmlns:a="http://schemas.openxmlformats.org/drawingml/2006/main" xmlns:r="http://schemas.openxmlformats.org/officeDocument/2006/relationships" xmlns:mc="http://schemas.openxmlformats.org/markup-compatibility/2006" xmlns:mv="urn:schemas-microsoft-com:mac:vml" xmlns:p="http://schemas.openxmlformats.org/presentationml/2006/main" mc:Ignorable="mv" mc:PreserveAttributes="mv:*" showMasterSp="0" show="0">
   <p:cSld>
     <p:spTree>
       <p:nvGrpSpPr>
@@ -6179,8 +5221,8 @@
 </p:sld>
 </file>
 
-<file path=ppt/slides/slide18.xml><?xml version="1.0" encoding="utf-8"?>
-<p:sld xmlns:a="http://schemas.openxmlformats.org/drawingml/2006/main" xmlns:r="http://schemas.openxmlformats.org/officeDocument/2006/relationships" xmlns:p="http://schemas.openxmlformats.org/presentationml/2006/main" show="0">
+<file path=ppt/slides/slide15.xml><?xml version="1.0" encoding="utf-8"?>
+<p:sld xmlns:a="http://schemas.openxmlformats.org/drawingml/2006/main" xmlns:r="http://schemas.openxmlformats.org/officeDocument/2006/relationships" xmlns:mc="http://schemas.openxmlformats.org/markup-compatibility/2006" xmlns:mv="urn:schemas-microsoft-com:mac:vml" xmlns:p="http://schemas.openxmlformats.org/presentationml/2006/main" mc:Ignorable="mv" mc:PreserveAttributes="mv:*" show="0">
   <p:cSld>
     <p:spTree>
       <p:nvGrpSpPr>
@@ -6280,8 +5322,8 @@
 </p:sld>
 </file>
 
-<file path=ppt/slides/slide19.xml><?xml version="1.0" encoding="utf-8"?>
-<p:sld xmlns:a="http://schemas.openxmlformats.org/drawingml/2006/main" xmlns:r="http://schemas.openxmlformats.org/officeDocument/2006/relationships" xmlns:p="http://schemas.openxmlformats.org/presentationml/2006/main">
+<file path=ppt/slides/slide16.xml><?xml version="1.0" encoding="utf-8"?>
+<p:sld xmlns:a="http://schemas.openxmlformats.org/drawingml/2006/main" xmlns:r="http://schemas.openxmlformats.org/officeDocument/2006/relationships" xmlns:mc="http://schemas.openxmlformats.org/markup-compatibility/2006" xmlns:mv="urn:schemas-microsoft-com:mac:vml" xmlns:p="http://schemas.openxmlformats.org/presentationml/2006/main" mc:Ignorable="mv" mc:PreserveAttributes="mv:*">
   <p:cSld>
     <p:spTree>
       <p:nvGrpSpPr>
@@ -6420,128 +5462,8 @@
 </p:sld>
 </file>
 
-<file path=ppt/slides/slide2.xml><?xml version="1.0" encoding="utf-8"?>
-<p:sld xmlns:a="http://schemas.openxmlformats.org/drawingml/2006/main" xmlns:r="http://schemas.openxmlformats.org/officeDocument/2006/relationships" xmlns:p="http://schemas.openxmlformats.org/presentationml/2006/main">
-  <p:cSld>
-    <p:spTree>
-      <p:nvGrpSpPr>
-        <p:cNvPr id="1" name=""/>
-        <p:cNvGrpSpPr/>
-        <p:nvPr/>
-      </p:nvGrpSpPr>
-      <p:grpSpPr>
-        <a:xfrm>
-          <a:off x="0" y="0"/>
-          <a:ext cx="0" cy="0"/>
-          <a:chOff x="0" y="0"/>
-          <a:chExt cx="0" cy="0"/>
-        </a:xfrm>
-      </p:grpSpPr>
-      <p:sp>
-        <p:nvSpPr>
-          <p:cNvPr id="2" name="Content Placeholder 1"/>
-          <p:cNvSpPr>
-            <a:spLocks noGrp="1"/>
-          </p:cNvSpPr>
-          <p:nvPr>
-            <p:ph idx="1"/>
-          </p:nvPr>
-        </p:nvSpPr>
-        <p:spPr/>
-        <p:txBody>
-          <a:bodyPr/>
-          <a:lstStyle/>
-          <a:p>
-            <a:r>
-              <a:rPr lang="lt-LT" dirty="0" smtClean="0"/>
-              <a:t>Introduction</a:t>
-            </a:r>
-          </a:p>
-          <a:p>
-            <a:r>
-              <a:rPr lang="lt-LT" dirty="0" smtClean="0"/>
-              <a:t>Motion capture and motion data</a:t>
-            </a:r>
-          </a:p>
-          <a:p>
-            <a:r>
-              <a:rPr lang="lt-LT" dirty="0" smtClean="0"/>
-              <a:t>Used </a:t>
-            </a:r>
-            <a:r>
-              <a:rPr lang="en-US" dirty="0" smtClean="0"/>
-              <a:t>techniques</a:t>
-            </a:r>
-          </a:p>
-          <a:p>
-            <a:r>
-              <a:rPr lang="lt-LT" dirty="0" smtClean="0"/>
-              <a:t>Animating human body</a:t>
-            </a:r>
-          </a:p>
-          <a:p>
-            <a:r>
-              <a:rPr lang="lt-LT" dirty="0" smtClean="0"/>
-              <a:t>Problems</a:t>
-            </a:r>
-            <a:endParaRPr lang="en-US" dirty="0" smtClean="0"/>
-          </a:p>
-          <a:p>
-            <a:r>
-              <a:rPr lang="en-US" dirty="0" smtClean="0"/>
-              <a:t>Conclusion and future work</a:t>
-            </a:r>
-            <a:endParaRPr lang="lt-LT" dirty="0" smtClean="0"/>
-          </a:p>
-          <a:p>
-            <a:pPr lvl="1"/>
-            <a:endParaRPr lang="lt-LT" dirty="0" smtClean="0"/>
-          </a:p>
-          <a:p>
-            <a:endParaRPr lang="lt-LT" dirty="0"/>
-          </a:p>
-        </p:txBody>
-      </p:sp>
-      <p:sp>
-        <p:nvSpPr>
-          <p:cNvPr id="3" name="Title 2"/>
-          <p:cNvSpPr>
-            <a:spLocks noGrp="1"/>
-          </p:cNvSpPr>
-          <p:nvPr>
-            <p:ph type="title"/>
-          </p:nvPr>
-        </p:nvSpPr>
-        <p:spPr/>
-        <p:txBody>
-          <a:bodyPr/>
-          <a:lstStyle/>
-          <a:p>
-            <a:r>
-              <a:rPr lang="lt-LT" dirty="0" smtClean="0"/>
-              <a:t>Contents</a:t>
-            </a:r>
-            <a:endParaRPr lang="lt-LT" dirty="0"/>
-          </a:p>
-        </p:txBody>
-      </p:sp>
-    </p:spTree>
-  </p:cSld>
-  <p:clrMapOvr>
-    <a:masterClrMapping/>
-  </p:clrMapOvr>
-  <p:timing>
-    <p:tnLst>
-      <p:par>
-        <p:cTn id="1" dur="indefinite" restart="never" nodeType="tmRoot"/>
-      </p:par>
-    </p:tnLst>
-  </p:timing>
-</p:sld>
-</file>
-
-<file path=ppt/slides/slide20.xml><?xml version="1.0" encoding="utf-8"?>
-<p:sld xmlns:a="http://schemas.openxmlformats.org/drawingml/2006/main" xmlns:r="http://schemas.openxmlformats.org/officeDocument/2006/relationships" xmlns:p="http://schemas.openxmlformats.org/presentationml/2006/main">
+<file path=ppt/slides/slide17.xml><?xml version="1.0" encoding="utf-8"?>
+<p:sld xmlns:a="http://schemas.openxmlformats.org/drawingml/2006/main" xmlns:r="http://schemas.openxmlformats.org/officeDocument/2006/relationships" xmlns:mc="http://schemas.openxmlformats.org/markup-compatibility/2006" xmlns:mv="urn:schemas-microsoft-com:mac:vml" xmlns:p="http://schemas.openxmlformats.org/presentationml/2006/main" mc:Ignorable="mv" mc:PreserveAttributes="mv:*">
   <p:cSld>
     <p:spTree>
       <p:nvGrpSpPr>
@@ -6658,8 +5580,8 @@
 </p:sld>
 </file>
 
-<file path=ppt/slides/slide21.xml><?xml version="1.0" encoding="utf-8"?>
-<p:sld xmlns:a="http://schemas.openxmlformats.org/drawingml/2006/main" xmlns:r="http://schemas.openxmlformats.org/officeDocument/2006/relationships" xmlns:p="http://schemas.openxmlformats.org/presentationml/2006/main">
+<file path=ppt/slides/slide18.xml><?xml version="1.0" encoding="utf-8"?>
+<p:sld xmlns:a="http://schemas.openxmlformats.org/drawingml/2006/main" xmlns:r="http://schemas.openxmlformats.org/officeDocument/2006/relationships" xmlns:mc="http://schemas.openxmlformats.org/markup-compatibility/2006" xmlns:mv="urn:schemas-microsoft-com:mac:vml" xmlns:p="http://schemas.openxmlformats.org/presentationml/2006/main" mc:Ignorable="mv" mc:PreserveAttributes="mv:*">
   <p:cSld>
     <p:spTree>
       <p:nvGrpSpPr>
@@ -6744,8 +5666,8 @@
 </p:sld>
 </file>
 
-<file path=ppt/slides/slide22.xml><?xml version="1.0" encoding="utf-8"?>
-<p:sld xmlns:a="http://schemas.openxmlformats.org/drawingml/2006/main" xmlns:r="http://schemas.openxmlformats.org/officeDocument/2006/relationships" xmlns:p="http://schemas.openxmlformats.org/presentationml/2006/main">
+<file path=ppt/slides/slide19.xml><?xml version="1.0" encoding="utf-8"?>
+<p:sld xmlns:a="http://schemas.openxmlformats.org/drawingml/2006/main" xmlns:r="http://schemas.openxmlformats.org/officeDocument/2006/relationships" xmlns:mc="http://schemas.openxmlformats.org/markup-compatibility/2006" xmlns:mv="urn:schemas-microsoft-com:mac:vml" xmlns:p="http://schemas.openxmlformats.org/presentationml/2006/main" mc:Ignorable="mv" mc:PreserveAttributes="mv:*">
   <p:cSld>
     <p:spTree>
       <p:nvGrpSpPr>
@@ -6984,8 +5906,131 @@
 </p:sld>
 </file>
 
-<file path=ppt/slides/slide23.xml><?xml version="1.0" encoding="utf-8"?>
-<p:sld xmlns:a="http://schemas.openxmlformats.org/drawingml/2006/main" xmlns:r="http://schemas.openxmlformats.org/officeDocument/2006/relationships" xmlns:p="http://schemas.openxmlformats.org/presentationml/2006/main">
+<file path=ppt/slides/slide2.xml><?xml version="1.0" encoding="utf-8"?>
+<p:sld xmlns:a="http://schemas.openxmlformats.org/drawingml/2006/main" xmlns:r="http://schemas.openxmlformats.org/officeDocument/2006/relationships" xmlns:mc="http://schemas.openxmlformats.org/markup-compatibility/2006" xmlns:mv="urn:schemas-microsoft-com:mac:vml" xmlns:p="http://schemas.openxmlformats.org/presentationml/2006/main" mc:Ignorable="mv" mc:PreserveAttributes="mv:*">
+  <p:cSld>
+    <p:spTree>
+      <p:nvGrpSpPr>
+        <p:cNvPr id="1" name=""/>
+        <p:cNvGrpSpPr/>
+        <p:nvPr/>
+      </p:nvGrpSpPr>
+      <p:grpSpPr>
+        <a:xfrm>
+          <a:off x="0" y="0"/>
+          <a:ext cx="0" cy="0"/>
+          <a:chOff x="0" y="0"/>
+          <a:chExt cx="0" cy="0"/>
+        </a:xfrm>
+      </p:grpSpPr>
+      <p:sp>
+        <p:nvSpPr>
+          <p:cNvPr id="2" name="Content Placeholder 1"/>
+          <p:cNvSpPr>
+            <a:spLocks noGrp="1"/>
+          </p:cNvSpPr>
+          <p:nvPr>
+            <p:ph idx="1"/>
+          </p:nvPr>
+        </p:nvSpPr>
+        <p:spPr/>
+        <p:txBody>
+          <a:bodyPr/>
+          <a:lstStyle/>
+          <a:p>
+            <a:r>
+              <a:rPr lang="lt-LT" dirty="0" smtClean="0"/>
+              <a:t>Introduction</a:t>
+            </a:r>
+          </a:p>
+          <a:p>
+            <a:r>
+              <a:rPr lang="lt-LT" dirty="0" smtClean="0"/>
+              <a:t>Motion capture and motion data</a:t>
+            </a:r>
+          </a:p>
+          <a:p>
+            <a:r>
+              <a:rPr lang="lt-LT" dirty="0" smtClean="0"/>
+              <a:t>Used </a:t>
+            </a:r>
+            <a:r>
+              <a:rPr lang="en-US" dirty="0" smtClean="0"/>
+              <a:t>techniques</a:t>
+            </a:r>
+          </a:p>
+          <a:p>
+            <a:r>
+              <a:rPr lang="lt-LT" dirty="0" smtClean="0"/>
+              <a:t>Animating human body</a:t>
+            </a:r>
+          </a:p>
+          <a:p>
+            <a:r>
+              <a:rPr lang="lt-LT" dirty="0" smtClean="0"/>
+              <a:t>Problems</a:t>
+            </a:r>
+            <a:endParaRPr lang="en-US" dirty="0" smtClean="0"/>
+          </a:p>
+          <a:p>
+            <a:r>
+              <a:rPr lang="en-US" dirty="0" smtClean="0"/>
+              <a:t>Conclusion and possible future tasks</a:t>
+            </a:r>
+            <a:endParaRPr lang="lt-LT" dirty="0" smtClean="0"/>
+          </a:p>
+          <a:p>
+            <a:endParaRPr lang="lt-LT" dirty="0" smtClean="0"/>
+          </a:p>
+          <a:p>
+            <a:pPr lvl="1"/>
+            <a:endParaRPr lang="lt-LT" dirty="0" smtClean="0"/>
+          </a:p>
+          <a:p>
+            <a:endParaRPr lang="lt-LT" dirty="0"/>
+          </a:p>
+        </p:txBody>
+      </p:sp>
+      <p:sp>
+        <p:nvSpPr>
+          <p:cNvPr id="3" name="Title 2"/>
+          <p:cNvSpPr>
+            <a:spLocks noGrp="1"/>
+          </p:cNvSpPr>
+          <p:nvPr>
+            <p:ph type="title"/>
+          </p:nvPr>
+        </p:nvSpPr>
+        <p:spPr/>
+        <p:txBody>
+          <a:bodyPr/>
+          <a:lstStyle/>
+          <a:p>
+            <a:r>
+              <a:rPr lang="lt-LT" dirty="0" smtClean="0"/>
+              <a:t>Contents</a:t>
+            </a:r>
+            <a:endParaRPr lang="lt-LT" dirty="0"/>
+          </a:p>
+        </p:txBody>
+      </p:sp>
+    </p:spTree>
+  </p:cSld>
+  <p:clrMapOvr>
+    <a:masterClrMapping/>
+  </p:clrMapOvr>
+  <p:timing>
+    <p:tnLst>
+      <p:par>
+        <p:cTn id="1" dur="indefinite" restart="never" nodeType="tmRoot"/>
+      </p:par>
+    </p:tnLst>
+  </p:timing>
+</p:sld>
+</file>
+
+<file path=ppt/slides/slide20.xml><?xml version="1.0" encoding="utf-8"?>
+<p:sld xmlns:a="http://schemas.openxmlformats.org/drawingml/2006/main" xmlns:r="http://schemas.openxmlformats.org/officeDocument/2006/relationships" xmlns:mc="http://schemas.openxmlformats.org/markup-compatibility/2006" xmlns:mv="urn:schemas-microsoft-com:mac:vml" xmlns:p="http://schemas.openxmlformats.org/presentationml/2006/main" mc:Ignorable="mv" mc:PreserveAttributes="mv:*">
   <p:cSld>
     <p:spTree>
       <p:nvGrpSpPr>
@@ -7531,8 +6576,8 @@
 </p:sld>
 </file>
 
-<file path=ppt/slides/slide24.xml><?xml version="1.0" encoding="utf-8"?>
-<p:sld xmlns:a="http://schemas.openxmlformats.org/drawingml/2006/main" xmlns:r="http://schemas.openxmlformats.org/officeDocument/2006/relationships" xmlns:p="http://schemas.openxmlformats.org/presentationml/2006/main">
+<file path=ppt/slides/slide21.xml><?xml version="1.0" encoding="utf-8"?>
+<p:sld xmlns:a="http://schemas.openxmlformats.org/drawingml/2006/main" xmlns:r="http://schemas.openxmlformats.org/officeDocument/2006/relationships" xmlns:mc="http://schemas.openxmlformats.org/markup-compatibility/2006" xmlns:mv="urn:schemas-microsoft-com:mac:vml" xmlns:p="http://schemas.openxmlformats.org/presentationml/2006/main" mc:Ignorable="mv" mc:PreserveAttributes="mv:*">
   <p:cSld>
     <p:spTree>
       <p:nvGrpSpPr>
@@ -7645,8 +6690,8 @@
 </p:sld>
 </file>
 
-<file path=ppt/slides/slide25.xml><?xml version="1.0" encoding="utf-8"?>
-<p:sld xmlns:a="http://schemas.openxmlformats.org/drawingml/2006/main" xmlns:r="http://schemas.openxmlformats.org/officeDocument/2006/relationships" xmlns:p="http://schemas.openxmlformats.org/presentationml/2006/main">
+<file path=ppt/slides/slide22.xml><?xml version="1.0" encoding="utf-8"?>
+<p:sld xmlns:a="http://schemas.openxmlformats.org/drawingml/2006/main" xmlns:r="http://schemas.openxmlformats.org/officeDocument/2006/relationships" xmlns:mc="http://schemas.openxmlformats.org/markup-compatibility/2006" xmlns:mv="urn:schemas-microsoft-com:mac:vml" xmlns:p="http://schemas.openxmlformats.org/presentationml/2006/main" mc:Ignorable="mv" mc:PreserveAttributes="mv:*">
   <p:cSld>
     <p:spTree>
       <p:nvGrpSpPr>
@@ -7949,8 +6994,8 @@
 </p:sld>
 </file>
 
-<file path=ppt/slides/slide26.xml><?xml version="1.0" encoding="utf-8"?>
-<p:sld xmlns:a="http://schemas.openxmlformats.org/drawingml/2006/main" xmlns:r="http://schemas.openxmlformats.org/officeDocument/2006/relationships" xmlns:p="http://schemas.openxmlformats.org/presentationml/2006/main">
+<file path=ppt/slides/slide23.xml><?xml version="1.0" encoding="utf-8"?>
+<p:sld xmlns:a="http://schemas.openxmlformats.org/drawingml/2006/main" xmlns:r="http://schemas.openxmlformats.org/officeDocument/2006/relationships" xmlns:mc="http://schemas.openxmlformats.org/markup-compatibility/2006" xmlns:mv="urn:schemas-microsoft-com:mac:vml" xmlns:p="http://schemas.openxmlformats.org/presentationml/2006/main" mc:Ignorable="mv" mc:PreserveAttributes="mv:*">
   <p:cSld>
     <p:spTree>
       <p:nvGrpSpPr>
@@ -8037,8 +7082,8 @@
 </p:sld>
 </file>
 
-<file path=ppt/slides/slide27.xml><?xml version="1.0" encoding="utf-8"?>
-<p:sld xmlns:a="http://schemas.openxmlformats.org/drawingml/2006/main" xmlns:r="http://schemas.openxmlformats.org/officeDocument/2006/relationships" xmlns:p="http://schemas.openxmlformats.org/presentationml/2006/main">
+<file path=ppt/slides/slide24.xml><?xml version="1.0" encoding="utf-8"?>
+<p:sld xmlns:a="http://schemas.openxmlformats.org/drawingml/2006/main" xmlns:r="http://schemas.openxmlformats.org/officeDocument/2006/relationships" xmlns:mc="http://schemas.openxmlformats.org/markup-compatibility/2006" xmlns:mv="urn:schemas-microsoft-com:mac:vml" xmlns:p="http://schemas.openxmlformats.org/presentationml/2006/main" mc:Ignorable="mv" mc:PreserveAttributes="mv:*">
   <p:cSld>
     <p:spTree>
       <p:nvGrpSpPr>
@@ -8166,8 +7211,8 @@
 </p:sld>
 </file>
 
-<file path=ppt/slides/slide28.xml><?xml version="1.0" encoding="utf-8"?>
-<p:sld xmlns:a="http://schemas.openxmlformats.org/drawingml/2006/main" xmlns:r="http://schemas.openxmlformats.org/officeDocument/2006/relationships" xmlns:p="http://schemas.openxmlformats.org/presentationml/2006/main">
+<file path=ppt/slides/slide25.xml><?xml version="1.0" encoding="utf-8"?>
+<p:sld xmlns:a="http://schemas.openxmlformats.org/drawingml/2006/main" xmlns:r="http://schemas.openxmlformats.org/officeDocument/2006/relationships" xmlns:mc="http://schemas.openxmlformats.org/markup-compatibility/2006" xmlns:mv="urn:schemas-microsoft-com:mac:vml" xmlns:p="http://schemas.openxmlformats.org/presentationml/2006/main" mc:Ignorable="mv" mc:PreserveAttributes="mv:*">
   <p:cSld>
     <p:spTree>
       <p:nvGrpSpPr>
@@ -8268,8 +7313,8 @@
 </p:sld>
 </file>
 
-<file path=ppt/slides/slide29.xml><?xml version="1.0" encoding="utf-8"?>
-<p:sld xmlns:a="http://schemas.openxmlformats.org/drawingml/2006/main" xmlns:r="http://schemas.openxmlformats.org/officeDocument/2006/relationships" xmlns:p="http://schemas.openxmlformats.org/presentationml/2006/main">
+<file path=ppt/slides/slide26.xml><?xml version="1.0" encoding="utf-8"?>
+<p:sld xmlns:a="http://schemas.openxmlformats.org/drawingml/2006/main" xmlns:r="http://schemas.openxmlformats.org/officeDocument/2006/relationships" xmlns:mc="http://schemas.openxmlformats.org/markup-compatibility/2006" xmlns:mv="urn:schemas-microsoft-com:mac:vml" xmlns:p="http://schemas.openxmlformats.org/presentationml/2006/main" mc:Ignorable="mv" mc:PreserveAttributes="mv:*">
   <p:cSld>
     <p:spTree>
       <p:nvGrpSpPr>
@@ -8444,8 +7489,8 @@
 </p:sld>
 </file>
 
-<file path=ppt/slides/slide3.xml><?xml version="1.0" encoding="utf-8"?>
-<p:sld xmlns:a="http://schemas.openxmlformats.org/drawingml/2006/main" xmlns:r="http://schemas.openxmlformats.org/officeDocument/2006/relationships" xmlns:p="http://schemas.openxmlformats.org/presentationml/2006/main">
+<file path=ppt/slides/slide27.xml><?xml version="1.0" encoding="utf-8"?>
+<p:sld xmlns:a="http://schemas.openxmlformats.org/drawingml/2006/main" xmlns:r="http://schemas.openxmlformats.org/officeDocument/2006/relationships" xmlns:mc="http://schemas.openxmlformats.org/markup-compatibility/2006" xmlns:mv="urn:schemas-microsoft-com:mac:vml" xmlns:p="http://schemas.openxmlformats.org/presentationml/2006/main" mc:Ignorable="mv" mc:PreserveAttributes="mv:*">
   <p:cSld>
     <p:spTree>
       <p:nvGrpSpPr>
@@ -8476,53 +7521,7 @@
           <a:bodyPr/>
           <a:lstStyle/>
           <a:p>
-            <a:r>
-              <a:rPr lang="lt-LT" dirty="0" smtClean="0"/>
-              <a:t>Motion </a:t>
-            </a:r>
-            <a:r>
-              <a:rPr lang="en-US" dirty="0" smtClean="0"/>
-              <a:t>capturing</a:t>
-            </a:r>
-          </a:p>
-          <a:p>
-            <a:r>
-              <a:rPr lang="lt-LT" dirty="0" smtClean="0"/>
-              <a:t>Human body model animation</a:t>
-            </a:r>
-            <a:endParaRPr lang="en-US" dirty="0" smtClean="0"/>
-          </a:p>
-          <a:p>
-            <a:pPr lvl="1"/>
-            <a:r>
-              <a:rPr lang="en-US" dirty="0" smtClean="0"/>
-              <a:t>Skeletal, joint-based structure</a:t>
-            </a:r>
-          </a:p>
-          <a:p>
-            <a:pPr lvl="1"/>
-            <a:r>
-              <a:rPr lang="en-US" dirty="0" smtClean="0"/>
-              <a:t>Animation program environment (C++/OpenGL)</a:t>
-            </a:r>
-          </a:p>
-          <a:p>
-            <a:pPr lvl="1"/>
-            <a:r>
-              <a:rPr lang="en-US" dirty="0" smtClean="0"/>
-              <a:t>Data interpretation</a:t>
-            </a:r>
-          </a:p>
-          <a:p>
-            <a:pPr lvl="1"/>
-            <a:r>
-              <a:rPr lang="en-US" dirty="0" smtClean="0"/>
-              <a:t>Model deformations</a:t>
-            </a:r>
-            <a:endParaRPr lang="lt-LT" dirty="0" smtClean="0"/>
-          </a:p>
-          <a:p>
-            <a:endParaRPr lang="lt-LT" dirty="0"/>
+            <a:endParaRPr lang="en-US" dirty="0"/>
           </a:p>
         </p:txBody>
       </p:sp>
@@ -8543,7 +7542,7 @@
           <a:p>
             <a:r>
               <a:rPr lang="en-US" dirty="0" smtClean="0"/>
-              <a:t>Introduction. Project tasks</a:t>
+              <a:t>Animating human body</a:t>
             </a:r>
             <a:endParaRPr lang="en-US" dirty="0"/>
           </a:p>
@@ -8564,82 +7563,8 @@
 </p:sld>
 </file>
 
-<file path=ppt/slides/slide30.xml><?xml version="1.0" encoding="utf-8"?>
-<p:sld xmlns:a="http://schemas.openxmlformats.org/drawingml/2006/main" xmlns:r="http://schemas.openxmlformats.org/officeDocument/2006/relationships" xmlns:p="http://schemas.openxmlformats.org/presentationml/2006/main">
-  <p:cSld>
-    <p:spTree>
-      <p:nvGrpSpPr>
-        <p:cNvPr id="1" name=""/>
-        <p:cNvGrpSpPr/>
-        <p:nvPr/>
-      </p:nvGrpSpPr>
-      <p:grpSpPr>
-        <a:xfrm>
-          <a:off x="0" y="0"/>
-          <a:ext cx="0" cy="0"/>
-          <a:chOff x="0" y="0"/>
-          <a:chExt cx="0" cy="0"/>
-        </a:xfrm>
-      </p:grpSpPr>
-      <p:sp>
-        <p:nvSpPr>
-          <p:cNvPr id="2" name="Content Placeholder 1"/>
-          <p:cNvSpPr>
-            <a:spLocks noGrp="1"/>
-          </p:cNvSpPr>
-          <p:nvPr>
-            <p:ph idx="1"/>
-          </p:nvPr>
-        </p:nvSpPr>
-        <p:spPr/>
-        <p:txBody>
-          <a:bodyPr/>
-          <a:lstStyle/>
-          <a:p>
-            <a:endParaRPr lang="en-US" dirty="0"/>
-          </a:p>
-        </p:txBody>
-      </p:sp>
-      <p:sp>
-        <p:nvSpPr>
-          <p:cNvPr id="3" name="Title 2"/>
-          <p:cNvSpPr>
-            <a:spLocks noGrp="1"/>
-          </p:cNvSpPr>
-          <p:nvPr>
-            <p:ph type="title"/>
-          </p:nvPr>
-        </p:nvSpPr>
-        <p:spPr/>
-        <p:txBody>
-          <a:bodyPr/>
-          <a:lstStyle/>
-          <a:p>
-            <a:r>
-              <a:rPr lang="en-US" dirty="0" smtClean="0"/>
-              <a:t>Animating human body</a:t>
-            </a:r>
-            <a:endParaRPr lang="en-US" dirty="0"/>
-          </a:p>
-        </p:txBody>
-      </p:sp>
-    </p:spTree>
-  </p:cSld>
-  <p:clrMapOvr>
-    <a:masterClrMapping/>
-  </p:clrMapOvr>
-  <p:timing>
-    <p:tnLst>
-      <p:par>
-        <p:cTn id="1" dur="indefinite" restart="never" nodeType="tmRoot"/>
-      </p:par>
-    </p:tnLst>
-  </p:timing>
-</p:sld>
-</file>
-
-<file path=ppt/slides/slide31.xml><?xml version="1.0" encoding="utf-8"?>
-<p:sld xmlns:a="http://schemas.openxmlformats.org/drawingml/2006/main" xmlns:r="http://schemas.openxmlformats.org/officeDocument/2006/relationships" xmlns:p="http://schemas.openxmlformats.org/presentationml/2006/main">
+<file path=ppt/slides/slide28.xml><?xml version="1.0" encoding="utf-8"?>
+<p:sld xmlns:a="http://schemas.openxmlformats.org/drawingml/2006/main" xmlns:r="http://schemas.openxmlformats.org/officeDocument/2006/relationships" xmlns:mc="http://schemas.openxmlformats.org/markup-compatibility/2006" xmlns:mv="urn:schemas-microsoft-com:mac:vml" xmlns:p="http://schemas.openxmlformats.org/presentationml/2006/main" mc:Ignorable="mv" mc:PreserveAttributes="mv:*">
   <p:cSld>
     <p:spTree>
       <p:nvGrpSpPr>
@@ -8762,8 +7687,8 @@
 </p:sld>
 </file>
 
-<file path=ppt/slides/slide32.xml><?xml version="1.0" encoding="utf-8"?>
-<p:sld xmlns:a="http://schemas.openxmlformats.org/drawingml/2006/main" xmlns:r="http://schemas.openxmlformats.org/officeDocument/2006/relationships" xmlns:p="http://schemas.openxmlformats.org/presentationml/2006/main">
+<file path=ppt/slides/slide29.xml><?xml version="1.0" encoding="utf-8"?>
+<p:sld xmlns:a="http://schemas.openxmlformats.org/drawingml/2006/main" xmlns:r="http://schemas.openxmlformats.org/officeDocument/2006/relationships" xmlns:mc="http://schemas.openxmlformats.org/markup-compatibility/2006" xmlns:mv="urn:schemas-microsoft-com:mac:vml" xmlns:p="http://schemas.openxmlformats.org/presentationml/2006/main" mc:Ignorable="mv" mc:PreserveAttributes="mv:*">
   <p:cSld>
     <p:spTree>
       <p:nvGrpSpPr>
@@ -8800,9 +7725,23 @@
           <a:lstStyle/>
           <a:p>
             <a:r>
-              <a:rPr lang="en-US" dirty="0" smtClean="0"/>
-              <a:t>OBJ File description</a:t>
-            </a:r>
+              <a:rPr lang="lt-LT" dirty="0" smtClean="0"/>
+              <a:t>Geometry definition file format</a:t>
+            </a:r>
+          </a:p>
+          <a:p>
+            <a:r>
+              <a:rPr lang="lt-LT" dirty="0" smtClean="0"/>
+              <a:t>Open ASCII format</a:t>
+            </a:r>
+          </a:p>
+          <a:p>
+            <a:r>
+              <a:rPr lang="lt-LT" dirty="0" smtClean="0"/>
+              <a:t>Supported by many 3D modelling applications</a:t>
+            </a:r>
+          </a:p>
+          <a:p>
             <a:endParaRPr lang="lt-LT" dirty="0"/>
           </a:p>
         </p:txBody>
@@ -8833,7 +7772,15 @@
             </a:br>
             <a:r>
               <a:rPr lang="en-US" sz="3100" dirty="0" smtClean="0"/>
-              <a:t>Mesh model data files</a:t>
+              <a:t>Mesh model </a:t>
+            </a:r>
+            <a:r>
+              <a:rPr lang="en-US" sz="3100" dirty="0" smtClean="0"/>
+              <a:t>data</a:t>
+            </a:r>
+            <a:r>
+              <a:rPr lang="en-US" sz="3100" dirty="0" smtClean="0"/>
+              <a:t>, OBJ format</a:t>
             </a:r>
             <a:endParaRPr lang="lt-LT" sz="3100" dirty="0"/>
           </a:p>
@@ -8854,8 +7801,8 @@
 </p:sld>
 </file>
 
-<file path=ppt/slides/slide33.xml><?xml version="1.0" encoding="utf-8"?>
-<p:sld xmlns:a="http://schemas.openxmlformats.org/drawingml/2006/main" xmlns:r="http://schemas.openxmlformats.org/officeDocument/2006/relationships" xmlns:p="http://schemas.openxmlformats.org/presentationml/2006/main">
+<file path=ppt/slides/slide3.xml><?xml version="1.0" encoding="utf-8"?>
+<p:sld xmlns:a="http://schemas.openxmlformats.org/drawingml/2006/main" xmlns:r="http://schemas.openxmlformats.org/officeDocument/2006/relationships" xmlns:mc="http://schemas.openxmlformats.org/markup-compatibility/2006" xmlns:mv="urn:schemas-microsoft-com:mac:vml" xmlns:p="http://schemas.openxmlformats.org/presentationml/2006/main" mc:Ignorable="mv" mc:PreserveAttributes="mv:*">
   <p:cSld>
     <p:spTree>
       <p:nvGrpSpPr>
@@ -8886,18 +7833,53 @@
           <a:bodyPr/>
           <a:lstStyle/>
           <a:p>
-            <a:pPr>
-              <a:buNone/>
-            </a:pPr>
-            <a:r>
-              <a:rPr lang="en-US" sz="2200" dirty="0" smtClean="0"/>
-              <a:t>Generate new skeleton image with big joints, define joint structure, define putting mesh over </a:t>
-            </a:r>
-            <a:r>
-              <a:rPr lang="en-US" sz="2200" smtClean="0"/>
-              <a:t>the skeleton?</a:t>
-            </a:r>
-            <a:endParaRPr lang="en-US" sz="2200" dirty="0" smtClean="0"/>
+            <a:r>
+              <a:rPr lang="lt-LT" dirty="0" smtClean="0"/>
+              <a:t>Motion </a:t>
+            </a:r>
+            <a:r>
+              <a:rPr lang="en-US" dirty="0" smtClean="0"/>
+              <a:t>capturing</a:t>
+            </a:r>
+          </a:p>
+          <a:p>
+            <a:r>
+              <a:rPr lang="lt-LT" dirty="0" smtClean="0"/>
+              <a:t>Human body model animation</a:t>
+            </a:r>
+            <a:endParaRPr lang="en-US" dirty="0" smtClean="0"/>
+          </a:p>
+          <a:p>
+            <a:pPr lvl="1"/>
+            <a:r>
+              <a:rPr lang="en-US" dirty="0" smtClean="0"/>
+              <a:t>Skeletal, joint-based structure</a:t>
+            </a:r>
+          </a:p>
+          <a:p>
+            <a:pPr lvl="1"/>
+            <a:r>
+              <a:rPr lang="en-US" dirty="0" smtClean="0"/>
+              <a:t>Animation program environment (C++/OpenGL)</a:t>
+            </a:r>
+          </a:p>
+          <a:p>
+            <a:pPr lvl="1"/>
+            <a:r>
+              <a:rPr lang="en-US" dirty="0" smtClean="0"/>
+              <a:t>Data interpretation</a:t>
+            </a:r>
+          </a:p>
+          <a:p>
+            <a:pPr lvl="1"/>
+            <a:r>
+              <a:rPr lang="en-US" dirty="0" smtClean="0"/>
+              <a:t>Model deformations</a:t>
+            </a:r>
+            <a:endParaRPr lang="lt-LT" dirty="0" smtClean="0"/>
+          </a:p>
+          <a:p>
+            <a:endParaRPr lang="lt-LT" dirty="0"/>
           </a:p>
         </p:txBody>
       </p:sp>
@@ -8913,23 +7895,14 @@
         </p:nvSpPr>
         <p:spPr/>
         <p:txBody>
-          <a:bodyPr>
-            <a:normAutofit fontScale="90000"/>
-          </a:bodyPr>
-          <a:lstStyle/>
-          <a:p>
-            <a:r>
-              <a:rPr lang="en-US" dirty="0" smtClean="0"/>
-              <a:t>Animating human body</a:t>
-            </a:r>
-            <a:br>
-              <a:rPr lang="en-US" dirty="0" smtClean="0"/>
-            </a:br>
-            <a:r>
-              <a:rPr lang="en-US" sz="3100" dirty="0" smtClean="0"/>
-              <a:t>Initial program phase</a:t>
-            </a:r>
-            <a:endParaRPr lang="en-US" sz="3100" dirty="0"/>
+          <a:bodyPr/>
+          <a:lstStyle/>
+          <a:p>
+            <a:r>
+              <a:rPr lang="en-US" dirty="0" smtClean="0"/>
+              <a:t>Introduction. Project tasks</a:t>
+            </a:r>
+            <a:endParaRPr lang="en-US" dirty="0"/>
           </a:p>
         </p:txBody>
       </p:sp>
@@ -8948,8 +7921,228 @@
 </p:sld>
 </file>
 
-<file path=ppt/slides/slide34.xml><?xml version="1.0" encoding="utf-8"?>
-<p:sld xmlns:a="http://schemas.openxmlformats.org/drawingml/2006/main" xmlns:r="http://schemas.openxmlformats.org/officeDocument/2006/relationships" xmlns:p="http://schemas.openxmlformats.org/presentationml/2006/main">
+<file path=ppt/slides/slide30.xml><?xml version="1.0" encoding="utf-8"?>
+<p:sld xmlns:a="http://schemas.openxmlformats.org/drawingml/2006/main" xmlns:r="http://schemas.openxmlformats.org/officeDocument/2006/relationships" xmlns:mc="http://schemas.openxmlformats.org/markup-compatibility/2006" xmlns:mv="urn:schemas-microsoft-com:mac:vml" xmlns:p="http://schemas.openxmlformats.org/presentationml/2006/main" mc:Ignorable="mv" mc:PreserveAttributes="mv:*">
+  <p:cSld>
+    <p:spTree>
+      <p:nvGrpSpPr>
+        <p:cNvPr id="1" name=""/>
+        <p:cNvGrpSpPr/>
+        <p:nvPr/>
+      </p:nvGrpSpPr>
+      <p:grpSpPr>
+        <a:xfrm>
+          <a:off x="0" y="0"/>
+          <a:ext cx="0" cy="0"/>
+          <a:chOff x="0" y="0"/>
+          <a:chExt cx="0" cy="0"/>
+        </a:xfrm>
+      </p:grpSpPr>
+      <p:sp>
+        <p:nvSpPr>
+          <p:cNvPr id="2" name="Content Placeholder 1"/>
+          <p:cNvSpPr>
+            <a:spLocks noGrp="1"/>
+          </p:cNvSpPr>
+          <p:nvPr>
+            <p:ph idx="1"/>
+          </p:nvPr>
+        </p:nvSpPr>
+        <p:spPr/>
+        <p:txBody>
+          <a:bodyPr/>
+          <a:lstStyle/>
+          <a:p>
+            <a:r>
+              <a:rPr lang="en-US" dirty="0" err="1" smtClean="0"/>
+              <a:t>v</a:t>
+            </a:r>
+            <a:r>
+              <a:rPr lang="en-US" dirty="0" smtClean="0"/>
+              <a:t> -0.756447 0.702621 </a:t>
+            </a:r>
+            <a:r>
+              <a:rPr lang="en-US" dirty="0" smtClean="0"/>
+              <a:t>0.047024</a:t>
+            </a:r>
+          </a:p>
+          <a:p>
+            <a:r>
+              <a:rPr lang="en-US" dirty="0" err="1" smtClean="0"/>
+              <a:t>vt</a:t>
+            </a:r>
+            <a:r>
+              <a:rPr lang="en-US" dirty="0" smtClean="0"/>
+              <a:t> 0.487840 0.942165 </a:t>
+            </a:r>
+            <a:r>
+              <a:rPr lang="en-US" dirty="0" smtClean="0"/>
+              <a:t>0.000000</a:t>
+            </a:r>
+          </a:p>
+          <a:p>
+            <a:r>
+              <a:rPr lang="en-US" dirty="0" err="1" smtClean="0"/>
+              <a:t>vn</a:t>
+            </a:r>
+            <a:r>
+              <a:rPr lang="en-US" dirty="0" smtClean="0"/>
+              <a:t> 0.149280 -0.186998 -</a:t>
+            </a:r>
+            <a:r>
+              <a:rPr lang="en-US" dirty="0" smtClean="0"/>
+              <a:t>0.240511</a:t>
+            </a:r>
+          </a:p>
+          <a:p>
+            <a:r>
+              <a:rPr lang="en-US" dirty="0" err="1" smtClean="0"/>
+              <a:t>f</a:t>
+            </a:r>
+            <a:r>
+              <a:rPr lang="en-US" dirty="0" smtClean="0"/>
+              <a:t> 6/9/6 2/5/2 1/1/1</a:t>
+            </a:r>
+            <a:endParaRPr lang="en-US" dirty="0"/>
+          </a:p>
+        </p:txBody>
+      </p:sp>
+      <p:sp>
+        <p:nvSpPr>
+          <p:cNvPr id="3" name="Title 2"/>
+          <p:cNvSpPr>
+            <a:spLocks noGrp="1"/>
+          </p:cNvSpPr>
+          <p:nvPr>
+            <p:ph type="title"/>
+          </p:nvPr>
+        </p:nvSpPr>
+        <p:spPr/>
+        <p:txBody>
+          <a:bodyPr>
+            <a:normAutofit fontScale="90000"/>
+          </a:bodyPr>
+          <a:lstStyle/>
+          <a:p>
+            <a:r>
+              <a:rPr lang="en-US" dirty="0" smtClean="0"/>
+              <a:t>Animating human body</a:t>
+            </a:r>
+            <a:br>
+              <a:rPr lang="en-US" dirty="0" smtClean="0"/>
+            </a:br>
+            <a:r>
+              <a:rPr lang="en-US" sz="3111" dirty="0" smtClean="0"/>
+              <a:t>Mesh model data, OBJ format</a:t>
+            </a:r>
+            <a:endParaRPr lang="en-US" sz="3111" dirty="0"/>
+          </a:p>
+        </p:txBody>
+      </p:sp>
+    </p:spTree>
+  </p:cSld>
+  <p:clrMapOvr>
+    <a:masterClrMapping/>
+  </p:clrMapOvr>
+</p:sld>
+</file>
+
+<file path=ppt/slides/slide31.xml><?xml version="1.0" encoding="utf-8"?>
+<p:sld xmlns:a="http://schemas.openxmlformats.org/drawingml/2006/main" xmlns:r="http://schemas.openxmlformats.org/officeDocument/2006/relationships" xmlns:mc="http://schemas.openxmlformats.org/markup-compatibility/2006" xmlns:mv="urn:schemas-microsoft-com:mac:vml" xmlns:p="http://schemas.openxmlformats.org/presentationml/2006/main" mc:Ignorable="mv" mc:PreserveAttributes="mv:*">
+  <p:cSld>
+    <p:spTree>
+      <p:nvGrpSpPr>
+        <p:cNvPr id="1" name=""/>
+        <p:cNvGrpSpPr/>
+        <p:nvPr/>
+      </p:nvGrpSpPr>
+      <p:grpSpPr>
+        <a:xfrm>
+          <a:off x="0" y="0"/>
+          <a:ext cx="0" cy="0"/>
+          <a:chOff x="0" y="0"/>
+          <a:chExt cx="0" cy="0"/>
+        </a:xfrm>
+      </p:grpSpPr>
+      <p:sp>
+        <p:nvSpPr>
+          <p:cNvPr id="2" name="Content Placeholder 1"/>
+          <p:cNvSpPr>
+            <a:spLocks noGrp="1"/>
+          </p:cNvSpPr>
+          <p:nvPr>
+            <p:ph idx="1"/>
+          </p:nvPr>
+        </p:nvSpPr>
+        <p:spPr/>
+        <p:txBody>
+          <a:bodyPr/>
+          <a:lstStyle/>
+          <a:p>
+            <a:pPr>
+              <a:buNone/>
+            </a:pPr>
+            <a:r>
+              <a:rPr lang="en-US" sz="2200" dirty="0" smtClean="0"/>
+              <a:t>Generate new skeleton image with big joints, define joint structure, define putting mesh over </a:t>
+            </a:r>
+            <a:r>
+              <a:rPr lang="en-US" sz="2200" smtClean="0"/>
+              <a:t>the skeleton?</a:t>
+            </a:r>
+            <a:endParaRPr lang="en-US" sz="2200" dirty="0" smtClean="0"/>
+          </a:p>
+        </p:txBody>
+      </p:sp>
+      <p:sp>
+        <p:nvSpPr>
+          <p:cNvPr id="3" name="Title 2"/>
+          <p:cNvSpPr>
+            <a:spLocks noGrp="1"/>
+          </p:cNvSpPr>
+          <p:nvPr>
+            <p:ph type="title"/>
+          </p:nvPr>
+        </p:nvSpPr>
+        <p:spPr/>
+        <p:txBody>
+          <a:bodyPr>
+            <a:normAutofit fontScale="90000"/>
+          </a:bodyPr>
+          <a:lstStyle/>
+          <a:p>
+            <a:r>
+              <a:rPr lang="en-US" dirty="0" smtClean="0"/>
+              <a:t>Animating human body</a:t>
+            </a:r>
+            <a:br>
+              <a:rPr lang="en-US" dirty="0" smtClean="0"/>
+            </a:br>
+            <a:r>
+              <a:rPr lang="en-US" sz="3100" dirty="0" smtClean="0"/>
+              <a:t>Initial program phase</a:t>
+            </a:r>
+            <a:endParaRPr lang="en-US" sz="3100" dirty="0"/>
+          </a:p>
+        </p:txBody>
+      </p:sp>
+    </p:spTree>
+  </p:cSld>
+  <p:clrMapOvr>
+    <a:masterClrMapping/>
+  </p:clrMapOvr>
+  <p:timing>
+    <p:tnLst>
+      <p:par>
+        <p:cTn id="1" dur="indefinite" restart="never" nodeType="tmRoot"/>
+      </p:par>
+    </p:tnLst>
+  </p:timing>
+</p:sld>
+</file>
+
+<file path=ppt/slides/slide32.xml><?xml version="1.0" encoding="utf-8"?>
+<p:sld xmlns:a="http://schemas.openxmlformats.org/drawingml/2006/main" xmlns:r="http://schemas.openxmlformats.org/officeDocument/2006/relationships" xmlns:mc="http://schemas.openxmlformats.org/markup-compatibility/2006" xmlns:mv="urn:schemas-microsoft-com:mac:vml" xmlns:p="http://schemas.openxmlformats.org/presentationml/2006/main" mc:Ignorable="mv" mc:PreserveAttributes="mv:*">
   <p:cSld>
     <p:spTree>
       <p:nvGrpSpPr>
@@ -9195,8 +8388,8 @@
 </p:sld>
 </file>
 
-<file path=ppt/slides/slide35.xml><?xml version="1.0" encoding="utf-8"?>
-<p:sld xmlns:a="http://schemas.openxmlformats.org/drawingml/2006/main" xmlns:r="http://schemas.openxmlformats.org/officeDocument/2006/relationships" xmlns:p="http://schemas.openxmlformats.org/presentationml/2006/main">
+<file path=ppt/slides/slide33.xml><?xml version="1.0" encoding="utf-8"?>
+<p:sld xmlns:a="http://schemas.openxmlformats.org/drawingml/2006/main" xmlns:r="http://schemas.openxmlformats.org/officeDocument/2006/relationships" xmlns:mc="http://schemas.openxmlformats.org/markup-compatibility/2006" xmlns:mv="urn:schemas-microsoft-com:mac:vml" xmlns:p="http://schemas.openxmlformats.org/presentationml/2006/main" mc:Ignorable="mv" mc:PreserveAttributes="mv:*">
   <p:cSld>
     <p:spTree>
       <p:nvGrpSpPr>
@@ -9287,8 +8480,8 @@
 </p:sld>
 </file>
 
-<file path=ppt/slides/slide36.xml><?xml version="1.0" encoding="utf-8"?>
-<p:sld xmlns:a="http://schemas.openxmlformats.org/drawingml/2006/main" xmlns:r="http://schemas.openxmlformats.org/officeDocument/2006/relationships" xmlns:p="http://schemas.openxmlformats.org/presentationml/2006/main">
+<file path=ppt/slides/slide34.xml><?xml version="1.0" encoding="utf-8"?>
+<p:sld xmlns:a="http://schemas.openxmlformats.org/drawingml/2006/main" xmlns:r="http://schemas.openxmlformats.org/officeDocument/2006/relationships" xmlns:mc="http://schemas.openxmlformats.org/markup-compatibility/2006" xmlns:mv="urn:schemas-microsoft-com:mac:vml" xmlns:p="http://schemas.openxmlformats.org/presentationml/2006/main" mc:Ignorable="mv" mc:PreserveAttributes="mv:*">
   <p:cSld>
     <p:spTree>
       <p:nvGrpSpPr>
@@ -9404,8 +8597,8 @@
 </p:sld>
 </file>
 
-<file path=ppt/slides/slide37.xml><?xml version="1.0" encoding="utf-8"?>
-<p:sld xmlns:a="http://schemas.openxmlformats.org/drawingml/2006/main" xmlns:r="http://schemas.openxmlformats.org/officeDocument/2006/relationships" xmlns:p="http://schemas.openxmlformats.org/presentationml/2006/main">
+<file path=ppt/slides/slide35.xml><?xml version="1.0" encoding="utf-8"?>
+<p:sld xmlns:a="http://schemas.openxmlformats.org/drawingml/2006/main" xmlns:r="http://schemas.openxmlformats.org/officeDocument/2006/relationships" xmlns:mc="http://schemas.openxmlformats.org/markup-compatibility/2006" xmlns:mv="urn:schemas-microsoft-com:mac:vml" xmlns:p="http://schemas.openxmlformats.org/presentationml/2006/main" mc:Ignorable="mv" mc:PreserveAttributes="mv:*">
   <p:cSld>
     <p:spTree>
       <p:nvGrpSpPr>
@@ -9575,8 +8768,8 @@
 </p:sld>
 </file>
 
-<file path=ppt/slides/slide38.xml><?xml version="1.0" encoding="utf-8"?>
-<p:sld xmlns:a="http://schemas.openxmlformats.org/drawingml/2006/main" xmlns:r="http://schemas.openxmlformats.org/officeDocument/2006/relationships" xmlns:p="http://schemas.openxmlformats.org/presentationml/2006/main">
+<file path=ppt/slides/slide36.xml><?xml version="1.0" encoding="utf-8"?>
+<p:sld xmlns:a="http://schemas.openxmlformats.org/drawingml/2006/main" xmlns:r="http://schemas.openxmlformats.org/officeDocument/2006/relationships" xmlns:mc="http://schemas.openxmlformats.org/markup-compatibility/2006" xmlns:mv="urn:schemas-microsoft-com:mac:vml" xmlns:p="http://schemas.openxmlformats.org/presentationml/2006/main" mc:Ignorable="mv" mc:PreserveAttributes="mv:*">
   <p:cSld>
     <p:spTree>
       <p:nvGrpSpPr>
@@ -9716,8 +8909,8 @@
 </p:sld>
 </file>
 
-<file path=ppt/slides/slide39.xml><?xml version="1.0" encoding="utf-8"?>
-<p:sld xmlns:a="http://schemas.openxmlformats.org/drawingml/2006/main" xmlns:r="http://schemas.openxmlformats.org/officeDocument/2006/relationships" xmlns:p="http://schemas.openxmlformats.org/presentationml/2006/main">
+<file path=ppt/slides/slide37.xml><?xml version="1.0" encoding="utf-8"?>
+<p:sld xmlns:a="http://schemas.openxmlformats.org/drawingml/2006/main" xmlns:r="http://schemas.openxmlformats.org/officeDocument/2006/relationships" xmlns:mc="http://schemas.openxmlformats.org/markup-compatibility/2006" xmlns:mv="urn:schemas-microsoft-com:mac:vml" xmlns:p="http://schemas.openxmlformats.org/presentationml/2006/main" mc:Ignorable="mv" mc:PreserveAttributes="mv:*">
   <p:cSld>
     <p:spTree>
       <p:nvGrpSpPr>
@@ -9826,121 +9019,8 @@
 </p:sld>
 </file>
 
-<file path=ppt/slides/slide4.xml><?xml version="1.0" encoding="utf-8"?>
-<p:sld xmlns:a="http://schemas.openxmlformats.org/drawingml/2006/main" xmlns:r="http://schemas.openxmlformats.org/officeDocument/2006/relationships" xmlns:p="http://schemas.openxmlformats.org/presentationml/2006/main" showMasterSp="0" show="0">
-  <p:cSld>
-    <p:spTree>
-      <p:nvGrpSpPr>
-        <p:cNvPr id="1" name=""/>
-        <p:cNvGrpSpPr/>
-        <p:nvPr/>
-      </p:nvGrpSpPr>
-      <p:grpSpPr>
-        <a:xfrm>
-          <a:off x="0" y="0"/>
-          <a:ext cx="0" cy="0"/>
-          <a:chOff x="0" y="0"/>
-          <a:chExt cx="0" cy="0"/>
-        </a:xfrm>
-      </p:grpSpPr>
-      <p:sp>
-        <p:nvSpPr>
-          <p:cNvPr id="2" name="Content Placeholder 1"/>
-          <p:cNvSpPr>
-            <a:spLocks noGrp="1"/>
-          </p:cNvSpPr>
-          <p:nvPr>
-            <p:ph idx="1"/>
-          </p:nvPr>
-        </p:nvSpPr>
-        <p:spPr/>
-        <p:txBody>
-          <a:bodyPr>
-            <a:normAutofit fontScale="92500"/>
-          </a:bodyPr>
-          <a:lstStyle/>
-          <a:p>
-            <a:r>
-              <a:rPr lang="en-US" smtClean="0"/>
-              <a:t>Project has two main task:</a:t>
-            </a:r>
-          </a:p>
-          <a:p>
-            <a:pPr lvl="1"/>
-            <a:r>
-              <a:rPr lang="en-US" smtClean="0"/>
-              <a:t>Using mocap system capture motion data and to be able to animate character using it. Mocap data gives us opportunity to achieve very realistic body movements.</a:t>
-            </a:r>
-          </a:p>
-          <a:p>
-            <a:pPr lvl="1"/>
-            <a:r>
-              <a:rPr lang="en-US" smtClean="0"/>
-              <a:t>Create an application that would use this motion data. We chose to animate a human body model in an application that we wrote using C++ programming language in OpenGL environment. This application had to parse and </a:t>
-            </a:r>
-            <a:r>
-              <a:rPr lang="en-US" smtClean="0"/>
-              <a:t>correctly interpret mocap data, cope with various skin deformation problems. Linear blending technique was used for this. We used </a:t>
-            </a:r>
-            <a:r>
-              <a:rPr lang="en-US" smtClean="0"/>
-              <a:t>joint </a:t>
-            </a:r>
-            <a:r>
-              <a:rPr lang="en-US" smtClean="0"/>
-              <a:t>based skeleton</a:t>
-            </a:r>
-            <a:r>
-              <a:rPr lang="en-US" smtClean="0"/>
-              <a:t>, consisting of rigid body parts – bones, that are rotated during motion. </a:t>
-            </a:r>
-          </a:p>
-          <a:p>
-            <a:pPr lvl="1"/>
-            <a:endParaRPr lang="en-US" smtClean="0"/>
-          </a:p>
-          <a:p>
-            <a:pPr lvl="1"/>
-            <a:endParaRPr lang="en-US" dirty="0" smtClean="0"/>
-          </a:p>
-        </p:txBody>
-      </p:sp>
-      <p:sp>
-        <p:nvSpPr>
-          <p:cNvPr id="3" name="Title 2"/>
-          <p:cNvSpPr>
-            <a:spLocks noGrp="1"/>
-          </p:cNvSpPr>
-          <p:nvPr>
-            <p:ph type="title"/>
-          </p:nvPr>
-        </p:nvSpPr>
-        <p:spPr/>
-        <p:txBody>
-          <a:bodyPr>
-            <a:normAutofit fontScale="90000"/>
-          </a:bodyPr>
-          <a:lstStyle/>
-          <a:p>
-            <a:r>
-              <a:rPr lang="en-US" smtClean="0"/>
-              <a:t>Hidden. Introduction. Project tasks</a:t>
-            </a:r>
-            <a:endParaRPr lang="lt-LT" dirty="0"/>
-          </a:p>
-        </p:txBody>
-      </p:sp>
-    </p:spTree>
-  </p:cSld>
-  <p:clrMapOvr>
-    <a:masterClrMapping/>
-  </p:clrMapOvr>
-  <p:transition/>
-</p:sld>
-</file>
-
-<file path=ppt/slides/slide40.xml><?xml version="1.0" encoding="utf-8"?>
-<p:sld xmlns:a="http://schemas.openxmlformats.org/drawingml/2006/main" xmlns:r="http://schemas.openxmlformats.org/officeDocument/2006/relationships" xmlns:p="http://schemas.openxmlformats.org/presentationml/2006/main">
+<file path=ppt/slides/slide38.xml><?xml version="1.0" encoding="utf-8"?>
+<p:sld xmlns:a="http://schemas.openxmlformats.org/drawingml/2006/main" xmlns:r="http://schemas.openxmlformats.org/officeDocument/2006/relationships" xmlns:mc="http://schemas.openxmlformats.org/markup-compatibility/2006" xmlns:mv="urn:schemas-microsoft-com:mac:vml" xmlns:p="http://schemas.openxmlformats.org/presentationml/2006/main" mc:Ignorable="mv" mc:PreserveAttributes="mv:*">
   <p:cSld>
     <p:spTree>
       <p:nvGrpSpPr>
@@ -10049,8 +9129,8 @@
 </p:sld>
 </file>
 
-<file path=ppt/slides/slide41.xml><?xml version="1.0" encoding="utf-8"?>
-<p:sld xmlns:a="http://schemas.openxmlformats.org/drawingml/2006/main" xmlns:r="http://schemas.openxmlformats.org/officeDocument/2006/relationships" xmlns:p="http://schemas.openxmlformats.org/presentationml/2006/main">
+<file path=ppt/slides/slide39.xml><?xml version="1.0" encoding="utf-8"?>
+<p:sld xmlns:a="http://schemas.openxmlformats.org/drawingml/2006/main" xmlns:r="http://schemas.openxmlformats.org/officeDocument/2006/relationships" xmlns:mc="http://schemas.openxmlformats.org/markup-compatibility/2006" xmlns:mv="urn:schemas-microsoft-com:mac:vml" xmlns:p="http://schemas.openxmlformats.org/presentationml/2006/main" mc:Ignorable="mv" mc:PreserveAttributes="mv:*">
   <p:cSld>
     <p:spTree>
       <p:nvGrpSpPr>
@@ -10147,8 +9227,8 @@
 </p:sld>
 </file>
 
-<file path=ppt/slides/slide42.xml><?xml version="1.0" encoding="utf-8"?>
-<p:sld xmlns:a="http://schemas.openxmlformats.org/drawingml/2006/main" xmlns:r="http://schemas.openxmlformats.org/officeDocument/2006/relationships" xmlns:p="http://schemas.openxmlformats.org/presentationml/2006/main">
+<file path=ppt/slides/slide4.xml><?xml version="1.0" encoding="utf-8"?>
+<p:sld xmlns:a="http://schemas.openxmlformats.org/drawingml/2006/main" xmlns:r="http://schemas.openxmlformats.org/officeDocument/2006/relationships" xmlns:mc="http://schemas.openxmlformats.org/markup-compatibility/2006" xmlns:mv="urn:schemas-microsoft-com:mac:vml" xmlns:p="http://schemas.openxmlformats.org/presentationml/2006/main" mc:Ignorable="mv" mc:PreserveAttributes="mv:*">
   <p:cSld>
     <p:spTree>
       <p:nvGrpSpPr>
@@ -10179,6 +9259,80 @@
           <a:bodyPr/>
           <a:lstStyle/>
           <a:p>
+            <a:endParaRPr lang="lt-LT"/>
+          </a:p>
+        </p:txBody>
+      </p:sp>
+      <p:sp>
+        <p:nvSpPr>
+          <p:cNvPr id="3" name="Title 2"/>
+          <p:cNvSpPr>
+            <a:spLocks noGrp="1"/>
+          </p:cNvSpPr>
+          <p:nvPr>
+            <p:ph type="title"/>
+          </p:nvPr>
+        </p:nvSpPr>
+        <p:spPr/>
+        <p:txBody>
+          <a:bodyPr/>
+          <a:lstStyle/>
+          <a:p>
+            <a:r>
+              <a:rPr lang="en-US" dirty="0" smtClean="0"/>
+              <a:t>Human body animation movie</a:t>
+            </a:r>
+            <a:endParaRPr lang="en-US" dirty="0"/>
+          </a:p>
+        </p:txBody>
+      </p:sp>
+    </p:spTree>
+  </p:cSld>
+  <p:clrMapOvr>
+    <a:masterClrMapping/>
+  </p:clrMapOvr>
+  <p:timing>
+    <p:tnLst>
+      <p:par>
+        <p:cTn id="1" dur="indefinite" restart="never" nodeType="tmRoot"/>
+      </p:par>
+    </p:tnLst>
+  </p:timing>
+</p:sld>
+</file>
+
+<file path=ppt/slides/slide40.xml><?xml version="1.0" encoding="utf-8"?>
+<p:sld xmlns:a="http://schemas.openxmlformats.org/drawingml/2006/main" xmlns:r="http://schemas.openxmlformats.org/officeDocument/2006/relationships" xmlns:mc="http://schemas.openxmlformats.org/markup-compatibility/2006" xmlns:mv="urn:schemas-microsoft-com:mac:vml" xmlns:p="http://schemas.openxmlformats.org/presentationml/2006/main" mc:Ignorable="mv" mc:PreserveAttributes="mv:*">
+  <p:cSld>
+    <p:spTree>
+      <p:nvGrpSpPr>
+        <p:cNvPr id="1" name=""/>
+        <p:cNvGrpSpPr/>
+        <p:nvPr/>
+      </p:nvGrpSpPr>
+      <p:grpSpPr>
+        <a:xfrm>
+          <a:off x="0" y="0"/>
+          <a:ext cx="0" cy="0"/>
+          <a:chOff x="0" y="0"/>
+          <a:chExt cx="0" cy="0"/>
+        </a:xfrm>
+      </p:grpSpPr>
+      <p:sp>
+        <p:nvSpPr>
+          <p:cNvPr id="2" name="Content Placeholder 1"/>
+          <p:cNvSpPr>
+            <a:spLocks noGrp="1"/>
+          </p:cNvSpPr>
+          <p:nvPr>
+            <p:ph idx="1"/>
+          </p:nvPr>
+        </p:nvSpPr>
+        <p:spPr/>
+        <p:txBody>
+          <a:bodyPr/>
+          <a:lstStyle/>
+          <a:p>
             <a:r>
               <a:rPr lang="en-US" dirty="0" smtClean="0"/>
               <a:t>Main project tasks achieved, though various improvements are possible:</a:t>
@@ -10260,8 +9414,8 @@
 </p:sld>
 </file>
 
-<file path=ppt/slides/slide43.xml><?xml version="1.0" encoding="utf-8"?>
-<p:sld xmlns:a="http://schemas.openxmlformats.org/drawingml/2006/main" xmlns:r="http://schemas.openxmlformats.org/officeDocument/2006/relationships" xmlns:p="http://schemas.openxmlformats.org/presentationml/2006/main">
+<file path=ppt/slides/slide41.xml><?xml version="1.0" encoding="utf-8"?>
+<p:sld xmlns:a="http://schemas.openxmlformats.org/drawingml/2006/main" xmlns:r="http://schemas.openxmlformats.org/officeDocument/2006/relationships" xmlns:mc="http://schemas.openxmlformats.org/markup-compatibility/2006" xmlns:mv="urn:schemas-microsoft-com:mac:vml" xmlns:p="http://schemas.openxmlformats.org/presentationml/2006/main" mc:Ignorable="mv" mc:PreserveAttributes="mv:*">
   <p:cSld>
     <p:spTree>
       <p:nvGrpSpPr>
@@ -10348,7 +9502,7 @@
 </file>
 
 <file path=ppt/slides/slide5.xml><?xml version="1.0" encoding="utf-8"?>
-<p:sld xmlns:a="http://schemas.openxmlformats.org/drawingml/2006/main" xmlns:r="http://schemas.openxmlformats.org/officeDocument/2006/relationships" xmlns:p="http://schemas.openxmlformats.org/presentationml/2006/main">
+<p:sld xmlns:a="http://schemas.openxmlformats.org/drawingml/2006/main" xmlns:r="http://schemas.openxmlformats.org/officeDocument/2006/relationships" xmlns:mc="http://schemas.openxmlformats.org/markup-compatibility/2006" xmlns:mv="urn:schemas-microsoft-com:mac:vml" xmlns:p="http://schemas.openxmlformats.org/presentationml/2006/main" mc:Ignorable="mv" mc:PreserveAttributes="mv:*">
   <p:cSld>
     <p:spTree>
       <p:nvGrpSpPr>
@@ -10376,10 +9530,104 @@
         </p:nvSpPr>
         <p:spPr/>
         <p:txBody>
-          <a:bodyPr/>
-          <a:lstStyle/>
-          <a:p>
-            <a:endParaRPr lang="lt-LT"/>
+          <a:bodyPr>
+            <a:normAutofit/>
+          </a:bodyPr>
+          <a:lstStyle/>
+          <a:p>
+            <a:r>
+              <a:rPr lang="en-US" dirty="0" smtClean="0"/>
+              <a:t>Motion capture</a:t>
+            </a:r>
+          </a:p>
+          <a:p>
+            <a:pPr lvl="1"/>
+            <a:r>
+              <a:rPr lang="en-US" dirty="0" smtClean="0"/>
+              <a:t>What is </a:t>
+            </a:r>
+            <a:r>
+              <a:rPr lang="en-US" dirty="0" err="1" smtClean="0"/>
+              <a:t>Mocap</a:t>
+            </a:r>
+            <a:r>
+              <a:rPr lang="en-US" dirty="0" smtClean="0"/>
+              <a:t>?</a:t>
+            </a:r>
+          </a:p>
+          <a:p>
+            <a:pPr lvl="1"/>
+            <a:r>
+              <a:rPr lang="en-US" dirty="0" err="1" smtClean="0"/>
+              <a:t>Mocap</a:t>
+            </a:r>
+            <a:r>
+              <a:rPr lang="en-US" dirty="0" smtClean="0"/>
+              <a:t> in everyday life and in our project</a:t>
+            </a:r>
+          </a:p>
+          <a:p>
+            <a:r>
+              <a:rPr lang="lt-LT" dirty="0" smtClean="0"/>
+              <a:t>Various motion capture systems</a:t>
+            </a:r>
+          </a:p>
+          <a:p>
+            <a:pPr lvl="1"/>
+            <a:r>
+              <a:rPr lang="lt-LT" dirty="0" smtClean="0"/>
+              <a:t>Optical, </a:t>
+            </a:r>
+            <a:r>
+              <a:rPr lang="en-US" dirty="0" smtClean="0"/>
+              <a:t>Magnetic</a:t>
+            </a:r>
+            <a:r>
+              <a:rPr lang="lt-LT" dirty="0" smtClean="0"/>
+              <a:t>, Mechanica</a:t>
+            </a:r>
+            <a:r>
+              <a:rPr lang="en-US" dirty="0" smtClean="0"/>
+              <a:t>l</a:t>
+            </a:r>
+            <a:r>
+              <a:rPr lang="en-US" sz="1800" i="1" dirty="0" smtClean="0"/>
+              <a:t>, Inertial</a:t>
+            </a:r>
+            <a:endParaRPr lang="lt-LT" sz="1800" i="1" dirty="0" smtClean="0"/>
+          </a:p>
+          <a:p>
+            <a:r>
+              <a:rPr lang="lt-LT" dirty="0" smtClean="0"/>
+              <a:t>Motion capture using Vicon Motion System</a:t>
+            </a:r>
+          </a:p>
+          <a:p>
+            <a:pPr lvl="1"/>
+            <a:r>
+              <a:rPr lang="en-US" sz="2400" dirty="0" smtClean="0"/>
+              <a:t>Basic Vicon MX system model</a:t>
+            </a:r>
+            <a:endParaRPr lang="lt-LT" dirty="0" smtClean="0"/>
+          </a:p>
+          <a:p>
+            <a:pPr lvl="2"/>
+            <a:r>
+              <a:rPr lang="en-US" dirty="0" smtClean="0"/>
+              <a:t>+ </a:t>
+            </a:r>
+            <a:r>
+              <a:rPr lang="lt-LT" dirty="0" smtClean="0"/>
+              <a:t>Suit with retroreflective markers</a:t>
+            </a:r>
+          </a:p>
+          <a:p>
+            <a:pPr lvl="1"/>
+            <a:r>
+              <a:rPr lang="en-US" dirty="0" smtClean="0"/>
+              <a:t>Capturing and post-processing</a:t>
+            </a:r>
+            <a:endParaRPr lang="lt-LT" dirty="0" smtClean="0"/>
           </a:p>
         </p:txBody>
       </p:sp>
@@ -10395,14 +9643,16 @@
         </p:nvSpPr>
         <p:spPr/>
         <p:txBody>
-          <a:bodyPr/>
-          <a:lstStyle/>
-          <a:p>
-            <a:r>
-              <a:rPr lang="en-US" dirty="0" smtClean="0"/>
-              <a:t>Human body animation movie</a:t>
-            </a:r>
-            <a:endParaRPr lang="en-US" dirty="0"/>
+          <a:bodyPr>
+            <a:normAutofit fontScale="90000"/>
+          </a:bodyPr>
+          <a:lstStyle/>
+          <a:p>
+            <a:r>
+              <a:rPr lang="lt-LT" dirty="0" smtClean="0"/>
+              <a:t>Motion capture and motion data</a:t>
+            </a:r>
+            <a:endParaRPr lang="lt-LT" dirty="0"/>
           </a:p>
         </p:txBody>
       </p:sp>
@@ -10422,168 +9672,7 @@
 </file>
 
 <file path=ppt/slides/slide6.xml><?xml version="1.0" encoding="utf-8"?>
-<p:sld xmlns:a="http://schemas.openxmlformats.org/drawingml/2006/main" xmlns:r="http://schemas.openxmlformats.org/officeDocument/2006/relationships" xmlns:p="http://schemas.openxmlformats.org/presentationml/2006/main">
-  <p:cSld>
-    <p:spTree>
-      <p:nvGrpSpPr>
-        <p:cNvPr id="1" name=""/>
-        <p:cNvGrpSpPr/>
-        <p:nvPr/>
-      </p:nvGrpSpPr>
-      <p:grpSpPr>
-        <a:xfrm>
-          <a:off x="0" y="0"/>
-          <a:ext cx="0" cy="0"/>
-          <a:chOff x="0" y="0"/>
-          <a:chExt cx="0" cy="0"/>
-        </a:xfrm>
-      </p:grpSpPr>
-      <p:sp>
-        <p:nvSpPr>
-          <p:cNvPr id="2" name="Content Placeholder 1"/>
-          <p:cNvSpPr>
-            <a:spLocks noGrp="1"/>
-          </p:cNvSpPr>
-          <p:nvPr>
-            <p:ph idx="1"/>
-          </p:nvPr>
-        </p:nvSpPr>
-        <p:spPr/>
-        <p:txBody>
-          <a:bodyPr>
-            <a:normAutofit/>
-          </a:bodyPr>
-          <a:lstStyle/>
-          <a:p>
-            <a:r>
-              <a:rPr lang="en-US" dirty="0" smtClean="0"/>
-              <a:t>Motion capture</a:t>
-            </a:r>
-          </a:p>
-          <a:p>
-            <a:pPr lvl="1"/>
-            <a:r>
-              <a:rPr lang="en-US" dirty="0" smtClean="0"/>
-              <a:t>What is </a:t>
-            </a:r>
-            <a:r>
-              <a:rPr lang="en-US" dirty="0" err="1" smtClean="0"/>
-              <a:t>Mocap</a:t>
-            </a:r>
-            <a:r>
-              <a:rPr lang="en-US" dirty="0" smtClean="0"/>
-              <a:t>? Where it is used?</a:t>
-            </a:r>
-            <a:endParaRPr lang="en-US" dirty="0" smtClean="0"/>
-          </a:p>
-          <a:p>
-            <a:r>
-              <a:rPr lang="lt-LT" dirty="0" smtClean="0"/>
-              <a:t>Various </a:t>
-            </a:r>
-            <a:r>
-              <a:rPr lang="lt-LT" dirty="0" smtClean="0"/>
-              <a:t>motion capture systems</a:t>
-            </a:r>
-          </a:p>
-          <a:p>
-            <a:pPr lvl="1"/>
-            <a:r>
-              <a:rPr lang="lt-LT" dirty="0" smtClean="0"/>
-              <a:t>Optical, </a:t>
-            </a:r>
-            <a:r>
-              <a:rPr lang="en-US" dirty="0" smtClean="0"/>
-              <a:t>Magnetic</a:t>
-            </a:r>
-            <a:r>
-              <a:rPr lang="lt-LT" dirty="0" smtClean="0"/>
-              <a:t>, Mechanica</a:t>
-            </a:r>
-            <a:r>
-              <a:rPr lang="en-US" dirty="0" smtClean="0"/>
-              <a:t>l</a:t>
-            </a:r>
-            <a:r>
-              <a:rPr lang="en-US" sz="1800" i="1" dirty="0" smtClean="0"/>
-              <a:t>, Inertial</a:t>
-            </a:r>
-            <a:endParaRPr lang="lt-LT" sz="1800" i="1" dirty="0" smtClean="0"/>
-          </a:p>
-          <a:p>
-            <a:r>
-              <a:rPr lang="lt-LT" dirty="0" smtClean="0"/>
-              <a:t>Motion capture using Vicon Motion System</a:t>
-            </a:r>
-          </a:p>
-          <a:p>
-            <a:pPr lvl="1"/>
-            <a:r>
-              <a:rPr lang="en-US" sz="2400" dirty="0" smtClean="0"/>
-              <a:t>Basic Vicon MX system model</a:t>
-            </a:r>
-            <a:endParaRPr lang="lt-LT" dirty="0" smtClean="0"/>
-          </a:p>
-          <a:p>
-            <a:pPr lvl="2"/>
-            <a:r>
-              <a:rPr lang="en-US" dirty="0" smtClean="0"/>
-              <a:t>+ </a:t>
-            </a:r>
-            <a:r>
-              <a:rPr lang="lt-LT" dirty="0" smtClean="0"/>
-              <a:t>Suit with retroreflective </a:t>
-            </a:r>
-            <a:r>
-              <a:rPr lang="lt-LT" dirty="0" smtClean="0"/>
-              <a:t>markers</a:t>
-            </a:r>
-            <a:endParaRPr lang="lt-LT" dirty="0" smtClean="0"/>
-          </a:p>
-        </p:txBody>
-      </p:sp>
-      <p:sp>
-        <p:nvSpPr>
-          <p:cNvPr id="3" name="Title 2"/>
-          <p:cNvSpPr>
-            <a:spLocks noGrp="1"/>
-          </p:cNvSpPr>
-          <p:nvPr>
-            <p:ph type="title"/>
-          </p:nvPr>
-        </p:nvSpPr>
-        <p:spPr/>
-        <p:txBody>
-          <a:bodyPr>
-            <a:normAutofit fontScale="90000"/>
-          </a:bodyPr>
-          <a:lstStyle/>
-          <a:p>
-            <a:r>
-              <a:rPr lang="lt-LT" dirty="0" smtClean="0"/>
-              <a:t>Motion capture and motion data</a:t>
-            </a:r>
-            <a:endParaRPr lang="lt-LT" dirty="0"/>
-          </a:p>
-        </p:txBody>
-      </p:sp>
-    </p:spTree>
-  </p:cSld>
-  <p:clrMapOvr>
-    <a:masterClrMapping/>
-  </p:clrMapOvr>
-  <p:timing>
-    <p:tnLst>
-      <p:par>
-        <p:cTn id="1" dur="indefinite" restart="never" nodeType="tmRoot"/>
-      </p:par>
-    </p:tnLst>
-  </p:timing>
-</p:sld>
-</file>
-
-<file path=ppt/slides/slide7.xml><?xml version="1.0" encoding="utf-8"?>
-<p:sld xmlns:a="http://schemas.openxmlformats.org/drawingml/2006/main" xmlns:r="http://schemas.openxmlformats.org/officeDocument/2006/relationships" xmlns:p="http://schemas.openxmlformats.org/presentationml/2006/main">
+<p:sld xmlns:a="http://schemas.openxmlformats.org/drawingml/2006/main" xmlns:r="http://schemas.openxmlformats.org/officeDocument/2006/relationships" xmlns:mc="http://schemas.openxmlformats.org/markup-compatibility/2006" xmlns:mv="urn:schemas-microsoft-com:mac:vml" xmlns:p="http://schemas.openxmlformats.org/presentationml/2006/main" mc:Ignorable="mv" mc:PreserveAttributes="mv:*">
   <p:cSld>
     <p:spTree>
       <p:nvGrpSpPr>
@@ -10695,8 +9784,8 @@
 </p:sld>
 </file>
 
-<file path=ppt/slides/slide8.xml><?xml version="1.0" encoding="utf-8"?>
-<p:sld xmlns:a="http://schemas.openxmlformats.org/drawingml/2006/main" xmlns:r="http://schemas.openxmlformats.org/officeDocument/2006/relationships" xmlns:p="http://schemas.openxmlformats.org/presentationml/2006/main" showMasterSp="0" show="0">
+<file path=ppt/slides/slide7.xml><?xml version="1.0" encoding="utf-8"?>
+<p:sld xmlns:a="http://schemas.openxmlformats.org/drawingml/2006/main" xmlns:r="http://schemas.openxmlformats.org/officeDocument/2006/relationships" xmlns:mc="http://schemas.openxmlformats.org/markup-compatibility/2006" xmlns:mv="urn:schemas-microsoft-com:mac:vml" xmlns:p="http://schemas.openxmlformats.org/presentationml/2006/main" mc:Ignorable="mv" mc:PreserveAttributes="mv:*">
   <p:cSld>
     <p:spTree>
       <p:nvGrpSpPr>
@@ -10722,87 +9811,83 @@
             <p:ph idx="1"/>
           </p:nvPr>
         </p:nvSpPr>
-        <p:spPr>
-          <a:xfrm>
-            <a:off x="457200" y="1481328"/>
-            <a:ext cx="8229600" cy="5376672"/>
-          </a:xfrm>
-        </p:spPr>
-        <p:txBody>
-          <a:bodyPr>
-            <a:normAutofit fontScale="77500" lnSpcReduction="20000"/>
-          </a:bodyPr>
-          <a:lstStyle/>
-          <a:p>
-            <a:r>
-              <a:rPr lang="en-US" dirty="0" err="1" smtClean="0"/>
-              <a:t>Mocap</a:t>
-            </a:r>
-            <a:r>
-              <a:rPr lang="en-US" dirty="0" smtClean="0"/>
-              <a:t> – records movements and converts them into digital data.</a:t>
-            </a:r>
-          </a:p>
-          <a:p>
-            <a:r>
-              <a:rPr lang="en-US" dirty="0" smtClean="0"/>
-              <a:t>Used in: entertainment, military, sports, medicine. </a:t>
-            </a:r>
-            <a:r>
-              <a:rPr lang="en-US" dirty="0" smtClean="0"/>
-              <a:t>We used it for capturing body movements and then using captured data animating human model in our application.</a:t>
-            </a:r>
-          </a:p>
-          <a:p>
-            <a:r>
-              <a:rPr lang="en-US" dirty="0" smtClean="0"/>
-              <a:t>Various motion capture systems are available:</a:t>
-            </a:r>
+        <p:spPr/>
+        <p:txBody>
+          <a:bodyPr/>
+          <a:lstStyle/>
+          <a:p>
+            <a:r>
+              <a:rPr lang="lt-LT" dirty="0" smtClean="0"/>
+              <a:t>Various motion data formats</a:t>
+            </a:r>
+            <a:endParaRPr lang="en-US" dirty="0" smtClean="0"/>
           </a:p>
           <a:p>
             <a:pPr lvl="1"/>
             <a:r>
               <a:rPr lang="en-US" dirty="0" smtClean="0"/>
-              <a:t>Optical – either reflecting (markers reflect light emitting diodes on the cameras) or light emitting markers (markers are </a:t>
-            </a:r>
-            <a:r>
-              <a:rPr lang="en-US" dirty="0" err="1" smtClean="0"/>
-              <a:t>diods</a:t>
-            </a:r>
-            <a:r>
-              <a:rPr lang="en-US" dirty="0" smtClean="0"/>
-              <a:t>) used on capture subjects. -&gt; High rate, accurate, free movement in capture volume, but post-processing required, lightning must be controlled, markers can be invisible sometimes.</a:t>
+              <a:t>C3D, </a:t>
+            </a:r>
+            <a:r>
+              <a:rPr lang="en-US" u="sng" dirty="0" smtClean="0"/>
+              <a:t>ASF/AMC</a:t>
+            </a:r>
+            <a:r>
+              <a:rPr lang="en-US" dirty="0" smtClean="0"/>
+              <a:t>, </a:t>
+            </a:r>
+            <a:r>
+              <a:rPr lang="en-US" u="sng" dirty="0" smtClean="0"/>
+              <a:t>BVH</a:t>
+            </a:r>
+            <a:r>
+              <a:rPr lang="en-US" dirty="0" smtClean="0"/>
+              <a:t>, </a:t>
+            </a:r>
+            <a:r>
+              <a:rPr lang="en-US" i="1" dirty="0" smtClean="0"/>
+              <a:t>FBX</a:t>
+            </a:r>
+            <a:endParaRPr lang="lt-LT" i="1" dirty="0" smtClean="0"/>
+          </a:p>
+          <a:p>
+            <a:r>
+              <a:rPr lang="lt-LT" dirty="0" smtClean="0"/>
+              <a:t>Used formats</a:t>
             </a:r>
           </a:p>
           <a:p>
             <a:pPr lvl="1"/>
             <a:r>
-              <a:rPr lang="en-US" dirty="0" smtClean="0"/>
-              <a:t>Magnetics – magnetic trackers, no post-processing required, markers not occluded, but lower sampling rate, tend to be noisy and can be interfered.</a:t>
-            </a:r>
+              <a:rPr lang="lt-LT" dirty="0" smtClean="0"/>
+              <a:t>Default C3D format for Vicon Motion System</a:t>
+            </a:r>
+            <a:endParaRPr lang="en-US" dirty="0" smtClean="0"/>
+          </a:p>
+          <a:p>
+            <a:pPr lvl="2"/>
+            <a:r>
+              <a:rPr lang="en-US" i="1" dirty="0" smtClean="0"/>
+              <a:t>Binary format, saves 3D coordinates</a:t>
+            </a:r>
+            <a:endParaRPr lang="lt-LT" i="1" dirty="0" smtClean="0"/>
           </a:p>
           <a:p>
             <a:pPr lvl="1"/>
             <a:r>
-              <a:rPr lang="en-US" dirty="0" smtClean="0"/>
-              <a:t>Mechanical – directly tracks body joint angles, skeletal-like structure is attached. Large capture range, cheaper, but provides no global translations, restricts subjects movements.</a:t>
-            </a:r>
-          </a:p>
-          <a:p>
-            <a:r>
-              <a:rPr lang="en-US" dirty="0" smtClean="0"/>
-              <a:t>We used Optical Vicon MX motion capture system with retro-reflective markers, placed on special suit for better accuracy. System consisted of 8 cameras, special </a:t>
-            </a:r>
-            <a:r>
-              <a:rPr lang="en-US" dirty="0" err="1" smtClean="0"/>
-              <a:t>ultranet</a:t>
-            </a:r>
-            <a:r>
-              <a:rPr lang="en-US" dirty="0" smtClean="0"/>
-              <a:t> adapter and host pc with Vicon IQ2.5 software.</a:t>
+              <a:rPr lang="lt-LT" dirty="0" smtClean="0"/>
+              <a:t>BVH format. Getting from C3D to BVH</a:t>
             </a:r>
             <a:endParaRPr lang="en-US" dirty="0" smtClean="0"/>
           </a:p>
+          <a:p>
+            <a:pPr lvl="2"/>
+            <a:r>
+              <a:rPr lang="en-US" i="1" dirty="0" smtClean="0"/>
+              <a:t>Saves hierarchy (skeleton joint structure) and transformation data</a:t>
+            </a:r>
+            <a:endParaRPr lang="lt-LT" i="1" dirty="0" smtClean="0"/>
+          </a:p>
         </p:txBody>
       </p:sp>
       <p:sp>
@@ -10817,18 +9902,12 @@
         </p:nvSpPr>
         <p:spPr/>
         <p:txBody>
-          <a:bodyPr>
-            <a:normAutofit/>
-          </a:bodyPr>
-          <a:lstStyle/>
-          <a:p>
-            <a:r>
-              <a:rPr lang="en-US" dirty="0" smtClean="0"/>
-              <a:t>Hidden. </a:t>
-            </a:r>
-            <a:r>
-              <a:rPr lang="en-US" dirty="0" smtClean="0"/>
-              <a:t>Motion capture</a:t>
+          <a:bodyPr/>
+          <a:lstStyle/>
+          <a:p>
+            <a:r>
+              <a:rPr lang="lt-LT" dirty="0" smtClean="0"/>
+              <a:t>Motion data</a:t>
             </a:r>
             <a:endParaRPr lang="lt-LT" dirty="0"/>
           </a:p>
@@ -10839,12 +9918,18 @@
   <p:clrMapOvr>
     <a:masterClrMapping/>
   </p:clrMapOvr>
-  <p:transition/>
+  <p:timing>
+    <p:tnLst>
+      <p:par>
+        <p:cTn id="1" dur="indefinite" restart="never" nodeType="tmRoot"/>
+      </p:par>
+    </p:tnLst>
+  </p:timing>
 </p:sld>
 </file>
 
-<file path=ppt/slides/slide9.xml><?xml version="1.0" encoding="utf-8"?>
-<p:sld xmlns:a="http://schemas.openxmlformats.org/drawingml/2006/main" xmlns:r="http://schemas.openxmlformats.org/officeDocument/2006/relationships" xmlns:p="http://schemas.openxmlformats.org/presentationml/2006/main">
+<file path=ppt/slides/slide8.xml><?xml version="1.0" encoding="utf-8"?>
+<p:sld xmlns:a="http://schemas.openxmlformats.org/drawingml/2006/main" xmlns:r="http://schemas.openxmlformats.org/officeDocument/2006/relationships" xmlns:mc="http://schemas.openxmlformats.org/markup-compatibility/2006" xmlns:mv="urn:schemas-microsoft-com:mac:vml" xmlns:p="http://schemas.openxmlformats.org/presentationml/2006/main" mc:Ignorable="mv" mc:PreserveAttributes="mv:*">
   <p:cSld>
     <p:spTree>
       <p:nvGrpSpPr>
@@ -10870,82 +9955,506 @@
             <p:ph idx="1"/>
           </p:nvPr>
         </p:nvSpPr>
-        <p:spPr/>
-        <p:txBody>
-          <a:bodyPr/>
-          <a:lstStyle/>
-          <a:p>
-            <a:r>
-              <a:rPr lang="lt-LT" dirty="0" smtClean="0"/>
-              <a:t>Various motion data formats</a:t>
-            </a:r>
-            <a:endParaRPr lang="en-US" dirty="0" smtClean="0"/>
-          </a:p>
-          <a:p>
-            <a:pPr lvl="1"/>
-            <a:r>
-              <a:rPr lang="en-US" dirty="0" smtClean="0"/>
-              <a:t>C3D, </a:t>
-            </a:r>
-            <a:r>
-              <a:rPr lang="en-US" u="sng" dirty="0" smtClean="0"/>
-              <a:t>ASF/AMC</a:t>
-            </a:r>
-            <a:r>
-              <a:rPr lang="en-US" dirty="0" smtClean="0"/>
-              <a:t>, </a:t>
-            </a:r>
-            <a:r>
-              <a:rPr lang="en-US" u="sng" dirty="0" smtClean="0"/>
-              <a:t>BVH</a:t>
-            </a:r>
-            <a:r>
-              <a:rPr lang="en-US" dirty="0" smtClean="0"/>
-              <a:t>, </a:t>
-            </a:r>
-            <a:r>
-              <a:rPr lang="en-US" i="1" dirty="0" smtClean="0"/>
-              <a:t>FBX</a:t>
-            </a:r>
-            <a:endParaRPr lang="lt-LT" i="1" dirty="0" smtClean="0"/>
-          </a:p>
-          <a:p>
-            <a:r>
-              <a:rPr lang="lt-LT" dirty="0" smtClean="0"/>
-              <a:t>Used formats</a:t>
-            </a:r>
-          </a:p>
-          <a:p>
-            <a:pPr lvl="1"/>
-            <a:r>
-              <a:rPr lang="lt-LT" dirty="0" smtClean="0"/>
-              <a:t>Default C3D format for Vicon Motion System</a:t>
-            </a:r>
-            <a:endParaRPr lang="en-US" dirty="0" smtClean="0"/>
-          </a:p>
-          <a:p>
-            <a:pPr lvl="2"/>
-            <a:r>
-              <a:rPr lang="en-US" i="1" dirty="0" smtClean="0"/>
-              <a:t>Binary format, saves 3D coordinates</a:t>
-            </a:r>
-            <a:endParaRPr lang="lt-LT" i="1" dirty="0" smtClean="0"/>
-          </a:p>
-          <a:p>
-            <a:pPr lvl="1"/>
-            <a:r>
-              <a:rPr lang="lt-LT" dirty="0" smtClean="0"/>
-              <a:t>BVH format. Getting from C3D to BVH</a:t>
-            </a:r>
-            <a:endParaRPr lang="en-US" dirty="0" smtClean="0"/>
-          </a:p>
-          <a:p>
-            <a:pPr lvl="2"/>
-            <a:r>
-              <a:rPr lang="en-US" i="1" dirty="0" smtClean="0"/>
-              <a:t>Saves hierarchy (skeleton joint structure) and transformation data</a:t>
-            </a:r>
-            <a:endParaRPr lang="lt-LT" i="1" dirty="0" smtClean="0"/>
+        <p:spPr>
+          <a:xfrm>
+            <a:off x="457200" y="1285860"/>
+            <a:ext cx="8229600" cy="5572140"/>
+          </a:xfrm>
+        </p:spPr>
+        <p:txBody>
+          <a:bodyPr>
+            <a:noAutofit/>
+          </a:bodyPr>
+          <a:lstStyle/>
+          <a:p>
+            <a:pPr>
+              <a:lnSpc>
+                <a:spcPts val="1200"/>
+              </a:lnSpc>
+              <a:spcBef>
+                <a:spcPts val="0"/>
+              </a:spcBef>
+            </a:pPr>
+            <a:r>
+              <a:rPr lang="lt-LT" sz="1200" i="1" dirty="0" smtClean="0"/>
+              <a:t>HIERARCHY</a:t>
+            </a:r>
+          </a:p>
+          <a:p>
+            <a:pPr>
+              <a:lnSpc>
+                <a:spcPts val="1200"/>
+              </a:lnSpc>
+              <a:spcBef>
+                <a:spcPts val="0"/>
+              </a:spcBef>
+            </a:pPr>
+            <a:r>
+              <a:rPr lang="lt-LT" sz="1200" i="1" dirty="0" smtClean="0"/>
+              <a:t>ROOT Hips</a:t>
+            </a:r>
+          </a:p>
+          <a:p>
+            <a:pPr>
+              <a:lnSpc>
+                <a:spcPts val="1200"/>
+              </a:lnSpc>
+              <a:spcBef>
+                <a:spcPts val="0"/>
+              </a:spcBef>
+            </a:pPr>
+            <a:r>
+              <a:rPr lang="lt-LT" sz="1200" i="1" dirty="0" smtClean="0"/>
+              <a:t>{</a:t>
+            </a:r>
+          </a:p>
+          <a:p>
+            <a:pPr>
+              <a:lnSpc>
+                <a:spcPts val="1200"/>
+              </a:lnSpc>
+              <a:spcBef>
+                <a:spcPts val="0"/>
+              </a:spcBef>
+            </a:pPr>
+            <a:r>
+              <a:rPr lang="lt-LT" sz="1200" i="1" dirty="0" smtClean="0"/>
+              <a:t>  OFFSET 0 34.322 0</a:t>
+            </a:r>
+          </a:p>
+          <a:p>
+            <a:pPr>
+              <a:lnSpc>
+                <a:spcPts val="1200"/>
+              </a:lnSpc>
+              <a:spcBef>
+                <a:spcPts val="0"/>
+              </a:spcBef>
+            </a:pPr>
+            <a:r>
+              <a:rPr lang="lt-LT" sz="1200" i="1" dirty="0" smtClean="0"/>
+              <a:t>  CHANNELS 6 Xposition Yposition Zposition Zrotation Xrotation Yrotation</a:t>
+            </a:r>
+          </a:p>
+          <a:p>
+            <a:pPr>
+              <a:lnSpc>
+                <a:spcPts val="1200"/>
+              </a:lnSpc>
+              <a:spcBef>
+                <a:spcPts val="0"/>
+              </a:spcBef>
+            </a:pPr>
+            <a:r>
+              <a:rPr lang="lt-LT" sz="1200" i="1" dirty="0" smtClean="0"/>
+              <a:t>  JOINT LeftHip</a:t>
+            </a:r>
+          </a:p>
+          <a:p>
+            <a:pPr>
+              <a:lnSpc>
+                <a:spcPts val="1200"/>
+              </a:lnSpc>
+              <a:spcBef>
+                <a:spcPts val="0"/>
+              </a:spcBef>
+            </a:pPr>
+            <a:r>
+              <a:rPr lang="lt-LT" sz="1200" i="1" dirty="0" smtClean="0"/>
+              <a:t>  {</a:t>
+            </a:r>
+          </a:p>
+          <a:p>
+            <a:pPr>
+              <a:lnSpc>
+                <a:spcPts val="1200"/>
+              </a:lnSpc>
+              <a:spcBef>
+                <a:spcPts val="0"/>
+              </a:spcBef>
+            </a:pPr>
+            <a:r>
+              <a:rPr lang="lt-LT" sz="1200" i="1" dirty="0" smtClean="0"/>
+              <a:t>    OFFSET 4.587 -1.043 0</a:t>
+            </a:r>
+          </a:p>
+          <a:p>
+            <a:pPr>
+              <a:lnSpc>
+                <a:spcPts val="1200"/>
+              </a:lnSpc>
+              <a:spcBef>
+                <a:spcPts val="0"/>
+              </a:spcBef>
+            </a:pPr>
+            <a:r>
+              <a:rPr lang="lt-LT" sz="1200" i="1" dirty="0" smtClean="0"/>
+              <a:t>    CHANNELS 3 Zrotation Xrotation Yrotation</a:t>
+            </a:r>
+          </a:p>
+          <a:p>
+            <a:pPr>
+              <a:lnSpc>
+                <a:spcPts val="1200"/>
+              </a:lnSpc>
+              <a:spcBef>
+                <a:spcPts val="0"/>
+              </a:spcBef>
+            </a:pPr>
+            <a:r>
+              <a:rPr lang="lt-LT" sz="1200" i="1" dirty="0" smtClean="0"/>
+              <a:t>    JOINT LeftKnee</a:t>
+            </a:r>
+          </a:p>
+          <a:p>
+            <a:pPr>
+              <a:lnSpc>
+                <a:spcPts val="1200"/>
+              </a:lnSpc>
+              <a:spcBef>
+                <a:spcPts val="0"/>
+              </a:spcBef>
+            </a:pPr>
+            <a:r>
+              <a:rPr lang="lt-LT" sz="1200" i="1" dirty="0" smtClean="0"/>
+              <a:t>    {</a:t>
+            </a:r>
+          </a:p>
+          <a:p>
+            <a:pPr>
+              <a:lnSpc>
+                <a:spcPts val="1200"/>
+              </a:lnSpc>
+              <a:spcBef>
+                <a:spcPts val="0"/>
+              </a:spcBef>
+            </a:pPr>
+            <a:r>
+              <a:rPr lang="lt-LT" sz="1200" i="1" dirty="0" smtClean="0"/>
+              <a:t>      OFFSET 3.09 -15.571 0</a:t>
+            </a:r>
+          </a:p>
+          <a:p>
+            <a:pPr>
+              <a:lnSpc>
+                <a:spcPts val="1200"/>
+              </a:lnSpc>
+              <a:spcBef>
+                <a:spcPts val="0"/>
+              </a:spcBef>
+            </a:pPr>
+            <a:r>
+              <a:rPr lang="lt-LT" sz="1200" i="1" dirty="0" smtClean="0"/>
+              <a:t>      CHANNELS 3 Zrotation Xrotation Yrotation</a:t>
+            </a:r>
+          </a:p>
+          <a:p>
+            <a:pPr>
+              <a:lnSpc>
+                <a:spcPts val="1200"/>
+              </a:lnSpc>
+              <a:spcBef>
+                <a:spcPts val="0"/>
+              </a:spcBef>
+            </a:pPr>
+            <a:r>
+              <a:rPr lang="lt-LT" sz="1200" i="1" dirty="0" smtClean="0"/>
+              <a:t>      JOINT LeftAnkle</a:t>
+            </a:r>
+          </a:p>
+          <a:p>
+            <a:pPr>
+              <a:lnSpc>
+                <a:spcPts val="1200"/>
+              </a:lnSpc>
+              <a:spcBef>
+                <a:spcPts val="0"/>
+              </a:spcBef>
+            </a:pPr>
+            <a:r>
+              <a:rPr lang="lt-LT" sz="1200" i="1" dirty="0" smtClean="0"/>
+              <a:t>      {</a:t>
+            </a:r>
+          </a:p>
+          <a:p>
+            <a:pPr>
+              <a:lnSpc>
+                <a:spcPts val="1200"/>
+              </a:lnSpc>
+              <a:spcBef>
+                <a:spcPts val="0"/>
+              </a:spcBef>
+            </a:pPr>
+            <a:r>
+              <a:rPr lang="lt-LT" sz="1200" i="1" dirty="0" smtClean="0"/>
+              <a:t>        OFFSET 2.179 -16.111 -2.139</a:t>
+            </a:r>
+          </a:p>
+          <a:p>
+            <a:pPr>
+              <a:lnSpc>
+                <a:spcPts val="1200"/>
+              </a:lnSpc>
+              <a:spcBef>
+                <a:spcPts val="0"/>
+              </a:spcBef>
+            </a:pPr>
+            <a:r>
+              <a:rPr lang="lt-LT" sz="1200" i="1" dirty="0" smtClean="0"/>
+              <a:t>        CHANNELS 3 Zrotation Xrotation Yrotation</a:t>
+            </a:r>
+          </a:p>
+          <a:p>
+            <a:pPr>
+              <a:lnSpc>
+                <a:spcPts val="1200"/>
+              </a:lnSpc>
+              <a:spcBef>
+                <a:spcPts val="0"/>
+              </a:spcBef>
+            </a:pPr>
+            <a:r>
+              <a:rPr lang="lt-LT" sz="1200" i="1" dirty="0" smtClean="0"/>
+              <a:t>        JOINT LeftAnkle_End</a:t>
+            </a:r>
+          </a:p>
+          <a:p>
+            <a:pPr>
+              <a:lnSpc>
+                <a:spcPts val="1200"/>
+              </a:lnSpc>
+              <a:spcBef>
+                <a:spcPts val="0"/>
+              </a:spcBef>
+            </a:pPr>
+            <a:r>
+              <a:rPr lang="lt-LT" sz="1200" i="1" dirty="0" smtClean="0"/>
+              <a:t>        {</a:t>
+            </a:r>
+          </a:p>
+          <a:p>
+            <a:pPr>
+              <a:lnSpc>
+                <a:spcPts val="1200"/>
+              </a:lnSpc>
+              <a:spcBef>
+                <a:spcPts val="0"/>
+              </a:spcBef>
+            </a:pPr>
+            <a:r>
+              <a:rPr lang="lt-LT" sz="1200" i="1" dirty="0" smtClean="0"/>
+              <a:t>          OFFSET 0 -0.867 1.597</a:t>
+            </a:r>
+          </a:p>
+          <a:p>
+            <a:pPr>
+              <a:lnSpc>
+                <a:spcPts val="1200"/>
+              </a:lnSpc>
+              <a:spcBef>
+                <a:spcPts val="0"/>
+              </a:spcBef>
+            </a:pPr>
+            <a:r>
+              <a:rPr lang="lt-LT" sz="1200" i="1" dirty="0" smtClean="0"/>
+              <a:t>          CHANNELS 3 Zrotation Xrotation Yrotation</a:t>
+            </a:r>
+          </a:p>
+          <a:p>
+            <a:pPr>
+              <a:lnSpc>
+                <a:spcPts val="1200"/>
+              </a:lnSpc>
+              <a:spcBef>
+                <a:spcPts val="0"/>
+              </a:spcBef>
+            </a:pPr>
+            <a:r>
+              <a:rPr lang="lt-LT" sz="1200" i="1" dirty="0" smtClean="0"/>
+              <a:t>          End Site</a:t>
+            </a:r>
+          </a:p>
+          <a:p>
+            <a:pPr>
+              <a:lnSpc>
+                <a:spcPts val="1200"/>
+              </a:lnSpc>
+              <a:spcBef>
+                <a:spcPts val="0"/>
+              </a:spcBef>
+            </a:pPr>
+            <a:r>
+              <a:rPr lang="lt-LT" sz="1200" i="1" dirty="0" smtClean="0"/>
+              <a:t>          {</a:t>
+            </a:r>
+          </a:p>
+          <a:p>
+            <a:pPr>
+              <a:lnSpc>
+                <a:spcPts val="1200"/>
+              </a:lnSpc>
+              <a:spcBef>
+                <a:spcPts val="0"/>
+              </a:spcBef>
+            </a:pPr>
+            <a:r>
+              <a:rPr lang="lt-LT" sz="1200" i="1" dirty="0" smtClean="0"/>
+              <a:t>            OFFSET 1 0 0</a:t>
+            </a:r>
+          </a:p>
+          <a:p>
+            <a:pPr>
+              <a:lnSpc>
+                <a:spcPts val="1200"/>
+              </a:lnSpc>
+              <a:spcBef>
+                <a:spcPts val="0"/>
+              </a:spcBef>
+            </a:pPr>
+            <a:r>
+              <a:rPr lang="lt-LT" sz="1200" i="1" dirty="0" smtClean="0"/>
+              <a:t>          }</a:t>
+            </a:r>
+          </a:p>
+          <a:p>
+            <a:pPr>
+              <a:lnSpc>
+                <a:spcPts val="1200"/>
+              </a:lnSpc>
+              <a:spcBef>
+                <a:spcPts val="0"/>
+              </a:spcBef>
+            </a:pPr>
+            <a:r>
+              <a:rPr lang="lt-LT" sz="1200" i="1" dirty="0" smtClean="0"/>
+              <a:t>        }</a:t>
+            </a:r>
+          </a:p>
+          <a:p>
+            <a:pPr>
+              <a:lnSpc>
+                <a:spcPts val="1200"/>
+              </a:lnSpc>
+              <a:spcBef>
+                <a:spcPts val="0"/>
+              </a:spcBef>
+            </a:pPr>
+            <a:r>
+              <a:rPr lang="lt-LT" sz="1200" i="1" dirty="0" smtClean="0"/>
+              <a:t>      }</a:t>
+            </a:r>
+          </a:p>
+          <a:p>
+            <a:pPr>
+              <a:lnSpc>
+                <a:spcPts val="1200"/>
+              </a:lnSpc>
+              <a:spcBef>
+                <a:spcPts val="0"/>
+              </a:spcBef>
+            </a:pPr>
+            <a:r>
+              <a:rPr lang="lt-LT" sz="1200" i="1" dirty="0" smtClean="0"/>
+              <a:t>    }</a:t>
+            </a:r>
+          </a:p>
+          <a:p>
+            <a:pPr>
+              <a:lnSpc>
+                <a:spcPts val="1200"/>
+              </a:lnSpc>
+              <a:spcBef>
+                <a:spcPts val="0"/>
+              </a:spcBef>
+            </a:pPr>
+            <a:r>
+              <a:rPr lang="lt-LT" sz="1200" i="1" dirty="0" smtClean="0"/>
+              <a:t>  }</a:t>
+            </a:r>
+          </a:p>
+          <a:p>
+            <a:pPr>
+              <a:lnSpc>
+                <a:spcPts val="1200"/>
+              </a:lnSpc>
+              <a:spcBef>
+                <a:spcPts val="0"/>
+              </a:spcBef>
+            </a:pPr>
+            <a:r>
+              <a:rPr lang="lt-LT" sz="1200" i="1" dirty="0" smtClean="0"/>
+              <a:t>  JOINT RightHip</a:t>
+            </a:r>
+          </a:p>
+          <a:p>
+            <a:pPr>
+              <a:lnSpc>
+                <a:spcPts val="1200"/>
+              </a:lnSpc>
+              <a:spcBef>
+                <a:spcPts val="0"/>
+              </a:spcBef>
+            </a:pPr>
+            <a:r>
+              <a:rPr lang="lt-LT" sz="1200" i="1" dirty="0" smtClean="0"/>
+              <a:t>  {</a:t>
+            </a:r>
+          </a:p>
+          <a:p>
+            <a:pPr>
+              <a:lnSpc>
+                <a:spcPts val="1200"/>
+              </a:lnSpc>
+              <a:spcBef>
+                <a:spcPts val="0"/>
+              </a:spcBef>
+            </a:pPr>
+            <a:r>
+              <a:rPr lang="lt-LT" sz="1200" i="1" dirty="0" smtClean="0"/>
+              <a:t>	...</a:t>
+            </a:r>
+          </a:p>
+          <a:p>
+            <a:pPr>
+              <a:lnSpc>
+                <a:spcPts val="1200"/>
+              </a:lnSpc>
+              <a:spcBef>
+                <a:spcPts val="0"/>
+              </a:spcBef>
+            </a:pPr>
+            <a:r>
+              <a:rPr lang="lt-LT" sz="1200" i="1" dirty="0" smtClean="0"/>
+              <a:t>  }</a:t>
+            </a:r>
+          </a:p>
+          <a:p>
+            <a:pPr>
+              <a:lnSpc>
+                <a:spcPts val="1200"/>
+              </a:lnSpc>
+              <a:spcBef>
+                <a:spcPts val="0"/>
+              </a:spcBef>
+            </a:pPr>
+            <a:r>
+              <a:rPr lang="lt-LT" sz="1200" i="1" dirty="0" smtClean="0"/>
+              <a:t>  ...</a:t>
+            </a:r>
+          </a:p>
+          <a:p>
+            <a:pPr>
+              <a:lnSpc>
+                <a:spcPts val="1200"/>
+              </a:lnSpc>
+              <a:spcBef>
+                <a:spcPts val="0"/>
+              </a:spcBef>
+            </a:pPr>
+            <a:r>
+              <a:rPr lang="lt-LT" sz="1200" i="1" dirty="0" smtClean="0"/>
+              <a:t>}</a:t>
+            </a:r>
           </a:p>
         </p:txBody>
       </p:sp>
@@ -10961,12 +10470,143 @@
         </p:nvSpPr>
         <p:spPr/>
         <p:txBody>
-          <a:bodyPr/>
+          <a:bodyPr>
+            <a:normAutofit fontScale="90000"/>
+          </a:bodyPr>
           <a:lstStyle/>
           <a:p>
             <a:r>
               <a:rPr lang="lt-LT" dirty="0" smtClean="0"/>
               <a:t>Motion data</a:t>
+            </a:r>
+            <a:r>
+              <a:rPr lang="en-US" dirty="0" smtClean="0"/>
+              <a:t/>
+            </a:r>
+            <a:br>
+              <a:rPr lang="en-US" dirty="0" smtClean="0"/>
+            </a:br>
+            <a:r>
+              <a:rPr lang="en-US" dirty="0" smtClean="0"/>
+              <a:t>BVH Hierarchy section</a:t>
+            </a:r>
+            <a:endParaRPr lang="lt-LT" dirty="0"/>
+          </a:p>
+        </p:txBody>
+      </p:sp>
+    </p:spTree>
+  </p:cSld>
+  <p:clrMapOvr>
+    <a:masterClrMapping/>
+  </p:clrMapOvr>
+  <p:timing>
+    <p:tnLst>
+      <p:par>
+        <p:cTn id="1" dur="indefinite" restart="never" nodeType="tmRoot"/>
+      </p:par>
+    </p:tnLst>
+  </p:timing>
+</p:sld>
+</file>
+
+<file path=ppt/slides/slide9.xml><?xml version="1.0" encoding="utf-8"?>
+<p:sld xmlns:a="http://schemas.openxmlformats.org/drawingml/2006/main" xmlns:r="http://schemas.openxmlformats.org/officeDocument/2006/relationships" xmlns:mc="http://schemas.openxmlformats.org/markup-compatibility/2006" xmlns:mv="urn:schemas-microsoft-com:mac:vml" xmlns:p="http://schemas.openxmlformats.org/presentationml/2006/main" mc:Ignorable="mv" mc:PreserveAttributes="mv:*">
+  <p:cSld>
+    <p:spTree>
+      <p:nvGrpSpPr>
+        <p:cNvPr id="1" name=""/>
+        <p:cNvGrpSpPr/>
+        <p:nvPr/>
+      </p:nvGrpSpPr>
+      <p:grpSpPr>
+        <a:xfrm>
+          <a:off x="0" y="0"/>
+          <a:ext cx="0" cy="0"/>
+          <a:chOff x="0" y="0"/>
+          <a:chExt cx="0" cy="0"/>
+        </a:xfrm>
+      </p:grpSpPr>
+      <p:sp>
+        <p:nvSpPr>
+          <p:cNvPr id="2" name="Content Placeholder 1"/>
+          <p:cNvSpPr>
+            <a:spLocks noGrp="1"/>
+          </p:cNvSpPr>
+          <p:nvPr>
+            <p:ph idx="1"/>
+          </p:nvPr>
+        </p:nvSpPr>
+        <p:spPr/>
+        <p:txBody>
+          <a:bodyPr>
+            <a:normAutofit fontScale="85000" lnSpcReduction="20000"/>
+          </a:bodyPr>
+          <a:lstStyle/>
+          <a:p>
+            <a:r>
+              <a:rPr lang="lt-LT" sz="2400" i="1" dirty="0" smtClean="0"/>
+              <a:t>Frames: 1289</a:t>
+            </a:r>
+          </a:p>
+          <a:p>
+            <a:r>
+              <a:rPr lang="lt-LT" sz="2400" i="1" dirty="0" smtClean="0"/>
+              <a:t>Frame Time: 0.033333</a:t>
+            </a:r>
+          </a:p>
+          <a:p>
+            <a:r>
+              <a:rPr lang="lt-LT" sz="1800" i="1" dirty="0" smtClean="0"/>
+              <a:t>19.8598 80.309 -11.521 -0.661911 0.799904 171.213 -1.85002 2.52617 10.7515 3.17067 -1.01583e-010 -10.2854 -1.58501 -1.94847 -0.0287346 0 0 0 -0.0555542 2.6936 -11.4833 -0.562183 1.22223e-006 11.8361 0.284375 -1.65435 -0.00579677 0 0 0 -1.25693 6.24787 -0.51793 3.27727 -16.0419 -1.36162 14.6579 0.0301162 -3.60178 -5.21488 6.12318 -3.03665 2.47876 0.000451064 -6.17142e-006 -0.509607 -8.47663 0.248473 0 0 0 -15.7988 1.60936 -7.32667 1.93902 -8.80292 5.13737 -1.30308 7.39538e-009 8.53796e-007 0.267783 -4.03835 0.26339 0 0 0 0.258752 -0.0812672 0.831621 12.5445 1.71161 -2.09692 0 0 0</a:t>
+            </a:r>
+            <a:endParaRPr lang="en-US" sz="1800" i="1" dirty="0" smtClean="0"/>
+          </a:p>
+          <a:p>
+            <a:r>
+              <a:rPr lang="en-US" sz="1800" i="1" dirty="0" smtClean="0"/>
+              <a:t>19.8771 80.2868 -11.5326 -0.700186 0.756134 171.114 -1.84667 2.51303 10.794 3.13528 -1.01593e-010 -10.2526 -1.58653 -1.95993 -0.0287348 0 0 0 -0.0627105 2.65564 -11.4946 -0.56617 1.2219e-006 11.9114 0.31303 -1.66464 -0.0057968 0 0 0 -1.29175 6.15499 -0.450865 3.47648 -15.6579 -1.30103 14.4269 0.0330917 -3.62714 -5.39613 6.06833 -2.95956 2.27028 0.000451064 -6.17142e-006 -0.527485 -7.40878 0.0488122 0 0 0 -15.6207 1.62543 -7.46368 1.75456 -9.10966 5.12076 -1.08476 7.39538e-009 8.53796e-007 0.274961 -4.00089 0.215719 0 0 0 0.444407 -0.387448 0.74024 12.1183 2.50324 -2.11188 0 0 0</a:t>
+            </a:r>
+          </a:p>
+          <a:p>
+            <a:r>
+              <a:rPr lang="en-US" sz="1800" i="1" dirty="0" smtClean="0"/>
+              <a:t>…</a:t>
+            </a:r>
+            <a:endParaRPr lang="lt-LT" sz="1800" i="1" dirty="0" smtClean="0"/>
+          </a:p>
+        </p:txBody>
+      </p:sp>
+      <p:sp>
+        <p:nvSpPr>
+          <p:cNvPr id="3" name="Title 2"/>
+          <p:cNvSpPr>
+            <a:spLocks noGrp="1"/>
+          </p:cNvSpPr>
+          <p:nvPr>
+            <p:ph type="title"/>
+          </p:nvPr>
+        </p:nvSpPr>
+        <p:spPr/>
+        <p:txBody>
+          <a:bodyPr>
+            <a:normAutofit fontScale="90000"/>
+          </a:bodyPr>
+          <a:lstStyle/>
+          <a:p>
+            <a:r>
+              <a:rPr lang="lt-LT" dirty="0" smtClean="0"/>
+              <a:t>Motion data</a:t>
+            </a:r>
+            <a:r>
+              <a:rPr lang="en-US" dirty="0" smtClean="0"/>
+              <a:t/>
+            </a:r>
+            <a:br>
+              <a:rPr lang="en-US" dirty="0" smtClean="0"/>
+            </a:br>
+            <a:r>
+              <a:rPr lang="en-US" dirty="0" smtClean="0"/>
+              <a:t>BVH Motion section</a:t>
             </a:r>
             <a:endParaRPr lang="lt-LT" dirty="0"/>
           </a:p>

--- a/trunk/docs/Presentation/Presentation.pptx
+++ b/trunk/docs/Presentation/Presentation.pptx
@@ -1,6 +1,6 @@
 
 <file path=ppt/presentation.xml><?xml version="1.0" encoding="utf-8"?>
-<p:presentation xmlns:a="http://schemas.openxmlformats.org/drawingml/2006/main" xmlns:r="http://schemas.openxmlformats.org/officeDocument/2006/relationships" xmlns:mc="http://schemas.openxmlformats.org/markup-compatibility/2006" xmlns:mv="urn:schemas-microsoft-com:mac:vml" xmlns:p="http://schemas.openxmlformats.org/presentationml/2006/main" mc:Ignorable="mv" mc:PreserveAttributes="mv:*" saveSubsetFonts="1">
+<p:presentation xmlns:a="http://schemas.openxmlformats.org/drawingml/2006/main" xmlns:r="http://schemas.openxmlformats.org/officeDocument/2006/relationships" xmlns:p="http://schemas.openxmlformats.org/presentationml/2006/main" saveSubsetFonts="1">
   <p:sldMasterIdLst>
     <p:sldMasterId id="2147483672" r:id="rId1"/>
   </p:sldMasterIdLst>
@@ -8,44 +8,48 @@
     <p:sldId id="256" r:id="rId2"/>
     <p:sldId id="257" r:id="rId3"/>
     <p:sldId id="259" r:id="rId4"/>
-    <p:sldId id="261" r:id="rId5"/>
-    <p:sldId id="263" r:id="rId6"/>
-    <p:sldId id="281" r:id="rId7"/>
-    <p:sldId id="266" r:id="rId8"/>
-    <p:sldId id="296" r:id="rId9"/>
-    <p:sldId id="298" r:id="rId10"/>
-    <p:sldId id="260" r:id="rId11"/>
-    <p:sldId id="273" r:id="rId12"/>
-    <p:sldId id="279" r:id="rId13"/>
-    <p:sldId id="262" r:id="rId14"/>
-    <p:sldId id="268" r:id="rId15"/>
-    <p:sldId id="269" r:id="rId16"/>
-    <p:sldId id="270" r:id="rId17"/>
-    <p:sldId id="271" r:id="rId18"/>
-    <p:sldId id="286" r:id="rId19"/>
-    <p:sldId id="287" r:id="rId20"/>
-    <p:sldId id="288" r:id="rId21"/>
-    <p:sldId id="289" r:id="rId22"/>
-    <p:sldId id="290" r:id="rId23"/>
-    <p:sldId id="291" r:id="rId24"/>
-    <p:sldId id="292" r:id="rId25"/>
-    <p:sldId id="293" r:id="rId26"/>
-    <p:sldId id="294" r:id="rId27"/>
-    <p:sldId id="267" r:id="rId28"/>
-    <p:sldId id="280" r:id="rId29"/>
-    <p:sldId id="297" r:id="rId30"/>
-    <p:sldId id="299" r:id="rId31"/>
-    <p:sldId id="285" r:id="rId32"/>
-    <p:sldId id="275" r:id="rId33"/>
-    <p:sldId id="264" r:id="rId34"/>
-    <p:sldId id="276" r:id="rId35"/>
-    <p:sldId id="283" r:id="rId36"/>
-    <p:sldId id="277" r:id="rId37"/>
-    <p:sldId id="278" r:id="rId38"/>
-    <p:sldId id="284" r:id="rId39"/>
-    <p:sldId id="295" r:id="rId40"/>
-    <p:sldId id="282" r:id="rId41"/>
-    <p:sldId id="258" r:id="rId42"/>
+    <p:sldId id="299" r:id="rId5"/>
+    <p:sldId id="261" r:id="rId6"/>
+    <p:sldId id="263" r:id="rId7"/>
+    <p:sldId id="281" r:id="rId8"/>
+    <p:sldId id="300" r:id="rId9"/>
+    <p:sldId id="266" r:id="rId10"/>
+    <p:sldId id="296" r:id="rId11"/>
+    <p:sldId id="298" r:id="rId12"/>
+    <p:sldId id="301" r:id="rId13"/>
+    <p:sldId id="260" r:id="rId14"/>
+    <p:sldId id="273" r:id="rId15"/>
+    <p:sldId id="279" r:id="rId16"/>
+    <p:sldId id="304" r:id="rId17"/>
+    <p:sldId id="262" r:id="rId18"/>
+    <p:sldId id="268" r:id="rId19"/>
+    <p:sldId id="269" r:id="rId20"/>
+    <p:sldId id="270" r:id="rId21"/>
+    <p:sldId id="271" r:id="rId22"/>
+    <p:sldId id="286" r:id="rId23"/>
+    <p:sldId id="287" r:id="rId24"/>
+    <p:sldId id="288" r:id="rId25"/>
+    <p:sldId id="289" r:id="rId26"/>
+    <p:sldId id="290" r:id="rId27"/>
+    <p:sldId id="291" r:id="rId28"/>
+    <p:sldId id="292" r:id="rId29"/>
+    <p:sldId id="293" r:id="rId30"/>
+    <p:sldId id="294" r:id="rId31"/>
+    <p:sldId id="267" r:id="rId32"/>
+    <p:sldId id="302" r:id="rId33"/>
+    <p:sldId id="303" r:id="rId34"/>
+    <p:sldId id="280" r:id="rId35"/>
+    <p:sldId id="285" r:id="rId36"/>
+    <p:sldId id="275" r:id="rId37"/>
+    <p:sldId id="264" r:id="rId38"/>
+    <p:sldId id="276" r:id="rId39"/>
+    <p:sldId id="283" r:id="rId40"/>
+    <p:sldId id="277" r:id="rId41"/>
+    <p:sldId id="278" r:id="rId42"/>
+    <p:sldId id="284" r:id="rId43"/>
+    <p:sldId id="295" r:id="rId44"/>
+    <p:sldId id="282" r:id="rId45"/>
+    <p:sldId id="258" r:id="rId46"/>
   </p:sldIdLst>
   <p:sldSz cx="9144000" cy="6858000" type="screen4x3"/>
   <p:notesSz cx="6858000" cy="9144000"/>
@@ -148,7 +152,7 @@
 </file>
 
 <file path=ppt/slideLayouts/slideLayout1.xml><?xml version="1.0" encoding="utf-8"?>
-<p:sldLayout xmlns:a="http://schemas.openxmlformats.org/drawingml/2006/main" xmlns:r="http://schemas.openxmlformats.org/officeDocument/2006/relationships" xmlns:mc="http://schemas.openxmlformats.org/markup-compatibility/2006" xmlns:mv="urn:schemas-microsoft-com:mac:vml" xmlns:p="http://schemas.openxmlformats.org/presentationml/2006/main" mc:Ignorable="mv" mc:PreserveAttributes="mv:*" showMasterSp="0" type="title" preserve="1">
+<p:sldLayout xmlns:a="http://schemas.openxmlformats.org/drawingml/2006/main" xmlns:r="http://schemas.openxmlformats.org/officeDocument/2006/relationships" xmlns:p="http://schemas.openxmlformats.org/presentationml/2006/main" showMasterSp="0" type="title" preserve="1">
   <p:cSld name="Title Slide">
     <p:spTree>
       <p:nvGrpSpPr>
@@ -227,7 +231,9 @@
         </p:style>
         <p:txBody>
           <a:bodyPr anchor="ctr"/>
-          <a:lstStyle/>
+          <a:lstStyle>
+            <a:extLst/>
+          </a:lstStyle>
           <a:p>
             <a:pPr algn="ctr" eaLnBrk="1" latinLnBrk="0" hangingPunct="1"/>
             <a:endParaRPr kumimoji="0" lang="en-US" dirty="0"/>
@@ -276,6 +282,7 @@
                 </a:effectLst>
               </a:defRPr>
             </a:lvl1pPr>
+            <a:extLst/>
           </a:lstStyle>
           <a:p>
             <a:r>
@@ -337,6 +344,7 @@
             <a:lvl9pPr marL="3657600" indent="0" algn="ctr">
               <a:buNone/>
             </a:lvl9pPr>
+            <a:extLst/>
           </a:lstStyle>
           <a:p>
             <a:r>
@@ -438,7 +446,9 @@
           </p:spPr>
           <p:txBody>
             <a:bodyPr vert="horz" wrap="square" lIns="91440" tIns="45720" rIns="91440" bIns="45720" anchor="t" compatLnSpc="1"/>
-            <a:lstStyle/>
+            <a:lstStyle>
+              <a:extLst/>
+            </a:lstStyle>
             <a:p>
               <a:endParaRPr kumimoji="0" lang="en-US" dirty="0"/>
             </a:p>
@@ -518,7 +528,9 @@
           </p:spPr>
           <p:txBody>
             <a:bodyPr vert="horz" wrap="square" lIns="91440" tIns="45720" rIns="91440" bIns="45720" anchor="t" compatLnSpc="1"/>
-            <a:lstStyle/>
+            <a:lstStyle>
+              <a:extLst/>
+            </a:lstStyle>
             <a:p>
               <a:endParaRPr kumimoji="0" lang="en-US" dirty="0"/>
             </a:p>
@@ -675,7 +687,9 @@
           </p:style>
           <p:txBody>
             <a:bodyPr vert="horz" wrap="square" lIns="91440" tIns="45720" rIns="91440" bIns="45720" anchor="ctr" compatLnSpc="1"/>
-            <a:lstStyle/>
+            <a:lstStyle>
+              <a:extLst/>
+            </a:lstStyle>
             <a:p>
               <a:pPr algn="ctr" eaLnBrk="1" latinLnBrk="0" hangingPunct="1"/>
               <a:endParaRPr kumimoji="0" lang="en-US" dirty="0"/>
@@ -757,12 +771,13 @@
                 </a:solidFill>
               </a:defRPr>
             </a:lvl1pPr>
+            <a:extLst/>
           </a:lstStyle>
           <a:p>
             <a:fld id="{8900D071-D45E-4DB1-8026-6607FD7943F8}" type="datetimeFigureOut">
               <a:rPr lang="lt-LT" smtClean="0"/>
               <a:pPr/>
-              <a:t>1/25/09</a:t>
+              <a:t>2009.01.25</a:t>
             </a:fld>
             <a:endParaRPr lang="lt-LT"/>
           </a:p>
@@ -791,6 +806,7 @@
                 </a:solidFill>
               </a:defRPr>
             </a:lvl1pPr>
+            <a:extLst/>
           </a:lstStyle>
           <a:p>
             <a:endParaRPr lang="lt-LT"/>
@@ -818,6 +834,7 @@
                 </a:solidFill>
               </a:defRPr>
             </a:lvl1pPr>
+            <a:extLst/>
           </a:lstStyle>
           <a:p>
             <a:fld id="{D01D3B16-9DD8-4C37-8DF4-243418B31B2B}" type="slidenum">
@@ -838,7 +855,7 @@
 </file>
 
 <file path=ppt/slideLayouts/slideLayout10.xml><?xml version="1.0" encoding="utf-8"?>
-<p:sldLayout xmlns:a="http://schemas.openxmlformats.org/drawingml/2006/main" xmlns:r="http://schemas.openxmlformats.org/officeDocument/2006/relationships" xmlns:mc="http://schemas.openxmlformats.org/markup-compatibility/2006" xmlns:mv="urn:schemas-microsoft-com:mac:vml" xmlns:p="http://schemas.openxmlformats.org/presentationml/2006/main" mc:Ignorable="mv" mc:PreserveAttributes="mv:*" type="vertTx" preserve="1">
+<p:sldLayout xmlns:a="http://schemas.openxmlformats.org/drawingml/2006/main" xmlns:r="http://schemas.openxmlformats.org/officeDocument/2006/relationships" xmlns:p="http://schemas.openxmlformats.org/presentationml/2006/main" type="vertTx" preserve="1">
   <p:cSld name="Title and Vertical Text">
     <p:spTree>
       <p:nvGrpSpPr>
@@ -867,7 +884,9 @@
         <p:spPr/>
         <p:txBody>
           <a:bodyPr/>
-          <a:lstStyle/>
+          <a:lstStyle>
+            <a:extLst/>
+          </a:lstStyle>
           <a:p>
             <a:r>
               <a:rPr kumimoji="0" lang="en-US" smtClean="0"/>
@@ -895,7 +914,9 @@
         </p:spPr>
         <p:txBody>
           <a:bodyPr vert="eaVert"/>
-          <a:lstStyle/>
+          <a:lstStyle>
+            <a:extLst/>
+          </a:lstStyle>
           <a:p>
             <a:pPr lvl="0" eaLnBrk="1" latinLnBrk="0" hangingPunct="1"/>
             <a:r>
@@ -947,12 +968,14 @@
         <p:spPr/>
         <p:txBody>
           <a:bodyPr/>
-          <a:lstStyle/>
+          <a:lstStyle>
+            <a:extLst/>
+          </a:lstStyle>
           <a:p>
             <a:fld id="{8900D071-D45E-4DB1-8026-6607FD7943F8}" type="datetimeFigureOut">
               <a:rPr lang="lt-LT" smtClean="0"/>
               <a:pPr/>
-              <a:t>1/25/09</a:t>
+              <a:t>2009.01.25</a:t>
             </a:fld>
             <a:endParaRPr lang="lt-LT"/>
           </a:p>
@@ -971,7 +994,9 @@
         <p:spPr/>
         <p:txBody>
           <a:bodyPr/>
-          <a:lstStyle/>
+          <a:lstStyle>
+            <a:extLst/>
+          </a:lstStyle>
           <a:p>
             <a:endParaRPr lang="lt-LT"/>
           </a:p>
@@ -990,7 +1015,9 @@
         <p:spPr/>
         <p:txBody>
           <a:bodyPr/>
-          <a:lstStyle/>
+          <a:lstStyle>
+            <a:extLst/>
+          </a:lstStyle>
           <a:p>
             <a:fld id="{D01D3B16-9DD8-4C37-8DF4-243418B31B2B}" type="slidenum">
               <a:rPr lang="lt-LT" smtClean="0"/>
@@ -1010,7 +1037,7 @@
 </file>
 
 <file path=ppt/slideLayouts/slideLayout11.xml><?xml version="1.0" encoding="utf-8"?>
-<p:sldLayout xmlns:a="http://schemas.openxmlformats.org/drawingml/2006/main" xmlns:r="http://schemas.openxmlformats.org/officeDocument/2006/relationships" xmlns:mc="http://schemas.openxmlformats.org/markup-compatibility/2006" xmlns:mv="urn:schemas-microsoft-com:mac:vml" xmlns:p="http://schemas.openxmlformats.org/presentationml/2006/main" mc:Ignorable="mv" mc:PreserveAttributes="mv:*" type="vertTitleAndTx" preserve="1">
+<p:sldLayout xmlns:a="http://schemas.openxmlformats.org/drawingml/2006/main" xmlns:r="http://schemas.openxmlformats.org/officeDocument/2006/relationships" xmlns:p="http://schemas.openxmlformats.org/presentationml/2006/main" type="vertTitleAndTx" preserve="1">
   <p:cSld name="Vertical Title and Text">
     <p:spTree>
       <p:nvGrpSpPr>
@@ -1044,7 +1071,9 @@
         </p:spPr>
         <p:txBody>
           <a:bodyPr vert="eaVert"/>
-          <a:lstStyle/>
+          <a:lstStyle>
+            <a:extLst/>
+          </a:lstStyle>
           <a:p>
             <a:r>
               <a:rPr kumimoji="0" lang="en-US" smtClean="0"/>
@@ -1072,7 +1101,9 @@
         </p:spPr>
         <p:txBody>
           <a:bodyPr vert="eaVert"/>
-          <a:lstStyle/>
+          <a:lstStyle>
+            <a:extLst/>
+          </a:lstStyle>
           <a:p>
             <a:pPr lvl="0" eaLnBrk="1" latinLnBrk="0" hangingPunct="1"/>
             <a:r>
@@ -1124,12 +1155,14 @@
         <p:spPr/>
         <p:txBody>
           <a:bodyPr/>
-          <a:lstStyle/>
+          <a:lstStyle>
+            <a:extLst/>
+          </a:lstStyle>
           <a:p>
             <a:fld id="{8900D071-D45E-4DB1-8026-6607FD7943F8}" type="datetimeFigureOut">
               <a:rPr lang="lt-LT" smtClean="0"/>
               <a:pPr/>
-              <a:t>1/25/09</a:t>
+              <a:t>2009.01.25</a:t>
             </a:fld>
             <a:endParaRPr lang="lt-LT"/>
           </a:p>
@@ -1148,7 +1181,9 @@
         <p:spPr/>
         <p:txBody>
           <a:bodyPr/>
-          <a:lstStyle/>
+          <a:lstStyle>
+            <a:extLst/>
+          </a:lstStyle>
           <a:p>
             <a:endParaRPr lang="lt-LT"/>
           </a:p>
@@ -1167,7 +1202,9 @@
         <p:spPr/>
         <p:txBody>
           <a:bodyPr/>
-          <a:lstStyle/>
+          <a:lstStyle>
+            <a:extLst/>
+          </a:lstStyle>
           <a:p>
             <a:fld id="{D01D3B16-9DD8-4C37-8DF4-243418B31B2B}" type="slidenum">
               <a:rPr lang="lt-LT" smtClean="0"/>
@@ -1187,7 +1224,7 @@
 </file>
 
 <file path=ppt/slideLayouts/slideLayout2.xml><?xml version="1.0" encoding="utf-8"?>
-<p:sldLayout xmlns:a="http://schemas.openxmlformats.org/drawingml/2006/main" xmlns:r="http://schemas.openxmlformats.org/officeDocument/2006/relationships" xmlns:mc="http://schemas.openxmlformats.org/markup-compatibility/2006" xmlns:mv="urn:schemas-microsoft-com:mac:vml" xmlns:p="http://schemas.openxmlformats.org/presentationml/2006/main" mc:Ignorable="mv" mc:PreserveAttributes="mv:*" type="obj" preserve="1">
+<p:sldLayout xmlns:a="http://schemas.openxmlformats.org/drawingml/2006/main" xmlns:r="http://schemas.openxmlformats.org/officeDocument/2006/relationships" xmlns:p="http://schemas.openxmlformats.org/presentationml/2006/main" type="obj" preserve="1">
   <p:cSld name="Title and Content">
     <p:spTree>
       <p:nvGrpSpPr>
@@ -1216,7 +1253,9 @@
         <p:spPr/>
         <p:txBody>
           <a:bodyPr/>
-          <a:lstStyle/>
+          <a:lstStyle>
+            <a:extLst/>
+          </a:lstStyle>
           <a:p>
             <a:pPr lvl="0" eaLnBrk="1" latinLnBrk="0" hangingPunct="1"/>
             <a:r>
@@ -1268,12 +1307,14 @@
         <p:spPr/>
         <p:txBody>
           <a:bodyPr/>
-          <a:lstStyle/>
+          <a:lstStyle>
+            <a:extLst/>
+          </a:lstStyle>
           <a:p>
             <a:fld id="{8900D071-D45E-4DB1-8026-6607FD7943F8}" type="datetimeFigureOut">
               <a:rPr lang="lt-LT" smtClean="0"/>
               <a:pPr/>
-              <a:t>1/25/09</a:t>
+              <a:t>2009.01.25</a:t>
             </a:fld>
             <a:endParaRPr lang="lt-LT"/>
           </a:p>
@@ -1292,7 +1333,9 @@
         <p:spPr/>
         <p:txBody>
           <a:bodyPr/>
-          <a:lstStyle/>
+          <a:lstStyle>
+            <a:extLst/>
+          </a:lstStyle>
           <a:p>
             <a:endParaRPr lang="lt-LT"/>
           </a:p>
@@ -1311,7 +1354,9 @@
         <p:spPr/>
         <p:txBody>
           <a:bodyPr/>
-          <a:lstStyle/>
+          <a:lstStyle>
+            <a:extLst/>
+          </a:lstStyle>
           <a:p>
             <a:fld id="{D01D3B16-9DD8-4C37-8DF4-243418B31B2B}" type="slidenum">
               <a:rPr lang="lt-LT" smtClean="0"/>
@@ -1335,7 +1380,9 @@
         <p:spPr/>
         <p:txBody>
           <a:bodyPr rtlCol="0"/>
-          <a:lstStyle/>
+          <a:lstStyle>
+            <a:extLst/>
+          </a:lstStyle>
           <a:p>
             <a:r>
               <a:rPr kumimoji="0" lang="en-US" smtClean="0"/>
@@ -1354,13 +1401,8 @@
 </file>
 
 <file path=ppt/slideLayouts/slideLayout3.xml><?xml version="1.0" encoding="utf-8"?>
-<p:sldLayout xmlns:a="http://schemas.openxmlformats.org/drawingml/2006/main" xmlns:r="http://schemas.openxmlformats.org/officeDocument/2006/relationships" xmlns:mc="http://schemas.openxmlformats.org/markup-compatibility/2006" xmlns:mv="urn:schemas-microsoft-com:mac:vml" xmlns:p="http://schemas.openxmlformats.org/presentationml/2006/main" mc:Ignorable="mv" mc:PreserveAttributes="mv:*" type="secHead" preserve="1">
+<p:sldLayout xmlns:a="http://schemas.openxmlformats.org/drawingml/2006/main" xmlns:r="http://schemas.openxmlformats.org/officeDocument/2006/relationships" xmlns:p="http://schemas.openxmlformats.org/presentationml/2006/main" type="secHead" preserve="1">
   <p:cSld name="Section Header">
-    <p:bg>
-      <p:bgRef idx="1002">
-        <a:schemeClr val="bg1"/>
-      </p:bgRef>
-    </p:bg>
     <p:spTree>
       <p:nvGrpSpPr>
         <p:cNvPr id="1" name=""/>
@@ -1415,6 +1457,7 @@
                 </a:effectLst>
               </a:defRPr>
             </a:lvl1pPr>
+            <a:extLst/>
           </a:lstStyle>
           <a:p>
             <a:r>
@@ -1492,6 +1535,7 @@
                 </a:solidFill>
               </a:defRPr>
             </a:lvl5pPr>
+            <a:extLst/>
           </a:lstStyle>
           <a:p>
             <a:pPr lvl="0" eaLnBrk="1" latinLnBrk="0" hangingPunct="1"/>
@@ -1515,12 +1559,14 @@
         <p:spPr/>
         <p:txBody>
           <a:bodyPr/>
-          <a:lstStyle/>
+          <a:lstStyle>
+            <a:extLst/>
+          </a:lstStyle>
           <a:p>
             <a:fld id="{8900D071-D45E-4DB1-8026-6607FD7943F8}" type="datetimeFigureOut">
               <a:rPr lang="lt-LT" smtClean="0"/>
               <a:pPr/>
-              <a:t>1/25/09</a:t>
+              <a:t>2009.01.25</a:t>
             </a:fld>
             <a:endParaRPr lang="lt-LT"/>
           </a:p>
@@ -1539,7 +1585,9 @@
         <p:spPr/>
         <p:txBody>
           <a:bodyPr/>
-          <a:lstStyle/>
+          <a:lstStyle>
+            <a:extLst/>
+          </a:lstStyle>
           <a:p>
             <a:endParaRPr lang="lt-LT"/>
           </a:p>
@@ -1558,7 +1606,9 @@
         <p:spPr/>
         <p:txBody>
           <a:bodyPr/>
-          <a:lstStyle/>
+          <a:lstStyle>
+            <a:extLst/>
+          </a:lstStyle>
           <a:p>
             <a:fld id="{D01D3B16-9DD8-4C37-8DF4-243418B31B2B}" type="slidenum">
               <a:rPr lang="lt-LT" smtClean="0"/>
@@ -1640,7 +1690,9 @@
         </p:style>
         <p:txBody>
           <a:bodyPr anchor="ctr"/>
-          <a:lstStyle/>
+          <a:lstStyle>
+            <a:extLst/>
+          </a:lstStyle>
           <a:p>
             <a:pPr algn="l" eaLnBrk="1" latinLnBrk="0" hangingPunct="1"/>
             <a:endParaRPr kumimoji="0" lang="en-US" dirty="0"/>
@@ -1718,7 +1770,9 @@
         </p:style>
         <p:txBody>
           <a:bodyPr anchor="ctr"/>
-          <a:lstStyle/>
+          <a:lstStyle>
+            <a:extLst/>
+          </a:lstStyle>
           <a:p>
             <a:pPr algn="l" eaLnBrk="1" latinLnBrk="0" hangingPunct="1"/>
             <a:endParaRPr kumimoji="0" lang="en-US" dirty="0"/>
@@ -1728,19 +1782,14 @@
     </p:spTree>
   </p:cSld>
   <p:clrMapOvr>
-    <a:overrideClrMapping bg1="dk1" tx1="lt1" bg2="dk2" tx2="lt2" accent1="accent1" accent2="accent2" accent3="accent3" accent4="accent4" accent5="accent5" accent6="accent6" hlink="hlink" folHlink="folHlink"/>
+    <a:masterClrMapping/>
   </p:clrMapOvr>
 </p:sldLayout>
 </file>
 
 <file path=ppt/slideLayouts/slideLayout4.xml><?xml version="1.0" encoding="utf-8"?>
-<p:sldLayout xmlns:a="http://schemas.openxmlformats.org/drawingml/2006/main" xmlns:r="http://schemas.openxmlformats.org/officeDocument/2006/relationships" xmlns:mc="http://schemas.openxmlformats.org/markup-compatibility/2006" xmlns:mv="urn:schemas-microsoft-com:mac:vml" xmlns:p="http://schemas.openxmlformats.org/presentationml/2006/main" mc:Ignorable="mv" mc:PreserveAttributes="mv:*" type="twoObj" preserve="1">
+<p:sldLayout xmlns:a="http://schemas.openxmlformats.org/drawingml/2006/main" xmlns:r="http://schemas.openxmlformats.org/officeDocument/2006/relationships" xmlns:p="http://schemas.openxmlformats.org/presentationml/2006/main" type="twoObj" preserve="1">
   <p:cSld name="Two Content">
-    <p:bg>
-      <p:bgRef idx="1002">
-        <a:schemeClr val="bg1"/>
-      </p:bgRef>
-    </p:bg>
     <p:spTree>
       <p:nvGrpSpPr>
         <p:cNvPr id="1" name=""/>
@@ -1789,6 +1838,7 @@
             <a:lvl5pPr>
               <a:defRPr sz="1800"/>
             </a:lvl5pPr>
+            <a:extLst/>
           </a:lstStyle>
           <a:p>
             <a:pPr lvl="0" eaLnBrk="1" latinLnBrk="0" hangingPunct="1"/>
@@ -1862,6 +1912,7 @@
             <a:lvl5pPr>
               <a:defRPr sz="1800"/>
             </a:lvl5pPr>
+            <a:extLst/>
           </a:lstStyle>
           <a:p>
             <a:pPr lvl="0" eaLnBrk="1" latinLnBrk="0" hangingPunct="1"/>
@@ -1914,12 +1965,14 @@
         <p:spPr/>
         <p:txBody>
           <a:bodyPr/>
-          <a:lstStyle/>
+          <a:lstStyle>
+            <a:extLst/>
+          </a:lstStyle>
           <a:p>
             <a:fld id="{8900D071-D45E-4DB1-8026-6607FD7943F8}" type="datetimeFigureOut">
               <a:rPr lang="lt-LT" smtClean="0"/>
               <a:pPr/>
-              <a:t>1/25/09</a:t>
+              <a:t>2009.01.25</a:t>
             </a:fld>
             <a:endParaRPr lang="lt-LT"/>
           </a:p>
@@ -1938,7 +1991,9 @@
         <p:spPr/>
         <p:txBody>
           <a:bodyPr/>
-          <a:lstStyle/>
+          <a:lstStyle>
+            <a:extLst/>
+          </a:lstStyle>
           <a:p>
             <a:endParaRPr lang="lt-LT"/>
           </a:p>
@@ -1957,7 +2012,9 @@
         <p:spPr/>
         <p:txBody>
           <a:bodyPr/>
-          <a:lstStyle/>
+          <a:lstStyle>
+            <a:extLst/>
+          </a:lstStyle>
           <a:p>
             <a:fld id="{D01D3B16-9DD8-4C37-8DF4-243418B31B2B}" type="slidenum">
               <a:rPr lang="lt-LT" smtClean="0"/>
@@ -1981,7 +2038,9 @@
         <p:spPr/>
         <p:txBody>
           <a:bodyPr rtlCol="0"/>
-          <a:lstStyle/>
+          <a:lstStyle>
+            <a:extLst/>
+          </a:lstStyle>
           <a:p>
             <a:r>
               <a:rPr kumimoji="0" lang="en-US" smtClean="0"/>
@@ -1994,19 +2053,14 @@
     </p:spTree>
   </p:cSld>
   <p:clrMapOvr>
-    <a:overrideClrMapping bg1="dk1" tx1="lt1" bg2="dk2" tx2="lt2" accent1="accent1" accent2="accent2" accent3="accent3" accent4="accent4" accent5="accent5" accent6="accent6" hlink="hlink" folHlink="folHlink"/>
+    <a:masterClrMapping/>
   </p:clrMapOvr>
 </p:sldLayout>
 </file>
 
 <file path=ppt/slideLayouts/slideLayout5.xml><?xml version="1.0" encoding="utf-8"?>
-<p:sldLayout xmlns:a="http://schemas.openxmlformats.org/drawingml/2006/main" xmlns:r="http://schemas.openxmlformats.org/officeDocument/2006/relationships" xmlns:mc="http://schemas.openxmlformats.org/markup-compatibility/2006" xmlns:mv="urn:schemas-microsoft-com:mac:vml" xmlns:p="http://schemas.openxmlformats.org/presentationml/2006/main" mc:Ignorable="mv" mc:PreserveAttributes="mv:*" showMasterSp="0" type="twoTxTwoObj" preserve="1">
+<p:sldLayout xmlns:a="http://schemas.openxmlformats.org/drawingml/2006/main" xmlns:r="http://schemas.openxmlformats.org/officeDocument/2006/relationships" xmlns:p="http://schemas.openxmlformats.org/presentationml/2006/main" showMasterSp="0" type="twoTxTwoObj" preserve="1">
   <p:cSld name="Comparison">
-    <p:bg>
-      <p:bgRef idx="1003">
-        <a:schemeClr val="bg1"/>
-      </p:bgRef>
-    </p:bg>
     <p:spTree>
       <p:nvGrpSpPr>
         <p:cNvPr id="1" name=""/>
@@ -2043,6 +2097,7 @@
             <a:lvl1pPr>
               <a:defRPr/>
             </a:lvl1pPr>
+            <a:extLst/>
           </a:lstStyle>
           <a:p>
             <a:r>
@@ -2105,6 +2160,7 @@
               <a:buNone/>
               <a:defRPr sz="1600" b="1"/>
             </a:lvl5pPr>
+            <a:extLst/>
           </a:lstStyle>
           <a:p>
             <a:pPr lvl="0" eaLnBrk="1" latinLnBrk="0" hangingPunct="1"/>
@@ -2167,6 +2223,7 @@
               <a:buNone/>
               <a:defRPr sz="1600" b="1"/>
             </a:lvl5pPr>
+            <a:extLst/>
           </a:lstStyle>
           <a:p>
             <a:pPr lvl="0" eaLnBrk="1" latinLnBrk="0" hangingPunct="1"/>
@@ -2216,6 +2273,7 @@
             <a:lvl5pPr>
               <a:defRPr sz="1600"/>
             </a:lvl5pPr>
+            <a:extLst/>
           </a:lstStyle>
           <a:p>
             <a:pPr lvl="0" eaLnBrk="1" latinLnBrk="0" hangingPunct="1"/>
@@ -2297,6 +2355,7 @@
             <a:lvl5pPr>
               <a:defRPr sz="1600"/>
             </a:lvl5pPr>
+            <a:extLst/>
           </a:lstStyle>
           <a:p>
             <a:pPr lvl="0" eaLnBrk="1" latinLnBrk="0" hangingPunct="1"/>
@@ -2349,12 +2408,14 @@
         <p:spPr/>
         <p:txBody>
           <a:bodyPr/>
-          <a:lstStyle/>
+          <a:lstStyle>
+            <a:extLst/>
+          </a:lstStyle>
           <a:p>
             <a:fld id="{8900D071-D45E-4DB1-8026-6607FD7943F8}" type="datetimeFigureOut">
               <a:rPr lang="lt-LT" smtClean="0"/>
               <a:pPr/>
-              <a:t>1/25/09</a:t>
+              <a:t>2009.01.25</a:t>
             </a:fld>
             <a:endParaRPr lang="lt-LT"/>
           </a:p>
@@ -2373,7 +2434,9 @@
         <p:spPr/>
         <p:txBody>
           <a:bodyPr/>
-          <a:lstStyle/>
+          <a:lstStyle>
+            <a:extLst/>
+          </a:lstStyle>
           <a:p>
             <a:endParaRPr lang="lt-LT"/>
           </a:p>
@@ -2392,7 +2455,9 @@
         <p:spPr/>
         <p:txBody>
           <a:bodyPr/>
-          <a:lstStyle/>
+          <a:lstStyle>
+            <a:extLst/>
+          </a:lstStyle>
           <a:p>
             <a:fld id="{D01D3B16-9DD8-4C37-8DF4-243418B31B2B}" type="slidenum">
               <a:rPr lang="lt-LT" smtClean="0"/>
@@ -2406,19 +2471,14 @@
     </p:spTree>
   </p:cSld>
   <p:clrMapOvr>
-    <a:overrideClrMapping bg1="lt1" tx1="dk1" bg2="lt2" tx2="dk2" accent1="accent1" accent2="accent2" accent3="accent3" accent4="accent4" accent5="accent5" accent6="accent6" hlink="hlink" folHlink="folHlink"/>
+    <a:masterClrMapping/>
   </p:clrMapOvr>
 </p:sldLayout>
 </file>
 
 <file path=ppt/slideLayouts/slideLayout6.xml><?xml version="1.0" encoding="utf-8"?>
-<p:sldLayout xmlns:a="http://schemas.openxmlformats.org/drawingml/2006/main" xmlns:r="http://schemas.openxmlformats.org/officeDocument/2006/relationships" xmlns:mc="http://schemas.openxmlformats.org/markup-compatibility/2006" xmlns:mv="urn:schemas-microsoft-com:mac:vml" xmlns:p="http://schemas.openxmlformats.org/presentationml/2006/main" mc:Ignorable="mv" mc:PreserveAttributes="mv:*" type="titleOnly" preserve="1">
+<p:sldLayout xmlns:a="http://schemas.openxmlformats.org/drawingml/2006/main" xmlns:r="http://schemas.openxmlformats.org/officeDocument/2006/relationships" xmlns:p="http://schemas.openxmlformats.org/presentationml/2006/main" type="titleOnly" preserve="1">
   <p:cSld name="Title Only">
-    <p:bg>
-      <p:bgRef idx="1002">
-        <a:schemeClr val="bg1"/>
-      </p:bgRef>
-    </p:bg>
     <p:spTree>
       <p:nvGrpSpPr>
         <p:cNvPr id="1" name=""/>
@@ -2446,12 +2506,14 @@
         <p:spPr/>
         <p:txBody>
           <a:bodyPr/>
-          <a:lstStyle/>
+          <a:lstStyle>
+            <a:extLst/>
+          </a:lstStyle>
           <a:p>
             <a:fld id="{8900D071-D45E-4DB1-8026-6607FD7943F8}" type="datetimeFigureOut">
               <a:rPr lang="lt-LT" smtClean="0"/>
               <a:pPr/>
-              <a:t>1/25/09</a:t>
+              <a:t>2009.01.25</a:t>
             </a:fld>
             <a:endParaRPr lang="lt-LT"/>
           </a:p>
@@ -2470,7 +2532,9 @@
         <p:spPr/>
         <p:txBody>
           <a:bodyPr/>
-          <a:lstStyle/>
+          <a:lstStyle>
+            <a:extLst/>
+          </a:lstStyle>
           <a:p>
             <a:endParaRPr lang="lt-LT"/>
           </a:p>
@@ -2489,7 +2553,9 @@
         <p:spPr/>
         <p:txBody>
           <a:bodyPr/>
-          <a:lstStyle/>
+          <a:lstStyle>
+            <a:extLst/>
+          </a:lstStyle>
           <a:p>
             <a:fld id="{D01D3B16-9DD8-4C37-8DF4-243418B31B2B}" type="slidenum">
               <a:rPr lang="lt-LT" smtClean="0"/>
@@ -2513,7 +2579,9 @@
         <p:spPr/>
         <p:txBody>
           <a:bodyPr rtlCol="0"/>
-          <a:lstStyle/>
+          <a:lstStyle>
+            <a:extLst/>
+          </a:lstStyle>
           <a:p>
             <a:r>
               <a:rPr kumimoji="0" lang="en-US" smtClean="0"/>
@@ -2526,13 +2594,13 @@
     </p:spTree>
   </p:cSld>
   <p:clrMapOvr>
-    <a:overrideClrMapping bg1="dk1" tx1="lt1" bg2="dk2" tx2="lt2" accent1="accent1" accent2="accent2" accent3="accent3" accent4="accent4" accent5="accent5" accent6="accent6" hlink="hlink" folHlink="folHlink"/>
+    <a:masterClrMapping/>
   </p:clrMapOvr>
 </p:sldLayout>
 </file>
 
 <file path=ppt/slideLayouts/slideLayout7.xml><?xml version="1.0" encoding="utf-8"?>
-<p:sldLayout xmlns:a="http://schemas.openxmlformats.org/drawingml/2006/main" xmlns:r="http://schemas.openxmlformats.org/officeDocument/2006/relationships" xmlns:mc="http://schemas.openxmlformats.org/markup-compatibility/2006" xmlns:mv="urn:schemas-microsoft-com:mac:vml" xmlns:p="http://schemas.openxmlformats.org/presentationml/2006/main" mc:Ignorable="mv" mc:PreserveAttributes="mv:*" type="blank" preserve="1">
+<p:sldLayout xmlns:a="http://schemas.openxmlformats.org/drawingml/2006/main" xmlns:r="http://schemas.openxmlformats.org/officeDocument/2006/relationships" xmlns:p="http://schemas.openxmlformats.org/presentationml/2006/main" type="blank" preserve="1">
   <p:cSld name="Blank">
     <p:spTree>
       <p:nvGrpSpPr>
@@ -2561,12 +2629,14 @@
         <p:spPr/>
         <p:txBody>
           <a:bodyPr/>
-          <a:lstStyle/>
+          <a:lstStyle>
+            <a:extLst/>
+          </a:lstStyle>
           <a:p>
             <a:fld id="{8900D071-D45E-4DB1-8026-6607FD7943F8}" type="datetimeFigureOut">
               <a:rPr lang="lt-LT" smtClean="0"/>
               <a:pPr/>
-              <a:t>1/25/09</a:t>
+              <a:t>2009.01.25</a:t>
             </a:fld>
             <a:endParaRPr lang="lt-LT"/>
           </a:p>
@@ -2585,7 +2655,9 @@
         <p:spPr/>
         <p:txBody>
           <a:bodyPr/>
-          <a:lstStyle/>
+          <a:lstStyle>
+            <a:extLst/>
+          </a:lstStyle>
           <a:p>
             <a:endParaRPr lang="lt-LT"/>
           </a:p>
@@ -2604,7 +2676,9 @@
         <p:spPr/>
         <p:txBody>
           <a:bodyPr/>
-          <a:lstStyle/>
+          <a:lstStyle>
+            <a:extLst/>
+          </a:lstStyle>
           <a:p>
             <a:fld id="{D01D3B16-9DD8-4C37-8DF4-243418B31B2B}" type="slidenum">
               <a:rPr lang="lt-LT" smtClean="0"/>
@@ -2624,13 +2698,8 @@
 </file>
 
 <file path=ppt/slideLayouts/slideLayout8.xml><?xml version="1.0" encoding="utf-8"?>
-<p:sldLayout xmlns:a="http://schemas.openxmlformats.org/drawingml/2006/main" xmlns:r="http://schemas.openxmlformats.org/officeDocument/2006/relationships" xmlns:mc="http://schemas.openxmlformats.org/markup-compatibility/2006" xmlns:mv="urn:schemas-microsoft-com:mac:vml" xmlns:p="http://schemas.openxmlformats.org/presentationml/2006/main" mc:Ignorable="mv" mc:PreserveAttributes="mv:*" showMasterSp="0" type="objTx" preserve="1">
+<p:sldLayout xmlns:a="http://schemas.openxmlformats.org/drawingml/2006/main" xmlns:r="http://schemas.openxmlformats.org/officeDocument/2006/relationships" xmlns:p="http://schemas.openxmlformats.org/presentationml/2006/main" showMasterSp="0" type="objTx" preserve="1">
   <p:cSld name="Content with Caption">
-    <p:bg>
-      <p:bgRef idx="1003">
-        <a:schemeClr val="bg1"/>
-      </p:bgRef>
-    </p:bg>
     <p:spTree>
       <p:nvGrpSpPr>
         <p:cNvPr id="1" name=""/>
@@ -2678,6 +2747,7 @@
                 <a:effectLst/>
               </a:defRPr>
             </a:lvl1pPr>
+            <a:extLst/>
           </a:lstStyle>
           <a:p>
             <a:r>
@@ -2727,6 +2797,7 @@
               <a:buNone/>
               <a:defRPr sz="900"/>
             </a:lvl5pPr>
+            <a:extLst/>
           </a:lstStyle>
           <a:p>
             <a:pPr lvl="0" eaLnBrk="1" latinLnBrk="0" hangingPunct="1"/>
@@ -2771,6 +2842,7 @@
             <a:lvl5pPr>
               <a:defRPr sz="2000"/>
             </a:lvl5pPr>
+            <a:extLst/>
           </a:lstStyle>
           <a:p>
             <a:pPr lvl="0" eaLnBrk="1" latinLnBrk="0" hangingPunct="1"/>
@@ -2828,12 +2900,14 @@
         </p:spPr>
         <p:txBody>
           <a:bodyPr/>
-          <a:lstStyle/>
+          <a:lstStyle>
+            <a:extLst/>
+          </a:lstStyle>
           <a:p>
             <a:fld id="{8900D071-D45E-4DB1-8026-6607FD7943F8}" type="datetimeFigureOut">
               <a:rPr lang="lt-LT" smtClean="0"/>
               <a:pPr/>
-              <a:t>1/25/09</a:t>
+              <a:t>2009.01.25</a:t>
             </a:fld>
             <a:endParaRPr lang="lt-LT"/>
           </a:p>
@@ -2852,7 +2926,9 @@
         <p:spPr/>
         <p:txBody>
           <a:bodyPr/>
-          <a:lstStyle/>
+          <a:lstStyle>
+            <a:extLst/>
+          </a:lstStyle>
           <a:p>
             <a:endParaRPr lang="lt-LT"/>
           </a:p>
@@ -2871,7 +2947,9 @@
         <p:spPr/>
         <p:txBody>
           <a:bodyPr/>
-          <a:lstStyle/>
+          <a:lstStyle>
+            <a:extLst/>
+          </a:lstStyle>
           <a:p>
             <a:fld id="{D01D3B16-9DD8-4C37-8DF4-243418B31B2B}" type="slidenum">
               <a:rPr lang="lt-LT" smtClean="0"/>
@@ -2885,19 +2963,14 @@
     </p:spTree>
   </p:cSld>
   <p:clrMapOvr>
-    <a:overrideClrMapping bg1="lt1" tx1="dk1" bg2="lt2" tx2="dk2" accent1="accent1" accent2="accent2" accent3="accent3" accent4="accent4" accent5="accent5" accent6="accent6" hlink="hlink" folHlink="folHlink"/>
+    <a:masterClrMapping/>
   </p:clrMapOvr>
 </p:sldLayout>
 </file>
 
 <file path=ppt/slideLayouts/slideLayout9.xml><?xml version="1.0" encoding="utf-8"?>
-<p:sldLayout xmlns:a="http://schemas.openxmlformats.org/drawingml/2006/main" xmlns:r="http://schemas.openxmlformats.org/officeDocument/2006/relationships" xmlns:mc="http://schemas.openxmlformats.org/markup-compatibility/2006" xmlns:mv="urn:schemas-microsoft-com:mac:vml" xmlns:p="http://schemas.openxmlformats.org/presentationml/2006/main" mc:Ignorable="mv" mc:PreserveAttributes="mv:*" showMasterSp="0" type="picTx" preserve="1">
+<p:sldLayout xmlns:a="http://schemas.openxmlformats.org/drawingml/2006/main" xmlns:r="http://schemas.openxmlformats.org/officeDocument/2006/relationships" xmlns:p="http://schemas.openxmlformats.org/presentationml/2006/main" showMasterSp="0" type="picTx" preserve="1">
   <p:cSld name="Picture with Caption">
-    <p:bg>
-      <p:bgRef idx="1002">
-        <a:schemeClr val="bg1"/>
-      </p:bgRef>
-    </p:bg>
     <p:spTree>
       <p:nvGrpSpPr>
         <p:cNvPr id="1" name=""/>
@@ -2948,6 +3021,7 @@
             <a:lvl5pPr>
               <a:defRPr sz="900"/>
             </a:lvl5pPr>
+            <a:extLst/>
           </a:lstStyle>
           <a:p>
             <a:pPr lvl="0" eaLnBrk="1" latinLnBrk="0" hangingPunct="1"/>
@@ -2997,6 +3071,7 @@
               <a:buNone/>
               <a:defRPr sz="3200"/>
             </a:lvl1pPr>
+            <a:extLst/>
           </a:lstStyle>
           <a:p>
             <a:r>
@@ -3028,12 +3103,13 @@
                 </a:solidFill>
               </a:defRPr>
             </a:lvl1pPr>
+            <a:extLst/>
           </a:lstStyle>
           <a:p>
             <a:fld id="{8900D071-D45E-4DB1-8026-6607FD7943F8}" type="datetimeFigureOut">
               <a:rPr lang="lt-LT" smtClean="0"/>
               <a:pPr/>
-              <a:t>1/25/09</a:t>
+              <a:t>2009.01.25</a:t>
             </a:fld>
             <a:endParaRPr lang="lt-LT"/>
           </a:p>
@@ -3065,6 +3141,7 @@
                 </a:solidFill>
               </a:defRPr>
             </a:lvl1pPr>
+            <a:extLst/>
           </a:lstStyle>
           <a:p>
             <a:endParaRPr lang="lt-LT"/>
@@ -3092,6 +3169,7 @@
                 </a:solidFill>
               </a:defRPr>
             </a:lvl1pPr>
+            <a:extLst/>
           </a:lstStyle>
           <a:p>
             <a:fld id="{D01D3B16-9DD8-4C37-8DF4-243418B31B2B}" type="slidenum">
@@ -3140,6 +3218,7 @@
                 </a:effectLst>
               </a:defRPr>
             </a:lvl1pPr>
+            <a:extLst/>
           </a:lstStyle>
           <a:p>
             <a:r>
@@ -3226,7 +3305,9 @@
         </p:spPr>
         <p:txBody>
           <a:bodyPr vert="horz" wrap="square" lIns="91440" tIns="45720" rIns="91440" bIns="45720" anchor="t" compatLnSpc="1"/>
-          <a:lstStyle/>
+          <a:lstStyle>
+            <a:extLst/>
+          </a:lstStyle>
           <a:p>
             <a:endParaRPr kumimoji="0" lang="en-US" dirty="0"/>
           </a:p>
@@ -3306,7 +3387,9 @@
         </p:spPr>
         <p:txBody>
           <a:bodyPr vert="horz" wrap="square" lIns="91440" tIns="45720" rIns="91440" bIns="45720" anchor="t" compatLnSpc="1"/>
-          <a:lstStyle/>
+          <a:lstStyle>
+            <a:extLst/>
+          </a:lstStyle>
           <a:p>
             <a:endParaRPr kumimoji="0" lang="en-US" dirty="0"/>
           </a:p>
@@ -3414,7 +3497,9 @@
         </p:style>
         <p:txBody>
           <a:bodyPr vert="horz" wrap="square" lIns="91440" tIns="45720" rIns="91440" bIns="45720" anchor="ctr" compatLnSpc="1"/>
-          <a:lstStyle/>
+          <a:lstStyle>
+            <a:extLst/>
+          </a:lstStyle>
           <a:p>
             <a:pPr algn="ctr" eaLnBrk="1" latinLnBrk="0" hangingPunct="1"/>
             <a:endParaRPr kumimoji="0" lang="en-US" dirty="0"/>
@@ -3545,7 +3630,9 @@
         </p:style>
         <p:txBody>
           <a:bodyPr anchor="ctr"/>
-          <a:lstStyle/>
+          <a:lstStyle>
+            <a:extLst/>
+          </a:lstStyle>
           <a:p>
             <a:pPr algn="l" eaLnBrk="1" latinLnBrk="0" hangingPunct="1"/>
             <a:endParaRPr kumimoji="0" lang="en-US" dirty="0"/>
@@ -3623,7 +3710,9 @@
         </p:style>
         <p:txBody>
           <a:bodyPr anchor="ctr"/>
-          <a:lstStyle/>
+          <a:lstStyle>
+            <a:extLst/>
+          </a:lstStyle>
           <a:p>
             <a:pPr algn="l" eaLnBrk="1" latinLnBrk="0" hangingPunct="1"/>
             <a:endParaRPr kumimoji="0" lang="en-US" dirty="0"/>
@@ -3633,13 +3722,13 @@
     </p:spTree>
   </p:cSld>
   <p:clrMapOvr>
-    <a:overrideClrMapping bg1="dk1" tx1="lt1" bg2="dk2" tx2="lt2" accent1="accent1" accent2="accent2" accent3="accent3" accent4="accent4" accent5="accent5" accent6="accent6" hlink="hlink" folHlink="folHlink"/>
+    <a:masterClrMapping/>
   </p:clrMapOvr>
 </p:sldLayout>
 </file>
 
 <file path=ppt/slideMasters/slideMaster1.xml><?xml version="1.0" encoding="utf-8"?>
-<p:sldMaster xmlns:a="http://schemas.openxmlformats.org/drawingml/2006/main" xmlns:r="http://schemas.openxmlformats.org/officeDocument/2006/relationships" xmlns:mc="http://schemas.openxmlformats.org/markup-compatibility/2006" xmlns:mv="urn:schemas-microsoft-com:mac:vml" xmlns:p="http://schemas.openxmlformats.org/presentationml/2006/main" mc:Ignorable="mv" mc:PreserveAttributes="mv:*">
+<p:sldMaster xmlns:a="http://schemas.openxmlformats.org/drawingml/2006/main" xmlns:r="http://schemas.openxmlformats.org/officeDocument/2006/relationships" xmlns:p="http://schemas.openxmlformats.org/presentationml/2006/main">
   <p:cSld>
     <p:bg>
       <p:bgRef idx="1001">
@@ -3736,7 +3825,9 @@
         </p:spPr>
         <p:txBody>
           <a:bodyPr vert="horz" wrap="square" lIns="91440" tIns="45720" rIns="91440" bIns="45720" anchor="t" compatLnSpc="1"/>
-          <a:lstStyle/>
+          <a:lstStyle>
+            <a:extLst/>
+          </a:lstStyle>
           <a:p>
             <a:endParaRPr kumimoji="0" lang="en-US" dirty="0"/>
           </a:p>
@@ -3816,7 +3907,9 @@
         </p:spPr>
         <p:txBody>
           <a:bodyPr vert="horz" wrap="square" lIns="91440" tIns="45720" rIns="91440" bIns="45720" anchor="t" compatLnSpc="1"/>
-          <a:lstStyle/>
+          <a:lstStyle>
+            <a:extLst/>
+          </a:lstStyle>
           <a:p>
             <a:endParaRPr kumimoji="0" lang="en-US" dirty="0"/>
           </a:p>
@@ -3924,7 +4017,9 @@
         </p:style>
         <p:txBody>
           <a:bodyPr vert="horz" wrap="square" lIns="91440" tIns="45720" rIns="91440" bIns="45720" anchor="ctr" compatLnSpc="1"/>
-          <a:lstStyle/>
+          <a:lstStyle>
+            <a:extLst/>
+          </a:lstStyle>
           <a:p>
             <a:pPr algn="ctr" eaLnBrk="1" latinLnBrk="0" hangingPunct="1"/>
             <a:endParaRPr kumimoji="0" lang="en-US" dirty="0"/>
@@ -4014,7 +4109,9 @@
               <a:bevelT w="25400" h="25400"/>
             </a:sp3d>
           </a:bodyPr>
-          <a:lstStyle/>
+          <a:lstStyle>
+            <a:extLst/>
+          </a:lstStyle>
           <a:p>
             <a:r>
               <a:rPr kumimoji="0" lang="en-US" smtClean="0"/>
@@ -4047,7 +4144,9 @@
           <a:bodyPr vert="horz">
             <a:normAutofit/>
           </a:bodyPr>
-          <a:lstStyle/>
+          <a:lstStyle>
+            <a:extLst/>
+          </a:lstStyle>
           <a:p>
             <a:pPr lvl="0" eaLnBrk="1" latinLnBrk="0" hangingPunct="1"/>
             <a:r>
@@ -4115,12 +4214,13 @@
                 </a:solidFill>
               </a:defRPr>
             </a:lvl1pPr>
+            <a:extLst/>
           </a:lstStyle>
           <a:p>
             <a:fld id="{8900D071-D45E-4DB1-8026-6607FD7943F8}" type="datetimeFigureOut">
               <a:rPr lang="lt-LT" smtClean="0"/>
               <a:pPr/>
-              <a:t>1/25/09</a:t>
+              <a:t>2009.01.25</a:t>
             </a:fld>
             <a:endParaRPr lang="lt-LT"/>
           </a:p>
@@ -4155,6 +4255,7 @@
                 </a:solidFill>
               </a:defRPr>
             </a:lvl1pPr>
+            <a:extLst/>
           </a:lstStyle>
           <a:p>
             <a:endParaRPr lang="lt-LT"/>
@@ -4190,6 +4291,7 @@
                 </a:solidFill>
               </a:defRPr>
             </a:lvl1pPr>
+            <a:extLst/>
           </a:lstStyle>
           <a:p>
             <a:fld id="{D01D3B16-9DD8-4C37-8DF4-243418B31B2B}" type="slidenum">
@@ -4240,6 +4342,7 @@
           <a:cs typeface="+mj-cs"/>
         </a:defRPr>
       </a:lvl1pPr>
+      <a:extLst/>
     </p:titleStyle>
     <p:bodyStyle>
       <a:lvl1pPr marL="365760" indent="-256032" algn="l" rtl="0" eaLnBrk="1" latinLnBrk="0" hangingPunct="1">
@@ -4409,6 +4512,7 @@
           <a:cs typeface="+mn-cs"/>
         </a:defRPr>
       </a:lvl9pPr>
+      <a:extLst/>
     </p:bodyStyle>
     <p:otherStyle>
       <a:lvl1pPr marL="0" algn="l" rtl="0" eaLnBrk="1" latinLnBrk="0" hangingPunct="1">
@@ -4501,13 +4605,14 @@
           <a:cs typeface="+mn-cs"/>
         </a:defRPr>
       </a:lvl9pPr>
+      <a:extLst/>
     </p:otherStyle>
   </p:txStyles>
 </p:sldMaster>
 </file>
 
 <file path=ppt/slides/slide1.xml><?xml version="1.0" encoding="utf-8"?>
-<p:sld xmlns:a="http://schemas.openxmlformats.org/drawingml/2006/main" xmlns:r="http://schemas.openxmlformats.org/officeDocument/2006/relationships" xmlns:mc="http://schemas.openxmlformats.org/markup-compatibility/2006" xmlns:mv="urn:schemas-microsoft-com:mac:vml" xmlns:p="http://schemas.openxmlformats.org/presentationml/2006/main" mc:Ignorable="mv" mc:PreserveAttributes="mv:*">
+<p:sld xmlns:a="http://schemas.openxmlformats.org/drawingml/2006/main" xmlns:r="http://schemas.openxmlformats.org/officeDocument/2006/relationships" xmlns:p="http://schemas.openxmlformats.org/presentationml/2006/main">
   <p:cSld>
     <p:spTree>
       <p:nvGrpSpPr>
@@ -4604,7 +4709,862 @@
 </file>
 
 <file path=ppt/slides/slide10.xml><?xml version="1.0" encoding="utf-8"?>
-<p:sld xmlns:a="http://schemas.openxmlformats.org/drawingml/2006/main" xmlns:r="http://schemas.openxmlformats.org/officeDocument/2006/relationships" xmlns:mc="http://schemas.openxmlformats.org/markup-compatibility/2006" xmlns:mv="urn:schemas-microsoft-com:mac:vml" xmlns:p="http://schemas.openxmlformats.org/presentationml/2006/main" mc:Ignorable="mv" mc:PreserveAttributes="mv:*">
+<p:sld xmlns:a="http://schemas.openxmlformats.org/drawingml/2006/main" xmlns:r="http://schemas.openxmlformats.org/officeDocument/2006/relationships" xmlns:p="http://schemas.openxmlformats.org/presentationml/2006/main" showMasterSp="0">
+  <p:cSld>
+    <p:spTree>
+      <p:nvGrpSpPr>
+        <p:cNvPr id="1" name=""/>
+        <p:cNvGrpSpPr/>
+        <p:nvPr/>
+      </p:nvGrpSpPr>
+      <p:grpSpPr>
+        <a:xfrm>
+          <a:off x="0" y="0"/>
+          <a:ext cx="0" cy="0"/>
+          <a:chOff x="0" y="0"/>
+          <a:chExt cx="0" cy="0"/>
+        </a:xfrm>
+      </p:grpSpPr>
+      <p:sp>
+        <p:nvSpPr>
+          <p:cNvPr id="2" name="Content Placeholder 1"/>
+          <p:cNvSpPr>
+            <a:spLocks noGrp="1"/>
+          </p:cNvSpPr>
+          <p:nvPr>
+            <p:ph idx="1"/>
+          </p:nvPr>
+        </p:nvSpPr>
+        <p:spPr>
+          <a:xfrm>
+            <a:off x="785786" y="1357298"/>
+            <a:ext cx="7901014" cy="5500702"/>
+          </a:xfrm>
+        </p:spPr>
+        <p:txBody>
+          <a:bodyPr>
+            <a:noAutofit/>
+          </a:bodyPr>
+          <a:lstStyle/>
+          <a:p>
+            <a:pPr>
+              <a:lnSpc>
+                <a:spcPts val="1200"/>
+              </a:lnSpc>
+              <a:spcBef>
+                <a:spcPts val="0"/>
+              </a:spcBef>
+            </a:pPr>
+            <a:r>
+              <a:rPr lang="lt-LT" sz="1200" i="1" dirty="0" smtClean="0"/>
+              <a:t>HIERARCHY</a:t>
+            </a:r>
+          </a:p>
+          <a:p>
+            <a:pPr>
+              <a:lnSpc>
+                <a:spcPts val="1200"/>
+              </a:lnSpc>
+              <a:spcBef>
+                <a:spcPts val="0"/>
+              </a:spcBef>
+            </a:pPr>
+            <a:r>
+              <a:rPr lang="lt-LT" sz="1200" i="1" dirty="0" smtClean="0"/>
+              <a:t>ROOT Hips</a:t>
+            </a:r>
+          </a:p>
+          <a:p>
+            <a:pPr>
+              <a:lnSpc>
+                <a:spcPts val="1200"/>
+              </a:lnSpc>
+              <a:spcBef>
+                <a:spcPts val="0"/>
+              </a:spcBef>
+            </a:pPr>
+            <a:r>
+              <a:rPr lang="lt-LT" sz="1200" i="1" dirty="0" smtClean="0"/>
+              <a:t>{</a:t>
+            </a:r>
+          </a:p>
+          <a:p>
+            <a:pPr>
+              <a:lnSpc>
+                <a:spcPts val="1200"/>
+              </a:lnSpc>
+              <a:spcBef>
+                <a:spcPts val="0"/>
+              </a:spcBef>
+            </a:pPr>
+            <a:r>
+              <a:rPr lang="lt-LT" sz="1200" i="1" dirty="0" smtClean="0"/>
+              <a:t>  OFFSET 0 34.322 0</a:t>
+            </a:r>
+          </a:p>
+          <a:p>
+            <a:pPr>
+              <a:lnSpc>
+                <a:spcPts val="1200"/>
+              </a:lnSpc>
+              <a:spcBef>
+                <a:spcPts val="0"/>
+              </a:spcBef>
+            </a:pPr>
+            <a:r>
+              <a:rPr lang="lt-LT" sz="1200" i="1" dirty="0" smtClean="0"/>
+              <a:t>  CHANNELS 6 Xposition Yposition Zposition Zrotation Xrotation Yrotation</a:t>
+            </a:r>
+          </a:p>
+          <a:p>
+            <a:pPr>
+              <a:lnSpc>
+                <a:spcPts val="1200"/>
+              </a:lnSpc>
+              <a:spcBef>
+                <a:spcPts val="0"/>
+              </a:spcBef>
+            </a:pPr>
+            <a:r>
+              <a:rPr lang="lt-LT" sz="1200" i="1" dirty="0" smtClean="0"/>
+              <a:t>  JOINT LeftHip</a:t>
+            </a:r>
+          </a:p>
+          <a:p>
+            <a:pPr>
+              <a:lnSpc>
+                <a:spcPts val="1200"/>
+              </a:lnSpc>
+              <a:spcBef>
+                <a:spcPts val="0"/>
+              </a:spcBef>
+            </a:pPr>
+            <a:r>
+              <a:rPr lang="lt-LT" sz="1200" i="1" dirty="0" smtClean="0"/>
+              <a:t>  {</a:t>
+            </a:r>
+          </a:p>
+          <a:p>
+            <a:pPr>
+              <a:lnSpc>
+                <a:spcPts val="1200"/>
+              </a:lnSpc>
+              <a:spcBef>
+                <a:spcPts val="0"/>
+              </a:spcBef>
+            </a:pPr>
+            <a:r>
+              <a:rPr lang="lt-LT" sz="1200" i="1" dirty="0" smtClean="0"/>
+              <a:t>    OFFSET 4.587 -1.043 0</a:t>
+            </a:r>
+          </a:p>
+          <a:p>
+            <a:pPr>
+              <a:lnSpc>
+                <a:spcPts val="1200"/>
+              </a:lnSpc>
+              <a:spcBef>
+                <a:spcPts val="0"/>
+              </a:spcBef>
+            </a:pPr>
+            <a:r>
+              <a:rPr lang="lt-LT" sz="1200" i="1" dirty="0" smtClean="0"/>
+              <a:t>    CHANNELS 3 Zrotation Xrotation Yrotation</a:t>
+            </a:r>
+          </a:p>
+          <a:p>
+            <a:pPr>
+              <a:lnSpc>
+                <a:spcPts val="1200"/>
+              </a:lnSpc>
+              <a:spcBef>
+                <a:spcPts val="0"/>
+              </a:spcBef>
+            </a:pPr>
+            <a:r>
+              <a:rPr lang="lt-LT" sz="1200" i="1" dirty="0" smtClean="0"/>
+              <a:t>    JOINT LeftKnee</a:t>
+            </a:r>
+          </a:p>
+          <a:p>
+            <a:pPr>
+              <a:lnSpc>
+                <a:spcPts val="1200"/>
+              </a:lnSpc>
+              <a:spcBef>
+                <a:spcPts val="0"/>
+              </a:spcBef>
+            </a:pPr>
+            <a:r>
+              <a:rPr lang="lt-LT" sz="1200" i="1" dirty="0" smtClean="0"/>
+              <a:t>    {</a:t>
+            </a:r>
+          </a:p>
+          <a:p>
+            <a:pPr>
+              <a:lnSpc>
+                <a:spcPts val="1200"/>
+              </a:lnSpc>
+              <a:spcBef>
+                <a:spcPts val="0"/>
+              </a:spcBef>
+            </a:pPr>
+            <a:r>
+              <a:rPr lang="lt-LT" sz="1200" i="1" dirty="0" smtClean="0"/>
+              <a:t>      OFFSET 3.09 -15.571 0</a:t>
+            </a:r>
+          </a:p>
+          <a:p>
+            <a:pPr>
+              <a:lnSpc>
+                <a:spcPts val="1200"/>
+              </a:lnSpc>
+              <a:spcBef>
+                <a:spcPts val="0"/>
+              </a:spcBef>
+            </a:pPr>
+            <a:r>
+              <a:rPr lang="lt-LT" sz="1200" i="1" dirty="0" smtClean="0"/>
+              <a:t>      CHANNELS 3 Zrotation Xrotation Yrotation</a:t>
+            </a:r>
+          </a:p>
+          <a:p>
+            <a:pPr>
+              <a:lnSpc>
+                <a:spcPts val="1200"/>
+              </a:lnSpc>
+              <a:spcBef>
+                <a:spcPts val="0"/>
+              </a:spcBef>
+            </a:pPr>
+            <a:r>
+              <a:rPr lang="lt-LT" sz="1200" i="1" dirty="0" smtClean="0"/>
+              <a:t>      JOINT LeftAnkle</a:t>
+            </a:r>
+          </a:p>
+          <a:p>
+            <a:pPr>
+              <a:lnSpc>
+                <a:spcPts val="1200"/>
+              </a:lnSpc>
+              <a:spcBef>
+                <a:spcPts val="0"/>
+              </a:spcBef>
+            </a:pPr>
+            <a:r>
+              <a:rPr lang="lt-LT" sz="1200" i="1" dirty="0" smtClean="0"/>
+              <a:t>      {</a:t>
+            </a:r>
+          </a:p>
+          <a:p>
+            <a:pPr>
+              <a:lnSpc>
+                <a:spcPts val="1200"/>
+              </a:lnSpc>
+              <a:spcBef>
+                <a:spcPts val="0"/>
+              </a:spcBef>
+            </a:pPr>
+            <a:r>
+              <a:rPr lang="lt-LT" sz="1200" i="1" dirty="0" smtClean="0"/>
+              <a:t>        OFFSET 2.179 -16.111 -2.139</a:t>
+            </a:r>
+          </a:p>
+          <a:p>
+            <a:pPr>
+              <a:lnSpc>
+                <a:spcPts val="1200"/>
+              </a:lnSpc>
+              <a:spcBef>
+                <a:spcPts val="0"/>
+              </a:spcBef>
+            </a:pPr>
+            <a:r>
+              <a:rPr lang="lt-LT" sz="1200" i="1" dirty="0" smtClean="0"/>
+              <a:t>        CHANNELS 3 Zrotation Xrotation Yrotation</a:t>
+            </a:r>
+          </a:p>
+          <a:p>
+            <a:pPr>
+              <a:lnSpc>
+                <a:spcPts val="1200"/>
+              </a:lnSpc>
+              <a:spcBef>
+                <a:spcPts val="0"/>
+              </a:spcBef>
+            </a:pPr>
+            <a:r>
+              <a:rPr lang="lt-LT" sz="1200" i="1" dirty="0" smtClean="0"/>
+              <a:t>        JOINT LeftAnkle_End</a:t>
+            </a:r>
+          </a:p>
+          <a:p>
+            <a:pPr>
+              <a:lnSpc>
+                <a:spcPts val="1200"/>
+              </a:lnSpc>
+              <a:spcBef>
+                <a:spcPts val="0"/>
+              </a:spcBef>
+            </a:pPr>
+            <a:r>
+              <a:rPr lang="lt-LT" sz="1200" i="1" dirty="0" smtClean="0"/>
+              <a:t>        {</a:t>
+            </a:r>
+          </a:p>
+          <a:p>
+            <a:pPr>
+              <a:lnSpc>
+                <a:spcPts val="1200"/>
+              </a:lnSpc>
+              <a:spcBef>
+                <a:spcPts val="0"/>
+              </a:spcBef>
+            </a:pPr>
+            <a:r>
+              <a:rPr lang="lt-LT" sz="1200" i="1" dirty="0" smtClean="0"/>
+              <a:t>          OFFSET 0 -0.867 1.597</a:t>
+            </a:r>
+          </a:p>
+          <a:p>
+            <a:pPr>
+              <a:lnSpc>
+                <a:spcPts val="1200"/>
+              </a:lnSpc>
+              <a:spcBef>
+                <a:spcPts val="0"/>
+              </a:spcBef>
+            </a:pPr>
+            <a:r>
+              <a:rPr lang="lt-LT" sz="1200" i="1" dirty="0" smtClean="0"/>
+              <a:t>          CHANNELS 3 Zrotation Xrotation Yrotation</a:t>
+            </a:r>
+          </a:p>
+          <a:p>
+            <a:pPr>
+              <a:lnSpc>
+                <a:spcPts val="1200"/>
+              </a:lnSpc>
+              <a:spcBef>
+                <a:spcPts val="0"/>
+              </a:spcBef>
+            </a:pPr>
+            <a:r>
+              <a:rPr lang="lt-LT" sz="1200" i="1" dirty="0" smtClean="0"/>
+              <a:t>          End Site</a:t>
+            </a:r>
+          </a:p>
+          <a:p>
+            <a:pPr>
+              <a:lnSpc>
+                <a:spcPts val="1200"/>
+              </a:lnSpc>
+              <a:spcBef>
+                <a:spcPts val="0"/>
+              </a:spcBef>
+            </a:pPr>
+            <a:r>
+              <a:rPr lang="lt-LT" sz="1200" i="1" dirty="0" smtClean="0"/>
+              <a:t>          {</a:t>
+            </a:r>
+          </a:p>
+          <a:p>
+            <a:pPr>
+              <a:lnSpc>
+                <a:spcPts val="1200"/>
+              </a:lnSpc>
+              <a:spcBef>
+                <a:spcPts val="0"/>
+              </a:spcBef>
+            </a:pPr>
+            <a:r>
+              <a:rPr lang="lt-LT" sz="1200" i="1" dirty="0" smtClean="0"/>
+              <a:t>            OFFSET 1 0 0</a:t>
+            </a:r>
+          </a:p>
+          <a:p>
+            <a:pPr>
+              <a:lnSpc>
+                <a:spcPts val="1200"/>
+              </a:lnSpc>
+              <a:spcBef>
+                <a:spcPts val="0"/>
+              </a:spcBef>
+            </a:pPr>
+            <a:r>
+              <a:rPr lang="lt-LT" sz="1200" i="1" dirty="0" smtClean="0"/>
+              <a:t>          }</a:t>
+            </a:r>
+          </a:p>
+          <a:p>
+            <a:pPr>
+              <a:lnSpc>
+                <a:spcPts val="1200"/>
+              </a:lnSpc>
+              <a:spcBef>
+                <a:spcPts val="0"/>
+              </a:spcBef>
+            </a:pPr>
+            <a:r>
+              <a:rPr lang="lt-LT" sz="1200" i="1" dirty="0" smtClean="0"/>
+              <a:t>        }</a:t>
+            </a:r>
+          </a:p>
+          <a:p>
+            <a:pPr>
+              <a:lnSpc>
+                <a:spcPts val="1200"/>
+              </a:lnSpc>
+              <a:spcBef>
+                <a:spcPts val="0"/>
+              </a:spcBef>
+            </a:pPr>
+            <a:r>
+              <a:rPr lang="lt-LT" sz="1200" i="1" dirty="0" smtClean="0"/>
+              <a:t>      }</a:t>
+            </a:r>
+          </a:p>
+          <a:p>
+            <a:pPr>
+              <a:lnSpc>
+                <a:spcPts val="1200"/>
+              </a:lnSpc>
+              <a:spcBef>
+                <a:spcPts val="0"/>
+              </a:spcBef>
+            </a:pPr>
+            <a:r>
+              <a:rPr lang="lt-LT" sz="1200" i="1" dirty="0" smtClean="0"/>
+              <a:t>    }</a:t>
+            </a:r>
+          </a:p>
+          <a:p>
+            <a:pPr>
+              <a:lnSpc>
+                <a:spcPts val="1200"/>
+              </a:lnSpc>
+              <a:spcBef>
+                <a:spcPts val="0"/>
+              </a:spcBef>
+            </a:pPr>
+            <a:r>
+              <a:rPr lang="lt-LT" sz="1200" i="1" dirty="0" smtClean="0"/>
+              <a:t>  }</a:t>
+            </a:r>
+          </a:p>
+          <a:p>
+            <a:pPr>
+              <a:lnSpc>
+                <a:spcPts val="1200"/>
+              </a:lnSpc>
+              <a:spcBef>
+                <a:spcPts val="0"/>
+              </a:spcBef>
+            </a:pPr>
+            <a:r>
+              <a:rPr lang="lt-LT" sz="1200" i="1" dirty="0" smtClean="0"/>
+              <a:t>  JOINT RightHip</a:t>
+            </a:r>
+          </a:p>
+          <a:p>
+            <a:pPr>
+              <a:lnSpc>
+                <a:spcPts val="1200"/>
+              </a:lnSpc>
+              <a:spcBef>
+                <a:spcPts val="0"/>
+              </a:spcBef>
+            </a:pPr>
+            <a:r>
+              <a:rPr lang="lt-LT" sz="1200" i="1" dirty="0" smtClean="0"/>
+              <a:t>  {</a:t>
+            </a:r>
+          </a:p>
+          <a:p>
+            <a:pPr>
+              <a:lnSpc>
+                <a:spcPts val="1200"/>
+              </a:lnSpc>
+              <a:spcBef>
+                <a:spcPts val="0"/>
+              </a:spcBef>
+            </a:pPr>
+            <a:r>
+              <a:rPr lang="lt-LT" sz="1200" i="1" dirty="0" smtClean="0"/>
+              <a:t>	...</a:t>
+            </a:r>
+          </a:p>
+          <a:p>
+            <a:pPr>
+              <a:lnSpc>
+                <a:spcPts val="1200"/>
+              </a:lnSpc>
+              <a:spcBef>
+                <a:spcPts val="0"/>
+              </a:spcBef>
+            </a:pPr>
+            <a:r>
+              <a:rPr lang="lt-LT" sz="1200" i="1" dirty="0" smtClean="0"/>
+              <a:t>  }</a:t>
+            </a:r>
+          </a:p>
+          <a:p>
+            <a:pPr>
+              <a:lnSpc>
+                <a:spcPts val="1200"/>
+              </a:lnSpc>
+              <a:spcBef>
+                <a:spcPts val="0"/>
+              </a:spcBef>
+            </a:pPr>
+            <a:r>
+              <a:rPr lang="lt-LT" sz="1200" i="1" dirty="0" smtClean="0"/>
+              <a:t>  ...</a:t>
+            </a:r>
+          </a:p>
+          <a:p>
+            <a:pPr>
+              <a:lnSpc>
+                <a:spcPts val="1200"/>
+              </a:lnSpc>
+              <a:spcBef>
+                <a:spcPts val="0"/>
+              </a:spcBef>
+            </a:pPr>
+            <a:r>
+              <a:rPr lang="lt-LT" sz="1200" i="1" dirty="0" smtClean="0"/>
+              <a:t>}</a:t>
+            </a:r>
+          </a:p>
+        </p:txBody>
+      </p:sp>
+      <p:sp>
+        <p:nvSpPr>
+          <p:cNvPr id="3" name="Title 2"/>
+          <p:cNvSpPr>
+            <a:spLocks noGrp="1"/>
+          </p:cNvSpPr>
+          <p:nvPr>
+            <p:ph type="title"/>
+          </p:nvPr>
+        </p:nvSpPr>
+        <p:spPr/>
+        <p:txBody>
+          <a:bodyPr>
+            <a:normAutofit fontScale="90000"/>
+          </a:bodyPr>
+          <a:lstStyle/>
+          <a:p>
+            <a:r>
+              <a:rPr lang="lt-LT" dirty="0" smtClean="0"/>
+              <a:t>Motion data</a:t>
+            </a:r>
+            <a:r>
+              <a:rPr lang="en-US" dirty="0" smtClean="0"/>
+              <a:t/>
+            </a:r>
+            <a:br>
+              <a:rPr lang="en-US" dirty="0" smtClean="0"/>
+            </a:br>
+            <a:r>
+              <a:rPr lang="en-US" dirty="0" smtClean="0"/>
+              <a:t>BVH Hierarchy section</a:t>
+            </a:r>
+            <a:endParaRPr lang="lt-LT" dirty="0"/>
+          </a:p>
+        </p:txBody>
+      </p:sp>
+    </p:spTree>
+  </p:cSld>
+  <p:clrMapOvr>
+    <a:masterClrMapping/>
+  </p:clrMapOvr>
+  <p:timing>
+    <p:tnLst>
+      <p:par>
+        <p:cTn id="1" dur="indefinite" restart="never" nodeType="tmRoot"/>
+      </p:par>
+    </p:tnLst>
+  </p:timing>
+</p:sld>
+</file>
+
+<file path=ppt/slides/slide11.xml><?xml version="1.0" encoding="utf-8"?>
+<p:sld xmlns:a="http://schemas.openxmlformats.org/drawingml/2006/main" xmlns:r="http://schemas.openxmlformats.org/officeDocument/2006/relationships" xmlns:p="http://schemas.openxmlformats.org/presentationml/2006/main">
+  <p:cSld>
+    <p:spTree>
+      <p:nvGrpSpPr>
+        <p:cNvPr id="1" name=""/>
+        <p:cNvGrpSpPr/>
+        <p:nvPr/>
+      </p:nvGrpSpPr>
+      <p:grpSpPr>
+        <a:xfrm>
+          <a:off x="0" y="0"/>
+          <a:ext cx="0" cy="0"/>
+          <a:chOff x="0" y="0"/>
+          <a:chExt cx="0" cy="0"/>
+        </a:xfrm>
+      </p:grpSpPr>
+      <p:sp>
+        <p:nvSpPr>
+          <p:cNvPr id="2" name="Content Placeholder 1"/>
+          <p:cNvSpPr>
+            <a:spLocks noGrp="1"/>
+          </p:cNvSpPr>
+          <p:nvPr>
+            <p:ph idx="1"/>
+          </p:nvPr>
+        </p:nvSpPr>
+        <p:spPr/>
+        <p:txBody>
+          <a:bodyPr>
+            <a:normAutofit fontScale="85000" lnSpcReduction="20000"/>
+          </a:bodyPr>
+          <a:lstStyle/>
+          <a:p>
+            <a:r>
+              <a:rPr lang="lt-LT" sz="2400" i="1" dirty="0" smtClean="0"/>
+              <a:t>Frames: 1289</a:t>
+            </a:r>
+          </a:p>
+          <a:p>
+            <a:r>
+              <a:rPr lang="lt-LT" sz="2400" i="1" dirty="0" smtClean="0"/>
+              <a:t>Frame Time: 0.033333</a:t>
+            </a:r>
+          </a:p>
+          <a:p>
+            <a:r>
+              <a:rPr lang="lt-LT" sz="1800" i="1" dirty="0" smtClean="0"/>
+              <a:t>19.8598 80.309 -11.521 -0.661911 0.799904 171.213 -1.85002 2.52617 10.7515 3.17067 -1.01583e-010 -10.2854 -1.58501 -1.94847 -0.0287346 0 0 0 -0.0555542 2.6936 -11.4833 -0.562183 1.22223e-006 11.8361 0.284375 -1.65435 -0.00579677 0 0 0 -1.25693 6.24787 -0.51793 3.27727 -16.0419 -1.36162 14.6579 0.0301162 -3.60178 -5.21488 6.12318 -3.03665 2.47876 0.000451064 -6.17142e-006 -0.509607 -8.47663 0.248473 0 0 0 -15.7988 1.60936 -7.32667 1.93902 -8.80292 5.13737 -1.30308 7.39538e-009 8.53796e-007 0.267783 -4.03835 0.26339 0 0 0 0.258752 -0.0812672 0.831621 12.5445 1.71161 -2.09692 0 0 0</a:t>
+            </a:r>
+            <a:endParaRPr lang="en-US" sz="1800" i="1" dirty="0" smtClean="0"/>
+          </a:p>
+          <a:p>
+            <a:r>
+              <a:rPr lang="en-US" sz="1800" i="1" dirty="0" smtClean="0"/>
+              <a:t>19.8771 80.2868 -11.5326 -0.700186 0.756134 171.114 -1.84667 2.51303 10.794 3.13528 -1.01593e-010 -10.2526 -1.58653 -1.95993 -0.0287348 0 0 0 -0.0627105 2.65564 -11.4946 -0.56617 1.2219e-006 11.9114 0.31303 -1.66464 -0.0057968 0 0 0 -1.29175 6.15499 -0.450865 3.47648 -15.6579 -1.30103 14.4269 0.0330917 -3.62714 -5.39613 6.06833 -2.95956 2.27028 0.000451064 -6.17142e-006 -0.527485 -7.40878 0.0488122 0 0 0 -15.6207 1.62543 -7.46368 1.75456 -9.10966 5.12076 -1.08476 7.39538e-009 8.53796e-007 0.274961 -4.00089 0.215719 0 0 0 0.444407 -0.387448 0.74024 12.1183 2.50324 -2.11188 0 0 0</a:t>
+            </a:r>
+          </a:p>
+          <a:p>
+            <a:r>
+              <a:rPr lang="en-US" sz="1800" i="1" dirty="0" smtClean="0"/>
+              <a:t>…</a:t>
+            </a:r>
+            <a:endParaRPr lang="lt-LT" sz="1800" i="1" dirty="0" smtClean="0"/>
+          </a:p>
+        </p:txBody>
+      </p:sp>
+      <p:sp>
+        <p:nvSpPr>
+          <p:cNvPr id="3" name="Title 2"/>
+          <p:cNvSpPr>
+            <a:spLocks noGrp="1"/>
+          </p:cNvSpPr>
+          <p:nvPr>
+            <p:ph type="title"/>
+          </p:nvPr>
+        </p:nvSpPr>
+        <p:spPr/>
+        <p:txBody>
+          <a:bodyPr>
+            <a:normAutofit fontScale="90000"/>
+          </a:bodyPr>
+          <a:lstStyle/>
+          <a:p>
+            <a:r>
+              <a:rPr lang="lt-LT" dirty="0" smtClean="0"/>
+              <a:t>Motion data</a:t>
+            </a:r>
+            <a:r>
+              <a:rPr lang="en-US" dirty="0" smtClean="0"/>
+              <a:t/>
+            </a:r>
+            <a:br>
+              <a:rPr lang="en-US" dirty="0" smtClean="0"/>
+            </a:br>
+            <a:r>
+              <a:rPr lang="en-US" dirty="0" smtClean="0"/>
+              <a:t>BVH Motion section</a:t>
+            </a:r>
+            <a:endParaRPr lang="lt-LT" dirty="0"/>
+          </a:p>
+        </p:txBody>
+      </p:sp>
+    </p:spTree>
+  </p:cSld>
+  <p:clrMapOvr>
+    <a:masterClrMapping/>
+  </p:clrMapOvr>
+  <p:timing>
+    <p:tnLst>
+      <p:par>
+        <p:cTn id="1" dur="indefinite" restart="never" nodeType="tmRoot"/>
+      </p:par>
+    </p:tnLst>
+  </p:timing>
+</p:sld>
+</file>
+
+<file path=ppt/slides/slide12.xml><?xml version="1.0" encoding="utf-8"?>
+<p:sld xmlns:a="http://schemas.openxmlformats.org/drawingml/2006/main" xmlns:r="http://schemas.openxmlformats.org/officeDocument/2006/relationships" xmlns:p="http://schemas.openxmlformats.org/presentationml/2006/main" showMasterSp="0" show="0">
+  <p:cSld>
+    <p:spTree>
+      <p:nvGrpSpPr>
+        <p:cNvPr id="1" name=""/>
+        <p:cNvGrpSpPr/>
+        <p:nvPr/>
+      </p:nvGrpSpPr>
+      <p:grpSpPr>
+        <a:xfrm>
+          <a:off x="0" y="0"/>
+          <a:ext cx="0" cy="0"/>
+          <a:chOff x="0" y="0"/>
+          <a:chExt cx="0" cy="0"/>
+        </a:xfrm>
+      </p:grpSpPr>
+      <p:sp>
+        <p:nvSpPr>
+          <p:cNvPr id="2" name="Content Placeholder 1"/>
+          <p:cNvSpPr>
+            <a:spLocks noGrp="1"/>
+          </p:cNvSpPr>
+          <p:nvPr>
+            <p:ph idx="1"/>
+          </p:nvPr>
+        </p:nvSpPr>
+        <p:spPr>
+          <a:xfrm>
+            <a:off x="457200" y="1481328"/>
+            <a:ext cx="8229600" cy="5376672"/>
+          </a:xfrm>
+        </p:spPr>
+        <p:txBody>
+          <a:bodyPr>
+            <a:normAutofit fontScale="77500" lnSpcReduction="20000"/>
+          </a:bodyPr>
+          <a:lstStyle/>
+          <a:p>
+            <a:r>
+              <a:rPr lang="en-US" dirty="0" smtClean="0"/>
+              <a:t>Various motion data file formats are available:</a:t>
+            </a:r>
+          </a:p>
+          <a:p>
+            <a:pPr lvl="1"/>
+            <a:r>
+              <a:rPr lang="en-US" dirty="0" smtClean="0"/>
+              <a:t>C3D – binary format, that stores 3D coordinates and any numerical data.</a:t>
+            </a:r>
+          </a:p>
+          <a:p>
+            <a:pPr lvl="1"/>
+            <a:r>
+              <a:rPr lang="en-US" dirty="0" smtClean="0"/>
+              <a:t>ASF/AMC and BVH – both ASCII and stores data in a hierarchical data structure (i.e. skeleton).</a:t>
+            </a:r>
+          </a:p>
+          <a:p>
+            <a:pPr lvl="1"/>
+            <a:r>
+              <a:rPr lang="en-US" dirty="0" smtClean="0"/>
+              <a:t>FBX – previous file formats were developed specifically for motion capture, this one is for 3D in general. Any previous format can be converted in to this one.</a:t>
+            </a:r>
+          </a:p>
+          <a:p>
+            <a:r>
+              <a:rPr lang="en-US" dirty="0" smtClean="0"/>
+              <a:t>During project we’ve to work with to of these file formats. C3D was data that we got from Vicon IQ software and then, using 3</a:t>
+            </a:r>
+            <a:r>
+              <a:rPr lang="en-US" baseline="30000" dirty="0" smtClean="0"/>
+              <a:t>rd</a:t>
+            </a:r>
+            <a:r>
+              <a:rPr lang="en-US" dirty="0" smtClean="0"/>
+              <a:t> party application it was converted into BVH file. Because BVH was the simplest one of all the mentioned and fulfilled all the requirements – we used it in our application program.</a:t>
+            </a:r>
+          </a:p>
+          <a:p>
+            <a:r>
+              <a:rPr lang="en-US" dirty="0" smtClean="0"/>
+              <a:t>As we had to fully parse and interpret this motion data file – I’ll introduce you to its structure.</a:t>
+            </a:r>
+          </a:p>
+          <a:p>
+            <a:endParaRPr lang="en-US" dirty="0" smtClean="0"/>
+          </a:p>
+          <a:p>
+            <a:r>
+              <a:rPr lang="en-US" b="1" dirty="0" smtClean="0"/>
+              <a:t>Offset – </a:t>
+            </a:r>
+            <a:r>
+              <a:rPr lang="en-US" dirty="0" smtClean="0"/>
+              <a:t>determines initial joint position</a:t>
+            </a:r>
+          </a:p>
+          <a:p>
+            <a:r>
+              <a:rPr lang="en-US" b="1" dirty="0" smtClean="0"/>
+              <a:t>Channels </a:t>
+            </a:r>
+            <a:r>
+              <a:rPr lang="en-US" dirty="0" smtClean="0"/>
+              <a:t>– defines transformation data for the joint in the motion section of the file. </a:t>
+            </a:r>
+          </a:p>
+          <a:p>
+            <a:pPr lvl="1"/>
+            <a:endParaRPr lang="en-US" dirty="0" smtClean="0"/>
+          </a:p>
+          <a:p>
+            <a:pPr lvl="1"/>
+            <a:endParaRPr lang="en-US" dirty="0" smtClean="0"/>
+          </a:p>
+        </p:txBody>
+      </p:sp>
+      <p:sp>
+        <p:nvSpPr>
+          <p:cNvPr id="3" name="Title 2"/>
+          <p:cNvSpPr>
+            <a:spLocks noGrp="1"/>
+          </p:cNvSpPr>
+          <p:nvPr>
+            <p:ph type="title"/>
+          </p:nvPr>
+        </p:nvSpPr>
+        <p:spPr/>
+        <p:txBody>
+          <a:bodyPr>
+            <a:normAutofit/>
+          </a:bodyPr>
+          <a:lstStyle/>
+          <a:p>
+            <a:r>
+              <a:rPr lang="en-US" dirty="0" smtClean="0"/>
+              <a:t>Hidden. </a:t>
+            </a:r>
+            <a:r>
+              <a:rPr lang="en-US" dirty="0" smtClean="0"/>
+              <a:t>Motion data</a:t>
+            </a:r>
+            <a:endParaRPr lang="lt-LT" dirty="0"/>
+          </a:p>
+        </p:txBody>
+      </p:sp>
+    </p:spTree>
+  </p:cSld>
+  <p:clrMapOvr>
+    <a:masterClrMapping/>
+  </p:clrMapOvr>
+  <p:transition/>
+</p:sld>
+</file>
+
+<file path=ppt/slides/slide13.xml><?xml version="1.0" encoding="utf-8"?>
+<p:sld xmlns:a="http://schemas.openxmlformats.org/drawingml/2006/main" xmlns:r="http://schemas.openxmlformats.org/officeDocument/2006/relationships" xmlns:p="http://schemas.openxmlformats.org/presentationml/2006/main">
   <p:cSld>
     <p:spTree>
       <p:nvGrpSpPr>
@@ -4705,8 +5665,8 @@
 </p:sld>
 </file>
 
-<file path=ppt/slides/slide11.xml><?xml version="1.0" encoding="utf-8"?>
-<p:sld xmlns:a="http://schemas.openxmlformats.org/drawingml/2006/main" xmlns:r="http://schemas.openxmlformats.org/officeDocument/2006/relationships" xmlns:mc="http://schemas.openxmlformats.org/markup-compatibility/2006" xmlns:mv="urn:schemas-microsoft-com:mac:vml" xmlns:p="http://schemas.openxmlformats.org/presentationml/2006/main" mc:Ignorable="mv" mc:PreserveAttributes="mv:*">
+<file path=ppt/slides/slide14.xml><?xml version="1.0" encoding="utf-8"?>
+<p:sld xmlns:a="http://schemas.openxmlformats.org/drawingml/2006/main" xmlns:r="http://schemas.openxmlformats.org/officeDocument/2006/relationships" xmlns:p="http://schemas.openxmlformats.org/presentationml/2006/main">
   <p:cSld>
     <p:spTree>
       <p:nvGrpSpPr>
@@ -4828,8 +5788,8 @@
 </p:sld>
 </file>
 
-<file path=ppt/slides/slide12.xml><?xml version="1.0" encoding="utf-8"?>
-<p:sld xmlns:a="http://schemas.openxmlformats.org/drawingml/2006/main" xmlns:r="http://schemas.openxmlformats.org/officeDocument/2006/relationships" xmlns:mc="http://schemas.openxmlformats.org/markup-compatibility/2006" xmlns:mv="urn:schemas-microsoft-com:mac:vml" xmlns:p="http://schemas.openxmlformats.org/presentationml/2006/main" mc:Ignorable="mv" mc:PreserveAttributes="mv:*">
+<file path=ppt/slides/slide15.xml><?xml version="1.0" encoding="utf-8"?>
+<p:sld xmlns:a="http://schemas.openxmlformats.org/drawingml/2006/main" xmlns:r="http://schemas.openxmlformats.org/officeDocument/2006/relationships" xmlns:p="http://schemas.openxmlformats.org/presentationml/2006/main">
   <p:cSld>
     <p:spTree>
       <p:nvGrpSpPr>
@@ -5016,8 +5976,8 @@
 </p:sld>
 </file>
 
-<file path=ppt/slides/slide13.xml><?xml version="1.0" encoding="utf-8"?>
-<p:sld xmlns:a="http://schemas.openxmlformats.org/drawingml/2006/main" xmlns:r="http://schemas.openxmlformats.org/officeDocument/2006/relationships" xmlns:mc="http://schemas.openxmlformats.org/markup-compatibility/2006" xmlns:mv="urn:schemas-microsoft-com:mac:vml" xmlns:p="http://schemas.openxmlformats.org/presentationml/2006/main" mc:Ignorable="mv" mc:PreserveAttributes="mv:*">
+<file path=ppt/slides/slide16.xml><?xml version="1.0" encoding="utf-8"?>
+<p:sld xmlns:a="http://schemas.openxmlformats.org/drawingml/2006/main" xmlns:r="http://schemas.openxmlformats.org/officeDocument/2006/relationships" xmlns:p="http://schemas.openxmlformats.org/presentationml/2006/main" showMasterSp="0" show="0">
   <p:cSld>
     <p:spTree>
       <p:nvGrpSpPr>
@@ -5043,6 +6003,103 @@
             <p:ph idx="1"/>
           </p:nvPr>
         </p:nvSpPr>
+        <p:spPr>
+          <a:xfrm>
+            <a:off x="457200" y="1481328"/>
+            <a:ext cx="8229600" cy="5376672"/>
+          </a:xfrm>
+        </p:spPr>
+        <p:txBody>
+          <a:bodyPr>
+            <a:normAutofit/>
+          </a:bodyPr>
+          <a:lstStyle/>
+          <a:p>
+            <a:r>
+              <a:rPr lang="en-US" dirty="0" smtClean="0"/>
+              <a:t>As our human body model mesh was cut in separate body part meshes, we had to connect these parts all together in order to get complete and full-scale character. </a:t>
+            </a:r>
+            <a:r>
+              <a:rPr lang="en-US" dirty="0" smtClean="0"/>
+              <a:t>To achieve this we used parametric representation of lines in 3D space method. Basically we connected together vertices of two separate body parts by these lines (or we could call them segments). </a:t>
+            </a:r>
+            <a:r>
+              <a:rPr lang="en-US" smtClean="0"/>
+              <a:t>Parametric representation also </a:t>
+            </a:r>
+            <a:r>
+              <a:rPr lang="en-US" dirty="0" smtClean="0"/>
+              <a:t>helped us evenly distribute vertices on this line, that later were used by our skinning algorithm.</a:t>
+            </a:r>
+            <a:endParaRPr lang="en-US" dirty="0" smtClean="0"/>
+          </a:p>
+        </p:txBody>
+      </p:sp>
+      <p:sp>
+        <p:nvSpPr>
+          <p:cNvPr id="3" name="Title 2"/>
+          <p:cNvSpPr>
+            <a:spLocks noGrp="1"/>
+          </p:cNvSpPr>
+          <p:nvPr>
+            <p:ph type="title"/>
+          </p:nvPr>
+        </p:nvSpPr>
+        <p:spPr/>
+        <p:txBody>
+          <a:bodyPr>
+            <a:normAutofit/>
+          </a:bodyPr>
+          <a:lstStyle/>
+          <a:p>
+            <a:r>
+              <a:rPr lang="en-US" dirty="0" smtClean="0"/>
+              <a:t>Hidden. </a:t>
+            </a:r>
+            <a:r>
+              <a:rPr lang="en-US" dirty="0" smtClean="0"/>
+              <a:t>Line representation</a:t>
+            </a:r>
+            <a:endParaRPr lang="lt-LT" dirty="0"/>
+          </a:p>
+        </p:txBody>
+      </p:sp>
+    </p:spTree>
+  </p:cSld>
+  <p:clrMapOvr>
+    <a:masterClrMapping/>
+  </p:clrMapOvr>
+  <p:transition/>
+</p:sld>
+</file>
+
+<file path=ppt/slides/slide17.xml><?xml version="1.0" encoding="utf-8"?>
+<p:sld xmlns:a="http://schemas.openxmlformats.org/drawingml/2006/main" xmlns:r="http://schemas.openxmlformats.org/officeDocument/2006/relationships" xmlns:p="http://schemas.openxmlformats.org/presentationml/2006/main">
+  <p:cSld>
+    <p:spTree>
+      <p:nvGrpSpPr>
+        <p:cNvPr id="1" name=""/>
+        <p:cNvGrpSpPr/>
+        <p:nvPr/>
+      </p:nvGrpSpPr>
+      <p:grpSpPr>
+        <a:xfrm>
+          <a:off x="0" y="0"/>
+          <a:ext cx="0" cy="0"/>
+          <a:chOff x="0" y="0"/>
+          <a:chExt cx="0" cy="0"/>
+        </a:xfrm>
+      </p:grpSpPr>
+      <p:sp>
+        <p:nvSpPr>
+          <p:cNvPr id="2" name="Content Placeholder 1"/>
+          <p:cNvSpPr>
+            <a:spLocks noGrp="1"/>
+          </p:cNvSpPr>
+          <p:nvPr>
+            <p:ph idx="1"/>
+          </p:nvPr>
+        </p:nvSpPr>
         <p:spPr/>
         <p:txBody>
           <a:bodyPr/>
@@ -5123,8 +6180,8 @@
 </p:sld>
 </file>
 
-<file path=ppt/slides/slide14.xml><?xml version="1.0" encoding="utf-8"?>
-<p:sld xmlns:a="http://schemas.openxmlformats.org/drawingml/2006/main" xmlns:r="http://schemas.openxmlformats.org/officeDocument/2006/relationships" xmlns:mc="http://schemas.openxmlformats.org/markup-compatibility/2006" xmlns:mv="urn:schemas-microsoft-com:mac:vml" xmlns:p="http://schemas.openxmlformats.org/presentationml/2006/main" mc:Ignorable="mv" mc:PreserveAttributes="mv:*" showMasterSp="0" show="0">
+<file path=ppt/slides/slide18.xml><?xml version="1.0" encoding="utf-8"?>
+<p:sld xmlns:a="http://schemas.openxmlformats.org/drawingml/2006/main" xmlns:r="http://schemas.openxmlformats.org/officeDocument/2006/relationships" xmlns:p="http://schemas.openxmlformats.org/presentationml/2006/main" showMasterSp="0" show="0">
   <p:cSld>
     <p:spTree>
       <p:nvGrpSpPr>
@@ -5221,8 +6278,8 @@
 </p:sld>
 </file>
 
-<file path=ppt/slides/slide15.xml><?xml version="1.0" encoding="utf-8"?>
-<p:sld xmlns:a="http://schemas.openxmlformats.org/drawingml/2006/main" xmlns:r="http://schemas.openxmlformats.org/officeDocument/2006/relationships" xmlns:mc="http://schemas.openxmlformats.org/markup-compatibility/2006" xmlns:mv="urn:schemas-microsoft-com:mac:vml" xmlns:p="http://schemas.openxmlformats.org/presentationml/2006/main" mc:Ignorable="mv" mc:PreserveAttributes="mv:*" show="0">
+<file path=ppt/slides/slide19.xml><?xml version="1.0" encoding="utf-8"?>
+<p:sld xmlns:a="http://schemas.openxmlformats.org/drawingml/2006/main" xmlns:r="http://schemas.openxmlformats.org/officeDocument/2006/relationships" xmlns:p="http://schemas.openxmlformats.org/presentationml/2006/main" show="0">
   <p:cSld>
     <p:spTree>
       <p:nvGrpSpPr>
@@ -5322,8 +6379,128 @@
 </p:sld>
 </file>
 
-<file path=ppt/slides/slide16.xml><?xml version="1.0" encoding="utf-8"?>
-<p:sld xmlns:a="http://schemas.openxmlformats.org/drawingml/2006/main" xmlns:r="http://schemas.openxmlformats.org/officeDocument/2006/relationships" xmlns:mc="http://schemas.openxmlformats.org/markup-compatibility/2006" xmlns:mv="urn:schemas-microsoft-com:mac:vml" xmlns:p="http://schemas.openxmlformats.org/presentationml/2006/main" mc:Ignorable="mv" mc:PreserveAttributes="mv:*">
+<file path=ppt/slides/slide2.xml><?xml version="1.0" encoding="utf-8"?>
+<p:sld xmlns:a="http://schemas.openxmlformats.org/drawingml/2006/main" xmlns:r="http://schemas.openxmlformats.org/officeDocument/2006/relationships" xmlns:p="http://schemas.openxmlformats.org/presentationml/2006/main">
+  <p:cSld>
+    <p:spTree>
+      <p:nvGrpSpPr>
+        <p:cNvPr id="1" name=""/>
+        <p:cNvGrpSpPr/>
+        <p:nvPr/>
+      </p:nvGrpSpPr>
+      <p:grpSpPr>
+        <a:xfrm>
+          <a:off x="0" y="0"/>
+          <a:ext cx="0" cy="0"/>
+          <a:chOff x="0" y="0"/>
+          <a:chExt cx="0" cy="0"/>
+        </a:xfrm>
+      </p:grpSpPr>
+      <p:sp>
+        <p:nvSpPr>
+          <p:cNvPr id="2" name="Content Placeholder 1"/>
+          <p:cNvSpPr>
+            <a:spLocks noGrp="1"/>
+          </p:cNvSpPr>
+          <p:nvPr>
+            <p:ph idx="1"/>
+          </p:nvPr>
+        </p:nvSpPr>
+        <p:spPr/>
+        <p:txBody>
+          <a:bodyPr/>
+          <a:lstStyle/>
+          <a:p>
+            <a:r>
+              <a:rPr lang="lt-LT" dirty="0" smtClean="0"/>
+              <a:t>Introduction</a:t>
+            </a:r>
+          </a:p>
+          <a:p>
+            <a:r>
+              <a:rPr lang="lt-LT" dirty="0" smtClean="0"/>
+              <a:t>Motion capture and motion data</a:t>
+            </a:r>
+          </a:p>
+          <a:p>
+            <a:r>
+              <a:rPr lang="lt-LT" dirty="0" smtClean="0"/>
+              <a:t>Used </a:t>
+            </a:r>
+            <a:r>
+              <a:rPr lang="en-US" dirty="0" smtClean="0"/>
+              <a:t>techniques</a:t>
+            </a:r>
+          </a:p>
+          <a:p>
+            <a:r>
+              <a:rPr lang="lt-LT" dirty="0" smtClean="0"/>
+              <a:t>Animating human body</a:t>
+            </a:r>
+          </a:p>
+          <a:p>
+            <a:r>
+              <a:rPr lang="lt-LT" dirty="0" smtClean="0"/>
+              <a:t>Problems</a:t>
+            </a:r>
+            <a:endParaRPr lang="en-US" dirty="0" smtClean="0"/>
+          </a:p>
+          <a:p>
+            <a:r>
+              <a:rPr lang="en-US" dirty="0" smtClean="0"/>
+              <a:t>Conclusion and future work</a:t>
+            </a:r>
+            <a:endParaRPr lang="lt-LT" dirty="0" smtClean="0"/>
+          </a:p>
+          <a:p>
+            <a:pPr lvl="1"/>
+            <a:endParaRPr lang="lt-LT" dirty="0" smtClean="0"/>
+          </a:p>
+          <a:p>
+            <a:endParaRPr lang="lt-LT" dirty="0"/>
+          </a:p>
+        </p:txBody>
+      </p:sp>
+      <p:sp>
+        <p:nvSpPr>
+          <p:cNvPr id="3" name="Title 2"/>
+          <p:cNvSpPr>
+            <a:spLocks noGrp="1"/>
+          </p:cNvSpPr>
+          <p:nvPr>
+            <p:ph type="title"/>
+          </p:nvPr>
+        </p:nvSpPr>
+        <p:spPr/>
+        <p:txBody>
+          <a:bodyPr/>
+          <a:lstStyle/>
+          <a:p>
+            <a:r>
+              <a:rPr lang="lt-LT" dirty="0" smtClean="0"/>
+              <a:t>Contents</a:t>
+            </a:r>
+            <a:endParaRPr lang="lt-LT" dirty="0"/>
+          </a:p>
+        </p:txBody>
+      </p:sp>
+    </p:spTree>
+  </p:cSld>
+  <p:clrMapOvr>
+    <a:masterClrMapping/>
+  </p:clrMapOvr>
+  <p:timing>
+    <p:tnLst>
+      <p:par>
+        <p:cTn id="1" dur="indefinite" restart="never" nodeType="tmRoot"/>
+      </p:par>
+    </p:tnLst>
+  </p:timing>
+</p:sld>
+</file>
+
+<file path=ppt/slides/slide20.xml><?xml version="1.0" encoding="utf-8"?>
+<p:sld xmlns:a="http://schemas.openxmlformats.org/drawingml/2006/main" xmlns:r="http://schemas.openxmlformats.org/officeDocument/2006/relationships" xmlns:p="http://schemas.openxmlformats.org/presentationml/2006/main">
   <p:cSld>
     <p:spTree>
       <p:nvGrpSpPr>
@@ -5462,8 +6639,8 @@
 </p:sld>
 </file>
 
-<file path=ppt/slides/slide17.xml><?xml version="1.0" encoding="utf-8"?>
-<p:sld xmlns:a="http://schemas.openxmlformats.org/drawingml/2006/main" xmlns:r="http://schemas.openxmlformats.org/officeDocument/2006/relationships" xmlns:mc="http://schemas.openxmlformats.org/markup-compatibility/2006" xmlns:mv="urn:schemas-microsoft-com:mac:vml" xmlns:p="http://schemas.openxmlformats.org/presentationml/2006/main" mc:Ignorable="mv" mc:PreserveAttributes="mv:*">
+<file path=ppt/slides/slide21.xml><?xml version="1.0" encoding="utf-8"?>
+<p:sld xmlns:a="http://schemas.openxmlformats.org/drawingml/2006/main" xmlns:r="http://schemas.openxmlformats.org/officeDocument/2006/relationships" xmlns:p="http://schemas.openxmlformats.org/presentationml/2006/main">
   <p:cSld>
     <p:spTree>
       <p:nvGrpSpPr>
@@ -5580,8 +6757,8 @@
 </p:sld>
 </file>
 
-<file path=ppt/slides/slide18.xml><?xml version="1.0" encoding="utf-8"?>
-<p:sld xmlns:a="http://schemas.openxmlformats.org/drawingml/2006/main" xmlns:r="http://schemas.openxmlformats.org/officeDocument/2006/relationships" xmlns:mc="http://schemas.openxmlformats.org/markup-compatibility/2006" xmlns:mv="urn:schemas-microsoft-com:mac:vml" xmlns:p="http://schemas.openxmlformats.org/presentationml/2006/main" mc:Ignorable="mv" mc:PreserveAttributes="mv:*">
+<file path=ppt/slides/slide22.xml><?xml version="1.0" encoding="utf-8"?>
+<p:sld xmlns:a="http://schemas.openxmlformats.org/drawingml/2006/main" xmlns:r="http://schemas.openxmlformats.org/officeDocument/2006/relationships" xmlns:p="http://schemas.openxmlformats.org/presentationml/2006/main">
   <p:cSld>
     <p:spTree>
       <p:nvGrpSpPr>
@@ -5666,8 +6843,8 @@
 </p:sld>
 </file>
 
-<file path=ppt/slides/slide19.xml><?xml version="1.0" encoding="utf-8"?>
-<p:sld xmlns:a="http://schemas.openxmlformats.org/drawingml/2006/main" xmlns:r="http://schemas.openxmlformats.org/officeDocument/2006/relationships" xmlns:mc="http://schemas.openxmlformats.org/markup-compatibility/2006" xmlns:mv="urn:schemas-microsoft-com:mac:vml" xmlns:p="http://schemas.openxmlformats.org/presentationml/2006/main" mc:Ignorable="mv" mc:PreserveAttributes="mv:*">
+<file path=ppt/slides/slide23.xml><?xml version="1.0" encoding="utf-8"?>
+<p:sld xmlns:a="http://schemas.openxmlformats.org/drawingml/2006/main" xmlns:r="http://schemas.openxmlformats.org/officeDocument/2006/relationships" xmlns:p="http://schemas.openxmlformats.org/presentationml/2006/main">
   <p:cSld>
     <p:spTree>
       <p:nvGrpSpPr>
@@ -5906,131 +7083,8 @@
 </p:sld>
 </file>
 
-<file path=ppt/slides/slide2.xml><?xml version="1.0" encoding="utf-8"?>
-<p:sld xmlns:a="http://schemas.openxmlformats.org/drawingml/2006/main" xmlns:r="http://schemas.openxmlformats.org/officeDocument/2006/relationships" xmlns:mc="http://schemas.openxmlformats.org/markup-compatibility/2006" xmlns:mv="urn:schemas-microsoft-com:mac:vml" xmlns:p="http://schemas.openxmlformats.org/presentationml/2006/main" mc:Ignorable="mv" mc:PreserveAttributes="mv:*">
-  <p:cSld>
-    <p:spTree>
-      <p:nvGrpSpPr>
-        <p:cNvPr id="1" name=""/>
-        <p:cNvGrpSpPr/>
-        <p:nvPr/>
-      </p:nvGrpSpPr>
-      <p:grpSpPr>
-        <a:xfrm>
-          <a:off x="0" y="0"/>
-          <a:ext cx="0" cy="0"/>
-          <a:chOff x="0" y="0"/>
-          <a:chExt cx="0" cy="0"/>
-        </a:xfrm>
-      </p:grpSpPr>
-      <p:sp>
-        <p:nvSpPr>
-          <p:cNvPr id="2" name="Content Placeholder 1"/>
-          <p:cNvSpPr>
-            <a:spLocks noGrp="1"/>
-          </p:cNvSpPr>
-          <p:nvPr>
-            <p:ph idx="1"/>
-          </p:nvPr>
-        </p:nvSpPr>
-        <p:spPr/>
-        <p:txBody>
-          <a:bodyPr/>
-          <a:lstStyle/>
-          <a:p>
-            <a:r>
-              <a:rPr lang="lt-LT" dirty="0" smtClean="0"/>
-              <a:t>Introduction</a:t>
-            </a:r>
-          </a:p>
-          <a:p>
-            <a:r>
-              <a:rPr lang="lt-LT" dirty="0" smtClean="0"/>
-              <a:t>Motion capture and motion data</a:t>
-            </a:r>
-          </a:p>
-          <a:p>
-            <a:r>
-              <a:rPr lang="lt-LT" dirty="0" smtClean="0"/>
-              <a:t>Used </a:t>
-            </a:r>
-            <a:r>
-              <a:rPr lang="en-US" dirty="0" smtClean="0"/>
-              <a:t>techniques</a:t>
-            </a:r>
-          </a:p>
-          <a:p>
-            <a:r>
-              <a:rPr lang="lt-LT" dirty="0" smtClean="0"/>
-              <a:t>Animating human body</a:t>
-            </a:r>
-          </a:p>
-          <a:p>
-            <a:r>
-              <a:rPr lang="lt-LT" dirty="0" smtClean="0"/>
-              <a:t>Problems</a:t>
-            </a:r>
-            <a:endParaRPr lang="en-US" dirty="0" smtClean="0"/>
-          </a:p>
-          <a:p>
-            <a:r>
-              <a:rPr lang="en-US" dirty="0" smtClean="0"/>
-              <a:t>Conclusion and possible future tasks</a:t>
-            </a:r>
-            <a:endParaRPr lang="lt-LT" dirty="0" smtClean="0"/>
-          </a:p>
-          <a:p>
-            <a:endParaRPr lang="lt-LT" dirty="0" smtClean="0"/>
-          </a:p>
-          <a:p>
-            <a:pPr lvl="1"/>
-            <a:endParaRPr lang="lt-LT" dirty="0" smtClean="0"/>
-          </a:p>
-          <a:p>
-            <a:endParaRPr lang="lt-LT" dirty="0"/>
-          </a:p>
-        </p:txBody>
-      </p:sp>
-      <p:sp>
-        <p:nvSpPr>
-          <p:cNvPr id="3" name="Title 2"/>
-          <p:cNvSpPr>
-            <a:spLocks noGrp="1"/>
-          </p:cNvSpPr>
-          <p:nvPr>
-            <p:ph type="title"/>
-          </p:nvPr>
-        </p:nvSpPr>
-        <p:spPr/>
-        <p:txBody>
-          <a:bodyPr/>
-          <a:lstStyle/>
-          <a:p>
-            <a:r>
-              <a:rPr lang="lt-LT" dirty="0" smtClean="0"/>
-              <a:t>Contents</a:t>
-            </a:r>
-            <a:endParaRPr lang="lt-LT" dirty="0"/>
-          </a:p>
-        </p:txBody>
-      </p:sp>
-    </p:spTree>
-  </p:cSld>
-  <p:clrMapOvr>
-    <a:masterClrMapping/>
-  </p:clrMapOvr>
-  <p:timing>
-    <p:tnLst>
-      <p:par>
-        <p:cTn id="1" dur="indefinite" restart="never" nodeType="tmRoot"/>
-      </p:par>
-    </p:tnLst>
-  </p:timing>
-</p:sld>
-</file>
-
-<file path=ppt/slides/slide20.xml><?xml version="1.0" encoding="utf-8"?>
-<p:sld xmlns:a="http://schemas.openxmlformats.org/drawingml/2006/main" xmlns:r="http://schemas.openxmlformats.org/officeDocument/2006/relationships" xmlns:mc="http://schemas.openxmlformats.org/markup-compatibility/2006" xmlns:mv="urn:schemas-microsoft-com:mac:vml" xmlns:p="http://schemas.openxmlformats.org/presentationml/2006/main" mc:Ignorable="mv" mc:PreserveAttributes="mv:*">
+<file path=ppt/slides/slide24.xml><?xml version="1.0" encoding="utf-8"?>
+<p:sld xmlns:a="http://schemas.openxmlformats.org/drawingml/2006/main" xmlns:r="http://schemas.openxmlformats.org/officeDocument/2006/relationships" xmlns:p="http://schemas.openxmlformats.org/presentationml/2006/main">
   <p:cSld>
     <p:spTree>
       <p:nvGrpSpPr>
@@ -6576,8 +7630,8 @@
 </p:sld>
 </file>
 
-<file path=ppt/slides/slide21.xml><?xml version="1.0" encoding="utf-8"?>
-<p:sld xmlns:a="http://schemas.openxmlformats.org/drawingml/2006/main" xmlns:r="http://schemas.openxmlformats.org/officeDocument/2006/relationships" xmlns:mc="http://schemas.openxmlformats.org/markup-compatibility/2006" xmlns:mv="urn:schemas-microsoft-com:mac:vml" xmlns:p="http://schemas.openxmlformats.org/presentationml/2006/main" mc:Ignorable="mv" mc:PreserveAttributes="mv:*">
+<file path=ppt/slides/slide25.xml><?xml version="1.0" encoding="utf-8"?>
+<p:sld xmlns:a="http://schemas.openxmlformats.org/drawingml/2006/main" xmlns:r="http://schemas.openxmlformats.org/officeDocument/2006/relationships" xmlns:p="http://schemas.openxmlformats.org/presentationml/2006/main">
   <p:cSld>
     <p:spTree>
       <p:nvGrpSpPr>
@@ -6690,8 +7744,8 @@
 </p:sld>
 </file>
 
-<file path=ppt/slides/slide22.xml><?xml version="1.0" encoding="utf-8"?>
-<p:sld xmlns:a="http://schemas.openxmlformats.org/drawingml/2006/main" xmlns:r="http://schemas.openxmlformats.org/officeDocument/2006/relationships" xmlns:mc="http://schemas.openxmlformats.org/markup-compatibility/2006" xmlns:mv="urn:schemas-microsoft-com:mac:vml" xmlns:p="http://schemas.openxmlformats.org/presentationml/2006/main" mc:Ignorable="mv" mc:PreserveAttributes="mv:*">
+<file path=ppt/slides/slide26.xml><?xml version="1.0" encoding="utf-8"?>
+<p:sld xmlns:a="http://schemas.openxmlformats.org/drawingml/2006/main" xmlns:r="http://schemas.openxmlformats.org/officeDocument/2006/relationships" xmlns:p="http://schemas.openxmlformats.org/presentationml/2006/main">
   <p:cSld>
     <p:spTree>
       <p:nvGrpSpPr>
@@ -6994,8 +8048,8 @@
 </p:sld>
 </file>
 
-<file path=ppt/slides/slide23.xml><?xml version="1.0" encoding="utf-8"?>
-<p:sld xmlns:a="http://schemas.openxmlformats.org/drawingml/2006/main" xmlns:r="http://schemas.openxmlformats.org/officeDocument/2006/relationships" xmlns:mc="http://schemas.openxmlformats.org/markup-compatibility/2006" xmlns:mv="urn:schemas-microsoft-com:mac:vml" xmlns:p="http://schemas.openxmlformats.org/presentationml/2006/main" mc:Ignorable="mv" mc:PreserveAttributes="mv:*">
+<file path=ppt/slides/slide27.xml><?xml version="1.0" encoding="utf-8"?>
+<p:sld xmlns:a="http://schemas.openxmlformats.org/drawingml/2006/main" xmlns:r="http://schemas.openxmlformats.org/officeDocument/2006/relationships" xmlns:p="http://schemas.openxmlformats.org/presentationml/2006/main">
   <p:cSld>
     <p:spTree>
       <p:nvGrpSpPr>
@@ -7082,8 +8136,8 @@
 </p:sld>
 </file>
 
-<file path=ppt/slides/slide24.xml><?xml version="1.0" encoding="utf-8"?>
-<p:sld xmlns:a="http://schemas.openxmlformats.org/drawingml/2006/main" xmlns:r="http://schemas.openxmlformats.org/officeDocument/2006/relationships" xmlns:mc="http://schemas.openxmlformats.org/markup-compatibility/2006" xmlns:mv="urn:schemas-microsoft-com:mac:vml" xmlns:p="http://schemas.openxmlformats.org/presentationml/2006/main" mc:Ignorable="mv" mc:PreserveAttributes="mv:*">
+<file path=ppt/slides/slide28.xml><?xml version="1.0" encoding="utf-8"?>
+<p:sld xmlns:a="http://schemas.openxmlformats.org/drawingml/2006/main" xmlns:r="http://schemas.openxmlformats.org/officeDocument/2006/relationships" xmlns:p="http://schemas.openxmlformats.org/presentationml/2006/main">
   <p:cSld>
     <p:spTree>
       <p:nvGrpSpPr>
@@ -7211,8 +8265,8 @@
 </p:sld>
 </file>
 
-<file path=ppt/slides/slide25.xml><?xml version="1.0" encoding="utf-8"?>
-<p:sld xmlns:a="http://schemas.openxmlformats.org/drawingml/2006/main" xmlns:r="http://schemas.openxmlformats.org/officeDocument/2006/relationships" xmlns:mc="http://schemas.openxmlformats.org/markup-compatibility/2006" xmlns:mv="urn:schemas-microsoft-com:mac:vml" xmlns:p="http://schemas.openxmlformats.org/presentationml/2006/main" mc:Ignorable="mv" mc:PreserveAttributes="mv:*">
+<file path=ppt/slides/slide29.xml><?xml version="1.0" encoding="utf-8"?>
+<p:sld xmlns:a="http://schemas.openxmlformats.org/drawingml/2006/main" xmlns:r="http://schemas.openxmlformats.org/officeDocument/2006/relationships" xmlns:p="http://schemas.openxmlformats.org/presentationml/2006/main">
   <p:cSld>
     <p:spTree>
       <p:nvGrpSpPr>
@@ -7313,8 +8367,128 @@
 </p:sld>
 </file>
 
-<file path=ppt/slides/slide26.xml><?xml version="1.0" encoding="utf-8"?>
-<p:sld xmlns:a="http://schemas.openxmlformats.org/drawingml/2006/main" xmlns:r="http://schemas.openxmlformats.org/officeDocument/2006/relationships" xmlns:mc="http://schemas.openxmlformats.org/markup-compatibility/2006" xmlns:mv="urn:schemas-microsoft-com:mac:vml" xmlns:p="http://schemas.openxmlformats.org/presentationml/2006/main" mc:Ignorable="mv" mc:PreserveAttributes="mv:*">
+<file path=ppt/slides/slide3.xml><?xml version="1.0" encoding="utf-8"?>
+<p:sld xmlns:a="http://schemas.openxmlformats.org/drawingml/2006/main" xmlns:r="http://schemas.openxmlformats.org/officeDocument/2006/relationships" xmlns:p="http://schemas.openxmlformats.org/presentationml/2006/main">
+  <p:cSld>
+    <p:spTree>
+      <p:nvGrpSpPr>
+        <p:cNvPr id="1" name=""/>
+        <p:cNvGrpSpPr/>
+        <p:nvPr/>
+      </p:nvGrpSpPr>
+      <p:grpSpPr>
+        <a:xfrm>
+          <a:off x="0" y="0"/>
+          <a:ext cx="0" cy="0"/>
+          <a:chOff x="0" y="0"/>
+          <a:chExt cx="0" cy="0"/>
+        </a:xfrm>
+      </p:grpSpPr>
+      <p:sp>
+        <p:nvSpPr>
+          <p:cNvPr id="2" name="Content Placeholder 1"/>
+          <p:cNvSpPr>
+            <a:spLocks noGrp="1"/>
+          </p:cNvSpPr>
+          <p:nvPr>
+            <p:ph idx="1"/>
+          </p:nvPr>
+        </p:nvSpPr>
+        <p:spPr/>
+        <p:txBody>
+          <a:bodyPr/>
+          <a:lstStyle/>
+          <a:p>
+            <a:r>
+              <a:rPr lang="lt-LT" dirty="0" smtClean="0"/>
+              <a:t>Motion </a:t>
+            </a:r>
+            <a:r>
+              <a:rPr lang="en-US" dirty="0" smtClean="0"/>
+              <a:t>capturing</a:t>
+            </a:r>
+          </a:p>
+          <a:p>
+            <a:r>
+              <a:rPr lang="lt-LT" dirty="0" smtClean="0"/>
+              <a:t>Human body model animation</a:t>
+            </a:r>
+            <a:endParaRPr lang="en-US" dirty="0" smtClean="0"/>
+          </a:p>
+          <a:p>
+            <a:pPr lvl="1"/>
+            <a:r>
+              <a:rPr lang="en-US" dirty="0" smtClean="0"/>
+              <a:t>Skeletal, joint-based structure</a:t>
+            </a:r>
+          </a:p>
+          <a:p>
+            <a:pPr lvl="1"/>
+            <a:r>
+              <a:rPr lang="en-US" dirty="0" smtClean="0"/>
+              <a:t>Animation program environment (C++/OpenGL)</a:t>
+            </a:r>
+          </a:p>
+          <a:p>
+            <a:pPr lvl="1"/>
+            <a:r>
+              <a:rPr lang="en-US" dirty="0" smtClean="0"/>
+              <a:t>Data interpretation</a:t>
+            </a:r>
+          </a:p>
+          <a:p>
+            <a:pPr lvl="1"/>
+            <a:r>
+              <a:rPr lang="en-US" dirty="0" smtClean="0"/>
+              <a:t>Model deformations</a:t>
+            </a:r>
+            <a:endParaRPr lang="lt-LT" dirty="0" smtClean="0"/>
+          </a:p>
+          <a:p>
+            <a:endParaRPr lang="lt-LT" dirty="0"/>
+          </a:p>
+        </p:txBody>
+      </p:sp>
+      <p:sp>
+        <p:nvSpPr>
+          <p:cNvPr id="3" name="Title 2"/>
+          <p:cNvSpPr>
+            <a:spLocks noGrp="1"/>
+          </p:cNvSpPr>
+          <p:nvPr>
+            <p:ph type="title"/>
+          </p:nvPr>
+        </p:nvSpPr>
+        <p:spPr/>
+        <p:txBody>
+          <a:bodyPr/>
+          <a:lstStyle/>
+          <a:p>
+            <a:r>
+              <a:rPr lang="en-US" dirty="0" smtClean="0"/>
+              <a:t>Introduction. Project tasks</a:t>
+            </a:r>
+            <a:endParaRPr lang="en-US" dirty="0"/>
+          </a:p>
+        </p:txBody>
+      </p:sp>
+    </p:spTree>
+  </p:cSld>
+  <p:clrMapOvr>
+    <a:masterClrMapping/>
+  </p:clrMapOvr>
+  <p:timing>
+    <p:tnLst>
+      <p:par>
+        <p:cTn id="1" dur="indefinite" restart="never" nodeType="tmRoot"/>
+      </p:par>
+    </p:tnLst>
+  </p:timing>
+</p:sld>
+</file>
+
+<file path=ppt/slides/slide30.xml><?xml version="1.0" encoding="utf-8"?>
+<p:sld xmlns:a="http://schemas.openxmlformats.org/drawingml/2006/main" xmlns:r="http://schemas.openxmlformats.org/officeDocument/2006/relationships" xmlns:p="http://schemas.openxmlformats.org/presentationml/2006/main">
   <p:cSld>
     <p:spTree>
       <p:nvGrpSpPr>
@@ -7489,8 +8663,8 @@
 </p:sld>
 </file>
 
-<file path=ppt/slides/slide27.xml><?xml version="1.0" encoding="utf-8"?>
-<p:sld xmlns:a="http://schemas.openxmlformats.org/drawingml/2006/main" xmlns:r="http://schemas.openxmlformats.org/officeDocument/2006/relationships" xmlns:mc="http://schemas.openxmlformats.org/markup-compatibility/2006" xmlns:mv="urn:schemas-microsoft-com:mac:vml" xmlns:p="http://schemas.openxmlformats.org/presentationml/2006/main" mc:Ignorable="mv" mc:PreserveAttributes="mv:*">
+<file path=ppt/slides/slide31.xml><?xml version="1.0" encoding="utf-8"?>
+<p:sld xmlns:a="http://schemas.openxmlformats.org/drawingml/2006/main" xmlns:r="http://schemas.openxmlformats.org/officeDocument/2006/relationships" xmlns:p="http://schemas.openxmlformats.org/presentationml/2006/main" show="0">
   <p:cSld>
     <p:spTree>
       <p:nvGrpSpPr>
@@ -7553,6 +8727,7 @@
   <p:clrMapOvr>
     <a:masterClrMapping/>
   </p:clrMapOvr>
+  <p:transition/>
   <p:timing>
     <p:tnLst>
       <p:par>
@@ -7563,8 +8738,235 @@
 </p:sld>
 </file>
 
-<file path=ppt/slides/slide28.xml><?xml version="1.0" encoding="utf-8"?>
-<p:sld xmlns:a="http://schemas.openxmlformats.org/drawingml/2006/main" xmlns:r="http://schemas.openxmlformats.org/officeDocument/2006/relationships" xmlns:mc="http://schemas.openxmlformats.org/markup-compatibility/2006" xmlns:mv="urn:schemas-microsoft-com:mac:vml" xmlns:p="http://schemas.openxmlformats.org/presentationml/2006/main" mc:Ignorable="mv" mc:PreserveAttributes="mv:*">
+<file path=ppt/slides/slide32.xml><?xml version="1.0" encoding="utf-8"?>
+<p:sld xmlns:a="http://schemas.openxmlformats.org/drawingml/2006/main" xmlns:r="http://schemas.openxmlformats.org/officeDocument/2006/relationships" xmlns:p="http://schemas.openxmlformats.org/presentationml/2006/main">
+  <p:cSld>
+    <p:spTree>
+      <p:nvGrpSpPr>
+        <p:cNvPr id="1" name=""/>
+        <p:cNvGrpSpPr/>
+        <p:nvPr/>
+      </p:nvGrpSpPr>
+      <p:grpSpPr>
+        <a:xfrm>
+          <a:off x="0" y="0"/>
+          <a:ext cx="0" cy="0"/>
+          <a:chOff x="0" y="0"/>
+          <a:chExt cx="0" cy="0"/>
+        </a:xfrm>
+      </p:grpSpPr>
+      <p:sp>
+        <p:nvSpPr>
+          <p:cNvPr id="2" name="Content Placeholder 1"/>
+          <p:cNvSpPr>
+            <a:spLocks noGrp="1"/>
+          </p:cNvSpPr>
+          <p:nvPr>
+            <p:ph idx="1"/>
+          </p:nvPr>
+        </p:nvSpPr>
+        <p:spPr>
+          <a:xfrm>
+            <a:off x="457200" y="1481328"/>
+            <a:ext cx="8258204" cy="4525963"/>
+          </a:xfrm>
+        </p:spPr>
+        <p:txBody>
+          <a:bodyPr/>
+          <a:lstStyle/>
+          <a:p>
+            <a:r>
+              <a:rPr lang="lt-LT" dirty="0" smtClean="0"/>
+              <a:t>Geometry definition file format</a:t>
+            </a:r>
+          </a:p>
+          <a:p>
+            <a:r>
+              <a:rPr lang="lt-LT" dirty="0" smtClean="0"/>
+              <a:t>Open ASCII format</a:t>
+            </a:r>
+          </a:p>
+          <a:p>
+            <a:r>
+              <a:rPr lang="lt-LT" dirty="0" smtClean="0"/>
+              <a:t>Supported by many 3D modelling applications</a:t>
+            </a:r>
+          </a:p>
+          <a:p>
+            <a:endParaRPr lang="lt-LT" dirty="0"/>
+          </a:p>
+        </p:txBody>
+      </p:sp>
+      <p:sp>
+        <p:nvSpPr>
+          <p:cNvPr id="3" name="Title 2"/>
+          <p:cNvSpPr>
+            <a:spLocks noGrp="1"/>
+          </p:cNvSpPr>
+          <p:nvPr>
+            <p:ph type="title"/>
+          </p:nvPr>
+        </p:nvSpPr>
+        <p:spPr/>
+        <p:txBody>
+          <a:bodyPr>
+            <a:normAutofit fontScale="90000"/>
+          </a:bodyPr>
+          <a:lstStyle/>
+          <a:p>
+            <a:r>
+              <a:rPr lang="en-US" dirty="0" smtClean="0"/>
+              <a:t>Animating human body</a:t>
+            </a:r>
+            <a:br>
+              <a:rPr lang="en-US" dirty="0" smtClean="0"/>
+            </a:br>
+            <a:r>
+              <a:rPr lang="en-US" sz="3100" dirty="0" smtClean="0"/>
+              <a:t>Mesh model data, OBJ format</a:t>
+            </a:r>
+            <a:endParaRPr lang="lt-LT" sz="3100" dirty="0"/>
+          </a:p>
+        </p:txBody>
+      </p:sp>
+    </p:spTree>
+  </p:cSld>
+  <p:clrMapOvr>
+    <a:masterClrMapping/>
+  </p:clrMapOvr>
+  <p:timing>
+    <p:tnLst>
+      <p:par>
+        <p:cTn id="1" dur="indefinite" restart="never" nodeType="tmRoot"/>
+      </p:par>
+    </p:tnLst>
+  </p:timing>
+</p:sld>
+</file>
+
+<file path=ppt/slides/slide33.xml><?xml version="1.0" encoding="utf-8"?>
+<p:sld xmlns:a="http://schemas.openxmlformats.org/drawingml/2006/main" xmlns:r="http://schemas.openxmlformats.org/officeDocument/2006/relationships" xmlns:p="http://schemas.openxmlformats.org/presentationml/2006/main">
+  <p:cSld>
+    <p:spTree>
+      <p:nvGrpSpPr>
+        <p:cNvPr id="1" name=""/>
+        <p:cNvGrpSpPr/>
+        <p:nvPr/>
+      </p:nvGrpSpPr>
+      <p:grpSpPr>
+        <a:xfrm>
+          <a:off x="0" y="0"/>
+          <a:ext cx="0" cy="0"/>
+          <a:chOff x="0" y="0"/>
+          <a:chExt cx="0" cy="0"/>
+        </a:xfrm>
+      </p:grpSpPr>
+      <p:sp>
+        <p:nvSpPr>
+          <p:cNvPr id="2" name="Content Placeholder 1"/>
+          <p:cNvSpPr>
+            <a:spLocks noGrp="1"/>
+          </p:cNvSpPr>
+          <p:nvPr>
+            <p:ph idx="1"/>
+          </p:nvPr>
+        </p:nvSpPr>
+        <p:spPr/>
+        <p:txBody>
+          <a:bodyPr/>
+          <a:lstStyle/>
+          <a:p>
+            <a:r>
+              <a:rPr lang="en-US" dirty="0" err="1" smtClean="0"/>
+              <a:t>v</a:t>
+            </a:r>
+            <a:r>
+              <a:rPr lang="en-US" dirty="0" smtClean="0"/>
+              <a:t> -0.756447 0.702621 0.047024</a:t>
+            </a:r>
+          </a:p>
+          <a:p>
+            <a:r>
+              <a:rPr lang="en-US" dirty="0" err="1" smtClean="0"/>
+              <a:t>vt</a:t>
+            </a:r>
+            <a:r>
+              <a:rPr lang="en-US" dirty="0" smtClean="0"/>
+              <a:t> 0.487840 0.942165 0.000000</a:t>
+            </a:r>
+          </a:p>
+          <a:p>
+            <a:r>
+              <a:rPr lang="en-US" dirty="0" err="1" smtClean="0"/>
+              <a:t>vn</a:t>
+            </a:r>
+            <a:r>
+              <a:rPr lang="en-US" dirty="0" smtClean="0"/>
+              <a:t> 0.149280 -0.186998 -0.240511</a:t>
+            </a:r>
+          </a:p>
+          <a:p>
+            <a:r>
+              <a:rPr lang="en-US" dirty="0" err="1" smtClean="0"/>
+              <a:t>f</a:t>
+            </a:r>
+            <a:r>
+              <a:rPr lang="en-US" dirty="0" smtClean="0"/>
+              <a:t> 6/9/6 2/5/2 1/1/1</a:t>
+            </a:r>
+            <a:endParaRPr lang="en-US" dirty="0"/>
+          </a:p>
+        </p:txBody>
+      </p:sp>
+      <p:sp>
+        <p:nvSpPr>
+          <p:cNvPr id="3" name="Title 2"/>
+          <p:cNvSpPr>
+            <a:spLocks noGrp="1"/>
+          </p:cNvSpPr>
+          <p:nvPr>
+            <p:ph type="title"/>
+          </p:nvPr>
+        </p:nvSpPr>
+        <p:spPr/>
+        <p:txBody>
+          <a:bodyPr>
+            <a:normAutofit fontScale="90000"/>
+          </a:bodyPr>
+          <a:lstStyle/>
+          <a:p>
+            <a:r>
+              <a:rPr lang="en-US" dirty="0" smtClean="0"/>
+              <a:t>Animating human body</a:t>
+            </a:r>
+            <a:br>
+              <a:rPr lang="en-US" dirty="0" smtClean="0"/>
+            </a:br>
+            <a:r>
+              <a:rPr lang="en-US" sz="3111" dirty="0" smtClean="0"/>
+              <a:t>Mesh model data, OBJ format</a:t>
+            </a:r>
+            <a:endParaRPr lang="en-US" sz="3111" dirty="0"/>
+          </a:p>
+        </p:txBody>
+      </p:sp>
+    </p:spTree>
+  </p:cSld>
+  <p:clrMapOvr>
+    <a:masterClrMapping/>
+  </p:clrMapOvr>
+  <p:timing>
+    <p:tnLst>
+      <p:par>
+        <p:cTn id="1" dur="indefinite" restart="never" nodeType="tmRoot"/>
+      </p:par>
+    </p:tnLst>
+  </p:timing>
+</p:sld>
+</file>
+
+<file path=ppt/slides/slide34.xml><?xml version="1.0" encoding="utf-8"?>
+<p:sld xmlns:a="http://schemas.openxmlformats.org/drawingml/2006/main" xmlns:r="http://schemas.openxmlformats.org/officeDocument/2006/relationships" xmlns:p="http://schemas.openxmlformats.org/presentationml/2006/main">
   <p:cSld>
     <p:spTree>
       <p:nvGrpSpPr>
@@ -7687,8 +9089,8 @@
 </p:sld>
 </file>
 
-<file path=ppt/slides/slide29.xml><?xml version="1.0" encoding="utf-8"?>
-<p:sld xmlns:a="http://schemas.openxmlformats.org/drawingml/2006/main" xmlns:r="http://schemas.openxmlformats.org/officeDocument/2006/relationships" xmlns:mc="http://schemas.openxmlformats.org/markup-compatibility/2006" xmlns:mv="urn:schemas-microsoft-com:mac:vml" xmlns:p="http://schemas.openxmlformats.org/presentationml/2006/main" mc:Ignorable="mv" mc:PreserveAttributes="mv:*">
+<file path=ppt/slides/slide35.xml><?xml version="1.0" encoding="utf-8"?>
+<p:sld xmlns:a="http://schemas.openxmlformats.org/drawingml/2006/main" xmlns:r="http://schemas.openxmlformats.org/officeDocument/2006/relationships" xmlns:p="http://schemas.openxmlformats.org/presentationml/2006/main" show="0">
   <p:cSld>
     <p:spTree>
       <p:nvGrpSpPr>
@@ -7714,35 +9116,23 @@
             <p:ph idx="1"/>
           </p:nvPr>
         </p:nvSpPr>
-        <p:spPr>
-          <a:xfrm>
-            <a:off x="457200" y="1481328"/>
-            <a:ext cx="8258204" cy="4525963"/>
-          </a:xfrm>
-        </p:spPr>
+        <p:spPr/>
         <p:txBody>
           <a:bodyPr/>
           <a:lstStyle/>
           <a:p>
-            <a:r>
-              <a:rPr lang="lt-LT" dirty="0" smtClean="0"/>
-              <a:t>Geometry definition file format</a:t>
-            </a:r>
-          </a:p>
-          <a:p>
-            <a:r>
-              <a:rPr lang="lt-LT" dirty="0" smtClean="0"/>
-              <a:t>Open ASCII format</a:t>
-            </a:r>
-          </a:p>
-          <a:p>
-            <a:r>
-              <a:rPr lang="lt-LT" dirty="0" smtClean="0"/>
-              <a:t>Supported by many 3D modelling applications</a:t>
-            </a:r>
-          </a:p>
-          <a:p>
-            <a:endParaRPr lang="lt-LT" dirty="0"/>
+            <a:pPr>
+              <a:buNone/>
+            </a:pPr>
+            <a:r>
+              <a:rPr lang="en-US" sz="2200" dirty="0" smtClean="0"/>
+              <a:t>Generate new skeleton image with big joints, define joint structure, define putting mesh over </a:t>
+            </a:r>
+            <a:r>
+              <a:rPr lang="en-US" sz="2200" smtClean="0"/>
+              <a:t>the skeleton?</a:t>
+            </a:r>
+            <a:endParaRPr lang="en-US" sz="2200" dirty="0" smtClean="0"/>
           </a:p>
         </p:txBody>
       </p:sp>
@@ -7772,17 +9162,9 @@
             </a:br>
             <a:r>
               <a:rPr lang="en-US" sz="3100" dirty="0" smtClean="0"/>
-              <a:t>Mesh model </a:t>
-            </a:r>
-            <a:r>
-              <a:rPr lang="en-US" sz="3100" dirty="0" smtClean="0"/>
-              <a:t>data</a:t>
-            </a:r>
-            <a:r>
-              <a:rPr lang="en-US" sz="3100" dirty="0" smtClean="0"/>
-              <a:t>, OBJ format</a:t>
-            </a:r>
-            <a:endParaRPr lang="lt-LT" sz="3100" dirty="0"/>
+              <a:t>Initial program phase</a:t>
+            </a:r>
+            <a:endParaRPr lang="en-US" sz="3100" dirty="0"/>
           </a:p>
         </p:txBody>
       </p:sp>
@@ -7791,6 +9173,7 @@
   <p:clrMapOvr>
     <a:masterClrMapping/>
   </p:clrMapOvr>
+  <p:transition/>
   <p:timing>
     <p:tnLst>
       <p:par>
@@ -7801,348 +9184,8 @@
 </p:sld>
 </file>
 
-<file path=ppt/slides/slide3.xml><?xml version="1.0" encoding="utf-8"?>
-<p:sld xmlns:a="http://schemas.openxmlformats.org/drawingml/2006/main" xmlns:r="http://schemas.openxmlformats.org/officeDocument/2006/relationships" xmlns:mc="http://schemas.openxmlformats.org/markup-compatibility/2006" xmlns:mv="urn:schemas-microsoft-com:mac:vml" xmlns:p="http://schemas.openxmlformats.org/presentationml/2006/main" mc:Ignorable="mv" mc:PreserveAttributes="mv:*">
-  <p:cSld>
-    <p:spTree>
-      <p:nvGrpSpPr>
-        <p:cNvPr id="1" name=""/>
-        <p:cNvGrpSpPr/>
-        <p:nvPr/>
-      </p:nvGrpSpPr>
-      <p:grpSpPr>
-        <a:xfrm>
-          <a:off x="0" y="0"/>
-          <a:ext cx="0" cy="0"/>
-          <a:chOff x="0" y="0"/>
-          <a:chExt cx="0" cy="0"/>
-        </a:xfrm>
-      </p:grpSpPr>
-      <p:sp>
-        <p:nvSpPr>
-          <p:cNvPr id="2" name="Content Placeholder 1"/>
-          <p:cNvSpPr>
-            <a:spLocks noGrp="1"/>
-          </p:cNvSpPr>
-          <p:nvPr>
-            <p:ph idx="1"/>
-          </p:nvPr>
-        </p:nvSpPr>
-        <p:spPr/>
-        <p:txBody>
-          <a:bodyPr/>
-          <a:lstStyle/>
-          <a:p>
-            <a:r>
-              <a:rPr lang="lt-LT" dirty="0" smtClean="0"/>
-              <a:t>Motion </a:t>
-            </a:r>
-            <a:r>
-              <a:rPr lang="en-US" dirty="0" smtClean="0"/>
-              <a:t>capturing</a:t>
-            </a:r>
-          </a:p>
-          <a:p>
-            <a:r>
-              <a:rPr lang="lt-LT" dirty="0" smtClean="0"/>
-              <a:t>Human body model animation</a:t>
-            </a:r>
-            <a:endParaRPr lang="en-US" dirty="0" smtClean="0"/>
-          </a:p>
-          <a:p>
-            <a:pPr lvl="1"/>
-            <a:r>
-              <a:rPr lang="en-US" dirty="0" smtClean="0"/>
-              <a:t>Skeletal, joint-based structure</a:t>
-            </a:r>
-          </a:p>
-          <a:p>
-            <a:pPr lvl="1"/>
-            <a:r>
-              <a:rPr lang="en-US" dirty="0" smtClean="0"/>
-              <a:t>Animation program environment (C++/OpenGL)</a:t>
-            </a:r>
-          </a:p>
-          <a:p>
-            <a:pPr lvl="1"/>
-            <a:r>
-              <a:rPr lang="en-US" dirty="0" smtClean="0"/>
-              <a:t>Data interpretation</a:t>
-            </a:r>
-          </a:p>
-          <a:p>
-            <a:pPr lvl="1"/>
-            <a:r>
-              <a:rPr lang="en-US" dirty="0" smtClean="0"/>
-              <a:t>Model deformations</a:t>
-            </a:r>
-            <a:endParaRPr lang="lt-LT" dirty="0" smtClean="0"/>
-          </a:p>
-          <a:p>
-            <a:endParaRPr lang="lt-LT" dirty="0"/>
-          </a:p>
-        </p:txBody>
-      </p:sp>
-      <p:sp>
-        <p:nvSpPr>
-          <p:cNvPr id="3" name="Title 2"/>
-          <p:cNvSpPr>
-            <a:spLocks noGrp="1"/>
-          </p:cNvSpPr>
-          <p:nvPr>
-            <p:ph type="title"/>
-          </p:nvPr>
-        </p:nvSpPr>
-        <p:spPr/>
-        <p:txBody>
-          <a:bodyPr/>
-          <a:lstStyle/>
-          <a:p>
-            <a:r>
-              <a:rPr lang="en-US" dirty="0" smtClean="0"/>
-              <a:t>Introduction. Project tasks</a:t>
-            </a:r>
-            <a:endParaRPr lang="en-US" dirty="0"/>
-          </a:p>
-        </p:txBody>
-      </p:sp>
-    </p:spTree>
-  </p:cSld>
-  <p:clrMapOvr>
-    <a:masterClrMapping/>
-  </p:clrMapOvr>
-  <p:timing>
-    <p:tnLst>
-      <p:par>
-        <p:cTn id="1" dur="indefinite" restart="never" nodeType="tmRoot"/>
-      </p:par>
-    </p:tnLst>
-  </p:timing>
-</p:sld>
-</file>
-
-<file path=ppt/slides/slide30.xml><?xml version="1.0" encoding="utf-8"?>
-<p:sld xmlns:a="http://schemas.openxmlformats.org/drawingml/2006/main" xmlns:r="http://schemas.openxmlformats.org/officeDocument/2006/relationships" xmlns:mc="http://schemas.openxmlformats.org/markup-compatibility/2006" xmlns:mv="urn:schemas-microsoft-com:mac:vml" xmlns:p="http://schemas.openxmlformats.org/presentationml/2006/main" mc:Ignorable="mv" mc:PreserveAttributes="mv:*">
-  <p:cSld>
-    <p:spTree>
-      <p:nvGrpSpPr>
-        <p:cNvPr id="1" name=""/>
-        <p:cNvGrpSpPr/>
-        <p:nvPr/>
-      </p:nvGrpSpPr>
-      <p:grpSpPr>
-        <a:xfrm>
-          <a:off x="0" y="0"/>
-          <a:ext cx="0" cy="0"/>
-          <a:chOff x="0" y="0"/>
-          <a:chExt cx="0" cy="0"/>
-        </a:xfrm>
-      </p:grpSpPr>
-      <p:sp>
-        <p:nvSpPr>
-          <p:cNvPr id="2" name="Content Placeholder 1"/>
-          <p:cNvSpPr>
-            <a:spLocks noGrp="1"/>
-          </p:cNvSpPr>
-          <p:nvPr>
-            <p:ph idx="1"/>
-          </p:nvPr>
-        </p:nvSpPr>
-        <p:spPr/>
-        <p:txBody>
-          <a:bodyPr/>
-          <a:lstStyle/>
-          <a:p>
-            <a:r>
-              <a:rPr lang="en-US" dirty="0" err="1" smtClean="0"/>
-              <a:t>v</a:t>
-            </a:r>
-            <a:r>
-              <a:rPr lang="en-US" dirty="0" smtClean="0"/>
-              <a:t> -0.756447 0.702621 </a:t>
-            </a:r>
-            <a:r>
-              <a:rPr lang="en-US" dirty="0" smtClean="0"/>
-              <a:t>0.047024</a:t>
-            </a:r>
-          </a:p>
-          <a:p>
-            <a:r>
-              <a:rPr lang="en-US" dirty="0" err="1" smtClean="0"/>
-              <a:t>vt</a:t>
-            </a:r>
-            <a:r>
-              <a:rPr lang="en-US" dirty="0" smtClean="0"/>
-              <a:t> 0.487840 0.942165 </a:t>
-            </a:r>
-            <a:r>
-              <a:rPr lang="en-US" dirty="0" smtClean="0"/>
-              <a:t>0.000000</a:t>
-            </a:r>
-          </a:p>
-          <a:p>
-            <a:r>
-              <a:rPr lang="en-US" dirty="0" err="1" smtClean="0"/>
-              <a:t>vn</a:t>
-            </a:r>
-            <a:r>
-              <a:rPr lang="en-US" dirty="0" smtClean="0"/>
-              <a:t> 0.149280 -0.186998 -</a:t>
-            </a:r>
-            <a:r>
-              <a:rPr lang="en-US" dirty="0" smtClean="0"/>
-              <a:t>0.240511</a:t>
-            </a:r>
-          </a:p>
-          <a:p>
-            <a:r>
-              <a:rPr lang="en-US" dirty="0" err="1" smtClean="0"/>
-              <a:t>f</a:t>
-            </a:r>
-            <a:r>
-              <a:rPr lang="en-US" dirty="0" smtClean="0"/>
-              <a:t> 6/9/6 2/5/2 1/1/1</a:t>
-            </a:r>
-            <a:endParaRPr lang="en-US" dirty="0"/>
-          </a:p>
-        </p:txBody>
-      </p:sp>
-      <p:sp>
-        <p:nvSpPr>
-          <p:cNvPr id="3" name="Title 2"/>
-          <p:cNvSpPr>
-            <a:spLocks noGrp="1"/>
-          </p:cNvSpPr>
-          <p:nvPr>
-            <p:ph type="title"/>
-          </p:nvPr>
-        </p:nvSpPr>
-        <p:spPr/>
-        <p:txBody>
-          <a:bodyPr>
-            <a:normAutofit fontScale="90000"/>
-          </a:bodyPr>
-          <a:lstStyle/>
-          <a:p>
-            <a:r>
-              <a:rPr lang="en-US" dirty="0" smtClean="0"/>
-              <a:t>Animating human body</a:t>
-            </a:r>
-            <a:br>
-              <a:rPr lang="en-US" dirty="0" smtClean="0"/>
-            </a:br>
-            <a:r>
-              <a:rPr lang="en-US" sz="3111" dirty="0" smtClean="0"/>
-              <a:t>Mesh model data, OBJ format</a:t>
-            </a:r>
-            <a:endParaRPr lang="en-US" sz="3111" dirty="0"/>
-          </a:p>
-        </p:txBody>
-      </p:sp>
-    </p:spTree>
-  </p:cSld>
-  <p:clrMapOvr>
-    <a:masterClrMapping/>
-  </p:clrMapOvr>
-</p:sld>
-</file>
-
-<file path=ppt/slides/slide31.xml><?xml version="1.0" encoding="utf-8"?>
-<p:sld xmlns:a="http://schemas.openxmlformats.org/drawingml/2006/main" xmlns:r="http://schemas.openxmlformats.org/officeDocument/2006/relationships" xmlns:mc="http://schemas.openxmlformats.org/markup-compatibility/2006" xmlns:mv="urn:schemas-microsoft-com:mac:vml" xmlns:p="http://schemas.openxmlformats.org/presentationml/2006/main" mc:Ignorable="mv" mc:PreserveAttributes="mv:*">
-  <p:cSld>
-    <p:spTree>
-      <p:nvGrpSpPr>
-        <p:cNvPr id="1" name=""/>
-        <p:cNvGrpSpPr/>
-        <p:nvPr/>
-      </p:nvGrpSpPr>
-      <p:grpSpPr>
-        <a:xfrm>
-          <a:off x="0" y="0"/>
-          <a:ext cx="0" cy="0"/>
-          <a:chOff x="0" y="0"/>
-          <a:chExt cx="0" cy="0"/>
-        </a:xfrm>
-      </p:grpSpPr>
-      <p:sp>
-        <p:nvSpPr>
-          <p:cNvPr id="2" name="Content Placeholder 1"/>
-          <p:cNvSpPr>
-            <a:spLocks noGrp="1"/>
-          </p:cNvSpPr>
-          <p:nvPr>
-            <p:ph idx="1"/>
-          </p:nvPr>
-        </p:nvSpPr>
-        <p:spPr/>
-        <p:txBody>
-          <a:bodyPr/>
-          <a:lstStyle/>
-          <a:p>
-            <a:pPr>
-              <a:buNone/>
-            </a:pPr>
-            <a:r>
-              <a:rPr lang="en-US" sz="2200" dirty="0" smtClean="0"/>
-              <a:t>Generate new skeleton image with big joints, define joint structure, define putting mesh over </a:t>
-            </a:r>
-            <a:r>
-              <a:rPr lang="en-US" sz="2200" smtClean="0"/>
-              <a:t>the skeleton?</a:t>
-            </a:r>
-            <a:endParaRPr lang="en-US" sz="2200" dirty="0" smtClean="0"/>
-          </a:p>
-        </p:txBody>
-      </p:sp>
-      <p:sp>
-        <p:nvSpPr>
-          <p:cNvPr id="3" name="Title 2"/>
-          <p:cNvSpPr>
-            <a:spLocks noGrp="1"/>
-          </p:cNvSpPr>
-          <p:nvPr>
-            <p:ph type="title"/>
-          </p:nvPr>
-        </p:nvSpPr>
-        <p:spPr/>
-        <p:txBody>
-          <a:bodyPr>
-            <a:normAutofit fontScale="90000"/>
-          </a:bodyPr>
-          <a:lstStyle/>
-          <a:p>
-            <a:r>
-              <a:rPr lang="en-US" dirty="0" smtClean="0"/>
-              <a:t>Animating human body</a:t>
-            </a:r>
-            <a:br>
-              <a:rPr lang="en-US" dirty="0" smtClean="0"/>
-            </a:br>
-            <a:r>
-              <a:rPr lang="en-US" sz="3100" dirty="0" smtClean="0"/>
-              <a:t>Initial program phase</a:t>
-            </a:r>
-            <a:endParaRPr lang="en-US" sz="3100" dirty="0"/>
-          </a:p>
-        </p:txBody>
-      </p:sp>
-    </p:spTree>
-  </p:cSld>
-  <p:clrMapOvr>
-    <a:masterClrMapping/>
-  </p:clrMapOvr>
-  <p:timing>
-    <p:tnLst>
-      <p:par>
-        <p:cTn id="1" dur="indefinite" restart="never" nodeType="tmRoot"/>
-      </p:par>
-    </p:tnLst>
-  </p:timing>
-</p:sld>
-</file>
-
-<file path=ppt/slides/slide32.xml><?xml version="1.0" encoding="utf-8"?>
-<p:sld xmlns:a="http://schemas.openxmlformats.org/drawingml/2006/main" xmlns:r="http://schemas.openxmlformats.org/officeDocument/2006/relationships" xmlns:mc="http://schemas.openxmlformats.org/markup-compatibility/2006" xmlns:mv="urn:schemas-microsoft-com:mac:vml" xmlns:p="http://schemas.openxmlformats.org/presentationml/2006/main" mc:Ignorable="mv" mc:PreserveAttributes="mv:*">
+<file path=ppt/slides/slide36.xml><?xml version="1.0" encoding="utf-8"?>
+<p:sld xmlns:a="http://schemas.openxmlformats.org/drawingml/2006/main" xmlns:r="http://schemas.openxmlformats.org/officeDocument/2006/relationships" xmlns:p="http://schemas.openxmlformats.org/presentationml/2006/main">
   <p:cSld>
     <p:spTree>
       <p:nvGrpSpPr>
@@ -8388,8 +9431,8 @@
 </p:sld>
 </file>
 
-<file path=ppt/slides/slide33.xml><?xml version="1.0" encoding="utf-8"?>
-<p:sld xmlns:a="http://schemas.openxmlformats.org/drawingml/2006/main" xmlns:r="http://schemas.openxmlformats.org/officeDocument/2006/relationships" xmlns:mc="http://schemas.openxmlformats.org/markup-compatibility/2006" xmlns:mv="urn:schemas-microsoft-com:mac:vml" xmlns:p="http://schemas.openxmlformats.org/presentationml/2006/main" mc:Ignorable="mv" mc:PreserveAttributes="mv:*">
+<file path=ppt/slides/slide37.xml><?xml version="1.0" encoding="utf-8"?>
+<p:sld xmlns:a="http://schemas.openxmlformats.org/drawingml/2006/main" xmlns:r="http://schemas.openxmlformats.org/officeDocument/2006/relationships" xmlns:p="http://schemas.openxmlformats.org/presentationml/2006/main">
   <p:cSld>
     <p:spTree>
       <p:nvGrpSpPr>
@@ -8477,11 +9520,18 @@
   <p:clrMapOvr>
     <a:masterClrMapping/>
   </p:clrMapOvr>
+  <p:timing>
+    <p:tnLst>
+      <p:par>
+        <p:cTn id="1" dur="indefinite" restart="never" nodeType="tmRoot"/>
+      </p:par>
+    </p:tnLst>
+  </p:timing>
 </p:sld>
 </file>
 
-<file path=ppt/slides/slide34.xml><?xml version="1.0" encoding="utf-8"?>
-<p:sld xmlns:a="http://schemas.openxmlformats.org/drawingml/2006/main" xmlns:r="http://schemas.openxmlformats.org/officeDocument/2006/relationships" xmlns:mc="http://schemas.openxmlformats.org/markup-compatibility/2006" xmlns:mv="urn:schemas-microsoft-com:mac:vml" xmlns:p="http://schemas.openxmlformats.org/presentationml/2006/main" mc:Ignorable="mv" mc:PreserveAttributes="mv:*">
+<file path=ppt/slides/slide38.xml><?xml version="1.0" encoding="utf-8"?>
+<p:sld xmlns:a="http://schemas.openxmlformats.org/drawingml/2006/main" xmlns:r="http://schemas.openxmlformats.org/officeDocument/2006/relationships" xmlns:p="http://schemas.openxmlformats.org/presentationml/2006/main">
   <p:cSld>
     <p:spTree>
       <p:nvGrpSpPr>
@@ -8594,11 +9644,18 @@
   <p:clrMapOvr>
     <a:masterClrMapping/>
   </p:clrMapOvr>
+  <p:timing>
+    <p:tnLst>
+      <p:par>
+        <p:cTn id="1" dur="indefinite" restart="never" nodeType="tmRoot"/>
+      </p:par>
+    </p:tnLst>
+  </p:timing>
 </p:sld>
 </file>
 
-<file path=ppt/slides/slide35.xml><?xml version="1.0" encoding="utf-8"?>
-<p:sld xmlns:a="http://schemas.openxmlformats.org/drawingml/2006/main" xmlns:r="http://schemas.openxmlformats.org/officeDocument/2006/relationships" xmlns:mc="http://schemas.openxmlformats.org/markup-compatibility/2006" xmlns:mv="urn:schemas-microsoft-com:mac:vml" xmlns:p="http://schemas.openxmlformats.org/presentationml/2006/main" mc:Ignorable="mv" mc:PreserveAttributes="mv:*">
+<file path=ppt/slides/slide39.xml><?xml version="1.0" encoding="utf-8"?>
+<p:sld xmlns:a="http://schemas.openxmlformats.org/drawingml/2006/main" xmlns:r="http://schemas.openxmlformats.org/officeDocument/2006/relationships" xmlns:p="http://schemas.openxmlformats.org/presentationml/2006/main">
   <p:cSld>
     <p:spTree>
       <p:nvGrpSpPr>
@@ -8765,11 +9822,131 @@
   <p:clrMapOvr>
     <a:masterClrMapping/>
   </p:clrMapOvr>
+  <p:timing>
+    <p:tnLst>
+      <p:par>
+        <p:cTn id="1" dur="indefinite" restart="never" nodeType="tmRoot"/>
+      </p:par>
+    </p:tnLst>
+  </p:timing>
 </p:sld>
 </file>
 
-<file path=ppt/slides/slide36.xml><?xml version="1.0" encoding="utf-8"?>
-<p:sld xmlns:a="http://schemas.openxmlformats.org/drawingml/2006/main" xmlns:r="http://schemas.openxmlformats.org/officeDocument/2006/relationships" xmlns:mc="http://schemas.openxmlformats.org/markup-compatibility/2006" xmlns:mv="urn:schemas-microsoft-com:mac:vml" xmlns:p="http://schemas.openxmlformats.org/presentationml/2006/main" mc:Ignorable="mv" mc:PreserveAttributes="mv:*">
+<file path=ppt/slides/slide4.xml><?xml version="1.0" encoding="utf-8"?>
+<p:sld xmlns:a="http://schemas.openxmlformats.org/drawingml/2006/main" xmlns:r="http://schemas.openxmlformats.org/officeDocument/2006/relationships" xmlns:p="http://schemas.openxmlformats.org/presentationml/2006/main" showMasterSp="0" show="0">
+  <p:cSld>
+    <p:spTree>
+      <p:nvGrpSpPr>
+        <p:cNvPr id="1" name=""/>
+        <p:cNvGrpSpPr/>
+        <p:nvPr/>
+      </p:nvGrpSpPr>
+      <p:grpSpPr>
+        <a:xfrm>
+          <a:off x="0" y="0"/>
+          <a:ext cx="0" cy="0"/>
+          <a:chOff x="0" y="0"/>
+          <a:chExt cx="0" cy="0"/>
+        </a:xfrm>
+      </p:grpSpPr>
+      <p:sp>
+        <p:nvSpPr>
+          <p:cNvPr id="2" name="Content Placeholder 1"/>
+          <p:cNvSpPr>
+            <a:spLocks noGrp="1"/>
+          </p:cNvSpPr>
+          <p:nvPr>
+            <p:ph idx="1"/>
+          </p:nvPr>
+        </p:nvSpPr>
+        <p:spPr/>
+        <p:txBody>
+          <a:bodyPr>
+            <a:normAutofit fontScale="92500"/>
+          </a:bodyPr>
+          <a:lstStyle/>
+          <a:p>
+            <a:r>
+              <a:rPr lang="en-US" smtClean="0"/>
+              <a:t>Project has two main task:</a:t>
+            </a:r>
+          </a:p>
+          <a:p>
+            <a:pPr lvl="1"/>
+            <a:r>
+              <a:rPr lang="en-US" smtClean="0"/>
+              <a:t>Using mocap system capture motion data and to be able to animate character using it. Mocap data gives us opportunity to achieve very realistic body movements.</a:t>
+            </a:r>
+          </a:p>
+          <a:p>
+            <a:pPr lvl="1"/>
+            <a:r>
+              <a:rPr lang="en-US" smtClean="0"/>
+              <a:t>Create an application that would use this motion data. We chose to animate a human body model in an application that we wrote using C++ programming language in OpenGL environment. This application had to parse and </a:t>
+            </a:r>
+            <a:r>
+              <a:rPr lang="en-US" smtClean="0"/>
+              <a:t>correctly interpret mocap data, cope with various skin deformation problems. Linear blending technique was used for this. We used </a:t>
+            </a:r>
+            <a:r>
+              <a:rPr lang="en-US" smtClean="0"/>
+              <a:t>joint </a:t>
+            </a:r>
+            <a:r>
+              <a:rPr lang="en-US" smtClean="0"/>
+              <a:t>based skeleton</a:t>
+            </a:r>
+            <a:r>
+              <a:rPr lang="en-US" smtClean="0"/>
+              <a:t>, consisting of rigid body parts – bones, that are rotated during motion. </a:t>
+            </a:r>
+          </a:p>
+          <a:p>
+            <a:pPr lvl="1"/>
+            <a:endParaRPr lang="en-US" smtClean="0"/>
+          </a:p>
+          <a:p>
+            <a:pPr lvl="1"/>
+            <a:endParaRPr lang="en-US" dirty="0" smtClean="0"/>
+          </a:p>
+        </p:txBody>
+      </p:sp>
+      <p:sp>
+        <p:nvSpPr>
+          <p:cNvPr id="3" name="Title 2"/>
+          <p:cNvSpPr>
+            <a:spLocks noGrp="1"/>
+          </p:cNvSpPr>
+          <p:nvPr>
+            <p:ph type="title"/>
+          </p:nvPr>
+        </p:nvSpPr>
+        <p:spPr/>
+        <p:txBody>
+          <a:bodyPr>
+            <a:normAutofit fontScale="90000"/>
+          </a:bodyPr>
+          <a:lstStyle/>
+          <a:p>
+            <a:r>
+              <a:rPr lang="en-US" smtClean="0"/>
+              <a:t>Hidden. Introduction. Project tasks</a:t>
+            </a:r>
+            <a:endParaRPr lang="lt-LT" dirty="0"/>
+          </a:p>
+        </p:txBody>
+      </p:sp>
+    </p:spTree>
+  </p:cSld>
+  <p:clrMapOvr>
+    <a:masterClrMapping/>
+  </p:clrMapOvr>
+  <p:transition/>
+</p:sld>
+</file>
+
+<file path=ppt/slides/slide40.xml><?xml version="1.0" encoding="utf-8"?>
+<p:sld xmlns:a="http://schemas.openxmlformats.org/drawingml/2006/main" xmlns:r="http://schemas.openxmlformats.org/officeDocument/2006/relationships" xmlns:p="http://schemas.openxmlformats.org/presentationml/2006/main">
   <p:cSld>
     <p:spTree>
       <p:nvGrpSpPr>
@@ -8906,11 +10083,18 @@
   <p:clrMapOvr>
     <a:masterClrMapping/>
   </p:clrMapOvr>
+  <p:timing>
+    <p:tnLst>
+      <p:par>
+        <p:cTn id="1" dur="indefinite" restart="never" nodeType="tmRoot"/>
+      </p:par>
+    </p:tnLst>
+  </p:timing>
 </p:sld>
 </file>
 
-<file path=ppt/slides/slide37.xml><?xml version="1.0" encoding="utf-8"?>
-<p:sld xmlns:a="http://schemas.openxmlformats.org/drawingml/2006/main" xmlns:r="http://schemas.openxmlformats.org/officeDocument/2006/relationships" xmlns:mc="http://schemas.openxmlformats.org/markup-compatibility/2006" xmlns:mv="urn:schemas-microsoft-com:mac:vml" xmlns:p="http://schemas.openxmlformats.org/presentationml/2006/main" mc:Ignorable="mv" mc:PreserveAttributes="mv:*">
+<file path=ppt/slides/slide41.xml><?xml version="1.0" encoding="utf-8"?>
+<p:sld xmlns:a="http://schemas.openxmlformats.org/drawingml/2006/main" xmlns:r="http://schemas.openxmlformats.org/officeDocument/2006/relationships" xmlns:p="http://schemas.openxmlformats.org/presentationml/2006/main">
   <p:cSld>
     <p:spTree>
       <p:nvGrpSpPr>
@@ -9016,11 +10200,18 @@
   <p:clrMapOvr>
     <a:masterClrMapping/>
   </p:clrMapOvr>
+  <p:timing>
+    <p:tnLst>
+      <p:par>
+        <p:cTn id="1" dur="indefinite" restart="never" nodeType="tmRoot"/>
+      </p:par>
+    </p:tnLst>
+  </p:timing>
 </p:sld>
 </file>
 
-<file path=ppt/slides/slide38.xml><?xml version="1.0" encoding="utf-8"?>
-<p:sld xmlns:a="http://schemas.openxmlformats.org/drawingml/2006/main" xmlns:r="http://schemas.openxmlformats.org/officeDocument/2006/relationships" xmlns:mc="http://schemas.openxmlformats.org/markup-compatibility/2006" xmlns:mv="urn:schemas-microsoft-com:mac:vml" xmlns:p="http://schemas.openxmlformats.org/presentationml/2006/main" mc:Ignorable="mv" mc:PreserveAttributes="mv:*">
+<file path=ppt/slides/slide42.xml><?xml version="1.0" encoding="utf-8"?>
+<p:sld xmlns:a="http://schemas.openxmlformats.org/drawingml/2006/main" xmlns:r="http://schemas.openxmlformats.org/officeDocument/2006/relationships" xmlns:p="http://schemas.openxmlformats.org/presentationml/2006/main">
   <p:cSld>
     <p:spTree>
       <p:nvGrpSpPr>
@@ -9126,11 +10317,18 @@
   <p:clrMapOvr>
     <a:masterClrMapping/>
   </p:clrMapOvr>
+  <p:timing>
+    <p:tnLst>
+      <p:par>
+        <p:cTn id="1" dur="indefinite" restart="never" nodeType="tmRoot"/>
+      </p:par>
+    </p:tnLst>
+  </p:timing>
 </p:sld>
 </file>
 
-<file path=ppt/slides/slide39.xml><?xml version="1.0" encoding="utf-8"?>
-<p:sld xmlns:a="http://schemas.openxmlformats.org/drawingml/2006/main" xmlns:r="http://schemas.openxmlformats.org/officeDocument/2006/relationships" xmlns:mc="http://schemas.openxmlformats.org/markup-compatibility/2006" xmlns:mv="urn:schemas-microsoft-com:mac:vml" xmlns:p="http://schemas.openxmlformats.org/presentationml/2006/main" mc:Ignorable="mv" mc:PreserveAttributes="mv:*">
+<file path=ppt/slides/slide43.xml><?xml version="1.0" encoding="utf-8"?>
+<p:sld xmlns:a="http://schemas.openxmlformats.org/drawingml/2006/main" xmlns:r="http://schemas.openxmlformats.org/officeDocument/2006/relationships" xmlns:p="http://schemas.openxmlformats.org/presentationml/2006/main">
   <p:cSld>
     <p:spTree>
       <p:nvGrpSpPr>
@@ -9224,11 +10422,18 @@
   <p:clrMapOvr>
     <a:masterClrMapping/>
   </p:clrMapOvr>
+  <p:timing>
+    <p:tnLst>
+      <p:par>
+        <p:cTn id="1" dur="indefinite" restart="never" nodeType="tmRoot"/>
+      </p:par>
+    </p:tnLst>
+  </p:timing>
 </p:sld>
 </file>
 
-<file path=ppt/slides/slide4.xml><?xml version="1.0" encoding="utf-8"?>
-<p:sld xmlns:a="http://schemas.openxmlformats.org/drawingml/2006/main" xmlns:r="http://schemas.openxmlformats.org/officeDocument/2006/relationships" xmlns:mc="http://schemas.openxmlformats.org/markup-compatibility/2006" xmlns:mv="urn:schemas-microsoft-com:mac:vml" xmlns:p="http://schemas.openxmlformats.org/presentationml/2006/main" mc:Ignorable="mv" mc:PreserveAttributes="mv:*">
+<file path=ppt/slides/slide44.xml><?xml version="1.0" encoding="utf-8"?>
+<p:sld xmlns:a="http://schemas.openxmlformats.org/drawingml/2006/main" xmlns:r="http://schemas.openxmlformats.org/officeDocument/2006/relationships" xmlns:p="http://schemas.openxmlformats.org/presentationml/2006/main">
   <p:cSld>
     <p:spTree>
       <p:nvGrpSpPr>
@@ -9259,7 +10464,51 @@
           <a:bodyPr/>
           <a:lstStyle/>
           <a:p>
-            <a:endParaRPr lang="lt-LT"/>
+            <a:r>
+              <a:rPr lang="en-US" dirty="0" smtClean="0"/>
+              <a:t>Main project tasks achieved, though various improvements are possible:</a:t>
+            </a:r>
+          </a:p>
+          <a:p>
+            <a:pPr lvl="1"/>
+            <a:r>
+              <a:rPr lang="en-US" dirty="0" smtClean="0"/>
+              <a:t>More detailed body animation and </a:t>
+            </a:r>
+            <a:r>
+              <a:rPr lang="en-US" smtClean="0"/>
+              <a:t>skin deformations</a:t>
+            </a:r>
+            <a:endParaRPr lang="en-US" dirty="0" smtClean="0"/>
+          </a:p>
+          <a:p>
+            <a:pPr lvl="1"/>
+            <a:r>
+              <a:rPr lang="en-US" dirty="0" smtClean="0"/>
+              <a:t>Integrate facial animation</a:t>
+            </a:r>
+          </a:p>
+          <a:p>
+            <a:pPr lvl="1"/>
+            <a:r>
+              <a:rPr lang="en-US" dirty="0" smtClean="0"/>
+              <a:t>Skinning algorithm improvement</a:t>
+            </a:r>
+          </a:p>
+          <a:p>
+            <a:pPr lvl="1"/>
+            <a:r>
+              <a:rPr lang="en-US" dirty="0" smtClean="0"/>
+              <a:t>Live streaming from </a:t>
+            </a:r>
+            <a:r>
+              <a:rPr lang="en-US" dirty="0" err="1" smtClean="0"/>
+              <a:t>mocap</a:t>
+            </a:r>
+            <a:r>
+              <a:rPr lang="en-US" dirty="0" smtClean="0"/>
+              <a:t> system</a:t>
+            </a:r>
           </a:p>
         </p:txBody>
       </p:sp>
@@ -9275,14 +10524,16 @@
         </p:nvSpPr>
         <p:spPr/>
         <p:txBody>
-          <a:bodyPr/>
+          <a:bodyPr>
+            <a:normAutofit/>
+          </a:bodyPr>
           <a:lstStyle/>
           <a:p>
             <a:r>
               <a:rPr lang="en-US" dirty="0" smtClean="0"/>
-              <a:t>Human body animation movie</a:t>
-            </a:r>
-            <a:endParaRPr lang="en-US" dirty="0"/>
+              <a:t>Conclusion and future work</a:t>
+            </a:r>
+            <a:endParaRPr lang="lt-LT" dirty="0"/>
           </a:p>
         </p:txBody>
       </p:sp>
@@ -9301,121 +10552,8 @@
 </p:sld>
 </file>
 
-<file path=ppt/slides/slide40.xml><?xml version="1.0" encoding="utf-8"?>
-<p:sld xmlns:a="http://schemas.openxmlformats.org/drawingml/2006/main" xmlns:r="http://schemas.openxmlformats.org/officeDocument/2006/relationships" xmlns:mc="http://schemas.openxmlformats.org/markup-compatibility/2006" xmlns:mv="urn:schemas-microsoft-com:mac:vml" xmlns:p="http://schemas.openxmlformats.org/presentationml/2006/main" mc:Ignorable="mv" mc:PreserveAttributes="mv:*">
-  <p:cSld>
-    <p:spTree>
-      <p:nvGrpSpPr>
-        <p:cNvPr id="1" name=""/>
-        <p:cNvGrpSpPr/>
-        <p:nvPr/>
-      </p:nvGrpSpPr>
-      <p:grpSpPr>
-        <a:xfrm>
-          <a:off x="0" y="0"/>
-          <a:ext cx="0" cy="0"/>
-          <a:chOff x="0" y="0"/>
-          <a:chExt cx="0" cy="0"/>
-        </a:xfrm>
-      </p:grpSpPr>
-      <p:sp>
-        <p:nvSpPr>
-          <p:cNvPr id="2" name="Content Placeholder 1"/>
-          <p:cNvSpPr>
-            <a:spLocks noGrp="1"/>
-          </p:cNvSpPr>
-          <p:nvPr>
-            <p:ph idx="1"/>
-          </p:nvPr>
-        </p:nvSpPr>
-        <p:spPr/>
-        <p:txBody>
-          <a:bodyPr/>
-          <a:lstStyle/>
-          <a:p>
-            <a:r>
-              <a:rPr lang="en-US" dirty="0" smtClean="0"/>
-              <a:t>Main project tasks achieved, though various improvements are possible:</a:t>
-            </a:r>
-          </a:p>
-          <a:p>
-            <a:pPr lvl="1"/>
-            <a:r>
-              <a:rPr lang="en-US" dirty="0" smtClean="0"/>
-              <a:t>More detailed body animation and </a:t>
-            </a:r>
-            <a:r>
-              <a:rPr lang="en-US" smtClean="0"/>
-              <a:t>skin deformations</a:t>
-            </a:r>
-            <a:endParaRPr lang="en-US" dirty="0" smtClean="0"/>
-          </a:p>
-          <a:p>
-            <a:pPr lvl="1"/>
-            <a:r>
-              <a:rPr lang="en-US" dirty="0" smtClean="0"/>
-              <a:t>Integrate facial animation</a:t>
-            </a:r>
-          </a:p>
-          <a:p>
-            <a:pPr lvl="1"/>
-            <a:r>
-              <a:rPr lang="en-US" dirty="0" smtClean="0"/>
-              <a:t>Skinning algorithm improvement</a:t>
-            </a:r>
-          </a:p>
-          <a:p>
-            <a:pPr lvl="1"/>
-            <a:r>
-              <a:rPr lang="en-US" dirty="0" smtClean="0"/>
-              <a:t>Live streaming from </a:t>
-            </a:r>
-            <a:r>
-              <a:rPr lang="en-US" dirty="0" err="1" smtClean="0"/>
-              <a:t>mocap</a:t>
-            </a:r>
-            <a:r>
-              <a:rPr lang="en-US" dirty="0" smtClean="0"/>
-              <a:t> system</a:t>
-            </a:r>
-          </a:p>
-        </p:txBody>
-      </p:sp>
-      <p:sp>
-        <p:nvSpPr>
-          <p:cNvPr id="3" name="Title 2"/>
-          <p:cNvSpPr>
-            <a:spLocks noGrp="1"/>
-          </p:cNvSpPr>
-          <p:nvPr>
-            <p:ph type="title"/>
-          </p:nvPr>
-        </p:nvSpPr>
-        <p:spPr/>
-        <p:txBody>
-          <a:bodyPr>
-            <a:normAutofit/>
-          </a:bodyPr>
-          <a:lstStyle/>
-          <a:p>
-            <a:r>
-              <a:rPr lang="en-US" dirty="0" smtClean="0"/>
-              <a:t>Conclusion and future work</a:t>
-            </a:r>
-            <a:endParaRPr lang="lt-LT" dirty="0"/>
-          </a:p>
-        </p:txBody>
-      </p:sp>
-    </p:spTree>
-  </p:cSld>
-  <p:clrMapOvr>
-    <a:masterClrMapping/>
-  </p:clrMapOvr>
-</p:sld>
-</file>
-
-<file path=ppt/slides/slide41.xml><?xml version="1.0" encoding="utf-8"?>
-<p:sld xmlns:a="http://schemas.openxmlformats.org/drawingml/2006/main" xmlns:r="http://schemas.openxmlformats.org/officeDocument/2006/relationships" xmlns:mc="http://schemas.openxmlformats.org/markup-compatibility/2006" xmlns:mv="urn:schemas-microsoft-com:mac:vml" xmlns:p="http://schemas.openxmlformats.org/presentationml/2006/main" mc:Ignorable="mv" mc:PreserveAttributes="mv:*">
+<file path=ppt/slides/slide45.xml><?xml version="1.0" encoding="utf-8"?>
+<p:sld xmlns:a="http://schemas.openxmlformats.org/drawingml/2006/main" xmlns:r="http://schemas.openxmlformats.org/officeDocument/2006/relationships" xmlns:p="http://schemas.openxmlformats.org/presentationml/2006/main">
   <p:cSld>
     <p:spTree>
       <p:nvGrpSpPr>
@@ -9502,7 +10640,7 @@
 </file>
 
 <file path=ppt/slides/slide5.xml><?xml version="1.0" encoding="utf-8"?>
-<p:sld xmlns:a="http://schemas.openxmlformats.org/drawingml/2006/main" xmlns:r="http://schemas.openxmlformats.org/officeDocument/2006/relationships" xmlns:mc="http://schemas.openxmlformats.org/markup-compatibility/2006" xmlns:mv="urn:schemas-microsoft-com:mac:vml" xmlns:p="http://schemas.openxmlformats.org/presentationml/2006/main" mc:Ignorable="mv" mc:PreserveAttributes="mv:*">
+<p:sld xmlns:a="http://schemas.openxmlformats.org/drawingml/2006/main" xmlns:r="http://schemas.openxmlformats.org/officeDocument/2006/relationships" xmlns:p="http://schemas.openxmlformats.org/presentationml/2006/main">
   <p:cSld>
     <p:spTree>
       <p:nvGrpSpPr>
@@ -9530,104 +10668,10 @@
         </p:nvSpPr>
         <p:spPr/>
         <p:txBody>
-          <a:bodyPr>
-            <a:normAutofit/>
-          </a:bodyPr>
+          <a:bodyPr/>
           <a:lstStyle/>
           <a:p>
-            <a:r>
-              <a:rPr lang="en-US" dirty="0" smtClean="0"/>
-              <a:t>Motion capture</a:t>
-            </a:r>
-          </a:p>
-          <a:p>
-            <a:pPr lvl="1"/>
-            <a:r>
-              <a:rPr lang="en-US" dirty="0" smtClean="0"/>
-              <a:t>What is </a:t>
-            </a:r>
-            <a:r>
-              <a:rPr lang="en-US" dirty="0" err="1" smtClean="0"/>
-              <a:t>Mocap</a:t>
-            </a:r>
-            <a:r>
-              <a:rPr lang="en-US" dirty="0" smtClean="0"/>
-              <a:t>?</a:t>
-            </a:r>
-          </a:p>
-          <a:p>
-            <a:pPr lvl="1"/>
-            <a:r>
-              <a:rPr lang="en-US" dirty="0" err="1" smtClean="0"/>
-              <a:t>Mocap</a:t>
-            </a:r>
-            <a:r>
-              <a:rPr lang="en-US" dirty="0" smtClean="0"/>
-              <a:t> in everyday life and in our project</a:t>
-            </a:r>
-          </a:p>
-          <a:p>
-            <a:r>
-              <a:rPr lang="lt-LT" dirty="0" smtClean="0"/>
-              <a:t>Various motion capture systems</a:t>
-            </a:r>
-          </a:p>
-          <a:p>
-            <a:pPr lvl="1"/>
-            <a:r>
-              <a:rPr lang="lt-LT" dirty="0" smtClean="0"/>
-              <a:t>Optical, </a:t>
-            </a:r>
-            <a:r>
-              <a:rPr lang="en-US" dirty="0" smtClean="0"/>
-              <a:t>Magnetic</a:t>
-            </a:r>
-            <a:r>
-              <a:rPr lang="lt-LT" dirty="0" smtClean="0"/>
-              <a:t>, Mechanica</a:t>
-            </a:r>
-            <a:r>
-              <a:rPr lang="en-US" dirty="0" smtClean="0"/>
-              <a:t>l</a:t>
-            </a:r>
-            <a:r>
-              <a:rPr lang="en-US" sz="1800" i="1" dirty="0" smtClean="0"/>
-              <a:t>, Inertial</a:t>
-            </a:r>
-            <a:endParaRPr lang="lt-LT" sz="1800" i="1" dirty="0" smtClean="0"/>
-          </a:p>
-          <a:p>
-            <a:r>
-              <a:rPr lang="lt-LT" dirty="0" smtClean="0"/>
-              <a:t>Motion capture using Vicon Motion System</a:t>
-            </a:r>
-          </a:p>
-          <a:p>
-            <a:pPr lvl="1"/>
-            <a:r>
-              <a:rPr lang="en-US" sz="2400" dirty="0" smtClean="0"/>
-              <a:t>Basic Vicon MX system model</a:t>
-            </a:r>
-            <a:endParaRPr lang="lt-LT" dirty="0" smtClean="0"/>
-          </a:p>
-          <a:p>
-            <a:pPr lvl="2"/>
-            <a:r>
-              <a:rPr lang="en-US" dirty="0" smtClean="0"/>
-              <a:t>+ </a:t>
-            </a:r>
-            <a:r>
-              <a:rPr lang="lt-LT" dirty="0" smtClean="0"/>
-              <a:t>Suit with retroreflective markers</a:t>
-            </a:r>
-          </a:p>
-          <a:p>
-            <a:pPr lvl="1"/>
-            <a:r>
-              <a:rPr lang="en-US" dirty="0" smtClean="0"/>
-              <a:t>Capturing and post-processing</a:t>
-            </a:r>
-            <a:endParaRPr lang="lt-LT" dirty="0" smtClean="0"/>
+            <a:endParaRPr lang="lt-LT"/>
           </a:p>
         </p:txBody>
       </p:sp>
@@ -9643,16 +10687,14 @@
         </p:nvSpPr>
         <p:spPr/>
         <p:txBody>
-          <a:bodyPr>
-            <a:normAutofit fontScale="90000"/>
-          </a:bodyPr>
+          <a:bodyPr/>
           <a:lstStyle/>
           <a:p>
             <a:r>
-              <a:rPr lang="lt-LT" dirty="0" smtClean="0"/>
-              <a:t>Motion capture and motion data</a:t>
-            </a:r>
-            <a:endParaRPr lang="lt-LT" dirty="0"/>
+              <a:rPr lang="en-US" dirty="0" smtClean="0"/>
+              <a:t>Human body animation movie</a:t>
+            </a:r>
+            <a:endParaRPr lang="en-US" dirty="0"/>
           </a:p>
         </p:txBody>
       </p:sp>
@@ -9672,7 +10714,168 @@
 </file>
 
 <file path=ppt/slides/slide6.xml><?xml version="1.0" encoding="utf-8"?>
-<p:sld xmlns:a="http://schemas.openxmlformats.org/drawingml/2006/main" xmlns:r="http://schemas.openxmlformats.org/officeDocument/2006/relationships" xmlns:mc="http://schemas.openxmlformats.org/markup-compatibility/2006" xmlns:mv="urn:schemas-microsoft-com:mac:vml" xmlns:p="http://schemas.openxmlformats.org/presentationml/2006/main" mc:Ignorable="mv" mc:PreserveAttributes="mv:*">
+<p:sld xmlns:a="http://schemas.openxmlformats.org/drawingml/2006/main" xmlns:r="http://schemas.openxmlformats.org/officeDocument/2006/relationships" xmlns:p="http://schemas.openxmlformats.org/presentationml/2006/main">
+  <p:cSld>
+    <p:spTree>
+      <p:nvGrpSpPr>
+        <p:cNvPr id="1" name=""/>
+        <p:cNvGrpSpPr/>
+        <p:nvPr/>
+      </p:nvGrpSpPr>
+      <p:grpSpPr>
+        <a:xfrm>
+          <a:off x="0" y="0"/>
+          <a:ext cx="0" cy="0"/>
+          <a:chOff x="0" y="0"/>
+          <a:chExt cx="0" cy="0"/>
+        </a:xfrm>
+      </p:grpSpPr>
+      <p:sp>
+        <p:nvSpPr>
+          <p:cNvPr id="2" name="Content Placeholder 1"/>
+          <p:cNvSpPr>
+            <a:spLocks noGrp="1"/>
+          </p:cNvSpPr>
+          <p:nvPr>
+            <p:ph idx="1"/>
+          </p:nvPr>
+        </p:nvSpPr>
+        <p:spPr/>
+        <p:txBody>
+          <a:bodyPr>
+            <a:normAutofit/>
+          </a:bodyPr>
+          <a:lstStyle/>
+          <a:p>
+            <a:r>
+              <a:rPr lang="en-US" dirty="0" smtClean="0"/>
+              <a:t>Motion capture</a:t>
+            </a:r>
+          </a:p>
+          <a:p>
+            <a:pPr lvl="1"/>
+            <a:r>
+              <a:rPr lang="en-US" dirty="0" smtClean="0"/>
+              <a:t>What is </a:t>
+            </a:r>
+            <a:r>
+              <a:rPr lang="en-US" dirty="0" err="1" smtClean="0"/>
+              <a:t>Mocap</a:t>
+            </a:r>
+            <a:r>
+              <a:rPr lang="en-US" dirty="0" smtClean="0"/>
+              <a:t>? Where it is used?</a:t>
+            </a:r>
+            <a:endParaRPr lang="en-US" dirty="0" smtClean="0"/>
+          </a:p>
+          <a:p>
+            <a:r>
+              <a:rPr lang="lt-LT" dirty="0" smtClean="0"/>
+              <a:t>Various </a:t>
+            </a:r>
+            <a:r>
+              <a:rPr lang="lt-LT" dirty="0" smtClean="0"/>
+              <a:t>motion capture systems</a:t>
+            </a:r>
+          </a:p>
+          <a:p>
+            <a:pPr lvl="1"/>
+            <a:r>
+              <a:rPr lang="lt-LT" dirty="0" smtClean="0"/>
+              <a:t>Optical, </a:t>
+            </a:r>
+            <a:r>
+              <a:rPr lang="en-US" dirty="0" smtClean="0"/>
+              <a:t>Magnetic</a:t>
+            </a:r>
+            <a:r>
+              <a:rPr lang="lt-LT" dirty="0" smtClean="0"/>
+              <a:t>, Mechanica</a:t>
+            </a:r>
+            <a:r>
+              <a:rPr lang="en-US" dirty="0" smtClean="0"/>
+              <a:t>l</a:t>
+            </a:r>
+            <a:r>
+              <a:rPr lang="en-US" sz="1800" i="1" dirty="0" smtClean="0"/>
+              <a:t>, Inertial</a:t>
+            </a:r>
+            <a:endParaRPr lang="lt-LT" sz="1800" i="1" dirty="0" smtClean="0"/>
+          </a:p>
+          <a:p>
+            <a:r>
+              <a:rPr lang="lt-LT" dirty="0" smtClean="0"/>
+              <a:t>Motion capture using Vicon Motion System</a:t>
+            </a:r>
+          </a:p>
+          <a:p>
+            <a:pPr lvl="1"/>
+            <a:r>
+              <a:rPr lang="en-US" sz="2400" dirty="0" smtClean="0"/>
+              <a:t>Basic Vicon MX system model</a:t>
+            </a:r>
+            <a:endParaRPr lang="lt-LT" dirty="0" smtClean="0"/>
+          </a:p>
+          <a:p>
+            <a:pPr lvl="2"/>
+            <a:r>
+              <a:rPr lang="en-US" dirty="0" smtClean="0"/>
+              <a:t>+ </a:t>
+            </a:r>
+            <a:r>
+              <a:rPr lang="lt-LT" dirty="0" smtClean="0"/>
+              <a:t>Suit with retroreflective </a:t>
+            </a:r>
+            <a:r>
+              <a:rPr lang="lt-LT" dirty="0" smtClean="0"/>
+              <a:t>markers</a:t>
+            </a:r>
+            <a:endParaRPr lang="lt-LT" dirty="0" smtClean="0"/>
+          </a:p>
+        </p:txBody>
+      </p:sp>
+      <p:sp>
+        <p:nvSpPr>
+          <p:cNvPr id="3" name="Title 2"/>
+          <p:cNvSpPr>
+            <a:spLocks noGrp="1"/>
+          </p:cNvSpPr>
+          <p:nvPr>
+            <p:ph type="title"/>
+          </p:nvPr>
+        </p:nvSpPr>
+        <p:spPr/>
+        <p:txBody>
+          <a:bodyPr>
+            <a:normAutofit fontScale="90000"/>
+          </a:bodyPr>
+          <a:lstStyle/>
+          <a:p>
+            <a:r>
+              <a:rPr lang="lt-LT" dirty="0" smtClean="0"/>
+              <a:t>Motion capture and motion data</a:t>
+            </a:r>
+            <a:endParaRPr lang="lt-LT" dirty="0"/>
+          </a:p>
+        </p:txBody>
+      </p:sp>
+    </p:spTree>
+  </p:cSld>
+  <p:clrMapOvr>
+    <a:masterClrMapping/>
+  </p:clrMapOvr>
+  <p:timing>
+    <p:tnLst>
+      <p:par>
+        <p:cTn id="1" dur="indefinite" restart="never" nodeType="tmRoot"/>
+      </p:par>
+    </p:tnLst>
+  </p:timing>
+</p:sld>
+</file>
+
+<file path=ppt/slides/slide7.xml><?xml version="1.0" encoding="utf-8"?>
+<p:sld xmlns:a="http://schemas.openxmlformats.org/drawingml/2006/main" xmlns:r="http://schemas.openxmlformats.org/officeDocument/2006/relationships" xmlns:p="http://schemas.openxmlformats.org/presentationml/2006/main">
   <p:cSld>
     <p:spTree>
       <p:nvGrpSpPr>
@@ -9784,8 +10987,8 @@
 </p:sld>
 </file>
 
-<file path=ppt/slides/slide7.xml><?xml version="1.0" encoding="utf-8"?>
-<p:sld xmlns:a="http://schemas.openxmlformats.org/drawingml/2006/main" xmlns:r="http://schemas.openxmlformats.org/officeDocument/2006/relationships" xmlns:mc="http://schemas.openxmlformats.org/markup-compatibility/2006" xmlns:mv="urn:schemas-microsoft-com:mac:vml" xmlns:p="http://schemas.openxmlformats.org/presentationml/2006/main" mc:Ignorable="mv" mc:PreserveAttributes="mv:*">
+<file path=ppt/slides/slide8.xml><?xml version="1.0" encoding="utf-8"?>
+<p:sld xmlns:a="http://schemas.openxmlformats.org/drawingml/2006/main" xmlns:r="http://schemas.openxmlformats.org/officeDocument/2006/relationships" xmlns:p="http://schemas.openxmlformats.org/presentationml/2006/main" showMasterSp="0" show="0">
   <p:cSld>
     <p:spTree>
       <p:nvGrpSpPr>
@@ -9811,83 +11014,87 @@
             <p:ph idx="1"/>
           </p:nvPr>
         </p:nvSpPr>
-        <p:spPr/>
-        <p:txBody>
-          <a:bodyPr/>
+        <p:spPr>
+          <a:xfrm>
+            <a:off x="457200" y="1481328"/>
+            <a:ext cx="8229600" cy="5376672"/>
+          </a:xfrm>
+        </p:spPr>
+        <p:txBody>
+          <a:bodyPr>
+            <a:normAutofit fontScale="77500" lnSpcReduction="20000"/>
+          </a:bodyPr>
           <a:lstStyle/>
           <a:p>
             <a:r>
-              <a:rPr lang="lt-LT" dirty="0" smtClean="0"/>
-              <a:t>Various motion data formats</a:t>
+              <a:rPr lang="en-US" dirty="0" err="1" smtClean="0"/>
+              <a:t>Mocap</a:t>
+            </a:r>
+            <a:r>
+              <a:rPr lang="en-US" dirty="0" smtClean="0"/>
+              <a:t> – records movements and converts them into digital data.</a:t>
+            </a:r>
+          </a:p>
+          <a:p>
+            <a:r>
+              <a:rPr lang="en-US" dirty="0" smtClean="0"/>
+              <a:t>Used in: entertainment, military, sports, medicine. </a:t>
+            </a:r>
+            <a:r>
+              <a:rPr lang="en-US" dirty="0" smtClean="0"/>
+              <a:t>We used it for capturing body movements and then using captured data animating human model in our application.</a:t>
+            </a:r>
+          </a:p>
+          <a:p>
+            <a:r>
+              <a:rPr lang="en-US" dirty="0" smtClean="0"/>
+              <a:t>Various motion capture systems are available:</a:t>
+            </a:r>
+          </a:p>
+          <a:p>
+            <a:pPr lvl="1"/>
+            <a:r>
+              <a:rPr lang="en-US" dirty="0" smtClean="0"/>
+              <a:t>Optical – either reflecting (markers reflect light emitting diodes on the cameras) or light emitting markers (markers are </a:t>
+            </a:r>
+            <a:r>
+              <a:rPr lang="en-US" dirty="0" err="1" smtClean="0"/>
+              <a:t>diods</a:t>
+            </a:r>
+            <a:r>
+              <a:rPr lang="en-US" dirty="0" smtClean="0"/>
+              <a:t>) used on capture subjects. -&gt; High rate, accurate, free movement in capture volume, but post-processing required, lightning must be controlled, markers can be invisible sometimes.</a:t>
+            </a:r>
+          </a:p>
+          <a:p>
+            <a:pPr lvl="1"/>
+            <a:r>
+              <a:rPr lang="en-US" dirty="0" smtClean="0"/>
+              <a:t>Magnetics – magnetic trackers, no post-processing required, markers not occluded, but lower sampling rate, tend to be noisy and can be interfered.</a:t>
+            </a:r>
+          </a:p>
+          <a:p>
+            <a:pPr lvl="1"/>
+            <a:r>
+              <a:rPr lang="en-US" dirty="0" smtClean="0"/>
+              <a:t>Mechanical – directly tracks body joint angles, skeletal-like structure is attached. Large capture range, cheaper, but provides no global translations, restricts subjects movements.</a:t>
+            </a:r>
+          </a:p>
+          <a:p>
+            <a:r>
+              <a:rPr lang="en-US" dirty="0" smtClean="0"/>
+              <a:t>We used Optical Vicon MX motion capture system with retro-reflective markers, placed on special suit for better accuracy. System consisted of 8 cameras, special </a:t>
+            </a:r>
+            <a:r>
+              <a:rPr lang="en-US" dirty="0" err="1" smtClean="0"/>
+              <a:t>ultranet</a:t>
+            </a:r>
+            <a:r>
+              <a:rPr lang="en-US" dirty="0" smtClean="0"/>
+              <a:t> adapter and host pc with Vicon IQ2.5 software.</a:t>
             </a:r>
             <a:endParaRPr lang="en-US" dirty="0" smtClean="0"/>
           </a:p>
-          <a:p>
-            <a:pPr lvl="1"/>
-            <a:r>
-              <a:rPr lang="en-US" dirty="0" smtClean="0"/>
-              <a:t>C3D, </a:t>
-            </a:r>
-            <a:r>
-              <a:rPr lang="en-US" u="sng" dirty="0" smtClean="0"/>
-              <a:t>ASF/AMC</a:t>
-            </a:r>
-            <a:r>
-              <a:rPr lang="en-US" dirty="0" smtClean="0"/>
-              <a:t>, </a:t>
-            </a:r>
-            <a:r>
-              <a:rPr lang="en-US" u="sng" dirty="0" smtClean="0"/>
-              <a:t>BVH</a:t>
-            </a:r>
-            <a:r>
-              <a:rPr lang="en-US" dirty="0" smtClean="0"/>
-              <a:t>, </a:t>
-            </a:r>
-            <a:r>
-              <a:rPr lang="en-US" i="1" dirty="0" smtClean="0"/>
-              <a:t>FBX</a:t>
-            </a:r>
-            <a:endParaRPr lang="lt-LT" i="1" dirty="0" smtClean="0"/>
-          </a:p>
-          <a:p>
-            <a:r>
-              <a:rPr lang="lt-LT" dirty="0" smtClean="0"/>
-              <a:t>Used formats</a:t>
-            </a:r>
-          </a:p>
-          <a:p>
-            <a:pPr lvl="1"/>
-            <a:r>
-              <a:rPr lang="lt-LT" dirty="0" smtClean="0"/>
-              <a:t>Default C3D format for Vicon Motion System</a:t>
-            </a:r>
-            <a:endParaRPr lang="en-US" dirty="0" smtClean="0"/>
-          </a:p>
-          <a:p>
-            <a:pPr lvl="2"/>
-            <a:r>
-              <a:rPr lang="en-US" i="1" dirty="0" smtClean="0"/>
-              <a:t>Binary format, saves 3D coordinates</a:t>
-            </a:r>
-            <a:endParaRPr lang="lt-LT" i="1" dirty="0" smtClean="0"/>
-          </a:p>
-          <a:p>
-            <a:pPr lvl="1"/>
-            <a:r>
-              <a:rPr lang="lt-LT" dirty="0" smtClean="0"/>
-              <a:t>BVH format. Getting from C3D to BVH</a:t>
-            </a:r>
-            <a:endParaRPr lang="en-US" dirty="0" smtClean="0"/>
-          </a:p>
-          <a:p>
-            <a:pPr lvl="2"/>
-            <a:r>
-              <a:rPr lang="en-US" i="1" dirty="0" smtClean="0"/>
-              <a:t>Saves hierarchy (skeleton joint structure) and transformation data</a:t>
-            </a:r>
-            <a:endParaRPr lang="lt-LT" i="1" dirty="0" smtClean="0"/>
-          </a:p>
         </p:txBody>
       </p:sp>
       <p:sp>
@@ -9902,12 +11109,18 @@
         </p:nvSpPr>
         <p:spPr/>
         <p:txBody>
-          <a:bodyPr/>
+          <a:bodyPr>
+            <a:normAutofit/>
+          </a:bodyPr>
           <a:lstStyle/>
           <a:p>
             <a:r>
-              <a:rPr lang="lt-LT" dirty="0" smtClean="0"/>
-              <a:t>Motion data</a:t>
+              <a:rPr lang="en-US" dirty="0" smtClean="0"/>
+              <a:t>Hidden. </a:t>
+            </a:r>
+            <a:r>
+              <a:rPr lang="en-US" dirty="0" smtClean="0"/>
+              <a:t>Motion capture</a:t>
             </a:r>
             <a:endParaRPr lang="lt-LT" dirty="0"/>
           </a:p>
@@ -9918,18 +11131,12 @@
   <p:clrMapOvr>
     <a:masterClrMapping/>
   </p:clrMapOvr>
-  <p:timing>
-    <p:tnLst>
-      <p:par>
-        <p:cTn id="1" dur="indefinite" restart="never" nodeType="tmRoot"/>
-      </p:par>
-    </p:tnLst>
-  </p:timing>
+  <p:transition/>
 </p:sld>
 </file>
 
-<file path=ppt/slides/slide8.xml><?xml version="1.0" encoding="utf-8"?>
-<p:sld xmlns:a="http://schemas.openxmlformats.org/drawingml/2006/main" xmlns:r="http://schemas.openxmlformats.org/officeDocument/2006/relationships" xmlns:mc="http://schemas.openxmlformats.org/markup-compatibility/2006" xmlns:mv="urn:schemas-microsoft-com:mac:vml" xmlns:p="http://schemas.openxmlformats.org/presentationml/2006/main" mc:Ignorable="mv" mc:PreserveAttributes="mv:*">
+<file path=ppt/slides/slide9.xml><?xml version="1.0" encoding="utf-8"?>
+<p:sld xmlns:a="http://schemas.openxmlformats.org/drawingml/2006/main" xmlns:r="http://schemas.openxmlformats.org/officeDocument/2006/relationships" xmlns:p="http://schemas.openxmlformats.org/presentationml/2006/main">
   <p:cSld>
     <p:spTree>
       <p:nvGrpSpPr>
@@ -9955,506 +11162,82 @@
             <p:ph idx="1"/>
           </p:nvPr>
         </p:nvSpPr>
-        <p:spPr>
-          <a:xfrm>
-            <a:off x="457200" y="1285860"/>
-            <a:ext cx="8229600" cy="5572140"/>
-          </a:xfrm>
-        </p:spPr>
-        <p:txBody>
-          <a:bodyPr>
-            <a:noAutofit/>
-          </a:bodyPr>
+        <p:spPr/>
+        <p:txBody>
+          <a:bodyPr/>
           <a:lstStyle/>
           <a:p>
-            <a:pPr>
-              <a:lnSpc>
-                <a:spcPts val="1200"/>
-              </a:lnSpc>
-              <a:spcBef>
-                <a:spcPts val="0"/>
-              </a:spcBef>
-            </a:pPr>
-            <a:r>
-              <a:rPr lang="lt-LT" sz="1200" i="1" dirty="0" smtClean="0"/>
-              <a:t>HIERARCHY</a:t>
-            </a:r>
-          </a:p>
-          <a:p>
-            <a:pPr>
-              <a:lnSpc>
-                <a:spcPts val="1200"/>
-              </a:lnSpc>
-              <a:spcBef>
-                <a:spcPts val="0"/>
-              </a:spcBef>
-            </a:pPr>
-            <a:r>
-              <a:rPr lang="lt-LT" sz="1200" i="1" dirty="0" smtClean="0"/>
-              <a:t>ROOT Hips</a:t>
-            </a:r>
-          </a:p>
-          <a:p>
-            <a:pPr>
-              <a:lnSpc>
-                <a:spcPts val="1200"/>
-              </a:lnSpc>
-              <a:spcBef>
-                <a:spcPts val="0"/>
-              </a:spcBef>
-            </a:pPr>
-            <a:r>
-              <a:rPr lang="lt-LT" sz="1200" i="1" dirty="0" smtClean="0"/>
-              <a:t>{</a:t>
-            </a:r>
-          </a:p>
-          <a:p>
-            <a:pPr>
-              <a:lnSpc>
-                <a:spcPts val="1200"/>
-              </a:lnSpc>
-              <a:spcBef>
-                <a:spcPts val="0"/>
-              </a:spcBef>
-            </a:pPr>
-            <a:r>
-              <a:rPr lang="lt-LT" sz="1200" i="1" dirty="0" smtClean="0"/>
-              <a:t>  OFFSET 0 34.322 0</a:t>
-            </a:r>
-          </a:p>
-          <a:p>
-            <a:pPr>
-              <a:lnSpc>
-                <a:spcPts val="1200"/>
-              </a:lnSpc>
-              <a:spcBef>
-                <a:spcPts val="0"/>
-              </a:spcBef>
-            </a:pPr>
-            <a:r>
-              <a:rPr lang="lt-LT" sz="1200" i="1" dirty="0" smtClean="0"/>
-              <a:t>  CHANNELS 6 Xposition Yposition Zposition Zrotation Xrotation Yrotation</a:t>
-            </a:r>
-          </a:p>
-          <a:p>
-            <a:pPr>
-              <a:lnSpc>
-                <a:spcPts val="1200"/>
-              </a:lnSpc>
-              <a:spcBef>
-                <a:spcPts val="0"/>
-              </a:spcBef>
-            </a:pPr>
-            <a:r>
-              <a:rPr lang="lt-LT" sz="1200" i="1" dirty="0" smtClean="0"/>
-              <a:t>  JOINT LeftHip</a:t>
-            </a:r>
-          </a:p>
-          <a:p>
-            <a:pPr>
-              <a:lnSpc>
-                <a:spcPts val="1200"/>
-              </a:lnSpc>
-              <a:spcBef>
-                <a:spcPts val="0"/>
-              </a:spcBef>
-            </a:pPr>
-            <a:r>
-              <a:rPr lang="lt-LT" sz="1200" i="1" dirty="0" smtClean="0"/>
-              <a:t>  {</a:t>
-            </a:r>
-          </a:p>
-          <a:p>
-            <a:pPr>
-              <a:lnSpc>
-                <a:spcPts val="1200"/>
-              </a:lnSpc>
-              <a:spcBef>
-                <a:spcPts val="0"/>
-              </a:spcBef>
-            </a:pPr>
-            <a:r>
-              <a:rPr lang="lt-LT" sz="1200" i="1" dirty="0" smtClean="0"/>
-              <a:t>    OFFSET 4.587 -1.043 0</a:t>
-            </a:r>
-          </a:p>
-          <a:p>
-            <a:pPr>
-              <a:lnSpc>
-                <a:spcPts val="1200"/>
-              </a:lnSpc>
-              <a:spcBef>
-                <a:spcPts val="0"/>
-              </a:spcBef>
-            </a:pPr>
-            <a:r>
-              <a:rPr lang="lt-LT" sz="1200" i="1" dirty="0" smtClean="0"/>
-              <a:t>    CHANNELS 3 Zrotation Xrotation Yrotation</a:t>
-            </a:r>
-          </a:p>
-          <a:p>
-            <a:pPr>
-              <a:lnSpc>
-                <a:spcPts val="1200"/>
-              </a:lnSpc>
-              <a:spcBef>
-                <a:spcPts val="0"/>
-              </a:spcBef>
-            </a:pPr>
-            <a:r>
-              <a:rPr lang="lt-LT" sz="1200" i="1" dirty="0" smtClean="0"/>
-              <a:t>    JOINT LeftKnee</a:t>
-            </a:r>
-          </a:p>
-          <a:p>
-            <a:pPr>
-              <a:lnSpc>
-                <a:spcPts val="1200"/>
-              </a:lnSpc>
-              <a:spcBef>
-                <a:spcPts val="0"/>
-              </a:spcBef>
-            </a:pPr>
-            <a:r>
-              <a:rPr lang="lt-LT" sz="1200" i="1" dirty="0" smtClean="0"/>
-              <a:t>    {</a:t>
-            </a:r>
-          </a:p>
-          <a:p>
-            <a:pPr>
-              <a:lnSpc>
-                <a:spcPts val="1200"/>
-              </a:lnSpc>
-              <a:spcBef>
-                <a:spcPts val="0"/>
-              </a:spcBef>
-            </a:pPr>
-            <a:r>
-              <a:rPr lang="lt-LT" sz="1200" i="1" dirty="0" smtClean="0"/>
-              <a:t>      OFFSET 3.09 -15.571 0</a:t>
-            </a:r>
-          </a:p>
-          <a:p>
-            <a:pPr>
-              <a:lnSpc>
-                <a:spcPts val="1200"/>
-              </a:lnSpc>
-              <a:spcBef>
-                <a:spcPts val="0"/>
-              </a:spcBef>
-            </a:pPr>
-            <a:r>
-              <a:rPr lang="lt-LT" sz="1200" i="1" dirty="0" smtClean="0"/>
-              <a:t>      CHANNELS 3 Zrotation Xrotation Yrotation</a:t>
-            </a:r>
-          </a:p>
-          <a:p>
-            <a:pPr>
-              <a:lnSpc>
-                <a:spcPts val="1200"/>
-              </a:lnSpc>
-              <a:spcBef>
-                <a:spcPts val="0"/>
-              </a:spcBef>
-            </a:pPr>
-            <a:r>
-              <a:rPr lang="lt-LT" sz="1200" i="1" dirty="0" smtClean="0"/>
-              <a:t>      JOINT LeftAnkle</a:t>
-            </a:r>
-          </a:p>
-          <a:p>
-            <a:pPr>
-              <a:lnSpc>
-                <a:spcPts val="1200"/>
-              </a:lnSpc>
-              <a:spcBef>
-                <a:spcPts val="0"/>
-              </a:spcBef>
-            </a:pPr>
-            <a:r>
-              <a:rPr lang="lt-LT" sz="1200" i="1" dirty="0" smtClean="0"/>
-              <a:t>      {</a:t>
-            </a:r>
-          </a:p>
-          <a:p>
-            <a:pPr>
-              <a:lnSpc>
-                <a:spcPts val="1200"/>
-              </a:lnSpc>
-              <a:spcBef>
-                <a:spcPts val="0"/>
-              </a:spcBef>
-            </a:pPr>
-            <a:r>
-              <a:rPr lang="lt-LT" sz="1200" i="1" dirty="0" smtClean="0"/>
-              <a:t>        OFFSET 2.179 -16.111 -2.139</a:t>
-            </a:r>
-          </a:p>
-          <a:p>
-            <a:pPr>
-              <a:lnSpc>
-                <a:spcPts val="1200"/>
-              </a:lnSpc>
-              <a:spcBef>
-                <a:spcPts val="0"/>
-              </a:spcBef>
-            </a:pPr>
-            <a:r>
-              <a:rPr lang="lt-LT" sz="1200" i="1" dirty="0" smtClean="0"/>
-              <a:t>        CHANNELS 3 Zrotation Xrotation Yrotation</a:t>
-            </a:r>
-          </a:p>
-          <a:p>
-            <a:pPr>
-              <a:lnSpc>
-                <a:spcPts val="1200"/>
-              </a:lnSpc>
-              <a:spcBef>
-                <a:spcPts val="0"/>
-              </a:spcBef>
-            </a:pPr>
-            <a:r>
-              <a:rPr lang="lt-LT" sz="1200" i="1" dirty="0" smtClean="0"/>
-              <a:t>        JOINT LeftAnkle_End</a:t>
-            </a:r>
-          </a:p>
-          <a:p>
-            <a:pPr>
-              <a:lnSpc>
-                <a:spcPts val="1200"/>
-              </a:lnSpc>
-              <a:spcBef>
-                <a:spcPts val="0"/>
-              </a:spcBef>
-            </a:pPr>
-            <a:r>
-              <a:rPr lang="lt-LT" sz="1200" i="1" dirty="0" smtClean="0"/>
-              <a:t>        {</a:t>
-            </a:r>
-          </a:p>
-          <a:p>
-            <a:pPr>
-              <a:lnSpc>
-                <a:spcPts val="1200"/>
-              </a:lnSpc>
-              <a:spcBef>
-                <a:spcPts val="0"/>
-              </a:spcBef>
-            </a:pPr>
-            <a:r>
-              <a:rPr lang="lt-LT" sz="1200" i="1" dirty="0" smtClean="0"/>
-              <a:t>          OFFSET 0 -0.867 1.597</a:t>
-            </a:r>
-          </a:p>
-          <a:p>
-            <a:pPr>
-              <a:lnSpc>
-                <a:spcPts val="1200"/>
-              </a:lnSpc>
-              <a:spcBef>
-                <a:spcPts val="0"/>
-              </a:spcBef>
-            </a:pPr>
-            <a:r>
-              <a:rPr lang="lt-LT" sz="1200" i="1" dirty="0" smtClean="0"/>
-              <a:t>          CHANNELS 3 Zrotation Xrotation Yrotation</a:t>
-            </a:r>
-          </a:p>
-          <a:p>
-            <a:pPr>
-              <a:lnSpc>
-                <a:spcPts val="1200"/>
-              </a:lnSpc>
-              <a:spcBef>
-                <a:spcPts val="0"/>
-              </a:spcBef>
-            </a:pPr>
-            <a:r>
-              <a:rPr lang="lt-LT" sz="1200" i="1" dirty="0" smtClean="0"/>
-              <a:t>          End Site</a:t>
-            </a:r>
-          </a:p>
-          <a:p>
-            <a:pPr>
-              <a:lnSpc>
-                <a:spcPts val="1200"/>
-              </a:lnSpc>
-              <a:spcBef>
-                <a:spcPts val="0"/>
-              </a:spcBef>
-            </a:pPr>
-            <a:r>
-              <a:rPr lang="lt-LT" sz="1200" i="1" dirty="0" smtClean="0"/>
-              <a:t>          {</a:t>
-            </a:r>
-          </a:p>
-          <a:p>
-            <a:pPr>
-              <a:lnSpc>
-                <a:spcPts val="1200"/>
-              </a:lnSpc>
-              <a:spcBef>
-                <a:spcPts val="0"/>
-              </a:spcBef>
-            </a:pPr>
-            <a:r>
-              <a:rPr lang="lt-LT" sz="1200" i="1" dirty="0" smtClean="0"/>
-              <a:t>            OFFSET 1 0 0</a:t>
-            </a:r>
-          </a:p>
-          <a:p>
-            <a:pPr>
-              <a:lnSpc>
-                <a:spcPts val="1200"/>
-              </a:lnSpc>
-              <a:spcBef>
-                <a:spcPts val="0"/>
-              </a:spcBef>
-            </a:pPr>
-            <a:r>
-              <a:rPr lang="lt-LT" sz="1200" i="1" dirty="0" smtClean="0"/>
-              <a:t>          }</a:t>
-            </a:r>
-          </a:p>
-          <a:p>
-            <a:pPr>
-              <a:lnSpc>
-                <a:spcPts val="1200"/>
-              </a:lnSpc>
-              <a:spcBef>
-                <a:spcPts val="0"/>
-              </a:spcBef>
-            </a:pPr>
-            <a:r>
-              <a:rPr lang="lt-LT" sz="1200" i="1" dirty="0" smtClean="0"/>
-              <a:t>        }</a:t>
-            </a:r>
-          </a:p>
-          <a:p>
-            <a:pPr>
-              <a:lnSpc>
-                <a:spcPts val="1200"/>
-              </a:lnSpc>
-              <a:spcBef>
-                <a:spcPts val="0"/>
-              </a:spcBef>
-            </a:pPr>
-            <a:r>
-              <a:rPr lang="lt-LT" sz="1200" i="1" dirty="0" smtClean="0"/>
-              <a:t>      }</a:t>
-            </a:r>
-          </a:p>
-          <a:p>
-            <a:pPr>
-              <a:lnSpc>
-                <a:spcPts val="1200"/>
-              </a:lnSpc>
-              <a:spcBef>
-                <a:spcPts val="0"/>
-              </a:spcBef>
-            </a:pPr>
-            <a:r>
-              <a:rPr lang="lt-LT" sz="1200" i="1" dirty="0" smtClean="0"/>
-              <a:t>    }</a:t>
-            </a:r>
-          </a:p>
-          <a:p>
-            <a:pPr>
-              <a:lnSpc>
-                <a:spcPts val="1200"/>
-              </a:lnSpc>
-              <a:spcBef>
-                <a:spcPts val="0"/>
-              </a:spcBef>
-            </a:pPr>
-            <a:r>
-              <a:rPr lang="lt-LT" sz="1200" i="1" dirty="0" smtClean="0"/>
-              <a:t>  }</a:t>
-            </a:r>
-          </a:p>
-          <a:p>
-            <a:pPr>
-              <a:lnSpc>
-                <a:spcPts val="1200"/>
-              </a:lnSpc>
-              <a:spcBef>
-                <a:spcPts val="0"/>
-              </a:spcBef>
-            </a:pPr>
-            <a:r>
-              <a:rPr lang="lt-LT" sz="1200" i="1" dirty="0" smtClean="0"/>
-              <a:t>  JOINT RightHip</a:t>
-            </a:r>
-          </a:p>
-          <a:p>
-            <a:pPr>
-              <a:lnSpc>
-                <a:spcPts val="1200"/>
-              </a:lnSpc>
-              <a:spcBef>
-                <a:spcPts val="0"/>
-              </a:spcBef>
-            </a:pPr>
-            <a:r>
-              <a:rPr lang="lt-LT" sz="1200" i="1" dirty="0" smtClean="0"/>
-              <a:t>  {</a:t>
-            </a:r>
-          </a:p>
-          <a:p>
-            <a:pPr>
-              <a:lnSpc>
-                <a:spcPts val="1200"/>
-              </a:lnSpc>
-              <a:spcBef>
-                <a:spcPts val="0"/>
-              </a:spcBef>
-            </a:pPr>
-            <a:r>
-              <a:rPr lang="lt-LT" sz="1200" i="1" dirty="0" smtClean="0"/>
-              <a:t>	...</a:t>
-            </a:r>
-          </a:p>
-          <a:p>
-            <a:pPr>
-              <a:lnSpc>
-                <a:spcPts val="1200"/>
-              </a:lnSpc>
-              <a:spcBef>
-                <a:spcPts val="0"/>
-              </a:spcBef>
-            </a:pPr>
-            <a:r>
-              <a:rPr lang="lt-LT" sz="1200" i="1" dirty="0" smtClean="0"/>
-              <a:t>  }</a:t>
-            </a:r>
-          </a:p>
-          <a:p>
-            <a:pPr>
-              <a:lnSpc>
-                <a:spcPts val="1200"/>
-              </a:lnSpc>
-              <a:spcBef>
-                <a:spcPts val="0"/>
-              </a:spcBef>
-            </a:pPr>
-            <a:r>
-              <a:rPr lang="lt-LT" sz="1200" i="1" dirty="0" smtClean="0"/>
-              <a:t>  ...</a:t>
-            </a:r>
-          </a:p>
-          <a:p>
-            <a:pPr>
-              <a:lnSpc>
-                <a:spcPts val="1200"/>
-              </a:lnSpc>
-              <a:spcBef>
-                <a:spcPts val="0"/>
-              </a:spcBef>
-            </a:pPr>
-            <a:r>
-              <a:rPr lang="lt-LT" sz="1200" i="1" dirty="0" smtClean="0"/>
-              <a:t>}</a:t>
-            </a:r>
+            <a:r>
+              <a:rPr lang="lt-LT" dirty="0" smtClean="0"/>
+              <a:t>Various motion data formats</a:t>
+            </a:r>
+            <a:endParaRPr lang="en-US" dirty="0" smtClean="0"/>
+          </a:p>
+          <a:p>
+            <a:pPr lvl="1"/>
+            <a:r>
+              <a:rPr lang="en-US" dirty="0" smtClean="0"/>
+              <a:t>C3D, </a:t>
+            </a:r>
+            <a:r>
+              <a:rPr lang="en-US" u="sng" dirty="0" smtClean="0"/>
+              <a:t>ASF/AMC</a:t>
+            </a:r>
+            <a:r>
+              <a:rPr lang="en-US" dirty="0" smtClean="0"/>
+              <a:t>, </a:t>
+            </a:r>
+            <a:r>
+              <a:rPr lang="en-US" u="sng" dirty="0" smtClean="0"/>
+              <a:t>BVH</a:t>
+            </a:r>
+            <a:r>
+              <a:rPr lang="en-US" dirty="0" smtClean="0"/>
+              <a:t>, </a:t>
+            </a:r>
+            <a:r>
+              <a:rPr lang="en-US" i="1" dirty="0" smtClean="0"/>
+              <a:t>FBX</a:t>
+            </a:r>
+            <a:endParaRPr lang="lt-LT" i="1" dirty="0" smtClean="0"/>
+          </a:p>
+          <a:p>
+            <a:r>
+              <a:rPr lang="lt-LT" dirty="0" smtClean="0"/>
+              <a:t>Used formats</a:t>
+            </a:r>
+          </a:p>
+          <a:p>
+            <a:pPr lvl="1"/>
+            <a:r>
+              <a:rPr lang="lt-LT" dirty="0" smtClean="0"/>
+              <a:t>Default C3D format for Vicon Motion System</a:t>
+            </a:r>
+            <a:endParaRPr lang="en-US" dirty="0" smtClean="0"/>
+          </a:p>
+          <a:p>
+            <a:pPr lvl="2"/>
+            <a:r>
+              <a:rPr lang="en-US" i="1" dirty="0" smtClean="0"/>
+              <a:t>Binary format, saves 3D coordinates</a:t>
+            </a:r>
+            <a:endParaRPr lang="lt-LT" i="1" dirty="0" smtClean="0"/>
+          </a:p>
+          <a:p>
+            <a:pPr lvl="1"/>
+            <a:r>
+              <a:rPr lang="lt-LT" dirty="0" smtClean="0"/>
+              <a:t>BVH format. Getting from C3D to BVH</a:t>
+            </a:r>
+            <a:endParaRPr lang="en-US" dirty="0" smtClean="0"/>
+          </a:p>
+          <a:p>
+            <a:pPr lvl="2"/>
+            <a:r>
+              <a:rPr lang="en-US" i="1" dirty="0" smtClean="0"/>
+              <a:t>Saves hierarchy (skeleton joint structure) and transformation data</a:t>
+            </a:r>
+            <a:endParaRPr lang="lt-LT" i="1" dirty="0" smtClean="0"/>
           </a:p>
         </p:txBody>
       </p:sp>
@@ -10470,143 +11253,12 @@
         </p:nvSpPr>
         <p:spPr/>
         <p:txBody>
-          <a:bodyPr>
-            <a:normAutofit fontScale="90000"/>
-          </a:bodyPr>
+          <a:bodyPr/>
           <a:lstStyle/>
           <a:p>
             <a:r>
               <a:rPr lang="lt-LT" dirty="0" smtClean="0"/>
               <a:t>Motion data</a:t>
-            </a:r>
-            <a:r>
-              <a:rPr lang="en-US" dirty="0" smtClean="0"/>
-              <a:t/>
-            </a:r>
-            <a:br>
-              <a:rPr lang="en-US" dirty="0" smtClean="0"/>
-            </a:br>
-            <a:r>
-              <a:rPr lang="en-US" dirty="0" smtClean="0"/>
-              <a:t>BVH Hierarchy section</a:t>
-            </a:r>
-            <a:endParaRPr lang="lt-LT" dirty="0"/>
-          </a:p>
-        </p:txBody>
-      </p:sp>
-    </p:spTree>
-  </p:cSld>
-  <p:clrMapOvr>
-    <a:masterClrMapping/>
-  </p:clrMapOvr>
-  <p:timing>
-    <p:tnLst>
-      <p:par>
-        <p:cTn id="1" dur="indefinite" restart="never" nodeType="tmRoot"/>
-      </p:par>
-    </p:tnLst>
-  </p:timing>
-</p:sld>
-</file>
-
-<file path=ppt/slides/slide9.xml><?xml version="1.0" encoding="utf-8"?>
-<p:sld xmlns:a="http://schemas.openxmlformats.org/drawingml/2006/main" xmlns:r="http://schemas.openxmlformats.org/officeDocument/2006/relationships" xmlns:mc="http://schemas.openxmlformats.org/markup-compatibility/2006" xmlns:mv="urn:schemas-microsoft-com:mac:vml" xmlns:p="http://schemas.openxmlformats.org/presentationml/2006/main" mc:Ignorable="mv" mc:PreserveAttributes="mv:*">
-  <p:cSld>
-    <p:spTree>
-      <p:nvGrpSpPr>
-        <p:cNvPr id="1" name=""/>
-        <p:cNvGrpSpPr/>
-        <p:nvPr/>
-      </p:nvGrpSpPr>
-      <p:grpSpPr>
-        <a:xfrm>
-          <a:off x="0" y="0"/>
-          <a:ext cx="0" cy="0"/>
-          <a:chOff x="0" y="0"/>
-          <a:chExt cx="0" cy="0"/>
-        </a:xfrm>
-      </p:grpSpPr>
-      <p:sp>
-        <p:nvSpPr>
-          <p:cNvPr id="2" name="Content Placeholder 1"/>
-          <p:cNvSpPr>
-            <a:spLocks noGrp="1"/>
-          </p:cNvSpPr>
-          <p:nvPr>
-            <p:ph idx="1"/>
-          </p:nvPr>
-        </p:nvSpPr>
-        <p:spPr/>
-        <p:txBody>
-          <a:bodyPr>
-            <a:normAutofit fontScale="85000" lnSpcReduction="20000"/>
-          </a:bodyPr>
-          <a:lstStyle/>
-          <a:p>
-            <a:r>
-              <a:rPr lang="lt-LT" sz="2400" i="1" dirty="0" smtClean="0"/>
-              <a:t>Frames: 1289</a:t>
-            </a:r>
-          </a:p>
-          <a:p>
-            <a:r>
-              <a:rPr lang="lt-LT" sz="2400" i="1" dirty="0" smtClean="0"/>
-              <a:t>Frame Time: 0.033333</a:t>
-            </a:r>
-          </a:p>
-          <a:p>
-            <a:r>
-              <a:rPr lang="lt-LT" sz="1800" i="1" dirty="0" smtClean="0"/>
-              <a:t>19.8598 80.309 -11.521 -0.661911 0.799904 171.213 -1.85002 2.52617 10.7515 3.17067 -1.01583e-010 -10.2854 -1.58501 -1.94847 -0.0287346 0 0 0 -0.0555542 2.6936 -11.4833 -0.562183 1.22223e-006 11.8361 0.284375 -1.65435 -0.00579677 0 0 0 -1.25693 6.24787 -0.51793 3.27727 -16.0419 -1.36162 14.6579 0.0301162 -3.60178 -5.21488 6.12318 -3.03665 2.47876 0.000451064 -6.17142e-006 -0.509607 -8.47663 0.248473 0 0 0 -15.7988 1.60936 -7.32667 1.93902 -8.80292 5.13737 -1.30308 7.39538e-009 8.53796e-007 0.267783 -4.03835 0.26339 0 0 0 0.258752 -0.0812672 0.831621 12.5445 1.71161 -2.09692 0 0 0</a:t>
-            </a:r>
-            <a:endParaRPr lang="en-US" sz="1800" i="1" dirty="0" smtClean="0"/>
-          </a:p>
-          <a:p>
-            <a:r>
-              <a:rPr lang="en-US" sz="1800" i="1" dirty="0" smtClean="0"/>
-              <a:t>19.8771 80.2868 -11.5326 -0.700186 0.756134 171.114 -1.84667 2.51303 10.794 3.13528 -1.01593e-010 -10.2526 -1.58653 -1.95993 -0.0287348 0 0 0 -0.0627105 2.65564 -11.4946 -0.56617 1.2219e-006 11.9114 0.31303 -1.66464 -0.0057968 0 0 0 -1.29175 6.15499 -0.450865 3.47648 -15.6579 -1.30103 14.4269 0.0330917 -3.62714 -5.39613 6.06833 -2.95956 2.27028 0.000451064 -6.17142e-006 -0.527485 -7.40878 0.0488122 0 0 0 -15.6207 1.62543 -7.46368 1.75456 -9.10966 5.12076 -1.08476 7.39538e-009 8.53796e-007 0.274961 -4.00089 0.215719 0 0 0 0.444407 -0.387448 0.74024 12.1183 2.50324 -2.11188 0 0 0</a:t>
-            </a:r>
-          </a:p>
-          <a:p>
-            <a:r>
-              <a:rPr lang="en-US" sz="1800" i="1" dirty="0" smtClean="0"/>
-              <a:t>…</a:t>
-            </a:r>
-            <a:endParaRPr lang="lt-LT" sz="1800" i="1" dirty="0" smtClean="0"/>
-          </a:p>
-        </p:txBody>
-      </p:sp>
-      <p:sp>
-        <p:nvSpPr>
-          <p:cNvPr id="3" name="Title 2"/>
-          <p:cNvSpPr>
-            <a:spLocks noGrp="1"/>
-          </p:cNvSpPr>
-          <p:nvPr>
-            <p:ph type="title"/>
-          </p:nvPr>
-        </p:nvSpPr>
-        <p:spPr/>
-        <p:txBody>
-          <a:bodyPr>
-            <a:normAutofit fontScale="90000"/>
-          </a:bodyPr>
-          <a:lstStyle/>
-          <a:p>
-            <a:r>
-              <a:rPr lang="lt-LT" dirty="0" smtClean="0"/>
-              <a:t>Motion data</a:t>
-            </a:r>
-            <a:r>
-              <a:rPr lang="en-US" dirty="0" smtClean="0"/>
-              <a:t/>
-            </a:r>
-            <a:br>
-              <a:rPr lang="en-US" dirty="0" smtClean="0"/>
-            </a:br>
-            <a:r>
-              <a:rPr lang="en-US" dirty="0" smtClean="0"/>
-              <a:t>BVH Motion section</a:t>
             </a:r>
             <a:endParaRPr lang="lt-LT" dirty="0"/>
           </a:p>

--- a/trunk/docs/Presentation/Presentation.pptx
+++ b/trunk/docs/Presentation/Presentation.pptx
@@ -777,7 +777,7 @@
             <a:fld id="{8900D071-D45E-4DB1-8026-6607FD7943F8}" type="datetimeFigureOut">
               <a:rPr lang="lt-LT" smtClean="0"/>
               <a:pPr/>
-              <a:t>2009.01.25</a:t>
+              <a:t>2009.01.26</a:t>
             </a:fld>
             <a:endParaRPr lang="lt-LT"/>
           </a:p>
@@ -975,7 +975,7 @@
             <a:fld id="{8900D071-D45E-4DB1-8026-6607FD7943F8}" type="datetimeFigureOut">
               <a:rPr lang="lt-LT" smtClean="0"/>
               <a:pPr/>
-              <a:t>2009.01.25</a:t>
+              <a:t>2009.01.26</a:t>
             </a:fld>
             <a:endParaRPr lang="lt-LT"/>
           </a:p>
@@ -1162,7 +1162,7 @@
             <a:fld id="{8900D071-D45E-4DB1-8026-6607FD7943F8}" type="datetimeFigureOut">
               <a:rPr lang="lt-LT" smtClean="0"/>
               <a:pPr/>
-              <a:t>2009.01.25</a:t>
+              <a:t>2009.01.26</a:t>
             </a:fld>
             <a:endParaRPr lang="lt-LT"/>
           </a:p>
@@ -1314,7 +1314,7 @@
             <a:fld id="{8900D071-D45E-4DB1-8026-6607FD7943F8}" type="datetimeFigureOut">
               <a:rPr lang="lt-LT" smtClean="0"/>
               <a:pPr/>
-              <a:t>2009.01.25</a:t>
+              <a:t>2009.01.26</a:t>
             </a:fld>
             <a:endParaRPr lang="lt-LT"/>
           </a:p>
@@ -1566,7 +1566,7 @@
             <a:fld id="{8900D071-D45E-4DB1-8026-6607FD7943F8}" type="datetimeFigureOut">
               <a:rPr lang="lt-LT" smtClean="0"/>
               <a:pPr/>
-              <a:t>2009.01.25</a:t>
+              <a:t>2009.01.26</a:t>
             </a:fld>
             <a:endParaRPr lang="lt-LT"/>
           </a:p>
@@ -1972,7 +1972,7 @@
             <a:fld id="{8900D071-D45E-4DB1-8026-6607FD7943F8}" type="datetimeFigureOut">
               <a:rPr lang="lt-LT" smtClean="0"/>
               <a:pPr/>
-              <a:t>2009.01.25</a:t>
+              <a:t>2009.01.26</a:t>
             </a:fld>
             <a:endParaRPr lang="lt-LT"/>
           </a:p>
@@ -2415,7 +2415,7 @@
             <a:fld id="{8900D071-D45E-4DB1-8026-6607FD7943F8}" type="datetimeFigureOut">
               <a:rPr lang="lt-LT" smtClean="0"/>
               <a:pPr/>
-              <a:t>2009.01.25</a:t>
+              <a:t>2009.01.26</a:t>
             </a:fld>
             <a:endParaRPr lang="lt-LT"/>
           </a:p>
@@ -2513,7 +2513,7 @@
             <a:fld id="{8900D071-D45E-4DB1-8026-6607FD7943F8}" type="datetimeFigureOut">
               <a:rPr lang="lt-LT" smtClean="0"/>
               <a:pPr/>
-              <a:t>2009.01.25</a:t>
+              <a:t>2009.01.26</a:t>
             </a:fld>
             <a:endParaRPr lang="lt-LT"/>
           </a:p>
@@ -2636,7 +2636,7 @@
             <a:fld id="{8900D071-D45E-4DB1-8026-6607FD7943F8}" type="datetimeFigureOut">
               <a:rPr lang="lt-LT" smtClean="0"/>
               <a:pPr/>
-              <a:t>2009.01.25</a:t>
+              <a:t>2009.01.26</a:t>
             </a:fld>
             <a:endParaRPr lang="lt-LT"/>
           </a:p>
@@ -2907,7 +2907,7 @@
             <a:fld id="{8900D071-D45E-4DB1-8026-6607FD7943F8}" type="datetimeFigureOut">
               <a:rPr lang="lt-LT" smtClean="0"/>
               <a:pPr/>
-              <a:t>2009.01.25</a:t>
+              <a:t>2009.01.26</a:t>
             </a:fld>
             <a:endParaRPr lang="lt-LT"/>
           </a:p>
@@ -3109,7 +3109,7 @@
             <a:fld id="{8900D071-D45E-4DB1-8026-6607FD7943F8}" type="datetimeFigureOut">
               <a:rPr lang="lt-LT" smtClean="0"/>
               <a:pPr/>
-              <a:t>2009.01.25</a:t>
+              <a:t>2009.01.26</a:t>
             </a:fld>
             <a:endParaRPr lang="lt-LT"/>
           </a:p>
@@ -4220,7 +4220,7 @@
             <a:fld id="{8900D071-D45E-4DB1-8026-6607FD7943F8}" type="datetimeFigureOut">
               <a:rPr lang="lt-LT" smtClean="0"/>
               <a:pPr/>
-              <a:t>2009.01.25</a:t>
+              <a:t>2009.01.26</a:t>
             </a:fld>
             <a:endParaRPr lang="lt-LT"/>
           </a:p>
@@ -5475,7 +5475,7 @@
           <a:p>
             <a:r>
               <a:rPr lang="en-US" dirty="0" smtClean="0"/>
-              <a:t>During project we’ve to work with to of these file formats. C3D was data that we got from Vicon IQ software and then, using 3</a:t>
+              <a:t>During project we’ve to work with two the mentioned file formats. C3D was data that we got from Vicon IQ software and then, using 3</a:t>
             </a:r>
             <a:r>
               <a:rPr lang="en-US" baseline="30000" dirty="0" smtClean="0"/>
@@ -5544,11 +5544,7 @@
           <a:p>
             <a:r>
               <a:rPr lang="en-US" dirty="0" smtClean="0"/>
-              <a:t>Hidden. </a:t>
-            </a:r>
-            <a:r>
-              <a:rPr lang="en-US" dirty="0" smtClean="0"/>
-              <a:t>Motion data</a:t>
+              <a:t>Hidden. Motion data</a:t>
             </a:r>
             <a:endParaRPr lang="lt-LT" dirty="0"/>
           </a:p>
@@ -5858,7 +5854,7 @@
             </a:pPr>
             <a:r>
               <a:rPr lang="en-US" sz="1800" dirty="0" smtClean="0"/>
-              <a:t>A – starting point, b = A – B vector, t - parameter</a:t>
+              <a:t>A – starting point, b = B – A vector, t - parameter</a:t>
             </a:r>
             <a:endParaRPr lang="lt-LT" sz="1800" dirty="0" smtClean="0"/>
           </a:p>
@@ -6017,11 +6013,7 @@
           <a:p>
             <a:r>
               <a:rPr lang="en-US" dirty="0" smtClean="0"/>
-              <a:t>As our human body model mesh was cut in separate body part meshes, we had to connect these parts all together in order to get complete and full-scale character. </a:t>
-            </a:r>
-            <a:r>
-              <a:rPr lang="en-US" dirty="0" smtClean="0"/>
-              <a:t>To achieve this we used parametric representation of lines in 3D space method. Basically we connected together vertices of two separate body parts by these lines (or we could call them segments). </a:t>
+              <a:t>As our human body model mesh was cut in separate body part meshes, we had to connect these parts all together in order to get complete and full-scale character. To achieve this we used parametric representation of lines in 3D space method. Basically we connected together vertices of two separate body parts by these lines (or we could call them segments). </a:t>
             </a:r>
             <a:r>
               <a:rPr lang="en-US" smtClean="0"/>
@@ -6031,7 +6023,6 @@
               <a:rPr lang="en-US" dirty="0" smtClean="0"/>
               <a:t>helped us evenly distribute vertices on this line, that later were used by our skinning algorithm.</a:t>
             </a:r>
-            <a:endParaRPr lang="en-US" dirty="0" smtClean="0"/>
           </a:p>
         </p:txBody>
       </p:sp>
@@ -6054,11 +6045,7 @@
           <a:p>
             <a:r>
               <a:rPr lang="en-US" dirty="0" smtClean="0"/>
-              <a:t>Hidden. </a:t>
-            </a:r>
-            <a:r>
-              <a:rPr lang="en-US" dirty="0" smtClean="0"/>
-              <a:t>Line representation</a:t>
+              <a:t>Hidden. Line representation</a:t>
             </a:r>
             <a:endParaRPr lang="lt-LT" dirty="0"/>
           </a:p>
@@ -6128,14 +6115,14 @@
             <a:pPr lvl="2"/>
             <a:r>
               <a:rPr lang="en-US" dirty="0" smtClean="0"/>
-              <a:t>Linear blend skinning</a:t>
-            </a:r>
-          </a:p>
-          <a:p>
-            <a:pPr lvl="2"/>
-            <a:r>
-              <a:rPr lang="en-US" dirty="0" smtClean="0"/>
-              <a:t>Different implementations</a:t>
+              <a:t>Linear blend skinning and its different implementations</a:t>
+            </a:r>
+          </a:p>
+          <a:p>
+            <a:pPr lvl="3"/>
+            <a:r>
+              <a:rPr lang="en-US" dirty="0" smtClean="0"/>
+              <a:t>Artifacts of the algorithm</a:t>
             </a:r>
           </a:p>
         </p:txBody>
@@ -6333,7 +6320,7 @@
           <a:p>
             <a:r>
               <a:rPr lang="en-US" dirty="0" smtClean="0"/>
-              <a:t>Solutions: adding extra transformation (joint, maybe also used for muscles), direct assignment of weight around the joint – manual labeling and different formula</a:t>
+              <a:t>Solutions: adding extra transformation (extra joint, also used for muscles) – that helps to minimize deformation angle, direct assignment of weight around the joint – manual labeling after observations and different formula</a:t>
             </a:r>
             <a:r>
               <a:rPr lang="en-US" sz="2200" i="1" dirty="0" smtClean="0"/>
@@ -8419,28 +8406,28 @@
             <a:pPr lvl="1"/>
             <a:r>
               <a:rPr lang="en-US" dirty="0" smtClean="0"/>
-              <a:t>Skeletal, joint-based structure</a:t>
+              <a:t>Animation program environment (C++/OpenGL)</a:t>
             </a:r>
           </a:p>
           <a:p>
             <a:pPr lvl="1"/>
             <a:r>
               <a:rPr lang="en-US" dirty="0" smtClean="0"/>
-              <a:t>Animation program environment (C++/OpenGL)</a:t>
+              <a:t>Data interpretation</a:t>
             </a:r>
           </a:p>
           <a:p>
             <a:pPr lvl="1"/>
             <a:r>
               <a:rPr lang="en-US" dirty="0" smtClean="0"/>
-              <a:t>Data interpretation</a:t>
+              <a:t>Skeleton and its motion</a:t>
             </a:r>
           </a:p>
           <a:p>
             <a:pPr lvl="1"/>
             <a:r>
               <a:rPr lang="en-US" dirty="0" smtClean="0"/>
-              <a:t>Model deformations</a:t>
+              <a:t>Model mesh (skin) and its deformations</a:t>
             </a:r>
             <a:endParaRPr lang="lt-LT" dirty="0" smtClean="0"/>
           </a:p>
@@ -9011,6 +8998,12 @@
             <a:r>
               <a:rPr lang="en-US" dirty="0" smtClean="0"/>
               <a:t>Vertices on the lines connecting these parts are influenced on deformation.</a:t>
+            </a:r>
+          </a:p>
+          <a:p>
+            <a:r>
+              <a:rPr lang="en-US" dirty="0" smtClean="0"/>
+              <a:t>T-pose is required</a:t>
             </a:r>
             <a:endParaRPr lang="lt-LT" dirty="0"/>
           </a:p>
@@ -9385,7 +9378,7 @@
       </p:pic>
       <p:pic>
         <p:nvPicPr>
-          <p:cNvPr id="5128" name="Picture 8"/>
+          <p:cNvPr id="1026" name="Picture 2"/>
           <p:cNvPicPr>
             <a:picLocks noChangeAspect="1" noChangeArrowheads="1"/>
           </p:cNvPicPr>
@@ -9400,8 +9393,8 @@
         </p:blipFill>
         <p:spPr bwMode="auto">
           <a:xfrm>
-            <a:off x="1214414" y="4538675"/>
-            <a:ext cx="2781300" cy="676275"/>
+            <a:off x="1214414" y="4429132"/>
+            <a:ext cx="2908300" cy="927100"/>
           </a:xfrm>
           <a:prstGeom prst="rect">
             <a:avLst/>
@@ -9867,43 +9860,51 @@
           <a:lstStyle/>
           <a:p>
             <a:r>
-              <a:rPr lang="en-US" smtClean="0"/>
+              <a:rPr lang="en-US" dirty="0" smtClean="0"/>
               <a:t>Project has two main task:</a:t>
             </a:r>
           </a:p>
           <a:p>
             <a:pPr lvl="1"/>
             <a:r>
-              <a:rPr lang="en-US" smtClean="0"/>
-              <a:t>Using mocap system capture motion data and to be able to animate character using it. Mocap data gives us opportunity to achieve very realistic body movements.</a:t>
+              <a:rPr lang="en-US" dirty="0" smtClean="0"/>
+              <a:t>Using </a:t>
+            </a:r>
+            <a:r>
+              <a:rPr lang="en-US" dirty="0" err="1" smtClean="0"/>
+              <a:t>mocap</a:t>
+            </a:r>
+            <a:r>
+              <a:rPr lang="en-US" dirty="0" smtClean="0"/>
+              <a:t> system capture motion data and to be able to animate character using it. </a:t>
+            </a:r>
+            <a:r>
+              <a:rPr lang="en-US" dirty="0" err="1" smtClean="0"/>
+              <a:t>Mocap</a:t>
+            </a:r>
+            <a:r>
+              <a:rPr lang="en-US" dirty="0" smtClean="0"/>
+              <a:t> data gives us opportunity to achieve very realistic body movements.</a:t>
             </a:r>
           </a:p>
           <a:p>
             <a:pPr lvl="1"/>
             <a:r>
-              <a:rPr lang="en-US" smtClean="0"/>
-              <a:t>Create an application that would use this motion data. We chose to animate a human body model in an application that we wrote using C++ programming language in OpenGL environment. This application had to parse and </a:t>
-            </a:r>
-            <a:r>
-              <a:rPr lang="en-US" smtClean="0"/>
-              <a:t>correctly interpret mocap data, cope with various skin deformation problems. Linear blending technique was used for this. We used </a:t>
-            </a:r>
-            <a:r>
-              <a:rPr lang="en-US" smtClean="0"/>
-              <a:t>joint </a:t>
-            </a:r>
-            <a:r>
-              <a:rPr lang="en-US" smtClean="0"/>
-              <a:t>based skeleton</a:t>
-            </a:r>
-            <a:r>
-              <a:rPr lang="en-US" smtClean="0"/>
-              <a:t>, consisting of rigid body parts – bones, that are rotated during motion. </a:t>
+              <a:rPr lang="en-US" dirty="0" smtClean="0"/>
+              <a:t>Create an application that would use this motion data. We chose to animate a human body model in an application that we wrote using C++ programming language in OpenGL environment. This application had to parse and correctly interpret </a:t>
+            </a:r>
+            <a:r>
+              <a:rPr lang="en-US" dirty="0" err="1" smtClean="0"/>
+              <a:t>mocap</a:t>
+            </a:r>
+            <a:r>
+              <a:rPr lang="en-US" dirty="0" smtClean="0"/>
+              <a:t> data, cope with various skin deformation problems. Simplified linear blend skinning technique was used for this. Whole character had a joint based skeleton structure with rigid body parts – bones, that are rotated during motion. </a:t>
             </a:r>
           </a:p>
           <a:p>
             <a:pPr lvl="1"/>
-            <a:endParaRPr lang="en-US" smtClean="0"/>
+            <a:endParaRPr lang="en-US" dirty="0" smtClean="0"/>
           </a:p>
           <a:p>
             <a:pPr lvl="1"/>
@@ -10014,7 +10015,7 @@
             <a:pPr lvl="1"/>
             <a:r>
               <a:rPr lang="en-US" dirty="0" smtClean="0"/>
-              <a:t>Use of quaternions, enabling us to calculate single rotation vector with additional filter for rotations.</a:t>
+              <a:t>Use of quaternions and additional filter for rotation angle.</a:t>
             </a:r>
             <a:endParaRPr lang="lt-LT" dirty="0"/>
           </a:p>
@@ -10473,13 +10474,8 @@
             <a:pPr lvl="1"/>
             <a:r>
               <a:rPr lang="en-US" dirty="0" smtClean="0"/>
-              <a:t>More detailed body animation and </a:t>
-            </a:r>
-            <a:r>
-              <a:rPr lang="en-US" smtClean="0"/>
-              <a:t>skin deformations</a:t>
-            </a:r>
-            <a:endParaRPr lang="en-US" dirty="0" smtClean="0"/>
+              <a:t>More detailed body animation and skin deformations</a:t>
+            </a:r>
           </a:p>
           <a:p>
             <a:pPr lvl="1"/>
@@ -10658,12 +10654,12 @@
       </p:grpSpPr>
       <p:sp>
         <p:nvSpPr>
-          <p:cNvPr id="2" name="Content Placeholder 1"/>
-          <p:cNvSpPr>
-            <a:spLocks noGrp="1"/>
-          </p:cNvSpPr>
-          <p:nvPr>
-            <p:ph idx="1"/>
+          <p:cNvPr id="3" name="Title 2"/>
+          <p:cNvSpPr>
+            <a:spLocks noGrp="1"/>
+          </p:cNvSpPr>
+          <p:nvPr>
+            <p:ph type="title"/>
           </p:nvPr>
         </p:nvSpPr>
         <p:spPr/>
@@ -10671,25 +10667,6 @@
           <a:bodyPr/>
           <a:lstStyle/>
           <a:p>
-            <a:endParaRPr lang="lt-LT"/>
-          </a:p>
-        </p:txBody>
-      </p:sp>
-      <p:sp>
-        <p:nvSpPr>
-          <p:cNvPr id="3" name="Title 2"/>
-          <p:cNvSpPr>
-            <a:spLocks noGrp="1"/>
-          </p:cNvSpPr>
-          <p:nvPr>
-            <p:ph type="title"/>
-          </p:nvPr>
-        </p:nvSpPr>
-        <p:spPr/>
-        <p:txBody>
-          <a:bodyPr/>
-          <a:lstStyle/>
-          <a:p>
             <a:r>
               <a:rPr lang="en-US" dirty="0" smtClean="0"/>
               <a:t>Human body animation movie</a:t>
@@ -10698,6 +10675,35 @@
           </a:p>
         </p:txBody>
       </p:sp>
+      <p:pic>
+        <p:nvPicPr>
+          <p:cNvPr id="4" name="Animation_1.wmv">
+            <a:hlinkClick r:id="" action="ppaction://media"/>
+          </p:cNvPr>
+          <p:cNvPicPr>
+            <a:picLocks noGrp="1" noRot="1" noChangeAspect="1"/>
+          </p:cNvPicPr>
+          <p:nvPr>
+            <p:ph idx="1"/>
+            <a:videoFile r:link="rId1"/>
+          </p:nvPr>
+        </p:nvPicPr>
+        <p:blipFill>
+          <a:blip r:embed="rId3"/>
+          <a:stretch>
+            <a:fillRect/>
+          </a:stretch>
+        </p:blipFill>
+        <p:spPr>
+          <a:xfrm>
+            <a:off x="1142976" y="1214422"/>
+            <a:ext cx="6858000" cy="5486400"/>
+          </a:xfrm>
+          <a:prstGeom prst="rect">
+            <a:avLst/>
+          </a:prstGeom>
+        </p:spPr>
+      </p:pic>
     </p:spTree>
   </p:cSld>
   <p:clrMapOvr>
@@ -10706,7 +10712,150 @@
   <p:timing>
     <p:tnLst>
       <p:par>
-        <p:cTn id="1" dur="indefinite" restart="never" nodeType="tmRoot"/>
+        <p:cTn id="1" dur="indefinite" restart="never" nodeType="tmRoot">
+          <p:childTnLst>
+            <p:seq concurrent="1" nextAc="seek">
+              <p:cTn id="2" dur="indefinite" nodeType="mainSeq">
+                <p:childTnLst>
+                  <p:par>
+                    <p:cTn id="3" fill="hold">
+                      <p:stCondLst>
+                        <p:cond delay="indefinite"/>
+                        <p:cond evt="onBegin" delay="0">
+                          <p:tn val="2"/>
+                        </p:cond>
+                      </p:stCondLst>
+                      <p:childTnLst>
+                        <p:par>
+                          <p:cTn id="4" fill="hold">
+                            <p:stCondLst>
+                              <p:cond delay="0"/>
+                            </p:stCondLst>
+                            <p:childTnLst>
+                              <p:par>
+                                <p:cTn id="5" presetID="1" presetClass="mediacall" presetSubtype="0" fill="hold" nodeType="afterEffect">
+                                  <p:stCondLst>
+                                    <p:cond delay="0"/>
+                                  </p:stCondLst>
+                                  <p:childTnLst>
+                                    <p:cmd type="call" cmd="playFrom(0.0)">
+                                      <p:cBhvr>
+                                        <p:cTn id="6" dur="41833" fill="hold"/>
+                                        <p:tgtEl>
+                                          <p:spTgt spid="4"/>
+                                        </p:tgtEl>
+                                      </p:cBhvr>
+                                    </p:cmd>
+                                  </p:childTnLst>
+                                </p:cTn>
+                              </p:par>
+                            </p:childTnLst>
+                          </p:cTn>
+                        </p:par>
+                      </p:childTnLst>
+                    </p:cTn>
+                  </p:par>
+                </p:childTnLst>
+              </p:cTn>
+              <p:prevCondLst>
+                <p:cond evt="onPrev" delay="0">
+                  <p:tgtEl>
+                    <p:sldTgt/>
+                  </p:tgtEl>
+                </p:cond>
+              </p:prevCondLst>
+              <p:nextCondLst>
+                <p:cond evt="onNext" delay="0">
+                  <p:tgtEl>
+                    <p:sldTgt/>
+                  </p:tgtEl>
+                </p:cond>
+              </p:nextCondLst>
+            </p:seq>
+            <p:video>
+              <p:cMediaNode>
+                <p:cTn id="7" fill="hold" display="0">
+                  <p:stCondLst>
+                    <p:cond delay="indefinite"/>
+                  </p:stCondLst>
+                  <p:endCondLst>
+                    <p:cond evt="onNext" delay="0">
+                      <p:tgtEl>
+                        <p:sldTgt/>
+                      </p:tgtEl>
+                    </p:cond>
+                    <p:cond evt="onPrev" delay="0">
+                      <p:tgtEl>
+                        <p:sldTgt/>
+                      </p:tgtEl>
+                    </p:cond>
+                  </p:endCondLst>
+                </p:cTn>
+                <p:tgtEl>
+                  <p:spTgt spid="4"/>
+                </p:tgtEl>
+              </p:cMediaNode>
+            </p:video>
+            <p:seq concurrent="1" nextAc="seek">
+              <p:cTn id="8" restart="whenNotActive" fill="hold" evtFilter="cancelBubble" nodeType="interactiveSeq">
+                <p:stCondLst>
+                  <p:cond evt="onClick" delay="0">
+                    <p:tgtEl>
+                      <p:spTgt spid="4"/>
+                    </p:tgtEl>
+                  </p:cond>
+                </p:stCondLst>
+                <p:endSync evt="end" delay="0">
+                  <p:rtn val="all"/>
+                </p:endSync>
+                <p:childTnLst>
+                  <p:par>
+                    <p:cTn id="9" fill="hold">
+                      <p:stCondLst>
+                        <p:cond delay="0"/>
+                      </p:stCondLst>
+                      <p:childTnLst>
+                        <p:par>
+                          <p:cTn id="10" fill="hold">
+                            <p:stCondLst>
+                              <p:cond delay="0"/>
+                            </p:stCondLst>
+                            <p:childTnLst>
+                              <p:par>
+                                <p:cTn id="11" presetID="2" presetClass="mediacall" presetSubtype="0" fill="hold" nodeType="clickEffect">
+                                  <p:stCondLst>
+                                    <p:cond delay="0"/>
+                                  </p:stCondLst>
+                                  <p:childTnLst>
+                                    <p:cmd type="call" cmd="togglePause">
+                                      <p:cBhvr>
+                                        <p:cTn id="12" dur="1" fill="hold"/>
+                                        <p:tgtEl>
+                                          <p:spTgt spid="4"/>
+                                        </p:tgtEl>
+                                      </p:cBhvr>
+                                    </p:cmd>
+                                  </p:childTnLst>
+                                </p:cTn>
+                              </p:par>
+                            </p:childTnLst>
+                          </p:cTn>
+                        </p:par>
+                      </p:childTnLst>
+                    </p:cTn>
+                  </p:par>
+                </p:childTnLst>
+              </p:cTn>
+              <p:nextCondLst>
+                <p:cond evt="onClick" delay="0">
+                  <p:tgtEl>
+                    <p:spTgt spid="4"/>
+                  </p:tgtEl>
+                </p:cond>
+              </p:nextCondLst>
+            </p:seq>
+          </p:childTnLst>
+        </p:cTn>
       </p:par>
     </p:tnLst>
   </p:timing>
@@ -10766,16 +10915,11 @@
               <a:rPr lang="en-US" dirty="0" smtClean="0"/>
               <a:t>? Where it is used?</a:t>
             </a:r>
-            <a:endParaRPr lang="en-US" dirty="0" smtClean="0"/>
           </a:p>
           <a:p>
             <a:r>
               <a:rPr lang="lt-LT" dirty="0" smtClean="0"/>
-              <a:t>Various </a:t>
-            </a:r>
-            <a:r>
-              <a:rPr lang="lt-LT" dirty="0" smtClean="0"/>
-              <a:t>motion capture systems</a:t>
+              <a:t>Various motion capture systems</a:t>
             </a:r>
           </a:p>
           <a:p>
@@ -10798,9 +10942,13 @@
             </a:r>
             <a:r>
               <a:rPr lang="en-US" sz="1800" i="1" dirty="0" smtClean="0"/>
-              <a:t>, Inertial</a:t>
-            </a:r>
-            <a:endParaRPr lang="lt-LT" sz="1800" i="1" dirty="0" smtClean="0"/>
+              <a:t>, </a:t>
+            </a:r>
+            <a:r>
+              <a:rPr lang="en-US" sz="1800" dirty="0" smtClean="0"/>
+              <a:t>Inertial</a:t>
+            </a:r>
+            <a:endParaRPr lang="lt-LT" sz="1800" dirty="0" smtClean="0"/>
           </a:p>
           <a:p>
             <a:r>
@@ -10824,13 +10972,8 @@
             </a:r>
             <a:r>
               <a:rPr lang="lt-LT" dirty="0" smtClean="0"/>
-              <a:t>Suit with retroreflective </a:t>
-            </a:r>
-            <a:r>
-              <a:rPr lang="lt-LT" dirty="0" smtClean="0"/>
-              <a:t>markers</a:t>
-            </a:r>
-            <a:endParaRPr lang="lt-LT" dirty="0" smtClean="0"/>
+              <a:t>Suit with retroreflective markers</a:t>
+            </a:r>
           </a:p>
         </p:txBody>
       </p:sp>
@@ -11022,7 +11165,7 @@
         </p:spPr>
         <p:txBody>
           <a:bodyPr>
-            <a:normAutofit fontScale="77500" lnSpcReduction="20000"/>
+            <a:normAutofit fontScale="70000" lnSpcReduction="20000"/>
           </a:bodyPr>
           <a:lstStyle/>
           <a:p>
@@ -11038,11 +11181,7 @@
           <a:p>
             <a:r>
               <a:rPr lang="en-US" dirty="0" smtClean="0"/>
-              <a:t>Used in: entertainment, military, sports, medicine. </a:t>
-            </a:r>
-            <a:r>
-              <a:rPr lang="en-US" dirty="0" smtClean="0"/>
-              <a:t>We used it for capturing body movements and then using captured data animating human model in our application.</a:t>
+              <a:t>Used in various areas, such as entertainment, military, sports, medicine. We used it for capturing body movements and then using captured data animating human model in our application.</a:t>
             </a:r>
           </a:p>
           <a:p>
@@ -11055,15 +11194,7 @@
             <a:pPr lvl="1"/>
             <a:r>
               <a:rPr lang="en-US" dirty="0" smtClean="0"/>
-              <a:t>Optical – either reflecting (markers reflect light emitting diodes on the cameras) or light emitting markers (markers are </a:t>
-            </a:r>
-            <a:r>
-              <a:rPr lang="en-US" dirty="0" err="1" smtClean="0"/>
-              <a:t>diods</a:t>
-            </a:r>
-            <a:r>
-              <a:rPr lang="en-US" dirty="0" smtClean="0"/>
-              <a:t>) used on capture subjects. -&gt; High rate, accurate, free movement in capture volume, but post-processing required, lightning must be controlled, markers can be invisible sometimes.</a:t>
+              <a:t>Optical – either reflecting (markers reflect light emitting diodes on the cameras) or light emitting markers (markers are diodes) used on capture subjects. -&gt; High rate, accurate, free movement in capture volume, but post-processing required, lightning must be controlled, markers can be invisible sometimes.</a:t>
             </a:r>
           </a:p>
           <a:p>
@@ -11093,7 +11224,6 @@
               <a:rPr lang="en-US" dirty="0" smtClean="0"/>
               <a:t> adapter and host pc with Vicon IQ2.5 software.</a:t>
             </a:r>
-            <a:endParaRPr lang="en-US" dirty="0" smtClean="0"/>
           </a:p>
         </p:txBody>
       </p:sp>
@@ -11116,11 +11246,7 @@
           <a:p>
             <a:r>
               <a:rPr lang="en-US" dirty="0" smtClean="0"/>
-              <a:t>Hidden. </a:t>
-            </a:r>
-            <a:r>
-              <a:rPr lang="en-US" dirty="0" smtClean="0"/>
-              <a:t>Motion capture</a:t>
+              <a:t>Hidden. Motion capture</a:t>
             </a:r>
             <a:endParaRPr lang="lt-LT" dirty="0"/>
           </a:p>
